--- a/Fragebogen zum Status der Bauqualität.pptx
+++ b/Fragebogen zum Status der Bauqualität.pptx
@@ -14,6 +14,7 @@
     <p:sldId id="263" r:id="rId8"/>
     <p:sldId id="264" r:id="rId9"/>
     <p:sldId id="265" r:id="rId10"/>
+    <p:sldId id="266" r:id="rId11"/>
   </p:sldIdLst>
   <p:sldSz cx="12192000" cy="6858000"/>
   <p:notesSz cx="6858000" cy="9144000"/>
@@ -112,6 +113,11 @@
       </a:defRPr>
     </a:lvl9pPr>
   </p:defaultTextStyle>
+  <p:extLst>
+    <p:ext uri="{EFAFB233-063F-42B5-8137-9DF3F51BA10A}">
+      <p15:sldGuideLst xmlns:p15="http://schemas.microsoft.com/office/powerpoint/2012/main"/>
+    </p:ext>
+  </p:extLst>
 </p:presentation>
 </file>
 
@@ -3755,6 +3761,104 @@
 </p:sld>
 </file>
 
+<file path=ppt/slides/slide10.xml><?xml version="1.0" encoding="utf-8"?>
+<p:sld xmlns:a="http://schemas.openxmlformats.org/drawingml/2006/main" xmlns:r="http://schemas.openxmlformats.org/officeDocument/2006/relationships" xmlns:p="http://schemas.openxmlformats.org/presentationml/2006/main">
+  <p:cSld>
+    <p:spTree>
+      <p:nvGrpSpPr>
+        <p:cNvPr id="1" name=""/>
+        <p:cNvGrpSpPr/>
+        <p:nvPr/>
+      </p:nvGrpSpPr>
+      <p:grpSpPr>
+        <a:xfrm>
+          <a:off x="0" y="0"/>
+          <a:ext cx="0" cy="0"/>
+          <a:chOff x="0" y="0"/>
+          <a:chExt cx="0" cy="0"/>
+        </a:xfrm>
+      </p:grpSpPr>
+      <p:sp>
+        <p:nvSpPr>
+          <p:cNvPr id="2" name="Titel 1">
+            <a:extLst>
+              <a:ext uri="{FF2B5EF4-FFF2-40B4-BE49-F238E27FC236}">
+                <a16:creationId xmlns:a16="http://schemas.microsoft.com/office/drawing/2014/main" id="{7920A7ED-A1A4-4738-859F-58A275E7F327}"/>
+              </a:ext>
+            </a:extLst>
+          </p:cNvPr>
+          <p:cNvSpPr>
+            <a:spLocks noGrp="1"/>
+          </p:cNvSpPr>
+          <p:nvPr>
+            <p:ph type="title"/>
+          </p:nvPr>
+        </p:nvSpPr>
+        <p:spPr/>
+        <p:txBody>
+          <a:bodyPr/>
+          <a:lstStyle/>
+          <a:p>
+            <a:r>
+              <a:rPr lang="de-DE" dirty="0"/>
+              <a:t>Ausblick</a:t>
+            </a:r>
+          </a:p>
+        </p:txBody>
+      </p:sp>
+      <p:sp>
+        <p:nvSpPr>
+          <p:cNvPr id="3" name="Inhaltsplatzhalter 2">
+            <a:extLst>
+              <a:ext uri="{FF2B5EF4-FFF2-40B4-BE49-F238E27FC236}">
+                <a16:creationId xmlns:a16="http://schemas.microsoft.com/office/drawing/2014/main" id="{FCEBA64E-2A61-4FEF-ADEE-8CC7AA23D9B3}"/>
+              </a:ext>
+            </a:extLst>
+          </p:cNvPr>
+          <p:cNvSpPr>
+            <a:spLocks noGrp="1"/>
+          </p:cNvSpPr>
+          <p:nvPr>
+            <p:ph idx="1"/>
+          </p:nvPr>
+        </p:nvSpPr>
+        <p:spPr/>
+        <p:txBody>
+          <a:bodyPr/>
+          <a:lstStyle/>
+          <a:p>
+            <a:r>
+              <a:rPr lang="de-DE" dirty="0"/>
+              <a:t>Daten in Excel-Tabelle überführen</a:t>
+            </a:r>
+          </a:p>
+          <a:p>
+            <a:r>
+              <a:rPr lang="de-DE" dirty="0"/>
+              <a:t>Dokumentation</a:t>
+            </a:r>
+          </a:p>
+          <a:p>
+            <a:r>
+              <a:rPr lang="de-DE" dirty="0"/>
+              <a:t>Authentifizierung</a:t>
+            </a:r>
+          </a:p>
+        </p:txBody>
+      </p:sp>
+    </p:spTree>
+    <p:extLst>
+      <p:ext uri="{BB962C8B-B14F-4D97-AF65-F5344CB8AC3E}">
+        <p14:creationId xmlns:p14="http://schemas.microsoft.com/office/powerpoint/2010/main" val="3350993284"/>
+      </p:ext>
+    </p:extLst>
+  </p:cSld>
+  <p:clrMapOvr>
+    <a:masterClrMapping/>
+  </p:clrMapOvr>
+</p:sld>
+</file>
+
 <file path=ppt/slides/slide2.xml><?xml version="1.0" encoding="utf-8"?>
 <p:sld xmlns:a="http://schemas.openxmlformats.org/drawingml/2006/main" xmlns:r="http://schemas.openxmlformats.org/officeDocument/2006/relationships" xmlns:p="http://schemas.openxmlformats.org/presentationml/2006/main">
   <p:cSld>

--- a/Fragebogen zum Status der Bauqualität.pptx
+++ b/Fragebogen zum Status der Bauqualität.pptx
@@ -11,10 +11,12 @@
     <p:sldId id="259" r:id="rId5"/>
     <p:sldId id="261" r:id="rId6"/>
     <p:sldId id="262" r:id="rId7"/>
-    <p:sldId id="263" r:id="rId8"/>
-    <p:sldId id="264" r:id="rId9"/>
-    <p:sldId id="265" r:id="rId10"/>
-    <p:sldId id="266" r:id="rId11"/>
+    <p:sldId id="267" r:id="rId8"/>
+    <p:sldId id="263" r:id="rId9"/>
+    <p:sldId id="264" r:id="rId10"/>
+    <p:sldId id="265" r:id="rId11"/>
+    <p:sldId id="268" r:id="rId12"/>
+    <p:sldId id="266" r:id="rId13"/>
   </p:sldIdLst>
   <p:sldSz cx="12192000" cy="6858000"/>
   <p:notesSz cx="6858000" cy="9144000"/>
@@ -3764,6 +3766,629 @@
 <file path=ppt/slides/slide10.xml><?xml version="1.0" encoding="utf-8"?>
 <p:sld xmlns:a="http://schemas.openxmlformats.org/drawingml/2006/main" xmlns:r="http://schemas.openxmlformats.org/officeDocument/2006/relationships" xmlns:p="http://schemas.openxmlformats.org/presentationml/2006/main">
   <p:cSld>
+    <p:bg>
+      <p:bgPr>
+        <a:gradFill rotWithShape="1">
+          <a:gsLst>
+            <a:gs pos="0">
+              <a:schemeClr val="bg2">
+                <a:tint val="94000"/>
+                <a:satMod val="80000"/>
+                <a:lumMod val="106000"/>
+              </a:schemeClr>
+            </a:gs>
+            <a:gs pos="100000">
+              <a:schemeClr val="bg2">
+                <a:shade val="80000"/>
+                <a:lumMod val="108000"/>
+              </a:schemeClr>
+            </a:gs>
+          </a:gsLst>
+          <a:path path="circle">
+            <a:fillToRect l="43000" r="43000" b="100000"/>
+          </a:path>
+        </a:gradFill>
+        <a:effectLst/>
+      </p:bgPr>
+    </p:bg>
+    <p:spTree>
+      <p:nvGrpSpPr>
+        <p:cNvPr id="1" name=""/>
+        <p:cNvGrpSpPr/>
+        <p:nvPr/>
+      </p:nvGrpSpPr>
+      <p:grpSpPr>
+        <a:xfrm>
+          <a:off x="0" y="0"/>
+          <a:ext cx="0" cy="0"/>
+          <a:chOff x="0" y="0"/>
+          <a:chExt cx="0" cy="0"/>
+        </a:xfrm>
+      </p:grpSpPr>
+      <p:sp useBgFill="1">
+        <p:nvSpPr>
+          <p:cNvPr id="11" name="Rectangle 10">
+            <a:extLst>
+              <a:ext uri="{FF2B5EF4-FFF2-40B4-BE49-F238E27FC236}">
+                <a16:creationId xmlns:a16="http://schemas.microsoft.com/office/drawing/2014/main" id="{1C69834E-5EEE-4D61-833E-04928896454C}"/>
+              </a:ext>
+              <a:ext uri="{C183D7F6-B498-43B3-948B-1728B52AA6E4}">
+                <adec:decorative xmlns:adec="http://schemas.microsoft.com/office/drawing/2017/decorative" val="1"/>
+              </a:ext>
+            </a:extLst>
+          </p:cNvPr>
+          <p:cNvSpPr>
+            <a:spLocks noGrp="1" noRot="1" noChangeAspect="1" noMove="1" noResize="1" noEditPoints="1" noAdjustHandles="1" noChangeArrowheads="1" noChangeShapeType="1" noTextEdit="1"/>
+          </p:cNvSpPr>
+          <p:nvPr>
+            <p:extLst>
+              <p:ext uri="{386F3935-93C4-4BCD-93E2-E3B085C9AB24}">
+                <p16:designElem xmlns:p16="http://schemas.microsoft.com/office/powerpoint/2015/main" val="1"/>
+              </p:ext>
+            </p:extLst>
+          </p:nvPr>
+        </p:nvSpPr>
+        <p:spPr>
+          <a:xfrm>
+            <a:off x="2" y="0"/>
+            <a:ext cx="12191695" cy="6858000"/>
+          </a:xfrm>
+          <a:prstGeom prst="rect">
+            <a:avLst/>
+          </a:prstGeom>
+          <a:ln>
+            <a:noFill/>
+          </a:ln>
+        </p:spPr>
+        <p:style>
+          <a:lnRef idx="2">
+            <a:schemeClr val="accent1">
+              <a:shade val="50000"/>
+            </a:schemeClr>
+          </a:lnRef>
+          <a:fillRef idx="1">
+            <a:schemeClr val="accent1"/>
+          </a:fillRef>
+          <a:effectRef idx="0">
+            <a:schemeClr val="accent1"/>
+          </a:effectRef>
+          <a:fontRef idx="minor">
+            <a:schemeClr val="lt1"/>
+          </a:fontRef>
+        </p:style>
+        <p:txBody>
+          <a:bodyPr rtlCol="0" anchor="ctr"/>
+          <a:lstStyle/>
+          <a:p>
+            <a:pPr algn="ctr"/>
+            <a:endParaRPr lang="en-US"/>
+          </a:p>
+        </p:txBody>
+      </p:sp>
+      <p:sp>
+        <p:nvSpPr>
+          <p:cNvPr id="13" name="Rectangle 12">
+            <a:extLst>
+              <a:ext uri="{FF2B5EF4-FFF2-40B4-BE49-F238E27FC236}">
+                <a16:creationId xmlns:a16="http://schemas.microsoft.com/office/drawing/2014/main" id="{58E5D9BA-46E7-4BFA-9C74-75495BF6F54D}"/>
+              </a:ext>
+              <a:ext uri="{C183D7F6-B498-43B3-948B-1728B52AA6E4}">
+                <adec:decorative xmlns:adec="http://schemas.microsoft.com/office/drawing/2017/decorative" val="1"/>
+              </a:ext>
+            </a:extLst>
+          </p:cNvPr>
+          <p:cNvSpPr>
+            <a:spLocks noGrp="1" noRot="1" noChangeAspect="1" noMove="1" noResize="1" noEditPoints="1" noAdjustHandles="1" noChangeArrowheads="1" noChangeShapeType="1" noTextEdit="1"/>
+          </p:cNvSpPr>
+          <p:nvPr>
+            <p:extLst>
+              <p:ext uri="{386F3935-93C4-4BCD-93E2-E3B085C9AB24}">
+                <p16:designElem xmlns:p16="http://schemas.microsoft.com/office/powerpoint/2015/main" val="1"/>
+              </p:ext>
+            </p:extLst>
+          </p:nvPr>
+        </p:nvSpPr>
+        <p:spPr>
+          <a:xfrm>
+            <a:off x="0" y="2019476"/>
+            <a:ext cx="12192000" cy="4105941"/>
+          </a:xfrm>
+          <a:prstGeom prst="rect">
+            <a:avLst/>
+          </a:prstGeom>
+          <a:gradFill flip="none" rotWithShape="1">
+            <a:gsLst>
+              <a:gs pos="0">
+                <a:schemeClr val="bg2">
+                  <a:alpha val="0"/>
+                </a:schemeClr>
+              </a:gs>
+              <a:gs pos="100000">
+                <a:schemeClr val="bg2"/>
+              </a:gs>
+            </a:gsLst>
+            <a:lin ang="5400000" scaled="0"/>
+            <a:tileRect/>
+          </a:gradFill>
+          <a:ln>
+            <a:noFill/>
+          </a:ln>
+        </p:spPr>
+        <p:style>
+          <a:lnRef idx="2">
+            <a:schemeClr val="accent1">
+              <a:shade val="50000"/>
+            </a:schemeClr>
+          </a:lnRef>
+          <a:fillRef idx="1">
+            <a:schemeClr val="accent1"/>
+          </a:fillRef>
+          <a:effectRef idx="0">
+            <a:schemeClr val="accent1"/>
+          </a:effectRef>
+          <a:fontRef idx="minor">
+            <a:schemeClr val="lt1"/>
+          </a:fontRef>
+        </p:style>
+        <p:txBody>
+          <a:bodyPr rtlCol="0" anchor="ctr"/>
+          <a:lstStyle/>
+          <a:p>
+            <a:pPr lvl="0" algn="ctr"/>
+            <a:endParaRPr lang="en-US"/>
+          </a:p>
+        </p:txBody>
+      </p:sp>
+      <p:sp>
+        <p:nvSpPr>
+          <p:cNvPr id="15" name="Rectangle 14">
+            <a:extLst>
+              <a:ext uri="{FF2B5EF4-FFF2-40B4-BE49-F238E27FC236}">
+                <a16:creationId xmlns:a16="http://schemas.microsoft.com/office/drawing/2014/main" id="{5B033D76-5800-44B6-AFE9-EE2106935115}"/>
+              </a:ext>
+              <a:ext uri="{C183D7F6-B498-43B3-948B-1728B52AA6E4}">
+                <adec:decorative xmlns:adec="http://schemas.microsoft.com/office/drawing/2017/decorative" val="1"/>
+              </a:ext>
+            </a:extLst>
+          </p:cNvPr>
+          <p:cNvSpPr>
+            <a:spLocks noGrp="1" noRot="1" noChangeAspect="1" noMove="1" noResize="1" noEditPoints="1" noAdjustHandles="1" noChangeArrowheads="1" noChangeShapeType="1" noTextEdit="1"/>
+          </p:cNvSpPr>
+          <p:nvPr>
+            <p:extLst>
+              <p:ext uri="{386F3935-93C4-4BCD-93E2-E3B085C9AB24}">
+                <p16:designElem xmlns:p16="http://schemas.microsoft.com/office/powerpoint/2015/main" val="1"/>
+              </p:ext>
+            </p:extLst>
+          </p:nvPr>
+        </p:nvSpPr>
+        <p:spPr>
+          <a:xfrm>
+            <a:off x="643180" y="638508"/>
+            <a:ext cx="10905339" cy="4843439"/>
+          </a:xfrm>
+          <a:prstGeom prst="rect">
+            <a:avLst/>
+          </a:prstGeom>
+          <a:gradFill rotWithShape="1">
+            <a:gsLst>
+              <a:gs pos="0">
+                <a:sysClr val="windowText" lastClr="000000">
+                  <a:lumMod val="85000"/>
+                  <a:lumOff val="15000"/>
+                </a:sysClr>
+              </a:gs>
+              <a:gs pos="100000">
+                <a:sysClr val="windowText" lastClr="000000">
+                  <a:lumMod val="95000"/>
+                  <a:lumOff val="5000"/>
+                </a:sysClr>
+              </a:gs>
+            </a:gsLst>
+            <a:lin ang="5400000" scaled="0"/>
+          </a:gradFill>
+          <a:ln w="76200" cap="flat" cmpd="sng" algn="ctr">
+            <a:noFill/>
+            <a:prstDash val="solid"/>
+            <a:miter lim="800000"/>
+          </a:ln>
+          <a:effectLst>
+            <a:outerShdw blurRad="127000" dist="228600" dir="4740000" sx="98000" sy="98000" algn="tl" rotWithShape="0">
+              <a:srgbClr val="000000">
+                <a:alpha val="34000"/>
+              </a:srgbClr>
+            </a:outerShdw>
+          </a:effectLst>
+          <a:scene3d>
+            <a:camera prst="orthographicFront"/>
+            <a:lightRig rig="threePt" dir="t"/>
+          </a:scene3d>
+          <a:sp3d>
+            <a:bevelT w="114300" prst="artDeco"/>
+          </a:sp3d>
+        </p:spPr>
+        <p:txBody>
+          <a:bodyPr rtlCol="0" anchor="ctr"/>
+          <a:lstStyle/>
+          <a:p>
+            <a:pPr algn="ctr" defTabSz="914400"/>
+            <a:endParaRPr lang="en-US" kern="0">
+              <a:solidFill>
+                <a:prstClr val="white"/>
+              </a:solidFill>
+              <a:latin typeface="Century Gothic" panose="020B0502020202020204"/>
+            </a:endParaRPr>
+          </a:p>
+        </p:txBody>
+      </p:sp>
+      <p:sp>
+        <p:nvSpPr>
+          <p:cNvPr id="17" name="Rectangle 16">
+            <a:extLst>
+              <a:ext uri="{FF2B5EF4-FFF2-40B4-BE49-F238E27FC236}">
+                <a16:creationId xmlns:a16="http://schemas.microsoft.com/office/drawing/2014/main" id="{522D6F85-FFBA-4F81-AEE5-AAA17CB7AA98}"/>
+              </a:ext>
+              <a:ext uri="{C183D7F6-B498-43B3-948B-1728B52AA6E4}">
+                <adec:decorative xmlns:adec="http://schemas.microsoft.com/office/drawing/2017/decorative" val="1"/>
+              </a:ext>
+            </a:extLst>
+          </p:cNvPr>
+          <p:cNvSpPr>
+            <a:spLocks noGrp="1" noRot="1" noChangeAspect="1" noMove="1" noResize="1" noEditPoints="1" noAdjustHandles="1" noChangeArrowheads="1" noChangeShapeType="1" noTextEdit="1"/>
+          </p:cNvSpPr>
+          <p:nvPr>
+            <p:extLst>
+              <p:ext uri="{386F3935-93C4-4BCD-93E2-E3B085C9AB24}">
+                <p16:designElem xmlns:p16="http://schemas.microsoft.com/office/powerpoint/2015/main" val="1"/>
+              </p:ext>
+            </p:extLst>
+          </p:nvPr>
+        </p:nvSpPr>
+        <p:spPr>
+          <a:xfrm>
+            <a:off x="870204" y="865667"/>
+            <a:ext cx="10451592" cy="4389120"/>
+          </a:xfrm>
+          <a:prstGeom prst="rect">
+            <a:avLst/>
+          </a:prstGeom>
+          <a:gradFill rotWithShape="1">
+            <a:gsLst>
+              <a:gs pos="0">
+                <a:srgbClr val="DADADA"/>
+              </a:gs>
+              <a:gs pos="100000">
+                <a:srgbClr val="FFFFFE"/>
+              </a:gs>
+            </a:gsLst>
+            <a:lin ang="16200000" scaled="0"/>
+          </a:gradFill>
+          <a:ln w="50800" cap="flat" cmpd="sng" algn="ctr">
+            <a:solidFill>
+              <a:srgbClr val="191919"/>
+            </a:solidFill>
+            <a:prstDash val="solid"/>
+            <a:miter lim="800000"/>
+          </a:ln>
+          <a:effectLst>
+            <a:innerShdw blurRad="63500" dist="88900" dir="14100000">
+              <a:srgbClr val="000000">
+                <a:alpha val="30000"/>
+              </a:srgbClr>
+            </a:innerShdw>
+          </a:effectLst>
+          <a:scene3d>
+            <a:camera prst="orthographicFront"/>
+            <a:lightRig rig="threePt" dir="t"/>
+          </a:scene3d>
+          <a:sp3d>
+            <a:bevelT prst="relaxedInset"/>
+          </a:sp3d>
+        </p:spPr>
+        <p:txBody>
+          <a:bodyPr rtlCol="0" anchor="ctr"/>
+          <a:lstStyle/>
+          <a:p>
+            <a:pPr algn="ctr" defTabSz="914400"/>
+            <a:endParaRPr lang="en-US" kern="0">
+              <a:solidFill>
+                <a:prstClr val="white"/>
+              </a:solidFill>
+              <a:latin typeface="Century Gothic" panose="020B0502020202020204"/>
+            </a:endParaRPr>
+          </a:p>
+        </p:txBody>
+      </p:sp>
+      <p:sp>
+        <p:nvSpPr>
+          <p:cNvPr id="19" name="Rectangle 18">
+            <a:extLst>
+              <a:ext uri="{FF2B5EF4-FFF2-40B4-BE49-F238E27FC236}">
+                <a16:creationId xmlns:a16="http://schemas.microsoft.com/office/drawing/2014/main" id="{13B31514-E6DF-4357-9EEA-EFB7983080DA}"/>
+              </a:ext>
+              <a:ext uri="{C183D7F6-B498-43B3-948B-1728B52AA6E4}">
+                <adec:decorative xmlns:adec="http://schemas.microsoft.com/office/drawing/2017/decorative" val="1"/>
+              </a:ext>
+            </a:extLst>
+          </p:cNvPr>
+          <p:cNvSpPr>
+            <a:spLocks noGrp="1" noRot="1" noChangeAspect="1" noMove="1" noResize="1" noEditPoints="1" noAdjustHandles="1" noChangeArrowheads="1" noChangeShapeType="1" noTextEdit="1"/>
+          </p:cNvSpPr>
+          <p:nvPr>
+            <p:extLst>
+              <p:ext uri="{386F3935-93C4-4BCD-93E2-E3B085C9AB24}">
+                <p16:designElem xmlns:p16="http://schemas.microsoft.com/office/powerpoint/2015/main" val="1"/>
+              </p:ext>
+            </p:extLst>
+          </p:nvPr>
+        </p:nvSpPr>
+        <p:spPr>
+          <a:xfrm>
+            <a:off x="1034645" y="1030259"/>
+            <a:ext cx="10122408" cy="4059936"/>
+          </a:xfrm>
+          <a:prstGeom prst="rect">
+            <a:avLst/>
+          </a:prstGeom>
+          <a:solidFill>
+            <a:srgbClr val="FFFFFE"/>
+          </a:solidFill>
+          <a:ln w="6350" cap="flat" cmpd="sng" algn="ctr">
+            <a:solidFill>
+              <a:srgbClr val="DCDCE0"/>
+            </a:solidFill>
+            <a:prstDash val="solid"/>
+          </a:ln>
+          <a:effectLst/>
+        </p:spPr>
+        <p:txBody>
+          <a:bodyPr rtlCol="0" anchor="ctr"/>
+          <a:lstStyle/>
+          <a:p>
+            <a:pPr algn="ctr" defTabSz="914400"/>
+            <a:endParaRPr lang="en-US" kern="0">
+              <a:solidFill>
+                <a:prstClr val="white"/>
+              </a:solidFill>
+              <a:latin typeface="Century Gothic" panose="020B0502020202020204"/>
+            </a:endParaRPr>
+          </a:p>
+        </p:txBody>
+      </p:sp>
+      <p:sp>
+        <p:nvSpPr>
+          <p:cNvPr id="5" name="Titel 4">
+            <a:extLst>
+              <a:ext uri="{FF2B5EF4-FFF2-40B4-BE49-F238E27FC236}">
+                <a16:creationId xmlns:a16="http://schemas.microsoft.com/office/drawing/2014/main" id="{A8E2F3EC-F320-48A6-A280-B8EB74673759}"/>
+              </a:ext>
+            </a:extLst>
+          </p:cNvPr>
+          <p:cNvSpPr>
+            <a:spLocks noGrp="1"/>
+          </p:cNvSpPr>
+          <p:nvPr>
+            <p:ph type="ctrTitle"/>
+          </p:nvPr>
+        </p:nvSpPr>
+        <p:spPr>
+          <a:xfrm>
+            <a:off x="1546222" y="1584552"/>
+            <a:ext cx="9099255" cy="2537251"/>
+          </a:xfrm>
+        </p:spPr>
+        <p:txBody>
+          <a:bodyPr anchor="ctr">
+            <a:normAutofit/>
+          </a:bodyPr>
+          <a:lstStyle/>
+          <a:p>
+            <a:pPr algn="ctr"/>
+            <a:r>
+              <a:rPr lang="de-DE" sz="8000" dirty="0">
+                <a:solidFill>
+                  <a:srgbClr val="454545"/>
+                </a:solidFill>
+              </a:rPr>
+              <a:t>Software Demo</a:t>
+            </a:r>
+          </a:p>
+        </p:txBody>
+      </p:sp>
+      <p:cxnSp>
+        <p:nvCxnSpPr>
+          <p:cNvPr id="21" name="Straight Connector 20">
+            <a:extLst>
+              <a:ext uri="{FF2B5EF4-FFF2-40B4-BE49-F238E27FC236}">
+                <a16:creationId xmlns:a16="http://schemas.microsoft.com/office/drawing/2014/main" id="{412BDC66-00FA-4A3F-9BC7-BE05FF7705F8}"/>
+              </a:ext>
+              <a:ext uri="{C183D7F6-B498-43B3-948B-1728B52AA6E4}">
+                <adec:decorative xmlns:adec="http://schemas.microsoft.com/office/drawing/2017/decorative" val="1"/>
+              </a:ext>
+            </a:extLst>
+          </p:cNvPr>
+          <p:cNvCxnSpPr>
+            <a:cxnSpLocks noGrp="1" noRot="1" noChangeAspect="1" noMove="1" noResize="1" noEditPoints="1" noAdjustHandles="1" noChangeArrowheads="1" noChangeShapeType="1"/>
+          </p:cNvCxnSpPr>
+          <p:nvPr>
+            <p:extLst>
+              <p:ext uri="{386F3935-93C4-4BCD-93E2-E3B085C9AB24}">
+                <p16:designElem xmlns:p16="http://schemas.microsoft.com/office/powerpoint/2015/main" val="1"/>
+              </p:ext>
+            </p:extLst>
+          </p:nvPr>
+        </p:nvCxnSpPr>
+        <p:spPr>
+          <a:xfrm>
+            <a:off x="0" y="6128413"/>
+            <a:ext cx="12192000" cy="0"/>
+          </a:xfrm>
+          <a:prstGeom prst="line">
+            <a:avLst/>
+          </a:prstGeom>
+          <a:ln w="12700">
+            <a:solidFill>
+              <a:srgbClr val="000001">
+                <a:alpha val="20000"/>
+              </a:srgbClr>
+            </a:solidFill>
+          </a:ln>
+        </p:spPr>
+        <p:style>
+          <a:lnRef idx="1">
+            <a:schemeClr val="accent1"/>
+          </a:lnRef>
+          <a:fillRef idx="0">
+            <a:schemeClr val="accent1"/>
+          </a:fillRef>
+          <a:effectRef idx="0">
+            <a:schemeClr val="accent1"/>
+          </a:effectRef>
+          <a:fontRef idx="minor">
+            <a:schemeClr val="tx1"/>
+          </a:fontRef>
+        </p:style>
+      </p:cxnSp>
+      <p:pic>
+        <p:nvPicPr>
+          <p:cNvPr id="23" name="Picture 22">
+            <a:extLst>
+              <a:ext uri="{FF2B5EF4-FFF2-40B4-BE49-F238E27FC236}">
+                <a16:creationId xmlns:a16="http://schemas.microsoft.com/office/drawing/2014/main" id="{1EDE8358-DCAB-4435-B043-58877C674356}"/>
+              </a:ext>
+              <a:ext uri="{C183D7F6-B498-43B3-948B-1728B52AA6E4}">
+                <adec:decorative xmlns:adec="http://schemas.microsoft.com/office/drawing/2017/decorative" val="1"/>
+              </a:ext>
+            </a:extLst>
+          </p:cNvPr>
+          <p:cNvPicPr>
+            <a:picLocks noGrp="1" noRot="1" noChangeAspect="1" noMove="1" noResize="1" noEditPoints="1" noAdjustHandles="1" noChangeArrowheads="1" noChangeShapeType="1" noCrop="1"/>
+          </p:cNvPicPr>
+          <p:nvPr>
+            <p:extLst>
+              <p:ext uri="{386F3935-93C4-4BCD-93E2-E3B085C9AB24}">
+                <p16:designElem xmlns:p16="http://schemas.microsoft.com/office/powerpoint/2015/main" val="1"/>
+              </p:ext>
+            </p:extLst>
+          </p:nvPr>
+        </p:nvPicPr>
+        <p:blipFill rotWithShape="1">
+          <a:blip r:embed="rId2">
+            <a:extLst>
+              <a:ext uri="{28A0092B-C50C-407E-A947-70E740481C1C}">
+                <a14:useLocalDpi xmlns:a14="http://schemas.microsoft.com/office/drawing/2010/main" val="0"/>
+              </a:ext>
+            </a:extLst>
+          </a:blip>
+          <a:srcRect t="1538" b="-1538"/>
+          <a:stretch/>
+        </p:blipFill>
+        <p:spPr>
+          <a:xfrm>
+            <a:off x="0" y="6119336"/>
+            <a:ext cx="12192000" cy="742950"/>
+          </a:xfrm>
+          <a:prstGeom prst="rect">
+            <a:avLst/>
+          </a:prstGeom>
+        </p:spPr>
+      </p:pic>
+    </p:spTree>
+    <p:extLst>
+      <p:ext uri="{BB962C8B-B14F-4D97-AF65-F5344CB8AC3E}">
+        <p14:creationId xmlns:p14="http://schemas.microsoft.com/office/powerpoint/2010/main" val="3467510122"/>
+      </p:ext>
+    </p:extLst>
+  </p:cSld>
+  <p:clrMapOvr>
+    <a:overrideClrMapping bg1="dk1" tx1="lt1" bg2="dk2" tx2="lt2" accent1="accent1" accent2="accent2" accent3="accent3" accent4="accent4" accent5="accent5" accent6="accent6" hlink="hlink" folHlink="folHlink"/>
+  </p:clrMapOvr>
+</p:sld>
+</file>
+
+<file path=ppt/slides/slide11.xml><?xml version="1.0" encoding="utf-8"?>
+<p:sld xmlns:a="http://schemas.openxmlformats.org/drawingml/2006/main" xmlns:r="http://schemas.openxmlformats.org/officeDocument/2006/relationships" xmlns:p="http://schemas.openxmlformats.org/presentationml/2006/main">
+  <p:cSld>
+    <p:spTree>
+      <p:nvGrpSpPr>
+        <p:cNvPr id="1" name=""/>
+        <p:cNvGrpSpPr/>
+        <p:nvPr/>
+      </p:nvGrpSpPr>
+      <p:grpSpPr>
+        <a:xfrm>
+          <a:off x="0" y="0"/>
+          <a:ext cx="0" cy="0"/>
+          <a:chOff x="0" y="0"/>
+          <a:chExt cx="0" cy="0"/>
+        </a:xfrm>
+      </p:grpSpPr>
+      <p:sp>
+        <p:nvSpPr>
+          <p:cNvPr id="2" name="Titel 1">
+            <a:extLst>
+              <a:ext uri="{FF2B5EF4-FFF2-40B4-BE49-F238E27FC236}">
+                <a16:creationId xmlns:a16="http://schemas.microsoft.com/office/drawing/2014/main" id="{152EC8D9-DBB7-4C0D-964D-F3437F7CC9D5}"/>
+              </a:ext>
+            </a:extLst>
+          </p:cNvPr>
+          <p:cNvSpPr>
+            <a:spLocks noGrp="1"/>
+          </p:cNvSpPr>
+          <p:nvPr>
+            <p:ph type="title"/>
+          </p:nvPr>
+        </p:nvSpPr>
+        <p:spPr/>
+        <p:txBody>
+          <a:bodyPr/>
+          <a:lstStyle/>
+          <a:p>
+            <a:endParaRPr lang="de-DE"/>
+          </a:p>
+        </p:txBody>
+      </p:sp>
+      <p:sp>
+        <p:nvSpPr>
+          <p:cNvPr id="3" name="Inhaltsplatzhalter 2">
+            <a:extLst>
+              <a:ext uri="{FF2B5EF4-FFF2-40B4-BE49-F238E27FC236}">
+                <a16:creationId xmlns:a16="http://schemas.microsoft.com/office/drawing/2014/main" id="{210C8FBC-2A8C-4D1F-BB7E-9878299E8480}"/>
+              </a:ext>
+            </a:extLst>
+          </p:cNvPr>
+          <p:cNvSpPr>
+            <a:spLocks noGrp="1"/>
+          </p:cNvSpPr>
+          <p:nvPr>
+            <p:ph idx="1"/>
+          </p:nvPr>
+        </p:nvSpPr>
+        <p:spPr/>
+        <p:txBody>
+          <a:bodyPr/>
+          <a:lstStyle/>
+          <a:p>
+            <a:endParaRPr lang="de-DE"/>
+          </a:p>
+        </p:txBody>
+      </p:sp>
+    </p:spTree>
+    <p:extLst>
+      <p:ext uri="{BB962C8B-B14F-4D97-AF65-F5344CB8AC3E}">
+        <p14:creationId xmlns:p14="http://schemas.microsoft.com/office/powerpoint/2010/main" val="2253530331"/>
+      </p:ext>
+    </p:extLst>
+  </p:cSld>
+  <p:clrMapOvr>
+    <a:masterClrMapping/>
+  </p:clrMapOvr>
+</p:sld>
+</file>
+
+<file path=ppt/slides/slide12.xml><?xml version="1.0" encoding="utf-8"?>
+<p:sld xmlns:a="http://schemas.openxmlformats.org/drawingml/2006/main" xmlns:r="http://schemas.openxmlformats.org/officeDocument/2006/relationships" xmlns:p="http://schemas.openxmlformats.org/presentationml/2006/main">
+  <p:cSld>
     <p:spTree>
       <p:nvGrpSpPr>
         <p:cNvPr id="1" name=""/>
@@ -5432,501 +6057,71 @@
           <a:chExt cx="0" cy="0"/>
         </a:xfrm>
       </p:grpSpPr>
+      <p:sp>
+        <p:nvSpPr>
+          <p:cNvPr id="5" name="Titel 4">
+            <a:extLst>
+              <a:ext uri="{FF2B5EF4-FFF2-40B4-BE49-F238E27FC236}">
+                <a16:creationId xmlns:a16="http://schemas.microsoft.com/office/drawing/2014/main" id="{06DFFEF7-720C-4B9D-AB47-686C592359A7}"/>
+              </a:ext>
+            </a:extLst>
+          </p:cNvPr>
+          <p:cNvSpPr>
+            <a:spLocks noGrp="1"/>
+          </p:cNvSpPr>
+          <p:nvPr>
+            <p:ph type="title"/>
+          </p:nvPr>
+        </p:nvSpPr>
+        <p:spPr/>
+        <p:txBody>
+          <a:bodyPr vert="horz" lIns="91440" tIns="45720" rIns="91440" bIns="45720" rtlCol="0" anchor="ctr">
+            <a:normAutofit/>
+          </a:bodyPr>
+          <a:lstStyle/>
+          <a:p>
+            <a:r>
+              <a:rPr lang="en-US" dirty="0" err="1"/>
+              <a:t>Aktivitätsdiagramm</a:t>
+            </a:r>
+            <a:endParaRPr lang="en-US" dirty="0"/>
+          </a:p>
+        </p:txBody>
+      </p:sp>
       <p:pic>
         <p:nvPicPr>
-          <p:cNvPr id="12" name="Picture 11">
+          <p:cNvPr id="73" name="Grafik 72">
             <a:extLst>
               <a:ext uri="{FF2B5EF4-FFF2-40B4-BE49-F238E27FC236}">
-                <a16:creationId xmlns:a16="http://schemas.microsoft.com/office/drawing/2014/main" id="{F28373B5-F4E4-4102-9D27-E17631B4C7A8}"/>
-              </a:ext>
-              <a:ext uri="{C183D7F6-B498-43B3-948B-1728B52AA6E4}">
-                <adec:decorative xmlns:adec="http://schemas.microsoft.com/office/drawing/2017/decorative" val="1"/>
+                <a16:creationId xmlns:a16="http://schemas.microsoft.com/office/drawing/2014/main" id="{74FCC3DC-0701-4304-B05A-740F8969AEFD}"/>
               </a:ext>
             </a:extLst>
           </p:cNvPr>
           <p:cNvPicPr>
-            <a:picLocks noGrp="1" noRot="1" noChangeAspect="1" noMove="1" noResize="1" noEditPoints="1" noAdjustHandles="1" noChangeArrowheads="1" noChangeShapeType="1" noCrop="1"/>
+            <a:picLocks noChangeAspect="1"/>
           </p:cNvPicPr>
-          <p:nvPr>
-            <p:extLst>
-              <p:ext uri="{386F3935-93C4-4BCD-93E2-E3B085C9AB24}">
-                <p16:designElem xmlns:p16="http://schemas.microsoft.com/office/powerpoint/2015/main" val="1"/>
-              </p:ext>
-            </p:extLst>
-          </p:nvPr>
+          <p:nvPr/>
         </p:nvPicPr>
-        <p:blipFill rotWithShape="1">
-          <a:blip r:embed="rId2">
-            <a:extLst>
-              <a:ext uri="{28A0092B-C50C-407E-A947-70E740481C1C}">
-                <a14:useLocalDpi xmlns:a14="http://schemas.microsoft.com/office/drawing/2010/main" val="0"/>
-              </a:ext>
-            </a:extLst>
-          </a:blip>
-          <a:srcRect t="1538" b="-1538"/>
-          <a:stretch/>
+        <p:blipFill>
+          <a:blip r:embed="rId2"/>
+          <a:stretch>
+            <a:fillRect/>
+          </a:stretch>
         </p:blipFill>
         <p:spPr>
           <a:xfrm>
-            <a:off x="0" y="6119336"/>
-            <a:ext cx="12192000" cy="742950"/>
+            <a:off x="1328737" y="1865928"/>
+            <a:ext cx="9534525" cy="4133850"/>
           </a:xfrm>
           <a:prstGeom prst="rect">
             <a:avLst/>
           </a:prstGeom>
         </p:spPr>
       </p:pic>
-      <p:sp>
-        <p:nvSpPr>
-          <p:cNvPr id="14" name="Rectangle 13">
-            <a:extLst>
-              <a:ext uri="{FF2B5EF4-FFF2-40B4-BE49-F238E27FC236}">
-                <a16:creationId xmlns:a16="http://schemas.microsoft.com/office/drawing/2014/main" id="{F23306E6-5D0B-439F-BB88-7F1CEA89BD63}"/>
-              </a:ext>
-              <a:ext uri="{C183D7F6-B498-43B3-948B-1728B52AA6E4}">
-                <adec:decorative xmlns:adec="http://schemas.microsoft.com/office/drawing/2017/decorative" val="1"/>
-              </a:ext>
-            </a:extLst>
-          </p:cNvPr>
-          <p:cNvSpPr>
-            <a:spLocks noGrp="1" noRot="1" noChangeAspect="1" noMove="1" noResize="1" noEditPoints="1" noAdjustHandles="1" noChangeArrowheads="1" noChangeShapeType="1" noTextEdit="1"/>
-          </p:cNvSpPr>
-          <p:nvPr>
-            <p:extLst>
-              <p:ext uri="{386F3935-93C4-4BCD-93E2-E3B085C9AB24}">
-                <p16:designElem xmlns:p16="http://schemas.microsoft.com/office/powerpoint/2015/main" val="1"/>
-              </p:ext>
-            </p:extLst>
-          </p:nvPr>
-        </p:nvSpPr>
-        <p:spPr>
-          <a:xfrm>
-            <a:off x="0" y="468769"/>
-            <a:ext cx="12192000" cy="5647024"/>
-          </a:xfrm>
-          <a:prstGeom prst="rect">
-            <a:avLst/>
-          </a:prstGeom>
-          <a:gradFill flip="none" rotWithShape="1">
-            <a:gsLst>
-              <a:gs pos="0">
-                <a:schemeClr val="bg2">
-                  <a:alpha val="0"/>
-                  <a:lumMod val="100000"/>
-                </a:schemeClr>
-              </a:gs>
-              <a:gs pos="100000">
-                <a:schemeClr val="bg2">
-                  <a:lumMod val="95000"/>
-                  <a:lumOff val="5000"/>
-                </a:schemeClr>
-              </a:gs>
-            </a:gsLst>
-            <a:lin ang="5400000" scaled="0"/>
-            <a:tileRect/>
-          </a:gradFill>
-          <a:ln>
-            <a:noFill/>
-          </a:ln>
-        </p:spPr>
-        <p:style>
-          <a:lnRef idx="2">
-            <a:schemeClr val="accent1">
-              <a:shade val="50000"/>
-            </a:schemeClr>
-          </a:lnRef>
-          <a:fillRef idx="1">
-            <a:schemeClr val="accent1"/>
-          </a:fillRef>
-          <a:effectRef idx="0">
-            <a:schemeClr val="accent1"/>
-          </a:effectRef>
-          <a:fontRef idx="minor">
-            <a:schemeClr val="lt1"/>
-          </a:fontRef>
-        </p:style>
-      </p:sp>
-      <p:cxnSp>
-        <p:nvCxnSpPr>
-          <p:cNvPr id="16" name="Straight Connector 15">
-            <a:extLst>
-              <a:ext uri="{FF2B5EF4-FFF2-40B4-BE49-F238E27FC236}">
-                <a16:creationId xmlns:a16="http://schemas.microsoft.com/office/drawing/2014/main" id="{23D9016E-713D-40ED-A242-4F407E905380}"/>
-              </a:ext>
-              <a:ext uri="{C183D7F6-B498-43B3-948B-1728B52AA6E4}">
-                <adec:decorative xmlns:adec="http://schemas.microsoft.com/office/drawing/2017/decorative" val="1"/>
-              </a:ext>
-            </a:extLst>
-          </p:cNvPr>
-          <p:cNvCxnSpPr>
-            <a:cxnSpLocks noGrp="1" noRot="1" noChangeAspect="1" noMove="1" noResize="1" noEditPoints="1" noAdjustHandles="1" noChangeArrowheads="1" noChangeShapeType="1"/>
-          </p:cNvCxnSpPr>
-          <p:nvPr>
-            <p:extLst>
-              <p:ext uri="{386F3935-93C4-4BCD-93E2-E3B085C9AB24}">
-                <p16:designElem xmlns:p16="http://schemas.microsoft.com/office/powerpoint/2015/main" val="1"/>
-              </p:ext>
-            </p:extLst>
-          </p:nvPr>
-        </p:nvCxnSpPr>
-        <p:spPr>
-          <a:xfrm>
-            <a:off x="0" y="6121269"/>
-            <a:ext cx="12192000" cy="0"/>
-          </a:xfrm>
-          <a:prstGeom prst="line">
-            <a:avLst/>
-          </a:prstGeom>
-          <a:ln w="12700">
-            <a:solidFill>
-              <a:srgbClr val="000001">
-                <a:alpha val="20000"/>
-              </a:srgbClr>
-            </a:solidFill>
-          </a:ln>
-        </p:spPr>
-        <p:style>
-          <a:lnRef idx="1">
-            <a:schemeClr val="accent1"/>
-          </a:lnRef>
-          <a:fillRef idx="0">
-            <a:schemeClr val="accent1"/>
-          </a:fillRef>
-          <a:effectRef idx="0">
-            <a:schemeClr val="accent1"/>
-          </a:effectRef>
-          <a:fontRef idx="minor">
-            <a:schemeClr val="tx1"/>
-          </a:fontRef>
-        </p:style>
-      </p:cxnSp>
-      <p:pic>
-        <p:nvPicPr>
-          <p:cNvPr id="18" name="Picture 17">
-            <a:extLst>
-              <a:ext uri="{FF2B5EF4-FFF2-40B4-BE49-F238E27FC236}">
-                <a16:creationId xmlns:a16="http://schemas.microsoft.com/office/drawing/2014/main" id="{FF1DEE04-57A9-4F64-958D-D1D4941EF5A5}"/>
-              </a:ext>
-              <a:ext uri="{C183D7F6-B498-43B3-948B-1728B52AA6E4}">
-                <adec:decorative xmlns:adec="http://schemas.microsoft.com/office/drawing/2017/decorative" val="1"/>
-              </a:ext>
-            </a:extLst>
-          </p:cNvPr>
-          <p:cNvPicPr>
-            <a:picLocks noGrp="1" noRot="1" noChangeAspect="1" noMove="1" noResize="1" noEditPoints="1" noAdjustHandles="1" noChangeArrowheads="1" noChangeShapeType="1" noCrop="1"/>
-          </p:cNvPicPr>
-          <p:nvPr>
-            <p:extLst>
-              <p:ext uri="{386F3935-93C4-4BCD-93E2-E3B085C9AB24}">
-                <p16:designElem xmlns:p16="http://schemas.microsoft.com/office/powerpoint/2015/main" val="1"/>
-              </p:ext>
-            </p:extLst>
-          </p:nvPr>
-        </p:nvPicPr>
-        <p:blipFill rotWithShape="1">
-          <a:blip r:embed="rId3">
-            <a:duotone>
-              <a:schemeClr val="accent1">
-                <a:shade val="45000"/>
-                <a:satMod val="135000"/>
-              </a:schemeClr>
-              <a:prstClr val="white"/>
-            </a:duotone>
-            <a:extLst>
-              <a:ext uri="{28A0092B-C50C-407E-A947-70E740481C1C}">
-                <a14:useLocalDpi xmlns:a14="http://schemas.microsoft.com/office/drawing/2010/main" val="0"/>
-              </a:ext>
-            </a:extLst>
-          </a:blip>
-          <a:srcRect l="-115" r="15828" b="36435"/>
-          <a:stretch/>
-        </p:blipFill>
-        <p:spPr>
-          <a:xfrm>
-            <a:off x="1125460" y="643464"/>
-            <a:ext cx="9610344" cy="155448"/>
-          </a:xfrm>
-          <a:prstGeom prst="rect">
-            <a:avLst/>
-          </a:prstGeom>
-          <a:noFill/>
-          <a:ln>
-            <a:noFill/>
-          </a:ln>
-        </p:spPr>
-      </p:pic>
-      <p:sp useBgFill="1">
-        <p:nvSpPr>
-          <p:cNvPr id="20" name="Rectangle 19">
-            <a:extLst>
-              <a:ext uri="{FF2B5EF4-FFF2-40B4-BE49-F238E27FC236}">
-                <a16:creationId xmlns:a16="http://schemas.microsoft.com/office/drawing/2014/main" id="{54F891EB-ED45-44C3-95D6-FFB2EC07FA10}"/>
-              </a:ext>
-              <a:ext uri="{C183D7F6-B498-43B3-948B-1728B52AA6E4}">
-                <adec:decorative xmlns:adec="http://schemas.microsoft.com/office/drawing/2017/decorative" val="1"/>
-              </a:ext>
-            </a:extLst>
-          </p:cNvPr>
-          <p:cNvSpPr>
-            <a:spLocks noGrp="1" noRot="1" noChangeAspect="1" noMove="1" noResize="1" noEditPoints="1" noAdjustHandles="1" noChangeArrowheads="1" noChangeShapeType="1" noTextEdit="1"/>
-          </p:cNvSpPr>
-          <p:nvPr>
-            <p:extLst>
-              <p:ext uri="{386F3935-93C4-4BCD-93E2-E3B085C9AB24}">
-                <p16:designElem xmlns:p16="http://schemas.microsoft.com/office/powerpoint/2015/main" val="1"/>
-              </p:ext>
-            </p:extLst>
-          </p:nvPr>
-        </p:nvSpPr>
-        <p:spPr>
-          <a:xfrm>
-            <a:off x="303" y="0"/>
-            <a:ext cx="12191695" cy="6858000"/>
-          </a:xfrm>
-          <a:prstGeom prst="rect">
-            <a:avLst/>
-          </a:prstGeom>
-          <a:ln>
-            <a:noFill/>
-          </a:ln>
-        </p:spPr>
-        <p:style>
-          <a:lnRef idx="2">
-            <a:schemeClr val="accent1">
-              <a:shade val="50000"/>
-            </a:schemeClr>
-          </a:lnRef>
-          <a:fillRef idx="1">
-            <a:schemeClr val="accent1"/>
-          </a:fillRef>
-          <a:effectRef idx="0">
-            <a:schemeClr val="accent1"/>
-          </a:effectRef>
-          <a:fontRef idx="minor">
-            <a:schemeClr val="lt1"/>
-          </a:fontRef>
-        </p:style>
-        <p:txBody>
-          <a:bodyPr rtlCol="0" anchor="ctr"/>
-          <a:lstStyle/>
-          <a:p>
-            <a:pPr algn="ctr"/>
-            <a:endParaRPr lang="en-US"/>
-          </a:p>
-        </p:txBody>
-      </p:sp>
-      <p:pic>
-        <p:nvPicPr>
-          <p:cNvPr id="22" name="Picture 21">
-            <a:extLst>
-              <a:ext uri="{FF2B5EF4-FFF2-40B4-BE49-F238E27FC236}">
-                <a16:creationId xmlns:a16="http://schemas.microsoft.com/office/drawing/2014/main" id="{52601FD5-D17C-47EF-BB5F-E055332CDDE5}"/>
-              </a:ext>
-              <a:ext uri="{C183D7F6-B498-43B3-948B-1728B52AA6E4}">
-                <adec:decorative xmlns:adec="http://schemas.microsoft.com/office/drawing/2017/decorative" val="1"/>
-              </a:ext>
-            </a:extLst>
-          </p:cNvPr>
-          <p:cNvPicPr>
-            <a:picLocks noGrp="1" noRot="1" noChangeAspect="1" noMove="1" noResize="1" noEditPoints="1" noAdjustHandles="1" noChangeArrowheads="1" noChangeShapeType="1" noCrop="1"/>
-          </p:cNvPicPr>
-          <p:nvPr>
-            <p:extLst>
-              <p:ext uri="{386F3935-93C4-4BCD-93E2-E3B085C9AB24}">
-                <p16:designElem xmlns:p16="http://schemas.microsoft.com/office/powerpoint/2015/main" val="1"/>
-              </p:ext>
-            </p:extLst>
-          </p:nvPr>
-        </p:nvPicPr>
-        <p:blipFill rotWithShape="1">
-          <a:blip r:embed="rId3">
-            <a:duotone>
-              <a:schemeClr val="accent1">
-                <a:shade val="45000"/>
-                <a:satMod val="135000"/>
-              </a:schemeClr>
-              <a:prstClr val="white"/>
-            </a:duotone>
-            <a:extLst>
-              <a:ext uri="{28A0092B-C50C-407E-A947-70E740481C1C}">
-                <a14:useLocalDpi xmlns:a14="http://schemas.microsoft.com/office/drawing/2010/main" val="0"/>
-              </a:ext>
-            </a:extLst>
-          </a:blip>
-          <a:srcRect l="23891" t="10889" r="38495" b="30830"/>
-          <a:stretch/>
-        </p:blipFill>
-        <p:spPr>
-          <a:xfrm rot="5400000">
-            <a:off x="2198529" y="2906130"/>
-            <a:ext cx="4288809" cy="142524"/>
-          </a:xfrm>
-          <a:prstGeom prst="rect">
-            <a:avLst/>
-          </a:prstGeom>
-          <a:noFill/>
-          <a:ln>
-            <a:noFill/>
-          </a:ln>
-        </p:spPr>
-      </p:pic>
-      <p:pic>
-        <p:nvPicPr>
-          <p:cNvPr id="24" name="Picture 23">
-            <a:extLst>
-              <a:ext uri="{FF2B5EF4-FFF2-40B4-BE49-F238E27FC236}">
-                <a16:creationId xmlns:a16="http://schemas.microsoft.com/office/drawing/2014/main" id="{EA46E13C-7D1D-43C5-B7B8-D0FD3B2B9B44}"/>
-              </a:ext>
-              <a:ext uri="{C183D7F6-B498-43B3-948B-1728B52AA6E4}">
-                <adec:decorative xmlns:adec="http://schemas.microsoft.com/office/drawing/2017/decorative" val="1"/>
-              </a:ext>
-            </a:extLst>
-          </p:cNvPr>
-          <p:cNvPicPr>
-            <a:picLocks noGrp="1" noRot="1" noChangeAspect="1" noMove="1" noResize="1" noEditPoints="1" noAdjustHandles="1" noChangeArrowheads="1" noChangeShapeType="1" noCrop="1"/>
-          </p:cNvPicPr>
-          <p:nvPr>
-            <p:extLst>
-              <p:ext uri="{386F3935-93C4-4BCD-93E2-E3B085C9AB24}">
-                <p16:designElem xmlns:p16="http://schemas.microsoft.com/office/powerpoint/2015/main" val="1"/>
-              </p:ext>
-            </p:extLst>
-          </p:nvPr>
-        </p:nvPicPr>
-        <p:blipFill rotWithShape="1">
-          <a:blip r:embed="rId2">
-            <a:extLst>
-              <a:ext uri="{28A0092B-C50C-407E-A947-70E740481C1C}">
-                <a14:useLocalDpi xmlns:a14="http://schemas.microsoft.com/office/drawing/2010/main" val="0"/>
-              </a:ext>
-            </a:extLst>
-          </a:blip>
-          <a:srcRect t="1538" b="-1538"/>
-          <a:stretch/>
-        </p:blipFill>
-        <p:spPr>
-          <a:xfrm>
-            <a:off x="0" y="6119336"/>
-            <a:ext cx="12192000" cy="742950"/>
-          </a:xfrm>
-          <a:prstGeom prst="rect">
-            <a:avLst/>
-          </a:prstGeom>
-        </p:spPr>
-      </p:pic>
-      <p:sp>
-        <p:nvSpPr>
-          <p:cNvPr id="26" name="Rectangle 25">
-            <a:extLst>
-              <a:ext uri="{FF2B5EF4-FFF2-40B4-BE49-F238E27FC236}">
-                <a16:creationId xmlns:a16="http://schemas.microsoft.com/office/drawing/2014/main" id="{2EA385B8-7C85-4CE0-AE3A-00EB627B3443}"/>
-              </a:ext>
-              <a:ext uri="{C183D7F6-B498-43B3-948B-1728B52AA6E4}">
-                <adec:decorative xmlns:adec="http://schemas.microsoft.com/office/drawing/2017/decorative" val="1"/>
-              </a:ext>
-            </a:extLst>
-          </p:cNvPr>
-          <p:cNvSpPr>
-            <a:spLocks noGrp="1" noRot="1" noChangeAspect="1" noMove="1" noResize="1" noEditPoints="1" noAdjustHandles="1" noChangeArrowheads="1" noChangeShapeType="1" noTextEdit="1"/>
-          </p:cNvSpPr>
-          <p:nvPr>
-            <p:extLst>
-              <p:ext uri="{386F3935-93C4-4BCD-93E2-E3B085C9AB24}">
-                <p16:designElem xmlns:p16="http://schemas.microsoft.com/office/powerpoint/2015/main" val="1"/>
-              </p:ext>
-            </p:extLst>
-          </p:nvPr>
-        </p:nvSpPr>
-        <p:spPr>
-          <a:xfrm>
-            <a:off x="0" y="2019476"/>
-            <a:ext cx="12192000" cy="4105941"/>
-          </a:xfrm>
-          <a:prstGeom prst="rect">
-            <a:avLst/>
-          </a:prstGeom>
-          <a:gradFill flip="none" rotWithShape="1">
-            <a:gsLst>
-              <a:gs pos="0">
-                <a:schemeClr val="bg2">
-                  <a:alpha val="0"/>
-                </a:schemeClr>
-              </a:gs>
-              <a:gs pos="100000">
-                <a:schemeClr val="bg2"/>
-              </a:gs>
-            </a:gsLst>
-            <a:lin ang="5400000" scaled="0"/>
-            <a:tileRect/>
-          </a:gradFill>
-          <a:ln>
-            <a:noFill/>
-          </a:ln>
-        </p:spPr>
-        <p:style>
-          <a:lnRef idx="2">
-            <a:schemeClr val="accent1">
-              <a:shade val="50000"/>
-            </a:schemeClr>
-          </a:lnRef>
-          <a:fillRef idx="1">
-            <a:schemeClr val="accent1"/>
-          </a:fillRef>
-          <a:effectRef idx="0">
-            <a:schemeClr val="accent1"/>
-          </a:effectRef>
-          <a:fontRef idx="minor">
-            <a:schemeClr val="lt1"/>
-          </a:fontRef>
-        </p:style>
-        <p:txBody>
-          <a:bodyPr rtlCol="0" anchor="ctr"/>
-          <a:lstStyle/>
-          <a:p>
-            <a:pPr lvl="0" algn="ctr"/>
-            <a:endParaRPr lang="en-US"/>
-          </a:p>
-        </p:txBody>
-      </p:sp>
-      <p:sp>
-        <p:nvSpPr>
-          <p:cNvPr id="5" name="Titel 4">
-            <a:extLst>
-              <a:ext uri="{FF2B5EF4-FFF2-40B4-BE49-F238E27FC236}">
-                <a16:creationId xmlns:a16="http://schemas.microsoft.com/office/drawing/2014/main" id="{A5E51495-99A4-4AB3-BCF7-77996613A4DE}"/>
-              </a:ext>
-            </a:extLst>
-          </p:cNvPr>
-          <p:cNvSpPr>
-            <a:spLocks noGrp="1"/>
-          </p:cNvSpPr>
-          <p:nvPr>
-            <p:ph type="title"/>
-          </p:nvPr>
-        </p:nvSpPr>
-        <p:spPr>
-          <a:xfrm>
-            <a:off x="893523" y="804519"/>
-            <a:ext cx="3160501" cy="4431360"/>
-          </a:xfrm>
-        </p:spPr>
-        <p:txBody>
-          <a:bodyPr vert="horz" lIns="91440" tIns="45720" rIns="91440" bIns="45720" rtlCol="0" anchor="ctr">
-            <a:normAutofit/>
-          </a:bodyPr>
-          <a:lstStyle/>
-          <a:p>
-            <a:r>
-              <a:rPr lang="en-US" dirty="0"/>
-              <a:t>Entity-Relationship-Modell</a:t>
-            </a:r>
-          </a:p>
-        </p:txBody>
-      </p:sp>
     </p:spTree>
     <p:extLst>
       <p:ext uri="{BB962C8B-B14F-4D97-AF65-F5344CB8AC3E}">
-        <p14:creationId xmlns:p14="http://schemas.microsoft.com/office/powerpoint/2010/main" val="3680795878"/>
+        <p14:creationId xmlns:p14="http://schemas.microsoft.com/office/powerpoint/2010/main" val="3186904444"/>
       </p:ext>
     </p:extLst>
   </p:cSld>
@@ -6439,7 +6634,7 @@
           <p:cNvPr id="5" name="Titel 4">
             <a:extLst>
               <a:ext uri="{FF2B5EF4-FFF2-40B4-BE49-F238E27FC236}">
-                <a16:creationId xmlns:a16="http://schemas.microsoft.com/office/drawing/2014/main" id="{9EE296BD-82E8-4C02-81FC-0D24B738D053}"/>
+                <a16:creationId xmlns:a16="http://schemas.microsoft.com/office/drawing/2014/main" id="{A5E51495-99A4-4AB3-BCF7-77996613A4DE}"/>
               </a:ext>
             </a:extLst>
           </p:cNvPr>
@@ -6464,45 +6659,15 @@
           <a:p>
             <a:r>
               <a:rPr lang="en-US" dirty="0"/>
-              <a:t>Mockups</a:t>
-            </a:r>
-          </a:p>
-        </p:txBody>
-      </p:sp>
-      <p:pic>
-        <p:nvPicPr>
-          <p:cNvPr id="9" name="Grafik 8">
-            <a:extLst>
-              <a:ext uri="{FF2B5EF4-FFF2-40B4-BE49-F238E27FC236}">
-                <a16:creationId xmlns:a16="http://schemas.microsoft.com/office/drawing/2014/main" id="{DE13F682-6C16-4A01-B725-1EB59AECD925}"/>
-              </a:ext>
-            </a:extLst>
-          </p:cNvPr>
-          <p:cNvPicPr>
-            <a:picLocks noChangeAspect="1"/>
-          </p:cNvPicPr>
-          <p:nvPr/>
-        </p:nvPicPr>
-        <p:blipFill>
-          <a:blip r:embed="rId4"/>
-          <a:stretch>
-            <a:fillRect/>
-          </a:stretch>
-        </p:blipFill>
-        <p:spPr>
-          <a:xfrm>
-            <a:off x="4357048" y="-39124"/>
-            <a:ext cx="7834649" cy="6154174"/>
-          </a:xfrm>
-          <a:prstGeom prst="rect">
-            <a:avLst/>
-          </a:prstGeom>
-        </p:spPr>
-      </p:pic>
+              <a:t>Entity-Relationship-Modell</a:t>
+            </a:r>
+          </a:p>
+        </p:txBody>
+      </p:sp>
     </p:spTree>
     <p:extLst>
       <p:ext uri="{BB962C8B-B14F-4D97-AF65-F5344CB8AC3E}">
-        <p14:creationId xmlns:p14="http://schemas.microsoft.com/office/powerpoint/2010/main" val="668946566"/>
+        <p14:creationId xmlns:p14="http://schemas.microsoft.com/office/powerpoint/2010/main" val="3680795878"/>
       </p:ext>
     </p:extLst>
   </p:cSld>
@@ -6520,14 +6685,14 @@
         <a:gradFill rotWithShape="1">
           <a:gsLst>
             <a:gs pos="0">
-              <a:schemeClr val="bg2">
+              <a:schemeClr val="bg1">
                 <a:tint val="94000"/>
                 <a:satMod val="80000"/>
                 <a:lumMod val="106000"/>
               </a:schemeClr>
             </a:gs>
             <a:gs pos="100000">
-              <a:schemeClr val="bg2">
+              <a:schemeClr val="bg1">
                 <a:shade val="80000"/>
                 <a:lumMod val="108000"/>
               </a:schemeClr>
@@ -6554,21 +6719,21 @@
           <a:chExt cx="0" cy="0"/>
         </a:xfrm>
       </p:grpSpPr>
-      <p:sp useBgFill="1">
-        <p:nvSpPr>
-          <p:cNvPr id="11" name="Rectangle 10">
+      <p:pic>
+        <p:nvPicPr>
+          <p:cNvPr id="12" name="Picture 11">
             <a:extLst>
               <a:ext uri="{FF2B5EF4-FFF2-40B4-BE49-F238E27FC236}">
-                <a16:creationId xmlns:a16="http://schemas.microsoft.com/office/drawing/2014/main" id="{1C69834E-5EEE-4D61-833E-04928896454C}"/>
+                <a16:creationId xmlns:a16="http://schemas.microsoft.com/office/drawing/2014/main" id="{F28373B5-F4E4-4102-9D27-E17631B4C7A8}"/>
               </a:ext>
               <a:ext uri="{C183D7F6-B498-43B3-948B-1728B52AA6E4}">
                 <adec:decorative xmlns:adec="http://schemas.microsoft.com/office/drawing/2017/decorative" val="1"/>
               </a:ext>
             </a:extLst>
           </p:cNvPr>
-          <p:cNvSpPr>
-            <a:spLocks noGrp="1" noRot="1" noChangeAspect="1" noMove="1" noResize="1" noEditPoints="1" noAdjustHandles="1" noChangeArrowheads="1" noChangeShapeType="1" noTextEdit="1"/>
-          </p:cNvSpPr>
+          <p:cNvPicPr>
+            <a:picLocks noGrp="1" noRot="1" noChangeAspect="1" noMove="1" noResize="1" noEditPoints="1" noAdjustHandles="1" noChangeArrowheads="1" noChangeShapeType="1" noCrop="1"/>
+          </p:cNvPicPr>
           <p:nvPr>
             <p:extLst>
               <p:ext uri="{386F3935-93C4-4BCD-93E2-E3B085C9AB24}">
@@ -6576,15 +6741,77 @@
               </p:ext>
             </p:extLst>
           </p:nvPr>
-        </p:nvSpPr>
-        <p:spPr>
-          <a:xfrm>
-            <a:off x="2" y="0"/>
-            <a:ext cx="12191695" cy="6858000"/>
+        </p:nvPicPr>
+        <p:blipFill rotWithShape="1">
+          <a:blip r:embed="rId2">
+            <a:extLst>
+              <a:ext uri="{28A0092B-C50C-407E-A947-70E740481C1C}">
+                <a14:useLocalDpi xmlns:a14="http://schemas.microsoft.com/office/drawing/2010/main" val="0"/>
+              </a:ext>
+            </a:extLst>
+          </a:blip>
+          <a:srcRect t="1538" b="-1538"/>
+          <a:stretch/>
+        </p:blipFill>
+        <p:spPr>
+          <a:xfrm>
+            <a:off x="0" y="6119336"/>
+            <a:ext cx="12192000" cy="742950"/>
           </a:xfrm>
           <a:prstGeom prst="rect">
             <a:avLst/>
           </a:prstGeom>
+        </p:spPr>
+      </p:pic>
+      <p:sp>
+        <p:nvSpPr>
+          <p:cNvPr id="14" name="Rectangle 13">
+            <a:extLst>
+              <a:ext uri="{FF2B5EF4-FFF2-40B4-BE49-F238E27FC236}">
+                <a16:creationId xmlns:a16="http://schemas.microsoft.com/office/drawing/2014/main" id="{F23306E6-5D0B-439F-BB88-7F1CEA89BD63}"/>
+              </a:ext>
+              <a:ext uri="{C183D7F6-B498-43B3-948B-1728B52AA6E4}">
+                <adec:decorative xmlns:adec="http://schemas.microsoft.com/office/drawing/2017/decorative" val="1"/>
+              </a:ext>
+            </a:extLst>
+          </p:cNvPr>
+          <p:cNvSpPr>
+            <a:spLocks noGrp="1" noRot="1" noChangeAspect="1" noMove="1" noResize="1" noEditPoints="1" noAdjustHandles="1" noChangeArrowheads="1" noChangeShapeType="1" noTextEdit="1"/>
+          </p:cNvSpPr>
+          <p:nvPr>
+            <p:extLst>
+              <p:ext uri="{386F3935-93C4-4BCD-93E2-E3B085C9AB24}">
+                <p16:designElem xmlns:p16="http://schemas.microsoft.com/office/powerpoint/2015/main" val="1"/>
+              </p:ext>
+            </p:extLst>
+          </p:nvPr>
+        </p:nvSpPr>
+        <p:spPr>
+          <a:xfrm>
+            <a:off x="0" y="468769"/>
+            <a:ext cx="12192000" cy="5647024"/>
+          </a:xfrm>
+          <a:prstGeom prst="rect">
+            <a:avLst/>
+          </a:prstGeom>
+          <a:gradFill flip="none" rotWithShape="1">
+            <a:gsLst>
+              <a:gs pos="0">
+                <a:schemeClr val="bg2">
+                  <a:alpha val="0"/>
+                  <a:lumMod val="100000"/>
+                </a:schemeClr>
+              </a:gs>
+              <a:gs pos="100000">
+                <a:schemeClr val="bg2">
+                  <a:lumMod val="95000"/>
+                  <a:lumOff val="5000"/>
+                </a:schemeClr>
+              </a:gs>
+            </a:gsLst>
+            <a:lin ang="5400000" scaled="0"/>
+            <a:tileRect/>
+          </a:gradFill>
           <a:ln>
             <a:noFill/>
           </a:ln>
@@ -6605,6 +6832,167 @@
             <a:schemeClr val="lt1"/>
           </a:fontRef>
         </p:style>
+      </p:sp>
+      <p:cxnSp>
+        <p:nvCxnSpPr>
+          <p:cNvPr id="16" name="Straight Connector 15">
+            <a:extLst>
+              <a:ext uri="{FF2B5EF4-FFF2-40B4-BE49-F238E27FC236}">
+                <a16:creationId xmlns:a16="http://schemas.microsoft.com/office/drawing/2014/main" id="{23D9016E-713D-40ED-A242-4F407E905380}"/>
+              </a:ext>
+              <a:ext uri="{C183D7F6-B498-43B3-948B-1728B52AA6E4}">
+                <adec:decorative xmlns:adec="http://schemas.microsoft.com/office/drawing/2017/decorative" val="1"/>
+              </a:ext>
+            </a:extLst>
+          </p:cNvPr>
+          <p:cNvCxnSpPr>
+            <a:cxnSpLocks noGrp="1" noRot="1" noChangeAspect="1" noMove="1" noResize="1" noEditPoints="1" noAdjustHandles="1" noChangeArrowheads="1" noChangeShapeType="1"/>
+          </p:cNvCxnSpPr>
+          <p:nvPr>
+            <p:extLst>
+              <p:ext uri="{386F3935-93C4-4BCD-93E2-E3B085C9AB24}">
+                <p16:designElem xmlns:p16="http://schemas.microsoft.com/office/powerpoint/2015/main" val="1"/>
+              </p:ext>
+            </p:extLst>
+          </p:nvPr>
+        </p:nvCxnSpPr>
+        <p:spPr>
+          <a:xfrm>
+            <a:off x="0" y="6121269"/>
+            <a:ext cx="12192000" cy="0"/>
+          </a:xfrm>
+          <a:prstGeom prst="line">
+            <a:avLst/>
+          </a:prstGeom>
+          <a:ln w="12700">
+            <a:solidFill>
+              <a:srgbClr val="000001">
+                <a:alpha val="20000"/>
+              </a:srgbClr>
+            </a:solidFill>
+          </a:ln>
+        </p:spPr>
+        <p:style>
+          <a:lnRef idx="1">
+            <a:schemeClr val="accent1"/>
+          </a:lnRef>
+          <a:fillRef idx="0">
+            <a:schemeClr val="accent1"/>
+          </a:fillRef>
+          <a:effectRef idx="0">
+            <a:schemeClr val="accent1"/>
+          </a:effectRef>
+          <a:fontRef idx="minor">
+            <a:schemeClr val="tx1"/>
+          </a:fontRef>
+        </p:style>
+      </p:cxnSp>
+      <p:pic>
+        <p:nvPicPr>
+          <p:cNvPr id="18" name="Picture 17">
+            <a:extLst>
+              <a:ext uri="{FF2B5EF4-FFF2-40B4-BE49-F238E27FC236}">
+                <a16:creationId xmlns:a16="http://schemas.microsoft.com/office/drawing/2014/main" id="{FF1DEE04-57A9-4F64-958D-D1D4941EF5A5}"/>
+              </a:ext>
+              <a:ext uri="{C183D7F6-B498-43B3-948B-1728B52AA6E4}">
+                <adec:decorative xmlns:adec="http://schemas.microsoft.com/office/drawing/2017/decorative" val="1"/>
+              </a:ext>
+            </a:extLst>
+          </p:cNvPr>
+          <p:cNvPicPr>
+            <a:picLocks noGrp="1" noRot="1" noChangeAspect="1" noMove="1" noResize="1" noEditPoints="1" noAdjustHandles="1" noChangeArrowheads="1" noChangeShapeType="1" noCrop="1"/>
+          </p:cNvPicPr>
+          <p:nvPr>
+            <p:extLst>
+              <p:ext uri="{386F3935-93C4-4BCD-93E2-E3B085C9AB24}">
+                <p16:designElem xmlns:p16="http://schemas.microsoft.com/office/powerpoint/2015/main" val="1"/>
+              </p:ext>
+            </p:extLst>
+          </p:nvPr>
+        </p:nvPicPr>
+        <p:blipFill rotWithShape="1">
+          <a:blip r:embed="rId3">
+            <a:duotone>
+              <a:schemeClr val="accent1">
+                <a:shade val="45000"/>
+                <a:satMod val="135000"/>
+              </a:schemeClr>
+              <a:prstClr val="white"/>
+            </a:duotone>
+            <a:extLst>
+              <a:ext uri="{28A0092B-C50C-407E-A947-70E740481C1C}">
+                <a14:useLocalDpi xmlns:a14="http://schemas.microsoft.com/office/drawing/2010/main" val="0"/>
+              </a:ext>
+            </a:extLst>
+          </a:blip>
+          <a:srcRect l="-115" r="15828" b="36435"/>
+          <a:stretch/>
+        </p:blipFill>
+        <p:spPr>
+          <a:xfrm>
+            <a:off x="1125460" y="643464"/>
+            <a:ext cx="9610344" cy="155448"/>
+          </a:xfrm>
+          <a:prstGeom prst="rect">
+            <a:avLst/>
+          </a:prstGeom>
+          <a:noFill/>
+          <a:ln>
+            <a:noFill/>
+          </a:ln>
+        </p:spPr>
+      </p:pic>
+      <p:sp useBgFill="1">
+        <p:nvSpPr>
+          <p:cNvPr id="20" name="Rectangle 19">
+            <a:extLst>
+              <a:ext uri="{FF2B5EF4-FFF2-40B4-BE49-F238E27FC236}">
+                <a16:creationId xmlns:a16="http://schemas.microsoft.com/office/drawing/2014/main" id="{54F891EB-ED45-44C3-95D6-FFB2EC07FA10}"/>
+              </a:ext>
+              <a:ext uri="{C183D7F6-B498-43B3-948B-1728B52AA6E4}">
+                <adec:decorative xmlns:adec="http://schemas.microsoft.com/office/drawing/2017/decorative" val="1"/>
+              </a:ext>
+            </a:extLst>
+          </p:cNvPr>
+          <p:cNvSpPr>
+            <a:spLocks noGrp="1" noRot="1" noChangeAspect="1" noMove="1" noResize="1" noEditPoints="1" noAdjustHandles="1" noChangeArrowheads="1" noChangeShapeType="1" noTextEdit="1"/>
+          </p:cNvSpPr>
+          <p:nvPr>
+            <p:extLst>
+              <p:ext uri="{386F3935-93C4-4BCD-93E2-E3B085C9AB24}">
+                <p16:designElem xmlns:p16="http://schemas.microsoft.com/office/powerpoint/2015/main" val="1"/>
+              </p:ext>
+            </p:extLst>
+          </p:nvPr>
+        </p:nvSpPr>
+        <p:spPr>
+          <a:xfrm>
+            <a:off x="303" y="0"/>
+            <a:ext cx="12191695" cy="6858000"/>
+          </a:xfrm>
+          <a:prstGeom prst="rect">
+            <a:avLst/>
+          </a:prstGeom>
+          <a:ln>
+            <a:noFill/>
+          </a:ln>
+        </p:spPr>
+        <p:style>
+          <a:lnRef idx="2">
+            <a:schemeClr val="accent1">
+              <a:shade val="50000"/>
+            </a:schemeClr>
+          </a:lnRef>
+          <a:fillRef idx="1">
+            <a:schemeClr val="accent1"/>
+          </a:fillRef>
+          <a:effectRef idx="0">
+            <a:schemeClr val="accent1"/>
+          </a:effectRef>
+          <a:fontRef idx="minor">
+            <a:schemeClr val="lt1"/>
+          </a:fontRef>
+        </p:style>
         <p:txBody>
           <a:bodyPr rtlCol="0" anchor="ctr"/>
           <a:lstStyle/>
@@ -6614,12 +7002,111 @@
           </a:p>
         </p:txBody>
       </p:sp>
-      <p:sp>
-        <p:nvSpPr>
-          <p:cNvPr id="13" name="Rectangle 12">
+      <p:pic>
+        <p:nvPicPr>
+          <p:cNvPr id="22" name="Picture 21">
             <a:extLst>
               <a:ext uri="{FF2B5EF4-FFF2-40B4-BE49-F238E27FC236}">
-                <a16:creationId xmlns:a16="http://schemas.microsoft.com/office/drawing/2014/main" id="{58E5D9BA-46E7-4BFA-9C74-75495BF6F54D}"/>
+                <a16:creationId xmlns:a16="http://schemas.microsoft.com/office/drawing/2014/main" id="{52601FD5-D17C-47EF-BB5F-E055332CDDE5}"/>
+              </a:ext>
+              <a:ext uri="{C183D7F6-B498-43B3-948B-1728B52AA6E4}">
+                <adec:decorative xmlns:adec="http://schemas.microsoft.com/office/drawing/2017/decorative" val="1"/>
+              </a:ext>
+            </a:extLst>
+          </p:cNvPr>
+          <p:cNvPicPr>
+            <a:picLocks noGrp="1" noRot="1" noChangeAspect="1" noMove="1" noResize="1" noEditPoints="1" noAdjustHandles="1" noChangeArrowheads="1" noChangeShapeType="1" noCrop="1"/>
+          </p:cNvPicPr>
+          <p:nvPr>
+            <p:extLst>
+              <p:ext uri="{386F3935-93C4-4BCD-93E2-E3B085C9AB24}">
+                <p16:designElem xmlns:p16="http://schemas.microsoft.com/office/powerpoint/2015/main" val="1"/>
+              </p:ext>
+            </p:extLst>
+          </p:nvPr>
+        </p:nvPicPr>
+        <p:blipFill rotWithShape="1">
+          <a:blip r:embed="rId3">
+            <a:duotone>
+              <a:schemeClr val="accent1">
+                <a:shade val="45000"/>
+                <a:satMod val="135000"/>
+              </a:schemeClr>
+              <a:prstClr val="white"/>
+            </a:duotone>
+            <a:extLst>
+              <a:ext uri="{28A0092B-C50C-407E-A947-70E740481C1C}">
+                <a14:useLocalDpi xmlns:a14="http://schemas.microsoft.com/office/drawing/2010/main" val="0"/>
+              </a:ext>
+            </a:extLst>
+          </a:blip>
+          <a:srcRect l="23891" t="10889" r="38495" b="30830"/>
+          <a:stretch/>
+        </p:blipFill>
+        <p:spPr>
+          <a:xfrm rot="5400000">
+            <a:off x="2198529" y="2906130"/>
+            <a:ext cx="4288809" cy="142524"/>
+          </a:xfrm>
+          <a:prstGeom prst="rect">
+            <a:avLst/>
+          </a:prstGeom>
+          <a:noFill/>
+          <a:ln>
+            <a:noFill/>
+          </a:ln>
+        </p:spPr>
+      </p:pic>
+      <p:pic>
+        <p:nvPicPr>
+          <p:cNvPr id="24" name="Picture 23">
+            <a:extLst>
+              <a:ext uri="{FF2B5EF4-FFF2-40B4-BE49-F238E27FC236}">
+                <a16:creationId xmlns:a16="http://schemas.microsoft.com/office/drawing/2014/main" id="{EA46E13C-7D1D-43C5-B7B8-D0FD3B2B9B44}"/>
+              </a:ext>
+              <a:ext uri="{C183D7F6-B498-43B3-948B-1728B52AA6E4}">
+                <adec:decorative xmlns:adec="http://schemas.microsoft.com/office/drawing/2017/decorative" val="1"/>
+              </a:ext>
+            </a:extLst>
+          </p:cNvPr>
+          <p:cNvPicPr>
+            <a:picLocks noGrp="1" noRot="1" noChangeAspect="1" noMove="1" noResize="1" noEditPoints="1" noAdjustHandles="1" noChangeArrowheads="1" noChangeShapeType="1" noCrop="1"/>
+          </p:cNvPicPr>
+          <p:nvPr>
+            <p:extLst>
+              <p:ext uri="{386F3935-93C4-4BCD-93E2-E3B085C9AB24}">
+                <p16:designElem xmlns:p16="http://schemas.microsoft.com/office/powerpoint/2015/main" val="1"/>
+              </p:ext>
+            </p:extLst>
+          </p:nvPr>
+        </p:nvPicPr>
+        <p:blipFill rotWithShape="1">
+          <a:blip r:embed="rId2">
+            <a:extLst>
+              <a:ext uri="{28A0092B-C50C-407E-A947-70E740481C1C}">
+                <a14:useLocalDpi xmlns:a14="http://schemas.microsoft.com/office/drawing/2010/main" val="0"/>
+              </a:ext>
+            </a:extLst>
+          </a:blip>
+          <a:srcRect t="1538" b="-1538"/>
+          <a:stretch/>
+        </p:blipFill>
+        <p:spPr>
+          <a:xfrm>
+            <a:off x="0" y="6119336"/>
+            <a:ext cx="12192000" cy="742950"/>
+          </a:xfrm>
+          <a:prstGeom prst="rect">
+            <a:avLst/>
+          </a:prstGeom>
+        </p:spPr>
+      </p:pic>
+      <p:sp>
+        <p:nvSpPr>
+          <p:cNvPr id="26" name="Rectangle 25">
+            <a:extLst>
+              <a:ext uri="{FF2B5EF4-FFF2-40B4-BE49-F238E27FC236}">
+                <a16:creationId xmlns:a16="http://schemas.microsoft.com/office/drawing/2014/main" id="{2EA385B8-7C85-4CE0-AE3A-00EB627B3443}"/>
               </a:ext>
               <a:ext uri="{C183D7F6-B498-43B3-948B-1728B52AA6E4}">
                 <adec:decorative xmlns:adec="http://schemas.microsoft.com/office/drawing/2017/decorative" val="1"/>
@@ -6690,352 +7177,63 @@
       </p:sp>
       <p:sp>
         <p:nvSpPr>
-          <p:cNvPr id="15" name="Rectangle 14">
+          <p:cNvPr id="5" name="Titel 4">
             <a:extLst>
               <a:ext uri="{FF2B5EF4-FFF2-40B4-BE49-F238E27FC236}">
-                <a16:creationId xmlns:a16="http://schemas.microsoft.com/office/drawing/2014/main" id="{5B033D76-5800-44B6-AFE9-EE2106935115}"/>
-              </a:ext>
-              <a:ext uri="{C183D7F6-B498-43B3-948B-1728B52AA6E4}">
-                <adec:decorative xmlns:adec="http://schemas.microsoft.com/office/drawing/2017/decorative" val="1"/>
+                <a16:creationId xmlns:a16="http://schemas.microsoft.com/office/drawing/2014/main" id="{9EE296BD-82E8-4C02-81FC-0D24B738D053}"/>
               </a:ext>
             </a:extLst>
           </p:cNvPr>
           <p:cNvSpPr>
-            <a:spLocks noGrp="1" noRot="1" noChangeAspect="1" noMove="1" noResize="1" noEditPoints="1" noAdjustHandles="1" noChangeArrowheads="1" noChangeShapeType="1" noTextEdit="1"/>
-          </p:cNvSpPr>
-          <p:nvPr>
-            <p:extLst>
-              <p:ext uri="{386F3935-93C4-4BCD-93E2-E3B085C9AB24}">
-                <p16:designElem xmlns:p16="http://schemas.microsoft.com/office/powerpoint/2015/main" val="1"/>
-              </p:ext>
-            </p:extLst>
-          </p:nvPr>
-        </p:nvSpPr>
-        <p:spPr>
-          <a:xfrm>
-            <a:off x="643180" y="638508"/>
-            <a:ext cx="10905339" cy="4843439"/>
-          </a:xfrm>
-          <a:prstGeom prst="rect">
-            <a:avLst/>
-          </a:prstGeom>
-          <a:gradFill rotWithShape="1">
-            <a:gsLst>
-              <a:gs pos="0">
-                <a:sysClr val="windowText" lastClr="000000">
-                  <a:lumMod val="85000"/>
-                  <a:lumOff val="15000"/>
-                </a:sysClr>
-              </a:gs>
-              <a:gs pos="100000">
-                <a:sysClr val="windowText" lastClr="000000">
-                  <a:lumMod val="95000"/>
-                  <a:lumOff val="5000"/>
-                </a:sysClr>
-              </a:gs>
-            </a:gsLst>
-            <a:lin ang="5400000" scaled="0"/>
-          </a:gradFill>
-          <a:ln w="76200" cap="flat" cmpd="sng" algn="ctr">
-            <a:noFill/>
-            <a:prstDash val="solid"/>
-            <a:miter lim="800000"/>
-          </a:ln>
-          <a:effectLst>
-            <a:outerShdw blurRad="127000" dist="228600" dir="4740000" sx="98000" sy="98000" algn="tl" rotWithShape="0">
-              <a:srgbClr val="000000">
-                <a:alpha val="34000"/>
-              </a:srgbClr>
-            </a:outerShdw>
-          </a:effectLst>
-          <a:scene3d>
-            <a:camera prst="orthographicFront"/>
-            <a:lightRig rig="threePt" dir="t"/>
-          </a:scene3d>
-          <a:sp3d>
-            <a:bevelT w="114300" prst="artDeco"/>
-          </a:sp3d>
-        </p:spPr>
-        <p:txBody>
-          <a:bodyPr rtlCol="0" anchor="ctr"/>
-          <a:lstStyle/>
-          <a:p>
-            <a:pPr algn="ctr" defTabSz="914400"/>
-            <a:endParaRPr lang="en-US" kern="0">
-              <a:solidFill>
-                <a:prstClr val="white"/>
-              </a:solidFill>
-              <a:latin typeface="Century Gothic" panose="020B0502020202020204"/>
-            </a:endParaRPr>
-          </a:p>
-        </p:txBody>
-      </p:sp>
-      <p:sp>
-        <p:nvSpPr>
-          <p:cNvPr id="17" name="Rectangle 16">
-            <a:extLst>
-              <a:ext uri="{FF2B5EF4-FFF2-40B4-BE49-F238E27FC236}">
-                <a16:creationId xmlns:a16="http://schemas.microsoft.com/office/drawing/2014/main" id="{522D6F85-FFBA-4F81-AEE5-AAA17CB7AA98}"/>
-              </a:ext>
-              <a:ext uri="{C183D7F6-B498-43B3-948B-1728B52AA6E4}">
-                <adec:decorative xmlns:adec="http://schemas.microsoft.com/office/drawing/2017/decorative" val="1"/>
-              </a:ext>
-            </a:extLst>
-          </p:cNvPr>
-          <p:cNvSpPr>
-            <a:spLocks noGrp="1" noRot="1" noChangeAspect="1" noMove="1" noResize="1" noEditPoints="1" noAdjustHandles="1" noChangeArrowheads="1" noChangeShapeType="1" noTextEdit="1"/>
-          </p:cNvSpPr>
-          <p:nvPr>
-            <p:extLst>
-              <p:ext uri="{386F3935-93C4-4BCD-93E2-E3B085C9AB24}">
-                <p16:designElem xmlns:p16="http://schemas.microsoft.com/office/powerpoint/2015/main" val="1"/>
-              </p:ext>
-            </p:extLst>
-          </p:nvPr>
-        </p:nvSpPr>
-        <p:spPr>
-          <a:xfrm>
-            <a:off x="870204" y="865667"/>
-            <a:ext cx="10451592" cy="4389120"/>
-          </a:xfrm>
-          <a:prstGeom prst="rect">
-            <a:avLst/>
-          </a:prstGeom>
-          <a:gradFill rotWithShape="1">
-            <a:gsLst>
-              <a:gs pos="0">
-                <a:srgbClr val="DADADA"/>
-              </a:gs>
-              <a:gs pos="100000">
-                <a:srgbClr val="FFFFFE"/>
-              </a:gs>
-            </a:gsLst>
-            <a:lin ang="16200000" scaled="0"/>
-          </a:gradFill>
-          <a:ln w="50800" cap="flat" cmpd="sng" algn="ctr">
-            <a:solidFill>
-              <a:srgbClr val="191919"/>
-            </a:solidFill>
-            <a:prstDash val="solid"/>
-            <a:miter lim="800000"/>
-          </a:ln>
-          <a:effectLst>
-            <a:innerShdw blurRad="63500" dist="88900" dir="14100000">
-              <a:srgbClr val="000000">
-                <a:alpha val="30000"/>
-              </a:srgbClr>
-            </a:innerShdw>
-          </a:effectLst>
-          <a:scene3d>
-            <a:camera prst="orthographicFront"/>
-            <a:lightRig rig="threePt" dir="t"/>
-          </a:scene3d>
-          <a:sp3d>
-            <a:bevelT prst="relaxedInset"/>
-          </a:sp3d>
-        </p:spPr>
-        <p:txBody>
-          <a:bodyPr rtlCol="0" anchor="ctr"/>
-          <a:lstStyle/>
-          <a:p>
-            <a:pPr algn="ctr" defTabSz="914400"/>
-            <a:endParaRPr lang="en-US" kern="0">
-              <a:solidFill>
-                <a:prstClr val="white"/>
-              </a:solidFill>
-              <a:latin typeface="Century Gothic" panose="020B0502020202020204"/>
-            </a:endParaRPr>
-          </a:p>
-        </p:txBody>
-      </p:sp>
-      <p:sp>
-        <p:nvSpPr>
-          <p:cNvPr id="19" name="Rectangle 18">
-            <a:extLst>
-              <a:ext uri="{FF2B5EF4-FFF2-40B4-BE49-F238E27FC236}">
-                <a16:creationId xmlns:a16="http://schemas.microsoft.com/office/drawing/2014/main" id="{13B31514-E6DF-4357-9EEA-EFB7983080DA}"/>
-              </a:ext>
-              <a:ext uri="{C183D7F6-B498-43B3-948B-1728B52AA6E4}">
-                <adec:decorative xmlns:adec="http://schemas.microsoft.com/office/drawing/2017/decorative" val="1"/>
-              </a:ext>
-            </a:extLst>
-          </p:cNvPr>
-          <p:cNvSpPr>
-            <a:spLocks noGrp="1" noRot="1" noChangeAspect="1" noMove="1" noResize="1" noEditPoints="1" noAdjustHandles="1" noChangeArrowheads="1" noChangeShapeType="1" noTextEdit="1"/>
-          </p:cNvSpPr>
-          <p:nvPr>
-            <p:extLst>
-              <p:ext uri="{386F3935-93C4-4BCD-93E2-E3B085C9AB24}">
-                <p16:designElem xmlns:p16="http://schemas.microsoft.com/office/powerpoint/2015/main" val="1"/>
-              </p:ext>
-            </p:extLst>
-          </p:nvPr>
-        </p:nvSpPr>
-        <p:spPr>
-          <a:xfrm>
-            <a:off x="1034645" y="1030259"/>
-            <a:ext cx="10122408" cy="4059936"/>
-          </a:xfrm>
-          <a:prstGeom prst="rect">
-            <a:avLst/>
-          </a:prstGeom>
-          <a:solidFill>
-            <a:srgbClr val="FFFFFE"/>
-          </a:solidFill>
-          <a:ln w="6350" cap="flat" cmpd="sng" algn="ctr">
-            <a:solidFill>
-              <a:srgbClr val="DCDCE0"/>
-            </a:solidFill>
-            <a:prstDash val="solid"/>
-          </a:ln>
-          <a:effectLst/>
-        </p:spPr>
-        <p:txBody>
-          <a:bodyPr rtlCol="0" anchor="ctr"/>
-          <a:lstStyle/>
-          <a:p>
-            <a:pPr algn="ctr" defTabSz="914400"/>
-            <a:endParaRPr lang="en-US" kern="0">
-              <a:solidFill>
-                <a:prstClr val="white"/>
-              </a:solidFill>
-              <a:latin typeface="Century Gothic" panose="020B0502020202020204"/>
-            </a:endParaRPr>
-          </a:p>
-        </p:txBody>
-      </p:sp>
-      <p:sp>
-        <p:nvSpPr>
-          <p:cNvPr id="5" name="Titel 4">
-            <a:extLst>
-              <a:ext uri="{FF2B5EF4-FFF2-40B4-BE49-F238E27FC236}">
-                <a16:creationId xmlns:a16="http://schemas.microsoft.com/office/drawing/2014/main" id="{A8E2F3EC-F320-48A6-A280-B8EB74673759}"/>
-              </a:ext>
-            </a:extLst>
-          </p:cNvPr>
-          <p:cNvSpPr>
-            <a:spLocks noGrp="1"/>
-          </p:cNvSpPr>
-          <p:nvPr>
-            <p:ph type="ctrTitle"/>
-          </p:nvPr>
-        </p:nvSpPr>
-        <p:spPr>
-          <a:xfrm>
-            <a:off x="1546222" y="1584552"/>
-            <a:ext cx="9099255" cy="2537251"/>
-          </a:xfrm>
-        </p:spPr>
-        <p:txBody>
-          <a:bodyPr anchor="ctr">
+            <a:spLocks noGrp="1"/>
+          </p:cNvSpPr>
+          <p:nvPr>
+            <p:ph type="title"/>
+          </p:nvPr>
+        </p:nvSpPr>
+        <p:spPr>
+          <a:xfrm>
+            <a:off x="893523" y="804519"/>
+            <a:ext cx="3160501" cy="4431360"/>
+          </a:xfrm>
+        </p:spPr>
+        <p:txBody>
+          <a:bodyPr vert="horz" lIns="91440" tIns="45720" rIns="91440" bIns="45720" rtlCol="0" anchor="ctr">
             <a:normAutofit/>
           </a:bodyPr>
           <a:lstStyle/>
           <a:p>
-            <a:pPr algn="ctr"/>
-            <a:r>
-              <a:rPr lang="de-DE" sz="8000" dirty="0">
-                <a:solidFill>
-                  <a:srgbClr val="454545"/>
-                </a:solidFill>
-              </a:rPr>
-              <a:t>Software Demo</a:t>
-            </a:r>
-          </a:p>
-        </p:txBody>
-      </p:sp>
-      <p:cxnSp>
-        <p:nvCxnSpPr>
-          <p:cNvPr id="21" name="Straight Connector 20">
-            <a:extLst>
-              <a:ext uri="{FF2B5EF4-FFF2-40B4-BE49-F238E27FC236}">
-                <a16:creationId xmlns:a16="http://schemas.microsoft.com/office/drawing/2014/main" id="{412BDC66-00FA-4A3F-9BC7-BE05FF7705F8}"/>
-              </a:ext>
-              <a:ext uri="{C183D7F6-B498-43B3-948B-1728B52AA6E4}">
-                <adec:decorative xmlns:adec="http://schemas.microsoft.com/office/drawing/2017/decorative" val="1"/>
-              </a:ext>
-            </a:extLst>
-          </p:cNvPr>
-          <p:cNvCxnSpPr>
-            <a:cxnSpLocks noGrp="1" noRot="1" noChangeAspect="1" noMove="1" noResize="1" noEditPoints="1" noAdjustHandles="1" noChangeArrowheads="1" noChangeShapeType="1"/>
-          </p:cNvCxnSpPr>
-          <p:nvPr>
-            <p:extLst>
-              <p:ext uri="{386F3935-93C4-4BCD-93E2-E3B085C9AB24}">
-                <p16:designElem xmlns:p16="http://schemas.microsoft.com/office/powerpoint/2015/main" val="1"/>
-              </p:ext>
-            </p:extLst>
-          </p:nvPr>
-        </p:nvCxnSpPr>
-        <p:spPr>
-          <a:xfrm>
-            <a:off x="0" y="6128413"/>
-            <a:ext cx="12192000" cy="0"/>
-          </a:xfrm>
-          <a:prstGeom prst="line">
-            <a:avLst/>
-          </a:prstGeom>
-          <a:ln w="12700">
-            <a:solidFill>
-              <a:srgbClr val="000001">
-                <a:alpha val="20000"/>
-              </a:srgbClr>
-            </a:solidFill>
-          </a:ln>
-        </p:spPr>
-        <p:style>
-          <a:lnRef idx="1">
-            <a:schemeClr val="accent1"/>
-          </a:lnRef>
-          <a:fillRef idx="0">
-            <a:schemeClr val="accent1"/>
-          </a:fillRef>
-          <a:effectRef idx="0">
-            <a:schemeClr val="accent1"/>
-          </a:effectRef>
-          <a:fontRef idx="minor">
-            <a:schemeClr val="tx1"/>
-          </a:fontRef>
-        </p:style>
-      </p:cxnSp>
+            <a:r>
+              <a:rPr lang="en-US" dirty="0"/>
+              <a:t>Mockups</a:t>
+            </a:r>
+          </a:p>
+        </p:txBody>
+      </p:sp>
       <p:pic>
         <p:nvPicPr>
-          <p:cNvPr id="23" name="Picture 22">
+          <p:cNvPr id="9" name="Grafik 8">
             <a:extLst>
               <a:ext uri="{FF2B5EF4-FFF2-40B4-BE49-F238E27FC236}">
-                <a16:creationId xmlns:a16="http://schemas.microsoft.com/office/drawing/2014/main" id="{1EDE8358-DCAB-4435-B043-58877C674356}"/>
-              </a:ext>
-              <a:ext uri="{C183D7F6-B498-43B3-948B-1728B52AA6E4}">
-                <adec:decorative xmlns:adec="http://schemas.microsoft.com/office/drawing/2017/decorative" val="1"/>
+                <a16:creationId xmlns:a16="http://schemas.microsoft.com/office/drawing/2014/main" id="{DE13F682-6C16-4A01-B725-1EB59AECD925}"/>
               </a:ext>
             </a:extLst>
           </p:cNvPr>
           <p:cNvPicPr>
-            <a:picLocks noGrp="1" noRot="1" noChangeAspect="1" noMove="1" noResize="1" noEditPoints="1" noAdjustHandles="1" noChangeArrowheads="1" noChangeShapeType="1" noCrop="1"/>
+            <a:picLocks noChangeAspect="1"/>
           </p:cNvPicPr>
-          <p:nvPr>
-            <p:extLst>
-              <p:ext uri="{386F3935-93C4-4BCD-93E2-E3B085C9AB24}">
-                <p16:designElem xmlns:p16="http://schemas.microsoft.com/office/powerpoint/2015/main" val="1"/>
-              </p:ext>
-            </p:extLst>
-          </p:nvPr>
+          <p:nvPr/>
         </p:nvPicPr>
-        <p:blipFill rotWithShape="1">
-          <a:blip r:embed="rId2">
-            <a:extLst>
-              <a:ext uri="{28A0092B-C50C-407E-A947-70E740481C1C}">
-                <a14:useLocalDpi xmlns:a14="http://schemas.microsoft.com/office/drawing/2010/main" val="0"/>
-              </a:ext>
-            </a:extLst>
-          </a:blip>
-          <a:srcRect t="1538" b="-1538"/>
-          <a:stretch/>
+        <p:blipFill>
+          <a:blip r:embed="rId4"/>
+          <a:stretch>
+            <a:fillRect/>
+          </a:stretch>
         </p:blipFill>
         <p:spPr>
           <a:xfrm>
-            <a:off x="0" y="6119336"/>
-            <a:ext cx="12192000" cy="742950"/>
+            <a:off x="4357048" y="-39124"/>
+            <a:ext cx="7834649" cy="6154174"/>
           </a:xfrm>
           <a:prstGeom prst="rect">
             <a:avLst/>
@@ -7045,7 +7243,7 @@
     </p:spTree>
     <p:extLst>
       <p:ext uri="{BB962C8B-B14F-4D97-AF65-F5344CB8AC3E}">
-        <p14:creationId xmlns:p14="http://schemas.microsoft.com/office/powerpoint/2010/main" val="3467510122"/>
+        <p14:creationId xmlns:p14="http://schemas.microsoft.com/office/powerpoint/2010/main" val="668946566"/>
       </p:ext>
     </p:extLst>
   </p:cSld>

--- a/Fragebogen zum Status der Bauqualität.pptx
+++ b/Fragebogen zum Status der Bauqualität.pptx
@@ -262,7 +262,7 @@
           <a:p>
             <a:fld id="{48A87A34-81AB-432B-8DAE-1953F412C126}" type="datetimeFigureOut">
               <a:rPr lang="en-US" dirty="0"/>
-              <a:t>12/16/2018</a:t>
+              <a:t>12/17/2018</a:t>
             </a:fld>
             <a:endParaRPr lang="en-US" dirty="0"/>
           </a:p>
@@ -477,7 +477,7 @@
           <a:p>
             <a:fld id="{48A87A34-81AB-432B-8DAE-1953F412C126}" type="datetimeFigureOut">
               <a:rPr lang="en-US" dirty="0"/>
-              <a:t>12/16/2018</a:t>
+              <a:t>12/17/2018</a:t>
             </a:fld>
             <a:endParaRPr lang="en-US" dirty="0"/>
           </a:p>
@@ -696,7 +696,7 @@
           <a:p>
             <a:fld id="{48A87A34-81AB-432B-8DAE-1953F412C126}" type="datetimeFigureOut">
               <a:rPr lang="en-US" dirty="0"/>
-              <a:t>12/16/2018</a:t>
+              <a:t>12/17/2018</a:t>
             </a:fld>
             <a:endParaRPr lang="en-US" dirty="0"/>
           </a:p>
@@ -906,7 +906,7 @@
             <a:fld id="{48A87A34-81AB-432B-8DAE-1953F412C126}" type="datetimeFigureOut">
               <a:rPr lang="en-US" dirty="0"/>
               <a:pPr/>
-              <a:t>12/16/2018</a:t>
+              <a:t>12/17/2018</a:t>
             </a:fld>
             <a:endParaRPr lang="en-US" dirty="0"/>
           </a:p>
@@ -1193,7 +1193,7 @@
           <a:p>
             <a:fld id="{48A87A34-81AB-432B-8DAE-1953F412C126}" type="datetimeFigureOut">
               <a:rPr lang="en-US" dirty="0"/>
-              <a:t>12/16/2018</a:t>
+              <a:t>12/17/2018</a:t>
             </a:fld>
             <a:endParaRPr lang="en-US" dirty="0"/>
           </a:p>
@@ -1465,7 +1465,7 @@
           <a:p>
             <a:fld id="{48A87A34-81AB-432B-8DAE-1953F412C126}" type="datetimeFigureOut">
               <a:rPr lang="en-US" dirty="0"/>
-              <a:t>12/16/2018</a:t>
+              <a:t>12/17/2018</a:t>
             </a:fld>
             <a:endParaRPr lang="en-US" dirty="0"/>
           </a:p>
@@ -1885,7 +1885,7 @@
           <a:p>
             <a:fld id="{48A87A34-81AB-432B-8DAE-1953F412C126}" type="datetimeFigureOut">
               <a:rPr lang="en-US" dirty="0"/>
-              <a:t>12/16/2018</a:t>
+              <a:t>12/17/2018</a:t>
             </a:fld>
             <a:endParaRPr lang="en-US" dirty="0"/>
           </a:p>
@@ -2038,7 +2038,7 @@
           <a:p>
             <a:fld id="{48A87A34-81AB-432B-8DAE-1953F412C126}" type="datetimeFigureOut">
               <a:rPr lang="en-US" dirty="0"/>
-              <a:t>12/16/2018</a:t>
+              <a:t>12/17/2018</a:t>
             </a:fld>
             <a:endParaRPr lang="en-US" dirty="0"/>
           </a:p>
@@ -2168,7 +2168,7 @@
           <a:p>
             <a:fld id="{48A87A34-81AB-432B-8DAE-1953F412C126}" type="datetimeFigureOut">
               <a:rPr lang="en-US" dirty="0"/>
-              <a:t>12/16/2018</a:t>
+              <a:t>12/17/2018</a:t>
             </a:fld>
             <a:endParaRPr lang="en-US" dirty="0"/>
           </a:p>
@@ -2414,7 +2414,7 @@
           <a:p>
             <a:fld id="{48A87A34-81AB-432B-8DAE-1953F412C126}" type="datetimeFigureOut">
               <a:rPr lang="en-US" dirty="0"/>
-              <a:t>12/16/2018</a:t>
+              <a:t>12/17/2018</a:t>
             </a:fld>
             <a:endParaRPr lang="en-US" dirty="0"/>
           </a:p>
@@ -2870,7 +2870,7 @@
             <a:fld id="{48A87A34-81AB-432B-8DAE-1953F412C126}" type="datetimeFigureOut">
               <a:rPr lang="en-US" dirty="0"/>
               <a:pPr/>
-              <a:t>12/16/2018</a:t>
+              <a:t>12/17/2018</a:t>
             </a:fld>
             <a:endParaRPr lang="en-US" dirty="0"/>
           </a:p>
@@ -3247,7 +3247,7 @@
             <a:fld id="{48A87A34-81AB-432B-8DAE-1953F412C126}" type="datetimeFigureOut">
               <a:rPr lang="en-US" dirty="0"/>
               <a:pPr/>
-              <a:t>12/16/2018</a:t>
+              <a:t>12/17/2018</a:t>
             </a:fld>
             <a:endParaRPr lang="en-US" dirty="0"/>
           </a:p>

--- a/Fragebogen zum Status der Bauqualität.pptx
+++ b/Fragebogen zum Status der Bauqualität.pptx
@@ -15,8 +15,13 @@
     <p:sldId id="263" r:id="rId9"/>
     <p:sldId id="264" r:id="rId10"/>
     <p:sldId id="265" r:id="rId11"/>
-    <p:sldId id="268" r:id="rId12"/>
-    <p:sldId id="266" r:id="rId13"/>
+    <p:sldId id="273" r:id="rId12"/>
+    <p:sldId id="268" r:id="rId13"/>
+    <p:sldId id="270" r:id="rId14"/>
+    <p:sldId id="269" r:id="rId15"/>
+    <p:sldId id="271" r:id="rId16"/>
+    <p:sldId id="272" r:id="rId17"/>
+    <p:sldId id="266" r:id="rId18"/>
   </p:sldIdLst>
   <p:sldSz cx="12192000" cy="6858000"/>
   <p:notesSz cx="6858000" cy="9144000"/>
@@ -4309,6 +4314,31 @@
 <file path=ppt/slides/slide11.xml><?xml version="1.0" encoding="utf-8"?>
 <p:sld xmlns:a="http://schemas.openxmlformats.org/drawingml/2006/main" xmlns:r="http://schemas.openxmlformats.org/officeDocument/2006/relationships" xmlns:p="http://schemas.openxmlformats.org/presentationml/2006/main">
   <p:cSld>
+    <p:bg>
+      <p:bgPr>
+        <a:gradFill rotWithShape="1">
+          <a:gsLst>
+            <a:gs pos="0">
+              <a:schemeClr val="bg2">
+                <a:tint val="94000"/>
+                <a:satMod val="80000"/>
+                <a:lumMod val="106000"/>
+              </a:schemeClr>
+            </a:gs>
+            <a:gs pos="100000">
+              <a:schemeClr val="bg2">
+                <a:shade val="80000"/>
+                <a:lumMod val="108000"/>
+              </a:schemeClr>
+            </a:gs>
+          </a:gsLst>
+          <a:path path="circle">
+            <a:fillToRect l="43000" r="43000" b="100000"/>
+          </a:path>
+        </a:gradFill>
+        <a:effectLst/>
+      </p:bgPr>
+    </p:bg>
     <p:spTree>
       <p:nvGrpSpPr>
         <p:cNvPr id="1" name=""/>
@@ -4323,6 +4353,910 @@
           <a:chExt cx="0" cy="0"/>
         </a:xfrm>
       </p:grpSpPr>
+      <p:sp useBgFill="1">
+        <p:nvSpPr>
+          <p:cNvPr id="10" name="Rectangle 9">
+            <a:extLst>
+              <a:ext uri="{FF2B5EF4-FFF2-40B4-BE49-F238E27FC236}">
+                <a16:creationId xmlns:a16="http://schemas.microsoft.com/office/drawing/2014/main" id="{1C69834E-5EEE-4D61-833E-04928896454C}"/>
+              </a:ext>
+              <a:ext uri="{C183D7F6-B498-43B3-948B-1728B52AA6E4}">
+                <adec:decorative xmlns:adec="http://schemas.microsoft.com/office/drawing/2017/decorative" val="1"/>
+              </a:ext>
+            </a:extLst>
+          </p:cNvPr>
+          <p:cNvSpPr>
+            <a:spLocks noGrp="1" noRot="1" noChangeAspect="1" noMove="1" noResize="1" noEditPoints="1" noAdjustHandles="1" noChangeArrowheads="1" noChangeShapeType="1" noTextEdit="1"/>
+          </p:cNvSpPr>
+          <p:nvPr>
+            <p:extLst>
+              <p:ext uri="{386F3935-93C4-4BCD-93E2-E3B085C9AB24}">
+                <p16:designElem xmlns:p16="http://schemas.microsoft.com/office/powerpoint/2015/main" val="1"/>
+              </p:ext>
+            </p:extLst>
+          </p:nvPr>
+        </p:nvSpPr>
+        <p:spPr>
+          <a:xfrm>
+            <a:off x="2" y="0"/>
+            <a:ext cx="12191695" cy="6858000"/>
+          </a:xfrm>
+          <a:prstGeom prst="rect">
+            <a:avLst/>
+          </a:prstGeom>
+          <a:ln>
+            <a:noFill/>
+          </a:ln>
+        </p:spPr>
+        <p:style>
+          <a:lnRef idx="2">
+            <a:schemeClr val="accent1">
+              <a:shade val="50000"/>
+            </a:schemeClr>
+          </a:lnRef>
+          <a:fillRef idx="1">
+            <a:schemeClr val="accent1"/>
+          </a:fillRef>
+          <a:effectRef idx="0">
+            <a:schemeClr val="accent1"/>
+          </a:effectRef>
+          <a:fontRef idx="minor">
+            <a:schemeClr val="lt1"/>
+          </a:fontRef>
+        </p:style>
+        <p:txBody>
+          <a:bodyPr rtlCol="0" anchor="ctr"/>
+          <a:lstStyle/>
+          <a:p>
+            <a:pPr algn="ctr"/>
+            <a:endParaRPr lang="en-US"/>
+          </a:p>
+        </p:txBody>
+      </p:sp>
+      <p:sp>
+        <p:nvSpPr>
+          <p:cNvPr id="12" name="Rectangle 11">
+            <a:extLst>
+              <a:ext uri="{FF2B5EF4-FFF2-40B4-BE49-F238E27FC236}">
+                <a16:creationId xmlns:a16="http://schemas.microsoft.com/office/drawing/2014/main" id="{58E5D9BA-46E7-4BFA-9C74-75495BF6F54D}"/>
+              </a:ext>
+              <a:ext uri="{C183D7F6-B498-43B3-948B-1728B52AA6E4}">
+                <adec:decorative xmlns:adec="http://schemas.microsoft.com/office/drawing/2017/decorative" val="1"/>
+              </a:ext>
+            </a:extLst>
+          </p:cNvPr>
+          <p:cNvSpPr>
+            <a:spLocks noGrp="1" noRot="1" noChangeAspect="1" noMove="1" noResize="1" noEditPoints="1" noAdjustHandles="1" noChangeArrowheads="1" noChangeShapeType="1" noTextEdit="1"/>
+          </p:cNvSpPr>
+          <p:nvPr>
+            <p:extLst>
+              <p:ext uri="{386F3935-93C4-4BCD-93E2-E3B085C9AB24}">
+                <p16:designElem xmlns:p16="http://schemas.microsoft.com/office/powerpoint/2015/main" val="1"/>
+              </p:ext>
+            </p:extLst>
+          </p:nvPr>
+        </p:nvSpPr>
+        <p:spPr>
+          <a:xfrm>
+            <a:off x="0" y="2019476"/>
+            <a:ext cx="12192000" cy="4105941"/>
+          </a:xfrm>
+          <a:prstGeom prst="rect">
+            <a:avLst/>
+          </a:prstGeom>
+          <a:gradFill flip="none" rotWithShape="1">
+            <a:gsLst>
+              <a:gs pos="0">
+                <a:schemeClr val="bg2">
+                  <a:alpha val="0"/>
+                </a:schemeClr>
+              </a:gs>
+              <a:gs pos="100000">
+                <a:schemeClr val="bg2"/>
+              </a:gs>
+            </a:gsLst>
+            <a:lin ang="5400000" scaled="0"/>
+            <a:tileRect/>
+          </a:gradFill>
+          <a:ln>
+            <a:noFill/>
+          </a:ln>
+        </p:spPr>
+        <p:style>
+          <a:lnRef idx="2">
+            <a:schemeClr val="accent1">
+              <a:shade val="50000"/>
+            </a:schemeClr>
+          </a:lnRef>
+          <a:fillRef idx="1">
+            <a:schemeClr val="accent1"/>
+          </a:fillRef>
+          <a:effectRef idx="0">
+            <a:schemeClr val="accent1"/>
+          </a:effectRef>
+          <a:fontRef idx="minor">
+            <a:schemeClr val="lt1"/>
+          </a:fontRef>
+        </p:style>
+        <p:txBody>
+          <a:bodyPr rtlCol="0" anchor="ctr"/>
+          <a:lstStyle/>
+          <a:p>
+            <a:pPr lvl="0" algn="ctr"/>
+            <a:endParaRPr lang="en-US"/>
+          </a:p>
+        </p:txBody>
+      </p:sp>
+      <p:sp>
+        <p:nvSpPr>
+          <p:cNvPr id="14" name="Rectangle 13">
+            <a:extLst>
+              <a:ext uri="{FF2B5EF4-FFF2-40B4-BE49-F238E27FC236}">
+                <a16:creationId xmlns:a16="http://schemas.microsoft.com/office/drawing/2014/main" id="{5B033D76-5800-44B6-AFE9-EE2106935115}"/>
+              </a:ext>
+              <a:ext uri="{C183D7F6-B498-43B3-948B-1728B52AA6E4}">
+                <adec:decorative xmlns:adec="http://schemas.microsoft.com/office/drawing/2017/decorative" val="1"/>
+              </a:ext>
+            </a:extLst>
+          </p:cNvPr>
+          <p:cNvSpPr>
+            <a:spLocks noGrp="1" noRot="1" noChangeAspect="1" noMove="1" noResize="1" noEditPoints="1" noAdjustHandles="1" noChangeArrowheads="1" noChangeShapeType="1" noTextEdit="1"/>
+          </p:cNvSpPr>
+          <p:nvPr>
+            <p:extLst>
+              <p:ext uri="{386F3935-93C4-4BCD-93E2-E3B085C9AB24}">
+                <p16:designElem xmlns:p16="http://schemas.microsoft.com/office/powerpoint/2015/main" val="1"/>
+              </p:ext>
+            </p:extLst>
+          </p:nvPr>
+        </p:nvSpPr>
+        <p:spPr>
+          <a:xfrm>
+            <a:off x="643180" y="638508"/>
+            <a:ext cx="10905339" cy="4843439"/>
+          </a:xfrm>
+          <a:prstGeom prst="rect">
+            <a:avLst/>
+          </a:prstGeom>
+          <a:gradFill rotWithShape="1">
+            <a:gsLst>
+              <a:gs pos="0">
+                <a:sysClr val="windowText" lastClr="000000">
+                  <a:lumMod val="85000"/>
+                  <a:lumOff val="15000"/>
+                </a:sysClr>
+              </a:gs>
+              <a:gs pos="100000">
+                <a:sysClr val="windowText" lastClr="000000">
+                  <a:lumMod val="95000"/>
+                  <a:lumOff val="5000"/>
+                </a:sysClr>
+              </a:gs>
+            </a:gsLst>
+            <a:lin ang="5400000" scaled="0"/>
+          </a:gradFill>
+          <a:ln w="76200" cap="flat" cmpd="sng" algn="ctr">
+            <a:noFill/>
+            <a:prstDash val="solid"/>
+            <a:miter lim="800000"/>
+          </a:ln>
+          <a:effectLst>
+            <a:outerShdw blurRad="127000" dist="228600" dir="4740000" sx="98000" sy="98000" algn="tl" rotWithShape="0">
+              <a:srgbClr val="000000">
+                <a:alpha val="34000"/>
+              </a:srgbClr>
+            </a:outerShdw>
+          </a:effectLst>
+          <a:scene3d>
+            <a:camera prst="orthographicFront"/>
+            <a:lightRig rig="threePt" dir="t"/>
+          </a:scene3d>
+          <a:sp3d>
+            <a:bevelT w="114300" prst="artDeco"/>
+          </a:sp3d>
+        </p:spPr>
+        <p:txBody>
+          <a:bodyPr rtlCol="0" anchor="ctr"/>
+          <a:lstStyle/>
+          <a:p>
+            <a:pPr algn="ctr" defTabSz="914400"/>
+            <a:endParaRPr lang="en-US" kern="0">
+              <a:solidFill>
+                <a:prstClr val="white"/>
+              </a:solidFill>
+              <a:latin typeface="Century Gothic" panose="020B0502020202020204"/>
+            </a:endParaRPr>
+          </a:p>
+        </p:txBody>
+      </p:sp>
+      <p:sp>
+        <p:nvSpPr>
+          <p:cNvPr id="16" name="Rectangle 15">
+            <a:extLst>
+              <a:ext uri="{FF2B5EF4-FFF2-40B4-BE49-F238E27FC236}">
+                <a16:creationId xmlns:a16="http://schemas.microsoft.com/office/drawing/2014/main" id="{522D6F85-FFBA-4F81-AEE5-AAA17CB7AA98}"/>
+              </a:ext>
+              <a:ext uri="{C183D7F6-B498-43B3-948B-1728B52AA6E4}">
+                <adec:decorative xmlns:adec="http://schemas.microsoft.com/office/drawing/2017/decorative" val="1"/>
+              </a:ext>
+            </a:extLst>
+          </p:cNvPr>
+          <p:cNvSpPr>
+            <a:spLocks noGrp="1" noRot="1" noChangeAspect="1" noMove="1" noResize="1" noEditPoints="1" noAdjustHandles="1" noChangeArrowheads="1" noChangeShapeType="1" noTextEdit="1"/>
+          </p:cNvSpPr>
+          <p:nvPr>
+            <p:extLst>
+              <p:ext uri="{386F3935-93C4-4BCD-93E2-E3B085C9AB24}">
+                <p16:designElem xmlns:p16="http://schemas.microsoft.com/office/powerpoint/2015/main" val="1"/>
+              </p:ext>
+            </p:extLst>
+          </p:nvPr>
+        </p:nvSpPr>
+        <p:spPr>
+          <a:xfrm>
+            <a:off x="870204" y="865667"/>
+            <a:ext cx="10451592" cy="4389120"/>
+          </a:xfrm>
+          <a:prstGeom prst="rect">
+            <a:avLst/>
+          </a:prstGeom>
+          <a:gradFill rotWithShape="1">
+            <a:gsLst>
+              <a:gs pos="0">
+                <a:srgbClr val="DADADA"/>
+              </a:gs>
+              <a:gs pos="100000">
+                <a:srgbClr val="FFFFFE"/>
+              </a:gs>
+            </a:gsLst>
+            <a:lin ang="16200000" scaled="0"/>
+          </a:gradFill>
+          <a:ln w="50800" cap="flat" cmpd="sng" algn="ctr">
+            <a:solidFill>
+              <a:srgbClr val="191919"/>
+            </a:solidFill>
+            <a:prstDash val="solid"/>
+            <a:miter lim="800000"/>
+          </a:ln>
+          <a:effectLst>
+            <a:innerShdw blurRad="63500" dist="88900" dir="14100000">
+              <a:srgbClr val="000000">
+                <a:alpha val="30000"/>
+              </a:srgbClr>
+            </a:innerShdw>
+          </a:effectLst>
+          <a:scene3d>
+            <a:camera prst="orthographicFront"/>
+            <a:lightRig rig="threePt" dir="t"/>
+          </a:scene3d>
+          <a:sp3d>
+            <a:bevelT prst="relaxedInset"/>
+          </a:sp3d>
+        </p:spPr>
+        <p:txBody>
+          <a:bodyPr rtlCol="0" anchor="ctr"/>
+          <a:lstStyle/>
+          <a:p>
+            <a:pPr algn="ctr" defTabSz="914400"/>
+            <a:endParaRPr lang="en-US" kern="0">
+              <a:solidFill>
+                <a:prstClr val="white"/>
+              </a:solidFill>
+              <a:latin typeface="Century Gothic" panose="020B0502020202020204"/>
+            </a:endParaRPr>
+          </a:p>
+        </p:txBody>
+      </p:sp>
+      <p:sp>
+        <p:nvSpPr>
+          <p:cNvPr id="18" name="Rectangle 17">
+            <a:extLst>
+              <a:ext uri="{FF2B5EF4-FFF2-40B4-BE49-F238E27FC236}">
+                <a16:creationId xmlns:a16="http://schemas.microsoft.com/office/drawing/2014/main" id="{13B31514-E6DF-4357-9EEA-EFB7983080DA}"/>
+              </a:ext>
+              <a:ext uri="{C183D7F6-B498-43B3-948B-1728B52AA6E4}">
+                <adec:decorative xmlns:adec="http://schemas.microsoft.com/office/drawing/2017/decorative" val="1"/>
+              </a:ext>
+            </a:extLst>
+          </p:cNvPr>
+          <p:cNvSpPr>
+            <a:spLocks noGrp="1" noRot="1" noChangeAspect="1" noMove="1" noResize="1" noEditPoints="1" noAdjustHandles="1" noChangeArrowheads="1" noChangeShapeType="1" noTextEdit="1"/>
+          </p:cNvSpPr>
+          <p:nvPr>
+            <p:extLst>
+              <p:ext uri="{386F3935-93C4-4BCD-93E2-E3B085C9AB24}">
+                <p16:designElem xmlns:p16="http://schemas.microsoft.com/office/powerpoint/2015/main" val="1"/>
+              </p:ext>
+            </p:extLst>
+          </p:nvPr>
+        </p:nvSpPr>
+        <p:spPr>
+          <a:xfrm>
+            <a:off x="1034645" y="1030259"/>
+            <a:ext cx="10122408" cy="4059936"/>
+          </a:xfrm>
+          <a:prstGeom prst="rect">
+            <a:avLst/>
+          </a:prstGeom>
+          <a:solidFill>
+            <a:srgbClr val="FFFFFE"/>
+          </a:solidFill>
+          <a:ln w="6350" cap="flat" cmpd="sng" algn="ctr">
+            <a:solidFill>
+              <a:srgbClr val="DCDCE0"/>
+            </a:solidFill>
+            <a:prstDash val="solid"/>
+          </a:ln>
+          <a:effectLst/>
+        </p:spPr>
+        <p:txBody>
+          <a:bodyPr rtlCol="0" anchor="ctr"/>
+          <a:lstStyle/>
+          <a:p>
+            <a:pPr algn="ctr" defTabSz="914400"/>
+            <a:endParaRPr lang="en-US" kern="0">
+              <a:solidFill>
+                <a:prstClr val="white"/>
+              </a:solidFill>
+              <a:latin typeface="Century Gothic" panose="020B0502020202020204"/>
+            </a:endParaRPr>
+          </a:p>
+        </p:txBody>
+      </p:sp>
+      <p:sp>
+        <p:nvSpPr>
+          <p:cNvPr id="4" name="Titel 3">
+            <a:extLst>
+              <a:ext uri="{FF2B5EF4-FFF2-40B4-BE49-F238E27FC236}">
+                <a16:creationId xmlns:a16="http://schemas.microsoft.com/office/drawing/2014/main" id="{C8160AA5-3D42-440E-8543-7D56AD230F51}"/>
+              </a:ext>
+            </a:extLst>
+          </p:cNvPr>
+          <p:cNvSpPr>
+            <a:spLocks noGrp="1"/>
+          </p:cNvSpPr>
+          <p:nvPr>
+            <p:ph type="ctrTitle"/>
+          </p:nvPr>
+        </p:nvSpPr>
+        <p:spPr>
+          <a:xfrm>
+            <a:off x="1162539" y="1562491"/>
+            <a:ext cx="9866620" cy="2537251"/>
+          </a:xfrm>
+        </p:spPr>
+        <p:txBody>
+          <a:bodyPr anchor="ctr">
+            <a:normAutofit/>
+          </a:bodyPr>
+          <a:lstStyle/>
+          <a:p>
+            <a:pPr algn="ctr"/>
+            <a:r>
+              <a:rPr lang="de-DE" sz="8000" dirty="0">
+                <a:solidFill>
+                  <a:srgbClr val="454545"/>
+                </a:solidFill>
+              </a:rPr>
+              <a:t>Implementierungs-details</a:t>
+            </a:r>
+          </a:p>
+        </p:txBody>
+      </p:sp>
+      <p:cxnSp>
+        <p:nvCxnSpPr>
+          <p:cNvPr id="20" name="Straight Connector 19">
+            <a:extLst>
+              <a:ext uri="{FF2B5EF4-FFF2-40B4-BE49-F238E27FC236}">
+                <a16:creationId xmlns:a16="http://schemas.microsoft.com/office/drawing/2014/main" id="{412BDC66-00FA-4A3F-9BC7-BE05FF7705F8}"/>
+              </a:ext>
+              <a:ext uri="{C183D7F6-B498-43B3-948B-1728B52AA6E4}">
+                <adec:decorative xmlns:adec="http://schemas.microsoft.com/office/drawing/2017/decorative" val="1"/>
+              </a:ext>
+            </a:extLst>
+          </p:cNvPr>
+          <p:cNvCxnSpPr>
+            <a:cxnSpLocks noGrp="1" noRot="1" noChangeAspect="1" noMove="1" noResize="1" noEditPoints="1" noAdjustHandles="1" noChangeArrowheads="1" noChangeShapeType="1"/>
+          </p:cNvCxnSpPr>
+          <p:nvPr>
+            <p:extLst>
+              <p:ext uri="{386F3935-93C4-4BCD-93E2-E3B085C9AB24}">
+                <p16:designElem xmlns:p16="http://schemas.microsoft.com/office/powerpoint/2015/main" val="1"/>
+              </p:ext>
+            </p:extLst>
+          </p:nvPr>
+        </p:nvCxnSpPr>
+        <p:spPr>
+          <a:xfrm>
+            <a:off x="0" y="6128413"/>
+            <a:ext cx="12192000" cy="0"/>
+          </a:xfrm>
+          <a:prstGeom prst="line">
+            <a:avLst/>
+          </a:prstGeom>
+          <a:ln w="12700">
+            <a:solidFill>
+              <a:srgbClr val="000001">
+                <a:alpha val="20000"/>
+              </a:srgbClr>
+            </a:solidFill>
+          </a:ln>
+        </p:spPr>
+        <p:style>
+          <a:lnRef idx="1">
+            <a:schemeClr val="accent1"/>
+          </a:lnRef>
+          <a:fillRef idx="0">
+            <a:schemeClr val="accent1"/>
+          </a:fillRef>
+          <a:effectRef idx="0">
+            <a:schemeClr val="accent1"/>
+          </a:effectRef>
+          <a:fontRef idx="minor">
+            <a:schemeClr val="tx1"/>
+          </a:fontRef>
+        </p:style>
+      </p:cxnSp>
+      <p:pic>
+        <p:nvPicPr>
+          <p:cNvPr id="22" name="Picture 21">
+            <a:extLst>
+              <a:ext uri="{FF2B5EF4-FFF2-40B4-BE49-F238E27FC236}">
+                <a16:creationId xmlns:a16="http://schemas.microsoft.com/office/drawing/2014/main" id="{1EDE8358-DCAB-4435-B043-58877C674356}"/>
+              </a:ext>
+              <a:ext uri="{C183D7F6-B498-43B3-948B-1728B52AA6E4}">
+                <adec:decorative xmlns:adec="http://schemas.microsoft.com/office/drawing/2017/decorative" val="1"/>
+              </a:ext>
+            </a:extLst>
+          </p:cNvPr>
+          <p:cNvPicPr>
+            <a:picLocks noGrp="1" noRot="1" noChangeAspect="1" noMove="1" noResize="1" noEditPoints="1" noAdjustHandles="1" noChangeArrowheads="1" noChangeShapeType="1" noCrop="1"/>
+          </p:cNvPicPr>
+          <p:nvPr>
+            <p:extLst>
+              <p:ext uri="{386F3935-93C4-4BCD-93E2-E3B085C9AB24}">
+                <p16:designElem xmlns:p16="http://schemas.microsoft.com/office/powerpoint/2015/main" val="1"/>
+              </p:ext>
+            </p:extLst>
+          </p:nvPr>
+        </p:nvPicPr>
+        <p:blipFill rotWithShape="1">
+          <a:blip r:embed="rId2">
+            <a:extLst>
+              <a:ext uri="{28A0092B-C50C-407E-A947-70E740481C1C}">
+                <a14:useLocalDpi xmlns:a14="http://schemas.microsoft.com/office/drawing/2010/main" val="0"/>
+              </a:ext>
+            </a:extLst>
+          </a:blip>
+          <a:srcRect t="1538" b="-1538"/>
+          <a:stretch/>
+        </p:blipFill>
+        <p:spPr>
+          <a:xfrm>
+            <a:off x="0" y="6119336"/>
+            <a:ext cx="12192000" cy="742950"/>
+          </a:xfrm>
+          <a:prstGeom prst="rect">
+            <a:avLst/>
+          </a:prstGeom>
+        </p:spPr>
+      </p:pic>
+    </p:spTree>
+    <p:extLst>
+      <p:ext uri="{BB962C8B-B14F-4D97-AF65-F5344CB8AC3E}">
+        <p14:creationId xmlns:p14="http://schemas.microsoft.com/office/powerpoint/2010/main" val="2843293422"/>
+      </p:ext>
+    </p:extLst>
+  </p:cSld>
+  <p:clrMapOvr>
+    <a:overrideClrMapping bg1="dk1" tx1="lt1" bg2="dk2" tx2="lt2" accent1="accent1" accent2="accent2" accent3="accent3" accent4="accent4" accent5="accent5" accent6="accent6" hlink="hlink" folHlink="folHlink"/>
+  </p:clrMapOvr>
+</p:sld>
+</file>
+
+<file path=ppt/slides/slide12.xml><?xml version="1.0" encoding="utf-8"?>
+<p:sld xmlns:a="http://schemas.openxmlformats.org/drawingml/2006/main" xmlns:r="http://schemas.openxmlformats.org/officeDocument/2006/relationships" xmlns:p="http://schemas.openxmlformats.org/presentationml/2006/main">
+  <p:cSld>
+    <p:bg>
+      <p:bgPr>
+        <a:gradFill rotWithShape="1">
+          <a:gsLst>
+            <a:gs pos="0">
+              <a:schemeClr val="bg1">
+                <a:tint val="94000"/>
+                <a:satMod val="80000"/>
+                <a:lumMod val="106000"/>
+              </a:schemeClr>
+            </a:gs>
+            <a:gs pos="100000">
+              <a:schemeClr val="bg1">
+                <a:shade val="80000"/>
+                <a:lumMod val="108000"/>
+              </a:schemeClr>
+            </a:gs>
+          </a:gsLst>
+          <a:path path="circle">
+            <a:fillToRect l="43000" r="43000" b="100000"/>
+          </a:path>
+        </a:gradFill>
+        <a:effectLst/>
+      </p:bgPr>
+    </p:bg>
+    <p:spTree>
+      <p:nvGrpSpPr>
+        <p:cNvPr id="1" name=""/>
+        <p:cNvGrpSpPr/>
+        <p:nvPr/>
+      </p:nvGrpSpPr>
+      <p:grpSpPr>
+        <a:xfrm>
+          <a:off x="0" y="0"/>
+          <a:ext cx="0" cy="0"/>
+          <a:chOff x="0" y="0"/>
+          <a:chExt cx="0" cy="0"/>
+        </a:xfrm>
+      </p:grpSpPr>
+      <p:pic>
+        <p:nvPicPr>
+          <p:cNvPr id="12" name="Picture 11">
+            <a:extLst>
+              <a:ext uri="{FF2B5EF4-FFF2-40B4-BE49-F238E27FC236}">
+                <a16:creationId xmlns:a16="http://schemas.microsoft.com/office/drawing/2014/main" id="{E8690AC4-C9C4-4944-A98C-B1D32992D60B}"/>
+              </a:ext>
+              <a:ext uri="{C183D7F6-B498-43B3-948B-1728B52AA6E4}">
+                <adec:decorative xmlns:adec="http://schemas.microsoft.com/office/drawing/2017/decorative" val="1"/>
+              </a:ext>
+            </a:extLst>
+          </p:cNvPr>
+          <p:cNvPicPr>
+            <a:picLocks noGrp="1" noRot="1" noChangeAspect="1" noMove="1" noResize="1" noEditPoints="1" noAdjustHandles="1" noChangeArrowheads="1" noChangeShapeType="1" noCrop="1"/>
+          </p:cNvPicPr>
+          <p:nvPr>
+            <p:extLst>
+              <p:ext uri="{386F3935-93C4-4BCD-93E2-E3B085C9AB24}">
+                <p16:designElem xmlns:p16="http://schemas.microsoft.com/office/powerpoint/2015/main" val="1"/>
+              </p:ext>
+            </p:extLst>
+          </p:nvPr>
+        </p:nvPicPr>
+        <p:blipFill rotWithShape="1">
+          <a:blip r:embed="rId2">
+            <a:extLst>
+              <a:ext uri="{28A0092B-C50C-407E-A947-70E740481C1C}">
+                <a14:useLocalDpi xmlns:a14="http://schemas.microsoft.com/office/drawing/2010/main" val="0"/>
+              </a:ext>
+            </a:extLst>
+          </a:blip>
+          <a:srcRect t="1538" b="-1538"/>
+          <a:stretch/>
+        </p:blipFill>
+        <p:spPr>
+          <a:xfrm>
+            <a:off x="0" y="6119336"/>
+            <a:ext cx="12192000" cy="742950"/>
+          </a:xfrm>
+          <a:prstGeom prst="rect">
+            <a:avLst/>
+          </a:prstGeom>
+        </p:spPr>
+      </p:pic>
+      <p:sp>
+        <p:nvSpPr>
+          <p:cNvPr id="14" name="Rectangle 13">
+            <a:extLst>
+              <a:ext uri="{FF2B5EF4-FFF2-40B4-BE49-F238E27FC236}">
+                <a16:creationId xmlns:a16="http://schemas.microsoft.com/office/drawing/2014/main" id="{86F828BE-4D4E-43F9-AC35-0209B5190C05}"/>
+              </a:ext>
+              <a:ext uri="{C183D7F6-B498-43B3-948B-1728B52AA6E4}">
+                <adec:decorative xmlns:adec="http://schemas.microsoft.com/office/drawing/2017/decorative" val="1"/>
+              </a:ext>
+            </a:extLst>
+          </p:cNvPr>
+          <p:cNvSpPr>
+            <a:spLocks noGrp="1" noRot="1" noChangeAspect="1" noMove="1" noResize="1" noEditPoints="1" noAdjustHandles="1" noChangeArrowheads="1" noChangeShapeType="1" noTextEdit="1"/>
+          </p:cNvSpPr>
+          <p:nvPr>
+            <p:extLst>
+              <p:ext uri="{386F3935-93C4-4BCD-93E2-E3B085C9AB24}">
+                <p16:designElem xmlns:p16="http://schemas.microsoft.com/office/powerpoint/2015/main" val="1"/>
+              </p:ext>
+            </p:extLst>
+          </p:nvPr>
+        </p:nvSpPr>
+        <p:spPr>
+          <a:xfrm>
+            <a:off x="0" y="468769"/>
+            <a:ext cx="12192000" cy="5647024"/>
+          </a:xfrm>
+          <a:prstGeom prst="rect">
+            <a:avLst/>
+          </a:prstGeom>
+          <a:gradFill flip="none" rotWithShape="1">
+            <a:gsLst>
+              <a:gs pos="0">
+                <a:schemeClr val="bg2">
+                  <a:alpha val="0"/>
+                  <a:lumMod val="100000"/>
+                </a:schemeClr>
+              </a:gs>
+              <a:gs pos="100000">
+                <a:schemeClr val="bg2">
+                  <a:lumMod val="95000"/>
+                  <a:lumOff val="5000"/>
+                </a:schemeClr>
+              </a:gs>
+            </a:gsLst>
+            <a:lin ang="5400000" scaled="0"/>
+            <a:tileRect/>
+          </a:gradFill>
+          <a:ln>
+            <a:noFill/>
+          </a:ln>
+        </p:spPr>
+        <p:style>
+          <a:lnRef idx="2">
+            <a:schemeClr val="accent1">
+              <a:shade val="50000"/>
+            </a:schemeClr>
+          </a:lnRef>
+          <a:fillRef idx="1">
+            <a:schemeClr val="accent1"/>
+          </a:fillRef>
+          <a:effectRef idx="0">
+            <a:schemeClr val="accent1"/>
+          </a:effectRef>
+          <a:fontRef idx="minor">
+            <a:schemeClr val="lt1"/>
+          </a:fontRef>
+        </p:style>
+      </p:sp>
+      <p:cxnSp>
+        <p:nvCxnSpPr>
+          <p:cNvPr id="16" name="Straight Connector 15">
+            <a:extLst>
+              <a:ext uri="{FF2B5EF4-FFF2-40B4-BE49-F238E27FC236}">
+                <a16:creationId xmlns:a16="http://schemas.microsoft.com/office/drawing/2014/main" id="{10BAB604-20D4-431F-ADD8-754BB7992A43}"/>
+              </a:ext>
+              <a:ext uri="{C183D7F6-B498-43B3-948B-1728B52AA6E4}">
+                <adec:decorative xmlns:adec="http://schemas.microsoft.com/office/drawing/2017/decorative" val="1"/>
+              </a:ext>
+            </a:extLst>
+          </p:cNvPr>
+          <p:cNvCxnSpPr>
+            <a:cxnSpLocks noGrp="1" noRot="1" noChangeAspect="1" noMove="1" noResize="1" noEditPoints="1" noAdjustHandles="1" noChangeArrowheads="1" noChangeShapeType="1"/>
+          </p:cNvCxnSpPr>
+          <p:nvPr>
+            <p:extLst>
+              <p:ext uri="{386F3935-93C4-4BCD-93E2-E3B085C9AB24}">
+                <p16:designElem xmlns:p16="http://schemas.microsoft.com/office/powerpoint/2015/main" val="1"/>
+              </p:ext>
+            </p:extLst>
+          </p:nvPr>
+        </p:nvCxnSpPr>
+        <p:spPr>
+          <a:xfrm>
+            <a:off x="0" y="6121269"/>
+            <a:ext cx="12192000" cy="0"/>
+          </a:xfrm>
+          <a:prstGeom prst="line">
+            <a:avLst/>
+          </a:prstGeom>
+          <a:ln w="12700">
+            <a:solidFill>
+              <a:srgbClr val="000001">
+                <a:alpha val="20000"/>
+              </a:srgbClr>
+            </a:solidFill>
+          </a:ln>
+        </p:spPr>
+        <p:style>
+          <a:lnRef idx="1">
+            <a:schemeClr val="accent1"/>
+          </a:lnRef>
+          <a:fillRef idx="0">
+            <a:schemeClr val="accent1"/>
+          </a:fillRef>
+          <a:effectRef idx="0">
+            <a:schemeClr val="accent1"/>
+          </a:effectRef>
+          <a:fontRef idx="minor">
+            <a:schemeClr val="tx1"/>
+          </a:fontRef>
+        </p:style>
+      </p:cxnSp>
+      <p:pic>
+        <p:nvPicPr>
+          <p:cNvPr id="18" name="Picture 17">
+            <a:extLst>
+              <a:ext uri="{FF2B5EF4-FFF2-40B4-BE49-F238E27FC236}">
+                <a16:creationId xmlns:a16="http://schemas.microsoft.com/office/drawing/2014/main" id="{C821979E-9A93-4880-80B5-D60B75C19185}"/>
+              </a:ext>
+              <a:ext uri="{C183D7F6-B498-43B3-948B-1728B52AA6E4}">
+                <adec:decorative xmlns:adec="http://schemas.microsoft.com/office/drawing/2017/decorative" val="1"/>
+              </a:ext>
+            </a:extLst>
+          </p:cNvPr>
+          <p:cNvPicPr>
+            <a:picLocks noGrp="1" noRot="1" noChangeAspect="1" noMove="1" noResize="1" noEditPoints="1" noAdjustHandles="1" noChangeArrowheads="1" noChangeShapeType="1" noCrop="1"/>
+          </p:cNvPicPr>
+          <p:nvPr>
+            <p:extLst>
+              <p:ext uri="{386F3935-93C4-4BCD-93E2-E3B085C9AB24}">
+                <p16:designElem xmlns:p16="http://schemas.microsoft.com/office/powerpoint/2015/main" val="1"/>
+              </p:ext>
+            </p:extLst>
+          </p:nvPr>
+        </p:nvPicPr>
+        <p:blipFill rotWithShape="1">
+          <a:blip r:embed="rId3">
+            <a:duotone>
+              <a:schemeClr val="accent1">
+                <a:shade val="45000"/>
+                <a:satMod val="135000"/>
+              </a:schemeClr>
+              <a:prstClr val="white"/>
+            </a:duotone>
+            <a:extLst>
+              <a:ext uri="{28A0092B-C50C-407E-A947-70E740481C1C}">
+                <a14:useLocalDpi xmlns:a14="http://schemas.microsoft.com/office/drawing/2010/main" val="0"/>
+              </a:ext>
+            </a:extLst>
+          </a:blip>
+          <a:srcRect l="-115" r="15828" b="36435"/>
+          <a:stretch/>
+        </p:blipFill>
+        <p:spPr>
+          <a:xfrm>
+            <a:off x="1125460" y="643464"/>
+            <a:ext cx="9610344" cy="155448"/>
+          </a:xfrm>
+          <a:prstGeom prst="rect">
+            <a:avLst/>
+          </a:prstGeom>
+          <a:noFill/>
+          <a:ln>
+            <a:noFill/>
+          </a:ln>
+        </p:spPr>
+      </p:pic>
+      <p:sp useBgFill="1">
+        <p:nvSpPr>
+          <p:cNvPr id="20" name="Rectangle 19">
+            <a:extLst>
+              <a:ext uri="{FF2B5EF4-FFF2-40B4-BE49-F238E27FC236}">
+                <a16:creationId xmlns:a16="http://schemas.microsoft.com/office/drawing/2014/main" id="{D3F196F4-A988-40DF-899A-EC29C422142B}"/>
+              </a:ext>
+              <a:ext uri="{C183D7F6-B498-43B3-948B-1728B52AA6E4}">
+                <adec:decorative xmlns:adec="http://schemas.microsoft.com/office/drawing/2017/decorative" val="1"/>
+              </a:ext>
+            </a:extLst>
+          </p:cNvPr>
+          <p:cNvSpPr>
+            <a:spLocks noGrp="1" noRot="1" noChangeAspect="1" noMove="1" noResize="1" noEditPoints="1" noAdjustHandles="1" noChangeArrowheads="1" noChangeShapeType="1" noTextEdit="1"/>
+          </p:cNvSpPr>
+          <p:nvPr>
+            <p:extLst>
+              <p:ext uri="{386F3935-93C4-4BCD-93E2-E3B085C9AB24}">
+                <p16:designElem xmlns:p16="http://schemas.microsoft.com/office/powerpoint/2015/main" val="1"/>
+              </p:ext>
+            </p:extLst>
+          </p:nvPr>
+        </p:nvSpPr>
+        <p:spPr>
+          <a:xfrm>
+            <a:off x="2" y="0"/>
+            <a:ext cx="12191695" cy="6858000"/>
+          </a:xfrm>
+          <a:prstGeom prst="rect">
+            <a:avLst/>
+          </a:prstGeom>
+          <a:ln>
+            <a:noFill/>
+          </a:ln>
+        </p:spPr>
+        <p:style>
+          <a:lnRef idx="2">
+            <a:schemeClr val="accent1">
+              <a:shade val="50000"/>
+            </a:schemeClr>
+          </a:lnRef>
+          <a:fillRef idx="1">
+            <a:schemeClr val="accent1"/>
+          </a:fillRef>
+          <a:effectRef idx="0">
+            <a:schemeClr val="accent1"/>
+          </a:effectRef>
+          <a:fontRef idx="minor">
+            <a:schemeClr val="lt1"/>
+          </a:fontRef>
+        </p:style>
+        <p:txBody>
+          <a:bodyPr rtlCol="0" anchor="ctr"/>
+          <a:lstStyle/>
+          <a:p>
+            <a:pPr algn="ctr"/>
+            <a:endParaRPr lang="en-US"/>
+          </a:p>
+        </p:txBody>
+      </p:sp>
+      <p:sp>
+        <p:nvSpPr>
+          <p:cNvPr id="22" name="Rectangle 21">
+            <a:extLst>
+              <a:ext uri="{FF2B5EF4-FFF2-40B4-BE49-F238E27FC236}">
+                <a16:creationId xmlns:a16="http://schemas.microsoft.com/office/drawing/2014/main" id="{4B8B3238-C65F-4148-9B84-4D22282CFA6E}"/>
+              </a:ext>
+              <a:ext uri="{C183D7F6-B498-43B3-948B-1728B52AA6E4}">
+                <adec:decorative xmlns:adec="http://schemas.microsoft.com/office/drawing/2017/decorative" val="1"/>
+              </a:ext>
+            </a:extLst>
+          </p:cNvPr>
+          <p:cNvSpPr>
+            <a:spLocks noGrp="1" noRot="1" noChangeAspect="1" noMove="1" noResize="1" noEditPoints="1" noAdjustHandles="1" noChangeArrowheads="1" noChangeShapeType="1" noTextEdit="1"/>
+          </p:cNvSpPr>
+          <p:nvPr>
+            <p:extLst>
+              <p:ext uri="{386F3935-93C4-4BCD-93E2-E3B085C9AB24}">
+                <p16:designElem xmlns:p16="http://schemas.microsoft.com/office/powerpoint/2015/main" val="1"/>
+              </p:ext>
+            </p:extLst>
+          </p:nvPr>
+        </p:nvSpPr>
+        <p:spPr>
+          <a:xfrm>
+            <a:off x="0" y="468769"/>
+            <a:ext cx="12192000" cy="5647024"/>
+          </a:xfrm>
+          <a:prstGeom prst="rect">
+            <a:avLst/>
+          </a:prstGeom>
+          <a:gradFill flip="none" rotWithShape="1">
+            <a:gsLst>
+              <a:gs pos="0">
+                <a:schemeClr val="bg2">
+                  <a:alpha val="0"/>
+                  <a:lumMod val="100000"/>
+                </a:schemeClr>
+              </a:gs>
+              <a:gs pos="100000">
+                <a:schemeClr val="bg2">
+                  <a:lumMod val="95000"/>
+                  <a:lumOff val="5000"/>
+                </a:schemeClr>
+              </a:gs>
+            </a:gsLst>
+            <a:lin ang="5400000" scaled="0"/>
+            <a:tileRect/>
+          </a:gradFill>
+          <a:ln>
+            <a:noFill/>
+          </a:ln>
+        </p:spPr>
+        <p:style>
+          <a:lnRef idx="2">
+            <a:schemeClr val="accent1">
+              <a:shade val="50000"/>
+            </a:schemeClr>
+          </a:lnRef>
+          <a:fillRef idx="1">
+            <a:schemeClr val="accent1"/>
+          </a:fillRef>
+          <a:effectRef idx="0">
+            <a:schemeClr val="accent1"/>
+          </a:effectRef>
+          <a:fontRef idx="minor">
+            <a:schemeClr val="lt1"/>
+          </a:fontRef>
+        </p:style>
+        <p:txBody>
+          <a:bodyPr rtlCol="0" anchor="ctr"/>
+          <a:lstStyle/>
+          <a:p>
+            <a:pPr algn="ctr"/>
+            <a:endParaRPr lang="en-US"/>
+          </a:p>
+        </p:txBody>
+      </p:sp>
       <p:sp>
         <p:nvSpPr>
           <p:cNvPr id="2" name="Titel 1">
@@ -4339,40 +5273,183 @@
             <p:ph type="title"/>
           </p:nvPr>
         </p:nvSpPr>
-        <p:spPr/>
-        <p:txBody>
-          <a:bodyPr/>
+        <p:spPr>
+          <a:xfrm>
+            <a:off x="2014636" y="5043027"/>
+            <a:ext cx="7831992" cy="551528"/>
+          </a:xfrm>
+        </p:spPr>
+        <p:txBody>
+          <a:bodyPr vert="horz" lIns="91440" tIns="45720" rIns="91440" bIns="0" rtlCol="0" anchor="b">
+            <a:normAutofit/>
+          </a:bodyPr>
           <a:lstStyle/>
           <a:p>
-            <a:endParaRPr lang="de-DE"/>
-          </a:p>
-        </p:txBody>
-      </p:sp>
-      <p:sp>
-        <p:nvSpPr>
-          <p:cNvPr id="3" name="Inhaltsplatzhalter 2">
-            <a:extLst>
-              <a:ext uri="{FF2B5EF4-FFF2-40B4-BE49-F238E27FC236}">
-                <a16:creationId xmlns:a16="http://schemas.microsoft.com/office/drawing/2014/main" id="{210C8FBC-2A8C-4D1F-BB7E-9878299E8480}"/>
-              </a:ext>
-            </a:extLst>
-          </p:cNvPr>
-          <p:cNvSpPr>
-            <a:spLocks noGrp="1"/>
-          </p:cNvSpPr>
-          <p:nvPr>
-            <p:ph idx="1"/>
-          </p:nvPr>
-        </p:nvSpPr>
-        <p:spPr/>
-        <p:txBody>
-          <a:bodyPr/>
-          <a:lstStyle/>
-          <a:p>
-            <a:endParaRPr lang="de-DE"/>
-          </a:p>
-        </p:txBody>
-      </p:sp>
+            <a:r>
+              <a:rPr lang="en-US" sz="3600" dirty="0"/>
+              <a:t>HTML-Checkbox</a:t>
+            </a:r>
+          </a:p>
+        </p:txBody>
+      </p:sp>
+      <p:pic>
+        <p:nvPicPr>
+          <p:cNvPr id="7" name="Grafik 6">
+            <a:extLst>
+              <a:ext uri="{FF2B5EF4-FFF2-40B4-BE49-F238E27FC236}">
+                <a16:creationId xmlns:a16="http://schemas.microsoft.com/office/drawing/2014/main" id="{9293DCFA-AC6E-493E-9E92-646A43923ED7}"/>
+              </a:ext>
+            </a:extLst>
+          </p:cNvPr>
+          <p:cNvPicPr>
+            <a:picLocks noChangeAspect="1"/>
+          </p:cNvPicPr>
+          <p:nvPr/>
+        </p:nvPicPr>
+        <p:blipFill>
+          <a:blip r:embed="rId4"/>
+          <a:stretch>
+            <a:fillRect/>
+          </a:stretch>
+        </p:blipFill>
+        <p:spPr>
+          <a:xfrm>
+            <a:off x="7688887" y="1392825"/>
+            <a:ext cx="4426814" cy="3583213"/>
+          </a:xfrm>
+          <a:prstGeom prst="rect">
+            <a:avLst/>
+          </a:prstGeom>
+        </p:spPr>
+      </p:pic>
+      <p:pic>
+        <p:nvPicPr>
+          <p:cNvPr id="5" name="Grafik 4">
+            <a:extLst>
+              <a:ext uri="{FF2B5EF4-FFF2-40B4-BE49-F238E27FC236}">
+                <a16:creationId xmlns:a16="http://schemas.microsoft.com/office/drawing/2014/main" id="{EF7FAFA2-E7C8-4259-94E6-A647419C2B93}"/>
+              </a:ext>
+            </a:extLst>
+          </p:cNvPr>
+          <p:cNvPicPr>
+            <a:picLocks noChangeAspect="1"/>
+          </p:cNvPicPr>
+          <p:nvPr/>
+        </p:nvPicPr>
+        <p:blipFill>
+          <a:blip r:embed="rId5"/>
+          <a:stretch>
+            <a:fillRect/>
+          </a:stretch>
+        </p:blipFill>
+        <p:spPr>
+          <a:xfrm>
+            <a:off x="81001" y="852330"/>
+            <a:ext cx="7531890" cy="4123708"/>
+          </a:xfrm>
+          <a:prstGeom prst="rect">
+            <a:avLst/>
+          </a:prstGeom>
+        </p:spPr>
+      </p:pic>
+      <p:pic>
+        <p:nvPicPr>
+          <p:cNvPr id="24" name="Picture 23">
+            <a:extLst>
+              <a:ext uri="{FF2B5EF4-FFF2-40B4-BE49-F238E27FC236}">
+                <a16:creationId xmlns:a16="http://schemas.microsoft.com/office/drawing/2014/main" id="{CFDC6AB1-03A5-4D20-ACE0-4957616E748C}"/>
+              </a:ext>
+              <a:ext uri="{C183D7F6-B498-43B3-948B-1728B52AA6E4}">
+                <adec:decorative xmlns:adec="http://schemas.microsoft.com/office/drawing/2017/decorative" val="1"/>
+              </a:ext>
+            </a:extLst>
+          </p:cNvPr>
+          <p:cNvPicPr>
+            <a:picLocks noGrp="1" noRot="1" noChangeAspect="1" noMove="1" noResize="1" noEditPoints="1" noAdjustHandles="1" noChangeArrowheads="1" noChangeShapeType="1" noCrop="1"/>
+          </p:cNvPicPr>
+          <p:nvPr>
+            <p:extLst>
+              <p:ext uri="{386F3935-93C4-4BCD-93E2-E3B085C9AB24}">
+                <p16:designElem xmlns:p16="http://schemas.microsoft.com/office/powerpoint/2015/main" val="1"/>
+              </p:ext>
+            </p:extLst>
+          </p:nvPr>
+        </p:nvPicPr>
+        <p:blipFill rotWithShape="1">
+          <a:blip r:embed="rId2">
+            <a:extLst>
+              <a:ext uri="{28A0092B-C50C-407E-A947-70E740481C1C}">
+                <a14:useLocalDpi xmlns:a14="http://schemas.microsoft.com/office/drawing/2010/main" val="0"/>
+              </a:ext>
+            </a:extLst>
+          </a:blip>
+          <a:srcRect t="1538" b="-1538"/>
+          <a:stretch/>
+        </p:blipFill>
+        <p:spPr>
+          <a:xfrm>
+            <a:off x="0" y="6119336"/>
+            <a:ext cx="12192000" cy="742950"/>
+          </a:xfrm>
+          <a:prstGeom prst="rect">
+            <a:avLst/>
+          </a:prstGeom>
+        </p:spPr>
+      </p:pic>
+      <p:cxnSp>
+        <p:nvCxnSpPr>
+          <p:cNvPr id="26" name="Straight Connector 25">
+            <a:extLst>
+              <a:ext uri="{FF2B5EF4-FFF2-40B4-BE49-F238E27FC236}">
+                <a16:creationId xmlns:a16="http://schemas.microsoft.com/office/drawing/2014/main" id="{EB77A0BE-690A-4522-A429-39E717A173A5}"/>
+              </a:ext>
+              <a:ext uri="{C183D7F6-B498-43B3-948B-1728B52AA6E4}">
+                <adec:decorative xmlns:adec="http://schemas.microsoft.com/office/drawing/2017/decorative" val="1"/>
+              </a:ext>
+            </a:extLst>
+          </p:cNvPr>
+          <p:cNvCxnSpPr>
+            <a:cxnSpLocks noGrp="1" noRot="1" noChangeAspect="1" noMove="1" noResize="1" noEditPoints="1" noAdjustHandles="1" noChangeArrowheads="1" noChangeShapeType="1"/>
+          </p:cNvCxnSpPr>
+          <p:nvPr>
+            <p:extLst>
+              <p:ext uri="{386F3935-93C4-4BCD-93E2-E3B085C9AB24}">
+                <p16:designElem xmlns:p16="http://schemas.microsoft.com/office/powerpoint/2015/main" val="1"/>
+              </p:ext>
+            </p:extLst>
+          </p:nvPr>
+        </p:nvCxnSpPr>
+        <p:spPr>
+          <a:xfrm>
+            <a:off x="0" y="6121269"/>
+            <a:ext cx="12192000" cy="0"/>
+          </a:xfrm>
+          <a:prstGeom prst="line">
+            <a:avLst/>
+          </a:prstGeom>
+          <a:ln w="12700">
+            <a:solidFill>
+              <a:srgbClr val="000001">
+                <a:alpha val="20000"/>
+              </a:srgbClr>
+            </a:solidFill>
+          </a:ln>
+        </p:spPr>
+        <p:style>
+          <a:lnRef idx="1">
+            <a:schemeClr val="accent1"/>
+          </a:lnRef>
+          <a:fillRef idx="0">
+            <a:schemeClr val="accent1"/>
+          </a:fillRef>
+          <a:effectRef idx="0">
+            <a:schemeClr val="accent1"/>
+          </a:effectRef>
+          <a:fontRef idx="minor">
+            <a:schemeClr val="tx1"/>
+          </a:fontRef>
+        </p:style>
+      </p:cxnSp>
     </p:spTree>
     <p:extLst>
       <p:ext uri="{BB962C8B-B14F-4D97-AF65-F5344CB8AC3E}">
@@ -4386,7 +5463,2043 @@
 </p:sld>
 </file>
 
-<file path=ppt/slides/slide12.xml><?xml version="1.0" encoding="utf-8"?>
+<file path=ppt/slides/slide13.xml><?xml version="1.0" encoding="utf-8"?>
+<p:sld xmlns:a="http://schemas.openxmlformats.org/drawingml/2006/main" xmlns:r="http://schemas.openxmlformats.org/officeDocument/2006/relationships" xmlns:p="http://schemas.openxmlformats.org/presentationml/2006/main">
+  <p:cSld>
+    <p:bg>
+      <p:bgPr>
+        <a:gradFill rotWithShape="1">
+          <a:gsLst>
+            <a:gs pos="0">
+              <a:schemeClr val="bg1">
+                <a:tint val="94000"/>
+                <a:satMod val="80000"/>
+                <a:lumMod val="106000"/>
+              </a:schemeClr>
+            </a:gs>
+            <a:gs pos="100000">
+              <a:schemeClr val="bg1">
+                <a:shade val="80000"/>
+                <a:lumMod val="108000"/>
+              </a:schemeClr>
+            </a:gs>
+          </a:gsLst>
+          <a:path path="circle">
+            <a:fillToRect l="43000" r="43000" b="100000"/>
+          </a:path>
+        </a:gradFill>
+        <a:effectLst/>
+      </p:bgPr>
+    </p:bg>
+    <p:spTree>
+      <p:nvGrpSpPr>
+        <p:cNvPr id="1" name=""/>
+        <p:cNvGrpSpPr/>
+        <p:nvPr/>
+      </p:nvGrpSpPr>
+      <p:grpSpPr>
+        <a:xfrm>
+          <a:off x="0" y="0"/>
+          <a:ext cx="0" cy="0"/>
+          <a:chOff x="0" y="0"/>
+          <a:chExt cx="0" cy="0"/>
+        </a:xfrm>
+      </p:grpSpPr>
+      <p:pic>
+        <p:nvPicPr>
+          <p:cNvPr id="12" name="Picture 11">
+            <a:extLst>
+              <a:ext uri="{FF2B5EF4-FFF2-40B4-BE49-F238E27FC236}">
+                <a16:creationId xmlns:a16="http://schemas.microsoft.com/office/drawing/2014/main" id="{E8690AC4-C9C4-4944-A98C-B1D32992D60B}"/>
+              </a:ext>
+              <a:ext uri="{C183D7F6-B498-43B3-948B-1728B52AA6E4}">
+                <adec:decorative xmlns:adec="http://schemas.microsoft.com/office/drawing/2017/decorative" val="1"/>
+              </a:ext>
+            </a:extLst>
+          </p:cNvPr>
+          <p:cNvPicPr>
+            <a:picLocks noGrp="1" noRot="1" noChangeAspect="1" noMove="1" noResize="1" noEditPoints="1" noAdjustHandles="1" noChangeArrowheads="1" noChangeShapeType="1" noCrop="1"/>
+          </p:cNvPicPr>
+          <p:nvPr>
+            <p:extLst>
+              <p:ext uri="{386F3935-93C4-4BCD-93E2-E3B085C9AB24}">
+                <p16:designElem xmlns:p16="http://schemas.microsoft.com/office/powerpoint/2015/main" val="1"/>
+              </p:ext>
+            </p:extLst>
+          </p:nvPr>
+        </p:nvPicPr>
+        <p:blipFill rotWithShape="1">
+          <a:blip r:embed="rId2">
+            <a:extLst>
+              <a:ext uri="{28A0092B-C50C-407E-A947-70E740481C1C}">
+                <a14:useLocalDpi xmlns:a14="http://schemas.microsoft.com/office/drawing/2010/main" val="0"/>
+              </a:ext>
+            </a:extLst>
+          </a:blip>
+          <a:srcRect t="1538" b="-1538"/>
+          <a:stretch/>
+        </p:blipFill>
+        <p:spPr>
+          <a:xfrm>
+            <a:off x="0" y="6119336"/>
+            <a:ext cx="12192000" cy="742950"/>
+          </a:xfrm>
+          <a:prstGeom prst="rect">
+            <a:avLst/>
+          </a:prstGeom>
+        </p:spPr>
+      </p:pic>
+      <p:sp>
+        <p:nvSpPr>
+          <p:cNvPr id="14" name="Rectangle 13">
+            <a:extLst>
+              <a:ext uri="{FF2B5EF4-FFF2-40B4-BE49-F238E27FC236}">
+                <a16:creationId xmlns:a16="http://schemas.microsoft.com/office/drawing/2014/main" id="{86F828BE-4D4E-43F9-AC35-0209B5190C05}"/>
+              </a:ext>
+              <a:ext uri="{C183D7F6-B498-43B3-948B-1728B52AA6E4}">
+                <adec:decorative xmlns:adec="http://schemas.microsoft.com/office/drawing/2017/decorative" val="1"/>
+              </a:ext>
+            </a:extLst>
+          </p:cNvPr>
+          <p:cNvSpPr>
+            <a:spLocks noGrp="1" noRot="1" noChangeAspect="1" noMove="1" noResize="1" noEditPoints="1" noAdjustHandles="1" noChangeArrowheads="1" noChangeShapeType="1" noTextEdit="1"/>
+          </p:cNvSpPr>
+          <p:nvPr>
+            <p:extLst>
+              <p:ext uri="{386F3935-93C4-4BCD-93E2-E3B085C9AB24}">
+                <p16:designElem xmlns:p16="http://schemas.microsoft.com/office/powerpoint/2015/main" val="1"/>
+              </p:ext>
+            </p:extLst>
+          </p:nvPr>
+        </p:nvSpPr>
+        <p:spPr>
+          <a:xfrm>
+            <a:off x="0" y="468769"/>
+            <a:ext cx="12192000" cy="5647024"/>
+          </a:xfrm>
+          <a:prstGeom prst="rect">
+            <a:avLst/>
+          </a:prstGeom>
+          <a:gradFill flip="none" rotWithShape="1">
+            <a:gsLst>
+              <a:gs pos="0">
+                <a:schemeClr val="bg2">
+                  <a:alpha val="0"/>
+                  <a:lumMod val="100000"/>
+                </a:schemeClr>
+              </a:gs>
+              <a:gs pos="100000">
+                <a:schemeClr val="bg2">
+                  <a:lumMod val="95000"/>
+                  <a:lumOff val="5000"/>
+                </a:schemeClr>
+              </a:gs>
+            </a:gsLst>
+            <a:lin ang="5400000" scaled="0"/>
+            <a:tileRect/>
+          </a:gradFill>
+          <a:ln>
+            <a:noFill/>
+          </a:ln>
+        </p:spPr>
+        <p:style>
+          <a:lnRef idx="2">
+            <a:schemeClr val="accent1">
+              <a:shade val="50000"/>
+            </a:schemeClr>
+          </a:lnRef>
+          <a:fillRef idx="1">
+            <a:schemeClr val="accent1"/>
+          </a:fillRef>
+          <a:effectRef idx="0">
+            <a:schemeClr val="accent1"/>
+          </a:effectRef>
+          <a:fontRef idx="minor">
+            <a:schemeClr val="lt1"/>
+          </a:fontRef>
+        </p:style>
+      </p:sp>
+      <p:cxnSp>
+        <p:nvCxnSpPr>
+          <p:cNvPr id="16" name="Straight Connector 15">
+            <a:extLst>
+              <a:ext uri="{FF2B5EF4-FFF2-40B4-BE49-F238E27FC236}">
+                <a16:creationId xmlns:a16="http://schemas.microsoft.com/office/drawing/2014/main" id="{10BAB604-20D4-431F-ADD8-754BB7992A43}"/>
+              </a:ext>
+              <a:ext uri="{C183D7F6-B498-43B3-948B-1728B52AA6E4}">
+                <adec:decorative xmlns:adec="http://schemas.microsoft.com/office/drawing/2017/decorative" val="1"/>
+              </a:ext>
+            </a:extLst>
+          </p:cNvPr>
+          <p:cNvCxnSpPr>
+            <a:cxnSpLocks noGrp="1" noRot="1" noChangeAspect="1" noMove="1" noResize="1" noEditPoints="1" noAdjustHandles="1" noChangeArrowheads="1" noChangeShapeType="1"/>
+          </p:cNvCxnSpPr>
+          <p:nvPr>
+            <p:extLst>
+              <p:ext uri="{386F3935-93C4-4BCD-93E2-E3B085C9AB24}">
+                <p16:designElem xmlns:p16="http://schemas.microsoft.com/office/powerpoint/2015/main" val="1"/>
+              </p:ext>
+            </p:extLst>
+          </p:nvPr>
+        </p:nvCxnSpPr>
+        <p:spPr>
+          <a:xfrm>
+            <a:off x="0" y="6121269"/>
+            <a:ext cx="12192000" cy="0"/>
+          </a:xfrm>
+          <a:prstGeom prst="line">
+            <a:avLst/>
+          </a:prstGeom>
+          <a:ln w="12700">
+            <a:solidFill>
+              <a:srgbClr val="000001">
+                <a:alpha val="20000"/>
+              </a:srgbClr>
+            </a:solidFill>
+          </a:ln>
+        </p:spPr>
+        <p:style>
+          <a:lnRef idx="1">
+            <a:schemeClr val="accent1"/>
+          </a:lnRef>
+          <a:fillRef idx="0">
+            <a:schemeClr val="accent1"/>
+          </a:fillRef>
+          <a:effectRef idx="0">
+            <a:schemeClr val="accent1"/>
+          </a:effectRef>
+          <a:fontRef idx="minor">
+            <a:schemeClr val="tx1"/>
+          </a:fontRef>
+        </p:style>
+      </p:cxnSp>
+      <p:pic>
+        <p:nvPicPr>
+          <p:cNvPr id="18" name="Picture 17">
+            <a:extLst>
+              <a:ext uri="{FF2B5EF4-FFF2-40B4-BE49-F238E27FC236}">
+                <a16:creationId xmlns:a16="http://schemas.microsoft.com/office/drawing/2014/main" id="{C821979E-9A93-4880-80B5-D60B75C19185}"/>
+              </a:ext>
+              <a:ext uri="{C183D7F6-B498-43B3-948B-1728B52AA6E4}">
+                <adec:decorative xmlns:adec="http://schemas.microsoft.com/office/drawing/2017/decorative" val="1"/>
+              </a:ext>
+            </a:extLst>
+          </p:cNvPr>
+          <p:cNvPicPr>
+            <a:picLocks noGrp="1" noRot="1" noChangeAspect="1" noMove="1" noResize="1" noEditPoints="1" noAdjustHandles="1" noChangeArrowheads="1" noChangeShapeType="1" noCrop="1"/>
+          </p:cNvPicPr>
+          <p:nvPr>
+            <p:extLst>
+              <p:ext uri="{386F3935-93C4-4BCD-93E2-E3B085C9AB24}">
+                <p16:designElem xmlns:p16="http://schemas.microsoft.com/office/powerpoint/2015/main" val="1"/>
+              </p:ext>
+            </p:extLst>
+          </p:nvPr>
+        </p:nvPicPr>
+        <p:blipFill rotWithShape="1">
+          <a:blip r:embed="rId3">
+            <a:duotone>
+              <a:schemeClr val="accent1">
+                <a:shade val="45000"/>
+                <a:satMod val="135000"/>
+              </a:schemeClr>
+              <a:prstClr val="white"/>
+            </a:duotone>
+            <a:extLst>
+              <a:ext uri="{28A0092B-C50C-407E-A947-70E740481C1C}">
+                <a14:useLocalDpi xmlns:a14="http://schemas.microsoft.com/office/drawing/2010/main" val="0"/>
+              </a:ext>
+            </a:extLst>
+          </a:blip>
+          <a:srcRect l="-115" r="15828" b="36435"/>
+          <a:stretch/>
+        </p:blipFill>
+        <p:spPr>
+          <a:xfrm>
+            <a:off x="1125460" y="643464"/>
+            <a:ext cx="9610344" cy="155448"/>
+          </a:xfrm>
+          <a:prstGeom prst="rect">
+            <a:avLst/>
+          </a:prstGeom>
+          <a:noFill/>
+          <a:ln>
+            <a:noFill/>
+          </a:ln>
+        </p:spPr>
+      </p:pic>
+      <p:sp useBgFill="1">
+        <p:nvSpPr>
+          <p:cNvPr id="20" name="Rectangle 19">
+            <a:extLst>
+              <a:ext uri="{FF2B5EF4-FFF2-40B4-BE49-F238E27FC236}">
+                <a16:creationId xmlns:a16="http://schemas.microsoft.com/office/drawing/2014/main" id="{D3F196F4-A988-40DF-899A-EC29C422142B}"/>
+              </a:ext>
+              <a:ext uri="{C183D7F6-B498-43B3-948B-1728B52AA6E4}">
+                <adec:decorative xmlns:adec="http://schemas.microsoft.com/office/drawing/2017/decorative" val="1"/>
+              </a:ext>
+            </a:extLst>
+          </p:cNvPr>
+          <p:cNvSpPr>
+            <a:spLocks noGrp="1" noRot="1" noChangeAspect="1" noMove="1" noResize="1" noEditPoints="1" noAdjustHandles="1" noChangeArrowheads="1" noChangeShapeType="1" noTextEdit="1"/>
+          </p:cNvSpPr>
+          <p:nvPr>
+            <p:extLst>
+              <p:ext uri="{386F3935-93C4-4BCD-93E2-E3B085C9AB24}">
+                <p16:designElem xmlns:p16="http://schemas.microsoft.com/office/powerpoint/2015/main" val="1"/>
+              </p:ext>
+            </p:extLst>
+          </p:nvPr>
+        </p:nvSpPr>
+        <p:spPr>
+          <a:xfrm>
+            <a:off x="2" y="0"/>
+            <a:ext cx="12191695" cy="6858000"/>
+          </a:xfrm>
+          <a:prstGeom prst="rect">
+            <a:avLst/>
+          </a:prstGeom>
+          <a:ln>
+            <a:noFill/>
+          </a:ln>
+        </p:spPr>
+        <p:style>
+          <a:lnRef idx="2">
+            <a:schemeClr val="accent1">
+              <a:shade val="50000"/>
+            </a:schemeClr>
+          </a:lnRef>
+          <a:fillRef idx="1">
+            <a:schemeClr val="accent1"/>
+          </a:fillRef>
+          <a:effectRef idx="0">
+            <a:schemeClr val="accent1"/>
+          </a:effectRef>
+          <a:fontRef idx="minor">
+            <a:schemeClr val="lt1"/>
+          </a:fontRef>
+        </p:style>
+        <p:txBody>
+          <a:bodyPr rtlCol="0" anchor="ctr"/>
+          <a:lstStyle/>
+          <a:p>
+            <a:pPr algn="ctr"/>
+            <a:endParaRPr lang="en-US"/>
+          </a:p>
+        </p:txBody>
+      </p:sp>
+      <p:sp>
+        <p:nvSpPr>
+          <p:cNvPr id="22" name="Rectangle 21">
+            <a:extLst>
+              <a:ext uri="{FF2B5EF4-FFF2-40B4-BE49-F238E27FC236}">
+                <a16:creationId xmlns:a16="http://schemas.microsoft.com/office/drawing/2014/main" id="{4B8B3238-C65F-4148-9B84-4D22282CFA6E}"/>
+              </a:ext>
+              <a:ext uri="{C183D7F6-B498-43B3-948B-1728B52AA6E4}">
+                <adec:decorative xmlns:adec="http://schemas.microsoft.com/office/drawing/2017/decorative" val="1"/>
+              </a:ext>
+            </a:extLst>
+          </p:cNvPr>
+          <p:cNvSpPr>
+            <a:spLocks noGrp="1" noRot="1" noChangeAspect="1" noMove="1" noResize="1" noEditPoints="1" noAdjustHandles="1" noChangeArrowheads="1" noChangeShapeType="1" noTextEdit="1"/>
+          </p:cNvSpPr>
+          <p:nvPr>
+            <p:extLst>
+              <p:ext uri="{386F3935-93C4-4BCD-93E2-E3B085C9AB24}">
+                <p16:designElem xmlns:p16="http://schemas.microsoft.com/office/powerpoint/2015/main" val="1"/>
+              </p:ext>
+            </p:extLst>
+          </p:nvPr>
+        </p:nvSpPr>
+        <p:spPr>
+          <a:xfrm>
+            <a:off x="0" y="468769"/>
+            <a:ext cx="12192000" cy="5647024"/>
+          </a:xfrm>
+          <a:prstGeom prst="rect">
+            <a:avLst/>
+          </a:prstGeom>
+          <a:gradFill flip="none" rotWithShape="1">
+            <a:gsLst>
+              <a:gs pos="0">
+                <a:schemeClr val="bg2">
+                  <a:alpha val="0"/>
+                  <a:lumMod val="100000"/>
+                </a:schemeClr>
+              </a:gs>
+              <a:gs pos="100000">
+                <a:schemeClr val="bg2">
+                  <a:lumMod val="95000"/>
+                  <a:lumOff val="5000"/>
+                </a:schemeClr>
+              </a:gs>
+            </a:gsLst>
+            <a:lin ang="5400000" scaled="0"/>
+            <a:tileRect/>
+          </a:gradFill>
+          <a:ln>
+            <a:noFill/>
+          </a:ln>
+        </p:spPr>
+        <p:style>
+          <a:lnRef idx="2">
+            <a:schemeClr val="accent1">
+              <a:shade val="50000"/>
+            </a:schemeClr>
+          </a:lnRef>
+          <a:fillRef idx="1">
+            <a:schemeClr val="accent1"/>
+          </a:fillRef>
+          <a:effectRef idx="0">
+            <a:schemeClr val="accent1"/>
+          </a:effectRef>
+          <a:fontRef idx="minor">
+            <a:schemeClr val="lt1"/>
+          </a:fontRef>
+        </p:style>
+        <p:txBody>
+          <a:bodyPr rtlCol="0" anchor="ctr"/>
+          <a:lstStyle/>
+          <a:p>
+            <a:pPr algn="ctr"/>
+            <a:endParaRPr lang="en-US"/>
+          </a:p>
+        </p:txBody>
+      </p:sp>
+      <p:sp>
+        <p:nvSpPr>
+          <p:cNvPr id="2" name="Titel 1">
+            <a:extLst>
+              <a:ext uri="{FF2B5EF4-FFF2-40B4-BE49-F238E27FC236}">
+                <a16:creationId xmlns:a16="http://schemas.microsoft.com/office/drawing/2014/main" id="{C4783377-D45B-40D2-9789-11739981040B}"/>
+              </a:ext>
+            </a:extLst>
+          </p:cNvPr>
+          <p:cNvSpPr>
+            <a:spLocks noGrp="1"/>
+          </p:cNvSpPr>
+          <p:nvPr>
+            <p:ph type="title"/>
+          </p:nvPr>
+        </p:nvSpPr>
+        <p:spPr>
+          <a:xfrm>
+            <a:off x="2014636" y="5164507"/>
+            <a:ext cx="7831992" cy="551528"/>
+          </a:xfrm>
+        </p:spPr>
+        <p:txBody>
+          <a:bodyPr vert="horz" lIns="91440" tIns="45720" rIns="91440" bIns="0" rtlCol="0" anchor="b">
+            <a:normAutofit/>
+          </a:bodyPr>
+          <a:lstStyle/>
+          <a:p>
+            <a:r>
+              <a:rPr lang="en-US" sz="3600" dirty="0"/>
+              <a:t>HTML-Radio button</a:t>
+            </a:r>
+          </a:p>
+        </p:txBody>
+      </p:sp>
+      <p:pic>
+        <p:nvPicPr>
+          <p:cNvPr id="7" name="Grafik 6">
+            <a:extLst>
+              <a:ext uri="{FF2B5EF4-FFF2-40B4-BE49-F238E27FC236}">
+                <a16:creationId xmlns:a16="http://schemas.microsoft.com/office/drawing/2014/main" id="{934EBA0F-E430-4260-BF77-882A03A77514}"/>
+              </a:ext>
+            </a:extLst>
+          </p:cNvPr>
+          <p:cNvPicPr>
+            <a:picLocks noChangeAspect="1"/>
+          </p:cNvPicPr>
+          <p:nvPr/>
+        </p:nvPicPr>
+        <p:blipFill>
+          <a:blip r:embed="rId4"/>
+          <a:stretch>
+            <a:fillRect/>
+          </a:stretch>
+        </p:blipFill>
+        <p:spPr>
+          <a:xfrm>
+            <a:off x="8352004" y="1491605"/>
+            <a:ext cx="2989248" cy="2462972"/>
+          </a:xfrm>
+          <a:prstGeom prst="rect">
+            <a:avLst/>
+          </a:prstGeom>
+        </p:spPr>
+      </p:pic>
+      <p:pic>
+        <p:nvPicPr>
+          <p:cNvPr id="5" name="Grafik 4">
+            <a:extLst>
+              <a:ext uri="{FF2B5EF4-FFF2-40B4-BE49-F238E27FC236}">
+                <a16:creationId xmlns:a16="http://schemas.microsoft.com/office/drawing/2014/main" id="{2D5B2737-4E0B-4238-9944-A79F1385CA1B}"/>
+              </a:ext>
+            </a:extLst>
+          </p:cNvPr>
+          <p:cNvPicPr>
+            <a:picLocks noChangeAspect="1"/>
+          </p:cNvPicPr>
+          <p:nvPr/>
+        </p:nvPicPr>
+        <p:blipFill>
+          <a:blip r:embed="rId5"/>
+          <a:stretch>
+            <a:fillRect/>
+          </a:stretch>
+        </p:blipFill>
+        <p:spPr>
+          <a:xfrm>
+            <a:off x="106161" y="343460"/>
+            <a:ext cx="7831992" cy="4699193"/>
+          </a:xfrm>
+          <a:prstGeom prst="rect">
+            <a:avLst/>
+          </a:prstGeom>
+        </p:spPr>
+      </p:pic>
+      <p:pic>
+        <p:nvPicPr>
+          <p:cNvPr id="24" name="Picture 23">
+            <a:extLst>
+              <a:ext uri="{FF2B5EF4-FFF2-40B4-BE49-F238E27FC236}">
+                <a16:creationId xmlns:a16="http://schemas.microsoft.com/office/drawing/2014/main" id="{CFDC6AB1-03A5-4D20-ACE0-4957616E748C}"/>
+              </a:ext>
+              <a:ext uri="{C183D7F6-B498-43B3-948B-1728B52AA6E4}">
+                <adec:decorative xmlns:adec="http://schemas.microsoft.com/office/drawing/2017/decorative" val="1"/>
+              </a:ext>
+            </a:extLst>
+          </p:cNvPr>
+          <p:cNvPicPr>
+            <a:picLocks noGrp="1" noRot="1" noChangeAspect="1" noMove="1" noResize="1" noEditPoints="1" noAdjustHandles="1" noChangeArrowheads="1" noChangeShapeType="1" noCrop="1"/>
+          </p:cNvPicPr>
+          <p:nvPr>
+            <p:extLst>
+              <p:ext uri="{386F3935-93C4-4BCD-93E2-E3B085C9AB24}">
+                <p16:designElem xmlns:p16="http://schemas.microsoft.com/office/powerpoint/2015/main" val="1"/>
+              </p:ext>
+            </p:extLst>
+          </p:nvPr>
+        </p:nvPicPr>
+        <p:blipFill rotWithShape="1">
+          <a:blip r:embed="rId2">
+            <a:extLst>
+              <a:ext uri="{28A0092B-C50C-407E-A947-70E740481C1C}">
+                <a14:useLocalDpi xmlns:a14="http://schemas.microsoft.com/office/drawing/2010/main" val="0"/>
+              </a:ext>
+            </a:extLst>
+          </a:blip>
+          <a:srcRect t="1538" b="-1538"/>
+          <a:stretch/>
+        </p:blipFill>
+        <p:spPr>
+          <a:xfrm>
+            <a:off x="0" y="6119336"/>
+            <a:ext cx="12192000" cy="742950"/>
+          </a:xfrm>
+          <a:prstGeom prst="rect">
+            <a:avLst/>
+          </a:prstGeom>
+        </p:spPr>
+      </p:pic>
+      <p:cxnSp>
+        <p:nvCxnSpPr>
+          <p:cNvPr id="26" name="Straight Connector 25">
+            <a:extLst>
+              <a:ext uri="{FF2B5EF4-FFF2-40B4-BE49-F238E27FC236}">
+                <a16:creationId xmlns:a16="http://schemas.microsoft.com/office/drawing/2014/main" id="{EB77A0BE-690A-4522-A429-39E717A173A5}"/>
+              </a:ext>
+              <a:ext uri="{C183D7F6-B498-43B3-948B-1728B52AA6E4}">
+                <adec:decorative xmlns:adec="http://schemas.microsoft.com/office/drawing/2017/decorative" val="1"/>
+              </a:ext>
+            </a:extLst>
+          </p:cNvPr>
+          <p:cNvCxnSpPr>
+            <a:cxnSpLocks noGrp="1" noRot="1" noChangeAspect="1" noMove="1" noResize="1" noEditPoints="1" noAdjustHandles="1" noChangeArrowheads="1" noChangeShapeType="1"/>
+          </p:cNvCxnSpPr>
+          <p:nvPr>
+            <p:extLst>
+              <p:ext uri="{386F3935-93C4-4BCD-93E2-E3B085C9AB24}">
+                <p16:designElem xmlns:p16="http://schemas.microsoft.com/office/powerpoint/2015/main" val="1"/>
+              </p:ext>
+            </p:extLst>
+          </p:nvPr>
+        </p:nvCxnSpPr>
+        <p:spPr>
+          <a:xfrm>
+            <a:off x="0" y="6121269"/>
+            <a:ext cx="12192000" cy="0"/>
+          </a:xfrm>
+          <a:prstGeom prst="line">
+            <a:avLst/>
+          </a:prstGeom>
+          <a:ln w="12700">
+            <a:solidFill>
+              <a:srgbClr val="000001">
+                <a:alpha val="20000"/>
+              </a:srgbClr>
+            </a:solidFill>
+          </a:ln>
+        </p:spPr>
+        <p:style>
+          <a:lnRef idx="1">
+            <a:schemeClr val="accent1"/>
+          </a:lnRef>
+          <a:fillRef idx="0">
+            <a:schemeClr val="accent1"/>
+          </a:fillRef>
+          <a:effectRef idx="0">
+            <a:schemeClr val="accent1"/>
+          </a:effectRef>
+          <a:fontRef idx="minor">
+            <a:schemeClr val="tx1"/>
+          </a:fontRef>
+        </p:style>
+      </p:cxnSp>
+    </p:spTree>
+    <p:extLst>
+      <p:ext uri="{BB962C8B-B14F-4D97-AF65-F5344CB8AC3E}">
+        <p14:creationId xmlns:p14="http://schemas.microsoft.com/office/powerpoint/2010/main" val="2690766875"/>
+      </p:ext>
+    </p:extLst>
+  </p:cSld>
+  <p:clrMapOvr>
+    <a:masterClrMapping/>
+  </p:clrMapOvr>
+</p:sld>
+</file>
+
+<file path=ppt/slides/slide14.xml><?xml version="1.0" encoding="utf-8"?>
+<p:sld xmlns:a="http://schemas.openxmlformats.org/drawingml/2006/main" xmlns:r="http://schemas.openxmlformats.org/officeDocument/2006/relationships" xmlns:p="http://schemas.openxmlformats.org/presentationml/2006/main">
+  <p:cSld>
+    <p:bg>
+      <p:bgPr>
+        <a:gradFill rotWithShape="1">
+          <a:gsLst>
+            <a:gs pos="0">
+              <a:schemeClr val="bg1">
+                <a:tint val="94000"/>
+                <a:satMod val="80000"/>
+                <a:lumMod val="106000"/>
+              </a:schemeClr>
+            </a:gs>
+            <a:gs pos="100000">
+              <a:schemeClr val="bg1">
+                <a:shade val="80000"/>
+                <a:lumMod val="108000"/>
+              </a:schemeClr>
+            </a:gs>
+          </a:gsLst>
+          <a:path path="circle">
+            <a:fillToRect l="43000" r="43000" b="100000"/>
+          </a:path>
+        </a:gradFill>
+        <a:effectLst/>
+      </p:bgPr>
+    </p:bg>
+    <p:spTree>
+      <p:nvGrpSpPr>
+        <p:cNvPr id="1" name=""/>
+        <p:cNvGrpSpPr/>
+        <p:nvPr/>
+      </p:nvGrpSpPr>
+      <p:grpSpPr>
+        <a:xfrm>
+          <a:off x="0" y="0"/>
+          <a:ext cx="0" cy="0"/>
+          <a:chOff x="0" y="0"/>
+          <a:chExt cx="0" cy="0"/>
+        </a:xfrm>
+      </p:grpSpPr>
+      <p:pic>
+        <p:nvPicPr>
+          <p:cNvPr id="12" name="Picture 11">
+            <a:extLst>
+              <a:ext uri="{FF2B5EF4-FFF2-40B4-BE49-F238E27FC236}">
+                <a16:creationId xmlns:a16="http://schemas.microsoft.com/office/drawing/2014/main" id="{E8690AC4-C9C4-4944-A98C-B1D32992D60B}"/>
+              </a:ext>
+              <a:ext uri="{C183D7F6-B498-43B3-948B-1728B52AA6E4}">
+                <adec:decorative xmlns:adec="http://schemas.microsoft.com/office/drawing/2017/decorative" val="1"/>
+              </a:ext>
+            </a:extLst>
+          </p:cNvPr>
+          <p:cNvPicPr>
+            <a:picLocks noGrp="1" noRot="1" noChangeAspect="1" noMove="1" noResize="1" noEditPoints="1" noAdjustHandles="1" noChangeArrowheads="1" noChangeShapeType="1" noCrop="1"/>
+          </p:cNvPicPr>
+          <p:nvPr>
+            <p:extLst>
+              <p:ext uri="{386F3935-93C4-4BCD-93E2-E3B085C9AB24}">
+                <p16:designElem xmlns:p16="http://schemas.microsoft.com/office/powerpoint/2015/main" val="1"/>
+              </p:ext>
+            </p:extLst>
+          </p:nvPr>
+        </p:nvPicPr>
+        <p:blipFill rotWithShape="1">
+          <a:blip r:embed="rId2">
+            <a:extLst>
+              <a:ext uri="{28A0092B-C50C-407E-A947-70E740481C1C}">
+                <a14:useLocalDpi xmlns:a14="http://schemas.microsoft.com/office/drawing/2010/main" val="0"/>
+              </a:ext>
+            </a:extLst>
+          </a:blip>
+          <a:srcRect t="1538" b="-1538"/>
+          <a:stretch/>
+        </p:blipFill>
+        <p:spPr>
+          <a:xfrm>
+            <a:off x="0" y="6119336"/>
+            <a:ext cx="12192000" cy="742950"/>
+          </a:xfrm>
+          <a:prstGeom prst="rect">
+            <a:avLst/>
+          </a:prstGeom>
+        </p:spPr>
+      </p:pic>
+      <p:sp>
+        <p:nvSpPr>
+          <p:cNvPr id="14" name="Rectangle 13">
+            <a:extLst>
+              <a:ext uri="{FF2B5EF4-FFF2-40B4-BE49-F238E27FC236}">
+                <a16:creationId xmlns:a16="http://schemas.microsoft.com/office/drawing/2014/main" id="{86F828BE-4D4E-43F9-AC35-0209B5190C05}"/>
+              </a:ext>
+              <a:ext uri="{C183D7F6-B498-43B3-948B-1728B52AA6E4}">
+                <adec:decorative xmlns:adec="http://schemas.microsoft.com/office/drawing/2017/decorative" val="1"/>
+              </a:ext>
+            </a:extLst>
+          </p:cNvPr>
+          <p:cNvSpPr>
+            <a:spLocks noGrp="1" noRot="1" noChangeAspect="1" noMove="1" noResize="1" noEditPoints="1" noAdjustHandles="1" noChangeArrowheads="1" noChangeShapeType="1" noTextEdit="1"/>
+          </p:cNvSpPr>
+          <p:nvPr>
+            <p:extLst>
+              <p:ext uri="{386F3935-93C4-4BCD-93E2-E3B085C9AB24}">
+                <p16:designElem xmlns:p16="http://schemas.microsoft.com/office/powerpoint/2015/main" val="1"/>
+              </p:ext>
+            </p:extLst>
+          </p:nvPr>
+        </p:nvSpPr>
+        <p:spPr>
+          <a:xfrm>
+            <a:off x="0" y="468769"/>
+            <a:ext cx="12192000" cy="5647024"/>
+          </a:xfrm>
+          <a:prstGeom prst="rect">
+            <a:avLst/>
+          </a:prstGeom>
+          <a:gradFill flip="none" rotWithShape="1">
+            <a:gsLst>
+              <a:gs pos="0">
+                <a:schemeClr val="bg2">
+                  <a:alpha val="0"/>
+                  <a:lumMod val="100000"/>
+                </a:schemeClr>
+              </a:gs>
+              <a:gs pos="100000">
+                <a:schemeClr val="bg2">
+                  <a:lumMod val="95000"/>
+                  <a:lumOff val="5000"/>
+                </a:schemeClr>
+              </a:gs>
+            </a:gsLst>
+            <a:lin ang="5400000" scaled="0"/>
+            <a:tileRect/>
+          </a:gradFill>
+          <a:ln>
+            <a:noFill/>
+          </a:ln>
+        </p:spPr>
+        <p:style>
+          <a:lnRef idx="2">
+            <a:schemeClr val="accent1">
+              <a:shade val="50000"/>
+            </a:schemeClr>
+          </a:lnRef>
+          <a:fillRef idx="1">
+            <a:schemeClr val="accent1"/>
+          </a:fillRef>
+          <a:effectRef idx="0">
+            <a:schemeClr val="accent1"/>
+          </a:effectRef>
+          <a:fontRef idx="minor">
+            <a:schemeClr val="lt1"/>
+          </a:fontRef>
+        </p:style>
+      </p:sp>
+      <p:cxnSp>
+        <p:nvCxnSpPr>
+          <p:cNvPr id="16" name="Straight Connector 15">
+            <a:extLst>
+              <a:ext uri="{FF2B5EF4-FFF2-40B4-BE49-F238E27FC236}">
+                <a16:creationId xmlns:a16="http://schemas.microsoft.com/office/drawing/2014/main" id="{10BAB604-20D4-431F-ADD8-754BB7992A43}"/>
+              </a:ext>
+              <a:ext uri="{C183D7F6-B498-43B3-948B-1728B52AA6E4}">
+                <adec:decorative xmlns:adec="http://schemas.microsoft.com/office/drawing/2017/decorative" val="1"/>
+              </a:ext>
+            </a:extLst>
+          </p:cNvPr>
+          <p:cNvCxnSpPr>
+            <a:cxnSpLocks noGrp="1" noRot="1" noChangeAspect="1" noMove="1" noResize="1" noEditPoints="1" noAdjustHandles="1" noChangeArrowheads="1" noChangeShapeType="1"/>
+          </p:cNvCxnSpPr>
+          <p:nvPr>
+            <p:extLst>
+              <p:ext uri="{386F3935-93C4-4BCD-93E2-E3B085C9AB24}">
+                <p16:designElem xmlns:p16="http://schemas.microsoft.com/office/powerpoint/2015/main" val="1"/>
+              </p:ext>
+            </p:extLst>
+          </p:nvPr>
+        </p:nvCxnSpPr>
+        <p:spPr>
+          <a:xfrm>
+            <a:off x="0" y="6121269"/>
+            <a:ext cx="12192000" cy="0"/>
+          </a:xfrm>
+          <a:prstGeom prst="line">
+            <a:avLst/>
+          </a:prstGeom>
+          <a:ln w="12700">
+            <a:solidFill>
+              <a:srgbClr val="000001">
+                <a:alpha val="20000"/>
+              </a:srgbClr>
+            </a:solidFill>
+          </a:ln>
+        </p:spPr>
+        <p:style>
+          <a:lnRef idx="1">
+            <a:schemeClr val="accent1"/>
+          </a:lnRef>
+          <a:fillRef idx="0">
+            <a:schemeClr val="accent1"/>
+          </a:fillRef>
+          <a:effectRef idx="0">
+            <a:schemeClr val="accent1"/>
+          </a:effectRef>
+          <a:fontRef idx="minor">
+            <a:schemeClr val="tx1"/>
+          </a:fontRef>
+        </p:style>
+      </p:cxnSp>
+      <p:pic>
+        <p:nvPicPr>
+          <p:cNvPr id="18" name="Picture 17">
+            <a:extLst>
+              <a:ext uri="{FF2B5EF4-FFF2-40B4-BE49-F238E27FC236}">
+                <a16:creationId xmlns:a16="http://schemas.microsoft.com/office/drawing/2014/main" id="{C821979E-9A93-4880-80B5-D60B75C19185}"/>
+              </a:ext>
+              <a:ext uri="{C183D7F6-B498-43B3-948B-1728B52AA6E4}">
+                <adec:decorative xmlns:adec="http://schemas.microsoft.com/office/drawing/2017/decorative" val="1"/>
+              </a:ext>
+            </a:extLst>
+          </p:cNvPr>
+          <p:cNvPicPr>
+            <a:picLocks noGrp="1" noRot="1" noChangeAspect="1" noMove="1" noResize="1" noEditPoints="1" noAdjustHandles="1" noChangeArrowheads="1" noChangeShapeType="1" noCrop="1"/>
+          </p:cNvPicPr>
+          <p:nvPr>
+            <p:extLst>
+              <p:ext uri="{386F3935-93C4-4BCD-93E2-E3B085C9AB24}">
+                <p16:designElem xmlns:p16="http://schemas.microsoft.com/office/powerpoint/2015/main" val="1"/>
+              </p:ext>
+            </p:extLst>
+          </p:nvPr>
+        </p:nvPicPr>
+        <p:blipFill rotWithShape="1">
+          <a:blip r:embed="rId3">
+            <a:duotone>
+              <a:schemeClr val="accent1">
+                <a:shade val="45000"/>
+                <a:satMod val="135000"/>
+              </a:schemeClr>
+              <a:prstClr val="white"/>
+            </a:duotone>
+            <a:extLst>
+              <a:ext uri="{28A0092B-C50C-407E-A947-70E740481C1C}">
+                <a14:useLocalDpi xmlns:a14="http://schemas.microsoft.com/office/drawing/2010/main" val="0"/>
+              </a:ext>
+            </a:extLst>
+          </a:blip>
+          <a:srcRect l="-115" r="15828" b="36435"/>
+          <a:stretch/>
+        </p:blipFill>
+        <p:spPr>
+          <a:xfrm>
+            <a:off x="1125460" y="643464"/>
+            <a:ext cx="9610344" cy="155448"/>
+          </a:xfrm>
+          <a:prstGeom prst="rect">
+            <a:avLst/>
+          </a:prstGeom>
+          <a:noFill/>
+          <a:ln>
+            <a:noFill/>
+          </a:ln>
+        </p:spPr>
+      </p:pic>
+      <p:sp useBgFill="1">
+        <p:nvSpPr>
+          <p:cNvPr id="20" name="Rectangle 19">
+            <a:extLst>
+              <a:ext uri="{FF2B5EF4-FFF2-40B4-BE49-F238E27FC236}">
+                <a16:creationId xmlns:a16="http://schemas.microsoft.com/office/drawing/2014/main" id="{D3F196F4-A988-40DF-899A-EC29C422142B}"/>
+              </a:ext>
+              <a:ext uri="{C183D7F6-B498-43B3-948B-1728B52AA6E4}">
+                <adec:decorative xmlns:adec="http://schemas.microsoft.com/office/drawing/2017/decorative" val="1"/>
+              </a:ext>
+            </a:extLst>
+          </p:cNvPr>
+          <p:cNvSpPr>
+            <a:spLocks noGrp="1" noRot="1" noChangeAspect="1" noMove="1" noResize="1" noEditPoints="1" noAdjustHandles="1" noChangeArrowheads="1" noChangeShapeType="1" noTextEdit="1"/>
+          </p:cNvSpPr>
+          <p:nvPr>
+            <p:extLst>
+              <p:ext uri="{386F3935-93C4-4BCD-93E2-E3B085C9AB24}">
+                <p16:designElem xmlns:p16="http://schemas.microsoft.com/office/powerpoint/2015/main" val="1"/>
+              </p:ext>
+            </p:extLst>
+          </p:nvPr>
+        </p:nvSpPr>
+        <p:spPr>
+          <a:xfrm>
+            <a:off x="2" y="0"/>
+            <a:ext cx="12191695" cy="6858000"/>
+          </a:xfrm>
+          <a:prstGeom prst="rect">
+            <a:avLst/>
+          </a:prstGeom>
+          <a:ln>
+            <a:noFill/>
+          </a:ln>
+        </p:spPr>
+        <p:style>
+          <a:lnRef idx="2">
+            <a:schemeClr val="accent1">
+              <a:shade val="50000"/>
+            </a:schemeClr>
+          </a:lnRef>
+          <a:fillRef idx="1">
+            <a:schemeClr val="accent1"/>
+          </a:fillRef>
+          <a:effectRef idx="0">
+            <a:schemeClr val="accent1"/>
+          </a:effectRef>
+          <a:fontRef idx="minor">
+            <a:schemeClr val="lt1"/>
+          </a:fontRef>
+        </p:style>
+        <p:txBody>
+          <a:bodyPr rtlCol="0" anchor="ctr"/>
+          <a:lstStyle/>
+          <a:p>
+            <a:pPr algn="ctr"/>
+            <a:endParaRPr lang="en-US"/>
+          </a:p>
+        </p:txBody>
+      </p:sp>
+      <p:sp>
+        <p:nvSpPr>
+          <p:cNvPr id="22" name="Rectangle 21">
+            <a:extLst>
+              <a:ext uri="{FF2B5EF4-FFF2-40B4-BE49-F238E27FC236}">
+                <a16:creationId xmlns:a16="http://schemas.microsoft.com/office/drawing/2014/main" id="{4B8B3238-C65F-4148-9B84-4D22282CFA6E}"/>
+              </a:ext>
+              <a:ext uri="{C183D7F6-B498-43B3-948B-1728B52AA6E4}">
+                <adec:decorative xmlns:adec="http://schemas.microsoft.com/office/drawing/2017/decorative" val="1"/>
+              </a:ext>
+            </a:extLst>
+          </p:cNvPr>
+          <p:cNvSpPr>
+            <a:spLocks noGrp="1" noRot="1" noChangeAspect="1" noMove="1" noResize="1" noEditPoints="1" noAdjustHandles="1" noChangeArrowheads="1" noChangeShapeType="1" noTextEdit="1"/>
+          </p:cNvSpPr>
+          <p:nvPr>
+            <p:extLst>
+              <p:ext uri="{386F3935-93C4-4BCD-93E2-E3B085C9AB24}">
+                <p16:designElem xmlns:p16="http://schemas.microsoft.com/office/powerpoint/2015/main" val="1"/>
+              </p:ext>
+            </p:extLst>
+          </p:nvPr>
+        </p:nvSpPr>
+        <p:spPr>
+          <a:xfrm>
+            <a:off x="0" y="468769"/>
+            <a:ext cx="12192000" cy="5647024"/>
+          </a:xfrm>
+          <a:prstGeom prst="rect">
+            <a:avLst/>
+          </a:prstGeom>
+          <a:gradFill flip="none" rotWithShape="1">
+            <a:gsLst>
+              <a:gs pos="0">
+                <a:schemeClr val="bg2">
+                  <a:alpha val="0"/>
+                  <a:lumMod val="100000"/>
+                </a:schemeClr>
+              </a:gs>
+              <a:gs pos="100000">
+                <a:schemeClr val="bg2">
+                  <a:lumMod val="95000"/>
+                  <a:lumOff val="5000"/>
+                </a:schemeClr>
+              </a:gs>
+            </a:gsLst>
+            <a:lin ang="5400000" scaled="0"/>
+            <a:tileRect/>
+          </a:gradFill>
+          <a:ln>
+            <a:noFill/>
+          </a:ln>
+        </p:spPr>
+        <p:style>
+          <a:lnRef idx="2">
+            <a:schemeClr val="accent1">
+              <a:shade val="50000"/>
+            </a:schemeClr>
+          </a:lnRef>
+          <a:fillRef idx="1">
+            <a:schemeClr val="accent1"/>
+          </a:fillRef>
+          <a:effectRef idx="0">
+            <a:schemeClr val="accent1"/>
+          </a:effectRef>
+          <a:fontRef idx="minor">
+            <a:schemeClr val="lt1"/>
+          </a:fontRef>
+        </p:style>
+        <p:txBody>
+          <a:bodyPr rtlCol="0" anchor="ctr"/>
+          <a:lstStyle/>
+          <a:p>
+            <a:pPr algn="ctr"/>
+            <a:endParaRPr lang="en-US"/>
+          </a:p>
+        </p:txBody>
+      </p:sp>
+      <p:sp>
+        <p:nvSpPr>
+          <p:cNvPr id="2" name="Titel 1">
+            <a:extLst>
+              <a:ext uri="{FF2B5EF4-FFF2-40B4-BE49-F238E27FC236}">
+                <a16:creationId xmlns:a16="http://schemas.microsoft.com/office/drawing/2014/main" id="{DE3AC6F1-CA72-442C-A876-C23D33DAFE8C}"/>
+              </a:ext>
+            </a:extLst>
+          </p:cNvPr>
+          <p:cNvSpPr>
+            <a:spLocks noGrp="1"/>
+          </p:cNvSpPr>
+          <p:nvPr>
+            <p:ph type="title"/>
+          </p:nvPr>
+        </p:nvSpPr>
+        <p:spPr>
+          <a:xfrm>
+            <a:off x="1883557" y="5123321"/>
+            <a:ext cx="7831992" cy="551528"/>
+          </a:xfrm>
+        </p:spPr>
+        <p:txBody>
+          <a:bodyPr vert="horz" lIns="91440" tIns="45720" rIns="91440" bIns="0" rtlCol="0" anchor="b">
+            <a:normAutofit/>
+          </a:bodyPr>
+          <a:lstStyle/>
+          <a:p>
+            <a:r>
+              <a:rPr lang="en-US" sz="3600" dirty="0"/>
+              <a:t>HTML-Input/Range</a:t>
+            </a:r>
+          </a:p>
+        </p:txBody>
+      </p:sp>
+      <p:pic>
+        <p:nvPicPr>
+          <p:cNvPr id="7" name="Grafik 6">
+            <a:extLst>
+              <a:ext uri="{FF2B5EF4-FFF2-40B4-BE49-F238E27FC236}">
+                <a16:creationId xmlns:a16="http://schemas.microsoft.com/office/drawing/2014/main" id="{82DA7EF7-B22E-42CA-8143-7A0ACC7CE8A8}"/>
+              </a:ext>
+            </a:extLst>
+          </p:cNvPr>
+          <p:cNvPicPr>
+            <a:picLocks noChangeAspect="1"/>
+          </p:cNvPicPr>
+          <p:nvPr/>
+        </p:nvPicPr>
+        <p:blipFill>
+          <a:blip r:embed="rId4"/>
+          <a:stretch>
+            <a:fillRect/>
+          </a:stretch>
+        </p:blipFill>
+        <p:spPr>
+          <a:xfrm>
+            <a:off x="3809413" y="2847642"/>
+            <a:ext cx="4242437" cy="2271393"/>
+          </a:xfrm>
+          <a:prstGeom prst="rect">
+            <a:avLst/>
+          </a:prstGeom>
+        </p:spPr>
+      </p:pic>
+      <p:pic>
+        <p:nvPicPr>
+          <p:cNvPr id="5" name="Grafik 4">
+            <a:extLst>
+              <a:ext uri="{FF2B5EF4-FFF2-40B4-BE49-F238E27FC236}">
+                <a16:creationId xmlns:a16="http://schemas.microsoft.com/office/drawing/2014/main" id="{FD099342-BE1F-4275-9491-48FE546BCD8C}"/>
+              </a:ext>
+            </a:extLst>
+          </p:cNvPr>
+          <p:cNvPicPr>
+            <a:picLocks noChangeAspect="1"/>
+          </p:cNvPicPr>
+          <p:nvPr/>
+        </p:nvPicPr>
+        <p:blipFill>
+          <a:blip r:embed="rId5"/>
+          <a:stretch>
+            <a:fillRect/>
+          </a:stretch>
+        </p:blipFill>
+        <p:spPr>
+          <a:xfrm>
+            <a:off x="1456196" y="14902"/>
+            <a:ext cx="8686715" cy="2844897"/>
+          </a:xfrm>
+          <a:prstGeom prst="rect">
+            <a:avLst/>
+          </a:prstGeom>
+        </p:spPr>
+      </p:pic>
+      <p:pic>
+        <p:nvPicPr>
+          <p:cNvPr id="24" name="Picture 23">
+            <a:extLst>
+              <a:ext uri="{FF2B5EF4-FFF2-40B4-BE49-F238E27FC236}">
+                <a16:creationId xmlns:a16="http://schemas.microsoft.com/office/drawing/2014/main" id="{CFDC6AB1-03A5-4D20-ACE0-4957616E748C}"/>
+              </a:ext>
+              <a:ext uri="{C183D7F6-B498-43B3-948B-1728B52AA6E4}">
+                <adec:decorative xmlns:adec="http://schemas.microsoft.com/office/drawing/2017/decorative" val="1"/>
+              </a:ext>
+            </a:extLst>
+          </p:cNvPr>
+          <p:cNvPicPr>
+            <a:picLocks noGrp="1" noRot="1" noChangeAspect="1" noMove="1" noResize="1" noEditPoints="1" noAdjustHandles="1" noChangeArrowheads="1" noChangeShapeType="1" noCrop="1"/>
+          </p:cNvPicPr>
+          <p:nvPr>
+            <p:extLst>
+              <p:ext uri="{386F3935-93C4-4BCD-93E2-E3B085C9AB24}">
+                <p16:designElem xmlns:p16="http://schemas.microsoft.com/office/powerpoint/2015/main" val="1"/>
+              </p:ext>
+            </p:extLst>
+          </p:nvPr>
+        </p:nvPicPr>
+        <p:blipFill rotWithShape="1">
+          <a:blip r:embed="rId2">
+            <a:extLst>
+              <a:ext uri="{28A0092B-C50C-407E-A947-70E740481C1C}">
+                <a14:useLocalDpi xmlns:a14="http://schemas.microsoft.com/office/drawing/2010/main" val="0"/>
+              </a:ext>
+            </a:extLst>
+          </a:blip>
+          <a:srcRect t="1538" b="-1538"/>
+          <a:stretch/>
+        </p:blipFill>
+        <p:spPr>
+          <a:xfrm>
+            <a:off x="0" y="6119336"/>
+            <a:ext cx="12192000" cy="742950"/>
+          </a:xfrm>
+          <a:prstGeom prst="rect">
+            <a:avLst/>
+          </a:prstGeom>
+        </p:spPr>
+      </p:pic>
+      <p:cxnSp>
+        <p:nvCxnSpPr>
+          <p:cNvPr id="26" name="Straight Connector 25">
+            <a:extLst>
+              <a:ext uri="{FF2B5EF4-FFF2-40B4-BE49-F238E27FC236}">
+                <a16:creationId xmlns:a16="http://schemas.microsoft.com/office/drawing/2014/main" id="{EB77A0BE-690A-4522-A429-39E717A173A5}"/>
+              </a:ext>
+              <a:ext uri="{C183D7F6-B498-43B3-948B-1728B52AA6E4}">
+                <adec:decorative xmlns:adec="http://schemas.microsoft.com/office/drawing/2017/decorative" val="1"/>
+              </a:ext>
+            </a:extLst>
+          </p:cNvPr>
+          <p:cNvCxnSpPr>
+            <a:cxnSpLocks noGrp="1" noRot="1" noChangeAspect="1" noMove="1" noResize="1" noEditPoints="1" noAdjustHandles="1" noChangeArrowheads="1" noChangeShapeType="1"/>
+          </p:cNvCxnSpPr>
+          <p:nvPr>
+            <p:extLst>
+              <p:ext uri="{386F3935-93C4-4BCD-93E2-E3B085C9AB24}">
+                <p16:designElem xmlns:p16="http://schemas.microsoft.com/office/powerpoint/2015/main" val="1"/>
+              </p:ext>
+            </p:extLst>
+          </p:nvPr>
+        </p:nvCxnSpPr>
+        <p:spPr>
+          <a:xfrm>
+            <a:off x="0" y="6121269"/>
+            <a:ext cx="12192000" cy="0"/>
+          </a:xfrm>
+          <a:prstGeom prst="line">
+            <a:avLst/>
+          </a:prstGeom>
+          <a:ln w="12700">
+            <a:solidFill>
+              <a:srgbClr val="000001">
+                <a:alpha val="20000"/>
+              </a:srgbClr>
+            </a:solidFill>
+          </a:ln>
+        </p:spPr>
+        <p:style>
+          <a:lnRef idx="1">
+            <a:schemeClr val="accent1"/>
+          </a:lnRef>
+          <a:fillRef idx="0">
+            <a:schemeClr val="accent1"/>
+          </a:fillRef>
+          <a:effectRef idx="0">
+            <a:schemeClr val="accent1"/>
+          </a:effectRef>
+          <a:fontRef idx="minor">
+            <a:schemeClr val="tx1"/>
+          </a:fontRef>
+        </p:style>
+      </p:cxnSp>
+    </p:spTree>
+    <p:extLst>
+      <p:ext uri="{BB962C8B-B14F-4D97-AF65-F5344CB8AC3E}">
+        <p14:creationId xmlns:p14="http://schemas.microsoft.com/office/powerpoint/2010/main" val="2406077127"/>
+      </p:ext>
+    </p:extLst>
+  </p:cSld>
+  <p:clrMapOvr>
+    <a:masterClrMapping/>
+  </p:clrMapOvr>
+</p:sld>
+</file>
+
+<file path=ppt/slides/slide15.xml><?xml version="1.0" encoding="utf-8"?>
+<p:sld xmlns:a="http://schemas.openxmlformats.org/drawingml/2006/main" xmlns:r="http://schemas.openxmlformats.org/officeDocument/2006/relationships" xmlns:p="http://schemas.openxmlformats.org/presentationml/2006/main">
+  <p:cSld>
+    <p:bg>
+      <p:bgPr>
+        <a:gradFill rotWithShape="1">
+          <a:gsLst>
+            <a:gs pos="0">
+              <a:schemeClr val="bg1">
+                <a:tint val="94000"/>
+                <a:satMod val="80000"/>
+                <a:lumMod val="106000"/>
+              </a:schemeClr>
+            </a:gs>
+            <a:gs pos="100000">
+              <a:schemeClr val="bg1">
+                <a:shade val="80000"/>
+                <a:lumMod val="108000"/>
+              </a:schemeClr>
+            </a:gs>
+          </a:gsLst>
+          <a:path path="circle">
+            <a:fillToRect l="43000" r="43000" b="100000"/>
+          </a:path>
+        </a:gradFill>
+        <a:effectLst/>
+      </p:bgPr>
+    </p:bg>
+    <p:spTree>
+      <p:nvGrpSpPr>
+        <p:cNvPr id="1" name=""/>
+        <p:cNvGrpSpPr/>
+        <p:nvPr/>
+      </p:nvGrpSpPr>
+      <p:grpSpPr>
+        <a:xfrm>
+          <a:off x="0" y="0"/>
+          <a:ext cx="0" cy="0"/>
+          <a:chOff x="0" y="0"/>
+          <a:chExt cx="0" cy="0"/>
+        </a:xfrm>
+      </p:grpSpPr>
+      <p:pic>
+        <p:nvPicPr>
+          <p:cNvPr id="12" name="Picture 11">
+            <a:extLst>
+              <a:ext uri="{FF2B5EF4-FFF2-40B4-BE49-F238E27FC236}">
+                <a16:creationId xmlns:a16="http://schemas.microsoft.com/office/drawing/2014/main" id="{E8690AC4-C9C4-4944-A98C-B1D32992D60B}"/>
+              </a:ext>
+              <a:ext uri="{C183D7F6-B498-43B3-948B-1728B52AA6E4}">
+                <adec:decorative xmlns:adec="http://schemas.microsoft.com/office/drawing/2017/decorative" val="1"/>
+              </a:ext>
+            </a:extLst>
+          </p:cNvPr>
+          <p:cNvPicPr>
+            <a:picLocks noGrp="1" noRot="1" noChangeAspect="1" noMove="1" noResize="1" noEditPoints="1" noAdjustHandles="1" noChangeArrowheads="1" noChangeShapeType="1" noCrop="1"/>
+          </p:cNvPicPr>
+          <p:nvPr>
+            <p:extLst>
+              <p:ext uri="{386F3935-93C4-4BCD-93E2-E3B085C9AB24}">
+                <p16:designElem xmlns:p16="http://schemas.microsoft.com/office/powerpoint/2015/main" val="1"/>
+              </p:ext>
+            </p:extLst>
+          </p:nvPr>
+        </p:nvPicPr>
+        <p:blipFill rotWithShape="1">
+          <a:blip r:embed="rId2">
+            <a:extLst>
+              <a:ext uri="{28A0092B-C50C-407E-A947-70E740481C1C}">
+                <a14:useLocalDpi xmlns:a14="http://schemas.microsoft.com/office/drawing/2010/main" val="0"/>
+              </a:ext>
+            </a:extLst>
+          </a:blip>
+          <a:srcRect t="1538" b="-1538"/>
+          <a:stretch/>
+        </p:blipFill>
+        <p:spPr>
+          <a:xfrm>
+            <a:off x="0" y="6119336"/>
+            <a:ext cx="12192000" cy="742950"/>
+          </a:xfrm>
+          <a:prstGeom prst="rect">
+            <a:avLst/>
+          </a:prstGeom>
+        </p:spPr>
+      </p:pic>
+      <p:sp>
+        <p:nvSpPr>
+          <p:cNvPr id="14" name="Rectangle 13">
+            <a:extLst>
+              <a:ext uri="{FF2B5EF4-FFF2-40B4-BE49-F238E27FC236}">
+                <a16:creationId xmlns:a16="http://schemas.microsoft.com/office/drawing/2014/main" id="{86F828BE-4D4E-43F9-AC35-0209B5190C05}"/>
+              </a:ext>
+              <a:ext uri="{C183D7F6-B498-43B3-948B-1728B52AA6E4}">
+                <adec:decorative xmlns:adec="http://schemas.microsoft.com/office/drawing/2017/decorative" val="1"/>
+              </a:ext>
+            </a:extLst>
+          </p:cNvPr>
+          <p:cNvSpPr>
+            <a:spLocks noGrp="1" noRot="1" noChangeAspect="1" noMove="1" noResize="1" noEditPoints="1" noAdjustHandles="1" noChangeArrowheads="1" noChangeShapeType="1" noTextEdit="1"/>
+          </p:cNvSpPr>
+          <p:nvPr>
+            <p:extLst>
+              <p:ext uri="{386F3935-93C4-4BCD-93E2-E3B085C9AB24}">
+                <p16:designElem xmlns:p16="http://schemas.microsoft.com/office/powerpoint/2015/main" val="1"/>
+              </p:ext>
+            </p:extLst>
+          </p:nvPr>
+        </p:nvSpPr>
+        <p:spPr>
+          <a:xfrm>
+            <a:off x="0" y="468769"/>
+            <a:ext cx="12192000" cy="5647024"/>
+          </a:xfrm>
+          <a:prstGeom prst="rect">
+            <a:avLst/>
+          </a:prstGeom>
+          <a:gradFill flip="none" rotWithShape="1">
+            <a:gsLst>
+              <a:gs pos="0">
+                <a:schemeClr val="bg2">
+                  <a:alpha val="0"/>
+                  <a:lumMod val="100000"/>
+                </a:schemeClr>
+              </a:gs>
+              <a:gs pos="100000">
+                <a:schemeClr val="bg2">
+                  <a:lumMod val="95000"/>
+                  <a:lumOff val="5000"/>
+                </a:schemeClr>
+              </a:gs>
+            </a:gsLst>
+            <a:lin ang="5400000" scaled="0"/>
+            <a:tileRect/>
+          </a:gradFill>
+          <a:ln>
+            <a:noFill/>
+          </a:ln>
+        </p:spPr>
+        <p:style>
+          <a:lnRef idx="2">
+            <a:schemeClr val="accent1">
+              <a:shade val="50000"/>
+            </a:schemeClr>
+          </a:lnRef>
+          <a:fillRef idx="1">
+            <a:schemeClr val="accent1"/>
+          </a:fillRef>
+          <a:effectRef idx="0">
+            <a:schemeClr val="accent1"/>
+          </a:effectRef>
+          <a:fontRef idx="minor">
+            <a:schemeClr val="lt1"/>
+          </a:fontRef>
+        </p:style>
+      </p:sp>
+      <p:cxnSp>
+        <p:nvCxnSpPr>
+          <p:cNvPr id="16" name="Straight Connector 15">
+            <a:extLst>
+              <a:ext uri="{FF2B5EF4-FFF2-40B4-BE49-F238E27FC236}">
+                <a16:creationId xmlns:a16="http://schemas.microsoft.com/office/drawing/2014/main" id="{10BAB604-20D4-431F-ADD8-754BB7992A43}"/>
+              </a:ext>
+              <a:ext uri="{C183D7F6-B498-43B3-948B-1728B52AA6E4}">
+                <adec:decorative xmlns:adec="http://schemas.microsoft.com/office/drawing/2017/decorative" val="1"/>
+              </a:ext>
+            </a:extLst>
+          </p:cNvPr>
+          <p:cNvCxnSpPr>
+            <a:cxnSpLocks noGrp="1" noRot="1" noChangeAspect="1" noMove="1" noResize="1" noEditPoints="1" noAdjustHandles="1" noChangeArrowheads="1" noChangeShapeType="1"/>
+          </p:cNvCxnSpPr>
+          <p:nvPr>
+            <p:extLst>
+              <p:ext uri="{386F3935-93C4-4BCD-93E2-E3B085C9AB24}">
+                <p16:designElem xmlns:p16="http://schemas.microsoft.com/office/powerpoint/2015/main" val="1"/>
+              </p:ext>
+            </p:extLst>
+          </p:nvPr>
+        </p:nvCxnSpPr>
+        <p:spPr>
+          <a:xfrm>
+            <a:off x="0" y="6121269"/>
+            <a:ext cx="12192000" cy="0"/>
+          </a:xfrm>
+          <a:prstGeom prst="line">
+            <a:avLst/>
+          </a:prstGeom>
+          <a:ln w="12700">
+            <a:solidFill>
+              <a:srgbClr val="000001">
+                <a:alpha val="20000"/>
+              </a:srgbClr>
+            </a:solidFill>
+          </a:ln>
+        </p:spPr>
+        <p:style>
+          <a:lnRef idx="1">
+            <a:schemeClr val="accent1"/>
+          </a:lnRef>
+          <a:fillRef idx="0">
+            <a:schemeClr val="accent1"/>
+          </a:fillRef>
+          <a:effectRef idx="0">
+            <a:schemeClr val="accent1"/>
+          </a:effectRef>
+          <a:fontRef idx="minor">
+            <a:schemeClr val="tx1"/>
+          </a:fontRef>
+        </p:style>
+      </p:cxnSp>
+      <p:pic>
+        <p:nvPicPr>
+          <p:cNvPr id="18" name="Picture 17">
+            <a:extLst>
+              <a:ext uri="{FF2B5EF4-FFF2-40B4-BE49-F238E27FC236}">
+                <a16:creationId xmlns:a16="http://schemas.microsoft.com/office/drawing/2014/main" id="{C821979E-9A93-4880-80B5-D60B75C19185}"/>
+              </a:ext>
+              <a:ext uri="{C183D7F6-B498-43B3-948B-1728B52AA6E4}">
+                <adec:decorative xmlns:adec="http://schemas.microsoft.com/office/drawing/2017/decorative" val="1"/>
+              </a:ext>
+            </a:extLst>
+          </p:cNvPr>
+          <p:cNvPicPr>
+            <a:picLocks noGrp="1" noRot="1" noChangeAspect="1" noMove="1" noResize="1" noEditPoints="1" noAdjustHandles="1" noChangeArrowheads="1" noChangeShapeType="1" noCrop="1"/>
+          </p:cNvPicPr>
+          <p:nvPr>
+            <p:extLst>
+              <p:ext uri="{386F3935-93C4-4BCD-93E2-E3B085C9AB24}">
+                <p16:designElem xmlns:p16="http://schemas.microsoft.com/office/powerpoint/2015/main" val="1"/>
+              </p:ext>
+            </p:extLst>
+          </p:nvPr>
+        </p:nvPicPr>
+        <p:blipFill rotWithShape="1">
+          <a:blip r:embed="rId3">
+            <a:duotone>
+              <a:schemeClr val="accent1">
+                <a:shade val="45000"/>
+                <a:satMod val="135000"/>
+              </a:schemeClr>
+              <a:prstClr val="white"/>
+            </a:duotone>
+            <a:extLst>
+              <a:ext uri="{28A0092B-C50C-407E-A947-70E740481C1C}">
+                <a14:useLocalDpi xmlns:a14="http://schemas.microsoft.com/office/drawing/2010/main" val="0"/>
+              </a:ext>
+            </a:extLst>
+          </a:blip>
+          <a:srcRect l="-115" r="15828" b="36435"/>
+          <a:stretch/>
+        </p:blipFill>
+        <p:spPr>
+          <a:xfrm>
+            <a:off x="1125460" y="643464"/>
+            <a:ext cx="9610344" cy="155448"/>
+          </a:xfrm>
+          <a:prstGeom prst="rect">
+            <a:avLst/>
+          </a:prstGeom>
+          <a:noFill/>
+          <a:ln>
+            <a:noFill/>
+          </a:ln>
+        </p:spPr>
+      </p:pic>
+      <p:sp useBgFill="1">
+        <p:nvSpPr>
+          <p:cNvPr id="20" name="Rectangle 19">
+            <a:extLst>
+              <a:ext uri="{FF2B5EF4-FFF2-40B4-BE49-F238E27FC236}">
+                <a16:creationId xmlns:a16="http://schemas.microsoft.com/office/drawing/2014/main" id="{D3F196F4-A988-40DF-899A-EC29C422142B}"/>
+              </a:ext>
+              <a:ext uri="{C183D7F6-B498-43B3-948B-1728B52AA6E4}">
+                <adec:decorative xmlns:adec="http://schemas.microsoft.com/office/drawing/2017/decorative" val="1"/>
+              </a:ext>
+            </a:extLst>
+          </p:cNvPr>
+          <p:cNvSpPr>
+            <a:spLocks noGrp="1" noRot="1" noChangeAspect="1" noMove="1" noResize="1" noEditPoints="1" noAdjustHandles="1" noChangeArrowheads="1" noChangeShapeType="1" noTextEdit="1"/>
+          </p:cNvSpPr>
+          <p:nvPr>
+            <p:extLst>
+              <p:ext uri="{386F3935-93C4-4BCD-93E2-E3B085C9AB24}">
+                <p16:designElem xmlns:p16="http://schemas.microsoft.com/office/powerpoint/2015/main" val="1"/>
+              </p:ext>
+            </p:extLst>
+          </p:nvPr>
+        </p:nvSpPr>
+        <p:spPr>
+          <a:xfrm>
+            <a:off x="2" y="0"/>
+            <a:ext cx="12191695" cy="6858000"/>
+          </a:xfrm>
+          <a:prstGeom prst="rect">
+            <a:avLst/>
+          </a:prstGeom>
+          <a:ln>
+            <a:noFill/>
+          </a:ln>
+        </p:spPr>
+        <p:style>
+          <a:lnRef idx="2">
+            <a:schemeClr val="accent1">
+              <a:shade val="50000"/>
+            </a:schemeClr>
+          </a:lnRef>
+          <a:fillRef idx="1">
+            <a:schemeClr val="accent1"/>
+          </a:fillRef>
+          <a:effectRef idx="0">
+            <a:schemeClr val="accent1"/>
+          </a:effectRef>
+          <a:fontRef idx="minor">
+            <a:schemeClr val="lt1"/>
+          </a:fontRef>
+        </p:style>
+        <p:txBody>
+          <a:bodyPr rtlCol="0" anchor="ctr"/>
+          <a:lstStyle/>
+          <a:p>
+            <a:pPr algn="ctr"/>
+            <a:endParaRPr lang="en-US"/>
+          </a:p>
+        </p:txBody>
+      </p:sp>
+      <p:sp>
+        <p:nvSpPr>
+          <p:cNvPr id="22" name="Rectangle 21">
+            <a:extLst>
+              <a:ext uri="{FF2B5EF4-FFF2-40B4-BE49-F238E27FC236}">
+                <a16:creationId xmlns:a16="http://schemas.microsoft.com/office/drawing/2014/main" id="{4B8B3238-C65F-4148-9B84-4D22282CFA6E}"/>
+              </a:ext>
+              <a:ext uri="{C183D7F6-B498-43B3-948B-1728B52AA6E4}">
+                <adec:decorative xmlns:adec="http://schemas.microsoft.com/office/drawing/2017/decorative" val="1"/>
+              </a:ext>
+            </a:extLst>
+          </p:cNvPr>
+          <p:cNvSpPr>
+            <a:spLocks noGrp="1" noRot="1" noChangeAspect="1" noMove="1" noResize="1" noEditPoints="1" noAdjustHandles="1" noChangeArrowheads="1" noChangeShapeType="1" noTextEdit="1"/>
+          </p:cNvSpPr>
+          <p:nvPr>
+            <p:extLst>
+              <p:ext uri="{386F3935-93C4-4BCD-93E2-E3B085C9AB24}">
+                <p16:designElem xmlns:p16="http://schemas.microsoft.com/office/powerpoint/2015/main" val="1"/>
+              </p:ext>
+            </p:extLst>
+          </p:nvPr>
+        </p:nvSpPr>
+        <p:spPr>
+          <a:xfrm>
+            <a:off x="0" y="468769"/>
+            <a:ext cx="12192000" cy="5647024"/>
+          </a:xfrm>
+          <a:prstGeom prst="rect">
+            <a:avLst/>
+          </a:prstGeom>
+          <a:gradFill flip="none" rotWithShape="1">
+            <a:gsLst>
+              <a:gs pos="0">
+                <a:schemeClr val="bg2">
+                  <a:alpha val="0"/>
+                  <a:lumMod val="100000"/>
+                </a:schemeClr>
+              </a:gs>
+              <a:gs pos="100000">
+                <a:schemeClr val="bg2">
+                  <a:lumMod val="95000"/>
+                  <a:lumOff val="5000"/>
+                </a:schemeClr>
+              </a:gs>
+            </a:gsLst>
+            <a:lin ang="5400000" scaled="0"/>
+            <a:tileRect/>
+          </a:gradFill>
+          <a:ln>
+            <a:noFill/>
+          </a:ln>
+        </p:spPr>
+        <p:style>
+          <a:lnRef idx="2">
+            <a:schemeClr val="accent1">
+              <a:shade val="50000"/>
+            </a:schemeClr>
+          </a:lnRef>
+          <a:fillRef idx="1">
+            <a:schemeClr val="accent1"/>
+          </a:fillRef>
+          <a:effectRef idx="0">
+            <a:schemeClr val="accent1"/>
+          </a:effectRef>
+          <a:fontRef idx="minor">
+            <a:schemeClr val="lt1"/>
+          </a:fontRef>
+        </p:style>
+        <p:txBody>
+          <a:bodyPr rtlCol="0" anchor="ctr"/>
+          <a:lstStyle/>
+          <a:p>
+            <a:pPr algn="ctr"/>
+            <a:endParaRPr lang="en-US"/>
+          </a:p>
+        </p:txBody>
+      </p:sp>
+      <p:sp>
+        <p:nvSpPr>
+          <p:cNvPr id="2" name="Titel 1">
+            <a:extLst>
+              <a:ext uri="{FF2B5EF4-FFF2-40B4-BE49-F238E27FC236}">
+                <a16:creationId xmlns:a16="http://schemas.microsoft.com/office/drawing/2014/main" id="{F7CE0AFC-3524-41B3-91D9-775928B9163E}"/>
+              </a:ext>
+            </a:extLst>
+          </p:cNvPr>
+          <p:cNvSpPr>
+            <a:spLocks noGrp="1"/>
+          </p:cNvSpPr>
+          <p:nvPr>
+            <p:ph type="title"/>
+          </p:nvPr>
+        </p:nvSpPr>
+        <p:spPr>
+          <a:xfrm>
+            <a:off x="2014636" y="5378320"/>
+            <a:ext cx="8131996" cy="551528"/>
+          </a:xfrm>
+        </p:spPr>
+        <p:txBody>
+          <a:bodyPr vert="horz" lIns="91440" tIns="45720" rIns="91440" bIns="0" rtlCol="0" anchor="b">
+            <a:normAutofit fontScale="90000"/>
+          </a:bodyPr>
+          <a:lstStyle/>
+          <a:p>
+            <a:r>
+              <a:rPr lang="en-US" sz="3600" dirty="0"/>
+              <a:t>HTML – Progress bar und </a:t>
+            </a:r>
+            <a:r>
+              <a:rPr lang="en-US" sz="3600" dirty="0" err="1"/>
+              <a:t>Fehlermeldung</a:t>
+            </a:r>
+            <a:endParaRPr lang="en-US" sz="3600" dirty="0"/>
+          </a:p>
+        </p:txBody>
+      </p:sp>
+      <p:pic>
+        <p:nvPicPr>
+          <p:cNvPr id="24" name="Picture 23">
+            <a:extLst>
+              <a:ext uri="{FF2B5EF4-FFF2-40B4-BE49-F238E27FC236}">
+                <a16:creationId xmlns:a16="http://schemas.microsoft.com/office/drawing/2014/main" id="{CFDC6AB1-03A5-4D20-ACE0-4957616E748C}"/>
+              </a:ext>
+              <a:ext uri="{C183D7F6-B498-43B3-948B-1728B52AA6E4}">
+                <adec:decorative xmlns:adec="http://schemas.microsoft.com/office/drawing/2017/decorative" val="1"/>
+              </a:ext>
+            </a:extLst>
+          </p:cNvPr>
+          <p:cNvPicPr>
+            <a:picLocks noGrp="1" noRot="1" noChangeAspect="1" noMove="1" noResize="1" noEditPoints="1" noAdjustHandles="1" noChangeArrowheads="1" noChangeShapeType="1" noCrop="1"/>
+          </p:cNvPicPr>
+          <p:nvPr>
+            <p:extLst>
+              <p:ext uri="{386F3935-93C4-4BCD-93E2-E3B085C9AB24}">
+                <p16:designElem xmlns:p16="http://schemas.microsoft.com/office/powerpoint/2015/main" val="1"/>
+              </p:ext>
+            </p:extLst>
+          </p:nvPr>
+        </p:nvPicPr>
+        <p:blipFill rotWithShape="1">
+          <a:blip r:embed="rId2">
+            <a:extLst>
+              <a:ext uri="{28A0092B-C50C-407E-A947-70E740481C1C}">
+                <a14:useLocalDpi xmlns:a14="http://schemas.microsoft.com/office/drawing/2010/main" val="0"/>
+              </a:ext>
+            </a:extLst>
+          </a:blip>
+          <a:srcRect t="1538" b="-1538"/>
+          <a:stretch/>
+        </p:blipFill>
+        <p:spPr>
+          <a:xfrm>
+            <a:off x="0" y="6119336"/>
+            <a:ext cx="12192000" cy="742950"/>
+          </a:xfrm>
+          <a:prstGeom prst="rect">
+            <a:avLst/>
+          </a:prstGeom>
+        </p:spPr>
+      </p:pic>
+      <p:pic>
+        <p:nvPicPr>
+          <p:cNvPr id="5" name="Grafik 4">
+            <a:extLst>
+              <a:ext uri="{FF2B5EF4-FFF2-40B4-BE49-F238E27FC236}">
+                <a16:creationId xmlns:a16="http://schemas.microsoft.com/office/drawing/2014/main" id="{0C447CB0-9780-403C-82BE-EEF155D951C7}"/>
+              </a:ext>
+            </a:extLst>
+          </p:cNvPr>
+          <p:cNvPicPr>
+            <a:picLocks noChangeAspect="1"/>
+          </p:cNvPicPr>
+          <p:nvPr/>
+        </p:nvPicPr>
+        <p:blipFill rotWithShape="1">
+          <a:blip r:embed="rId4"/>
+          <a:srcRect l="-205" t="-135" r="4607" b="-447"/>
+          <a:stretch/>
+        </p:blipFill>
+        <p:spPr>
+          <a:xfrm>
+            <a:off x="-301" y="41181"/>
+            <a:ext cx="7448885" cy="2782230"/>
+          </a:xfrm>
+          <a:prstGeom prst="rect">
+            <a:avLst/>
+          </a:prstGeom>
+        </p:spPr>
+      </p:pic>
+      <p:cxnSp>
+        <p:nvCxnSpPr>
+          <p:cNvPr id="26" name="Straight Connector 25">
+            <a:extLst>
+              <a:ext uri="{FF2B5EF4-FFF2-40B4-BE49-F238E27FC236}">
+                <a16:creationId xmlns:a16="http://schemas.microsoft.com/office/drawing/2014/main" id="{EB77A0BE-690A-4522-A429-39E717A173A5}"/>
+              </a:ext>
+              <a:ext uri="{C183D7F6-B498-43B3-948B-1728B52AA6E4}">
+                <adec:decorative xmlns:adec="http://schemas.microsoft.com/office/drawing/2017/decorative" val="1"/>
+              </a:ext>
+            </a:extLst>
+          </p:cNvPr>
+          <p:cNvCxnSpPr>
+            <a:cxnSpLocks noGrp="1" noRot="1" noChangeAspect="1" noMove="1" noResize="1" noEditPoints="1" noAdjustHandles="1" noChangeArrowheads="1" noChangeShapeType="1"/>
+          </p:cNvCxnSpPr>
+          <p:nvPr>
+            <p:extLst>
+              <p:ext uri="{386F3935-93C4-4BCD-93E2-E3B085C9AB24}">
+                <p16:designElem xmlns:p16="http://schemas.microsoft.com/office/powerpoint/2015/main" val="1"/>
+              </p:ext>
+            </p:extLst>
+          </p:nvPr>
+        </p:nvCxnSpPr>
+        <p:spPr>
+          <a:xfrm>
+            <a:off x="0" y="6121269"/>
+            <a:ext cx="12192000" cy="0"/>
+          </a:xfrm>
+          <a:prstGeom prst="line">
+            <a:avLst/>
+          </a:prstGeom>
+          <a:ln w="12700">
+            <a:solidFill>
+              <a:srgbClr val="000001">
+                <a:alpha val="20000"/>
+              </a:srgbClr>
+            </a:solidFill>
+          </a:ln>
+        </p:spPr>
+        <p:style>
+          <a:lnRef idx="1">
+            <a:schemeClr val="accent1"/>
+          </a:lnRef>
+          <a:fillRef idx="0">
+            <a:schemeClr val="accent1"/>
+          </a:fillRef>
+          <a:effectRef idx="0">
+            <a:schemeClr val="accent1"/>
+          </a:effectRef>
+          <a:fontRef idx="minor">
+            <a:schemeClr val="tx1"/>
+          </a:fontRef>
+        </p:style>
+      </p:cxnSp>
+      <p:pic>
+        <p:nvPicPr>
+          <p:cNvPr id="7" name="Grafik 6">
+            <a:extLst>
+              <a:ext uri="{FF2B5EF4-FFF2-40B4-BE49-F238E27FC236}">
+                <a16:creationId xmlns:a16="http://schemas.microsoft.com/office/drawing/2014/main" id="{23C6070E-1586-4276-A637-E988D3579C13}"/>
+              </a:ext>
+            </a:extLst>
+          </p:cNvPr>
+          <p:cNvPicPr>
+            <a:picLocks noChangeAspect="1"/>
+          </p:cNvPicPr>
+          <p:nvPr/>
+        </p:nvPicPr>
+        <p:blipFill>
+          <a:blip r:embed="rId5"/>
+          <a:stretch>
+            <a:fillRect/>
+          </a:stretch>
+        </p:blipFill>
+        <p:spPr>
+          <a:xfrm>
+            <a:off x="5930632" y="2163458"/>
+            <a:ext cx="5354551" cy="3028917"/>
+          </a:xfrm>
+          <a:prstGeom prst="rect">
+            <a:avLst/>
+          </a:prstGeom>
+        </p:spPr>
+      </p:pic>
+      <p:sp>
+        <p:nvSpPr>
+          <p:cNvPr id="9" name="Textfeld 8">
+            <a:extLst>
+              <a:ext uri="{FF2B5EF4-FFF2-40B4-BE49-F238E27FC236}">
+                <a16:creationId xmlns:a16="http://schemas.microsoft.com/office/drawing/2014/main" id="{AF73BAE0-00E4-4FC9-8999-194E300352A8}"/>
+              </a:ext>
+            </a:extLst>
+          </p:cNvPr>
+          <p:cNvSpPr txBox="1"/>
+          <p:nvPr/>
+        </p:nvSpPr>
+        <p:spPr>
+          <a:xfrm>
+            <a:off x="160421" y="2978937"/>
+            <a:ext cx="5165558" cy="2523768"/>
+          </a:xfrm>
+          <a:prstGeom prst="rect">
+            <a:avLst/>
+          </a:prstGeom>
+          <a:noFill/>
+        </p:spPr>
+        <p:txBody>
+          <a:bodyPr wrap="square" rtlCol="0">
+            <a:spAutoFit/>
+          </a:bodyPr>
+          <a:lstStyle/>
+          <a:p>
+            <a:pPr marL="285750" indent="-285750">
+              <a:buFont typeface="Arial" panose="020B0604020202020204" pitchFamily="34" charset="0"/>
+              <a:buChar char="•"/>
+            </a:pPr>
+            <a:r>
+              <a:rPr lang="de-DE" sz="2000" dirty="0" err="1"/>
+              <a:t>uikit</a:t>
+            </a:r>
+            <a:r>
+              <a:rPr lang="de-DE" sz="2000" dirty="0"/>
+              <a:t>-alert für Fehlermeldung</a:t>
+            </a:r>
+          </a:p>
+          <a:p>
+            <a:pPr marL="285750" indent="-285750">
+              <a:lnSpc>
+                <a:spcPct val="150000"/>
+              </a:lnSpc>
+              <a:buFont typeface="Arial" panose="020B0604020202020204" pitchFamily="34" charset="0"/>
+              <a:buChar char="•"/>
+            </a:pPr>
+            <a:r>
+              <a:rPr lang="de-DE" sz="2000" dirty="0" err="1"/>
+              <a:t>uk</a:t>
+            </a:r>
+            <a:r>
+              <a:rPr lang="de-DE" sz="2000" dirty="0"/>
+              <a:t>-alert-</a:t>
+            </a:r>
+            <a:r>
+              <a:rPr lang="de-DE" sz="2000" dirty="0" err="1"/>
+              <a:t>danger</a:t>
+            </a:r>
+            <a:r>
+              <a:rPr lang="de-DE" sz="2000" dirty="0"/>
+              <a:t> als Style </a:t>
+            </a:r>
+            <a:r>
+              <a:rPr lang="de-DE" sz="2000" dirty="0" err="1"/>
+              <a:t>modifier</a:t>
+            </a:r>
+            <a:r>
+              <a:rPr lang="de-DE" sz="2000" dirty="0"/>
+              <a:t> um die Meldung hervorzuheben</a:t>
+            </a:r>
+          </a:p>
+          <a:p>
+            <a:pPr marL="285750" indent="-285750">
+              <a:lnSpc>
+                <a:spcPct val="150000"/>
+              </a:lnSpc>
+              <a:buFont typeface="Arial" panose="020B0604020202020204" pitchFamily="34" charset="0"/>
+              <a:buChar char="•"/>
+            </a:pPr>
+            <a:r>
+              <a:rPr lang="de-DE" sz="2000" dirty="0" err="1"/>
+              <a:t>uk</a:t>
+            </a:r>
+            <a:r>
+              <a:rPr lang="de-DE" sz="2000" dirty="0"/>
+              <a:t>-alert-</a:t>
+            </a:r>
+            <a:r>
+              <a:rPr lang="de-DE" sz="2000" dirty="0" err="1"/>
+              <a:t>close</a:t>
+            </a:r>
+            <a:r>
+              <a:rPr lang="de-DE" sz="2000" dirty="0"/>
+              <a:t> zum schließen</a:t>
+            </a:r>
+          </a:p>
+          <a:p>
+            <a:pPr marL="285750" indent="-285750">
+              <a:lnSpc>
+                <a:spcPct val="150000"/>
+              </a:lnSpc>
+              <a:buFont typeface="Arial" panose="020B0604020202020204" pitchFamily="34" charset="0"/>
+              <a:buChar char="•"/>
+            </a:pPr>
+            <a:r>
+              <a:rPr lang="de-DE" sz="2000" dirty="0" err="1"/>
+              <a:t>uk</a:t>
+            </a:r>
+            <a:r>
+              <a:rPr lang="de-DE" sz="2000" dirty="0"/>
+              <a:t>-progress für Progress bar</a:t>
+            </a:r>
+          </a:p>
+          <a:p>
+            <a:pPr marL="285750" indent="-285750">
+              <a:buFont typeface="Arial" panose="020B0604020202020204" pitchFamily="34" charset="0"/>
+              <a:buChar char="•"/>
+            </a:pPr>
+            <a:endParaRPr lang="de-DE" dirty="0"/>
+          </a:p>
+        </p:txBody>
+      </p:sp>
+    </p:spTree>
+    <p:extLst>
+      <p:ext uri="{BB962C8B-B14F-4D97-AF65-F5344CB8AC3E}">
+        <p14:creationId xmlns:p14="http://schemas.microsoft.com/office/powerpoint/2010/main" val="1200053166"/>
+      </p:ext>
+    </p:extLst>
+  </p:cSld>
+  <p:clrMapOvr>
+    <a:masterClrMapping/>
+  </p:clrMapOvr>
+</p:sld>
+</file>
+
+<file path=ppt/slides/slide16.xml><?xml version="1.0" encoding="utf-8"?>
+<p:sld xmlns:a="http://schemas.openxmlformats.org/drawingml/2006/main" xmlns:r="http://schemas.openxmlformats.org/officeDocument/2006/relationships" xmlns:p="http://schemas.openxmlformats.org/presentationml/2006/main">
+  <p:cSld>
+    <p:spTree>
+      <p:nvGrpSpPr>
+        <p:cNvPr id="1" name=""/>
+        <p:cNvGrpSpPr/>
+        <p:nvPr/>
+      </p:nvGrpSpPr>
+      <p:grpSpPr>
+        <a:xfrm>
+          <a:off x="0" y="0"/>
+          <a:ext cx="0" cy="0"/>
+          <a:chOff x="0" y="0"/>
+          <a:chExt cx="0" cy="0"/>
+        </a:xfrm>
+      </p:grpSpPr>
+      <p:sp>
+        <p:nvSpPr>
+          <p:cNvPr id="2" name="Titel 1">
+            <a:extLst>
+              <a:ext uri="{FF2B5EF4-FFF2-40B4-BE49-F238E27FC236}">
+                <a16:creationId xmlns:a16="http://schemas.microsoft.com/office/drawing/2014/main" id="{B2C68AEE-77CB-477B-8AE8-3CFED8C3DD8C}"/>
+              </a:ext>
+            </a:extLst>
+          </p:cNvPr>
+          <p:cNvSpPr>
+            <a:spLocks noGrp="1"/>
+          </p:cNvSpPr>
+          <p:nvPr>
+            <p:ph type="title"/>
+          </p:nvPr>
+        </p:nvSpPr>
+        <p:spPr/>
+        <p:txBody>
+          <a:bodyPr/>
+          <a:lstStyle/>
+          <a:p>
+            <a:endParaRPr lang="de-DE"/>
+          </a:p>
+        </p:txBody>
+      </p:sp>
+      <p:sp>
+        <p:nvSpPr>
+          <p:cNvPr id="3" name="Inhaltsplatzhalter 2">
+            <a:extLst>
+              <a:ext uri="{FF2B5EF4-FFF2-40B4-BE49-F238E27FC236}">
+                <a16:creationId xmlns:a16="http://schemas.microsoft.com/office/drawing/2014/main" id="{414CA771-5D37-466A-AB04-E5D6A60AC619}"/>
+              </a:ext>
+            </a:extLst>
+          </p:cNvPr>
+          <p:cNvSpPr>
+            <a:spLocks noGrp="1"/>
+          </p:cNvSpPr>
+          <p:nvPr>
+            <p:ph idx="1"/>
+          </p:nvPr>
+        </p:nvSpPr>
+        <p:spPr/>
+        <p:txBody>
+          <a:bodyPr/>
+          <a:lstStyle/>
+          <a:p>
+            <a:endParaRPr lang="de-DE"/>
+          </a:p>
+        </p:txBody>
+      </p:sp>
+    </p:spTree>
+    <p:extLst>
+      <p:ext uri="{BB962C8B-B14F-4D97-AF65-F5344CB8AC3E}">
+        <p14:creationId xmlns:p14="http://schemas.microsoft.com/office/powerpoint/2010/main" val="1723297398"/>
+      </p:ext>
+    </p:extLst>
+  </p:cSld>
+  <p:clrMapOvr>
+    <a:masterClrMapping/>
+  </p:clrMapOvr>
+</p:sld>
+</file>
+
+<file path=ppt/slides/slide17.xml><?xml version="1.0" encoding="utf-8"?>
 <p:sld xmlns:a="http://schemas.openxmlformats.org/drawingml/2006/main" xmlns:r="http://schemas.openxmlformats.org/officeDocument/2006/relationships" xmlns:p="http://schemas.openxmlformats.org/presentationml/2006/main">
   <p:cSld>
     <p:spTree>
@@ -5965,7 +9078,7 @@
           <a:lstStyle/>
           <a:p>
             <a:r>
-              <a:rPr lang="en-US" dirty="0" err="1"/>
+              <a:rPr lang="en-US"/>
               <a:t>Komponentendiagramm</a:t>
             </a:r>
             <a:endParaRPr lang="en-US" dirty="0"/>
@@ -6057,6 +9170,367 @@
           <a:chExt cx="0" cy="0"/>
         </a:xfrm>
       </p:grpSpPr>
+      <p:pic>
+        <p:nvPicPr>
+          <p:cNvPr id="78" name="Picture 77">
+            <a:extLst>
+              <a:ext uri="{FF2B5EF4-FFF2-40B4-BE49-F238E27FC236}">
+                <a16:creationId xmlns:a16="http://schemas.microsoft.com/office/drawing/2014/main" id="{CB1DE69F-569C-4A49-8E50-4093C135AECF}"/>
+              </a:ext>
+              <a:ext uri="{C183D7F6-B498-43B3-948B-1728B52AA6E4}">
+                <adec:decorative xmlns:adec="http://schemas.microsoft.com/office/drawing/2017/decorative" val="1"/>
+              </a:ext>
+            </a:extLst>
+          </p:cNvPr>
+          <p:cNvPicPr>
+            <a:picLocks noGrp="1" noRot="1" noChangeAspect="1" noMove="1" noResize="1" noEditPoints="1" noAdjustHandles="1" noChangeArrowheads="1" noChangeShapeType="1" noCrop="1"/>
+          </p:cNvPicPr>
+          <p:nvPr>
+            <p:extLst>
+              <p:ext uri="{386F3935-93C4-4BCD-93E2-E3B085C9AB24}">
+                <p16:designElem xmlns:p16="http://schemas.microsoft.com/office/powerpoint/2015/main" val="1"/>
+              </p:ext>
+            </p:extLst>
+          </p:nvPr>
+        </p:nvPicPr>
+        <p:blipFill rotWithShape="1">
+          <a:blip r:embed="rId2">
+            <a:extLst>
+              <a:ext uri="{28A0092B-C50C-407E-A947-70E740481C1C}">
+                <a14:useLocalDpi xmlns:a14="http://schemas.microsoft.com/office/drawing/2010/main" val="0"/>
+              </a:ext>
+            </a:extLst>
+          </a:blip>
+          <a:srcRect t="1538" b="-1538"/>
+          <a:stretch/>
+        </p:blipFill>
+        <p:spPr>
+          <a:xfrm>
+            <a:off x="0" y="6119336"/>
+            <a:ext cx="12192000" cy="742950"/>
+          </a:xfrm>
+          <a:prstGeom prst="rect">
+            <a:avLst/>
+          </a:prstGeom>
+        </p:spPr>
+      </p:pic>
+      <p:sp>
+        <p:nvSpPr>
+          <p:cNvPr id="80" name="Rectangle 79">
+            <a:extLst>
+              <a:ext uri="{FF2B5EF4-FFF2-40B4-BE49-F238E27FC236}">
+                <a16:creationId xmlns:a16="http://schemas.microsoft.com/office/drawing/2014/main" id="{50B488F5-9CE4-4346-B22F-600286ED4D8F}"/>
+              </a:ext>
+              <a:ext uri="{C183D7F6-B498-43B3-948B-1728B52AA6E4}">
+                <adec:decorative xmlns:adec="http://schemas.microsoft.com/office/drawing/2017/decorative" val="1"/>
+              </a:ext>
+            </a:extLst>
+          </p:cNvPr>
+          <p:cNvSpPr>
+            <a:spLocks noGrp="1" noRot="1" noChangeAspect="1" noMove="1" noResize="1" noEditPoints="1" noAdjustHandles="1" noChangeArrowheads="1" noChangeShapeType="1" noTextEdit="1"/>
+          </p:cNvSpPr>
+          <p:nvPr>
+            <p:extLst>
+              <p:ext uri="{386F3935-93C4-4BCD-93E2-E3B085C9AB24}">
+                <p16:designElem xmlns:p16="http://schemas.microsoft.com/office/powerpoint/2015/main" val="1"/>
+              </p:ext>
+            </p:extLst>
+          </p:nvPr>
+        </p:nvSpPr>
+        <p:spPr>
+          <a:xfrm>
+            <a:off x="0" y="468769"/>
+            <a:ext cx="12192000" cy="5647024"/>
+          </a:xfrm>
+          <a:prstGeom prst="rect">
+            <a:avLst/>
+          </a:prstGeom>
+          <a:gradFill flip="none" rotWithShape="1">
+            <a:gsLst>
+              <a:gs pos="0">
+                <a:schemeClr val="bg2">
+                  <a:alpha val="0"/>
+                  <a:lumMod val="100000"/>
+                </a:schemeClr>
+              </a:gs>
+              <a:gs pos="100000">
+                <a:schemeClr val="bg2">
+                  <a:lumMod val="95000"/>
+                  <a:lumOff val="5000"/>
+                </a:schemeClr>
+              </a:gs>
+            </a:gsLst>
+            <a:lin ang="5400000" scaled="0"/>
+            <a:tileRect/>
+          </a:gradFill>
+          <a:ln>
+            <a:noFill/>
+          </a:ln>
+        </p:spPr>
+        <p:style>
+          <a:lnRef idx="2">
+            <a:schemeClr val="accent1">
+              <a:shade val="50000"/>
+            </a:schemeClr>
+          </a:lnRef>
+          <a:fillRef idx="1">
+            <a:schemeClr val="accent1"/>
+          </a:fillRef>
+          <a:effectRef idx="0">
+            <a:schemeClr val="accent1"/>
+          </a:effectRef>
+          <a:fontRef idx="minor">
+            <a:schemeClr val="lt1"/>
+          </a:fontRef>
+        </p:style>
+      </p:sp>
+      <p:cxnSp>
+        <p:nvCxnSpPr>
+          <p:cNvPr id="82" name="Straight Connector 81">
+            <a:extLst>
+              <a:ext uri="{FF2B5EF4-FFF2-40B4-BE49-F238E27FC236}">
+                <a16:creationId xmlns:a16="http://schemas.microsoft.com/office/drawing/2014/main" id="{5F76596F-57DF-4A0C-96D9-046DC3B30E9F}"/>
+              </a:ext>
+              <a:ext uri="{C183D7F6-B498-43B3-948B-1728B52AA6E4}">
+                <adec:decorative xmlns:adec="http://schemas.microsoft.com/office/drawing/2017/decorative" val="1"/>
+              </a:ext>
+            </a:extLst>
+          </p:cNvPr>
+          <p:cNvCxnSpPr>
+            <a:cxnSpLocks noGrp="1" noRot="1" noChangeAspect="1" noMove="1" noResize="1" noEditPoints="1" noAdjustHandles="1" noChangeArrowheads="1" noChangeShapeType="1"/>
+          </p:cNvCxnSpPr>
+          <p:nvPr>
+            <p:extLst>
+              <p:ext uri="{386F3935-93C4-4BCD-93E2-E3B085C9AB24}">
+                <p16:designElem xmlns:p16="http://schemas.microsoft.com/office/powerpoint/2015/main" val="1"/>
+              </p:ext>
+            </p:extLst>
+          </p:nvPr>
+        </p:nvCxnSpPr>
+        <p:spPr>
+          <a:xfrm>
+            <a:off x="0" y="6121269"/>
+            <a:ext cx="12192000" cy="0"/>
+          </a:xfrm>
+          <a:prstGeom prst="line">
+            <a:avLst/>
+          </a:prstGeom>
+          <a:ln w="12700">
+            <a:solidFill>
+              <a:srgbClr val="000001">
+                <a:alpha val="20000"/>
+              </a:srgbClr>
+            </a:solidFill>
+          </a:ln>
+        </p:spPr>
+        <p:style>
+          <a:lnRef idx="1">
+            <a:schemeClr val="accent1"/>
+          </a:lnRef>
+          <a:fillRef idx="0">
+            <a:schemeClr val="accent1"/>
+          </a:fillRef>
+          <a:effectRef idx="0">
+            <a:schemeClr val="accent1"/>
+          </a:effectRef>
+          <a:fontRef idx="minor">
+            <a:schemeClr val="tx1"/>
+          </a:fontRef>
+        </p:style>
+      </p:cxnSp>
+      <p:pic>
+        <p:nvPicPr>
+          <p:cNvPr id="84" name="Picture 83">
+            <a:extLst>
+              <a:ext uri="{FF2B5EF4-FFF2-40B4-BE49-F238E27FC236}">
+                <a16:creationId xmlns:a16="http://schemas.microsoft.com/office/drawing/2014/main" id="{16176A8D-754E-4699-9AAC-A833466A201A}"/>
+              </a:ext>
+              <a:ext uri="{C183D7F6-B498-43B3-948B-1728B52AA6E4}">
+                <adec:decorative xmlns:adec="http://schemas.microsoft.com/office/drawing/2017/decorative" val="1"/>
+              </a:ext>
+            </a:extLst>
+          </p:cNvPr>
+          <p:cNvPicPr>
+            <a:picLocks noGrp="1" noRot="1" noChangeAspect="1" noMove="1" noResize="1" noEditPoints="1" noAdjustHandles="1" noChangeArrowheads="1" noChangeShapeType="1" noCrop="1"/>
+          </p:cNvPicPr>
+          <p:nvPr>
+            <p:extLst>
+              <p:ext uri="{386F3935-93C4-4BCD-93E2-E3B085C9AB24}">
+                <p16:designElem xmlns:p16="http://schemas.microsoft.com/office/powerpoint/2015/main" val="1"/>
+              </p:ext>
+            </p:extLst>
+          </p:nvPr>
+        </p:nvPicPr>
+        <p:blipFill rotWithShape="1">
+          <a:blip r:embed="rId3">
+            <a:duotone>
+              <a:schemeClr val="accent1">
+                <a:shade val="45000"/>
+                <a:satMod val="135000"/>
+              </a:schemeClr>
+              <a:prstClr val="white"/>
+            </a:duotone>
+            <a:extLst>
+              <a:ext uri="{28A0092B-C50C-407E-A947-70E740481C1C}">
+                <a14:useLocalDpi xmlns:a14="http://schemas.microsoft.com/office/drawing/2010/main" val="0"/>
+              </a:ext>
+            </a:extLst>
+          </a:blip>
+          <a:srcRect l="-115" r="15828" b="36435"/>
+          <a:stretch/>
+        </p:blipFill>
+        <p:spPr>
+          <a:xfrm>
+            <a:off x="1125460" y="643464"/>
+            <a:ext cx="9610344" cy="155448"/>
+          </a:xfrm>
+          <a:prstGeom prst="rect">
+            <a:avLst/>
+          </a:prstGeom>
+          <a:noFill/>
+          <a:ln>
+            <a:noFill/>
+          </a:ln>
+        </p:spPr>
+      </p:pic>
+      <p:sp useBgFill="1">
+        <p:nvSpPr>
+          <p:cNvPr id="86" name="Rectangle 85">
+            <a:extLst>
+              <a:ext uri="{FF2B5EF4-FFF2-40B4-BE49-F238E27FC236}">
+                <a16:creationId xmlns:a16="http://schemas.microsoft.com/office/drawing/2014/main" id="{EB8456C2-9457-404E-8DA7-41BB6630DAB1}"/>
+              </a:ext>
+              <a:ext uri="{C183D7F6-B498-43B3-948B-1728B52AA6E4}">
+                <adec:decorative xmlns:adec="http://schemas.microsoft.com/office/drawing/2017/decorative" val="1"/>
+              </a:ext>
+            </a:extLst>
+          </p:cNvPr>
+          <p:cNvSpPr>
+            <a:spLocks noGrp="1" noRot="1" noChangeAspect="1" noMove="1" noResize="1" noEditPoints="1" noAdjustHandles="1" noChangeArrowheads="1" noChangeShapeType="1" noTextEdit="1"/>
+          </p:cNvSpPr>
+          <p:nvPr>
+            <p:extLst>
+              <p:ext uri="{386F3935-93C4-4BCD-93E2-E3B085C9AB24}">
+                <p16:designElem xmlns:p16="http://schemas.microsoft.com/office/powerpoint/2015/main" val="1"/>
+              </p:ext>
+            </p:extLst>
+          </p:nvPr>
+        </p:nvSpPr>
+        <p:spPr>
+          <a:xfrm>
+            <a:off x="2" y="0"/>
+            <a:ext cx="12191695" cy="6858000"/>
+          </a:xfrm>
+          <a:prstGeom prst="rect">
+            <a:avLst/>
+          </a:prstGeom>
+          <a:ln>
+            <a:noFill/>
+          </a:ln>
+        </p:spPr>
+        <p:style>
+          <a:lnRef idx="2">
+            <a:schemeClr val="accent1">
+              <a:shade val="50000"/>
+            </a:schemeClr>
+          </a:lnRef>
+          <a:fillRef idx="1">
+            <a:schemeClr val="accent1"/>
+          </a:fillRef>
+          <a:effectRef idx="0">
+            <a:schemeClr val="accent1"/>
+          </a:effectRef>
+          <a:fontRef idx="minor">
+            <a:schemeClr val="lt1"/>
+          </a:fontRef>
+        </p:style>
+        <p:txBody>
+          <a:bodyPr rtlCol="0" anchor="ctr"/>
+          <a:lstStyle/>
+          <a:p>
+            <a:pPr algn="ctr"/>
+            <a:endParaRPr lang="en-US"/>
+          </a:p>
+        </p:txBody>
+      </p:sp>
+      <p:sp>
+        <p:nvSpPr>
+          <p:cNvPr id="88" name="Rectangle 87">
+            <a:extLst>
+              <a:ext uri="{FF2B5EF4-FFF2-40B4-BE49-F238E27FC236}">
+                <a16:creationId xmlns:a16="http://schemas.microsoft.com/office/drawing/2014/main" id="{BFB3493F-F73E-4A1A-89E2-FE1D803D15CE}"/>
+              </a:ext>
+              <a:ext uri="{C183D7F6-B498-43B3-948B-1728B52AA6E4}">
+                <adec:decorative xmlns:adec="http://schemas.microsoft.com/office/drawing/2017/decorative" val="1"/>
+              </a:ext>
+            </a:extLst>
+          </p:cNvPr>
+          <p:cNvSpPr>
+            <a:spLocks noGrp="1" noRot="1" noChangeAspect="1" noMove="1" noResize="1" noEditPoints="1" noAdjustHandles="1" noChangeArrowheads="1" noChangeShapeType="1" noTextEdit="1"/>
+          </p:cNvSpPr>
+          <p:nvPr>
+            <p:extLst>
+              <p:ext uri="{386F3935-93C4-4BCD-93E2-E3B085C9AB24}">
+                <p16:designElem xmlns:p16="http://schemas.microsoft.com/office/powerpoint/2015/main" val="1"/>
+              </p:ext>
+            </p:extLst>
+          </p:nvPr>
+        </p:nvSpPr>
+        <p:spPr>
+          <a:xfrm>
+            <a:off x="0" y="468769"/>
+            <a:ext cx="12192000" cy="5647024"/>
+          </a:xfrm>
+          <a:prstGeom prst="rect">
+            <a:avLst/>
+          </a:prstGeom>
+          <a:gradFill flip="none" rotWithShape="1">
+            <a:gsLst>
+              <a:gs pos="0">
+                <a:schemeClr val="bg2">
+                  <a:alpha val="0"/>
+                  <a:lumMod val="100000"/>
+                </a:schemeClr>
+              </a:gs>
+              <a:gs pos="100000">
+                <a:schemeClr val="bg2">
+                  <a:lumMod val="95000"/>
+                  <a:lumOff val="5000"/>
+                </a:schemeClr>
+              </a:gs>
+            </a:gsLst>
+            <a:lin ang="5400000" scaled="0"/>
+            <a:tileRect/>
+          </a:gradFill>
+          <a:ln>
+            <a:noFill/>
+          </a:ln>
+        </p:spPr>
+        <p:style>
+          <a:lnRef idx="2">
+            <a:schemeClr val="accent1">
+              <a:shade val="50000"/>
+            </a:schemeClr>
+          </a:lnRef>
+          <a:fillRef idx="1">
+            <a:schemeClr val="accent1"/>
+          </a:fillRef>
+          <a:effectRef idx="0">
+            <a:schemeClr val="accent1"/>
+          </a:effectRef>
+          <a:fontRef idx="minor">
+            <a:schemeClr val="lt1"/>
+          </a:fontRef>
+        </p:style>
+        <p:txBody>
+          <a:bodyPr rtlCol="0" anchor="ctr"/>
+          <a:lstStyle/>
+          <a:p>
+            <a:pPr algn="ctr"/>
+            <a:endParaRPr lang="en-US"/>
+          </a:p>
+        </p:txBody>
+      </p:sp>
       <p:sp>
         <p:nvSpPr>
           <p:cNvPr id="5" name="Titel 4">
@@ -6073,18 +9547,22 @@
             <p:ph type="title"/>
           </p:nvPr>
         </p:nvSpPr>
-        <p:spPr/>
-        <p:txBody>
-          <a:bodyPr vert="horz" lIns="91440" tIns="45720" rIns="91440" bIns="45720" rtlCol="0" anchor="ctr">
+        <p:spPr>
+          <a:xfrm>
+            <a:off x="1776730" y="4459039"/>
+            <a:ext cx="7831992" cy="551528"/>
+          </a:xfrm>
+        </p:spPr>
+        <p:txBody>
+          <a:bodyPr vert="horz" lIns="91440" tIns="45720" rIns="91440" bIns="0" rtlCol="0" anchor="b">
             <a:normAutofit/>
           </a:bodyPr>
           <a:lstStyle/>
           <a:p>
             <a:r>
-              <a:rPr lang="en-US" dirty="0" err="1"/>
+              <a:rPr lang="en-US" sz="3600"/>
               <a:t>Aktivitätsdiagramm</a:t>
             </a:r>
-            <a:endParaRPr lang="en-US" dirty="0"/>
           </a:p>
         </p:txBody>
       </p:sp>
@@ -6103,21 +9581,119 @@
           <p:nvPr/>
         </p:nvPicPr>
         <p:blipFill>
-          <a:blip r:embed="rId2"/>
+          <a:blip r:embed="rId4"/>
           <a:stretch>
             <a:fillRect/>
           </a:stretch>
         </p:blipFill>
         <p:spPr>
           <a:xfrm>
-            <a:off x="1328737" y="1865928"/>
-            <a:ext cx="9534525" cy="4133850"/>
+            <a:off x="1873225" y="643992"/>
+            <a:ext cx="8444425" cy="3652214"/>
           </a:xfrm>
           <a:prstGeom prst="rect">
             <a:avLst/>
           </a:prstGeom>
         </p:spPr>
       </p:pic>
+      <p:pic>
+        <p:nvPicPr>
+          <p:cNvPr id="90" name="Picture 89">
+            <a:extLst>
+              <a:ext uri="{FF2B5EF4-FFF2-40B4-BE49-F238E27FC236}">
+                <a16:creationId xmlns:a16="http://schemas.microsoft.com/office/drawing/2014/main" id="{CEE4ADBF-AAD6-433C-B72E-C603B9BBB310}"/>
+              </a:ext>
+              <a:ext uri="{C183D7F6-B498-43B3-948B-1728B52AA6E4}">
+                <adec:decorative xmlns:adec="http://schemas.microsoft.com/office/drawing/2017/decorative" val="1"/>
+              </a:ext>
+            </a:extLst>
+          </p:cNvPr>
+          <p:cNvPicPr>
+            <a:picLocks noGrp="1" noRot="1" noChangeAspect="1" noMove="1" noResize="1" noEditPoints="1" noAdjustHandles="1" noChangeArrowheads="1" noChangeShapeType="1" noCrop="1"/>
+          </p:cNvPicPr>
+          <p:nvPr>
+            <p:extLst>
+              <p:ext uri="{386F3935-93C4-4BCD-93E2-E3B085C9AB24}">
+                <p16:designElem xmlns:p16="http://schemas.microsoft.com/office/powerpoint/2015/main" val="1"/>
+              </p:ext>
+            </p:extLst>
+          </p:nvPr>
+        </p:nvPicPr>
+        <p:blipFill rotWithShape="1">
+          <a:blip r:embed="rId2">
+            <a:extLst>
+              <a:ext uri="{28A0092B-C50C-407E-A947-70E740481C1C}">
+                <a14:useLocalDpi xmlns:a14="http://schemas.microsoft.com/office/drawing/2010/main" val="0"/>
+              </a:ext>
+            </a:extLst>
+          </a:blip>
+          <a:srcRect t="1538" b="-1538"/>
+          <a:stretch/>
+        </p:blipFill>
+        <p:spPr>
+          <a:xfrm>
+            <a:off x="0" y="6119336"/>
+            <a:ext cx="12192000" cy="742950"/>
+          </a:xfrm>
+          <a:prstGeom prst="rect">
+            <a:avLst/>
+          </a:prstGeom>
+        </p:spPr>
+      </p:pic>
+      <p:cxnSp>
+        <p:nvCxnSpPr>
+          <p:cNvPr id="92" name="Straight Connector 91">
+            <a:extLst>
+              <a:ext uri="{FF2B5EF4-FFF2-40B4-BE49-F238E27FC236}">
+                <a16:creationId xmlns:a16="http://schemas.microsoft.com/office/drawing/2014/main" id="{9452C429-B9DA-48BE-B0C7-09AE24872828}"/>
+              </a:ext>
+              <a:ext uri="{C183D7F6-B498-43B3-948B-1728B52AA6E4}">
+                <adec:decorative xmlns:adec="http://schemas.microsoft.com/office/drawing/2017/decorative" val="1"/>
+              </a:ext>
+            </a:extLst>
+          </p:cNvPr>
+          <p:cNvCxnSpPr>
+            <a:cxnSpLocks noGrp="1" noRot="1" noChangeAspect="1" noMove="1" noResize="1" noEditPoints="1" noAdjustHandles="1" noChangeArrowheads="1" noChangeShapeType="1"/>
+          </p:cNvCxnSpPr>
+          <p:nvPr>
+            <p:extLst>
+              <p:ext uri="{386F3935-93C4-4BCD-93E2-E3B085C9AB24}">
+                <p16:designElem xmlns:p16="http://schemas.microsoft.com/office/powerpoint/2015/main" val="1"/>
+              </p:ext>
+            </p:extLst>
+          </p:nvPr>
+        </p:nvCxnSpPr>
+        <p:spPr>
+          <a:xfrm>
+            <a:off x="0" y="6121269"/>
+            <a:ext cx="12192000" cy="0"/>
+          </a:xfrm>
+          <a:prstGeom prst="line">
+            <a:avLst/>
+          </a:prstGeom>
+          <a:ln w="12700">
+            <a:solidFill>
+              <a:srgbClr val="000001">
+                <a:alpha val="20000"/>
+              </a:srgbClr>
+            </a:solidFill>
+          </a:ln>
+        </p:spPr>
+        <p:style>
+          <a:lnRef idx="1">
+            <a:schemeClr val="accent1"/>
+          </a:lnRef>
+          <a:fillRef idx="0">
+            <a:schemeClr val="accent1"/>
+          </a:fillRef>
+          <a:effectRef idx="0">
+            <a:schemeClr val="accent1"/>
+          </a:effectRef>
+          <a:fontRef idx="minor">
+            <a:schemeClr val="tx1"/>
+          </a:fontRef>
+        </p:style>
+      </p:cxnSp>
     </p:spTree>
     <p:extLst>
       <p:ext uri="{BB962C8B-B14F-4D97-AF65-F5344CB8AC3E}">
@@ -6126,7 +9702,7 @@
     </p:extLst>
   </p:cSld>
   <p:clrMapOvr>
-    <a:overrideClrMapping bg1="dk1" tx1="lt1" bg2="dk2" tx2="lt2" accent1="accent1" accent2="accent2" accent3="accent3" accent4="accent4" accent5="accent5" accent6="accent6" hlink="hlink" folHlink="folHlink"/>
+    <a:masterClrMapping/>
   </p:clrMapOvr>
 </p:sld>
 </file>
@@ -6175,10 +9751,10 @@
       </p:grpSpPr>
       <p:pic>
         <p:nvPicPr>
-          <p:cNvPr id="12" name="Picture 11">
-            <a:extLst>
-              <a:ext uri="{FF2B5EF4-FFF2-40B4-BE49-F238E27FC236}">
-                <a16:creationId xmlns:a16="http://schemas.microsoft.com/office/drawing/2014/main" id="{F28373B5-F4E4-4102-9D27-E17631B4C7A8}"/>
+          <p:cNvPr id="31" name="Picture 30">
+            <a:extLst>
+              <a:ext uri="{FF2B5EF4-FFF2-40B4-BE49-F238E27FC236}">
+                <a16:creationId xmlns:a16="http://schemas.microsoft.com/office/drawing/2014/main" id="{CB1DE69F-569C-4A49-8E50-4093C135AECF}"/>
               </a:ext>
               <a:ext uri="{C183D7F6-B498-43B3-948B-1728B52AA6E4}">
                 <adec:decorative xmlns:adec="http://schemas.microsoft.com/office/drawing/2017/decorative" val="1"/>
@@ -6219,10 +9795,10 @@
       </p:pic>
       <p:sp>
         <p:nvSpPr>
-          <p:cNvPr id="14" name="Rectangle 13">
-            <a:extLst>
-              <a:ext uri="{FF2B5EF4-FFF2-40B4-BE49-F238E27FC236}">
-                <a16:creationId xmlns:a16="http://schemas.microsoft.com/office/drawing/2014/main" id="{F23306E6-5D0B-439F-BB88-7F1CEA89BD63}"/>
+          <p:cNvPr id="33" name="Rectangle 32">
+            <a:extLst>
+              <a:ext uri="{FF2B5EF4-FFF2-40B4-BE49-F238E27FC236}">
+                <a16:creationId xmlns:a16="http://schemas.microsoft.com/office/drawing/2014/main" id="{50B488F5-9CE4-4346-B22F-600286ED4D8F}"/>
               </a:ext>
               <a:ext uri="{C183D7F6-B498-43B3-948B-1728B52AA6E4}">
                 <adec:decorative xmlns:adec="http://schemas.microsoft.com/office/drawing/2017/decorative" val="1"/>
@@ -6289,10 +9865,10 @@
       </p:sp>
       <p:cxnSp>
         <p:nvCxnSpPr>
-          <p:cNvPr id="16" name="Straight Connector 15">
-            <a:extLst>
-              <a:ext uri="{FF2B5EF4-FFF2-40B4-BE49-F238E27FC236}">
-                <a16:creationId xmlns:a16="http://schemas.microsoft.com/office/drawing/2014/main" id="{23D9016E-713D-40ED-A242-4F407E905380}"/>
+          <p:cNvPr id="35" name="Straight Connector 34">
+            <a:extLst>
+              <a:ext uri="{FF2B5EF4-FFF2-40B4-BE49-F238E27FC236}">
+                <a16:creationId xmlns:a16="http://schemas.microsoft.com/office/drawing/2014/main" id="{5F76596F-57DF-4A0C-96D9-046DC3B30E9F}"/>
               </a:ext>
               <a:ext uri="{C183D7F6-B498-43B3-948B-1728B52AA6E4}">
                 <adec:decorative xmlns:adec="http://schemas.microsoft.com/office/drawing/2017/decorative" val="1"/>
@@ -6343,10 +9919,10 @@
       </p:cxnSp>
       <p:pic>
         <p:nvPicPr>
-          <p:cNvPr id="18" name="Picture 17">
-            <a:extLst>
-              <a:ext uri="{FF2B5EF4-FFF2-40B4-BE49-F238E27FC236}">
-                <a16:creationId xmlns:a16="http://schemas.microsoft.com/office/drawing/2014/main" id="{FF1DEE04-57A9-4F64-958D-D1D4941EF5A5}"/>
+          <p:cNvPr id="37" name="Picture 36">
+            <a:extLst>
+              <a:ext uri="{FF2B5EF4-FFF2-40B4-BE49-F238E27FC236}">
+                <a16:creationId xmlns:a16="http://schemas.microsoft.com/office/drawing/2014/main" id="{16176A8D-754E-4699-9AAC-A833466A201A}"/>
               </a:ext>
               <a:ext uri="{C183D7F6-B498-43B3-948B-1728B52AA6E4}">
                 <adec:decorative xmlns:adec="http://schemas.microsoft.com/office/drawing/2017/decorative" val="1"/>
@@ -6398,10 +9974,10 @@
       </p:pic>
       <p:sp useBgFill="1">
         <p:nvSpPr>
-          <p:cNvPr id="20" name="Rectangle 19">
-            <a:extLst>
-              <a:ext uri="{FF2B5EF4-FFF2-40B4-BE49-F238E27FC236}">
-                <a16:creationId xmlns:a16="http://schemas.microsoft.com/office/drawing/2014/main" id="{54F891EB-ED45-44C3-95D6-FFB2EC07FA10}"/>
+          <p:cNvPr id="39" name="Rectangle 38">
+            <a:extLst>
+              <a:ext uri="{FF2B5EF4-FFF2-40B4-BE49-F238E27FC236}">
+                <a16:creationId xmlns:a16="http://schemas.microsoft.com/office/drawing/2014/main" id="{EB8456C2-9457-404E-8DA7-41BB6630DAB1}"/>
               </a:ext>
               <a:ext uri="{C183D7F6-B498-43B3-948B-1728B52AA6E4}">
                 <adec:decorative xmlns:adec="http://schemas.microsoft.com/office/drawing/2017/decorative" val="1"/>
@@ -6421,7 +9997,7 @@
         </p:nvSpPr>
         <p:spPr>
           <a:xfrm>
-            <a:off x="303" y="0"/>
+            <a:off x="2" y="0"/>
             <a:ext cx="12191695" cy="6858000"/>
           </a:xfrm>
           <a:prstGeom prst="rect">
@@ -6456,21 +10032,21 @@
           </a:p>
         </p:txBody>
       </p:sp>
-      <p:pic>
-        <p:nvPicPr>
-          <p:cNvPr id="22" name="Picture 21">
-            <a:extLst>
-              <a:ext uri="{FF2B5EF4-FFF2-40B4-BE49-F238E27FC236}">
-                <a16:creationId xmlns:a16="http://schemas.microsoft.com/office/drawing/2014/main" id="{52601FD5-D17C-47EF-BB5F-E055332CDDE5}"/>
+      <p:sp>
+        <p:nvSpPr>
+          <p:cNvPr id="41" name="Rectangle 40">
+            <a:extLst>
+              <a:ext uri="{FF2B5EF4-FFF2-40B4-BE49-F238E27FC236}">
+                <a16:creationId xmlns:a16="http://schemas.microsoft.com/office/drawing/2014/main" id="{BFB3493F-F73E-4A1A-89E2-FE1D803D15CE}"/>
               </a:ext>
               <a:ext uri="{C183D7F6-B498-43B3-948B-1728B52AA6E4}">
                 <adec:decorative xmlns:adec="http://schemas.microsoft.com/office/drawing/2017/decorative" val="1"/>
               </a:ext>
             </a:extLst>
           </p:cNvPr>
-          <p:cNvPicPr>
-            <a:picLocks noGrp="1" noRot="1" noChangeAspect="1" noMove="1" noResize="1" noEditPoints="1" noAdjustHandles="1" noChangeArrowheads="1" noChangeShapeType="1" noCrop="1"/>
-          </p:cNvPicPr>
+          <p:cNvSpPr>
+            <a:spLocks noGrp="1" noRot="1" noChangeAspect="1" noMove="1" noResize="1" noEditPoints="1" noAdjustHandles="1" noChangeArrowheads="1" noChangeShapeType="1" noTextEdit="1"/>
+          </p:cNvSpPr>
           <p:nvPr>
             <p:extLst>
               <p:ext uri="{386F3935-93C4-4BCD-93E2-E3B085C9AB24}">
@@ -6478,110 +10054,11 @@
               </p:ext>
             </p:extLst>
           </p:nvPr>
-        </p:nvPicPr>
-        <p:blipFill rotWithShape="1">
-          <a:blip r:embed="rId3">
-            <a:duotone>
-              <a:schemeClr val="accent1">
-                <a:shade val="45000"/>
-                <a:satMod val="135000"/>
-              </a:schemeClr>
-              <a:prstClr val="white"/>
-            </a:duotone>
-            <a:extLst>
-              <a:ext uri="{28A0092B-C50C-407E-A947-70E740481C1C}">
-                <a14:useLocalDpi xmlns:a14="http://schemas.microsoft.com/office/drawing/2010/main" val="0"/>
-              </a:ext>
-            </a:extLst>
-          </a:blip>
-          <a:srcRect l="23891" t="10889" r="38495" b="30830"/>
-          <a:stretch/>
-        </p:blipFill>
-        <p:spPr>
-          <a:xfrm rot="5400000">
-            <a:off x="2198529" y="2906130"/>
-            <a:ext cx="4288809" cy="142524"/>
-          </a:xfrm>
-          <a:prstGeom prst="rect">
-            <a:avLst/>
-          </a:prstGeom>
-          <a:noFill/>
-          <a:ln>
-            <a:noFill/>
-          </a:ln>
-        </p:spPr>
-      </p:pic>
-      <p:pic>
-        <p:nvPicPr>
-          <p:cNvPr id="24" name="Picture 23">
-            <a:extLst>
-              <a:ext uri="{FF2B5EF4-FFF2-40B4-BE49-F238E27FC236}">
-                <a16:creationId xmlns:a16="http://schemas.microsoft.com/office/drawing/2014/main" id="{EA46E13C-7D1D-43C5-B7B8-D0FD3B2B9B44}"/>
-              </a:ext>
-              <a:ext uri="{C183D7F6-B498-43B3-948B-1728B52AA6E4}">
-                <adec:decorative xmlns:adec="http://schemas.microsoft.com/office/drawing/2017/decorative" val="1"/>
-              </a:ext>
-            </a:extLst>
-          </p:cNvPr>
-          <p:cNvPicPr>
-            <a:picLocks noGrp="1" noRot="1" noChangeAspect="1" noMove="1" noResize="1" noEditPoints="1" noAdjustHandles="1" noChangeArrowheads="1" noChangeShapeType="1" noCrop="1"/>
-          </p:cNvPicPr>
-          <p:nvPr>
-            <p:extLst>
-              <p:ext uri="{386F3935-93C4-4BCD-93E2-E3B085C9AB24}">
-                <p16:designElem xmlns:p16="http://schemas.microsoft.com/office/powerpoint/2015/main" val="1"/>
-              </p:ext>
-            </p:extLst>
-          </p:nvPr>
-        </p:nvPicPr>
-        <p:blipFill rotWithShape="1">
-          <a:blip r:embed="rId2">
-            <a:extLst>
-              <a:ext uri="{28A0092B-C50C-407E-A947-70E740481C1C}">
-                <a14:useLocalDpi xmlns:a14="http://schemas.microsoft.com/office/drawing/2010/main" val="0"/>
-              </a:ext>
-            </a:extLst>
-          </a:blip>
-          <a:srcRect t="1538" b="-1538"/>
-          <a:stretch/>
-        </p:blipFill>
-        <p:spPr>
-          <a:xfrm>
-            <a:off x="0" y="6119336"/>
-            <a:ext cx="12192000" cy="742950"/>
-          </a:xfrm>
-          <a:prstGeom prst="rect">
-            <a:avLst/>
-          </a:prstGeom>
-        </p:spPr>
-      </p:pic>
-      <p:sp>
-        <p:nvSpPr>
-          <p:cNvPr id="26" name="Rectangle 25">
-            <a:extLst>
-              <a:ext uri="{FF2B5EF4-FFF2-40B4-BE49-F238E27FC236}">
-                <a16:creationId xmlns:a16="http://schemas.microsoft.com/office/drawing/2014/main" id="{2EA385B8-7C85-4CE0-AE3A-00EB627B3443}"/>
-              </a:ext>
-              <a:ext uri="{C183D7F6-B498-43B3-948B-1728B52AA6E4}">
-                <adec:decorative xmlns:adec="http://schemas.microsoft.com/office/drawing/2017/decorative" val="1"/>
-              </a:ext>
-            </a:extLst>
-          </p:cNvPr>
-          <p:cNvSpPr>
-            <a:spLocks noGrp="1" noRot="1" noChangeAspect="1" noMove="1" noResize="1" noEditPoints="1" noAdjustHandles="1" noChangeArrowheads="1" noChangeShapeType="1" noTextEdit="1"/>
-          </p:cNvSpPr>
-          <p:nvPr>
-            <p:extLst>
-              <p:ext uri="{386F3935-93C4-4BCD-93E2-E3B085C9AB24}">
-                <p16:designElem xmlns:p16="http://schemas.microsoft.com/office/powerpoint/2015/main" val="1"/>
-              </p:ext>
-            </p:extLst>
-          </p:nvPr>
-        </p:nvSpPr>
-        <p:spPr>
-          <a:xfrm>
-            <a:off x="0" y="2019476"/>
-            <a:ext cx="12192000" cy="4105941"/>
+        </p:nvSpPr>
+        <p:spPr>
+          <a:xfrm>
+            <a:off x="0" y="468769"/>
+            <a:ext cx="12192000" cy="5647024"/>
           </a:xfrm>
           <a:prstGeom prst="rect">
             <a:avLst/>
@@ -6591,10 +10068,14 @@
               <a:gs pos="0">
                 <a:schemeClr val="bg2">
                   <a:alpha val="0"/>
+                  <a:lumMod val="100000"/>
                 </a:schemeClr>
               </a:gs>
               <a:gs pos="100000">
-                <a:schemeClr val="bg2"/>
+                <a:schemeClr val="bg2">
+                  <a:lumMod val="95000"/>
+                  <a:lumOff val="5000"/>
+                </a:schemeClr>
               </a:gs>
             </a:gsLst>
             <a:lin ang="5400000" scaled="0"/>
@@ -6624,7 +10105,7 @@
           <a:bodyPr rtlCol="0" anchor="ctr"/>
           <a:lstStyle/>
           <a:p>
-            <a:pPr lvl="0" algn="ctr"/>
+            <a:pPr algn="ctr"/>
             <a:endParaRPr lang="en-US"/>
           </a:p>
         </p:txBody>
@@ -6647,23 +10128,151 @@
         </p:nvSpPr>
         <p:spPr>
           <a:xfrm>
-            <a:off x="893523" y="804519"/>
-            <a:ext cx="3160501" cy="4431360"/>
-          </a:xfrm>
-        </p:spPr>
-        <p:txBody>
-          <a:bodyPr vert="horz" lIns="91440" tIns="45720" rIns="91440" bIns="45720" rtlCol="0" anchor="ctr">
+            <a:off x="1776730" y="4459039"/>
+            <a:ext cx="7831992" cy="551528"/>
+          </a:xfrm>
+        </p:spPr>
+        <p:txBody>
+          <a:bodyPr vert="horz" lIns="91440" tIns="45720" rIns="91440" bIns="0" rtlCol="0" anchor="b">
             <a:normAutofit/>
           </a:bodyPr>
           <a:lstStyle/>
           <a:p>
             <a:r>
-              <a:rPr lang="en-US" dirty="0"/>
+              <a:rPr lang="en-US" sz="3600"/>
               <a:t>Entity-Relationship-Modell</a:t>
             </a:r>
           </a:p>
         </p:txBody>
       </p:sp>
+      <p:pic>
+        <p:nvPicPr>
+          <p:cNvPr id="3" name="Grafik 2">
+            <a:extLst>
+              <a:ext uri="{FF2B5EF4-FFF2-40B4-BE49-F238E27FC236}">
+                <a16:creationId xmlns:a16="http://schemas.microsoft.com/office/drawing/2014/main" id="{10B284FA-BC1A-4749-BC1C-25F65CB768EE}"/>
+              </a:ext>
+            </a:extLst>
+          </p:cNvPr>
+          <p:cNvPicPr>
+            <a:picLocks noChangeAspect="1"/>
+          </p:cNvPicPr>
+          <p:nvPr/>
+        </p:nvPicPr>
+        <p:blipFill>
+          <a:blip r:embed="rId4"/>
+          <a:stretch>
+            <a:fillRect/>
+          </a:stretch>
+        </p:blipFill>
+        <p:spPr>
+          <a:xfrm>
+            <a:off x="2189325" y="643992"/>
+            <a:ext cx="7812224" cy="3652214"/>
+          </a:xfrm>
+          <a:prstGeom prst="rect">
+            <a:avLst/>
+          </a:prstGeom>
+        </p:spPr>
+      </p:pic>
+      <p:pic>
+        <p:nvPicPr>
+          <p:cNvPr id="43" name="Picture 42">
+            <a:extLst>
+              <a:ext uri="{FF2B5EF4-FFF2-40B4-BE49-F238E27FC236}">
+                <a16:creationId xmlns:a16="http://schemas.microsoft.com/office/drawing/2014/main" id="{CEE4ADBF-AAD6-433C-B72E-C603B9BBB310}"/>
+              </a:ext>
+              <a:ext uri="{C183D7F6-B498-43B3-948B-1728B52AA6E4}">
+                <adec:decorative xmlns:adec="http://schemas.microsoft.com/office/drawing/2017/decorative" val="1"/>
+              </a:ext>
+            </a:extLst>
+          </p:cNvPr>
+          <p:cNvPicPr>
+            <a:picLocks noGrp="1" noRot="1" noChangeAspect="1" noMove="1" noResize="1" noEditPoints="1" noAdjustHandles="1" noChangeArrowheads="1" noChangeShapeType="1" noCrop="1"/>
+          </p:cNvPicPr>
+          <p:nvPr>
+            <p:extLst>
+              <p:ext uri="{386F3935-93C4-4BCD-93E2-E3B085C9AB24}">
+                <p16:designElem xmlns:p16="http://schemas.microsoft.com/office/powerpoint/2015/main" val="1"/>
+              </p:ext>
+            </p:extLst>
+          </p:nvPr>
+        </p:nvPicPr>
+        <p:blipFill rotWithShape="1">
+          <a:blip r:embed="rId2">
+            <a:extLst>
+              <a:ext uri="{28A0092B-C50C-407E-A947-70E740481C1C}">
+                <a14:useLocalDpi xmlns:a14="http://schemas.microsoft.com/office/drawing/2010/main" val="0"/>
+              </a:ext>
+            </a:extLst>
+          </a:blip>
+          <a:srcRect t="1538" b="-1538"/>
+          <a:stretch/>
+        </p:blipFill>
+        <p:spPr>
+          <a:xfrm>
+            <a:off x="0" y="6119336"/>
+            <a:ext cx="12192000" cy="742950"/>
+          </a:xfrm>
+          <a:prstGeom prst="rect">
+            <a:avLst/>
+          </a:prstGeom>
+        </p:spPr>
+      </p:pic>
+      <p:cxnSp>
+        <p:nvCxnSpPr>
+          <p:cNvPr id="45" name="Straight Connector 44">
+            <a:extLst>
+              <a:ext uri="{FF2B5EF4-FFF2-40B4-BE49-F238E27FC236}">
+                <a16:creationId xmlns:a16="http://schemas.microsoft.com/office/drawing/2014/main" id="{9452C429-B9DA-48BE-B0C7-09AE24872828}"/>
+              </a:ext>
+              <a:ext uri="{C183D7F6-B498-43B3-948B-1728B52AA6E4}">
+                <adec:decorative xmlns:adec="http://schemas.microsoft.com/office/drawing/2017/decorative" val="1"/>
+              </a:ext>
+            </a:extLst>
+          </p:cNvPr>
+          <p:cNvCxnSpPr>
+            <a:cxnSpLocks noGrp="1" noRot="1" noChangeAspect="1" noMove="1" noResize="1" noEditPoints="1" noAdjustHandles="1" noChangeArrowheads="1" noChangeShapeType="1"/>
+          </p:cNvCxnSpPr>
+          <p:nvPr>
+            <p:extLst>
+              <p:ext uri="{386F3935-93C4-4BCD-93E2-E3B085C9AB24}">
+                <p16:designElem xmlns:p16="http://schemas.microsoft.com/office/powerpoint/2015/main" val="1"/>
+              </p:ext>
+            </p:extLst>
+          </p:nvPr>
+        </p:nvCxnSpPr>
+        <p:spPr>
+          <a:xfrm>
+            <a:off x="0" y="6121269"/>
+            <a:ext cx="12192000" cy="0"/>
+          </a:xfrm>
+          <a:prstGeom prst="line">
+            <a:avLst/>
+          </a:prstGeom>
+          <a:ln w="12700">
+            <a:solidFill>
+              <a:srgbClr val="000001">
+                <a:alpha val="20000"/>
+              </a:srgbClr>
+            </a:solidFill>
+          </a:ln>
+        </p:spPr>
+        <p:style>
+          <a:lnRef idx="1">
+            <a:schemeClr val="accent1"/>
+          </a:lnRef>
+          <a:fillRef idx="0">
+            <a:schemeClr val="accent1"/>
+          </a:fillRef>
+          <a:effectRef idx="0">
+            <a:schemeClr val="accent1"/>
+          </a:effectRef>
+          <a:fontRef idx="minor">
+            <a:schemeClr val="tx1"/>
+          </a:fontRef>
+        </p:style>
+      </p:cxnSp>
     </p:spTree>
     <p:extLst>
       <p:ext uri="{BB962C8B-B14F-4D97-AF65-F5344CB8AC3E}">
@@ -6672,7 +10281,7 @@
     </p:extLst>
   </p:cSld>
   <p:clrMapOvr>
-    <a:overrideClrMapping bg1="dk1" tx1="lt1" bg2="dk2" tx2="lt2" accent1="accent1" accent2="accent2" accent3="accent3" accent4="accent4" accent5="accent5" accent6="accent6" hlink="hlink" folHlink="folHlink"/>
+    <a:masterClrMapping/>
   </p:clrMapOvr>
 </p:sld>
 </file>
@@ -7204,9 +10813,10 @@
           <a:lstStyle/>
           <a:p>
             <a:r>
-              <a:rPr lang="en-US" dirty="0"/>
+              <a:rPr lang="en-US"/>
               <a:t>Mockups</a:t>
             </a:r>
+            <a:endParaRPr lang="en-US" dirty="0"/>
           </a:p>
         </p:txBody>
       </p:sp>

--- a/Fragebogen zum Status der Bauqualität.pptx
+++ b/Fragebogen zum Status der Bauqualität.pptx
@@ -16,12 +16,21 @@
     <p:sldId id="264" r:id="rId10"/>
     <p:sldId id="265" r:id="rId11"/>
     <p:sldId id="273" r:id="rId12"/>
-    <p:sldId id="268" r:id="rId13"/>
-    <p:sldId id="270" r:id="rId14"/>
-    <p:sldId id="269" r:id="rId15"/>
-    <p:sldId id="271" r:id="rId16"/>
-    <p:sldId id="272" r:id="rId17"/>
-    <p:sldId id="266" r:id="rId18"/>
+    <p:sldId id="280" r:id="rId13"/>
+    <p:sldId id="268" r:id="rId14"/>
+    <p:sldId id="270" r:id="rId15"/>
+    <p:sldId id="269" r:id="rId16"/>
+    <p:sldId id="271" r:id="rId17"/>
+    <p:sldId id="272" r:id="rId18"/>
+    <p:sldId id="274" r:id="rId19"/>
+    <p:sldId id="275" r:id="rId20"/>
+    <p:sldId id="276" r:id="rId21"/>
+    <p:sldId id="277" r:id="rId22"/>
+    <p:sldId id="278" r:id="rId23"/>
+    <p:sldId id="279" r:id="rId24"/>
+    <p:sldId id="281" r:id="rId25"/>
+    <p:sldId id="282" r:id="rId26"/>
+    <p:sldId id="266" r:id="rId27"/>
   </p:sldIdLst>
   <p:sldSz cx="12192000" cy="6858000"/>
   <p:notesSz cx="6858000" cy="9144000"/>
@@ -4862,16 +4871,15 @@
         <a:gradFill rotWithShape="1">
           <a:gsLst>
             <a:gs pos="0">
-              <a:schemeClr val="bg1">
+              <a:schemeClr val="bg2">
                 <a:tint val="94000"/>
                 <a:satMod val="80000"/>
                 <a:lumMod val="106000"/>
               </a:schemeClr>
             </a:gs>
             <a:gs pos="100000">
-              <a:schemeClr val="bg1">
+              <a:schemeClr val="bg2">
                 <a:shade val="80000"/>
-                <a:lumMod val="108000"/>
               </a:schemeClr>
             </a:gs>
           </a:gsLst>
@@ -4896,21 +4904,21 @@
           <a:chExt cx="0" cy="0"/>
         </a:xfrm>
       </p:grpSpPr>
-      <p:pic>
-        <p:nvPicPr>
-          <p:cNvPr id="12" name="Picture 11">
-            <a:extLst>
-              <a:ext uri="{FF2B5EF4-FFF2-40B4-BE49-F238E27FC236}">
-                <a16:creationId xmlns:a16="http://schemas.microsoft.com/office/drawing/2014/main" id="{E8690AC4-C9C4-4944-A98C-B1D32992D60B}"/>
+      <p:sp>
+        <p:nvSpPr>
+          <p:cNvPr id="10" name="Rectangle 9">
+            <a:extLst>
+              <a:ext uri="{FF2B5EF4-FFF2-40B4-BE49-F238E27FC236}">
+                <a16:creationId xmlns:a16="http://schemas.microsoft.com/office/drawing/2014/main" id="{CDDE5CDF-1512-4CDA-B956-23D223F8DE44}"/>
               </a:ext>
               <a:ext uri="{C183D7F6-B498-43B3-948B-1728B52AA6E4}">
                 <adec:decorative xmlns:adec="http://schemas.microsoft.com/office/drawing/2017/decorative" val="1"/>
               </a:ext>
             </a:extLst>
           </p:cNvPr>
-          <p:cNvPicPr>
-            <a:picLocks noGrp="1" noRot="1" noChangeAspect="1" noMove="1" noResize="1" noEditPoints="1" noAdjustHandles="1" noChangeArrowheads="1" noChangeShapeType="1" noCrop="1"/>
-          </p:cNvPicPr>
+          <p:cNvSpPr>
+            <a:spLocks noGrp="1" noRot="1" noChangeAspect="1" noMove="1" noResize="1" noEditPoints="1" noAdjustHandles="1" noChangeArrowheads="1" noChangeShapeType="1" noTextEdit="1"/>
+          </p:cNvSpPr>
           <p:nvPr>
             <p:extLst>
               <p:ext uri="{386F3935-93C4-4BCD-93E2-E3B085C9AB24}">
@@ -4918,55 +4926,11 @@
               </p:ext>
             </p:extLst>
           </p:nvPr>
-        </p:nvPicPr>
-        <p:blipFill rotWithShape="1">
-          <a:blip r:embed="rId2">
-            <a:extLst>
-              <a:ext uri="{28A0092B-C50C-407E-A947-70E740481C1C}">
-                <a14:useLocalDpi xmlns:a14="http://schemas.microsoft.com/office/drawing/2010/main" val="0"/>
-              </a:ext>
-            </a:extLst>
-          </a:blip>
-          <a:srcRect t="1538" b="-1538"/>
-          <a:stretch/>
-        </p:blipFill>
-        <p:spPr>
-          <a:xfrm>
-            <a:off x="0" y="6119336"/>
-            <a:ext cx="12192000" cy="742950"/>
-          </a:xfrm>
-          <a:prstGeom prst="rect">
-            <a:avLst/>
-          </a:prstGeom>
-        </p:spPr>
-      </p:pic>
-      <p:sp>
-        <p:nvSpPr>
-          <p:cNvPr id="14" name="Rectangle 13">
-            <a:extLst>
-              <a:ext uri="{FF2B5EF4-FFF2-40B4-BE49-F238E27FC236}">
-                <a16:creationId xmlns:a16="http://schemas.microsoft.com/office/drawing/2014/main" id="{86F828BE-4D4E-43F9-AC35-0209B5190C05}"/>
-              </a:ext>
-              <a:ext uri="{C183D7F6-B498-43B3-948B-1728B52AA6E4}">
-                <adec:decorative xmlns:adec="http://schemas.microsoft.com/office/drawing/2017/decorative" val="1"/>
-              </a:ext>
-            </a:extLst>
-          </p:cNvPr>
-          <p:cNvSpPr>
-            <a:spLocks noGrp="1" noRot="1" noChangeAspect="1" noMove="1" noResize="1" noEditPoints="1" noAdjustHandles="1" noChangeArrowheads="1" noChangeShapeType="1" noTextEdit="1"/>
-          </p:cNvSpPr>
-          <p:nvPr>
-            <p:extLst>
-              <p:ext uri="{386F3935-93C4-4BCD-93E2-E3B085C9AB24}">
-                <p16:designElem xmlns:p16="http://schemas.microsoft.com/office/powerpoint/2015/main" val="1"/>
-              </p:ext>
-            </p:extLst>
-          </p:nvPr>
-        </p:nvSpPr>
-        <p:spPr>
-          <a:xfrm>
-            <a:off x="0" y="468769"/>
-            <a:ext cx="12192000" cy="5647024"/>
+        </p:nvSpPr>
+        <p:spPr>
+          <a:xfrm>
+            <a:off x="0" y="2019476"/>
+            <a:ext cx="12192000" cy="4105941"/>
           </a:xfrm>
           <a:prstGeom prst="rect">
             <a:avLst/>
@@ -4976,14 +4940,10 @@
               <a:gs pos="0">
                 <a:schemeClr val="bg2">
                   <a:alpha val="0"/>
-                  <a:lumMod val="100000"/>
                 </a:schemeClr>
               </a:gs>
               <a:gs pos="100000">
-                <a:schemeClr val="bg2">
-                  <a:lumMod val="95000"/>
-                  <a:lumOff val="5000"/>
-                </a:schemeClr>
+                <a:schemeClr val="bg2"/>
               </a:gs>
             </a:gsLst>
             <a:lin ang="5400000" scaled="0"/>
@@ -5010,21 +4970,21 @@
           </a:fontRef>
         </p:style>
       </p:sp>
-      <p:cxnSp>
-        <p:nvCxnSpPr>
-          <p:cNvPr id="16" name="Straight Connector 15">
-            <a:extLst>
-              <a:ext uri="{FF2B5EF4-FFF2-40B4-BE49-F238E27FC236}">
-                <a16:creationId xmlns:a16="http://schemas.microsoft.com/office/drawing/2014/main" id="{10BAB604-20D4-431F-ADD8-754BB7992A43}"/>
+      <p:pic>
+        <p:nvPicPr>
+          <p:cNvPr id="12" name="Picture 11">
+            <a:extLst>
+              <a:ext uri="{FF2B5EF4-FFF2-40B4-BE49-F238E27FC236}">
+                <a16:creationId xmlns:a16="http://schemas.microsoft.com/office/drawing/2014/main" id="{B029D7D8-5A6B-4C76-94C8-15798C6C5ADB}"/>
               </a:ext>
               <a:ext uri="{C183D7F6-B498-43B3-948B-1728B52AA6E4}">
                 <adec:decorative xmlns:adec="http://schemas.microsoft.com/office/drawing/2017/decorative" val="1"/>
               </a:ext>
             </a:extLst>
           </p:cNvPr>
-          <p:cNvCxnSpPr>
-            <a:cxnSpLocks noGrp="1" noRot="1" noChangeAspect="1" noMove="1" noResize="1" noEditPoints="1" noAdjustHandles="1" noChangeArrowheads="1" noChangeShapeType="1"/>
-          </p:cNvCxnSpPr>
+          <p:cNvPicPr>
+            <a:picLocks noGrp="1" noRot="1" noChangeAspect="1" noMove="1" noResize="1" noEditPoints="1" noAdjustHandles="1" noChangeArrowheads="1" noChangeShapeType="1" noCrop="1"/>
+          </p:cNvPicPr>
           <p:nvPr>
             <p:extLst>
               <p:ext uri="{386F3935-93C4-4BCD-93E2-E3B085C9AB24}">
@@ -5032,10 +4992,54 @@
               </p:ext>
             </p:extLst>
           </p:nvPr>
+        </p:nvPicPr>
+        <p:blipFill rotWithShape="1">
+          <a:blip r:embed="rId2">
+            <a:extLst>
+              <a:ext uri="{28A0092B-C50C-407E-A947-70E740481C1C}">
+                <a14:useLocalDpi xmlns:a14="http://schemas.microsoft.com/office/drawing/2010/main" val="0"/>
+              </a:ext>
+            </a:extLst>
+          </a:blip>
+          <a:srcRect t="1538" b="-1538"/>
+          <a:stretch/>
+        </p:blipFill>
+        <p:spPr bwMode="black">
+          <a:xfrm>
+            <a:off x="0" y="6126480"/>
+            <a:ext cx="12192000" cy="742950"/>
+          </a:xfrm>
+          <a:prstGeom prst="rect">
+            <a:avLst/>
+          </a:prstGeom>
+        </p:spPr>
+      </p:pic>
+      <p:cxnSp>
+        <p:nvCxnSpPr>
+          <p:cNvPr id="14" name="Straight Connector 13">
+            <a:extLst>
+              <a:ext uri="{FF2B5EF4-FFF2-40B4-BE49-F238E27FC236}">
+                <a16:creationId xmlns:a16="http://schemas.microsoft.com/office/drawing/2014/main" id="{A5C9319C-E20D-4884-952F-60B6A58C3E34}"/>
+              </a:ext>
+              <a:ext uri="{C183D7F6-B498-43B3-948B-1728B52AA6E4}">
+                <adec:decorative xmlns:adec="http://schemas.microsoft.com/office/drawing/2017/decorative" val="1"/>
+              </a:ext>
+            </a:extLst>
+          </p:cNvPr>
+          <p:cNvCxnSpPr>
+            <a:cxnSpLocks noGrp="1" noRot="1" noChangeAspect="1" noMove="1" noResize="1" noEditPoints="1" noAdjustHandles="1" noChangeArrowheads="1" noChangeShapeType="1"/>
+          </p:cNvCxnSpPr>
+          <p:nvPr>
+            <p:extLst>
+              <p:ext uri="{386F3935-93C4-4BCD-93E2-E3B085C9AB24}">
+                <p16:designElem xmlns:p16="http://schemas.microsoft.com/office/powerpoint/2015/main" val="1"/>
+              </p:ext>
+            </p:extLst>
+          </p:nvPr>
         </p:nvCxnSpPr>
         <p:spPr>
           <a:xfrm>
-            <a:off x="0" y="6121269"/>
+            <a:off x="0" y="6128413"/>
             <a:ext cx="12192000" cy="0"/>
           </a:xfrm>
           <a:prstGeom prst="line">
@@ -5064,21 +5068,21 @@
           </a:fontRef>
         </p:style>
       </p:cxnSp>
-      <p:pic>
-        <p:nvPicPr>
-          <p:cNvPr id="18" name="Picture 17">
-            <a:extLst>
-              <a:ext uri="{FF2B5EF4-FFF2-40B4-BE49-F238E27FC236}">
-                <a16:creationId xmlns:a16="http://schemas.microsoft.com/office/drawing/2014/main" id="{C821979E-9A93-4880-80B5-D60B75C19185}"/>
+      <p:sp useBgFill="1">
+        <p:nvSpPr>
+          <p:cNvPr id="16" name="Rectangle 15">
+            <a:extLst>
+              <a:ext uri="{FF2B5EF4-FFF2-40B4-BE49-F238E27FC236}">
+                <a16:creationId xmlns:a16="http://schemas.microsoft.com/office/drawing/2014/main" id="{882C17D0-0115-4E43-AF4A-3BA36E80919D}"/>
               </a:ext>
               <a:ext uri="{C183D7F6-B498-43B3-948B-1728B52AA6E4}">
                 <adec:decorative xmlns:adec="http://schemas.microsoft.com/office/drawing/2017/decorative" val="1"/>
               </a:ext>
             </a:extLst>
           </p:cNvPr>
-          <p:cNvPicPr>
-            <a:picLocks noGrp="1" noRot="1" noChangeAspect="1" noMove="1" noResize="1" noEditPoints="1" noAdjustHandles="1" noChangeArrowheads="1" noChangeShapeType="1" noCrop="1"/>
-          </p:cNvPicPr>
+          <p:cNvSpPr>
+            <a:spLocks noGrp="1" noRot="1" noChangeAspect="1" noMove="1" noResize="1" noEditPoints="1" noAdjustHandles="1" noChangeArrowheads="1" noChangeShapeType="1" noTextEdit="1"/>
+          </p:cNvSpPr>
           <p:nvPr>
             <p:extLst>
               <p:ext uri="{386F3935-93C4-4BCD-93E2-E3B085C9AB24}">
@@ -5086,66 +5090,11 @@
               </p:ext>
             </p:extLst>
           </p:nvPr>
-        </p:nvPicPr>
-        <p:blipFill rotWithShape="1">
-          <a:blip r:embed="rId3">
-            <a:duotone>
-              <a:schemeClr val="accent1">
-                <a:shade val="45000"/>
-                <a:satMod val="135000"/>
-              </a:schemeClr>
-              <a:prstClr val="white"/>
-            </a:duotone>
-            <a:extLst>
-              <a:ext uri="{28A0092B-C50C-407E-A947-70E740481C1C}">
-                <a14:useLocalDpi xmlns:a14="http://schemas.microsoft.com/office/drawing/2010/main" val="0"/>
-              </a:ext>
-            </a:extLst>
-          </a:blip>
-          <a:srcRect l="-115" r="15828" b="36435"/>
-          <a:stretch/>
-        </p:blipFill>
-        <p:spPr>
-          <a:xfrm>
-            <a:off x="1125460" y="643464"/>
-            <a:ext cx="9610344" cy="155448"/>
-          </a:xfrm>
-          <a:prstGeom prst="rect">
-            <a:avLst/>
-          </a:prstGeom>
-          <a:noFill/>
-          <a:ln>
-            <a:noFill/>
-          </a:ln>
-        </p:spPr>
-      </p:pic>
-      <p:sp useBgFill="1">
-        <p:nvSpPr>
-          <p:cNvPr id="20" name="Rectangle 19">
-            <a:extLst>
-              <a:ext uri="{FF2B5EF4-FFF2-40B4-BE49-F238E27FC236}">
-                <a16:creationId xmlns:a16="http://schemas.microsoft.com/office/drawing/2014/main" id="{D3F196F4-A988-40DF-899A-EC29C422142B}"/>
-              </a:ext>
-              <a:ext uri="{C183D7F6-B498-43B3-948B-1728B52AA6E4}">
-                <adec:decorative xmlns:adec="http://schemas.microsoft.com/office/drawing/2017/decorative" val="1"/>
-              </a:ext>
-            </a:extLst>
-          </p:cNvPr>
-          <p:cNvSpPr>
-            <a:spLocks noGrp="1" noRot="1" noChangeAspect="1" noMove="1" noResize="1" noEditPoints="1" noAdjustHandles="1" noChangeArrowheads="1" noChangeShapeType="1" noTextEdit="1"/>
-          </p:cNvSpPr>
-          <p:nvPr>
-            <p:extLst>
-              <p:ext uri="{386F3935-93C4-4BCD-93E2-E3B085C9AB24}">
-                <p16:designElem xmlns:p16="http://schemas.microsoft.com/office/powerpoint/2015/main" val="1"/>
-              </p:ext>
-            </p:extLst>
-          </p:nvPr>
-        </p:nvSpPr>
-        <p:spPr>
-          <a:xfrm>
-            <a:off x="2" y="0"/>
-            <a:ext cx="12191695" cy="6858000"/>
+        </p:nvSpPr>
+        <p:spPr>
+          <a:xfrm>
+            <a:off x="0" y="0"/>
+            <a:ext cx="12192000" cy="6858000"/>
           </a:xfrm>
           <a:prstGeom prst="rect">
             <a:avLst/>
@@ -5181,10 +5130,10 @@
       </p:sp>
       <p:sp>
         <p:nvSpPr>
-          <p:cNvPr id="22" name="Rectangle 21">
-            <a:extLst>
-              <a:ext uri="{FF2B5EF4-FFF2-40B4-BE49-F238E27FC236}">
-                <a16:creationId xmlns:a16="http://schemas.microsoft.com/office/drawing/2014/main" id="{4B8B3238-C65F-4148-9B84-4D22282CFA6E}"/>
+          <p:cNvPr id="18" name="Rectangle 17">
+            <a:extLst>
+              <a:ext uri="{FF2B5EF4-FFF2-40B4-BE49-F238E27FC236}">
+                <a16:creationId xmlns:a16="http://schemas.microsoft.com/office/drawing/2014/main" id="{A2982B51-6FEC-4000-8197-30B2EE78ADE0}"/>
               </a:ext>
               <a:ext uri="{C183D7F6-B498-43B3-948B-1728B52AA6E4}">
                 <adec:decorative xmlns:adec="http://schemas.microsoft.com/office/drawing/2017/decorative" val="1"/>
@@ -5204,44 +5153,49 @@
         </p:nvSpPr>
         <p:spPr>
           <a:xfrm>
-            <a:off x="0" y="468769"/>
-            <a:ext cx="12192000" cy="5647024"/>
+            <a:off x="805094" y="783768"/>
+            <a:ext cx="10581813" cy="5290464"/>
           </a:xfrm>
           <a:prstGeom prst="rect">
             <a:avLst/>
           </a:prstGeom>
-          <a:gradFill flip="none" rotWithShape="1">
+          <a:gradFill>
             <a:gsLst>
               <a:gs pos="0">
-                <a:schemeClr val="bg2">
-                  <a:alpha val="0"/>
-                  <a:lumMod val="100000"/>
-                </a:schemeClr>
+                <a:srgbClr val="000001"/>
               </a:gs>
               <a:gs pos="100000">
-                <a:schemeClr val="bg2">
-                  <a:lumMod val="95000"/>
-                  <a:lumOff val="5000"/>
-                </a:schemeClr>
+                <a:srgbClr val="191919"/>
               </a:gs>
             </a:gsLst>
-            <a:lin ang="5400000" scaled="0"/>
-            <a:tileRect/>
           </a:gradFill>
-          <a:ln>
+          <a:ln w="76200" cmpd="sng">
             <a:noFill/>
+            <a:miter lim="800000"/>
           </a:ln>
+          <a:effectLst>
+            <a:outerShdw blurRad="127000" dist="228600" dir="4740000" sx="98000" sy="98000" algn="tl" rotWithShape="0">
+              <a:srgbClr val="000000">
+                <a:alpha val="34000"/>
+              </a:srgbClr>
+            </a:outerShdw>
+          </a:effectLst>
+          <a:scene3d>
+            <a:camera prst="orthographicFront"/>
+            <a:lightRig rig="threePt" dir="t"/>
+          </a:scene3d>
+          <a:sp3d>
+            <a:bevelT w="152400" h="50800" prst="softRound"/>
+          </a:sp3d>
         </p:spPr>
         <p:style>
-          <a:lnRef idx="2">
-            <a:schemeClr val="accent1">
-              <a:shade val="50000"/>
-            </a:schemeClr>
+          <a:lnRef idx="1">
+            <a:schemeClr val="accent1"/>
           </a:lnRef>
-          <a:fillRef idx="1">
+          <a:fillRef idx="3">
             <a:schemeClr val="accent1"/>
           </a:fillRef>
-          <a:effectRef idx="0">
+          <a:effectRef idx="2">
             <a:schemeClr val="accent1"/>
           </a:effectRef>
           <a:fontRef idx="minor">
@@ -5259,45 +5213,96 @@
       </p:sp>
       <p:sp>
         <p:nvSpPr>
-          <p:cNvPr id="2" name="Titel 1">
-            <a:extLst>
-              <a:ext uri="{FF2B5EF4-FFF2-40B4-BE49-F238E27FC236}">
-                <a16:creationId xmlns:a16="http://schemas.microsoft.com/office/drawing/2014/main" id="{152EC8D9-DBB7-4C0D-964D-F3437F7CC9D5}"/>
-              </a:ext>
-            </a:extLst>
-          </p:cNvPr>
-          <p:cNvSpPr>
-            <a:spLocks noGrp="1"/>
-          </p:cNvSpPr>
-          <p:nvPr>
-            <p:ph type="title"/>
-          </p:nvPr>
-        </p:nvSpPr>
-        <p:spPr>
-          <a:xfrm>
-            <a:off x="2014636" y="5043027"/>
-            <a:ext cx="7831992" cy="551528"/>
-          </a:xfrm>
-        </p:spPr>
+          <p:cNvPr id="26" name="Rectangle 19">
+            <a:extLst>
+              <a:ext uri="{FF2B5EF4-FFF2-40B4-BE49-F238E27FC236}">
+                <a16:creationId xmlns:a16="http://schemas.microsoft.com/office/drawing/2014/main" id="{E5DFB8AC-1A2A-4330-B50D-AAE63C682328}"/>
+              </a:ext>
+              <a:ext uri="{C183D7F6-B498-43B3-948B-1728B52AA6E4}">
+                <adec:decorative xmlns:adec="http://schemas.microsoft.com/office/drawing/2017/decorative" val="1"/>
+              </a:ext>
+            </a:extLst>
+          </p:cNvPr>
+          <p:cNvSpPr>
+            <a:spLocks noGrp="1" noRot="1" noChangeAspect="1" noMove="1" noResize="1" noEditPoints="1" noAdjustHandles="1" noChangeArrowheads="1" noChangeShapeType="1" noTextEdit="1"/>
+          </p:cNvSpPr>
+          <p:nvPr>
+            <p:extLst>
+              <p:ext uri="{386F3935-93C4-4BCD-93E2-E3B085C9AB24}">
+                <p16:designElem xmlns:p16="http://schemas.microsoft.com/office/powerpoint/2015/main" val="1"/>
+              </p:ext>
+            </p:extLst>
+          </p:nvPr>
+        </p:nvSpPr>
+        <p:spPr>
+          <a:xfrm>
+            <a:off x="1043940" y="1019556"/>
+            <a:ext cx="10104120" cy="4818888"/>
+          </a:xfrm>
+          <a:prstGeom prst="rect">
+            <a:avLst/>
+          </a:prstGeom>
+          <a:gradFill>
+            <a:gsLst>
+              <a:gs pos="0">
+                <a:srgbClr val="DADADA"/>
+              </a:gs>
+              <a:gs pos="100000">
+                <a:srgbClr val="FFFFFE"/>
+              </a:gs>
+            </a:gsLst>
+            <a:lin ang="16200000" scaled="0"/>
+          </a:gradFill>
+          <a:ln w="50800" cmpd="sng">
+            <a:solidFill>
+              <a:srgbClr val="191919"/>
+            </a:solidFill>
+            <a:miter lim="800000"/>
+          </a:ln>
+          <a:effectLst>
+            <a:innerShdw blurRad="63500" dist="88900" dir="14100000">
+              <a:srgbClr val="000000">
+                <a:alpha val="30000"/>
+              </a:srgbClr>
+            </a:innerShdw>
+          </a:effectLst>
+          <a:scene3d>
+            <a:camera prst="orthographicFront"/>
+            <a:lightRig rig="threePt" dir="t"/>
+          </a:scene3d>
+          <a:sp3d>
+            <a:bevelT prst="relaxedInset"/>
+          </a:sp3d>
+        </p:spPr>
+        <p:style>
+          <a:lnRef idx="1">
+            <a:schemeClr val="accent1"/>
+          </a:lnRef>
+          <a:fillRef idx="3">
+            <a:schemeClr val="accent1"/>
+          </a:fillRef>
+          <a:effectRef idx="2">
+            <a:schemeClr val="accent1"/>
+          </a:effectRef>
+          <a:fontRef idx="minor">
+            <a:schemeClr val="lt1"/>
+          </a:fontRef>
+        </p:style>
         <p:txBody>
-          <a:bodyPr vert="horz" lIns="91440" tIns="45720" rIns="91440" bIns="0" rtlCol="0" anchor="b">
-            <a:normAutofit/>
-          </a:bodyPr>
+          <a:bodyPr rtlCol="0" anchor="ctr"/>
           <a:lstStyle/>
           <a:p>
-            <a:r>
-              <a:rPr lang="en-US" sz="3600" dirty="0"/>
-              <a:t>HTML-Checkbox</a:t>
-            </a:r>
+            <a:pPr algn="ctr"/>
+            <a:endParaRPr lang="en-US"/>
           </a:p>
         </p:txBody>
       </p:sp>
       <p:pic>
         <p:nvPicPr>
-          <p:cNvPr id="7" name="Grafik 6">
-            <a:extLst>
-              <a:ext uri="{FF2B5EF4-FFF2-40B4-BE49-F238E27FC236}">
-                <a16:creationId xmlns:a16="http://schemas.microsoft.com/office/drawing/2014/main" id="{9293DCFA-AC6E-493E-9E92-646A43923ED7}"/>
+          <p:cNvPr id="5" name="Grafik 4">
+            <a:extLst>
+              <a:ext uri="{FF2B5EF4-FFF2-40B4-BE49-F238E27FC236}">
+                <a16:creationId xmlns:a16="http://schemas.microsoft.com/office/drawing/2014/main" id="{D7167C34-5406-4EAD-9C15-A37EE7F68CFC}"/>
               </a:ext>
             </a:extLst>
           </p:cNvPr>
@@ -5307,153 +5312,25 @@
           <p:nvPr/>
         </p:nvPicPr>
         <p:blipFill>
-          <a:blip r:embed="rId4"/>
+          <a:blip r:embed="rId3"/>
           <a:stretch>
             <a:fillRect/>
           </a:stretch>
         </p:blipFill>
         <p:spPr>
           <a:xfrm>
-            <a:off x="7688887" y="1392825"/>
-            <a:ext cx="4426814" cy="3583213"/>
+            <a:off x="3391270" y="1339596"/>
+            <a:ext cx="5409460" cy="4178808"/>
           </a:xfrm>
           <a:prstGeom prst="rect">
             <a:avLst/>
           </a:prstGeom>
         </p:spPr>
       </p:pic>
-      <p:pic>
-        <p:nvPicPr>
-          <p:cNvPr id="5" name="Grafik 4">
-            <a:extLst>
-              <a:ext uri="{FF2B5EF4-FFF2-40B4-BE49-F238E27FC236}">
-                <a16:creationId xmlns:a16="http://schemas.microsoft.com/office/drawing/2014/main" id="{EF7FAFA2-E7C8-4259-94E6-A647419C2B93}"/>
-              </a:ext>
-            </a:extLst>
-          </p:cNvPr>
-          <p:cNvPicPr>
-            <a:picLocks noChangeAspect="1"/>
-          </p:cNvPicPr>
-          <p:nvPr/>
-        </p:nvPicPr>
-        <p:blipFill>
-          <a:blip r:embed="rId5"/>
-          <a:stretch>
-            <a:fillRect/>
-          </a:stretch>
-        </p:blipFill>
-        <p:spPr>
-          <a:xfrm>
-            <a:off x="81001" y="852330"/>
-            <a:ext cx="7531890" cy="4123708"/>
-          </a:xfrm>
-          <a:prstGeom prst="rect">
-            <a:avLst/>
-          </a:prstGeom>
-        </p:spPr>
-      </p:pic>
-      <p:pic>
-        <p:nvPicPr>
-          <p:cNvPr id="24" name="Picture 23">
-            <a:extLst>
-              <a:ext uri="{FF2B5EF4-FFF2-40B4-BE49-F238E27FC236}">
-                <a16:creationId xmlns:a16="http://schemas.microsoft.com/office/drawing/2014/main" id="{CFDC6AB1-03A5-4D20-ACE0-4957616E748C}"/>
-              </a:ext>
-              <a:ext uri="{C183D7F6-B498-43B3-948B-1728B52AA6E4}">
-                <adec:decorative xmlns:adec="http://schemas.microsoft.com/office/drawing/2017/decorative" val="1"/>
-              </a:ext>
-            </a:extLst>
-          </p:cNvPr>
-          <p:cNvPicPr>
-            <a:picLocks noGrp="1" noRot="1" noChangeAspect="1" noMove="1" noResize="1" noEditPoints="1" noAdjustHandles="1" noChangeArrowheads="1" noChangeShapeType="1" noCrop="1"/>
-          </p:cNvPicPr>
-          <p:nvPr>
-            <p:extLst>
-              <p:ext uri="{386F3935-93C4-4BCD-93E2-E3B085C9AB24}">
-                <p16:designElem xmlns:p16="http://schemas.microsoft.com/office/powerpoint/2015/main" val="1"/>
-              </p:ext>
-            </p:extLst>
-          </p:nvPr>
-        </p:nvPicPr>
-        <p:blipFill rotWithShape="1">
-          <a:blip r:embed="rId2">
-            <a:extLst>
-              <a:ext uri="{28A0092B-C50C-407E-A947-70E740481C1C}">
-                <a14:useLocalDpi xmlns:a14="http://schemas.microsoft.com/office/drawing/2010/main" val="0"/>
-              </a:ext>
-            </a:extLst>
-          </a:blip>
-          <a:srcRect t="1538" b="-1538"/>
-          <a:stretch/>
-        </p:blipFill>
-        <p:spPr>
-          <a:xfrm>
-            <a:off x="0" y="6119336"/>
-            <a:ext cx="12192000" cy="742950"/>
-          </a:xfrm>
-          <a:prstGeom prst="rect">
-            <a:avLst/>
-          </a:prstGeom>
-        </p:spPr>
-      </p:pic>
-      <p:cxnSp>
-        <p:nvCxnSpPr>
-          <p:cNvPr id="26" name="Straight Connector 25">
-            <a:extLst>
-              <a:ext uri="{FF2B5EF4-FFF2-40B4-BE49-F238E27FC236}">
-                <a16:creationId xmlns:a16="http://schemas.microsoft.com/office/drawing/2014/main" id="{EB77A0BE-690A-4522-A429-39E717A173A5}"/>
-              </a:ext>
-              <a:ext uri="{C183D7F6-B498-43B3-948B-1728B52AA6E4}">
-                <adec:decorative xmlns:adec="http://schemas.microsoft.com/office/drawing/2017/decorative" val="1"/>
-              </a:ext>
-            </a:extLst>
-          </p:cNvPr>
-          <p:cNvCxnSpPr>
-            <a:cxnSpLocks noGrp="1" noRot="1" noChangeAspect="1" noMove="1" noResize="1" noEditPoints="1" noAdjustHandles="1" noChangeArrowheads="1" noChangeShapeType="1"/>
-          </p:cNvCxnSpPr>
-          <p:nvPr>
-            <p:extLst>
-              <p:ext uri="{386F3935-93C4-4BCD-93E2-E3B085C9AB24}">
-                <p16:designElem xmlns:p16="http://schemas.microsoft.com/office/powerpoint/2015/main" val="1"/>
-              </p:ext>
-            </p:extLst>
-          </p:nvPr>
-        </p:nvCxnSpPr>
-        <p:spPr>
-          <a:xfrm>
-            <a:off x="0" y="6121269"/>
-            <a:ext cx="12192000" cy="0"/>
-          </a:xfrm>
-          <a:prstGeom prst="line">
-            <a:avLst/>
-          </a:prstGeom>
-          <a:ln w="12700">
-            <a:solidFill>
-              <a:srgbClr val="000001">
-                <a:alpha val="20000"/>
-              </a:srgbClr>
-            </a:solidFill>
-          </a:ln>
-        </p:spPr>
-        <p:style>
-          <a:lnRef idx="1">
-            <a:schemeClr val="accent1"/>
-          </a:lnRef>
-          <a:fillRef idx="0">
-            <a:schemeClr val="accent1"/>
-          </a:fillRef>
-          <a:effectRef idx="0">
-            <a:schemeClr val="accent1"/>
-          </a:effectRef>
-          <a:fontRef idx="minor">
-            <a:schemeClr val="tx1"/>
-          </a:fontRef>
-        </p:style>
-      </p:cxnSp>
     </p:spTree>
     <p:extLst>
       <p:ext uri="{BB962C8B-B14F-4D97-AF65-F5344CB8AC3E}">
-        <p14:creationId xmlns:p14="http://schemas.microsoft.com/office/powerpoint/2010/main" val="2253530331"/>
+        <p14:creationId xmlns:p14="http://schemas.microsoft.com/office/powerpoint/2010/main" val="2241448029"/>
       </p:ext>
     </p:extLst>
   </p:cSld>
@@ -5871,7 +5748,7 @@
           <p:cNvPr id="2" name="Titel 1">
             <a:extLst>
               <a:ext uri="{FF2B5EF4-FFF2-40B4-BE49-F238E27FC236}">
-                <a16:creationId xmlns:a16="http://schemas.microsoft.com/office/drawing/2014/main" id="{C4783377-D45B-40D2-9789-11739981040B}"/>
+                <a16:creationId xmlns:a16="http://schemas.microsoft.com/office/drawing/2014/main" id="{152EC8D9-DBB7-4C0D-964D-F3437F7CC9D5}"/>
               </a:ext>
             </a:extLst>
           </p:cNvPr>
@@ -5884,7 +5761,7 @@
         </p:nvSpPr>
         <p:spPr>
           <a:xfrm>
-            <a:off x="2014636" y="5164507"/>
+            <a:off x="2014636" y="5043027"/>
             <a:ext cx="7831992" cy="551528"/>
           </a:xfrm>
         </p:spPr>
@@ -5896,7 +5773,7 @@
           <a:p>
             <a:r>
               <a:rPr lang="en-US" sz="3600" dirty="0"/>
-              <a:t>HTML-Radio button</a:t>
+              <a:t>HTML-Checkbox</a:t>
             </a:r>
           </a:p>
         </p:txBody>
@@ -5906,7 +5783,7 @@
           <p:cNvPr id="7" name="Grafik 6">
             <a:extLst>
               <a:ext uri="{FF2B5EF4-FFF2-40B4-BE49-F238E27FC236}">
-                <a16:creationId xmlns:a16="http://schemas.microsoft.com/office/drawing/2014/main" id="{934EBA0F-E430-4260-BF77-882A03A77514}"/>
+                <a16:creationId xmlns:a16="http://schemas.microsoft.com/office/drawing/2014/main" id="{9293DCFA-AC6E-493E-9E92-646A43923ED7}"/>
               </a:ext>
             </a:extLst>
           </p:cNvPr>
@@ -5923,8 +5800,8 @@
         </p:blipFill>
         <p:spPr>
           <a:xfrm>
-            <a:off x="8352004" y="1491605"/>
-            <a:ext cx="2989248" cy="2462972"/>
+            <a:off x="7688887" y="1392825"/>
+            <a:ext cx="4426814" cy="3583213"/>
           </a:xfrm>
           <a:prstGeom prst="rect">
             <a:avLst/>
@@ -5936,7 +5813,7 @@
           <p:cNvPr id="5" name="Grafik 4">
             <a:extLst>
               <a:ext uri="{FF2B5EF4-FFF2-40B4-BE49-F238E27FC236}">
-                <a16:creationId xmlns:a16="http://schemas.microsoft.com/office/drawing/2014/main" id="{2D5B2737-4E0B-4238-9944-A79F1385CA1B}"/>
+                <a16:creationId xmlns:a16="http://schemas.microsoft.com/office/drawing/2014/main" id="{EF7FAFA2-E7C8-4259-94E6-A647419C2B93}"/>
               </a:ext>
             </a:extLst>
           </p:cNvPr>
@@ -5953,8 +5830,8 @@
         </p:blipFill>
         <p:spPr>
           <a:xfrm>
-            <a:off x="106161" y="343460"/>
-            <a:ext cx="7831992" cy="4699193"/>
+            <a:off x="81001" y="852330"/>
+            <a:ext cx="7531890" cy="4123708"/>
           </a:xfrm>
           <a:prstGeom prst="rect">
             <a:avLst/>
@@ -6062,7 +5939,7 @@
     </p:spTree>
     <p:extLst>
       <p:ext uri="{BB962C8B-B14F-4D97-AF65-F5344CB8AC3E}">
-        <p14:creationId xmlns:p14="http://schemas.microsoft.com/office/powerpoint/2010/main" val="2690766875"/>
+        <p14:creationId xmlns:p14="http://schemas.microsoft.com/office/powerpoint/2010/main" val="2253530331"/>
       </p:ext>
     </p:extLst>
   </p:cSld>
@@ -6480,7 +6357,7 @@
           <p:cNvPr id="2" name="Titel 1">
             <a:extLst>
               <a:ext uri="{FF2B5EF4-FFF2-40B4-BE49-F238E27FC236}">
-                <a16:creationId xmlns:a16="http://schemas.microsoft.com/office/drawing/2014/main" id="{DE3AC6F1-CA72-442C-A876-C23D33DAFE8C}"/>
+                <a16:creationId xmlns:a16="http://schemas.microsoft.com/office/drawing/2014/main" id="{C4783377-D45B-40D2-9789-11739981040B}"/>
               </a:ext>
             </a:extLst>
           </p:cNvPr>
@@ -6493,7 +6370,7 @@
         </p:nvSpPr>
         <p:spPr>
           <a:xfrm>
-            <a:off x="1883557" y="5123321"/>
+            <a:off x="2014636" y="5164507"/>
             <a:ext cx="7831992" cy="551528"/>
           </a:xfrm>
         </p:spPr>
@@ -6505,7 +6382,7 @@
           <a:p>
             <a:r>
               <a:rPr lang="en-US" sz="3600" dirty="0"/>
-              <a:t>HTML-Input/Range</a:t>
+              <a:t>HTML-Radio button</a:t>
             </a:r>
           </a:p>
         </p:txBody>
@@ -6515,7 +6392,7 @@
           <p:cNvPr id="7" name="Grafik 6">
             <a:extLst>
               <a:ext uri="{FF2B5EF4-FFF2-40B4-BE49-F238E27FC236}">
-                <a16:creationId xmlns:a16="http://schemas.microsoft.com/office/drawing/2014/main" id="{82DA7EF7-B22E-42CA-8143-7A0ACC7CE8A8}"/>
+                <a16:creationId xmlns:a16="http://schemas.microsoft.com/office/drawing/2014/main" id="{934EBA0F-E430-4260-BF77-882A03A77514}"/>
               </a:ext>
             </a:extLst>
           </p:cNvPr>
@@ -6532,8 +6409,8 @@
         </p:blipFill>
         <p:spPr>
           <a:xfrm>
-            <a:off x="3809413" y="2847642"/>
-            <a:ext cx="4242437" cy="2271393"/>
+            <a:off x="8352004" y="1491605"/>
+            <a:ext cx="2989248" cy="2462972"/>
           </a:xfrm>
           <a:prstGeom prst="rect">
             <a:avLst/>
@@ -6545,7 +6422,7 @@
           <p:cNvPr id="5" name="Grafik 4">
             <a:extLst>
               <a:ext uri="{FF2B5EF4-FFF2-40B4-BE49-F238E27FC236}">
-                <a16:creationId xmlns:a16="http://schemas.microsoft.com/office/drawing/2014/main" id="{FD099342-BE1F-4275-9491-48FE546BCD8C}"/>
+                <a16:creationId xmlns:a16="http://schemas.microsoft.com/office/drawing/2014/main" id="{2D5B2737-4E0B-4238-9944-A79F1385CA1B}"/>
               </a:ext>
             </a:extLst>
           </p:cNvPr>
@@ -6562,8 +6439,8 @@
         </p:blipFill>
         <p:spPr>
           <a:xfrm>
-            <a:off x="1456196" y="14902"/>
-            <a:ext cx="8686715" cy="2844897"/>
+            <a:off x="106161" y="343460"/>
+            <a:ext cx="7831992" cy="4699193"/>
           </a:xfrm>
           <a:prstGeom prst="rect">
             <a:avLst/>
@@ -6671,7 +6548,7 @@
     </p:spTree>
     <p:extLst>
       <p:ext uri="{BB962C8B-B14F-4D97-AF65-F5344CB8AC3E}">
-        <p14:creationId xmlns:p14="http://schemas.microsoft.com/office/powerpoint/2010/main" val="2406077127"/>
+        <p14:creationId xmlns:p14="http://schemas.microsoft.com/office/powerpoint/2010/main" val="2690766875"/>
       </p:ext>
     </p:extLst>
   </p:cSld>
@@ -7089,6 +6966,615 @@
           <p:cNvPr id="2" name="Titel 1">
             <a:extLst>
               <a:ext uri="{FF2B5EF4-FFF2-40B4-BE49-F238E27FC236}">
+                <a16:creationId xmlns:a16="http://schemas.microsoft.com/office/drawing/2014/main" id="{DE3AC6F1-CA72-442C-A876-C23D33DAFE8C}"/>
+              </a:ext>
+            </a:extLst>
+          </p:cNvPr>
+          <p:cNvSpPr>
+            <a:spLocks noGrp="1"/>
+          </p:cNvSpPr>
+          <p:nvPr>
+            <p:ph type="title"/>
+          </p:nvPr>
+        </p:nvSpPr>
+        <p:spPr>
+          <a:xfrm>
+            <a:off x="1883557" y="5123321"/>
+            <a:ext cx="7831992" cy="551528"/>
+          </a:xfrm>
+        </p:spPr>
+        <p:txBody>
+          <a:bodyPr vert="horz" lIns="91440" tIns="45720" rIns="91440" bIns="0" rtlCol="0" anchor="b">
+            <a:normAutofit/>
+          </a:bodyPr>
+          <a:lstStyle/>
+          <a:p>
+            <a:r>
+              <a:rPr lang="en-US" sz="3600" dirty="0"/>
+              <a:t>HTML-Input/Range</a:t>
+            </a:r>
+          </a:p>
+        </p:txBody>
+      </p:sp>
+      <p:pic>
+        <p:nvPicPr>
+          <p:cNvPr id="7" name="Grafik 6">
+            <a:extLst>
+              <a:ext uri="{FF2B5EF4-FFF2-40B4-BE49-F238E27FC236}">
+                <a16:creationId xmlns:a16="http://schemas.microsoft.com/office/drawing/2014/main" id="{82DA7EF7-B22E-42CA-8143-7A0ACC7CE8A8}"/>
+              </a:ext>
+            </a:extLst>
+          </p:cNvPr>
+          <p:cNvPicPr>
+            <a:picLocks noChangeAspect="1"/>
+          </p:cNvPicPr>
+          <p:nvPr/>
+        </p:nvPicPr>
+        <p:blipFill>
+          <a:blip r:embed="rId4"/>
+          <a:stretch>
+            <a:fillRect/>
+          </a:stretch>
+        </p:blipFill>
+        <p:spPr>
+          <a:xfrm>
+            <a:off x="3809413" y="2847642"/>
+            <a:ext cx="4242437" cy="2271393"/>
+          </a:xfrm>
+          <a:prstGeom prst="rect">
+            <a:avLst/>
+          </a:prstGeom>
+        </p:spPr>
+      </p:pic>
+      <p:pic>
+        <p:nvPicPr>
+          <p:cNvPr id="5" name="Grafik 4">
+            <a:extLst>
+              <a:ext uri="{FF2B5EF4-FFF2-40B4-BE49-F238E27FC236}">
+                <a16:creationId xmlns:a16="http://schemas.microsoft.com/office/drawing/2014/main" id="{FD099342-BE1F-4275-9491-48FE546BCD8C}"/>
+              </a:ext>
+            </a:extLst>
+          </p:cNvPr>
+          <p:cNvPicPr>
+            <a:picLocks noChangeAspect="1"/>
+          </p:cNvPicPr>
+          <p:nvPr/>
+        </p:nvPicPr>
+        <p:blipFill>
+          <a:blip r:embed="rId5"/>
+          <a:stretch>
+            <a:fillRect/>
+          </a:stretch>
+        </p:blipFill>
+        <p:spPr>
+          <a:xfrm>
+            <a:off x="1456196" y="14902"/>
+            <a:ext cx="8686715" cy="2844897"/>
+          </a:xfrm>
+          <a:prstGeom prst="rect">
+            <a:avLst/>
+          </a:prstGeom>
+        </p:spPr>
+      </p:pic>
+      <p:pic>
+        <p:nvPicPr>
+          <p:cNvPr id="24" name="Picture 23">
+            <a:extLst>
+              <a:ext uri="{FF2B5EF4-FFF2-40B4-BE49-F238E27FC236}">
+                <a16:creationId xmlns:a16="http://schemas.microsoft.com/office/drawing/2014/main" id="{CFDC6AB1-03A5-4D20-ACE0-4957616E748C}"/>
+              </a:ext>
+              <a:ext uri="{C183D7F6-B498-43B3-948B-1728B52AA6E4}">
+                <adec:decorative xmlns:adec="http://schemas.microsoft.com/office/drawing/2017/decorative" val="1"/>
+              </a:ext>
+            </a:extLst>
+          </p:cNvPr>
+          <p:cNvPicPr>
+            <a:picLocks noGrp="1" noRot="1" noChangeAspect="1" noMove="1" noResize="1" noEditPoints="1" noAdjustHandles="1" noChangeArrowheads="1" noChangeShapeType="1" noCrop="1"/>
+          </p:cNvPicPr>
+          <p:nvPr>
+            <p:extLst>
+              <p:ext uri="{386F3935-93C4-4BCD-93E2-E3B085C9AB24}">
+                <p16:designElem xmlns:p16="http://schemas.microsoft.com/office/powerpoint/2015/main" val="1"/>
+              </p:ext>
+            </p:extLst>
+          </p:nvPr>
+        </p:nvPicPr>
+        <p:blipFill rotWithShape="1">
+          <a:blip r:embed="rId2">
+            <a:extLst>
+              <a:ext uri="{28A0092B-C50C-407E-A947-70E740481C1C}">
+                <a14:useLocalDpi xmlns:a14="http://schemas.microsoft.com/office/drawing/2010/main" val="0"/>
+              </a:ext>
+            </a:extLst>
+          </a:blip>
+          <a:srcRect t="1538" b="-1538"/>
+          <a:stretch/>
+        </p:blipFill>
+        <p:spPr>
+          <a:xfrm>
+            <a:off x="0" y="6119336"/>
+            <a:ext cx="12192000" cy="742950"/>
+          </a:xfrm>
+          <a:prstGeom prst="rect">
+            <a:avLst/>
+          </a:prstGeom>
+        </p:spPr>
+      </p:pic>
+      <p:cxnSp>
+        <p:nvCxnSpPr>
+          <p:cNvPr id="26" name="Straight Connector 25">
+            <a:extLst>
+              <a:ext uri="{FF2B5EF4-FFF2-40B4-BE49-F238E27FC236}">
+                <a16:creationId xmlns:a16="http://schemas.microsoft.com/office/drawing/2014/main" id="{EB77A0BE-690A-4522-A429-39E717A173A5}"/>
+              </a:ext>
+              <a:ext uri="{C183D7F6-B498-43B3-948B-1728B52AA6E4}">
+                <adec:decorative xmlns:adec="http://schemas.microsoft.com/office/drawing/2017/decorative" val="1"/>
+              </a:ext>
+            </a:extLst>
+          </p:cNvPr>
+          <p:cNvCxnSpPr>
+            <a:cxnSpLocks noGrp="1" noRot="1" noChangeAspect="1" noMove="1" noResize="1" noEditPoints="1" noAdjustHandles="1" noChangeArrowheads="1" noChangeShapeType="1"/>
+          </p:cNvCxnSpPr>
+          <p:nvPr>
+            <p:extLst>
+              <p:ext uri="{386F3935-93C4-4BCD-93E2-E3B085C9AB24}">
+                <p16:designElem xmlns:p16="http://schemas.microsoft.com/office/powerpoint/2015/main" val="1"/>
+              </p:ext>
+            </p:extLst>
+          </p:nvPr>
+        </p:nvCxnSpPr>
+        <p:spPr>
+          <a:xfrm>
+            <a:off x="0" y="6121269"/>
+            <a:ext cx="12192000" cy="0"/>
+          </a:xfrm>
+          <a:prstGeom prst="line">
+            <a:avLst/>
+          </a:prstGeom>
+          <a:ln w="12700">
+            <a:solidFill>
+              <a:srgbClr val="000001">
+                <a:alpha val="20000"/>
+              </a:srgbClr>
+            </a:solidFill>
+          </a:ln>
+        </p:spPr>
+        <p:style>
+          <a:lnRef idx="1">
+            <a:schemeClr val="accent1"/>
+          </a:lnRef>
+          <a:fillRef idx="0">
+            <a:schemeClr val="accent1"/>
+          </a:fillRef>
+          <a:effectRef idx="0">
+            <a:schemeClr val="accent1"/>
+          </a:effectRef>
+          <a:fontRef idx="minor">
+            <a:schemeClr val="tx1"/>
+          </a:fontRef>
+        </p:style>
+      </p:cxnSp>
+    </p:spTree>
+    <p:extLst>
+      <p:ext uri="{BB962C8B-B14F-4D97-AF65-F5344CB8AC3E}">
+        <p14:creationId xmlns:p14="http://schemas.microsoft.com/office/powerpoint/2010/main" val="2406077127"/>
+      </p:ext>
+    </p:extLst>
+  </p:cSld>
+  <p:clrMapOvr>
+    <a:masterClrMapping/>
+  </p:clrMapOvr>
+</p:sld>
+</file>
+
+<file path=ppt/slides/slide16.xml><?xml version="1.0" encoding="utf-8"?>
+<p:sld xmlns:a="http://schemas.openxmlformats.org/drawingml/2006/main" xmlns:r="http://schemas.openxmlformats.org/officeDocument/2006/relationships" xmlns:p="http://schemas.openxmlformats.org/presentationml/2006/main">
+  <p:cSld>
+    <p:bg>
+      <p:bgPr>
+        <a:gradFill rotWithShape="1">
+          <a:gsLst>
+            <a:gs pos="0">
+              <a:schemeClr val="bg1">
+                <a:tint val="94000"/>
+                <a:satMod val="80000"/>
+                <a:lumMod val="106000"/>
+              </a:schemeClr>
+            </a:gs>
+            <a:gs pos="100000">
+              <a:schemeClr val="bg1">
+                <a:shade val="80000"/>
+                <a:lumMod val="108000"/>
+              </a:schemeClr>
+            </a:gs>
+          </a:gsLst>
+          <a:path path="circle">
+            <a:fillToRect l="43000" r="43000" b="100000"/>
+          </a:path>
+        </a:gradFill>
+        <a:effectLst/>
+      </p:bgPr>
+    </p:bg>
+    <p:spTree>
+      <p:nvGrpSpPr>
+        <p:cNvPr id="1" name=""/>
+        <p:cNvGrpSpPr/>
+        <p:nvPr/>
+      </p:nvGrpSpPr>
+      <p:grpSpPr>
+        <a:xfrm>
+          <a:off x="0" y="0"/>
+          <a:ext cx="0" cy="0"/>
+          <a:chOff x="0" y="0"/>
+          <a:chExt cx="0" cy="0"/>
+        </a:xfrm>
+      </p:grpSpPr>
+      <p:pic>
+        <p:nvPicPr>
+          <p:cNvPr id="12" name="Picture 11">
+            <a:extLst>
+              <a:ext uri="{FF2B5EF4-FFF2-40B4-BE49-F238E27FC236}">
+                <a16:creationId xmlns:a16="http://schemas.microsoft.com/office/drawing/2014/main" id="{E8690AC4-C9C4-4944-A98C-B1D32992D60B}"/>
+              </a:ext>
+              <a:ext uri="{C183D7F6-B498-43B3-948B-1728B52AA6E4}">
+                <adec:decorative xmlns:adec="http://schemas.microsoft.com/office/drawing/2017/decorative" val="1"/>
+              </a:ext>
+            </a:extLst>
+          </p:cNvPr>
+          <p:cNvPicPr>
+            <a:picLocks noGrp="1" noRot="1" noChangeAspect="1" noMove="1" noResize="1" noEditPoints="1" noAdjustHandles="1" noChangeArrowheads="1" noChangeShapeType="1" noCrop="1"/>
+          </p:cNvPicPr>
+          <p:nvPr>
+            <p:extLst>
+              <p:ext uri="{386F3935-93C4-4BCD-93E2-E3B085C9AB24}">
+                <p16:designElem xmlns:p16="http://schemas.microsoft.com/office/powerpoint/2015/main" val="1"/>
+              </p:ext>
+            </p:extLst>
+          </p:nvPr>
+        </p:nvPicPr>
+        <p:blipFill rotWithShape="1">
+          <a:blip r:embed="rId2">
+            <a:extLst>
+              <a:ext uri="{28A0092B-C50C-407E-A947-70E740481C1C}">
+                <a14:useLocalDpi xmlns:a14="http://schemas.microsoft.com/office/drawing/2010/main" val="0"/>
+              </a:ext>
+            </a:extLst>
+          </a:blip>
+          <a:srcRect t="1538" b="-1538"/>
+          <a:stretch/>
+        </p:blipFill>
+        <p:spPr>
+          <a:xfrm>
+            <a:off x="0" y="6119336"/>
+            <a:ext cx="12192000" cy="742950"/>
+          </a:xfrm>
+          <a:prstGeom prst="rect">
+            <a:avLst/>
+          </a:prstGeom>
+        </p:spPr>
+      </p:pic>
+      <p:sp>
+        <p:nvSpPr>
+          <p:cNvPr id="14" name="Rectangle 13">
+            <a:extLst>
+              <a:ext uri="{FF2B5EF4-FFF2-40B4-BE49-F238E27FC236}">
+                <a16:creationId xmlns:a16="http://schemas.microsoft.com/office/drawing/2014/main" id="{86F828BE-4D4E-43F9-AC35-0209B5190C05}"/>
+              </a:ext>
+              <a:ext uri="{C183D7F6-B498-43B3-948B-1728B52AA6E4}">
+                <adec:decorative xmlns:adec="http://schemas.microsoft.com/office/drawing/2017/decorative" val="1"/>
+              </a:ext>
+            </a:extLst>
+          </p:cNvPr>
+          <p:cNvSpPr>
+            <a:spLocks noGrp="1" noRot="1" noChangeAspect="1" noMove="1" noResize="1" noEditPoints="1" noAdjustHandles="1" noChangeArrowheads="1" noChangeShapeType="1" noTextEdit="1"/>
+          </p:cNvSpPr>
+          <p:nvPr>
+            <p:extLst>
+              <p:ext uri="{386F3935-93C4-4BCD-93E2-E3B085C9AB24}">
+                <p16:designElem xmlns:p16="http://schemas.microsoft.com/office/powerpoint/2015/main" val="1"/>
+              </p:ext>
+            </p:extLst>
+          </p:nvPr>
+        </p:nvSpPr>
+        <p:spPr>
+          <a:xfrm>
+            <a:off x="0" y="468769"/>
+            <a:ext cx="12192000" cy="5647024"/>
+          </a:xfrm>
+          <a:prstGeom prst="rect">
+            <a:avLst/>
+          </a:prstGeom>
+          <a:gradFill flip="none" rotWithShape="1">
+            <a:gsLst>
+              <a:gs pos="0">
+                <a:schemeClr val="bg2">
+                  <a:alpha val="0"/>
+                  <a:lumMod val="100000"/>
+                </a:schemeClr>
+              </a:gs>
+              <a:gs pos="100000">
+                <a:schemeClr val="bg2">
+                  <a:lumMod val="95000"/>
+                  <a:lumOff val="5000"/>
+                </a:schemeClr>
+              </a:gs>
+            </a:gsLst>
+            <a:lin ang="5400000" scaled="0"/>
+            <a:tileRect/>
+          </a:gradFill>
+          <a:ln>
+            <a:noFill/>
+          </a:ln>
+        </p:spPr>
+        <p:style>
+          <a:lnRef idx="2">
+            <a:schemeClr val="accent1">
+              <a:shade val="50000"/>
+            </a:schemeClr>
+          </a:lnRef>
+          <a:fillRef idx="1">
+            <a:schemeClr val="accent1"/>
+          </a:fillRef>
+          <a:effectRef idx="0">
+            <a:schemeClr val="accent1"/>
+          </a:effectRef>
+          <a:fontRef idx="minor">
+            <a:schemeClr val="lt1"/>
+          </a:fontRef>
+        </p:style>
+      </p:sp>
+      <p:cxnSp>
+        <p:nvCxnSpPr>
+          <p:cNvPr id="16" name="Straight Connector 15">
+            <a:extLst>
+              <a:ext uri="{FF2B5EF4-FFF2-40B4-BE49-F238E27FC236}">
+                <a16:creationId xmlns:a16="http://schemas.microsoft.com/office/drawing/2014/main" id="{10BAB604-20D4-431F-ADD8-754BB7992A43}"/>
+              </a:ext>
+              <a:ext uri="{C183D7F6-B498-43B3-948B-1728B52AA6E4}">
+                <adec:decorative xmlns:adec="http://schemas.microsoft.com/office/drawing/2017/decorative" val="1"/>
+              </a:ext>
+            </a:extLst>
+          </p:cNvPr>
+          <p:cNvCxnSpPr>
+            <a:cxnSpLocks noGrp="1" noRot="1" noChangeAspect="1" noMove="1" noResize="1" noEditPoints="1" noAdjustHandles="1" noChangeArrowheads="1" noChangeShapeType="1"/>
+          </p:cNvCxnSpPr>
+          <p:nvPr>
+            <p:extLst>
+              <p:ext uri="{386F3935-93C4-4BCD-93E2-E3B085C9AB24}">
+                <p16:designElem xmlns:p16="http://schemas.microsoft.com/office/powerpoint/2015/main" val="1"/>
+              </p:ext>
+            </p:extLst>
+          </p:nvPr>
+        </p:nvCxnSpPr>
+        <p:spPr>
+          <a:xfrm>
+            <a:off x="0" y="6121269"/>
+            <a:ext cx="12192000" cy="0"/>
+          </a:xfrm>
+          <a:prstGeom prst="line">
+            <a:avLst/>
+          </a:prstGeom>
+          <a:ln w="12700">
+            <a:solidFill>
+              <a:srgbClr val="000001">
+                <a:alpha val="20000"/>
+              </a:srgbClr>
+            </a:solidFill>
+          </a:ln>
+        </p:spPr>
+        <p:style>
+          <a:lnRef idx="1">
+            <a:schemeClr val="accent1"/>
+          </a:lnRef>
+          <a:fillRef idx="0">
+            <a:schemeClr val="accent1"/>
+          </a:fillRef>
+          <a:effectRef idx="0">
+            <a:schemeClr val="accent1"/>
+          </a:effectRef>
+          <a:fontRef idx="minor">
+            <a:schemeClr val="tx1"/>
+          </a:fontRef>
+        </p:style>
+      </p:cxnSp>
+      <p:pic>
+        <p:nvPicPr>
+          <p:cNvPr id="18" name="Picture 17">
+            <a:extLst>
+              <a:ext uri="{FF2B5EF4-FFF2-40B4-BE49-F238E27FC236}">
+                <a16:creationId xmlns:a16="http://schemas.microsoft.com/office/drawing/2014/main" id="{C821979E-9A93-4880-80B5-D60B75C19185}"/>
+              </a:ext>
+              <a:ext uri="{C183D7F6-B498-43B3-948B-1728B52AA6E4}">
+                <adec:decorative xmlns:adec="http://schemas.microsoft.com/office/drawing/2017/decorative" val="1"/>
+              </a:ext>
+            </a:extLst>
+          </p:cNvPr>
+          <p:cNvPicPr>
+            <a:picLocks noGrp="1" noRot="1" noChangeAspect="1" noMove="1" noResize="1" noEditPoints="1" noAdjustHandles="1" noChangeArrowheads="1" noChangeShapeType="1" noCrop="1"/>
+          </p:cNvPicPr>
+          <p:nvPr>
+            <p:extLst>
+              <p:ext uri="{386F3935-93C4-4BCD-93E2-E3B085C9AB24}">
+                <p16:designElem xmlns:p16="http://schemas.microsoft.com/office/powerpoint/2015/main" val="1"/>
+              </p:ext>
+            </p:extLst>
+          </p:nvPr>
+        </p:nvPicPr>
+        <p:blipFill rotWithShape="1">
+          <a:blip r:embed="rId3">
+            <a:duotone>
+              <a:schemeClr val="accent1">
+                <a:shade val="45000"/>
+                <a:satMod val="135000"/>
+              </a:schemeClr>
+              <a:prstClr val="white"/>
+            </a:duotone>
+            <a:extLst>
+              <a:ext uri="{28A0092B-C50C-407E-A947-70E740481C1C}">
+                <a14:useLocalDpi xmlns:a14="http://schemas.microsoft.com/office/drawing/2010/main" val="0"/>
+              </a:ext>
+            </a:extLst>
+          </a:blip>
+          <a:srcRect l="-115" r="15828" b="36435"/>
+          <a:stretch/>
+        </p:blipFill>
+        <p:spPr>
+          <a:xfrm>
+            <a:off x="1125460" y="643464"/>
+            <a:ext cx="9610344" cy="155448"/>
+          </a:xfrm>
+          <a:prstGeom prst="rect">
+            <a:avLst/>
+          </a:prstGeom>
+          <a:noFill/>
+          <a:ln>
+            <a:noFill/>
+          </a:ln>
+        </p:spPr>
+      </p:pic>
+      <p:sp useBgFill="1">
+        <p:nvSpPr>
+          <p:cNvPr id="20" name="Rectangle 19">
+            <a:extLst>
+              <a:ext uri="{FF2B5EF4-FFF2-40B4-BE49-F238E27FC236}">
+                <a16:creationId xmlns:a16="http://schemas.microsoft.com/office/drawing/2014/main" id="{D3F196F4-A988-40DF-899A-EC29C422142B}"/>
+              </a:ext>
+              <a:ext uri="{C183D7F6-B498-43B3-948B-1728B52AA6E4}">
+                <adec:decorative xmlns:adec="http://schemas.microsoft.com/office/drawing/2017/decorative" val="1"/>
+              </a:ext>
+            </a:extLst>
+          </p:cNvPr>
+          <p:cNvSpPr>
+            <a:spLocks noGrp="1" noRot="1" noChangeAspect="1" noMove="1" noResize="1" noEditPoints="1" noAdjustHandles="1" noChangeArrowheads="1" noChangeShapeType="1" noTextEdit="1"/>
+          </p:cNvSpPr>
+          <p:nvPr>
+            <p:extLst>
+              <p:ext uri="{386F3935-93C4-4BCD-93E2-E3B085C9AB24}">
+                <p16:designElem xmlns:p16="http://schemas.microsoft.com/office/powerpoint/2015/main" val="1"/>
+              </p:ext>
+            </p:extLst>
+          </p:nvPr>
+        </p:nvSpPr>
+        <p:spPr>
+          <a:xfrm>
+            <a:off x="2" y="0"/>
+            <a:ext cx="12191695" cy="6858000"/>
+          </a:xfrm>
+          <a:prstGeom prst="rect">
+            <a:avLst/>
+          </a:prstGeom>
+          <a:ln>
+            <a:noFill/>
+          </a:ln>
+        </p:spPr>
+        <p:style>
+          <a:lnRef idx="2">
+            <a:schemeClr val="accent1">
+              <a:shade val="50000"/>
+            </a:schemeClr>
+          </a:lnRef>
+          <a:fillRef idx="1">
+            <a:schemeClr val="accent1"/>
+          </a:fillRef>
+          <a:effectRef idx="0">
+            <a:schemeClr val="accent1"/>
+          </a:effectRef>
+          <a:fontRef idx="minor">
+            <a:schemeClr val="lt1"/>
+          </a:fontRef>
+        </p:style>
+        <p:txBody>
+          <a:bodyPr rtlCol="0" anchor="ctr"/>
+          <a:lstStyle/>
+          <a:p>
+            <a:pPr algn="ctr"/>
+            <a:endParaRPr lang="en-US"/>
+          </a:p>
+        </p:txBody>
+      </p:sp>
+      <p:sp>
+        <p:nvSpPr>
+          <p:cNvPr id="22" name="Rectangle 21">
+            <a:extLst>
+              <a:ext uri="{FF2B5EF4-FFF2-40B4-BE49-F238E27FC236}">
+                <a16:creationId xmlns:a16="http://schemas.microsoft.com/office/drawing/2014/main" id="{4B8B3238-C65F-4148-9B84-4D22282CFA6E}"/>
+              </a:ext>
+              <a:ext uri="{C183D7F6-B498-43B3-948B-1728B52AA6E4}">
+                <adec:decorative xmlns:adec="http://schemas.microsoft.com/office/drawing/2017/decorative" val="1"/>
+              </a:ext>
+            </a:extLst>
+          </p:cNvPr>
+          <p:cNvSpPr>
+            <a:spLocks noGrp="1" noRot="1" noChangeAspect="1" noMove="1" noResize="1" noEditPoints="1" noAdjustHandles="1" noChangeArrowheads="1" noChangeShapeType="1" noTextEdit="1"/>
+          </p:cNvSpPr>
+          <p:nvPr>
+            <p:extLst>
+              <p:ext uri="{386F3935-93C4-4BCD-93E2-E3B085C9AB24}">
+                <p16:designElem xmlns:p16="http://schemas.microsoft.com/office/powerpoint/2015/main" val="1"/>
+              </p:ext>
+            </p:extLst>
+          </p:nvPr>
+        </p:nvSpPr>
+        <p:spPr>
+          <a:xfrm>
+            <a:off x="0" y="468769"/>
+            <a:ext cx="12192000" cy="5647024"/>
+          </a:xfrm>
+          <a:prstGeom prst="rect">
+            <a:avLst/>
+          </a:prstGeom>
+          <a:gradFill flip="none" rotWithShape="1">
+            <a:gsLst>
+              <a:gs pos="0">
+                <a:schemeClr val="bg2">
+                  <a:alpha val="0"/>
+                  <a:lumMod val="100000"/>
+                </a:schemeClr>
+              </a:gs>
+              <a:gs pos="100000">
+                <a:schemeClr val="bg2">
+                  <a:lumMod val="95000"/>
+                  <a:lumOff val="5000"/>
+                </a:schemeClr>
+              </a:gs>
+            </a:gsLst>
+            <a:lin ang="5400000" scaled="0"/>
+            <a:tileRect/>
+          </a:gradFill>
+          <a:ln>
+            <a:noFill/>
+          </a:ln>
+        </p:spPr>
+        <p:style>
+          <a:lnRef idx="2">
+            <a:schemeClr val="accent1">
+              <a:shade val="50000"/>
+            </a:schemeClr>
+          </a:lnRef>
+          <a:fillRef idx="1">
+            <a:schemeClr val="accent1"/>
+          </a:fillRef>
+          <a:effectRef idx="0">
+            <a:schemeClr val="accent1"/>
+          </a:effectRef>
+          <a:fontRef idx="minor">
+            <a:schemeClr val="lt1"/>
+          </a:fontRef>
+        </p:style>
+        <p:txBody>
+          <a:bodyPr rtlCol="0" anchor="ctr"/>
+          <a:lstStyle/>
+          <a:p>
+            <a:pPr algn="ctr"/>
+            <a:endParaRPr lang="en-US"/>
+          </a:p>
+        </p:txBody>
+      </p:sp>
+      <p:sp>
+        <p:nvSpPr>
+          <p:cNvPr id="2" name="Titel 1">
+            <a:extLst>
+              <a:ext uri="{FF2B5EF4-FFF2-40B4-BE49-F238E27FC236}">
                 <a16:creationId xmlns:a16="http://schemas.microsoft.com/office/drawing/2014/main" id="{F7CE0AFC-3524-41B3-91D9-775928B9163E}"/>
               </a:ext>
             </a:extLst>
@@ -7419,7 +7905,398 @@
 </p:sld>
 </file>
 
-<file path=ppt/slides/slide16.xml><?xml version="1.0" encoding="utf-8"?>
+<file path=ppt/slides/slide17.xml><?xml version="1.0" encoding="utf-8"?>
+<p:sld xmlns:a="http://schemas.openxmlformats.org/drawingml/2006/main" xmlns:r="http://schemas.openxmlformats.org/officeDocument/2006/relationships" xmlns:p="http://schemas.openxmlformats.org/presentationml/2006/main">
+  <p:cSld>
+    <p:bg>
+      <p:bgPr>
+        <a:gradFill rotWithShape="1">
+          <a:gsLst>
+            <a:gs pos="0">
+              <a:schemeClr val="bg1">
+                <a:tint val="94000"/>
+                <a:satMod val="80000"/>
+                <a:lumMod val="106000"/>
+              </a:schemeClr>
+            </a:gs>
+            <a:gs pos="100000">
+              <a:schemeClr val="bg1">
+                <a:shade val="80000"/>
+                <a:lumMod val="108000"/>
+              </a:schemeClr>
+            </a:gs>
+          </a:gsLst>
+          <a:path path="circle">
+            <a:fillToRect l="43000" r="43000" b="100000"/>
+          </a:path>
+        </a:gradFill>
+        <a:effectLst/>
+      </p:bgPr>
+    </p:bg>
+    <p:spTree>
+      <p:nvGrpSpPr>
+        <p:cNvPr id="1" name=""/>
+        <p:cNvGrpSpPr/>
+        <p:nvPr/>
+      </p:nvGrpSpPr>
+      <p:grpSpPr>
+        <a:xfrm>
+          <a:off x="0" y="0"/>
+          <a:ext cx="0" cy="0"/>
+          <a:chOff x="0" y="0"/>
+          <a:chExt cx="0" cy="0"/>
+        </a:xfrm>
+      </p:grpSpPr>
+      <p:sp useBgFill="1">
+        <p:nvSpPr>
+          <p:cNvPr id="25" name="Rectangle 14">
+            <a:extLst>
+              <a:ext uri="{FF2B5EF4-FFF2-40B4-BE49-F238E27FC236}">
+                <a16:creationId xmlns:a16="http://schemas.microsoft.com/office/drawing/2014/main" id="{EB8456C2-9457-404E-8DA7-41BB6630DAB1}"/>
+              </a:ext>
+              <a:ext uri="{C183D7F6-B498-43B3-948B-1728B52AA6E4}">
+                <adec:decorative xmlns:adec="http://schemas.microsoft.com/office/drawing/2017/decorative" val="1"/>
+              </a:ext>
+            </a:extLst>
+          </p:cNvPr>
+          <p:cNvSpPr>
+            <a:spLocks noGrp="1" noRot="1" noChangeAspect="1" noMove="1" noResize="1" noEditPoints="1" noAdjustHandles="1" noChangeArrowheads="1" noChangeShapeType="1" noTextEdit="1"/>
+          </p:cNvSpPr>
+          <p:nvPr>
+            <p:extLst>
+              <p:ext uri="{386F3935-93C4-4BCD-93E2-E3B085C9AB24}">
+                <p16:designElem xmlns:p16="http://schemas.microsoft.com/office/powerpoint/2015/main" val="1"/>
+              </p:ext>
+            </p:extLst>
+          </p:nvPr>
+        </p:nvSpPr>
+        <p:spPr>
+          <a:xfrm>
+            <a:off x="2" y="0"/>
+            <a:ext cx="12191695" cy="6858000"/>
+          </a:xfrm>
+          <a:prstGeom prst="rect">
+            <a:avLst/>
+          </a:prstGeom>
+          <a:ln>
+            <a:noFill/>
+          </a:ln>
+        </p:spPr>
+        <p:style>
+          <a:lnRef idx="2">
+            <a:schemeClr val="accent1">
+              <a:shade val="50000"/>
+            </a:schemeClr>
+          </a:lnRef>
+          <a:fillRef idx="1">
+            <a:schemeClr val="accent1"/>
+          </a:fillRef>
+          <a:effectRef idx="0">
+            <a:schemeClr val="accent1"/>
+          </a:effectRef>
+          <a:fontRef idx="minor">
+            <a:schemeClr val="lt1"/>
+          </a:fontRef>
+        </p:style>
+        <p:txBody>
+          <a:bodyPr rtlCol="0" anchor="ctr"/>
+          <a:lstStyle/>
+          <a:p>
+            <a:pPr algn="ctr"/>
+            <a:endParaRPr lang="en-US"/>
+          </a:p>
+        </p:txBody>
+      </p:sp>
+      <p:sp>
+        <p:nvSpPr>
+          <p:cNvPr id="26" name="Rectangle 16">
+            <a:extLst>
+              <a:ext uri="{FF2B5EF4-FFF2-40B4-BE49-F238E27FC236}">
+                <a16:creationId xmlns:a16="http://schemas.microsoft.com/office/drawing/2014/main" id="{BFB3493F-F73E-4A1A-89E2-FE1D803D15CE}"/>
+              </a:ext>
+              <a:ext uri="{C183D7F6-B498-43B3-948B-1728B52AA6E4}">
+                <adec:decorative xmlns:adec="http://schemas.microsoft.com/office/drawing/2017/decorative" val="1"/>
+              </a:ext>
+            </a:extLst>
+          </p:cNvPr>
+          <p:cNvSpPr>
+            <a:spLocks noGrp="1" noRot="1" noChangeAspect="1" noMove="1" noResize="1" noEditPoints="1" noAdjustHandles="1" noChangeArrowheads="1" noChangeShapeType="1" noTextEdit="1"/>
+          </p:cNvSpPr>
+          <p:nvPr>
+            <p:extLst>
+              <p:ext uri="{386F3935-93C4-4BCD-93E2-E3B085C9AB24}">
+                <p16:designElem xmlns:p16="http://schemas.microsoft.com/office/powerpoint/2015/main" val="1"/>
+              </p:ext>
+            </p:extLst>
+          </p:nvPr>
+        </p:nvSpPr>
+        <p:spPr>
+          <a:xfrm>
+            <a:off x="0" y="468769"/>
+            <a:ext cx="12192000" cy="5647024"/>
+          </a:xfrm>
+          <a:prstGeom prst="rect">
+            <a:avLst/>
+          </a:prstGeom>
+          <a:gradFill flip="none" rotWithShape="1">
+            <a:gsLst>
+              <a:gs pos="0">
+                <a:schemeClr val="bg2">
+                  <a:alpha val="0"/>
+                  <a:lumMod val="100000"/>
+                </a:schemeClr>
+              </a:gs>
+              <a:gs pos="100000">
+                <a:schemeClr val="bg2">
+                  <a:lumMod val="95000"/>
+                  <a:lumOff val="5000"/>
+                </a:schemeClr>
+              </a:gs>
+            </a:gsLst>
+            <a:lin ang="5400000" scaled="0"/>
+            <a:tileRect/>
+          </a:gradFill>
+          <a:ln>
+            <a:noFill/>
+          </a:ln>
+        </p:spPr>
+        <p:style>
+          <a:lnRef idx="2">
+            <a:schemeClr val="accent1">
+              <a:shade val="50000"/>
+            </a:schemeClr>
+          </a:lnRef>
+          <a:fillRef idx="1">
+            <a:schemeClr val="accent1"/>
+          </a:fillRef>
+          <a:effectRef idx="0">
+            <a:schemeClr val="accent1"/>
+          </a:effectRef>
+          <a:fontRef idx="minor">
+            <a:schemeClr val="lt1"/>
+          </a:fontRef>
+        </p:style>
+        <p:txBody>
+          <a:bodyPr rtlCol="0" anchor="ctr"/>
+          <a:lstStyle/>
+          <a:p>
+            <a:pPr algn="ctr"/>
+            <a:endParaRPr lang="en-US"/>
+          </a:p>
+        </p:txBody>
+      </p:sp>
+      <p:sp>
+        <p:nvSpPr>
+          <p:cNvPr id="7" name="Titel 6">
+            <a:extLst>
+              <a:ext uri="{FF2B5EF4-FFF2-40B4-BE49-F238E27FC236}">
+                <a16:creationId xmlns:a16="http://schemas.microsoft.com/office/drawing/2014/main" id="{2D44AF32-72EC-427D-B4AD-15C91F3C9684}"/>
+              </a:ext>
+            </a:extLst>
+          </p:cNvPr>
+          <p:cNvSpPr>
+            <a:spLocks noGrp="1"/>
+          </p:cNvSpPr>
+          <p:nvPr>
+            <p:ph type="ctrTitle"/>
+          </p:nvPr>
+        </p:nvSpPr>
+        <p:spPr>
+          <a:xfrm>
+            <a:off x="1776730" y="4459039"/>
+            <a:ext cx="7831992" cy="551528"/>
+          </a:xfrm>
+        </p:spPr>
+        <p:txBody>
+          <a:bodyPr>
+            <a:normAutofit/>
+          </a:bodyPr>
+          <a:lstStyle/>
+          <a:p>
+            <a:r>
+              <a:rPr lang="de-DE" sz="3600" dirty="0"/>
+              <a:t>VUE</a:t>
+            </a:r>
+          </a:p>
+        </p:txBody>
+      </p:sp>
+      <p:sp>
+        <p:nvSpPr>
+          <p:cNvPr id="8" name="Untertitel 7">
+            <a:extLst>
+              <a:ext uri="{FF2B5EF4-FFF2-40B4-BE49-F238E27FC236}">
+                <a16:creationId xmlns:a16="http://schemas.microsoft.com/office/drawing/2014/main" id="{3EFC60CE-EC16-4152-9A38-74EE17FED571}"/>
+              </a:ext>
+            </a:extLst>
+          </p:cNvPr>
+          <p:cNvSpPr>
+            <a:spLocks noGrp="1"/>
+          </p:cNvSpPr>
+          <p:nvPr>
+            <p:ph type="subTitle" idx="1"/>
+          </p:nvPr>
+        </p:nvSpPr>
+        <p:spPr>
+          <a:xfrm>
+            <a:off x="1776730" y="5016709"/>
+            <a:ext cx="7831992" cy="457219"/>
+          </a:xfrm>
+        </p:spPr>
+        <p:txBody>
+          <a:bodyPr>
+            <a:normAutofit/>
+          </a:bodyPr>
+          <a:lstStyle/>
+          <a:p>
+            <a:r>
+              <a:rPr lang="de-DE" sz="1600" dirty="0"/>
+              <a:t>JavaScript-Framework</a:t>
+            </a:r>
+          </a:p>
+        </p:txBody>
+      </p:sp>
+      <p:pic>
+        <p:nvPicPr>
+          <p:cNvPr id="10" name="Grafik 9">
+            <a:extLst>
+              <a:ext uri="{FF2B5EF4-FFF2-40B4-BE49-F238E27FC236}">
+                <a16:creationId xmlns:a16="http://schemas.microsoft.com/office/drawing/2014/main" id="{855FB4E9-ADA9-4E62-93A7-DDF8F45C7457}"/>
+              </a:ext>
+            </a:extLst>
+          </p:cNvPr>
+          <p:cNvPicPr>
+            <a:picLocks noChangeAspect="1"/>
+          </p:cNvPicPr>
+          <p:nvPr/>
+        </p:nvPicPr>
+        <p:blipFill>
+          <a:blip r:embed="rId2"/>
+          <a:stretch>
+            <a:fillRect/>
+          </a:stretch>
+        </p:blipFill>
+        <p:spPr>
+          <a:xfrm>
+            <a:off x="3984331" y="643992"/>
+            <a:ext cx="4222212" cy="3652214"/>
+          </a:xfrm>
+          <a:prstGeom prst="rect">
+            <a:avLst/>
+          </a:prstGeom>
+        </p:spPr>
+      </p:pic>
+      <p:pic>
+        <p:nvPicPr>
+          <p:cNvPr id="27" name="Picture 18">
+            <a:extLst>
+              <a:ext uri="{FF2B5EF4-FFF2-40B4-BE49-F238E27FC236}">
+                <a16:creationId xmlns:a16="http://schemas.microsoft.com/office/drawing/2014/main" id="{CEE4ADBF-AAD6-433C-B72E-C603B9BBB310}"/>
+              </a:ext>
+              <a:ext uri="{C183D7F6-B498-43B3-948B-1728B52AA6E4}">
+                <adec:decorative xmlns:adec="http://schemas.microsoft.com/office/drawing/2017/decorative" val="1"/>
+              </a:ext>
+            </a:extLst>
+          </p:cNvPr>
+          <p:cNvPicPr>
+            <a:picLocks noGrp="1" noRot="1" noChangeAspect="1" noMove="1" noResize="1" noEditPoints="1" noAdjustHandles="1" noChangeArrowheads="1" noChangeShapeType="1" noCrop="1"/>
+          </p:cNvPicPr>
+          <p:nvPr>
+            <p:extLst>
+              <p:ext uri="{386F3935-93C4-4BCD-93E2-E3B085C9AB24}">
+                <p16:designElem xmlns:p16="http://schemas.microsoft.com/office/powerpoint/2015/main" val="1"/>
+              </p:ext>
+            </p:extLst>
+          </p:nvPr>
+        </p:nvPicPr>
+        <p:blipFill rotWithShape="1">
+          <a:blip r:embed="rId3">
+            <a:extLst>
+              <a:ext uri="{28A0092B-C50C-407E-A947-70E740481C1C}">
+                <a14:useLocalDpi xmlns:a14="http://schemas.microsoft.com/office/drawing/2010/main" val="0"/>
+              </a:ext>
+            </a:extLst>
+          </a:blip>
+          <a:srcRect t="1538" b="-1538"/>
+          <a:stretch/>
+        </p:blipFill>
+        <p:spPr>
+          <a:xfrm>
+            <a:off x="0" y="6119336"/>
+            <a:ext cx="12192000" cy="742950"/>
+          </a:xfrm>
+          <a:prstGeom prst="rect">
+            <a:avLst/>
+          </a:prstGeom>
+        </p:spPr>
+      </p:pic>
+      <p:cxnSp>
+        <p:nvCxnSpPr>
+          <p:cNvPr id="28" name="Straight Connector 20">
+            <a:extLst>
+              <a:ext uri="{FF2B5EF4-FFF2-40B4-BE49-F238E27FC236}">
+                <a16:creationId xmlns:a16="http://schemas.microsoft.com/office/drawing/2014/main" id="{9452C429-B9DA-48BE-B0C7-09AE24872828}"/>
+              </a:ext>
+              <a:ext uri="{C183D7F6-B498-43B3-948B-1728B52AA6E4}">
+                <adec:decorative xmlns:adec="http://schemas.microsoft.com/office/drawing/2017/decorative" val="1"/>
+              </a:ext>
+            </a:extLst>
+          </p:cNvPr>
+          <p:cNvCxnSpPr>
+            <a:cxnSpLocks noGrp="1" noRot="1" noChangeAspect="1" noMove="1" noResize="1" noEditPoints="1" noAdjustHandles="1" noChangeArrowheads="1" noChangeShapeType="1"/>
+          </p:cNvCxnSpPr>
+          <p:nvPr>
+            <p:extLst>
+              <p:ext uri="{386F3935-93C4-4BCD-93E2-E3B085C9AB24}">
+                <p16:designElem xmlns:p16="http://schemas.microsoft.com/office/powerpoint/2015/main" val="1"/>
+              </p:ext>
+            </p:extLst>
+          </p:nvPr>
+        </p:nvCxnSpPr>
+        <p:spPr>
+          <a:xfrm>
+            <a:off x="0" y="6121269"/>
+            <a:ext cx="12192000" cy="0"/>
+          </a:xfrm>
+          <a:prstGeom prst="line">
+            <a:avLst/>
+          </a:prstGeom>
+          <a:ln w="12700">
+            <a:solidFill>
+              <a:srgbClr val="000001">
+                <a:alpha val="20000"/>
+              </a:srgbClr>
+            </a:solidFill>
+          </a:ln>
+        </p:spPr>
+        <p:style>
+          <a:lnRef idx="1">
+            <a:schemeClr val="accent1"/>
+          </a:lnRef>
+          <a:fillRef idx="0">
+            <a:schemeClr val="accent1"/>
+          </a:fillRef>
+          <a:effectRef idx="0">
+            <a:schemeClr val="accent1"/>
+          </a:effectRef>
+          <a:fontRef idx="minor">
+            <a:schemeClr val="tx1"/>
+          </a:fontRef>
+        </p:style>
+      </p:cxnSp>
+    </p:spTree>
+    <p:extLst>
+      <p:ext uri="{BB962C8B-B14F-4D97-AF65-F5344CB8AC3E}">
+        <p14:creationId xmlns:p14="http://schemas.microsoft.com/office/powerpoint/2010/main" val="1723297398"/>
+      </p:ext>
+    </p:extLst>
+  </p:cSld>
+  <p:clrMapOvr>
+    <a:masterClrMapping/>
+  </p:clrMapOvr>
+</p:sld>
+</file>
+
+<file path=ppt/slides/slide18.xml><?xml version="1.0" encoding="utf-8"?>
 <p:sld xmlns:a="http://schemas.openxmlformats.org/drawingml/2006/main" xmlns:r="http://schemas.openxmlformats.org/officeDocument/2006/relationships" xmlns:p="http://schemas.openxmlformats.org/presentationml/2006/main">
   <p:cSld>
     <p:spTree>
@@ -7441,7 +8318,7 @@
           <p:cNvPr id="2" name="Titel 1">
             <a:extLst>
               <a:ext uri="{FF2B5EF4-FFF2-40B4-BE49-F238E27FC236}">
-                <a16:creationId xmlns:a16="http://schemas.microsoft.com/office/drawing/2014/main" id="{B2C68AEE-77CB-477B-8AE8-3CFED8C3DD8C}"/>
+                <a16:creationId xmlns:a16="http://schemas.microsoft.com/office/drawing/2014/main" id="{6BD74339-C62B-4B74-9F07-B2D3DECAEF05}"/>
               </a:ext>
             </a:extLst>
           </p:cNvPr>
@@ -7457,16 +8334,19 @@
           <a:bodyPr/>
           <a:lstStyle/>
           <a:p>
-            <a:endParaRPr lang="de-DE"/>
+            <a:r>
+              <a:rPr lang="de-DE" dirty="0"/>
+              <a:t>VUE</a:t>
+            </a:r>
           </a:p>
         </p:txBody>
       </p:sp>
       <p:sp>
         <p:nvSpPr>
-          <p:cNvPr id="3" name="Inhaltsplatzhalter 2">
-            <a:extLst>
-              <a:ext uri="{FF2B5EF4-FFF2-40B4-BE49-F238E27FC236}">
-                <a16:creationId xmlns:a16="http://schemas.microsoft.com/office/drawing/2014/main" id="{414CA771-5D37-466A-AB04-E5D6A60AC619}"/>
+          <p:cNvPr id="4" name="Inhaltsplatzhalter 2">
+            <a:extLst>
+              <a:ext uri="{FF2B5EF4-FFF2-40B4-BE49-F238E27FC236}">
+                <a16:creationId xmlns:a16="http://schemas.microsoft.com/office/drawing/2014/main" id="{70D28C42-F9AB-46A9-B815-9C370D346EA3}"/>
               </a:ext>
             </a:extLst>
           </p:cNvPr>
@@ -7477,19 +8357,96 @@
             <p:ph idx="1"/>
           </p:nvPr>
         </p:nvSpPr>
-        <p:spPr/>
+        <p:spPr>
+          <a:xfrm>
+            <a:off x="1130300" y="2171700"/>
+            <a:ext cx="9602788" cy="3294063"/>
+          </a:xfrm>
+        </p:spPr>
         <p:txBody>
           <a:bodyPr/>
           <a:lstStyle/>
           <a:p>
-            <a:endParaRPr lang="de-DE"/>
+            <a:r>
+              <a:rPr lang="de-DE" b="1" dirty="0"/>
+              <a:t>Clientseitiges JavaScript-Webframework</a:t>
+            </a:r>
+            <a:r>
+              <a:rPr lang="de-DE" dirty="0"/>
+              <a:t> </a:t>
+            </a:r>
+          </a:p>
+          <a:p>
+            <a:r>
+              <a:rPr lang="de-DE" b="1" dirty="0" err="1"/>
+              <a:t>Databinding</a:t>
+            </a:r>
+            <a:r>
+              <a:rPr lang="de-DE" dirty="0"/>
+              <a:t> durch das </a:t>
+            </a:r>
+            <a:r>
+              <a:rPr lang="de-DE" b="1" dirty="0"/>
+              <a:t>MVVM-Muster</a:t>
+            </a:r>
+            <a:endParaRPr lang="de-DE" dirty="0"/>
+          </a:p>
+          <a:p>
+            <a:r>
+              <a:rPr lang="de-DE" dirty="0"/>
+              <a:t>Zum Erstellen von </a:t>
+            </a:r>
+            <a:r>
+              <a:rPr lang="de-DE" b="1" dirty="0"/>
+              <a:t>Single-Page-Webanwendungen</a:t>
+            </a:r>
+            <a:endParaRPr lang="de-DE" dirty="0"/>
+          </a:p>
+          <a:p>
+            <a:r>
+              <a:rPr lang="de-DE" dirty="0"/>
+              <a:t>Kann auch in </a:t>
+            </a:r>
+            <a:r>
+              <a:rPr lang="de-DE" b="1" dirty="0"/>
+              <a:t>Multipage Webseiten</a:t>
+            </a:r>
+            <a:r>
+              <a:rPr lang="de-DE" dirty="0"/>
+              <a:t> verwendet werden</a:t>
+            </a:r>
+          </a:p>
+          <a:p>
+            <a:r>
+              <a:rPr lang="de-DE" dirty="0"/>
+              <a:t>Ähnlich zu </a:t>
+            </a:r>
+            <a:r>
+              <a:rPr lang="de-DE" b="1" dirty="0"/>
+              <a:t>AngularJS</a:t>
+            </a:r>
+            <a:r>
+              <a:rPr lang="de-DE" dirty="0"/>
+              <a:t> und </a:t>
+            </a:r>
+            <a:r>
+              <a:rPr lang="de-DE" b="1" dirty="0" err="1"/>
+              <a:t>ReactJS</a:t>
+            </a:r>
+            <a:endParaRPr lang="de-DE" b="1" dirty="0"/>
+          </a:p>
+          <a:p>
+            <a:endParaRPr lang="de-DE" dirty="0"/>
+          </a:p>
+          <a:p>
+            <a:endParaRPr lang="de-DE" dirty="0"/>
           </a:p>
         </p:txBody>
       </p:sp>
     </p:spTree>
     <p:extLst>
       <p:ext uri="{BB962C8B-B14F-4D97-AF65-F5344CB8AC3E}">
-        <p14:creationId xmlns:p14="http://schemas.microsoft.com/office/powerpoint/2010/main" val="1723297398"/>
+        <p14:creationId xmlns:p14="http://schemas.microsoft.com/office/powerpoint/2010/main" val="2697162786"/>
       </p:ext>
     </p:extLst>
   </p:cSld>
@@ -7499,9 +8456,34 @@
 </p:sld>
 </file>
 
-<file path=ppt/slides/slide17.xml><?xml version="1.0" encoding="utf-8"?>
+<file path=ppt/slides/slide19.xml><?xml version="1.0" encoding="utf-8"?>
 <p:sld xmlns:a="http://schemas.openxmlformats.org/drawingml/2006/main" xmlns:r="http://schemas.openxmlformats.org/officeDocument/2006/relationships" xmlns:p="http://schemas.openxmlformats.org/presentationml/2006/main">
   <p:cSld>
+    <p:bg>
+      <p:bgPr>
+        <a:gradFill rotWithShape="1">
+          <a:gsLst>
+            <a:gs pos="0">
+              <a:schemeClr val="bg1">
+                <a:tint val="94000"/>
+                <a:satMod val="80000"/>
+                <a:lumMod val="106000"/>
+              </a:schemeClr>
+            </a:gs>
+            <a:gs pos="100000">
+              <a:schemeClr val="bg1">
+                <a:shade val="80000"/>
+                <a:lumMod val="108000"/>
+              </a:schemeClr>
+            </a:gs>
+          </a:gsLst>
+          <a:path path="circle">
+            <a:fillToRect l="43000" r="43000" b="100000"/>
+          </a:path>
+        </a:gradFill>
+        <a:effectLst/>
+      </p:bgPr>
+    </p:bg>
     <p:spTree>
       <p:nvGrpSpPr>
         <p:cNvPr id="1" name=""/>
@@ -7516,12 +8498,373 @@
           <a:chExt cx="0" cy="0"/>
         </a:xfrm>
       </p:grpSpPr>
+      <p:pic>
+        <p:nvPicPr>
+          <p:cNvPr id="15" name="Picture 14">
+            <a:extLst>
+              <a:ext uri="{FF2B5EF4-FFF2-40B4-BE49-F238E27FC236}">
+                <a16:creationId xmlns:a16="http://schemas.microsoft.com/office/drawing/2014/main" id="{CB1DE69F-569C-4A49-8E50-4093C135AECF}"/>
+              </a:ext>
+              <a:ext uri="{C183D7F6-B498-43B3-948B-1728B52AA6E4}">
+                <adec:decorative xmlns:adec="http://schemas.microsoft.com/office/drawing/2017/decorative" val="1"/>
+              </a:ext>
+            </a:extLst>
+          </p:cNvPr>
+          <p:cNvPicPr>
+            <a:picLocks noGrp="1" noRot="1" noChangeAspect="1" noMove="1" noResize="1" noEditPoints="1" noAdjustHandles="1" noChangeArrowheads="1" noChangeShapeType="1" noCrop="1"/>
+          </p:cNvPicPr>
+          <p:nvPr>
+            <p:extLst>
+              <p:ext uri="{386F3935-93C4-4BCD-93E2-E3B085C9AB24}">
+                <p16:designElem xmlns:p16="http://schemas.microsoft.com/office/powerpoint/2015/main" val="1"/>
+              </p:ext>
+            </p:extLst>
+          </p:nvPr>
+        </p:nvPicPr>
+        <p:blipFill rotWithShape="1">
+          <a:blip r:embed="rId2">
+            <a:extLst>
+              <a:ext uri="{28A0092B-C50C-407E-A947-70E740481C1C}">
+                <a14:useLocalDpi xmlns:a14="http://schemas.microsoft.com/office/drawing/2010/main" val="0"/>
+              </a:ext>
+            </a:extLst>
+          </a:blip>
+          <a:srcRect t="1538" b="-1538"/>
+          <a:stretch/>
+        </p:blipFill>
+        <p:spPr>
+          <a:xfrm>
+            <a:off x="0" y="6119336"/>
+            <a:ext cx="12192000" cy="742950"/>
+          </a:xfrm>
+          <a:prstGeom prst="rect">
+            <a:avLst/>
+          </a:prstGeom>
+        </p:spPr>
+      </p:pic>
       <p:sp>
         <p:nvSpPr>
-          <p:cNvPr id="2" name="Titel 1">
-            <a:extLst>
-              <a:ext uri="{FF2B5EF4-FFF2-40B4-BE49-F238E27FC236}">
-                <a16:creationId xmlns:a16="http://schemas.microsoft.com/office/drawing/2014/main" id="{7920A7ED-A1A4-4738-859F-58A275E7F327}"/>
+          <p:cNvPr id="17" name="Rectangle 16">
+            <a:extLst>
+              <a:ext uri="{FF2B5EF4-FFF2-40B4-BE49-F238E27FC236}">
+                <a16:creationId xmlns:a16="http://schemas.microsoft.com/office/drawing/2014/main" id="{50B488F5-9CE4-4346-B22F-600286ED4D8F}"/>
+              </a:ext>
+              <a:ext uri="{C183D7F6-B498-43B3-948B-1728B52AA6E4}">
+                <adec:decorative xmlns:adec="http://schemas.microsoft.com/office/drawing/2017/decorative" val="1"/>
+              </a:ext>
+            </a:extLst>
+          </p:cNvPr>
+          <p:cNvSpPr>
+            <a:spLocks noGrp="1" noRot="1" noChangeAspect="1" noMove="1" noResize="1" noEditPoints="1" noAdjustHandles="1" noChangeArrowheads="1" noChangeShapeType="1" noTextEdit="1"/>
+          </p:cNvSpPr>
+          <p:nvPr>
+            <p:extLst>
+              <p:ext uri="{386F3935-93C4-4BCD-93E2-E3B085C9AB24}">
+                <p16:designElem xmlns:p16="http://schemas.microsoft.com/office/powerpoint/2015/main" val="1"/>
+              </p:ext>
+            </p:extLst>
+          </p:nvPr>
+        </p:nvSpPr>
+        <p:spPr>
+          <a:xfrm>
+            <a:off x="0" y="468769"/>
+            <a:ext cx="12192000" cy="5647024"/>
+          </a:xfrm>
+          <a:prstGeom prst="rect">
+            <a:avLst/>
+          </a:prstGeom>
+          <a:gradFill flip="none" rotWithShape="1">
+            <a:gsLst>
+              <a:gs pos="0">
+                <a:schemeClr val="bg2">
+                  <a:alpha val="0"/>
+                  <a:lumMod val="100000"/>
+                </a:schemeClr>
+              </a:gs>
+              <a:gs pos="100000">
+                <a:schemeClr val="bg2">
+                  <a:lumMod val="95000"/>
+                  <a:lumOff val="5000"/>
+                </a:schemeClr>
+              </a:gs>
+            </a:gsLst>
+            <a:lin ang="5400000" scaled="0"/>
+            <a:tileRect/>
+          </a:gradFill>
+          <a:ln>
+            <a:noFill/>
+          </a:ln>
+        </p:spPr>
+        <p:style>
+          <a:lnRef idx="2">
+            <a:schemeClr val="accent1">
+              <a:shade val="50000"/>
+            </a:schemeClr>
+          </a:lnRef>
+          <a:fillRef idx="1">
+            <a:schemeClr val="accent1"/>
+          </a:fillRef>
+          <a:effectRef idx="0">
+            <a:schemeClr val="accent1"/>
+          </a:effectRef>
+          <a:fontRef idx="minor">
+            <a:schemeClr val="lt1"/>
+          </a:fontRef>
+        </p:style>
+      </p:sp>
+      <p:cxnSp>
+        <p:nvCxnSpPr>
+          <p:cNvPr id="19" name="Straight Connector 18">
+            <a:extLst>
+              <a:ext uri="{FF2B5EF4-FFF2-40B4-BE49-F238E27FC236}">
+                <a16:creationId xmlns:a16="http://schemas.microsoft.com/office/drawing/2014/main" id="{5F76596F-57DF-4A0C-96D9-046DC3B30E9F}"/>
+              </a:ext>
+              <a:ext uri="{C183D7F6-B498-43B3-948B-1728B52AA6E4}">
+                <adec:decorative xmlns:adec="http://schemas.microsoft.com/office/drawing/2017/decorative" val="1"/>
+              </a:ext>
+            </a:extLst>
+          </p:cNvPr>
+          <p:cNvCxnSpPr>
+            <a:cxnSpLocks noGrp="1" noRot="1" noChangeAspect="1" noMove="1" noResize="1" noEditPoints="1" noAdjustHandles="1" noChangeArrowheads="1" noChangeShapeType="1"/>
+          </p:cNvCxnSpPr>
+          <p:nvPr>
+            <p:extLst>
+              <p:ext uri="{386F3935-93C4-4BCD-93E2-E3B085C9AB24}">
+                <p16:designElem xmlns:p16="http://schemas.microsoft.com/office/powerpoint/2015/main" val="1"/>
+              </p:ext>
+            </p:extLst>
+          </p:nvPr>
+        </p:nvCxnSpPr>
+        <p:spPr>
+          <a:xfrm>
+            <a:off x="0" y="6121269"/>
+            <a:ext cx="12192000" cy="0"/>
+          </a:xfrm>
+          <a:prstGeom prst="line">
+            <a:avLst/>
+          </a:prstGeom>
+          <a:ln w="12700">
+            <a:solidFill>
+              <a:srgbClr val="000001">
+                <a:alpha val="20000"/>
+              </a:srgbClr>
+            </a:solidFill>
+          </a:ln>
+        </p:spPr>
+        <p:style>
+          <a:lnRef idx="1">
+            <a:schemeClr val="accent1"/>
+          </a:lnRef>
+          <a:fillRef idx="0">
+            <a:schemeClr val="accent1"/>
+          </a:fillRef>
+          <a:effectRef idx="0">
+            <a:schemeClr val="accent1"/>
+          </a:effectRef>
+          <a:fontRef idx="minor">
+            <a:schemeClr val="tx1"/>
+          </a:fontRef>
+        </p:style>
+      </p:cxnSp>
+      <p:pic>
+        <p:nvPicPr>
+          <p:cNvPr id="21" name="Picture 20">
+            <a:extLst>
+              <a:ext uri="{FF2B5EF4-FFF2-40B4-BE49-F238E27FC236}">
+                <a16:creationId xmlns:a16="http://schemas.microsoft.com/office/drawing/2014/main" id="{16176A8D-754E-4699-9AAC-A833466A201A}"/>
+              </a:ext>
+              <a:ext uri="{C183D7F6-B498-43B3-948B-1728B52AA6E4}">
+                <adec:decorative xmlns:adec="http://schemas.microsoft.com/office/drawing/2017/decorative" val="1"/>
+              </a:ext>
+            </a:extLst>
+          </p:cNvPr>
+          <p:cNvPicPr>
+            <a:picLocks noGrp="1" noRot="1" noChangeAspect="1" noMove="1" noResize="1" noEditPoints="1" noAdjustHandles="1" noChangeArrowheads="1" noChangeShapeType="1" noCrop="1"/>
+          </p:cNvPicPr>
+          <p:nvPr>
+            <p:extLst>
+              <p:ext uri="{386F3935-93C4-4BCD-93E2-E3B085C9AB24}">
+                <p16:designElem xmlns:p16="http://schemas.microsoft.com/office/powerpoint/2015/main" val="1"/>
+              </p:ext>
+            </p:extLst>
+          </p:nvPr>
+        </p:nvPicPr>
+        <p:blipFill rotWithShape="1">
+          <a:blip r:embed="rId3">
+            <a:duotone>
+              <a:schemeClr val="accent1">
+                <a:shade val="45000"/>
+                <a:satMod val="135000"/>
+              </a:schemeClr>
+              <a:prstClr val="white"/>
+            </a:duotone>
+            <a:extLst>
+              <a:ext uri="{28A0092B-C50C-407E-A947-70E740481C1C}">
+                <a14:useLocalDpi xmlns:a14="http://schemas.microsoft.com/office/drawing/2010/main" val="0"/>
+              </a:ext>
+            </a:extLst>
+          </a:blip>
+          <a:srcRect l="-115" r="15828" b="36435"/>
+          <a:stretch/>
+        </p:blipFill>
+        <p:spPr>
+          <a:xfrm>
+            <a:off x="1125460" y="643464"/>
+            <a:ext cx="9610344" cy="155448"/>
+          </a:xfrm>
+          <a:prstGeom prst="rect">
+            <a:avLst/>
+          </a:prstGeom>
+          <a:noFill/>
+          <a:ln>
+            <a:noFill/>
+          </a:ln>
+        </p:spPr>
+      </p:pic>
+      <p:sp useBgFill="1">
+        <p:nvSpPr>
+          <p:cNvPr id="23" name="Rectangle 22">
+            <a:extLst>
+              <a:ext uri="{FF2B5EF4-FFF2-40B4-BE49-F238E27FC236}">
+                <a16:creationId xmlns:a16="http://schemas.microsoft.com/office/drawing/2014/main" id="{2AA0E174-1032-45EB-8FEE-2178019BAECE}"/>
+              </a:ext>
+              <a:ext uri="{C183D7F6-B498-43B3-948B-1728B52AA6E4}">
+                <adec:decorative xmlns:adec="http://schemas.microsoft.com/office/drawing/2017/decorative" val="1"/>
+              </a:ext>
+            </a:extLst>
+          </p:cNvPr>
+          <p:cNvSpPr>
+            <a:spLocks noGrp="1" noRot="1" noChangeAspect="1" noMove="1" noResize="1" noEditPoints="1" noAdjustHandles="1" noChangeArrowheads="1" noChangeShapeType="1" noTextEdit="1"/>
+          </p:cNvSpPr>
+          <p:nvPr>
+            <p:extLst>
+              <p:ext uri="{386F3935-93C4-4BCD-93E2-E3B085C9AB24}">
+                <p16:designElem xmlns:p16="http://schemas.microsoft.com/office/powerpoint/2015/main" val="1"/>
+              </p:ext>
+            </p:extLst>
+          </p:nvPr>
+        </p:nvSpPr>
+        <p:spPr>
+          <a:xfrm>
+            <a:off x="2" y="0"/>
+            <a:ext cx="12191695" cy="6858000"/>
+          </a:xfrm>
+          <a:prstGeom prst="rect">
+            <a:avLst/>
+          </a:prstGeom>
+          <a:ln>
+            <a:noFill/>
+          </a:ln>
+        </p:spPr>
+        <p:style>
+          <a:lnRef idx="2">
+            <a:schemeClr val="accent1">
+              <a:shade val="50000"/>
+            </a:schemeClr>
+          </a:lnRef>
+          <a:fillRef idx="1">
+            <a:schemeClr val="accent1"/>
+          </a:fillRef>
+          <a:effectRef idx="0">
+            <a:schemeClr val="accent1"/>
+          </a:effectRef>
+          <a:fontRef idx="minor">
+            <a:schemeClr val="lt1"/>
+          </a:fontRef>
+        </p:style>
+        <p:txBody>
+          <a:bodyPr rtlCol="0" anchor="ctr"/>
+          <a:lstStyle/>
+          <a:p>
+            <a:pPr algn="ctr"/>
+            <a:endParaRPr lang="en-US"/>
+          </a:p>
+        </p:txBody>
+      </p:sp>
+      <p:sp>
+        <p:nvSpPr>
+          <p:cNvPr id="25" name="Rectangle 24">
+            <a:extLst>
+              <a:ext uri="{FF2B5EF4-FFF2-40B4-BE49-F238E27FC236}">
+                <a16:creationId xmlns:a16="http://schemas.microsoft.com/office/drawing/2014/main" id="{C017D167-735C-4828-BF61-5BEC0A93C01B}"/>
+              </a:ext>
+              <a:ext uri="{C183D7F6-B498-43B3-948B-1728B52AA6E4}">
+                <adec:decorative xmlns:adec="http://schemas.microsoft.com/office/drawing/2017/decorative" val="1"/>
+              </a:ext>
+            </a:extLst>
+          </p:cNvPr>
+          <p:cNvSpPr>
+            <a:spLocks noGrp="1" noRot="1" noChangeAspect="1" noMove="1" noResize="1" noEditPoints="1" noAdjustHandles="1" noChangeArrowheads="1" noChangeShapeType="1" noTextEdit="1"/>
+          </p:cNvSpPr>
+          <p:nvPr>
+            <p:extLst>
+              <p:ext uri="{386F3935-93C4-4BCD-93E2-E3B085C9AB24}">
+                <p16:designElem xmlns:p16="http://schemas.microsoft.com/office/powerpoint/2015/main" val="1"/>
+              </p:ext>
+            </p:extLst>
+          </p:nvPr>
+        </p:nvSpPr>
+        <p:spPr>
+          <a:xfrm>
+            <a:off x="0" y="468769"/>
+            <a:ext cx="12192000" cy="5647024"/>
+          </a:xfrm>
+          <a:prstGeom prst="rect">
+            <a:avLst/>
+          </a:prstGeom>
+          <a:gradFill flip="none" rotWithShape="1">
+            <a:gsLst>
+              <a:gs pos="0">
+                <a:schemeClr val="bg2">
+                  <a:alpha val="0"/>
+                  <a:lumMod val="100000"/>
+                </a:schemeClr>
+              </a:gs>
+              <a:gs pos="100000">
+                <a:schemeClr val="bg2">
+                  <a:lumMod val="95000"/>
+                  <a:lumOff val="5000"/>
+                </a:schemeClr>
+              </a:gs>
+            </a:gsLst>
+            <a:lin ang="5400000" scaled="0"/>
+            <a:tileRect/>
+          </a:gradFill>
+          <a:ln>
+            <a:noFill/>
+          </a:ln>
+        </p:spPr>
+        <p:style>
+          <a:lnRef idx="2">
+            <a:schemeClr val="accent1">
+              <a:shade val="50000"/>
+            </a:schemeClr>
+          </a:lnRef>
+          <a:fillRef idx="1">
+            <a:schemeClr val="accent1"/>
+          </a:fillRef>
+          <a:effectRef idx="0">
+            <a:schemeClr val="accent1"/>
+          </a:effectRef>
+          <a:fontRef idx="minor">
+            <a:schemeClr val="lt1"/>
+          </a:fontRef>
+        </p:style>
+        <p:txBody>
+          <a:bodyPr rtlCol="0" anchor="ctr"/>
+          <a:lstStyle/>
+          <a:p>
+            <a:pPr algn="ctr"/>
+            <a:endParaRPr lang="en-US"/>
+          </a:p>
+        </p:txBody>
+      </p:sp>
+      <p:sp>
+        <p:nvSpPr>
+          <p:cNvPr id="7" name="Titel 6">
+            <a:extLst>
+              <a:ext uri="{FF2B5EF4-FFF2-40B4-BE49-F238E27FC236}">
+                <a16:creationId xmlns:a16="http://schemas.microsoft.com/office/drawing/2014/main" id="{119139D9-EF18-4AC1-82FF-A9A2776DE86A}"/>
               </a:ext>
             </a:extLst>
           </p:cNvPr>
@@ -7532,62 +8875,214 @@
             <p:ph type="title"/>
           </p:nvPr>
         </p:nvSpPr>
-        <p:spPr/>
+        <p:spPr>
+          <a:xfrm>
+            <a:off x="1128413" y="988098"/>
+            <a:ext cx="4495380" cy="2407724"/>
+          </a:xfrm>
+        </p:spPr>
         <p:txBody>
-          <a:bodyPr/>
+          <a:bodyPr vert="horz" lIns="91440" tIns="45720" rIns="91440" bIns="0" rtlCol="0" anchor="b">
+            <a:normAutofit/>
+          </a:bodyPr>
           <a:lstStyle/>
           <a:p>
             <a:r>
-              <a:rPr lang="de-DE" dirty="0"/>
-              <a:t>Ausblick</a:t>
+              <a:rPr lang="en-US" sz="4800" dirty="0"/>
+              <a:t>Databinding</a:t>
             </a:r>
           </a:p>
         </p:txBody>
       </p:sp>
-      <p:sp>
-        <p:nvSpPr>
-          <p:cNvPr id="3" name="Inhaltsplatzhalter 2">
-            <a:extLst>
-              <a:ext uri="{FF2B5EF4-FFF2-40B4-BE49-F238E27FC236}">
-                <a16:creationId xmlns:a16="http://schemas.microsoft.com/office/drawing/2014/main" id="{FCEBA64E-2A61-4FEF-ADEE-8CC7AA23D9B3}"/>
-              </a:ext>
-            </a:extLst>
-          </p:cNvPr>
-          <p:cNvSpPr>
-            <a:spLocks noGrp="1"/>
-          </p:cNvSpPr>
+      <p:pic>
+        <p:nvPicPr>
+          <p:cNvPr id="27" name="Picture 26">
+            <a:extLst>
+              <a:ext uri="{FF2B5EF4-FFF2-40B4-BE49-F238E27FC236}">
+                <a16:creationId xmlns:a16="http://schemas.microsoft.com/office/drawing/2014/main" id="{48A2A651-3D77-45F6-9A25-3762F5E46633}"/>
+              </a:ext>
+              <a:ext uri="{C183D7F6-B498-43B3-948B-1728B52AA6E4}">
+                <adec:decorative xmlns:adec="http://schemas.microsoft.com/office/drawing/2017/decorative" val="1"/>
+              </a:ext>
+            </a:extLst>
+          </p:cNvPr>
+          <p:cNvPicPr>
+            <a:picLocks noGrp="1" noRot="1" noChangeAspect="1" noMove="1" noResize="1" noEditPoints="1" noAdjustHandles="1" noChangeArrowheads="1" noChangeShapeType="1" noCrop="1"/>
+          </p:cNvPicPr>
+          <p:nvPr>
+            <p:extLst>
+              <p:ext uri="{386F3935-93C4-4BCD-93E2-E3B085C9AB24}">
+                <p16:designElem xmlns:p16="http://schemas.microsoft.com/office/powerpoint/2015/main" val="1"/>
+              </p:ext>
+            </p:extLst>
+          </p:nvPr>
+        </p:nvPicPr>
+        <p:blipFill rotWithShape="1">
+          <a:blip r:embed="rId3">
+            <a:duotone>
+              <a:schemeClr val="accent1">
+                <a:shade val="45000"/>
+                <a:satMod val="135000"/>
+              </a:schemeClr>
+              <a:prstClr val="white"/>
+            </a:duotone>
+            <a:extLst>
+              <a:ext uri="{28A0092B-C50C-407E-A947-70E740481C1C}">
+                <a14:useLocalDpi xmlns:a14="http://schemas.microsoft.com/office/drawing/2010/main" val="0"/>
+              </a:ext>
+            </a:extLst>
+          </a:blip>
+          <a:srcRect l="-115" t="474" r="60418" b="36564"/>
+          <a:stretch/>
+        </p:blipFill>
+        <p:spPr>
+          <a:xfrm>
+            <a:off x="1125460" y="643464"/>
+            <a:ext cx="4526280" cy="155448"/>
+          </a:xfrm>
+          <a:prstGeom prst="rect">
+            <a:avLst/>
+          </a:prstGeom>
+          <a:noFill/>
+          <a:ln>
+            <a:noFill/>
+          </a:ln>
+        </p:spPr>
+      </p:pic>
+      <p:pic>
+        <p:nvPicPr>
+          <p:cNvPr id="10" name="Inhaltsplatzhalter 9">
+            <a:extLst>
+              <a:ext uri="{FF2B5EF4-FFF2-40B4-BE49-F238E27FC236}">
+                <a16:creationId xmlns:a16="http://schemas.microsoft.com/office/drawing/2014/main" id="{F0AFEB84-B62D-4AE7-8B8C-CC62F925B869}"/>
+              </a:ext>
+            </a:extLst>
+          </p:cNvPr>
+          <p:cNvPicPr>
+            <a:picLocks noGrp="1" noChangeAspect="1"/>
+          </p:cNvPicPr>
           <p:nvPr>
             <p:ph idx="1"/>
           </p:nvPr>
-        </p:nvSpPr>
-        <p:spPr/>
-        <p:txBody>
-          <a:bodyPr/>
-          <a:lstStyle/>
-          <a:p>
-            <a:r>
-              <a:rPr lang="de-DE" dirty="0"/>
-              <a:t>Daten in Excel-Tabelle überführen</a:t>
-            </a:r>
-          </a:p>
-          <a:p>
-            <a:r>
-              <a:rPr lang="de-DE" dirty="0"/>
-              <a:t>Dokumentation</a:t>
-            </a:r>
-          </a:p>
-          <a:p>
-            <a:r>
-              <a:rPr lang="de-DE" dirty="0"/>
-              <a:t>Authentifizierung</a:t>
-            </a:r>
-          </a:p>
-        </p:txBody>
-      </p:sp>
+        </p:nvPicPr>
+        <p:blipFill>
+          <a:blip r:embed="rId4"/>
+          <a:stretch>
+            <a:fillRect/>
+          </a:stretch>
+        </p:blipFill>
+        <p:spPr>
+          <a:xfrm>
+            <a:off x="5930632" y="1160188"/>
+            <a:ext cx="5867254" cy="4048404"/>
+          </a:xfrm>
+          <a:prstGeom prst="rect">
+            <a:avLst/>
+          </a:prstGeom>
+        </p:spPr>
+      </p:pic>
+      <p:pic>
+        <p:nvPicPr>
+          <p:cNvPr id="29" name="Picture 28">
+            <a:extLst>
+              <a:ext uri="{FF2B5EF4-FFF2-40B4-BE49-F238E27FC236}">
+                <a16:creationId xmlns:a16="http://schemas.microsoft.com/office/drawing/2014/main" id="{EE1B9172-598D-41CA-A120-1347A28BA08B}"/>
+              </a:ext>
+              <a:ext uri="{C183D7F6-B498-43B3-948B-1728B52AA6E4}">
+                <adec:decorative xmlns:adec="http://schemas.microsoft.com/office/drawing/2017/decorative" val="1"/>
+              </a:ext>
+            </a:extLst>
+          </p:cNvPr>
+          <p:cNvPicPr>
+            <a:picLocks noGrp="1" noRot="1" noChangeAspect="1" noMove="1" noResize="1" noEditPoints="1" noAdjustHandles="1" noChangeArrowheads="1" noChangeShapeType="1" noCrop="1"/>
+          </p:cNvPicPr>
+          <p:nvPr>
+            <p:extLst>
+              <p:ext uri="{386F3935-93C4-4BCD-93E2-E3B085C9AB24}">
+                <p16:designElem xmlns:p16="http://schemas.microsoft.com/office/powerpoint/2015/main" val="1"/>
+              </p:ext>
+            </p:extLst>
+          </p:nvPr>
+        </p:nvPicPr>
+        <p:blipFill rotWithShape="1">
+          <a:blip r:embed="rId2">
+            <a:extLst>
+              <a:ext uri="{28A0092B-C50C-407E-A947-70E740481C1C}">
+                <a14:useLocalDpi xmlns:a14="http://schemas.microsoft.com/office/drawing/2010/main" val="0"/>
+              </a:ext>
+            </a:extLst>
+          </a:blip>
+          <a:srcRect t="1538" b="-1538"/>
+          <a:stretch/>
+        </p:blipFill>
+        <p:spPr>
+          <a:xfrm>
+            <a:off x="0" y="6119336"/>
+            <a:ext cx="12192000" cy="742950"/>
+          </a:xfrm>
+          <a:prstGeom prst="rect">
+            <a:avLst/>
+          </a:prstGeom>
+        </p:spPr>
+      </p:pic>
+      <p:cxnSp>
+        <p:nvCxnSpPr>
+          <p:cNvPr id="31" name="Straight Connector 30">
+            <a:extLst>
+              <a:ext uri="{FF2B5EF4-FFF2-40B4-BE49-F238E27FC236}">
+                <a16:creationId xmlns:a16="http://schemas.microsoft.com/office/drawing/2014/main" id="{FD3493C9-FDB6-46AD-891A-36C02F24D8CC}"/>
+              </a:ext>
+              <a:ext uri="{C183D7F6-B498-43B3-948B-1728B52AA6E4}">
+                <adec:decorative xmlns:adec="http://schemas.microsoft.com/office/drawing/2017/decorative" val="1"/>
+              </a:ext>
+            </a:extLst>
+          </p:cNvPr>
+          <p:cNvCxnSpPr>
+            <a:cxnSpLocks noGrp="1" noRot="1" noChangeAspect="1" noMove="1" noResize="1" noEditPoints="1" noAdjustHandles="1" noChangeArrowheads="1" noChangeShapeType="1"/>
+          </p:cNvCxnSpPr>
+          <p:nvPr>
+            <p:extLst>
+              <p:ext uri="{386F3935-93C4-4BCD-93E2-E3B085C9AB24}">
+                <p16:designElem xmlns:p16="http://schemas.microsoft.com/office/powerpoint/2015/main" val="1"/>
+              </p:ext>
+            </p:extLst>
+          </p:nvPr>
+        </p:nvCxnSpPr>
+        <p:spPr>
+          <a:xfrm>
+            <a:off x="0" y="6121269"/>
+            <a:ext cx="12192000" cy="0"/>
+          </a:xfrm>
+          <a:prstGeom prst="line">
+            <a:avLst/>
+          </a:prstGeom>
+          <a:ln w="12700">
+            <a:solidFill>
+              <a:srgbClr val="000001">
+                <a:alpha val="20000"/>
+              </a:srgbClr>
+            </a:solidFill>
+          </a:ln>
+        </p:spPr>
+        <p:style>
+          <a:lnRef idx="1">
+            <a:schemeClr val="accent1"/>
+          </a:lnRef>
+          <a:fillRef idx="0">
+            <a:schemeClr val="accent1"/>
+          </a:fillRef>
+          <a:effectRef idx="0">
+            <a:schemeClr val="accent1"/>
+          </a:effectRef>
+          <a:fontRef idx="minor">
+            <a:schemeClr val="tx1"/>
+          </a:fontRef>
+        </p:style>
+      </p:cxnSp>
     </p:spTree>
     <p:extLst>
       <p:ext uri="{BB962C8B-B14F-4D97-AF65-F5344CB8AC3E}">
-        <p14:creationId xmlns:p14="http://schemas.microsoft.com/office/powerpoint/2010/main" val="3350993284"/>
+        <p14:creationId xmlns:p14="http://schemas.microsoft.com/office/powerpoint/2010/main" val="170154416"/>
       </p:ext>
     </p:extLst>
   </p:cSld>
@@ -7762,6 +9257,2592 @@
     <p:extLst>
       <p:ext uri="{BB962C8B-B14F-4D97-AF65-F5344CB8AC3E}">
         <p14:creationId xmlns:p14="http://schemas.microsoft.com/office/powerpoint/2010/main" val="1261514896"/>
+      </p:ext>
+    </p:extLst>
+  </p:cSld>
+  <p:clrMapOvr>
+    <a:masterClrMapping/>
+  </p:clrMapOvr>
+</p:sld>
+</file>
+
+<file path=ppt/slides/slide20.xml><?xml version="1.0" encoding="utf-8"?>
+<p:sld xmlns:a="http://schemas.openxmlformats.org/drawingml/2006/main" xmlns:r="http://schemas.openxmlformats.org/officeDocument/2006/relationships" xmlns:p="http://schemas.openxmlformats.org/presentationml/2006/main">
+  <p:cSld>
+    <p:bg>
+      <p:bgPr>
+        <a:gradFill rotWithShape="1">
+          <a:gsLst>
+            <a:gs pos="0">
+              <a:schemeClr val="bg1">
+                <a:tint val="94000"/>
+                <a:satMod val="80000"/>
+                <a:lumMod val="106000"/>
+              </a:schemeClr>
+            </a:gs>
+            <a:gs pos="100000">
+              <a:schemeClr val="bg1">
+                <a:shade val="80000"/>
+                <a:lumMod val="108000"/>
+              </a:schemeClr>
+            </a:gs>
+          </a:gsLst>
+          <a:path path="circle">
+            <a:fillToRect l="43000" r="43000" b="100000"/>
+          </a:path>
+        </a:gradFill>
+        <a:effectLst/>
+      </p:bgPr>
+    </p:bg>
+    <p:spTree>
+      <p:nvGrpSpPr>
+        <p:cNvPr id="1" name=""/>
+        <p:cNvGrpSpPr/>
+        <p:nvPr/>
+      </p:nvGrpSpPr>
+      <p:grpSpPr>
+        <a:xfrm>
+          <a:off x="0" y="0"/>
+          <a:ext cx="0" cy="0"/>
+          <a:chOff x="0" y="0"/>
+          <a:chExt cx="0" cy="0"/>
+        </a:xfrm>
+      </p:grpSpPr>
+      <p:pic>
+        <p:nvPicPr>
+          <p:cNvPr id="10" name="Picture 9">
+            <a:extLst>
+              <a:ext uri="{FF2B5EF4-FFF2-40B4-BE49-F238E27FC236}">
+                <a16:creationId xmlns:a16="http://schemas.microsoft.com/office/drawing/2014/main" id="{CB1DE69F-569C-4A49-8E50-4093C135AECF}"/>
+              </a:ext>
+              <a:ext uri="{C183D7F6-B498-43B3-948B-1728B52AA6E4}">
+                <adec:decorative xmlns:adec="http://schemas.microsoft.com/office/drawing/2017/decorative" val="1"/>
+              </a:ext>
+            </a:extLst>
+          </p:cNvPr>
+          <p:cNvPicPr>
+            <a:picLocks noGrp="1" noRot="1" noChangeAspect="1" noMove="1" noResize="1" noEditPoints="1" noAdjustHandles="1" noChangeArrowheads="1" noChangeShapeType="1" noCrop="1"/>
+          </p:cNvPicPr>
+          <p:nvPr>
+            <p:extLst>
+              <p:ext uri="{386F3935-93C4-4BCD-93E2-E3B085C9AB24}">
+                <p16:designElem xmlns:p16="http://schemas.microsoft.com/office/powerpoint/2015/main" val="1"/>
+              </p:ext>
+            </p:extLst>
+          </p:nvPr>
+        </p:nvPicPr>
+        <p:blipFill rotWithShape="1">
+          <a:blip r:embed="rId2">
+            <a:extLst>
+              <a:ext uri="{28A0092B-C50C-407E-A947-70E740481C1C}">
+                <a14:useLocalDpi xmlns:a14="http://schemas.microsoft.com/office/drawing/2010/main" val="0"/>
+              </a:ext>
+            </a:extLst>
+          </a:blip>
+          <a:srcRect t="1538" b="-1538"/>
+          <a:stretch/>
+        </p:blipFill>
+        <p:spPr>
+          <a:xfrm>
+            <a:off x="0" y="6119336"/>
+            <a:ext cx="12192000" cy="742950"/>
+          </a:xfrm>
+          <a:prstGeom prst="rect">
+            <a:avLst/>
+          </a:prstGeom>
+        </p:spPr>
+      </p:pic>
+      <p:sp>
+        <p:nvSpPr>
+          <p:cNvPr id="12" name="Rectangle 11">
+            <a:extLst>
+              <a:ext uri="{FF2B5EF4-FFF2-40B4-BE49-F238E27FC236}">
+                <a16:creationId xmlns:a16="http://schemas.microsoft.com/office/drawing/2014/main" id="{50B488F5-9CE4-4346-B22F-600286ED4D8F}"/>
+              </a:ext>
+              <a:ext uri="{C183D7F6-B498-43B3-948B-1728B52AA6E4}">
+                <adec:decorative xmlns:adec="http://schemas.microsoft.com/office/drawing/2017/decorative" val="1"/>
+              </a:ext>
+            </a:extLst>
+          </p:cNvPr>
+          <p:cNvSpPr>
+            <a:spLocks noGrp="1" noRot="1" noChangeAspect="1" noMove="1" noResize="1" noEditPoints="1" noAdjustHandles="1" noChangeArrowheads="1" noChangeShapeType="1" noTextEdit="1"/>
+          </p:cNvSpPr>
+          <p:nvPr>
+            <p:extLst>
+              <p:ext uri="{386F3935-93C4-4BCD-93E2-E3B085C9AB24}">
+                <p16:designElem xmlns:p16="http://schemas.microsoft.com/office/powerpoint/2015/main" val="1"/>
+              </p:ext>
+            </p:extLst>
+          </p:nvPr>
+        </p:nvSpPr>
+        <p:spPr>
+          <a:xfrm>
+            <a:off x="0" y="468769"/>
+            <a:ext cx="12192000" cy="5647024"/>
+          </a:xfrm>
+          <a:prstGeom prst="rect">
+            <a:avLst/>
+          </a:prstGeom>
+          <a:gradFill flip="none" rotWithShape="1">
+            <a:gsLst>
+              <a:gs pos="0">
+                <a:schemeClr val="bg2">
+                  <a:alpha val="0"/>
+                  <a:lumMod val="100000"/>
+                </a:schemeClr>
+              </a:gs>
+              <a:gs pos="100000">
+                <a:schemeClr val="bg2">
+                  <a:lumMod val="95000"/>
+                  <a:lumOff val="5000"/>
+                </a:schemeClr>
+              </a:gs>
+            </a:gsLst>
+            <a:lin ang="5400000" scaled="0"/>
+            <a:tileRect/>
+          </a:gradFill>
+          <a:ln>
+            <a:noFill/>
+          </a:ln>
+        </p:spPr>
+        <p:style>
+          <a:lnRef idx="2">
+            <a:schemeClr val="accent1">
+              <a:shade val="50000"/>
+            </a:schemeClr>
+          </a:lnRef>
+          <a:fillRef idx="1">
+            <a:schemeClr val="accent1"/>
+          </a:fillRef>
+          <a:effectRef idx="0">
+            <a:schemeClr val="accent1"/>
+          </a:effectRef>
+          <a:fontRef idx="minor">
+            <a:schemeClr val="lt1"/>
+          </a:fontRef>
+        </p:style>
+      </p:sp>
+      <p:cxnSp>
+        <p:nvCxnSpPr>
+          <p:cNvPr id="14" name="Straight Connector 13">
+            <a:extLst>
+              <a:ext uri="{FF2B5EF4-FFF2-40B4-BE49-F238E27FC236}">
+                <a16:creationId xmlns:a16="http://schemas.microsoft.com/office/drawing/2014/main" id="{5F76596F-57DF-4A0C-96D9-046DC3B30E9F}"/>
+              </a:ext>
+              <a:ext uri="{C183D7F6-B498-43B3-948B-1728B52AA6E4}">
+                <adec:decorative xmlns:adec="http://schemas.microsoft.com/office/drawing/2017/decorative" val="1"/>
+              </a:ext>
+            </a:extLst>
+          </p:cNvPr>
+          <p:cNvCxnSpPr>
+            <a:cxnSpLocks noGrp="1" noRot="1" noChangeAspect="1" noMove="1" noResize="1" noEditPoints="1" noAdjustHandles="1" noChangeArrowheads="1" noChangeShapeType="1"/>
+          </p:cNvCxnSpPr>
+          <p:nvPr>
+            <p:extLst>
+              <p:ext uri="{386F3935-93C4-4BCD-93E2-E3B085C9AB24}">
+                <p16:designElem xmlns:p16="http://schemas.microsoft.com/office/powerpoint/2015/main" val="1"/>
+              </p:ext>
+            </p:extLst>
+          </p:nvPr>
+        </p:nvCxnSpPr>
+        <p:spPr>
+          <a:xfrm>
+            <a:off x="0" y="6121269"/>
+            <a:ext cx="12192000" cy="0"/>
+          </a:xfrm>
+          <a:prstGeom prst="line">
+            <a:avLst/>
+          </a:prstGeom>
+          <a:ln w="12700">
+            <a:solidFill>
+              <a:srgbClr val="000001">
+                <a:alpha val="20000"/>
+              </a:srgbClr>
+            </a:solidFill>
+          </a:ln>
+        </p:spPr>
+        <p:style>
+          <a:lnRef idx="1">
+            <a:schemeClr val="accent1"/>
+          </a:lnRef>
+          <a:fillRef idx="0">
+            <a:schemeClr val="accent1"/>
+          </a:fillRef>
+          <a:effectRef idx="0">
+            <a:schemeClr val="accent1"/>
+          </a:effectRef>
+          <a:fontRef idx="minor">
+            <a:schemeClr val="tx1"/>
+          </a:fontRef>
+        </p:style>
+      </p:cxnSp>
+      <p:pic>
+        <p:nvPicPr>
+          <p:cNvPr id="16" name="Picture 15">
+            <a:extLst>
+              <a:ext uri="{FF2B5EF4-FFF2-40B4-BE49-F238E27FC236}">
+                <a16:creationId xmlns:a16="http://schemas.microsoft.com/office/drawing/2014/main" id="{16176A8D-754E-4699-9AAC-A833466A201A}"/>
+              </a:ext>
+              <a:ext uri="{C183D7F6-B498-43B3-948B-1728B52AA6E4}">
+                <adec:decorative xmlns:adec="http://schemas.microsoft.com/office/drawing/2017/decorative" val="1"/>
+              </a:ext>
+            </a:extLst>
+          </p:cNvPr>
+          <p:cNvPicPr>
+            <a:picLocks noGrp="1" noRot="1" noChangeAspect="1" noMove="1" noResize="1" noEditPoints="1" noAdjustHandles="1" noChangeArrowheads="1" noChangeShapeType="1" noCrop="1"/>
+          </p:cNvPicPr>
+          <p:nvPr>
+            <p:extLst>
+              <p:ext uri="{386F3935-93C4-4BCD-93E2-E3B085C9AB24}">
+                <p16:designElem xmlns:p16="http://schemas.microsoft.com/office/powerpoint/2015/main" val="1"/>
+              </p:ext>
+            </p:extLst>
+          </p:nvPr>
+        </p:nvPicPr>
+        <p:blipFill rotWithShape="1">
+          <a:blip r:embed="rId3">
+            <a:duotone>
+              <a:schemeClr val="accent1">
+                <a:shade val="45000"/>
+                <a:satMod val="135000"/>
+              </a:schemeClr>
+              <a:prstClr val="white"/>
+            </a:duotone>
+            <a:extLst>
+              <a:ext uri="{28A0092B-C50C-407E-A947-70E740481C1C}">
+                <a14:useLocalDpi xmlns:a14="http://schemas.microsoft.com/office/drawing/2010/main" val="0"/>
+              </a:ext>
+            </a:extLst>
+          </a:blip>
+          <a:srcRect l="-115" r="15828" b="36435"/>
+          <a:stretch/>
+        </p:blipFill>
+        <p:spPr>
+          <a:xfrm>
+            <a:off x="1125460" y="643464"/>
+            <a:ext cx="9610344" cy="155448"/>
+          </a:xfrm>
+          <a:prstGeom prst="rect">
+            <a:avLst/>
+          </a:prstGeom>
+          <a:noFill/>
+          <a:ln>
+            <a:noFill/>
+          </a:ln>
+        </p:spPr>
+      </p:pic>
+      <p:sp useBgFill="1">
+        <p:nvSpPr>
+          <p:cNvPr id="18" name="Rectangle 17">
+            <a:extLst>
+              <a:ext uri="{FF2B5EF4-FFF2-40B4-BE49-F238E27FC236}">
+                <a16:creationId xmlns:a16="http://schemas.microsoft.com/office/drawing/2014/main" id="{2AA0E174-1032-45EB-8FEE-2178019BAECE}"/>
+              </a:ext>
+              <a:ext uri="{C183D7F6-B498-43B3-948B-1728B52AA6E4}">
+                <adec:decorative xmlns:adec="http://schemas.microsoft.com/office/drawing/2017/decorative" val="1"/>
+              </a:ext>
+            </a:extLst>
+          </p:cNvPr>
+          <p:cNvSpPr>
+            <a:spLocks noGrp="1" noRot="1" noChangeAspect="1" noMove="1" noResize="1" noEditPoints="1" noAdjustHandles="1" noChangeArrowheads="1" noChangeShapeType="1" noTextEdit="1"/>
+          </p:cNvSpPr>
+          <p:nvPr>
+            <p:extLst>
+              <p:ext uri="{386F3935-93C4-4BCD-93E2-E3B085C9AB24}">
+                <p16:designElem xmlns:p16="http://schemas.microsoft.com/office/powerpoint/2015/main" val="1"/>
+              </p:ext>
+            </p:extLst>
+          </p:nvPr>
+        </p:nvSpPr>
+        <p:spPr>
+          <a:xfrm>
+            <a:off x="2" y="0"/>
+            <a:ext cx="12191695" cy="6858000"/>
+          </a:xfrm>
+          <a:prstGeom prst="rect">
+            <a:avLst/>
+          </a:prstGeom>
+          <a:ln>
+            <a:noFill/>
+          </a:ln>
+        </p:spPr>
+        <p:style>
+          <a:lnRef idx="2">
+            <a:schemeClr val="accent1">
+              <a:shade val="50000"/>
+            </a:schemeClr>
+          </a:lnRef>
+          <a:fillRef idx="1">
+            <a:schemeClr val="accent1"/>
+          </a:fillRef>
+          <a:effectRef idx="0">
+            <a:schemeClr val="accent1"/>
+          </a:effectRef>
+          <a:fontRef idx="minor">
+            <a:schemeClr val="lt1"/>
+          </a:fontRef>
+        </p:style>
+        <p:txBody>
+          <a:bodyPr rtlCol="0" anchor="ctr"/>
+          <a:lstStyle/>
+          <a:p>
+            <a:pPr algn="ctr"/>
+            <a:endParaRPr lang="en-US"/>
+          </a:p>
+        </p:txBody>
+      </p:sp>
+      <p:sp>
+        <p:nvSpPr>
+          <p:cNvPr id="20" name="Rectangle 19">
+            <a:extLst>
+              <a:ext uri="{FF2B5EF4-FFF2-40B4-BE49-F238E27FC236}">
+                <a16:creationId xmlns:a16="http://schemas.microsoft.com/office/drawing/2014/main" id="{C017D167-735C-4828-BF61-5BEC0A93C01B}"/>
+              </a:ext>
+              <a:ext uri="{C183D7F6-B498-43B3-948B-1728B52AA6E4}">
+                <adec:decorative xmlns:adec="http://schemas.microsoft.com/office/drawing/2017/decorative" val="1"/>
+              </a:ext>
+            </a:extLst>
+          </p:cNvPr>
+          <p:cNvSpPr>
+            <a:spLocks noGrp="1" noRot="1" noChangeAspect="1" noMove="1" noResize="1" noEditPoints="1" noAdjustHandles="1" noChangeArrowheads="1" noChangeShapeType="1" noTextEdit="1"/>
+          </p:cNvSpPr>
+          <p:nvPr>
+            <p:extLst>
+              <p:ext uri="{386F3935-93C4-4BCD-93E2-E3B085C9AB24}">
+                <p16:designElem xmlns:p16="http://schemas.microsoft.com/office/powerpoint/2015/main" val="1"/>
+              </p:ext>
+            </p:extLst>
+          </p:nvPr>
+        </p:nvSpPr>
+        <p:spPr>
+          <a:xfrm>
+            <a:off x="0" y="468769"/>
+            <a:ext cx="12192000" cy="5647024"/>
+          </a:xfrm>
+          <a:prstGeom prst="rect">
+            <a:avLst/>
+          </a:prstGeom>
+          <a:gradFill flip="none" rotWithShape="1">
+            <a:gsLst>
+              <a:gs pos="0">
+                <a:schemeClr val="bg2">
+                  <a:alpha val="0"/>
+                  <a:lumMod val="100000"/>
+                </a:schemeClr>
+              </a:gs>
+              <a:gs pos="100000">
+                <a:schemeClr val="bg2">
+                  <a:lumMod val="95000"/>
+                  <a:lumOff val="5000"/>
+                </a:schemeClr>
+              </a:gs>
+            </a:gsLst>
+            <a:lin ang="5400000" scaled="0"/>
+            <a:tileRect/>
+          </a:gradFill>
+          <a:ln>
+            <a:noFill/>
+          </a:ln>
+        </p:spPr>
+        <p:style>
+          <a:lnRef idx="2">
+            <a:schemeClr val="accent1">
+              <a:shade val="50000"/>
+            </a:schemeClr>
+          </a:lnRef>
+          <a:fillRef idx="1">
+            <a:schemeClr val="accent1"/>
+          </a:fillRef>
+          <a:effectRef idx="0">
+            <a:schemeClr val="accent1"/>
+          </a:effectRef>
+          <a:fontRef idx="minor">
+            <a:schemeClr val="lt1"/>
+          </a:fontRef>
+        </p:style>
+        <p:txBody>
+          <a:bodyPr rtlCol="0" anchor="ctr"/>
+          <a:lstStyle/>
+          <a:p>
+            <a:pPr algn="ctr"/>
+            <a:endParaRPr lang="en-US"/>
+          </a:p>
+        </p:txBody>
+      </p:sp>
+      <p:sp>
+        <p:nvSpPr>
+          <p:cNvPr id="2" name="Titel 1">
+            <a:extLst>
+              <a:ext uri="{FF2B5EF4-FFF2-40B4-BE49-F238E27FC236}">
+                <a16:creationId xmlns:a16="http://schemas.microsoft.com/office/drawing/2014/main" id="{134C04C6-141B-4336-B90C-8FAA2CC60FE4}"/>
+              </a:ext>
+            </a:extLst>
+          </p:cNvPr>
+          <p:cNvSpPr>
+            <a:spLocks noGrp="1"/>
+          </p:cNvSpPr>
+          <p:nvPr>
+            <p:ph type="title"/>
+          </p:nvPr>
+        </p:nvSpPr>
+        <p:spPr>
+          <a:xfrm>
+            <a:off x="1128413" y="988098"/>
+            <a:ext cx="4495380" cy="2407724"/>
+          </a:xfrm>
+        </p:spPr>
+        <p:txBody>
+          <a:bodyPr vert="horz" lIns="91440" tIns="45720" rIns="91440" bIns="0" rtlCol="0" anchor="b">
+            <a:normAutofit/>
+          </a:bodyPr>
+          <a:lstStyle/>
+          <a:p>
+            <a:r>
+              <a:rPr lang="en-US" sz="4800" dirty="0"/>
+              <a:t>Template </a:t>
+            </a:r>
+            <a:br>
+              <a:rPr lang="en-US" sz="4800" dirty="0"/>
+            </a:br>
+            <a:r>
+              <a:rPr lang="en-US" sz="4800" dirty="0"/>
+              <a:t>Syntax</a:t>
+            </a:r>
+          </a:p>
+        </p:txBody>
+      </p:sp>
+      <p:pic>
+        <p:nvPicPr>
+          <p:cNvPr id="22" name="Picture 21">
+            <a:extLst>
+              <a:ext uri="{FF2B5EF4-FFF2-40B4-BE49-F238E27FC236}">
+                <a16:creationId xmlns:a16="http://schemas.microsoft.com/office/drawing/2014/main" id="{48A2A651-3D77-45F6-9A25-3762F5E46633}"/>
+              </a:ext>
+              <a:ext uri="{C183D7F6-B498-43B3-948B-1728B52AA6E4}">
+                <adec:decorative xmlns:adec="http://schemas.microsoft.com/office/drawing/2017/decorative" val="1"/>
+              </a:ext>
+            </a:extLst>
+          </p:cNvPr>
+          <p:cNvPicPr>
+            <a:picLocks noGrp="1" noRot="1" noChangeAspect="1" noMove="1" noResize="1" noEditPoints="1" noAdjustHandles="1" noChangeArrowheads="1" noChangeShapeType="1" noCrop="1"/>
+          </p:cNvPicPr>
+          <p:nvPr>
+            <p:extLst>
+              <p:ext uri="{386F3935-93C4-4BCD-93E2-E3B085C9AB24}">
+                <p16:designElem xmlns:p16="http://schemas.microsoft.com/office/powerpoint/2015/main" val="1"/>
+              </p:ext>
+            </p:extLst>
+          </p:nvPr>
+        </p:nvPicPr>
+        <p:blipFill rotWithShape="1">
+          <a:blip r:embed="rId3">
+            <a:duotone>
+              <a:schemeClr val="accent1">
+                <a:shade val="45000"/>
+                <a:satMod val="135000"/>
+              </a:schemeClr>
+              <a:prstClr val="white"/>
+            </a:duotone>
+            <a:extLst>
+              <a:ext uri="{28A0092B-C50C-407E-A947-70E740481C1C}">
+                <a14:useLocalDpi xmlns:a14="http://schemas.microsoft.com/office/drawing/2010/main" val="0"/>
+              </a:ext>
+            </a:extLst>
+          </a:blip>
+          <a:srcRect l="-115" t="474" r="60418" b="36564"/>
+          <a:stretch/>
+        </p:blipFill>
+        <p:spPr>
+          <a:xfrm>
+            <a:off x="1125460" y="643464"/>
+            <a:ext cx="4526280" cy="155448"/>
+          </a:xfrm>
+          <a:prstGeom prst="rect">
+            <a:avLst/>
+          </a:prstGeom>
+          <a:noFill/>
+          <a:ln>
+            <a:noFill/>
+          </a:ln>
+        </p:spPr>
+      </p:pic>
+      <p:pic>
+        <p:nvPicPr>
+          <p:cNvPr id="5" name="Inhaltsplatzhalter 4">
+            <a:extLst>
+              <a:ext uri="{FF2B5EF4-FFF2-40B4-BE49-F238E27FC236}">
+                <a16:creationId xmlns:a16="http://schemas.microsoft.com/office/drawing/2014/main" id="{032E47B0-4701-4E56-AF54-E78E1665B7B7}"/>
+              </a:ext>
+            </a:extLst>
+          </p:cNvPr>
+          <p:cNvPicPr>
+            <a:picLocks noGrp="1" noChangeAspect="1"/>
+          </p:cNvPicPr>
+          <p:nvPr>
+            <p:ph idx="1"/>
+          </p:nvPr>
+        </p:nvPicPr>
+        <p:blipFill>
+          <a:blip r:embed="rId4"/>
+          <a:stretch>
+            <a:fillRect/>
+          </a:stretch>
+        </p:blipFill>
+        <p:spPr>
+          <a:xfrm>
+            <a:off x="5930632" y="551560"/>
+            <a:ext cx="5195986" cy="5092066"/>
+          </a:xfrm>
+          <a:prstGeom prst="rect">
+            <a:avLst/>
+          </a:prstGeom>
+        </p:spPr>
+      </p:pic>
+      <p:pic>
+        <p:nvPicPr>
+          <p:cNvPr id="24" name="Picture 23">
+            <a:extLst>
+              <a:ext uri="{FF2B5EF4-FFF2-40B4-BE49-F238E27FC236}">
+                <a16:creationId xmlns:a16="http://schemas.microsoft.com/office/drawing/2014/main" id="{EE1B9172-598D-41CA-A120-1347A28BA08B}"/>
+              </a:ext>
+              <a:ext uri="{C183D7F6-B498-43B3-948B-1728B52AA6E4}">
+                <adec:decorative xmlns:adec="http://schemas.microsoft.com/office/drawing/2017/decorative" val="1"/>
+              </a:ext>
+            </a:extLst>
+          </p:cNvPr>
+          <p:cNvPicPr>
+            <a:picLocks noGrp="1" noRot="1" noChangeAspect="1" noMove="1" noResize="1" noEditPoints="1" noAdjustHandles="1" noChangeArrowheads="1" noChangeShapeType="1" noCrop="1"/>
+          </p:cNvPicPr>
+          <p:nvPr>
+            <p:extLst>
+              <p:ext uri="{386F3935-93C4-4BCD-93E2-E3B085C9AB24}">
+                <p16:designElem xmlns:p16="http://schemas.microsoft.com/office/powerpoint/2015/main" val="1"/>
+              </p:ext>
+            </p:extLst>
+          </p:nvPr>
+        </p:nvPicPr>
+        <p:blipFill rotWithShape="1">
+          <a:blip r:embed="rId2">
+            <a:extLst>
+              <a:ext uri="{28A0092B-C50C-407E-A947-70E740481C1C}">
+                <a14:useLocalDpi xmlns:a14="http://schemas.microsoft.com/office/drawing/2010/main" val="0"/>
+              </a:ext>
+            </a:extLst>
+          </a:blip>
+          <a:srcRect t="1538" b="-1538"/>
+          <a:stretch/>
+        </p:blipFill>
+        <p:spPr>
+          <a:xfrm>
+            <a:off x="0" y="6119336"/>
+            <a:ext cx="12192000" cy="742950"/>
+          </a:xfrm>
+          <a:prstGeom prst="rect">
+            <a:avLst/>
+          </a:prstGeom>
+        </p:spPr>
+      </p:pic>
+      <p:cxnSp>
+        <p:nvCxnSpPr>
+          <p:cNvPr id="26" name="Straight Connector 25">
+            <a:extLst>
+              <a:ext uri="{FF2B5EF4-FFF2-40B4-BE49-F238E27FC236}">
+                <a16:creationId xmlns:a16="http://schemas.microsoft.com/office/drawing/2014/main" id="{FD3493C9-FDB6-46AD-891A-36C02F24D8CC}"/>
+              </a:ext>
+              <a:ext uri="{C183D7F6-B498-43B3-948B-1728B52AA6E4}">
+                <adec:decorative xmlns:adec="http://schemas.microsoft.com/office/drawing/2017/decorative" val="1"/>
+              </a:ext>
+            </a:extLst>
+          </p:cNvPr>
+          <p:cNvCxnSpPr>
+            <a:cxnSpLocks noGrp="1" noRot="1" noChangeAspect="1" noMove="1" noResize="1" noEditPoints="1" noAdjustHandles="1" noChangeArrowheads="1" noChangeShapeType="1"/>
+          </p:cNvCxnSpPr>
+          <p:nvPr>
+            <p:extLst>
+              <p:ext uri="{386F3935-93C4-4BCD-93E2-E3B085C9AB24}">
+                <p16:designElem xmlns:p16="http://schemas.microsoft.com/office/powerpoint/2015/main" val="1"/>
+              </p:ext>
+            </p:extLst>
+          </p:nvPr>
+        </p:nvCxnSpPr>
+        <p:spPr>
+          <a:xfrm>
+            <a:off x="0" y="6121269"/>
+            <a:ext cx="12192000" cy="0"/>
+          </a:xfrm>
+          <a:prstGeom prst="line">
+            <a:avLst/>
+          </a:prstGeom>
+          <a:ln w="12700">
+            <a:solidFill>
+              <a:srgbClr val="000001">
+                <a:alpha val="20000"/>
+              </a:srgbClr>
+            </a:solidFill>
+          </a:ln>
+        </p:spPr>
+        <p:style>
+          <a:lnRef idx="1">
+            <a:schemeClr val="accent1"/>
+          </a:lnRef>
+          <a:fillRef idx="0">
+            <a:schemeClr val="accent1"/>
+          </a:fillRef>
+          <a:effectRef idx="0">
+            <a:schemeClr val="accent1"/>
+          </a:effectRef>
+          <a:fontRef idx="minor">
+            <a:schemeClr val="tx1"/>
+          </a:fontRef>
+        </p:style>
+      </p:cxnSp>
+    </p:spTree>
+    <p:extLst>
+      <p:ext uri="{BB962C8B-B14F-4D97-AF65-F5344CB8AC3E}">
+        <p14:creationId xmlns:p14="http://schemas.microsoft.com/office/powerpoint/2010/main" val="3293617635"/>
+      </p:ext>
+    </p:extLst>
+  </p:cSld>
+  <p:clrMapOvr>
+    <a:masterClrMapping/>
+  </p:clrMapOvr>
+</p:sld>
+</file>
+
+<file path=ppt/slides/slide21.xml><?xml version="1.0" encoding="utf-8"?>
+<p:sld xmlns:a="http://schemas.openxmlformats.org/drawingml/2006/main" xmlns:r="http://schemas.openxmlformats.org/officeDocument/2006/relationships" xmlns:p="http://schemas.openxmlformats.org/presentationml/2006/main">
+  <p:cSld>
+    <p:bg>
+      <p:bgPr>
+        <a:gradFill rotWithShape="1">
+          <a:gsLst>
+            <a:gs pos="0">
+              <a:schemeClr val="bg1">
+                <a:tint val="94000"/>
+                <a:satMod val="80000"/>
+                <a:lumMod val="106000"/>
+              </a:schemeClr>
+            </a:gs>
+            <a:gs pos="100000">
+              <a:schemeClr val="bg1">
+                <a:shade val="80000"/>
+                <a:lumMod val="108000"/>
+              </a:schemeClr>
+            </a:gs>
+          </a:gsLst>
+          <a:path path="circle">
+            <a:fillToRect l="43000" r="43000" b="100000"/>
+          </a:path>
+        </a:gradFill>
+        <a:effectLst/>
+      </p:bgPr>
+    </p:bg>
+    <p:spTree>
+      <p:nvGrpSpPr>
+        <p:cNvPr id="1" name=""/>
+        <p:cNvGrpSpPr/>
+        <p:nvPr/>
+      </p:nvGrpSpPr>
+      <p:grpSpPr>
+        <a:xfrm>
+          <a:off x="0" y="0"/>
+          <a:ext cx="0" cy="0"/>
+          <a:chOff x="0" y="0"/>
+          <a:chExt cx="0" cy="0"/>
+        </a:xfrm>
+      </p:grpSpPr>
+      <p:pic>
+        <p:nvPicPr>
+          <p:cNvPr id="10" name="Picture 9">
+            <a:extLst>
+              <a:ext uri="{FF2B5EF4-FFF2-40B4-BE49-F238E27FC236}">
+                <a16:creationId xmlns:a16="http://schemas.microsoft.com/office/drawing/2014/main" id="{CB1DE69F-569C-4A49-8E50-4093C135AECF}"/>
+              </a:ext>
+              <a:ext uri="{C183D7F6-B498-43B3-948B-1728B52AA6E4}">
+                <adec:decorative xmlns:adec="http://schemas.microsoft.com/office/drawing/2017/decorative" val="1"/>
+              </a:ext>
+            </a:extLst>
+          </p:cNvPr>
+          <p:cNvPicPr>
+            <a:picLocks noGrp="1" noRot="1" noChangeAspect="1" noMove="1" noResize="1" noEditPoints="1" noAdjustHandles="1" noChangeArrowheads="1" noChangeShapeType="1" noCrop="1"/>
+          </p:cNvPicPr>
+          <p:nvPr>
+            <p:extLst>
+              <p:ext uri="{386F3935-93C4-4BCD-93E2-E3B085C9AB24}">
+                <p16:designElem xmlns:p16="http://schemas.microsoft.com/office/powerpoint/2015/main" val="1"/>
+              </p:ext>
+            </p:extLst>
+          </p:nvPr>
+        </p:nvPicPr>
+        <p:blipFill rotWithShape="1">
+          <a:blip r:embed="rId2">
+            <a:extLst>
+              <a:ext uri="{28A0092B-C50C-407E-A947-70E740481C1C}">
+                <a14:useLocalDpi xmlns:a14="http://schemas.microsoft.com/office/drawing/2010/main" val="0"/>
+              </a:ext>
+            </a:extLst>
+          </a:blip>
+          <a:srcRect t="1538" b="-1538"/>
+          <a:stretch/>
+        </p:blipFill>
+        <p:spPr>
+          <a:xfrm>
+            <a:off x="0" y="6119336"/>
+            <a:ext cx="12192000" cy="742950"/>
+          </a:xfrm>
+          <a:prstGeom prst="rect">
+            <a:avLst/>
+          </a:prstGeom>
+        </p:spPr>
+      </p:pic>
+      <p:sp>
+        <p:nvSpPr>
+          <p:cNvPr id="12" name="Rectangle 11">
+            <a:extLst>
+              <a:ext uri="{FF2B5EF4-FFF2-40B4-BE49-F238E27FC236}">
+                <a16:creationId xmlns:a16="http://schemas.microsoft.com/office/drawing/2014/main" id="{50B488F5-9CE4-4346-B22F-600286ED4D8F}"/>
+              </a:ext>
+              <a:ext uri="{C183D7F6-B498-43B3-948B-1728B52AA6E4}">
+                <adec:decorative xmlns:adec="http://schemas.microsoft.com/office/drawing/2017/decorative" val="1"/>
+              </a:ext>
+            </a:extLst>
+          </p:cNvPr>
+          <p:cNvSpPr>
+            <a:spLocks noGrp="1" noRot="1" noChangeAspect="1" noMove="1" noResize="1" noEditPoints="1" noAdjustHandles="1" noChangeArrowheads="1" noChangeShapeType="1" noTextEdit="1"/>
+          </p:cNvSpPr>
+          <p:nvPr>
+            <p:extLst>
+              <p:ext uri="{386F3935-93C4-4BCD-93E2-E3B085C9AB24}">
+                <p16:designElem xmlns:p16="http://schemas.microsoft.com/office/powerpoint/2015/main" val="1"/>
+              </p:ext>
+            </p:extLst>
+          </p:nvPr>
+        </p:nvSpPr>
+        <p:spPr>
+          <a:xfrm>
+            <a:off x="0" y="468769"/>
+            <a:ext cx="12192000" cy="5647024"/>
+          </a:xfrm>
+          <a:prstGeom prst="rect">
+            <a:avLst/>
+          </a:prstGeom>
+          <a:gradFill flip="none" rotWithShape="1">
+            <a:gsLst>
+              <a:gs pos="0">
+                <a:schemeClr val="bg2">
+                  <a:alpha val="0"/>
+                  <a:lumMod val="100000"/>
+                </a:schemeClr>
+              </a:gs>
+              <a:gs pos="100000">
+                <a:schemeClr val="bg2">
+                  <a:lumMod val="95000"/>
+                  <a:lumOff val="5000"/>
+                </a:schemeClr>
+              </a:gs>
+            </a:gsLst>
+            <a:lin ang="5400000" scaled="0"/>
+            <a:tileRect/>
+          </a:gradFill>
+          <a:ln>
+            <a:noFill/>
+          </a:ln>
+        </p:spPr>
+        <p:style>
+          <a:lnRef idx="2">
+            <a:schemeClr val="accent1">
+              <a:shade val="50000"/>
+            </a:schemeClr>
+          </a:lnRef>
+          <a:fillRef idx="1">
+            <a:schemeClr val="accent1"/>
+          </a:fillRef>
+          <a:effectRef idx="0">
+            <a:schemeClr val="accent1"/>
+          </a:effectRef>
+          <a:fontRef idx="minor">
+            <a:schemeClr val="lt1"/>
+          </a:fontRef>
+        </p:style>
+      </p:sp>
+      <p:cxnSp>
+        <p:nvCxnSpPr>
+          <p:cNvPr id="14" name="Straight Connector 13">
+            <a:extLst>
+              <a:ext uri="{FF2B5EF4-FFF2-40B4-BE49-F238E27FC236}">
+                <a16:creationId xmlns:a16="http://schemas.microsoft.com/office/drawing/2014/main" id="{5F76596F-57DF-4A0C-96D9-046DC3B30E9F}"/>
+              </a:ext>
+              <a:ext uri="{C183D7F6-B498-43B3-948B-1728B52AA6E4}">
+                <adec:decorative xmlns:adec="http://schemas.microsoft.com/office/drawing/2017/decorative" val="1"/>
+              </a:ext>
+            </a:extLst>
+          </p:cNvPr>
+          <p:cNvCxnSpPr>
+            <a:cxnSpLocks noGrp="1" noRot="1" noChangeAspect="1" noMove="1" noResize="1" noEditPoints="1" noAdjustHandles="1" noChangeArrowheads="1" noChangeShapeType="1"/>
+          </p:cNvCxnSpPr>
+          <p:nvPr>
+            <p:extLst>
+              <p:ext uri="{386F3935-93C4-4BCD-93E2-E3B085C9AB24}">
+                <p16:designElem xmlns:p16="http://schemas.microsoft.com/office/powerpoint/2015/main" val="1"/>
+              </p:ext>
+            </p:extLst>
+          </p:nvPr>
+        </p:nvCxnSpPr>
+        <p:spPr>
+          <a:xfrm>
+            <a:off x="0" y="6121269"/>
+            <a:ext cx="12192000" cy="0"/>
+          </a:xfrm>
+          <a:prstGeom prst="line">
+            <a:avLst/>
+          </a:prstGeom>
+          <a:ln w="12700">
+            <a:solidFill>
+              <a:srgbClr val="000001">
+                <a:alpha val="20000"/>
+              </a:srgbClr>
+            </a:solidFill>
+          </a:ln>
+        </p:spPr>
+        <p:style>
+          <a:lnRef idx="1">
+            <a:schemeClr val="accent1"/>
+          </a:lnRef>
+          <a:fillRef idx="0">
+            <a:schemeClr val="accent1"/>
+          </a:fillRef>
+          <a:effectRef idx="0">
+            <a:schemeClr val="accent1"/>
+          </a:effectRef>
+          <a:fontRef idx="minor">
+            <a:schemeClr val="tx1"/>
+          </a:fontRef>
+        </p:style>
+      </p:cxnSp>
+      <p:pic>
+        <p:nvPicPr>
+          <p:cNvPr id="16" name="Picture 15">
+            <a:extLst>
+              <a:ext uri="{FF2B5EF4-FFF2-40B4-BE49-F238E27FC236}">
+                <a16:creationId xmlns:a16="http://schemas.microsoft.com/office/drawing/2014/main" id="{16176A8D-754E-4699-9AAC-A833466A201A}"/>
+              </a:ext>
+              <a:ext uri="{C183D7F6-B498-43B3-948B-1728B52AA6E4}">
+                <adec:decorative xmlns:adec="http://schemas.microsoft.com/office/drawing/2017/decorative" val="1"/>
+              </a:ext>
+            </a:extLst>
+          </p:cNvPr>
+          <p:cNvPicPr>
+            <a:picLocks noGrp="1" noRot="1" noChangeAspect="1" noMove="1" noResize="1" noEditPoints="1" noAdjustHandles="1" noChangeArrowheads="1" noChangeShapeType="1" noCrop="1"/>
+          </p:cNvPicPr>
+          <p:nvPr>
+            <p:extLst>
+              <p:ext uri="{386F3935-93C4-4BCD-93E2-E3B085C9AB24}">
+                <p16:designElem xmlns:p16="http://schemas.microsoft.com/office/powerpoint/2015/main" val="1"/>
+              </p:ext>
+            </p:extLst>
+          </p:nvPr>
+        </p:nvPicPr>
+        <p:blipFill rotWithShape="1">
+          <a:blip r:embed="rId3">
+            <a:duotone>
+              <a:schemeClr val="accent1">
+                <a:shade val="45000"/>
+                <a:satMod val="135000"/>
+              </a:schemeClr>
+              <a:prstClr val="white"/>
+            </a:duotone>
+            <a:extLst>
+              <a:ext uri="{28A0092B-C50C-407E-A947-70E740481C1C}">
+                <a14:useLocalDpi xmlns:a14="http://schemas.microsoft.com/office/drawing/2010/main" val="0"/>
+              </a:ext>
+            </a:extLst>
+          </a:blip>
+          <a:srcRect l="-115" r="15828" b="36435"/>
+          <a:stretch/>
+        </p:blipFill>
+        <p:spPr>
+          <a:xfrm>
+            <a:off x="1125460" y="643464"/>
+            <a:ext cx="9610344" cy="155448"/>
+          </a:xfrm>
+          <a:prstGeom prst="rect">
+            <a:avLst/>
+          </a:prstGeom>
+          <a:noFill/>
+          <a:ln>
+            <a:noFill/>
+          </a:ln>
+        </p:spPr>
+      </p:pic>
+      <p:sp useBgFill="1">
+        <p:nvSpPr>
+          <p:cNvPr id="18" name="Rectangle 17">
+            <a:extLst>
+              <a:ext uri="{FF2B5EF4-FFF2-40B4-BE49-F238E27FC236}">
+                <a16:creationId xmlns:a16="http://schemas.microsoft.com/office/drawing/2014/main" id="{2AA0E174-1032-45EB-8FEE-2178019BAECE}"/>
+              </a:ext>
+              <a:ext uri="{C183D7F6-B498-43B3-948B-1728B52AA6E4}">
+                <adec:decorative xmlns:adec="http://schemas.microsoft.com/office/drawing/2017/decorative" val="1"/>
+              </a:ext>
+            </a:extLst>
+          </p:cNvPr>
+          <p:cNvSpPr>
+            <a:spLocks noGrp="1" noRot="1" noChangeAspect="1" noMove="1" noResize="1" noEditPoints="1" noAdjustHandles="1" noChangeArrowheads="1" noChangeShapeType="1" noTextEdit="1"/>
+          </p:cNvSpPr>
+          <p:nvPr>
+            <p:extLst>
+              <p:ext uri="{386F3935-93C4-4BCD-93E2-E3B085C9AB24}">
+                <p16:designElem xmlns:p16="http://schemas.microsoft.com/office/powerpoint/2015/main" val="1"/>
+              </p:ext>
+            </p:extLst>
+          </p:nvPr>
+        </p:nvSpPr>
+        <p:spPr>
+          <a:xfrm>
+            <a:off x="2" y="0"/>
+            <a:ext cx="12191695" cy="6858000"/>
+          </a:xfrm>
+          <a:prstGeom prst="rect">
+            <a:avLst/>
+          </a:prstGeom>
+          <a:ln>
+            <a:noFill/>
+          </a:ln>
+        </p:spPr>
+        <p:style>
+          <a:lnRef idx="2">
+            <a:schemeClr val="accent1">
+              <a:shade val="50000"/>
+            </a:schemeClr>
+          </a:lnRef>
+          <a:fillRef idx="1">
+            <a:schemeClr val="accent1"/>
+          </a:fillRef>
+          <a:effectRef idx="0">
+            <a:schemeClr val="accent1"/>
+          </a:effectRef>
+          <a:fontRef idx="minor">
+            <a:schemeClr val="lt1"/>
+          </a:fontRef>
+        </p:style>
+        <p:txBody>
+          <a:bodyPr rtlCol="0" anchor="ctr"/>
+          <a:lstStyle/>
+          <a:p>
+            <a:pPr algn="ctr"/>
+            <a:endParaRPr lang="en-US"/>
+          </a:p>
+        </p:txBody>
+      </p:sp>
+      <p:sp>
+        <p:nvSpPr>
+          <p:cNvPr id="20" name="Rectangle 19">
+            <a:extLst>
+              <a:ext uri="{FF2B5EF4-FFF2-40B4-BE49-F238E27FC236}">
+                <a16:creationId xmlns:a16="http://schemas.microsoft.com/office/drawing/2014/main" id="{C017D167-735C-4828-BF61-5BEC0A93C01B}"/>
+              </a:ext>
+              <a:ext uri="{C183D7F6-B498-43B3-948B-1728B52AA6E4}">
+                <adec:decorative xmlns:adec="http://schemas.microsoft.com/office/drawing/2017/decorative" val="1"/>
+              </a:ext>
+            </a:extLst>
+          </p:cNvPr>
+          <p:cNvSpPr>
+            <a:spLocks noGrp="1" noRot="1" noChangeAspect="1" noMove="1" noResize="1" noEditPoints="1" noAdjustHandles="1" noChangeArrowheads="1" noChangeShapeType="1" noTextEdit="1"/>
+          </p:cNvSpPr>
+          <p:nvPr>
+            <p:extLst>
+              <p:ext uri="{386F3935-93C4-4BCD-93E2-E3B085C9AB24}">
+                <p16:designElem xmlns:p16="http://schemas.microsoft.com/office/powerpoint/2015/main" val="1"/>
+              </p:ext>
+            </p:extLst>
+          </p:nvPr>
+        </p:nvSpPr>
+        <p:spPr>
+          <a:xfrm>
+            <a:off x="0" y="468769"/>
+            <a:ext cx="12192000" cy="5647024"/>
+          </a:xfrm>
+          <a:prstGeom prst="rect">
+            <a:avLst/>
+          </a:prstGeom>
+          <a:gradFill flip="none" rotWithShape="1">
+            <a:gsLst>
+              <a:gs pos="0">
+                <a:schemeClr val="bg2">
+                  <a:alpha val="0"/>
+                  <a:lumMod val="100000"/>
+                </a:schemeClr>
+              </a:gs>
+              <a:gs pos="100000">
+                <a:schemeClr val="bg2">
+                  <a:lumMod val="95000"/>
+                  <a:lumOff val="5000"/>
+                </a:schemeClr>
+              </a:gs>
+            </a:gsLst>
+            <a:lin ang="5400000" scaled="0"/>
+            <a:tileRect/>
+          </a:gradFill>
+          <a:ln>
+            <a:noFill/>
+          </a:ln>
+        </p:spPr>
+        <p:style>
+          <a:lnRef idx="2">
+            <a:schemeClr val="accent1">
+              <a:shade val="50000"/>
+            </a:schemeClr>
+          </a:lnRef>
+          <a:fillRef idx="1">
+            <a:schemeClr val="accent1"/>
+          </a:fillRef>
+          <a:effectRef idx="0">
+            <a:schemeClr val="accent1"/>
+          </a:effectRef>
+          <a:fontRef idx="minor">
+            <a:schemeClr val="lt1"/>
+          </a:fontRef>
+        </p:style>
+        <p:txBody>
+          <a:bodyPr rtlCol="0" anchor="ctr"/>
+          <a:lstStyle/>
+          <a:p>
+            <a:pPr algn="ctr"/>
+            <a:endParaRPr lang="en-US"/>
+          </a:p>
+        </p:txBody>
+      </p:sp>
+      <p:sp>
+        <p:nvSpPr>
+          <p:cNvPr id="2" name="Titel 1">
+            <a:extLst>
+              <a:ext uri="{FF2B5EF4-FFF2-40B4-BE49-F238E27FC236}">
+                <a16:creationId xmlns:a16="http://schemas.microsoft.com/office/drawing/2014/main" id="{8B099BDE-C5F3-4E0A-BEC3-DBB7D4932A75}"/>
+              </a:ext>
+            </a:extLst>
+          </p:cNvPr>
+          <p:cNvSpPr>
+            <a:spLocks noGrp="1"/>
+          </p:cNvSpPr>
+          <p:nvPr>
+            <p:ph type="title"/>
+          </p:nvPr>
+        </p:nvSpPr>
+        <p:spPr>
+          <a:xfrm>
+            <a:off x="1128413" y="988098"/>
+            <a:ext cx="4495380" cy="2407724"/>
+          </a:xfrm>
+        </p:spPr>
+        <p:txBody>
+          <a:bodyPr vert="horz" lIns="91440" tIns="45720" rIns="91440" bIns="0" rtlCol="0" anchor="b">
+            <a:normAutofit/>
+          </a:bodyPr>
+          <a:lstStyle/>
+          <a:p>
+            <a:r>
+              <a:rPr lang="en-US" sz="4800" dirty="0"/>
+              <a:t>Components</a:t>
+            </a:r>
+          </a:p>
+        </p:txBody>
+      </p:sp>
+      <p:pic>
+        <p:nvPicPr>
+          <p:cNvPr id="22" name="Picture 21">
+            <a:extLst>
+              <a:ext uri="{FF2B5EF4-FFF2-40B4-BE49-F238E27FC236}">
+                <a16:creationId xmlns:a16="http://schemas.microsoft.com/office/drawing/2014/main" id="{48A2A651-3D77-45F6-9A25-3762F5E46633}"/>
+              </a:ext>
+              <a:ext uri="{C183D7F6-B498-43B3-948B-1728B52AA6E4}">
+                <adec:decorative xmlns:adec="http://schemas.microsoft.com/office/drawing/2017/decorative" val="1"/>
+              </a:ext>
+            </a:extLst>
+          </p:cNvPr>
+          <p:cNvPicPr>
+            <a:picLocks noGrp="1" noRot="1" noChangeAspect="1" noMove="1" noResize="1" noEditPoints="1" noAdjustHandles="1" noChangeArrowheads="1" noChangeShapeType="1" noCrop="1"/>
+          </p:cNvPicPr>
+          <p:nvPr>
+            <p:extLst>
+              <p:ext uri="{386F3935-93C4-4BCD-93E2-E3B085C9AB24}">
+                <p16:designElem xmlns:p16="http://schemas.microsoft.com/office/powerpoint/2015/main" val="1"/>
+              </p:ext>
+            </p:extLst>
+          </p:nvPr>
+        </p:nvPicPr>
+        <p:blipFill rotWithShape="1">
+          <a:blip r:embed="rId3">
+            <a:duotone>
+              <a:schemeClr val="accent1">
+                <a:shade val="45000"/>
+                <a:satMod val="135000"/>
+              </a:schemeClr>
+              <a:prstClr val="white"/>
+            </a:duotone>
+            <a:extLst>
+              <a:ext uri="{28A0092B-C50C-407E-A947-70E740481C1C}">
+                <a14:useLocalDpi xmlns:a14="http://schemas.microsoft.com/office/drawing/2010/main" val="0"/>
+              </a:ext>
+            </a:extLst>
+          </a:blip>
+          <a:srcRect l="-115" t="474" r="60418" b="36564"/>
+          <a:stretch/>
+        </p:blipFill>
+        <p:spPr>
+          <a:xfrm>
+            <a:off x="1125460" y="643464"/>
+            <a:ext cx="4526280" cy="155448"/>
+          </a:xfrm>
+          <a:prstGeom prst="rect">
+            <a:avLst/>
+          </a:prstGeom>
+          <a:noFill/>
+          <a:ln>
+            <a:noFill/>
+          </a:ln>
+        </p:spPr>
+      </p:pic>
+      <p:pic>
+        <p:nvPicPr>
+          <p:cNvPr id="5" name="Inhaltsplatzhalter 4">
+            <a:extLst>
+              <a:ext uri="{FF2B5EF4-FFF2-40B4-BE49-F238E27FC236}">
+                <a16:creationId xmlns:a16="http://schemas.microsoft.com/office/drawing/2014/main" id="{16C04A41-F4F1-4A07-807C-2C900E442A98}"/>
+              </a:ext>
+            </a:extLst>
+          </p:cNvPr>
+          <p:cNvPicPr>
+            <a:picLocks noGrp="1" noChangeAspect="1"/>
+          </p:cNvPicPr>
+          <p:nvPr>
+            <p:ph idx="1"/>
+          </p:nvPr>
+        </p:nvPicPr>
+        <p:blipFill>
+          <a:blip r:embed="rId4"/>
+          <a:stretch>
+            <a:fillRect/>
+          </a:stretch>
+        </p:blipFill>
+        <p:spPr>
+          <a:xfrm>
+            <a:off x="6568209" y="121298"/>
+            <a:ext cx="3871125" cy="5887644"/>
+          </a:xfrm>
+          <a:prstGeom prst="rect">
+            <a:avLst/>
+          </a:prstGeom>
+        </p:spPr>
+      </p:pic>
+      <p:pic>
+        <p:nvPicPr>
+          <p:cNvPr id="24" name="Picture 23">
+            <a:extLst>
+              <a:ext uri="{FF2B5EF4-FFF2-40B4-BE49-F238E27FC236}">
+                <a16:creationId xmlns:a16="http://schemas.microsoft.com/office/drawing/2014/main" id="{EE1B9172-598D-41CA-A120-1347A28BA08B}"/>
+              </a:ext>
+              <a:ext uri="{C183D7F6-B498-43B3-948B-1728B52AA6E4}">
+                <adec:decorative xmlns:adec="http://schemas.microsoft.com/office/drawing/2017/decorative" val="1"/>
+              </a:ext>
+            </a:extLst>
+          </p:cNvPr>
+          <p:cNvPicPr>
+            <a:picLocks noGrp="1" noRot="1" noChangeAspect="1" noMove="1" noResize="1" noEditPoints="1" noAdjustHandles="1" noChangeArrowheads="1" noChangeShapeType="1" noCrop="1"/>
+          </p:cNvPicPr>
+          <p:nvPr>
+            <p:extLst>
+              <p:ext uri="{386F3935-93C4-4BCD-93E2-E3B085C9AB24}">
+                <p16:designElem xmlns:p16="http://schemas.microsoft.com/office/powerpoint/2015/main" val="1"/>
+              </p:ext>
+            </p:extLst>
+          </p:nvPr>
+        </p:nvPicPr>
+        <p:blipFill rotWithShape="1">
+          <a:blip r:embed="rId2">
+            <a:extLst>
+              <a:ext uri="{28A0092B-C50C-407E-A947-70E740481C1C}">
+                <a14:useLocalDpi xmlns:a14="http://schemas.microsoft.com/office/drawing/2010/main" val="0"/>
+              </a:ext>
+            </a:extLst>
+          </a:blip>
+          <a:srcRect t="1538" b="-1538"/>
+          <a:stretch/>
+        </p:blipFill>
+        <p:spPr>
+          <a:xfrm>
+            <a:off x="0" y="6119336"/>
+            <a:ext cx="12192000" cy="742950"/>
+          </a:xfrm>
+          <a:prstGeom prst="rect">
+            <a:avLst/>
+          </a:prstGeom>
+        </p:spPr>
+      </p:pic>
+      <p:cxnSp>
+        <p:nvCxnSpPr>
+          <p:cNvPr id="26" name="Straight Connector 25">
+            <a:extLst>
+              <a:ext uri="{FF2B5EF4-FFF2-40B4-BE49-F238E27FC236}">
+                <a16:creationId xmlns:a16="http://schemas.microsoft.com/office/drawing/2014/main" id="{FD3493C9-FDB6-46AD-891A-36C02F24D8CC}"/>
+              </a:ext>
+              <a:ext uri="{C183D7F6-B498-43B3-948B-1728B52AA6E4}">
+                <adec:decorative xmlns:adec="http://schemas.microsoft.com/office/drawing/2017/decorative" val="1"/>
+              </a:ext>
+            </a:extLst>
+          </p:cNvPr>
+          <p:cNvCxnSpPr>
+            <a:cxnSpLocks noGrp="1" noRot="1" noChangeAspect="1" noMove="1" noResize="1" noEditPoints="1" noAdjustHandles="1" noChangeArrowheads="1" noChangeShapeType="1"/>
+          </p:cNvCxnSpPr>
+          <p:nvPr>
+            <p:extLst>
+              <p:ext uri="{386F3935-93C4-4BCD-93E2-E3B085C9AB24}">
+                <p16:designElem xmlns:p16="http://schemas.microsoft.com/office/powerpoint/2015/main" val="1"/>
+              </p:ext>
+            </p:extLst>
+          </p:nvPr>
+        </p:nvCxnSpPr>
+        <p:spPr>
+          <a:xfrm>
+            <a:off x="0" y="6121269"/>
+            <a:ext cx="12192000" cy="0"/>
+          </a:xfrm>
+          <a:prstGeom prst="line">
+            <a:avLst/>
+          </a:prstGeom>
+          <a:ln w="12700">
+            <a:solidFill>
+              <a:srgbClr val="000001">
+                <a:alpha val="20000"/>
+              </a:srgbClr>
+            </a:solidFill>
+          </a:ln>
+        </p:spPr>
+        <p:style>
+          <a:lnRef idx="1">
+            <a:schemeClr val="accent1"/>
+          </a:lnRef>
+          <a:fillRef idx="0">
+            <a:schemeClr val="accent1"/>
+          </a:fillRef>
+          <a:effectRef idx="0">
+            <a:schemeClr val="accent1"/>
+          </a:effectRef>
+          <a:fontRef idx="minor">
+            <a:schemeClr val="tx1"/>
+          </a:fontRef>
+        </p:style>
+      </p:cxnSp>
+    </p:spTree>
+    <p:extLst>
+      <p:ext uri="{BB962C8B-B14F-4D97-AF65-F5344CB8AC3E}">
+        <p14:creationId xmlns:p14="http://schemas.microsoft.com/office/powerpoint/2010/main" val="1091128885"/>
+      </p:ext>
+    </p:extLst>
+  </p:cSld>
+  <p:clrMapOvr>
+    <a:masterClrMapping/>
+  </p:clrMapOvr>
+</p:sld>
+</file>
+
+<file path=ppt/slides/slide22.xml><?xml version="1.0" encoding="utf-8"?>
+<p:sld xmlns:a="http://schemas.openxmlformats.org/drawingml/2006/main" xmlns:r="http://schemas.openxmlformats.org/officeDocument/2006/relationships" xmlns:p="http://schemas.openxmlformats.org/presentationml/2006/main">
+  <p:cSld>
+    <p:spTree>
+      <p:nvGrpSpPr>
+        <p:cNvPr id="1" name=""/>
+        <p:cNvGrpSpPr/>
+        <p:nvPr/>
+      </p:nvGrpSpPr>
+      <p:grpSpPr>
+        <a:xfrm>
+          <a:off x="0" y="0"/>
+          <a:ext cx="0" cy="0"/>
+          <a:chOff x="0" y="0"/>
+          <a:chExt cx="0" cy="0"/>
+        </a:xfrm>
+      </p:grpSpPr>
+      <p:pic>
+        <p:nvPicPr>
+          <p:cNvPr id="5" name="Inhaltsplatzhalter 4">
+            <a:extLst>
+              <a:ext uri="{FF2B5EF4-FFF2-40B4-BE49-F238E27FC236}">
+                <a16:creationId xmlns:a16="http://schemas.microsoft.com/office/drawing/2014/main" id="{9D4AF9BA-3ADA-4A37-B635-7CF13AB93D41}"/>
+              </a:ext>
+            </a:extLst>
+          </p:cNvPr>
+          <p:cNvPicPr>
+            <a:picLocks noGrp="1" noChangeAspect="1"/>
+          </p:cNvPicPr>
+          <p:nvPr>
+            <p:ph idx="1"/>
+          </p:nvPr>
+        </p:nvPicPr>
+        <p:blipFill>
+          <a:blip r:embed="rId2"/>
+          <a:stretch>
+            <a:fillRect/>
+          </a:stretch>
+        </p:blipFill>
+        <p:spPr>
+          <a:xfrm>
+            <a:off x="752893" y="352927"/>
+            <a:ext cx="10686214" cy="5403142"/>
+          </a:xfrm>
+        </p:spPr>
+      </p:pic>
+    </p:spTree>
+    <p:extLst>
+      <p:ext uri="{BB962C8B-B14F-4D97-AF65-F5344CB8AC3E}">
+        <p14:creationId xmlns:p14="http://schemas.microsoft.com/office/powerpoint/2010/main" val="2539127235"/>
+      </p:ext>
+    </p:extLst>
+  </p:cSld>
+  <p:clrMapOvr>
+    <a:masterClrMapping/>
+  </p:clrMapOvr>
+</p:sld>
+</file>
+
+<file path=ppt/slides/slide23.xml><?xml version="1.0" encoding="utf-8"?>
+<p:sld xmlns:a="http://schemas.openxmlformats.org/drawingml/2006/main" xmlns:r="http://schemas.openxmlformats.org/officeDocument/2006/relationships" xmlns:p="http://schemas.openxmlformats.org/presentationml/2006/main">
+  <p:cSld>
+    <p:bg>
+      <p:bgPr>
+        <a:gradFill rotWithShape="1">
+          <a:gsLst>
+            <a:gs pos="0">
+              <a:schemeClr val="bg2">
+                <a:tint val="94000"/>
+                <a:satMod val="80000"/>
+                <a:lumMod val="106000"/>
+              </a:schemeClr>
+            </a:gs>
+            <a:gs pos="100000">
+              <a:schemeClr val="bg2">
+                <a:shade val="80000"/>
+              </a:schemeClr>
+            </a:gs>
+          </a:gsLst>
+          <a:path path="circle">
+            <a:fillToRect l="43000" r="43000" b="100000"/>
+          </a:path>
+        </a:gradFill>
+        <a:effectLst/>
+      </p:bgPr>
+    </p:bg>
+    <p:spTree>
+      <p:nvGrpSpPr>
+        <p:cNvPr id="1" name=""/>
+        <p:cNvGrpSpPr/>
+        <p:nvPr/>
+      </p:nvGrpSpPr>
+      <p:grpSpPr>
+        <a:xfrm>
+          <a:off x="0" y="0"/>
+          <a:ext cx="0" cy="0"/>
+          <a:chOff x="0" y="0"/>
+          <a:chExt cx="0" cy="0"/>
+        </a:xfrm>
+      </p:grpSpPr>
+      <p:sp>
+        <p:nvSpPr>
+          <p:cNvPr id="12" name="Rectangle 11">
+            <a:extLst>
+              <a:ext uri="{FF2B5EF4-FFF2-40B4-BE49-F238E27FC236}">
+                <a16:creationId xmlns:a16="http://schemas.microsoft.com/office/drawing/2014/main" id="{2FAC8C30-93FA-4F99-80C4-C952D83A4950}"/>
+              </a:ext>
+              <a:ext uri="{C183D7F6-B498-43B3-948B-1728B52AA6E4}">
+                <adec:decorative xmlns:adec="http://schemas.microsoft.com/office/drawing/2017/decorative" val="1"/>
+              </a:ext>
+            </a:extLst>
+          </p:cNvPr>
+          <p:cNvSpPr>
+            <a:spLocks noGrp="1" noRot="1" noChangeAspect="1" noMove="1" noResize="1" noEditPoints="1" noAdjustHandles="1" noChangeArrowheads="1" noChangeShapeType="1" noTextEdit="1"/>
+          </p:cNvSpPr>
+          <p:nvPr>
+            <p:extLst>
+              <p:ext uri="{386F3935-93C4-4BCD-93E2-E3B085C9AB24}">
+                <p16:designElem xmlns:p16="http://schemas.microsoft.com/office/powerpoint/2015/main" val="1"/>
+              </p:ext>
+            </p:extLst>
+          </p:nvPr>
+        </p:nvSpPr>
+        <p:spPr>
+          <a:xfrm>
+            <a:off x="0" y="2019476"/>
+            <a:ext cx="12192000" cy="4105941"/>
+          </a:xfrm>
+          <a:prstGeom prst="rect">
+            <a:avLst/>
+          </a:prstGeom>
+          <a:gradFill flip="none" rotWithShape="1">
+            <a:gsLst>
+              <a:gs pos="0">
+                <a:schemeClr val="bg2">
+                  <a:alpha val="0"/>
+                </a:schemeClr>
+              </a:gs>
+              <a:gs pos="100000">
+                <a:schemeClr val="bg2"/>
+              </a:gs>
+            </a:gsLst>
+            <a:lin ang="5400000" scaled="0"/>
+            <a:tileRect/>
+          </a:gradFill>
+          <a:ln>
+            <a:noFill/>
+          </a:ln>
+        </p:spPr>
+        <p:style>
+          <a:lnRef idx="2">
+            <a:schemeClr val="accent1">
+              <a:shade val="50000"/>
+            </a:schemeClr>
+          </a:lnRef>
+          <a:fillRef idx="1">
+            <a:schemeClr val="accent1"/>
+          </a:fillRef>
+          <a:effectRef idx="0">
+            <a:schemeClr val="accent1"/>
+          </a:effectRef>
+          <a:fontRef idx="minor">
+            <a:schemeClr val="lt1"/>
+          </a:fontRef>
+        </p:style>
+      </p:sp>
+      <p:pic>
+        <p:nvPicPr>
+          <p:cNvPr id="14" name="Picture 13">
+            <a:extLst>
+              <a:ext uri="{FF2B5EF4-FFF2-40B4-BE49-F238E27FC236}">
+                <a16:creationId xmlns:a16="http://schemas.microsoft.com/office/drawing/2014/main" id="{F3ACDE2A-6BC1-4786-87B1-F7DA35351E7A}"/>
+              </a:ext>
+              <a:ext uri="{C183D7F6-B498-43B3-948B-1728B52AA6E4}">
+                <adec:decorative xmlns:adec="http://schemas.microsoft.com/office/drawing/2017/decorative" val="1"/>
+              </a:ext>
+            </a:extLst>
+          </p:cNvPr>
+          <p:cNvPicPr>
+            <a:picLocks noGrp="1" noRot="1" noChangeAspect="1" noMove="1" noResize="1" noEditPoints="1" noAdjustHandles="1" noChangeArrowheads="1" noChangeShapeType="1" noCrop="1"/>
+          </p:cNvPicPr>
+          <p:nvPr>
+            <p:extLst>
+              <p:ext uri="{386F3935-93C4-4BCD-93E2-E3B085C9AB24}">
+                <p16:designElem xmlns:p16="http://schemas.microsoft.com/office/powerpoint/2015/main" val="1"/>
+              </p:ext>
+            </p:extLst>
+          </p:nvPr>
+        </p:nvPicPr>
+        <p:blipFill rotWithShape="1">
+          <a:blip r:embed="rId2">
+            <a:extLst>
+              <a:ext uri="{28A0092B-C50C-407E-A947-70E740481C1C}">
+                <a14:useLocalDpi xmlns:a14="http://schemas.microsoft.com/office/drawing/2010/main" val="0"/>
+              </a:ext>
+            </a:extLst>
+          </a:blip>
+          <a:srcRect t="1538" b="-1538"/>
+          <a:stretch/>
+        </p:blipFill>
+        <p:spPr bwMode="black">
+          <a:xfrm>
+            <a:off x="0" y="6126480"/>
+            <a:ext cx="12192000" cy="742950"/>
+          </a:xfrm>
+          <a:prstGeom prst="rect">
+            <a:avLst/>
+          </a:prstGeom>
+        </p:spPr>
+      </p:pic>
+      <p:cxnSp>
+        <p:nvCxnSpPr>
+          <p:cNvPr id="16" name="Straight Connector 15">
+            <a:extLst>
+              <a:ext uri="{FF2B5EF4-FFF2-40B4-BE49-F238E27FC236}">
+                <a16:creationId xmlns:a16="http://schemas.microsoft.com/office/drawing/2014/main" id="{0A2CC8B5-9886-4AFA-BE09-6178A4ED301A}"/>
+              </a:ext>
+              <a:ext uri="{C183D7F6-B498-43B3-948B-1728B52AA6E4}">
+                <adec:decorative xmlns:adec="http://schemas.microsoft.com/office/drawing/2017/decorative" val="1"/>
+              </a:ext>
+            </a:extLst>
+          </p:cNvPr>
+          <p:cNvCxnSpPr>
+            <a:cxnSpLocks noGrp="1" noRot="1" noChangeAspect="1" noMove="1" noResize="1" noEditPoints="1" noAdjustHandles="1" noChangeArrowheads="1" noChangeShapeType="1"/>
+          </p:cNvCxnSpPr>
+          <p:nvPr>
+            <p:extLst>
+              <p:ext uri="{386F3935-93C4-4BCD-93E2-E3B085C9AB24}">
+                <p16:designElem xmlns:p16="http://schemas.microsoft.com/office/powerpoint/2015/main" val="1"/>
+              </p:ext>
+            </p:extLst>
+          </p:nvPr>
+        </p:nvCxnSpPr>
+        <p:spPr>
+          <a:xfrm>
+            <a:off x="0" y="6128413"/>
+            <a:ext cx="12192000" cy="0"/>
+          </a:xfrm>
+          <a:prstGeom prst="line">
+            <a:avLst/>
+          </a:prstGeom>
+          <a:ln w="12700">
+            <a:solidFill>
+              <a:srgbClr val="000001">
+                <a:alpha val="20000"/>
+              </a:srgbClr>
+            </a:solidFill>
+          </a:ln>
+        </p:spPr>
+        <p:style>
+          <a:lnRef idx="1">
+            <a:schemeClr val="accent1"/>
+          </a:lnRef>
+          <a:fillRef idx="0">
+            <a:schemeClr val="accent1"/>
+          </a:fillRef>
+          <a:effectRef idx="0">
+            <a:schemeClr val="accent1"/>
+          </a:effectRef>
+          <a:fontRef idx="minor">
+            <a:schemeClr val="tx1"/>
+          </a:fontRef>
+        </p:style>
+      </p:cxnSp>
+      <p:sp useBgFill="1">
+        <p:nvSpPr>
+          <p:cNvPr id="18" name="Rectangle 17">
+            <a:extLst>
+              <a:ext uri="{FF2B5EF4-FFF2-40B4-BE49-F238E27FC236}">
+                <a16:creationId xmlns:a16="http://schemas.microsoft.com/office/drawing/2014/main" id="{87F32A0E-05A0-47B4-AA1E-84704ACC636B}"/>
+              </a:ext>
+              <a:ext uri="{C183D7F6-B498-43B3-948B-1728B52AA6E4}">
+                <adec:decorative xmlns:adec="http://schemas.microsoft.com/office/drawing/2017/decorative" val="1"/>
+              </a:ext>
+            </a:extLst>
+          </p:cNvPr>
+          <p:cNvSpPr>
+            <a:spLocks noGrp="1" noRot="1" noChangeAspect="1" noMove="1" noResize="1" noEditPoints="1" noAdjustHandles="1" noChangeArrowheads="1" noChangeShapeType="1" noTextEdit="1"/>
+          </p:cNvSpPr>
+          <p:nvPr>
+            <p:extLst>
+              <p:ext uri="{386F3935-93C4-4BCD-93E2-E3B085C9AB24}">
+                <p16:designElem xmlns:p16="http://schemas.microsoft.com/office/powerpoint/2015/main" val="1"/>
+              </p:ext>
+            </p:extLst>
+          </p:nvPr>
+        </p:nvSpPr>
+        <p:spPr>
+          <a:xfrm>
+            <a:off x="0" y="0"/>
+            <a:ext cx="12192000" cy="6858000"/>
+          </a:xfrm>
+          <a:prstGeom prst="rect">
+            <a:avLst/>
+          </a:prstGeom>
+          <a:ln>
+            <a:noFill/>
+          </a:ln>
+        </p:spPr>
+        <p:style>
+          <a:lnRef idx="2">
+            <a:schemeClr val="accent1">
+              <a:shade val="50000"/>
+            </a:schemeClr>
+          </a:lnRef>
+          <a:fillRef idx="1">
+            <a:schemeClr val="accent1"/>
+          </a:fillRef>
+          <a:effectRef idx="0">
+            <a:schemeClr val="accent1"/>
+          </a:effectRef>
+          <a:fontRef idx="minor">
+            <a:schemeClr val="lt1"/>
+          </a:fontRef>
+        </p:style>
+        <p:txBody>
+          <a:bodyPr rtlCol="0" anchor="ctr"/>
+          <a:lstStyle/>
+          <a:p>
+            <a:pPr algn="ctr"/>
+            <a:endParaRPr lang="en-US"/>
+          </a:p>
+        </p:txBody>
+      </p:sp>
+      <p:sp>
+        <p:nvSpPr>
+          <p:cNvPr id="20" name="Rectangle 19">
+            <a:extLst>
+              <a:ext uri="{FF2B5EF4-FFF2-40B4-BE49-F238E27FC236}">
+                <a16:creationId xmlns:a16="http://schemas.microsoft.com/office/drawing/2014/main" id="{6A731EC3-9556-4509-8379-DDBE0D4EB23A}"/>
+              </a:ext>
+              <a:ext uri="{C183D7F6-B498-43B3-948B-1728B52AA6E4}">
+                <adec:decorative xmlns:adec="http://schemas.microsoft.com/office/drawing/2017/decorative" val="1"/>
+              </a:ext>
+            </a:extLst>
+          </p:cNvPr>
+          <p:cNvSpPr>
+            <a:spLocks noGrp="1" noRot="1" noChangeAspect="1" noMove="1" noResize="1" noEditPoints="1" noAdjustHandles="1" noChangeArrowheads="1" noChangeShapeType="1" noTextEdit="1"/>
+          </p:cNvSpPr>
+          <p:nvPr>
+            <p:extLst>
+              <p:ext uri="{386F3935-93C4-4BCD-93E2-E3B085C9AB24}">
+                <p16:designElem xmlns:p16="http://schemas.microsoft.com/office/powerpoint/2015/main" val="1"/>
+              </p:ext>
+            </p:extLst>
+          </p:nvPr>
+        </p:nvSpPr>
+        <p:spPr>
+          <a:xfrm>
+            <a:off x="477012" y="480060"/>
+            <a:ext cx="11237976" cy="5897880"/>
+          </a:xfrm>
+          <a:prstGeom prst="rect">
+            <a:avLst/>
+          </a:prstGeom>
+          <a:solidFill>
+            <a:srgbClr val="FFFFFF"/>
+          </a:solidFill>
+          <a:ln w="22225">
+            <a:solidFill>
+              <a:schemeClr val="tx1">
+                <a:lumMod val="50000"/>
+                <a:lumOff val="50000"/>
+              </a:schemeClr>
+            </a:solidFill>
+          </a:ln>
+        </p:spPr>
+        <p:style>
+          <a:lnRef idx="2">
+            <a:schemeClr val="accent1">
+              <a:shade val="50000"/>
+            </a:schemeClr>
+          </a:lnRef>
+          <a:fillRef idx="1">
+            <a:schemeClr val="accent1"/>
+          </a:fillRef>
+          <a:effectRef idx="0">
+            <a:schemeClr val="accent1"/>
+          </a:effectRef>
+          <a:fontRef idx="minor">
+            <a:schemeClr val="lt1"/>
+          </a:fontRef>
+        </p:style>
+        <p:txBody>
+          <a:bodyPr rtlCol="0" anchor="ctr"/>
+          <a:lstStyle/>
+          <a:p>
+            <a:pPr algn="ctr"/>
+            <a:endParaRPr lang="en-US"/>
+          </a:p>
+        </p:txBody>
+      </p:sp>
+      <p:pic>
+        <p:nvPicPr>
+          <p:cNvPr id="7" name="Grafik 6">
+            <a:extLst>
+              <a:ext uri="{FF2B5EF4-FFF2-40B4-BE49-F238E27FC236}">
+                <a16:creationId xmlns:a16="http://schemas.microsoft.com/office/drawing/2014/main" id="{400DDE1E-37E3-4059-BEB8-B94359E86E54}"/>
+              </a:ext>
+            </a:extLst>
+          </p:cNvPr>
+          <p:cNvPicPr>
+            <a:picLocks noChangeAspect="1"/>
+          </p:cNvPicPr>
+          <p:nvPr/>
+        </p:nvPicPr>
+        <p:blipFill>
+          <a:blip r:embed="rId3"/>
+          <a:stretch>
+            <a:fillRect/>
+          </a:stretch>
+        </p:blipFill>
+        <p:spPr>
+          <a:xfrm>
+            <a:off x="7425925" y="528677"/>
+            <a:ext cx="3784949" cy="5756578"/>
+          </a:xfrm>
+          <a:prstGeom prst="rect">
+            <a:avLst/>
+          </a:prstGeom>
+        </p:spPr>
+      </p:pic>
+      <p:pic>
+        <p:nvPicPr>
+          <p:cNvPr id="5" name="Grafik 4">
+            <a:extLst>
+              <a:ext uri="{FF2B5EF4-FFF2-40B4-BE49-F238E27FC236}">
+                <a16:creationId xmlns:a16="http://schemas.microsoft.com/office/drawing/2014/main" id="{EBC69548-A328-4554-9F93-5C72D002E3B4}"/>
+              </a:ext>
+            </a:extLst>
+          </p:cNvPr>
+          <p:cNvPicPr>
+            <a:picLocks noChangeAspect="1"/>
+          </p:cNvPicPr>
+          <p:nvPr/>
+        </p:nvPicPr>
+        <p:blipFill>
+          <a:blip r:embed="rId4"/>
+          <a:stretch>
+            <a:fillRect/>
+          </a:stretch>
+        </p:blipFill>
+        <p:spPr>
+          <a:xfrm>
+            <a:off x="751976" y="1336035"/>
+            <a:ext cx="6435443" cy="4038239"/>
+          </a:xfrm>
+          <a:prstGeom prst="rect">
+            <a:avLst/>
+          </a:prstGeom>
+        </p:spPr>
+      </p:pic>
+    </p:spTree>
+    <p:extLst>
+      <p:ext uri="{BB962C8B-B14F-4D97-AF65-F5344CB8AC3E}">
+        <p14:creationId xmlns:p14="http://schemas.microsoft.com/office/powerpoint/2010/main" val="847651509"/>
+      </p:ext>
+    </p:extLst>
+  </p:cSld>
+  <p:clrMapOvr>
+    <a:masterClrMapping/>
+  </p:clrMapOvr>
+</p:sld>
+</file>
+
+<file path=ppt/slides/slide24.xml><?xml version="1.0" encoding="utf-8"?>
+<p:sld xmlns:a="http://schemas.openxmlformats.org/drawingml/2006/main" xmlns:r="http://schemas.openxmlformats.org/officeDocument/2006/relationships" xmlns:p="http://schemas.openxmlformats.org/presentationml/2006/main">
+  <p:cSld>
+    <p:bg>
+      <p:bgPr>
+        <a:gradFill rotWithShape="1">
+          <a:gsLst>
+            <a:gs pos="0">
+              <a:schemeClr val="bg1">
+                <a:tint val="94000"/>
+                <a:satMod val="80000"/>
+                <a:lumMod val="106000"/>
+              </a:schemeClr>
+            </a:gs>
+            <a:gs pos="100000">
+              <a:schemeClr val="bg1">
+                <a:shade val="80000"/>
+                <a:lumMod val="108000"/>
+              </a:schemeClr>
+            </a:gs>
+          </a:gsLst>
+          <a:path path="circle">
+            <a:fillToRect l="43000" r="43000" b="100000"/>
+          </a:path>
+        </a:gradFill>
+        <a:effectLst/>
+      </p:bgPr>
+    </p:bg>
+    <p:spTree>
+      <p:nvGrpSpPr>
+        <p:cNvPr id="1" name=""/>
+        <p:cNvGrpSpPr/>
+        <p:nvPr/>
+      </p:nvGrpSpPr>
+      <p:grpSpPr>
+        <a:xfrm>
+          <a:off x="0" y="0"/>
+          <a:ext cx="0" cy="0"/>
+          <a:chOff x="0" y="0"/>
+          <a:chExt cx="0" cy="0"/>
+        </a:xfrm>
+      </p:grpSpPr>
+      <p:pic>
+        <p:nvPicPr>
+          <p:cNvPr id="12" name="Picture 11">
+            <a:extLst>
+              <a:ext uri="{FF2B5EF4-FFF2-40B4-BE49-F238E27FC236}">
+                <a16:creationId xmlns:a16="http://schemas.microsoft.com/office/drawing/2014/main" id="{E8690AC4-C9C4-4944-A98C-B1D32992D60B}"/>
+              </a:ext>
+              <a:ext uri="{C183D7F6-B498-43B3-948B-1728B52AA6E4}">
+                <adec:decorative xmlns:adec="http://schemas.microsoft.com/office/drawing/2017/decorative" val="1"/>
+              </a:ext>
+            </a:extLst>
+          </p:cNvPr>
+          <p:cNvPicPr>
+            <a:picLocks noGrp="1" noRot="1" noChangeAspect="1" noMove="1" noResize="1" noEditPoints="1" noAdjustHandles="1" noChangeArrowheads="1" noChangeShapeType="1" noCrop="1"/>
+          </p:cNvPicPr>
+          <p:nvPr>
+            <p:extLst>
+              <p:ext uri="{386F3935-93C4-4BCD-93E2-E3B085C9AB24}">
+                <p16:designElem xmlns:p16="http://schemas.microsoft.com/office/powerpoint/2015/main" val="1"/>
+              </p:ext>
+            </p:extLst>
+          </p:nvPr>
+        </p:nvPicPr>
+        <p:blipFill rotWithShape="1">
+          <a:blip r:embed="rId2">
+            <a:extLst>
+              <a:ext uri="{28A0092B-C50C-407E-A947-70E740481C1C}">
+                <a14:useLocalDpi xmlns:a14="http://schemas.microsoft.com/office/drawing/2010/main" val="0"/>
+              </a:ext>
+            </a:extLst>
+          </a:blip>
+          <a:srcRect t="1538" b="-1538"/>
+          <a:stretch/>
+        </p:blipFill>
+        <p:spPr>
+          <a:xfrm>
+            <a:off x="0" y="6119336"/>
+            <a:ext cx="12192000" cy="742950"/>
+          </a:xfrm>
+          <a:prstGeom prst="rect">
+            <a:avLst/>
+          </a:prstGeom>
+        </p:spPr>
+      </p:pic>
+      <p:sp>
+        <p:nvSpPr>
+          <p:cNvPr id="14" name="Rectangle 13">
+            <a:extLst>
+              <a:ext uri="{FF2B5EF4-FFF2-40B4-BE49-F238E27FC236}">
+                <a16:creationId xmlns:a16="http://schemas.microsoft.com/office/drawing/2014/main" id="{86F828BE-4D4E-43F9-AC35-0209B5190C05}"/>
+              </a:ext>
+              <a:ext uri="{C183D7F6-B498-43B3-948B-1728B52AA6E4}">
+                <adec:decorative xmlns:adec="http://schemas.microsoft.com/office/drawing/2017/decorative" val="1"/>
+              </a:ext>
+            </a:extLst>
+          </p:cNvPr>
+          <p:cNvSpPr>
+            <a:spLocks noGrp="1" noRot="1" noChangeAspect="1" noMove="1" noResize="1" noEditPoints="1" noAdjustHandles="1" noChangeArrowheads="1" noChangeShapeType="1" noTextEdit="1"/>
+          </p:cNvSpPr>
+          <p:nvPr>
+            <p:extLst>
+              <p:ext uri="{386F3935-93C4-4BCD-93E2-E3B085C9AB24}">
+                <p16:designElem xmlns:p16="http://schemas.microsoft.com/office/powerpoint/2015/main" val="1"/>
+              </p:ext>
+            </p:extLst>
+          </p:nvPr>
+        </p:nvSpPr>
+        <p:spPr>
+          <a:xfrm>
+            <a:off x="0" y="468769"/>
+            <a:ext cx="12192000" cy="5647024"/>
+          </a:xfrm>
+          <a:prstGeom prst="rect">
+            <a:avLst/>
+          </a:prstGeom>
+          <a:gradFill flip="none" rotWithShape="1">
+            <a:gsLst>
+              <a:gs pos="0">
+                <a:schemeClr val="bg2">
+                  <a:alpha val="0"/>
+                  <a:lumMod val="100000"/>
+                </a:schemeClr>
+              </a:gs>
+              <a:gs pos="100000">
+                <a:schemeClr val="bg2">
+                  <a:lumMod val="95000"/>
+                  <a:lumOff val="5000"/>
+                </a:schemeClr>
+              </a:gs>
+            </a:gsLst>
+            <a:lin ang="5400000" scaled="0"/>
+            <a:tileRect/>
+          </a:gradFill>
+          <a:ln>
+            <a:noFill/>
+          </a:ln>
+        </p:spPr>
+        <p:style>
+          <a:lnRef idx="2">
+            <a:schemeClr val="accent1">
+              <a:shade val="50000"/>
+            </a:schemeClr>
+          </a:lnRef>
+          <a:fillRef idx="1">
+            <a:schemeClr val="accent1"/>
+          </a:fillRef>
+          <a:effectRef idx="0">
+            <a:schemeClr val="accent1"/>
+          </a:effectRef>
+          <a:fontRef idx="minor">
+            <a:schemeClr val="lt1"/>
+          </a:fontRef>
+        </p:style>
+      </p:sp>
+      <p:cxnSp>
+        <p:nvCxnSpPr>
+          <p:cNvPr id="16" name="Straight Connector 15">
+            <a:extLst>
+              <a:ext uri="{FF2B5EF4-FFF2-40B4-BE49-F238E27FC236}">
+                <a16:creationId xmlns:a16="http://schemas.microsoft.com/office/drawing/2014/main" id="{10BAB604-20D4-431F-ADD8-754BB7992A43}"/>
+              </a:ext>
+              <a:ext uri="{C183D7F6-B498-43B3-948B-1728B52AA6E4}">
+                <adec:decorative xmlns:adec="http://schemas.microsoft.com/office/drawing/2017/decorative" val="1"/>
+              </a:ext>
+            </a:extLst>
+          </p:cNvPr>
+          <p:cNvCxnSpPr>
+            <a:cxnSpLocks noGrp="1" noRot="1" noChangeAspect="1" noMove="1" noResize="1" noEditPoints="1" noAdjustHandles="1" noChangeArrowheads="1" noChangeShapeType="1"/>
+          </p:cNvCxnSpPr>
+          <p:nvPr>
+            <p:extLst>
+              <p:ext uri="{386F3935-93C4-4BCD-93E2-E3B085C9AB24}">
+                <p16:designElem xmlns:p16="http://schemas.microsoft.com/office/powerpoint/2015/main" val="1"/>
+              </p:ext>
+            </p:extLst>
+          </p:nvPr>
+        </p:nvCxnSpPr>
+        <p:spPr>
+          <a:xfrm>
+            <a:off x="0" y="6121269"/>
+            <a:ext cx="12192000" cy="0"/>
+          </a:xfrm>
+          <a:prstGeom prst="line">
+            <a:avLst/>
+          </a:prstGeom>
+          <a:ln w="12700">
+            <a:solidFill>
+              <a:srgbClr val="000001">
+                <a:alpha val="20000"/>
+              </a:srgbClr>
+            </a:solidFill>
+          </a:ln>
+        </p:spPr>
+        <p:style>
+          <a:lnRef idx="1">
+            <a:schemeClr val="accent1"/>
+          </a:lnRef>
+          <a:fillRef idx="0">
+            <a:schemeClr val="accent1"/>
+          </a:fillRef>
+          <a:effectRef idx="0">
+            <a:schemeClr val="accent1"/>
+          </a:effectRef>
+          <a:fontRef idx="minor">
+            <a:schemeClr val="tx1"/>
+          </a:fontRef>
+        </p:style>
+      </p:cxnSp>
+      <p:pic>
+        <p:nvPicPr>
+          <p:cNvPr id="18" name="Picture 17">
+            <a:extLst>
+              <a:ext uri="{FF2B5EF4-FFF2-40B4-BE49-F238E27FC236}">
+                <a16:creationId xmlns:a16="http://schemas.microsoft.com/office/drawing/2014/main" id="{C821979E-9A93-4880-80B5-D60B75C19185}"/>
+              </a:ext>
+              <a:ext uri="{C183D7F6-B498-43B3-948B-1728B52AA6E4}">
+                <adec:decorative xmlns:adec="http://schemas.microsoft.com/office/drawing/2017/decorative" val="1"/>
+              </a:ext>
+            </a:extLst>
+          </p:cNvPr>
+          <p:cNvPicPr>
+            <a:picLocks noGrp="1" noRot="1" noChangeAspect="1" noMove="1" noResize="1" noEditPoints="1" noAdjustHandles="1" noChangeArrowheads="1" noChangeShapeType="1" noCrop="1"/>
+          </p:cNvPicPr>
+          <p:nvPr>
+            <p:extLst>
+              <p:ext uri="{386F3935-93C4-4BCD-93E2-E3B085C9AB24}">
+                <p16:designElem xmlns:p16="http://schemas.microsoft.com/office/powerpoint/2015/main" val="1"/>
+              </p:ext>
+            </p:extLst>
+          </p:nvPr>
+        </p:nvPicPr>
+        <p:blipFill rotWithShape="1">
+          <a:blip r:embed="rId3">
+            <a:duotone>
+              <a:schemeClr val="accent1">
+                <a:shade val="45000"/>
+                <a:satMod val="135000"/>
+              </a:schemeClr>
+              <a:prstClr val="white"/>
+            </a:duotone>
+            <a:extLst>
+              <a:ext uri="{28A0092B-C50C-407E-A947-70E740481C1C}">
+                <a14:useLocalDpi xmlns:a14="http://schemas.microsoft.com/office/drawing/2010/main" val="0"/>
+              </a:ext>
+            </a:extLst>
+          </a:blip>
+          <a:srcRect l="-115" r="15828" b="36435"/>
+          <a:stretch/>
+        </p:blipFill>
+        <p:spPr>
+          <a:xfrm>
+            <a:off x="1125460" y="643464"/>
+            <a:ext cx="9610344" cy="155448"/>
+          </a:xfrm>
+          <a:prstGeom prst="rect">
+            <a:avLst/>
+          </a:prstGeom>
+          <a:noFill/>
+          <a:ln>
+            <a:noFill/>
+          </a:ln>
+        </p:spPr>
+      </p:pic>
+      <p:sp useBgFill="1">
+        <p:nvSpPr>
+          <p:cNvPr id="20" name="Rectangle 19">
+            <a:extLst>
+              <a:ext uri="{FF2B5EF4-FFF2-40B4-BE49-F238E27FC236}">
+                <a16:creationId xmlns:a16="http://schemas.microsoft.com/office/drawing/2014/main" id="{CED21F42-BCA5-4F32-9FC2-65B6667FBBBC}"/>
+              </a:ext>
+              <a:ext uri="{C183D7F6-B498-43B3-948B-1728B52AA6E4}">
+                <adec:decorative xmlns:adec="http://schemas.microsoft.com/office/drawing/2017/decorative" val="1"/>
+              </a:ext>
+            </a:extLst>
+          </p:cNvPr>
+          <p:cNvSpPr>
+            <a:spLocks noGrp="1" noRot="1" noChangeAspect="1" noMove="1" noResize="1" noEditPoints="1" noAdjustHandles="1" noChangeArrowheads="1" noChangeShapeType="1" noTextEdit="1"/>
+          </p:cNvSpPr>
+          <p:nvPr>
+            <p:extLst>
+              <p:ext uri="{386F3935-93C4-4BCD-93E2-E3B085C9AB24}">
+                <p16:designElem xmlns:p16="http://schemas.microsoft.com/office/powerpoint/2015/main" val="1"/>
+              </p:ext>
+            </p:extLst>
+          </p:nvPr>
+        </p:nvSpPr>
+        <p:spPr>
+          <a:xfrm>
+            <a:off x="2" y="0"/>
+            <a:ext cx="12191695" cy="6858000"/>
+          </a:xfrm>
+          <a:prstGeom prst="rect">
+            <a:avLst/>
+          </a:prstGeom>
+          <a:ln>
+            <a:noFill/>
+          </a:ln>
+        </p:spPr>
+        <p:style>
+          <a:lnRef idx="2">
+            <a:schemeClr val="accent1">
+              <a:shade val="50000"/>
+            </a:schemeClr>
+          </a:lnRef>
+          <a:fillRef idx="1">
+            <a:schemeClr val="accent1"/>
+          </a:fillRef>
+          <a:effectRef idx="0">
+            <a:schemeClr val="accent1"/>
+          </a:effectRef>
+          <a:fontRef idx="minor">
+            <a:schemeClr val="lt1"/>
+          </a:fontRef>
+        </p:style>
+        <p:txBody>
+          <a:bodyPr rtlCol="0" anchor="ctr"/>
+          <a:lstStyle/>
+          <a:p>
+            <a:pPr algn="ctr"/>
+            <a:endParaRPr lang="en-US"/>
+          </a:p>
+        </p:txBody>
+      </p:sp>
+      <p:sp>
+        <p:nvSpPr>
+          <p:cNvPr id="22" name="Rectangle 21">
+            <a:extLst>
+              <a:ext uri="{FF2B5EF4-FFF2-40B4-BE49-F238E27FC236}">
+                <a16:creationId xmlns:a16="http://schemas.microsoft.com/office/drawing/2014/main" id="{98D5A76E-C240-4528-8F2D-E93F24F46011}"/>
+              </a:ext>
+              <a:ext uri="{C183D7F6-B498-43B3-948B-1728B52AA6E4}">
+                <adec:decorative xmlns:adec="http://schemas.microsoft.com/office/drawing/2017/decorative" val="1"/>
+              </a:ext>
+            </a:extLst>
+          </p:cNvPr>
+          <p:cNvSpPr>
+            <a:spLocks noGrp="1" noRot="1" noChangeAspect="1" noMove="1" noResize="1" noEditPoints="1" noAdjustHandles="1" noChangeArrowheads="1" noChangeShapeType="1" noTextEdit="1"/>
+          </p:cNvSpPr>
+          <p:nvPr>
+            <p:extLst>
+              <p:ext uri="{386F3935-93C4-4BCD-93E2-E3B085C9AB24}">
+                <p16:designElem xmlns:p16="http://schemas.microsoft.com/office/powerpoint/2015/main" val="1"/>
+              </p:ext>
+            </p:extLst>
+          </p:nvPr>
+        </p:nvSpPr>
+        <p:spPr>
+          <a:xfrm>
+            <a:off x="0" y="468769"/>
+            <a:ext cx="12192000" cy="5647024"/>
+          </a:xfrm>
+          <a:prstGeom prst="rect">
+            <a:avLst/>
+          </a:prstGeom>
+          <a:gradFill flip="none" rotWithShape="1">
+            <a:gsLst>
+              <a:gs pos="0">
+                <a:schemeClr val="bg2">
+                  <a:alpha val="0"/>
+                  <a:lumMod val="100000"/>
+                </a:schemeClr>
+              </a:gs>
+              <a:gs pos="100000">
+                <a:schemeClr val="bg2">
+                  <a:lumMod val="95000"/>
+                  <a:lumOff val="5000"/>
+                </a:schemeClr>
+              </a:gs>
+            </a:gsLst>
+            <a:lin ang="5400000" scaled="0"/>
+            <a:tileRect/>
+          </a:gradFill>
+          <a:ln>
+            <a:noFill/>
+          </a:ln>
+        </p:spPr>
+        <p:style>
+          <a:lnRef idx="2">
+            <a:schemeClr val="accent1">
+              <a:shade val="50000"/>
+            </a:schemeClr>
+          </a:lnRef>
+          <a:fillRef idx="1">
+            <a:schemeClr val="accent1"/>
+          </a:fillRef>
+          <a:effectRef idx="0">
+            <a:schemeClr val="accent1"/>
+          </a:effectRef>
+          <a:fontRef idx="minor">
+            <a:schemeClr val="lt1"/>
+          </a:fontRef>
+        </p:style>
+        <p:txBody>
+          <a:bodyPr rtlCol="0" anchor="ctr"/>
+          <a:lstStyle/>
+          <a:p>
+            <a:pPr algn="ctr"/>
+            <a:endParaRPr lang="en-US"/>
+          </a:p>
+        </p:txBody>
+      </p:sp>
+      <p:sp>
+        <p:nvSpPr>
+          <p:cNvPr id="2" name="Titel 1">
+            <a:extLst>
+              <a:ext uri="{FF2B5EF4-FFF2-40B4-BE49-F238E27FC236}">
+                <a16:creationId xmlns:a16="http://schemas.microsoft.com/office/drawing/2014/main" id="{5D29DEF5-8714-46EE-9AB5-0045C2688898}"/>
+              </a:ext>
+            </a:extLst>
+          </p:cNvPr>
+          <p:cNvSpPr>
+            <a:spLocks noGrp="1"/>
+          </p:cNvSpPr>
+          <p:nvPr>
+            <p:ph type="title"/>
+          </p:nvPr>
+        </p:nvSpPr>
+        <p:spPr>
+          <a:xfrm>
+            <a:off x="1125633" y="984900"/>
+            <a:ext cx="5861378" cy="2410233"/>
+          </a:xfrm>
+        </p:spPr>
+        <p:txBody>
+          <a:bodyPr vert="horz" lIns="91440" tIns="45720" rIns="91440" bIns="0" rtlCol="0" anchor="b">
+            <a:normAutofit/>
+          </a:bodyPr>
+          <a:lstStyle/>
+          <a:p>
+            <a:r>
+              <a:rPr lang="en-US" sz="5400"/>
+              <a:t>Back-End</a:t>
+            </a:r>
+          </a:p>
+        </p:txBody>
+      </p:sp>
+      <p:pic>
+        <p:nvPicPr>
+          <p:cNvPr id="24" name="Picture 23">
+            <a:extLst>
+              <a:ext uri="{FF2B5EF4-FFF2-40B4-BE49-F238E27FC236}">
+                <a16:creationId xmlns:a16="http://schemas.microsoft.com/office/drawing/2014/main" id="{34054337-A666-4FC2-9935-2535C652CDA1}"/>
+              </a:ext>
+              <a:ext uri="{C183D7F6-B498-43B3-948B-1728B52AA6E4}">
+                <adec:decorative xmlns:adec="http://schemas.microsoft.com/office/drawing/2017/decorative" val="1"/>
+              </a:ext>
+            </a:extLst>
+          </p:cNvPr>
+          <p:cNvPicPr>
+            <a:picLocks noGrp="1" noRot="1" noChangeAspect="1" noMove="1" noResize="1" noEditPoints="1" noAdjustHandles="1" noChangeArrowheads="1" noChangeShapeType="1" noCrop="1"/>
+          </p:cNvPicPr>
+          <p:nvPr>
+            <p:extLst>
+              <p:ext uri="{386F3935-93C4-4BCD-93E2-E3B085C9AB24}">
+                <p16:designElem xmlns:p16="http://schemas.microsoft.com/office/powerpoint/2015/main" val="1"/>
+              </p:ext>
+            </p:extLst>
+          </p:nvPr>
+        </p:nvPicPr>
+        <p:blipFill rotWithShape="1">
+          <a:blip r:embed="rId3">
+            <a:duotone>
+              <a:schemeClr val="accent1">
+                <a:shade val="45000"/>
+                <a:satMod val="135000"/>
+              </a:schemeClr>
+              <a:prstClr val="white"/>
+            </a:duotone>
+            <a:extLst>
+              <a:ext uri="{28A0092B-C50C-407E-A947-70E740481C1C}">
+                <a14:useLocalDpi xmlns:a14="http://schemas.microsoft.com/office/drawing/2010/main" val="0"/>
+              </a:ext>
+            </a:extLst>
+          </a:blip>
+          <a:srcRect l="-116" t="474" r="48549" b="36564"/>
+          <a:stretch/>
+        </p:blipFill>
+        <p:spPr>
+          <a:xfrm>
+            <a:off x="1125460" y="643464"/>
+            <a:ext cx="5879592" cy="155448"/>
+          </a:xfrm>
+          <a:prstGeom prst="rect">
+            <a:avLst/>
+          </a:prstGeom>
+          <a:noFill/>
+          <a:ln>
+            <a:noFill/>
+          </a:ln>
+        </p:spPr>
+      </p:pic>
+      <p:pic>
+        <p:nvPicPr>
+          <p:cNvPr id="7" name="Grafik 6">
+            <a:extLst>
+              <a:ext uri="{FF2B5EF4-FFF2-40B4-BE49-F238E27FC236}">
+                <a16:creationId xmlns:a16="http://schemas.microsoft.com/office/drawing/2014/main" id="{A8FB855C-8FE0-4B66-A96A-A7B192D0DF9B}"/>
+              </a:ext>
+            </a:extLst>
+          </p:cNvPr>
+          <p:cNvPicPr>
+            <a:picLocks noChangeAspect="1"/>
+          </p:cNvPicPr>
+          <p:nvPr/>
+        </p:nvPicPr>
+        <p:blipFill>
+          <a:blip r:embed="rId4"/>
+          <a:stretch>
+            <a:fillRect/>
+          </a:stretch>
+        </p:blipFill>
+        <p:spPr>
+          <a:xfrm>
+            <a:off x="8853771" y="481108"/>
+            <a:ext cx="1314481" cy="2491907"/>
+          </a:xfrm>
+          <a:prstGeom prst="rect">
+            <a:avLst/>
+          </a:prstGeom>
+        </p:spPr>
+      </p:pic>
+      <p:pic>
+        <p:nvPicPr>
+          <p:cNvPr id="5" name="Grafik 4">
+            <a:extLst>
+              <a:ext uri="{FF2B5EF4-FFF2-40B4-BE49-F238E27FC236}">
+                <a16:creationId xmlns:a16="http://schemas.microsoft.com/office/drawing/2014/main" id="{A46C7F46-A587-4A0B-AE9B-0ADC63439682}"/>
+              </a:ext>
+            </a:extLst>
+          </p:cNvPr>
+          <p:cNvPicPr>
+            <a:picLocks noChangeAspect="1"/>
+          </p:cNvPicPr>
+          <p:nvPr/>
+        </p:nvPicPr>
+        <p:blipFill>
+          <a:blip r:embed="rId5"/>
+          <a:stretch>
+            <a:fillRect/>
+          </a:stretch>
+        </p:blipFill>
+        <p:spPr>
+          <a:xfrm>
+            <a:off x="7473593" y="3722375"/>
+            <a:ext cx="4074836" cy="1324321"/>
+          </a:xfrm>
+          <a:prstGeom prst="rect">
+            <a:avLst/>
+          </a:prstGeom>
+        </p:spPr>
+      </p:pic>
+      <p:pic>
+        <p:nvPicPr>
+          <p:cNvPr id="26" name="Picture 25">
+            <a:extLst>
+              <a:ext uri="{FF2B5EF4-FFF2-40B4-BE49-F238E27FC236}">
+                <a16:creationId xmlns:a16="http://schemas.microsoft.com/office/drawing/2014/main" id="{732E3FD9-6530-4454-997C-939E0A18C664}"/>
+              </a:ext>
+              <a:ext uri="{C183D7F6-B498-43B3-948B-1728B52AA6E4}">
+                <adec:decorative xmlns:adec="http://schemas.microsoft.com/office/drawing/2017/decorative" val="1"/>
+              </a:ext>
+            </a:extLst>
+          </p:cNvPr>
+          <p:cNvPicPr>
+            <a:picLocks noGrp="1" noRot="1" noChangeAspect="1" noMove="1" noResize="1" noEditPoints="1" noAdjustHandles="1" noChangeArrowheads="1" noChangeShapeType="1" noCrop="1"/>
+          </p:cNvPicPr>
+          <p:nvPr>
+            <p:extLst>
+              <p:ext uri="{386F3935-93C4-4BCD-93E2-E3B085C9AB24}">
+                <p16:designElem xmlns:p16="http://schemas.microsoft.com/office/powerpoint/2015/main" val="1"/>
+              </p:ext>
+            </p:extLst>
+          </p:nvPr>
+        </p:nvPicPr>
+        <p:blipFill rotWithShape="1">
+          <a:blip r:embed="rId2">
+            <a:extLst>
+              <a:ext uri="{28A0092B-C50C-407E-A947-70E740481C1C}">
+                <a14:useLocalDpi xmlns:a14="http://schemas.microsoft.com/office/drawing/2010/main" val="0"/>
+              </a:ext>
+            </a:extLst>
+          </a:blip>
+          <a:srcRect t="1538" b="-1538"/>
+          <a:stretch/>
+        </p:blipFill>
+        <p:spPr>
+          <a:xfrm>
+            <a:off x="0" y="6119336"/>
+            <a:ext cx="12192000" cy="742950"/>
+          </a:xfrm>
+          <a:prstGeom prst="rect">
+            <a:avLst/>
+          </a:prstGeom>
+        </p:spPr>
+      </p:pic>
+      <p:cxnSp>
+        <p:nvCxnSpPr>
+          <p:cNvPr id="28" name="Straight Connector 27">
+            <a:extLst>
+              <a:ext uri="{FF2B5EF4-FFF2-40B4-BE49-F238E27FC236}">
+                <a16:creationId xmlns:a16="http://schemas.microsoft.com/office/drawing/2014/main" id="{92F7E3DC-DD90-4719-940F-B0C3C8FF4D89}"/>
+              </a:ext>
+              <a:ext uri="{C183D7F6-B498-43B3-948B-1728B52AA6E4}">
+                <adec:decorative xmlns:adec="http://schemas.microsoft.com/office/drawing/2017/decorative" val="1"/>
+              </a:ext>
+            </a:extLst>
+          </p:cNvPr>
+          <p:cNvCxnSpPr>
+            <a:cxnSpLocks noGrp="1" noRot="1" noChangeAspect="1" noMove="1" noResize="1" noEditPoints="1" noAdjustHandles="1" noChangeArrowheads="1" noChangeShapeType="1"/>
+          </p:cNvCxnSpPr>
+          <p:nvPr>
+            <p:extLst>
+              <p:ext uri="{386F3935-93C4-4BCD-93E2-E3B085C9AB24}">
+                <p16:designElem xmlns:p16="http://schemas.microsoft.com/office/powerpoint/2015/main" val="1"/>
+              </p:ext>
+            </p:extLst>
+          </p:nvPr>
+        </p:nvCxnSpPr>
+        <p:spPr>
+          <a:xfrm>
+            <a:off x="0" y="6121269"/>
+            <a:ext cx="12192000" cy="0"/>
+          </a:xfrm>
+          <a:prstGeom prst="line">
+            <a:avLst/>
+          </a:prstGeom>
+          <a:ln w="12700">
+            <a:solidFill>
+              <a:srgbClr val="000001">
+                <a:alpha val="20000"/>
+              </a:srgbClr>
+            </a:solidFill>
+          </a:ln>
+        </p:spPr>
+        <p:style>
+          <a:lnRef idx="1">
+            <a:schemeClr val="accent1"/>
+          </a:lnRef>
+          <a:fillRef idx="0">
+            <a:schemeClr val="accent1"/>
+          </a:fillRef>
+          <a:effectRef idx="0">
+            <a:schemeClr val="accent1"/>
+          </a:effectRef>
+          <a:fontRef idx="minor">
+            <a:schemeClr val="tx1"/>
+          </a:fontRef>
+        </p:style>
+      </p:cxnSp>
+    </p:spTree>
+    <p:extLst>
+      <p:ext uri="{BB962C8B-B14F-4D97-AF65-F5344CB8AC3E}">
+        <p14:creationId xmlns:p14="http://schemas.microsoft.com/office/powerpoint/2010/main" val="2716884157"/>
+      </p:ext>
+    </p:extLst>
+  </p:cSld>
+  <p:clrMapOvr>
+    <a:masterClrMapping/>
+  </p:clrMapOvr>
+</p:sld>
+</file>
+
+<file path=ppt/slides/slide25.xml><?xml version="1.0" encoding="utf-8"?>
+<p:sld xmlns:a="http://schemas.openxmlformats.org/drawingml/2006/main" xmlns:r="http://schemas.openxmlformats.org/officeDocument/2006/relationships" xmlns:p="http://schemas.openxmlformats.org/presentationml/2006/main">
+  <p:cSld>
+    <p:spTree>
+      <p:nvGrpSpPr>
+        <p:cNvPr id="1" name=""/>
+        <p:cNvGrpSpPr/>
+        <p:nvPr/>
+      </p:nvGrpSpPr>
+      <p:grpSpPr>
+        <a:xfrm>
+          <a:off x="0" y="0"/>
+          <a:ext cx="0" cy="0"/>
+          <a:chOff x="0" y="0"/>
+          <a:chExt cx="0" cy="0"/>
+        </a:xfrm>
+      </p:grpSpPr>
+      <p:sp>
+        <p:nvSpPr>
+          <p:cNvPr id="2" name="Titel 1">
+            <a:extLst>
+              <a:ext uri="{FF2B5EF4-FFF2-40B4-BE49-F238E27FC236}">
+                <a16:creationId xmlns:a16="http://schemas.microsoft.com/office/drawing/2014/main" id="{60941E0D-02F6-4A13-99DF-DE702B25D063}"/>
+              </a:ext>
+            </a:extLst>
+          </p:cNvPr>
+          <p:cNvSpPr>
+            <a:spLocks noGrp="1"/>
+          </p:cNvSpPr>
+          <p:nvPr>
+            <p:ph type="title"/>
+          </p:nvPr>
+        </p:nvSpPr>
+        <p:spPr/>
+        <p:txBody>
+          <a:bodyPr/>
+          <a:lstStyle/>
+          <a:p>
+            <a:endParaRPr lang="de-DE"/>
+          </a:p>
+        </p:txBody>
+      </p:sp>
+      <p:sp>
+        <p:nvSpPr>
+          <p:cNvPr id="3" name="Inhaltsplatzhalter 2">
+            <a:extLst>
+              <a:ext uri="{FF2B5EF4-FFF2-40B4-BE49-F238E27FC236}">
+                <a16:creationId xmlns:a16="http://schemas.microsoft.com/office/drawing/2014/main" id="{2BB72E70-C854-4E11-82D5-B6D1B4937A15}"/>
+              </a:ext>
+            </a:extLst>
+          </p:cNvPr>
+          <p:cNvSpPr>
+            <a:spLocks noGrp="1"/>
+          </p:cNvSpPr>
+          <p:nvPr>
+            <p:ph idx="1"/>
+          </p:nvPr>
+        </p:nvSpPr>
+        <p:spPr/>
+        <p:txBody>
+          <a:bodyPr/>
+          <a:lstStyle/>
+          <a:p>
+            <a:endParaRPr lang="de-DE"/>
+          </a:p>
+        </p:txBody>
+      </p:sp>
+    </p:spTree>
+    <p:extLst>
+      <p:ext uri="{BB962C8B-B14F-4D97-AF65-F5344CB8AC3E}">
+        <p14:creationId xmlns:p14="http://schemas.microsoft.com/office/powerpoint/2010/main" val="3665854854"/>
+      </p:ext>
+    </p:extLst>
+  </p:cSld>
+  <p:clrMapOvr>
+    <a:masterClrMapping/>
+  </p:clrMapOvr>
+</p:sld>
+</file>
+
+<file path=ppt/slides/slide26.xml><?xml version="1.0" encoding="utf-8"?>
+<p:sld xmlns:a="http://schemas.openxmlformats.org/drawingml/2006/main" xmlns:r="http://schemas.openxmlformats.org/officeDocument/2006/relationships" xmlns:p="http://schemas.openxmlformats.org/presentationml/2006/main">
+  <p:cSld>
+    <p:spTree>
+      <p:nvGrpSpPr>
+        <p:cNvPr id="1" name=""/>
+        <p:cNvGrpSpPr/>
+        <p:nvPr/>
+      </p:nvGrpSpPr>
+      <p:grpSpPr>
+        <a:xfrm>
+          <a:off x="0" y="0"/>
+          <a:ext cx="0" cy="0"/>
+          <a:chOff x="0" y="0"/>
+          <a:chExt cx="0" cy="0"/>
+        </a:xfrm>
+      </p:grpSpPr>
+      <p:sp>
+        <p:nvSpPr>
+          <p:cNvPr id="2" name="Titel 1">
+            <a:extLst>
+              <a:ext uri="{FF2B5EF4-FFF2-40B4-BE49-F238E27FC236}">
+                <a16:creationId xmlns:a16="http://schemas.microsoft.com/office/drawing/2014/main" id="{7920A7ED-A1A4-4738-859F-58A275E7F327}"/>
+              </a:ext>
+            </a:extLst>
+          </p:cNvPr>
+          <p:cNvSpPr>
+            <a:spLocks noGrp="1"/>
+          </p:cNvSpPr>
+          <p:nvPr>
+            <p:ph type="title"/>
+          </p:nvPr>
+        </p:nvSpPr>
+        <p:spPr/>
+        <p:txBody>
+          <a:bodyPr/>
+          <a:lstStyle/>
+          <a:p>
+            <a:r>
+              <a:rPr lang="de-DE" dirty="0"/>
+              <a:t>Ausblick</a:t>
+            </a:r>
+          </a:p>
+        </p:txBody>
+      </p:sp>
+      <p:sp>
+        <p:nvSpPr>
+          <p:cNvPr id="3" name="Inhaltsplatzhalter 2">
+            <a:extLst>
+              <a:ext uri="{FF2B5EF4-FFF2-40B4-BE49-F238E27FC236}">
+                <a16:creationId xmlns:a16="http://schemas.microsoft.com/office/drawing/2014/main" id="{FCEBA64E-2A61-4FEF-ADEE-8CC7AA23D9B3}"/>
+              </a:ext>
+            </a:extLst>
+          </p:cNvPr>
+          <p:cNvSpPr>
+            <a:spLocks noGrp="1"/>
+          </p:cNvSpPr>
+          <p:nvPr>
+            <p:ph idx="1"/>
+          </p:nvPr>
+        </p:nvSpPr>
+        <p:spPr/>
+        <p:txBody>
+          <a:bodyPr/>
+          <a:lstStyle/>
+          <a:p>
+            <a:r>
+              <a:rPr lang="de-DE" dirty="0"/>
+              <a:t>Daten in Excel-Tabelle überführen</a:t>
+            </a:r>
+          </a:p>
+          <a:p>
+            <a:r>
+              <a:rPr lang="de-DE" dirty="0"/>
+              <a:t>Dokumentation</a:t>
+            </a:r>
+          </a:p>
+          <a:p>
+            <a:r>
+              <a:rPr lang="de-DE" dirty="0"/>
+              <a:t>Authentifizierung</a:t>
+            </a:r>
+          </a:p>
+        </p:txBody>
+      </p:sp>
+    </p:spTree>
+    <p:extLst>
+      <p:ext uri="{BB962C8B-B14F-4D97-AF65-F5344CB8AC3E}">
+        <p14:creationId xmlns:p14="http://schemas.microsoft.com/office/powerpoint/2010/main" val="3350993284"/>
       </p:ext>
     </p:extLst>
   </p:cSld>

--- a/Fragebogen zum Status der Bauqualität.pptx
+++ b/Fragebogen zum Status der Bauqualität.pptx
@@ -30,7 +30,10 @@
     <p:sldId id="279" r:id="rId24"/>
     <p:sldId id="281" r:id="rId25"/>
     <p:sldId id="282" r:id="rId26"/>
-    <p:sldId id="266" r:id="rId27"/>
+    <p:sldId id="283" r:id="rId27"/>
+    <p:sldId id="285" r:id="rId28"/>
+    <p:sldId id="284" r:id="rId29"/>
+    <p:sldId id="266" r:id="rId30"/>
   </p:sldIdLst>
   <p:sldSz cx="12192000" cy="6858000"/>
   <p:notesSz cx="6858000" cy="9144000"/>
@@ -11712,7 +11715,10 @@
           <a:bodyPr/>
           <a:lstStyle/>
           <a:p>
-            <a:endParaRPr lang="de-DE"/>
+            <a:r>
+              <a:rPr lang="de-DE" dirty="0"/>
+              <a:t>Spring</a:t>
+            </a:r>
           </a:p>
         </p:txBody>
       </p:sp>
@@ -11737,7 +11743,42 @@
           <a:bodyPr/>
           <a:lstStyle/>
           <a:p>
-            <a:endParaRPr lang="de-DE"/>
+            <a:r>
+              <a:rPr lang="de-DE" dirty="0"/>
+              <a:t>Open Source Framework für die Java-Plattform</a:t>
+            </a:r>
+          </a:p>
+          <a:p>
+            <a:r>
+              <a:rPr lang="de-DE" dirty="0"/>
+              <a:t>Model View Controller Muster</a:t>
+            </a:r>
+          </a:p>
+          <a:p>
+            <a:r>
+              <a:rPr lang="de-DE" dirty="0"/>
+              <a:t>Vereinfacht die Entwicklung von Projekten</a:t>
+            </a:r>
+          </a:p>
+          <a:p>
+            <a:pPr lvl="1"/>
+            <a:r>
+              <a:rPr lang="de-DE" dirty="0"/>
+              <a:t>Spring Boot (Konvention vor Konfiguration)</a:t>
+            </a:r>
+          </a:p>
+          <a:p>
+            <a:pPr lvl="1"/>
+            <a:r>
+              <a:rPr lang="de-DE" dirty="0"/>
+              <a:t>Annotationen übernehmen Aufgaben der Konfiguration</a:t>
+            </a:r>
+          </a:p>
+          <a:p>
+            <a:pPr marL="457200" lvl="1" indent="0">
+              <a:buNone/>
+            </a:pPr>
+            <a:endParaRPr lang="de-DE" dirty="0"/>
           </a:p>
         </p:txBody>
       </p:sp>
@@ -11755,6 +11796,891 @@
 </file>
 
 <file path=ppt/slides/slide26.xml><?xml version="1.0" encoding="utf-8"?>
+<p:sld xmlns:a="http://schemas.openxmlformats.org/drawingml/2006/main" xmlns:r="http://schemas.openxmlformats.org/officeDocument/2006/relationships" xmlns:p="http://schemas.openxmlformats.org/presentationml/2006/main">
+  <p:cSld>
+    <p:bg>
+      <p:bgPr>
+        <a:gradFill rotWithShape="1">
+          <a:gsLst>
+            <a:gs pos="0">
+              <a:schemeClr val="bg1">
+                <a:tint val="94000"/>
+                <a:satMod val="80000"/>
+                <a:lumMod val="106000"/>
+              </a:schemeClr>
+            </a:gs>
+            <a:gs pos="100000">
+              <a:schemeClr val="bg1">
+                <a:shade val="80000"/>
+                <a:lumMod val="108000"/>
+              </a:schemeClr>
+            </a:gs>
+          </a:gsLst>
+          <a:path path="circle">
+            <a:fillToRect l="43000" r="43000" b="100000"/>
+          </a:path>
+        </a:gradFill>
+        <a:effectLst/>
+      </p:bgPr>
+    </p:bg>
+    <p:spTree>
+      <p:nvGrpSpPr>
+        <p:cNvPr id="1" name=""/>
+        <p:cNvGrpSpPr/>
+        <p:nvPr/>
+      </p:nvGrpSpPr>
+      <p:grpSpPr>
+        <a:xfrm>
+          <a:off x="0" y="0"/>
+          <a:ext cx="0" cy="0"/>
+          <a:chOff x="0" y="0"/>
+          <a:chExt cx="0" cy="0"/>
+        </a:xfrm>
+      </p:grpSpPr>
+      <p:pic>
+        <p:nvPicPr>
+          <p:cNvPr id="10" name="Picture 9">
+            <a:extLst>
+              <a:ext uri="{FF2B5EF4-FFF2-40B4-BE49-F238E27FC236}">
+                <a16:creationId xmlns:a16="http://schemas.microsoft.com/office/drawing/2014/main" id="{CB1DE69F-569C-4A49-8E50-4093C135AECF}"/>
+              </a:ext>
+              <a:ext uri="{C183D7F6-B498-43B3-948B-1728B52AA6E4}">
+                <adec:decorative xmlns:adec="http://schemas.microsoft.com/office/drawing/2017/decorative" val="1"/>
+              </a:ext>
+            </a:extLst>
+          </p:cNvPr>
+          <p:cNvPicPr>
+            <a:picLocks noGrp="1" noRot="1" noChangeAspect="1" noMove="1" noResize="1" noEditPoints="1" noAdjustHandles="1" noChangeArrowheads="1" noChangeShapeType="1" noCrop="1"/>
+          </p:cNvPicPr>
+          <p:nvPr>
+            <p:extLst>
+              <p:ext uri="{386F3935-93C4-4BCD-93E2-E3B085C9AB24}">
+                <p16:designElem xmlns:p16="http://schemas.microsoft.com/office/powerpoint/2015/main" val="1"/>
+              </p:ext>
+            </p:extLst>
+          </p:nvPr>
+        </p:nvPicPr>
+        <p:blipFill rotWithShape="1">
+          <a:blip r:embed="rId2">
+            <a:extLst>
+              <a:ext uri="{28A0092B-C50C-407E-A947-70E740481C1C}">
+                <a14:useLocalDpi xmlns:a14="http://schemas.microsoft.com/office/drawing/2010/main" val="0"/>
+              </a:ext>
+            </a:extLst>
+          </a:blip>
+          <a:srcRect t="1538" b="-1538"/>
+          <a:stretch/>
+        </p:blipFill>
+        <p:spPr>
+          <a:xfrm>
+            <a:off x="0" y="6119336"/>
+            <a:ext cx="12192000" cy="742950"/>
+          </a:xfrm>
+          <a:prstGeom prst="rect">
+            <a:avLst/>
+          </a:prstGeom>
+        </p:spPr>
+      </p:pic>
+      <p:sp>
+        <p:nvSpPr>
+          <p:cNvPr id="12" name="Rectangle 11">
+            <a:extLst>
+              <a:ext uri="{FF2B5EF4-FFF2-40B4-BE49-F238E27FC236}">
+                <a16:creationId xmlns:a16="http://schemas.microsoft.com/office/drawing/2014/main" id="{50B488F5-9CE4-4346-B22F-600286ED4D8F}"/>
+              </a:ext>
+              <a:ext uri="{C183D7F6-B498-43B3-948B-1728B52AA6E4}">
+                <adec:decorative xmlns:adec="http://schemas.microsoft.com/office/drawing/2017/decorative" val="1"/>
+              </a:ext>
+            </a:extLst>
+          </p:cNvPr>
+          <p:cNvSpPr>
+            <a:spLocks noGrp="1" noRot="1" noChangeAspect="1" noMove="1" noResize="1" noEditPoints="1" noAdjustHandles="1" noChangeArrowheads="1" noChangeShapeType="1" noTextEdit="1"/>
+          </p:cNvSpPr>
+          <p:nvPr>
+            <p:extLst>
+              <p:ext uri="{386F3935-93C4-4BCD-93E2-E3B085C9AB24}">
+                <p16:designElem xmlns:p16="http://schemas.microsoft.com/office/powerpoint/2015/main" val="1"/>
+              </p:ext>
+            </p:extLst>
+          </p:nvPr>
+        </p:nvSpPr>
+        <p:spPr>
+          <a:xfrm>
+            <a:off x="0" y="468769"/>
+            <a:ext cx="12192000" cy="5647024"/>
+          </a:xfrm>
+          <a:prstGeom prst="rect">
+            <a:avLst/>
+          </a:prstGeom>
+          <a:gradFill flip="none" rotWithShape="1">
+            <a:gsLst>
+              <a:gs pos="0">
+                <a:schemeClr val="bg2">
+                  <a:alpha val="0"/>
+                  <a:lumMod val="100000"/>
+                </a:schemeClr>
+              </a:gs>
+              <a:gs pos="100000">
+                <a:schemeClr val="bg2">
+                  <a:lumMod val="95000"/>
+                  <a:lumOff val="5000"/>
+                </a:schemeClr>
+              </a:gs>
+            </a:gsLst>
+            <a:lin ang="5400000" scaled="0"/>
+            <a:tileRect/>
+          </a:gradFill>
+          <a:ln>
+            <a:noFill/>
+          </a:ln>
+        </p:spPr>
+        <p:style>
+          <a:lnRef idx="2">
+            <a:schemeClr val="accent1">
+              <a:shade val="50000"/>
+            </a:schemeClr>
+          </a:lnRef>
+          <a:fillRef idx="1">
+            <a:schemeClr val="accent1"/>
+          </a:fillRef>
+          <a:effectRef idx="0">
+            <a:schemeClr val="accent1"/>
+          </a:effectRef>
+          <a:fontRef idx="minor">
+            <a:schemeClr val="lt1"/>
+          </a:fontRef>
+        </p:style>
+      </p:sp>
+      <p:cxnSp>
+        <p:nvCxnSpPr>
+          <p:cNvPr id="14" name="Straight Connector 13">
+            <a:extLst>
+              <a:ext uri="{FF2B5EF4-FFF2-40B4-BE49-F238E27FC236}">
+                <a16:creationId xmlns:a16="http://schemas.microsoft.com/office/drawing/2014/main" id="{5F76596F-57DF-4A0C-96D9-046DC3B30E9F}"/>
+              </a:ext>
+              <a:ext uri="{C183D7F6-B498-43B3-948B-1728B52AA6E4}">
+                <adec:decorative xmlns:adec="http://schemas.microsoft.com/office/drawing/2017/decorative" val="1"/>
+              </a:ext>
+            </a:extLst>
+          </p:cNvPr>
+          <p:cNvCxnSpPr>
+            <a:cxnSpLocks noGrp="1" noRot="1" noChangeAspect="1" noMove="1" noResize="1" noEditPoints="1" noAdjustHandles="1" noChangeArrowheads="1" noChangeShapeType="1"/>
+          </p:cNvCxnSpPr>
+          <p:nvPr>
+            <p:extLst>
+              <p:ext uri="{386F3935-93C4-4BCD-93E2-E3B085C9AB24}">
+                <p16:designElem xmlns:p16="http://schemas.microsoft.com/office/powerpoint/2015/main" val="1"/>
+              </p:ext>
+            </p:extLst>
+          </p:nvPr>
+        </p:nvCxnSpPr>
+        <p:spPr>
+          <a:xfrm>
+            <a:off x="0" y="6121269"/>
+            <a:ext cx="12192000" cy="0"/>
+          </a:xfrm>
+          <a:prstGeom prst="line">
+            <a:avLst/>
+          </a:prstGeom>
+          <a:ln w="12700">
+            <a:solidFill>
+              <a:srgbClr val="000001">
+                <a:alpha val="20000"/>
+              </a:srgbClr>
+            </a:solidFill>
+          </a:ln>
+        </p:spPr>
+        <p:style>
+          <a:lnRef idx="1">
+            <a:schemeClr val="accent1"/>
+          </a:lnRef>
+          <a:fillRef idx="0">
+            <a:schemeClr val="accent1"/>
+          </a:fillRef>
+          <a:effectRef idx="0">
+            <a:schemeClr val="accent1"/>
+          </a:effectRef>
+          <a:fontRef idx="minor">
+            <a:schemeClr val="tx1"/>
+          </a:fontRef>
+        </p:style>
+      </p:cxnSp>
+      <p:pic>
+        <p:nvPicPr>
+          <p:cNvPr id="16" name="Picture 15">
+            <a:extLst>
+              <a:ext uri="{FF2B5EF4-FFF2-40B4-BE49-F238E27FC236}">
+                <a16:creationId xmlns:a16="http://schemas.microsoft.com/office/drawing/2014/main" id="{16176A8D-754E-4699-9AAC-A833466A201A}"/>
+              </a:ext>
+              <a:ext uri="{C183D7F6-B498-43B3-948B-1728B52AA6E4}">
+                <adec:decorative xmlns:adec="http://schemas.microsoft.com/office/drawing/2017/decorative" val="1"/>
+              </a:ext>
+            </a:extLst>
+          </p:cNvPr>
+          <p:cNvPicPr>
+            <a:picLocks noGrp="1" noRot="1" noChangeAspect="1" noMove="1" noResize="1" noEditPoints="1" noAdjustHandles="1" noChangeArrowheads="1" noChangeShapeType="1" noCrop="1"/>
+          </p:cNvPicPr>
+          <p:nvPr>
+            <p:extLst>
+              <p:ext uri="{386F3935-93C4-4BCD-93E2-E3B085C9AB24}">
+                <p16:designElem xmlns:p16="http://schemas.microsoft.com/office/powerpoint/2015/main" val="1"/>
+              </p:ext>
+            </p:extLst>
+          </p:nvPr>
+        </p:nvPicPr>
+        <p:blipFill rotWithShape="1">
+          <a:blip r:embed="rId3">
+            <a:duotone>
+              <a:schemeClr val="accent1">
+                <a:shade val="45000"/>
+                <a:satMod val="135000"/>
+              </a:schemeClr>
+              <a:prstClr val="white"/>
+            </a:duotone>
+            <a:extLst>
+              <a:ext uri="{28A0092B-C50C-407E-A947-70E740481C1C}">
+                <a14:useLocalDpi xmlns:a14="http://schemas.microsoft.com/office/drawing/2010/main" val="0"/>
+              </a:ext>
+            </a:extLst>
+          </a:blip>
+          <a:srcRect l="-115" r="15828" b="36435"/>
+          <a:stretch/>
+        </p:blipFill>
+        <p:spPr>
+          <a:xfrm>
+            <a:off x="1125460" y="643464"/>
+            <a:ext cx="9610344" cy="155448"/>
+          </a:xfrm>
+          <a:prstGeom prst="rect">
+            <a:avLst/>
+          </a:prstGeom>
+          <a:noFill/>
+          <a:ln>
+            <a:noFill/>
+          </a:ln>
+        </p:spPr>
+      </p:pic>
+      <p:sp useBgFill="1">
+        <p:nvSpPr>
+          <p:cNvPr id="18" name="Rectangle 17">
+            <a:extLst>
+              <a:ext uri="{FF2B5EF4-FFF2-40B4-BE49-F238E27FC236}">
+                <a16:creationId xmlns:a16="http://schemas.microsoft.com/office/drawing/2014/main" id="{EB8456C2-9457-404E-8DA7-41BB6630DAB1}"/>
+              </a:ext>
+              <a:ext uri="{C183D7F6-B498-43B3-948B-1728B52AA6E4}">
+                <adec:decorative xmlns:adec="http://schemas.microsoft.com/office/drawing/2017/decorative" val="1"/>
+              </a:ext>
+            </a:extLst>
+          </p:cNvPr>
+          <p:cNvSpPr>
+            <a:spLocks noGrp="1" noRot="1" noChangeAspect="1" noMove="1" noResize="1" noEditPoints="1" noAdjustHandles="1" noChangeArrowheads="1" noChangeShapeType="1" noTextEdit="1"/>
+          </p:cNvSpPr>
+          <p:nvPr>
+            <p:extLst>
+              <p:ext uri="{386F3935-93C4-4BCD-93E2-E3B085C9AB24}">
+                <p16:designElem xmlns:p16="http://schemas.microsoft.com/office/powerpoint/2015/main" val="1"/>
+              </p:ext>
+            </p:extLst>
+          </p:nvPr>
+        </p:nvSpPr>
+        <p:spPr>
+          <a:xfrm>
+            <a:off x="2" y="0"/>
+            <a:ext cx="12191695" cy="6858000"/>
+          </a:xfrm>
+          <a:prstGeom prst="rect">
+            <a:avLst/>
+          </a:prstGeom>
+          <a:ln>
+            <a:noFill/>
+          </a:ln>
+        </p:spPr>
+        <p:style>
+          <a:lnRef idx="2">
+            <a:schemeClr val="accent1">
+              <a:shade val="50000"/>
+            </a:schemeClr>
+          </a:lnRef>
+          <a:fillRef idx="1">
+            <a:schemeClr val="accent1"/>
+          </a:fillRef>
+          <a:effectRef idx="0">
+            <a:schemeClr val="accent1"/>
+          </a:effectRef>
+          <a:fontRef idx="minor">
+            <a:schemeClr val="lt1"/>
+          </a:fontRef>
+        </p:style>
+        <p:txBody>
+          <a:bodyPr rtlCol="0" anchor="ctr"/>
+          <a:lstStyle/>
+          <a:p>
+            <a:pPr algn="ctr"/>
+            <a:endParaRPr lang="en-US"/>
+          </a:p>
+        </p:txBody>
+      </p:sp>
+      <p:sp>
+        <p:nvSpPr>
+          <p:cNvPr id="20" name="Rectangle 19">
+            <a:extLst>
+              <a:ext uri="{FF2B5EF4-FFF2-40B4-BE49-F238E27FC236}">
+                <a16:creationId xmlns:a16="http://schemas.microsoft.com/office/drawing/2014/main" id="{BFB3493F-F73E-4A1A-89E2-FE1D803D15CE}"/>
+              </a:ext>
+              <a:ext uri="{C183D7F6-B498-43B3-948B-1728B52AA6E4}">
+                <adec:decorative xmlns:adec="http://schemas.microsoft.com/office/drawing/2017/decorative" val="1"/>
+              </a:ext>
+            </a:extLst>
+          </p:cNvPr>
+          <p:cNvSpPr>
+            <a:spLocks noGrp="1" noRot="1" noChangeAspect="1" noMove="1" noResize="1" noEditPoints="1" noAdjustHandles="1" noChangeArrowheads="1" noChangeShapeType="1" noTextEdit="1"/>
+          </p:cNvSpPr>
+          <p:nvPr>
+            <p:extLst>
+              <p:ext uri="{386F3935-93C4-4BCD-93E2-E3B085C9AB24}">
+                <p16:designElem xmlns:p16="http://schemas.microsoft.com/office/powerpoint/2015/main" val="1"/>
+              </p:ext>
+            </p:extLst>
+          </p:nvPr>
+        </p:nvSpPr>
+        <p:spPr>
+          <a:xfrm>
+            <a:off x="0" y="468769"/>
+            <a:ext cx="12192000" cy="5647024"/>
+          </a:xfrm>
+          <a:prstGeom prst="rect">
+            <a:avLst/>
+          </a:prstGeom>
+          <a:gradFill flip="none" rotWithShape="1">
+            <a:gsLst>
+              <a:gs pos="0">
+                <a:schemeClr val="bg2">
+                  <a:alpha val="0"/>
+                  <a:lumMod val="100000"/>
+                </a:schemeClr>
+              </a:gs>
+              <a:gs pos="100000">
+                <a:schemeClr val="bg2">
+                  <a:lumMod val="95000"/>
+                  <a:lumOff val="5000"/>
+                </a:schemeClr>
+              </a:gs>
+            </a:gsLst>
+            <a:lin ang="5400000" scaled="0"/>
+            <a:tileRect/>
+          </a:gradFill>
+          <a:ln>
+            <a:noFill/>
+          </a:ln>
+        </p:spPr>
+        <p:style>
+          <a:lnRef idx="2">
+            <a:schemeClr val="accent1">
+              <a:shade val="50000"/>
+            </a:schemeClr>
+          </a:lnRef>
+          <a:fillRef idx="1">
+            <a:schemeClr val="accent1"/>
+          </a:fillRef>
+          <a:effectRef idx="0">
+            <a:schemeClr val="accent1"/>
+          </a:effectRef>
+          <a:fontRef idx="minor">
+            <a:schemeClr val="lt1"/>
+          </a:fontRef>
+        </p:style>
+        <p:txBody>
+          <a:bodyPr rtlCol="0" anchor="ctr"/>
+          <a:lstStyle/>
+          <a:p>
+            <a:pPr algn="ctr"/>
+            <a:endParaRPr lang="en-US"/>
+          </a:p>
+        </p:txBody>
+      </p:sp>
+      <p:sp>
+        <p:nvSpPr>
+          <p:cNvPr id="2" name="Titel 1">
+            <a:extLst>
+              <a:ext uri="{FF2B5EF4-FFF2-40B4-BE49-F238E27FC236}">
+                <a16:creationId xmlns:a16="http://schemas.microsoft.com/office/drawing/2014/main" id="{53279B68-1151-4F28-A2B2-F638178537FC}"/>
+              </a:ext>
+            </a:extLst>
+          </p:cNvPr>
+          <p:cNvSpPr>
+            <a:spLocks noGrp="1"/>
+          </p:cNvSpPr>
+          <p:nvPr>
+            <p:ph type="title"/>
+          </p:nvPr>
+        </p:nvSpPr>
+        <p:spPr>
+          <a:xfrm>
+            <a:off x="1776730" y="4459039"/>
+            <a:ext cx="7831992" cy="551528"/>
+          </a:xfrm>
+        </p:spPr>
+        <p:txBody>
+          <a:bodyPr vert="horz" lIns="91440" tIns="45720" rIns="91440" bIns="0" rtlCol="0" anchor="b">
+            <a:normAutofit/>
+          </a:bodyPr>
+          <a:lstStyle/>
+          <a:p>
+            <a:r>
+              <a:rPr lang="en-US" sz="3600"/>
+              <a:t>Spring Initializr</a:t>
+            </a:r>
+          </a:p>
+        </p:txBody>
+      </p:sp>
+      <p:pic>
+        <p:nvPicPr>
+          <p:cNvPr id="5" name="Grafik 4">
+            <a:extLst>
+              <a:ext uri="{FF2B5EF4-FFF2-40B4-BE49-F238E27FC236}">
+                <a16:creationId xmlns:a16="http://schemas.microsoft.com/office/drawing/2014/main" id="{F666A0BC-3139-4F4F-A6F7-0BA965706B2A}"/>
+              </a:ext>
+            </a:extLst>
+          </p:cNvPr>
+          <p:cNvPicPr>
+            <a:picLocks noChangeAspect="1"/>
+          </p:cNvPicPr>
+          <p:nvPr/>
+        </p:nvPicPr>
+        <p:blipFill>
+          <a:blip r:embed="rId4"/>
+          <a:stretch>
+            <a:fillRect/>
+          </a:stretch>
+        </p:blipFill>
+        <p:spPr>
+          <a:xfrm>
+            <a:off x="349005" y="639244"/>
+            <a:ext cx="8300486" cy="3652214"/>
+          </a:xfrm>
+          <a:prstGeom prst="rect">
+            <a:avLst/>
+          </a:prstGeom>
+        </p:spPr>
+      </p:pic>
+      <p:pic>
+        <p:nvPicPr>
+          <p:cNvPr id="22" name="Picture 21">
+            <a:extLst>
+              <a:ext uri="{FF2B5EF4-FFF2-40B4-BE49-F238E27FC236}">
+                <a16:creationId xmlns:a16="http://schemas.microsoft.com/office/drawing/2014/main" id="{CEE4ADBF-AAD6-433C-B72E-C603B9BBB310}"/>
+              </a:ext>
+              <a:ext uri="{C183D7F6-B498-43B3-948B-1728B52AA6E4}">
+                <adec:decorative xmlns:adec="http://schemas.microsoft.com/office/drawing/2017/decorative" val="1"/>
+              </a:ext>
+            </a:extLst>
+          </p:cNvPr>
+          <p:cNvPicPr>
+            <a:picLocks noGrp="1" noRot="1" noChangeAspect="1" noMove="1" noResize="1" noEditPoints="1" noAdjustHandles="1" noChangeArrowheads="1" noChangeShapeType="1" noCrop="1"/>
+          </p:cNvPicPr>
+          <p:nvPr>
+            <p:extLst>
+              <p:ext uri="{386F3935-93C4-4BCD-93E2-E3B085C9AB24}">
+                <p16:designElem xmlns:p16="http://schemas.microsoft.com/office/powerpoint/2015/main" val="1"/>
+              </p:ext>
+            </p:extLst>
+          </p:nvPr>
+        </p:nvPicPr>
+        <p:blipFill rotWithShape="1">
+          <a:blip r:embed="rId2">
+            <a:extLst>
+              <a:ext uri="{28A0092B-C50C-407E-A947-70E740481C1C}">
+                <a14:useLocalDpi xmlns:a14="http://schemas.microsoft.com/office/drawing/2010/main" val="0"/>
+              </a:ext>
+            </a:extLst>
+          </a:blip>
+          <a:srcRect t="1538" b="-1538"/>
+          <a:stretch/>
+        </p:blipFill>
+        <p:spPr>
+          <a:xfrm>
+            <a:off x="0" y="6119336"/>
+            <a:ext cx="12192000" cy="742950"/>
+          </a:xfrm>
+          <a:prstGeom prst="rect">
+            <a:avLst/>
+          </a:prstGeom>
+        </p:spPr>
+      </p:pic>
+      <p:cxnSp>
+        <p:nvCxnSpPr>
+          <p:cNvPr id="24" name="Straight Connector 23">
+            <a:extLst>
+              <a:ext uri="{FF2B5EF4-FFF2-40B4-BE49-F238E27FC236}">
+                <a16:creationId xmlns:a16="http://schemas.microsoft.com/office/drawing/2014/main" id="{9452C429-B9DA-48BE-B0C7-09AE24872828}"/>
+              </a:ext>
+              <a:ext uri="{C183D7F6-B498-43B3-948B-1728B52AA6E4}">
+                <adec:decorative xmlns:adec="http://schemas.microsoft.com/office/drawing/2017/decorative" val="1"/>
+              </a:ext>
+            </a:extLst>
+          </p:cNvPr>
+          <p:cNvCxnSpPr>
+            <a:cxnSpLocks noGrp="1" noRot="1" noChangeAspect="1" noMove="1" noResize="1" noEditPoints="1" noAdjustHandles="1" noChangeArrowheads="1" noChangeShapeType="1"/>
+          </p:cNvCxnSpPr>
+          <p:nvPr>
+            <p:extLst>
+              <p:ext uri="{386F3935-93C4-4BCD-93E2-E3B085C9AB24}">
+                <p16:designElem xmlns:p16="http://schemas.microsoft.com/office/powerpoint/2015/main" val="1"/>
+              </p:ext>
+            </p:extLst>
+          </p:nvPr>
+        </p:nvCxnSpPr>
+        <p:spPr>
+          <a:xfrm>
+            <a:off x="0" y="6121269"/>
+            <a:ext cx="12192000" cy="0"/>
+          </a:xfrm>
+          <a:prstGeom prst="line">
+            <a:avLst/>
+          </a:prstGeom>
+          <a:ln w="12700">
+            <a:solidFill>
+              <a:srgbClr val="000001">
+                <a:alpha val="20000"/>
+              </a:srgbClr>
+            </a:solidFill>
+          </a:ln>
+        </p:spPr>
+        <p:style>
+          <a:lnRef idx="1">
+            <a:schemeClr val="accent1"/>
+          </a:lnRef>
+          <a:fillRef idx="0">
+            <a:schemeClr val="accent1"/>
+          </a:fillRef>
+          <a:effectRef idx="0">
+            <a:schemeClr val="accent1"/>
+          </a:effectRef>
+          <a:fontRef idx="minor">
+            <a:schemeClr val="tx1"/>
+          </a:fontRef>
+        </p:style>
+      </p:cxnSp>
+      <p:sp>
+        <p:nvSpPr>
+          <p:cNvPr id="6" name="Textfeld 5">
+            <a:extLst>
+              <a:ext uri="{FF2B5EF4-FFF2-40B4-BE49-F238E27FC236}">
+                <a16:creationId xmlns:a16="http://schemas.microsoft.com/office/drawing/2014/main" id="{242A0DBE-0F63-4289-94D4-3360D9351B3A}"/>
+              </a:ext>
+            </a:extLst>
+          </p:cNvPr>
+          <p:cNvSpPr txBox="1"/>
+          <p:nvPr/>
+        </p:nvSpPr>
+        <p:spPr>
+          <a:xfrm>
+            <a:off x="8769098" y="646559"/>
+            <a:ext cx="3286241" cy="2809680"/>
+          </a:xfrm>
+          <a:prstGeom prst="rect">
+            <a:avLst/>
+          </a:prstGeom>
+          <a:noFill/>
+        </p:spPr>
+        <p:txBody>
+          <a:bodyPr wrap="square" rtlCol="0">
+            <a:spAutoFit/>
+          </a:bodyPr>
+          <a:lstStyle/>
+          <a:p>
+            <a:pPr marL="285750" indent="-285750">
+              <a:buFont typeface="Arial" panose="020B0604020202020204" pitchFamily="34" charset="0"/>
+              <a:buChar char="•"/>
+            </a:pPr>
+            <a:r>
+              <a:rPr lang="de-DE" dirty="0"/>
+              <a:t>Maven oder </a:t>
+            </a:r>
+            <a:r>
+              <a:rPr lang="de-DE" dirty="0" err="1"/>
+              <a:t>Gradle</a:t>
+            </a:r>
+            <a:endParaRPr lang="de-DE" dirty="0"/>
+          </a:p>
+          <a:p>
+            <a:pPr marL="285750" indent="-285750">
+              <a:lnSpc>
+                <a:spcPct val="150000"/>
+              </a:lnSpc>
+              <a:buFont typeface="Arial" panose="020B0604020202020204" pitchFamily="34" charset="0"/>
+              <a:buChar char="•"/>
+            </a:pPr>
+            <a:r>
+              <a:rPr lang="de-DE" dirty="0"/>
+              <a:t>Java/</a:t>
+            </a:r>
+            <a:r>
+              <a:rPr lang="de-DE" dirty="0" err="1"/>
+              <a:t>Kotlin</a:t>
+            </a:r>
+            <a:r>
+              <a:rPr lang="de-DE" dirty="0"/>
+              <a:t>/Groovy</a:t>
+            </a:r>
+          </a:p>
+          <a:p>
+            <a:pPr marL="285750" indent="-285750">
+              <a:lnSpc>
+                <a:spcPct val="150000"/>
+              </a:lnSpc>
+              <a:buFont typeface="Arial" panose="020B0604020202020204" pitchFamily="34" charset="0"/>
+              <a:buChar char="•"/>
+            </a:pPr>
+            <a:r>
+              <a:rPr lang="de-DE" dirty="0"/>
+              <a:t>Ausgewählte Abhängigkeiten werden direkt der pom.xml-Datei hinzugefügt</a:t>
+            </a:r>
+          </a:p>
+          <a:p>
+            <a:pPr marL="285750" indent="-285750">
+              <a:lnSpc>
+                <a:spcPct val="150000"/>
+              </a:lnSpc>
+              <a:buFont typeface="Arial" panose="020B0604020202020204" pitchFamily="34" charset="0"/>
+              <a:buChar char="•"/>
+            </a:pPr>
+            <a:r>
+              <a:rPr lang="de-DE" dirty="0"/>
+              <a:t>Generiert </a:t>
+            </a:r>
+            <a:r>
+              <a:rPr lang="de-DE" dirty="0" err="1"/>
+              <a:t>zip</a:t>
+            </a:r>
+            <a:r>
+              <a:rPr lang="de-DE" dirty="0"/>
+              <a:t>-Datei</a:t>
+            </a:r>
+          </a:p>
+        </p:txBody>
+      </p:sp>
+    </p:spTree>
+    <p:extLst>
+      <p:ext uri="{BB962C8B-B14F-4D97-AF65-F5344CB8AC3E}">
+        <p14:creationId xmlns:p14="http://schemas.microsoft.com/office/powerpoint/2010/main" val="770924148"/>
+      </p:ext>
+    </p:extLst>
+  </p:cSld>
+  <p:clrMapOvr>
+    <a:masterClrMapping/>
+  </p:clrMapOvr>
+</p:sld>
+</file>
+
+<file path=ppt/slides/slide27.xml><?xml version="1.0" encoding="utf-8"?>
+<p:sld xmlns:a="http://schemas.openxmlformats.org/drawingml/2006/main" xmlns:r="http://schemas.openxmlformats.org/officeDocument/2006/relationships" xmlns:p="http://schemas.openxmlformats.org/presentationml/2006/main">
+  <p:cSld>
+    <p:spTree>
+      <p:nvGrpSpPr>
+        <p:cNvPr id="1" name=""/>
+        <p:cNvGrpSpPr/>
+        <p:nvPr/>
+      </p:nvGrpSpPr>
+      <p:grpSpPr>
+        <a:xfrm>
+          <a:off x="0" y="0"/>
+          <a:ext cx="0" cy="0"/>
+          <a:chOff x="0" y="0"/>
+          <a:chExt cx="0" cy="0"/>
+        </a:xfrm>
+      </p:grpSpPr>
+      <p:sp>
+        <p:nvSpPr>
+          <p:cNvPr id="13" name="Textplatzhalter 12">
+            <a:extLst>
+              <a:ext uri="{FF2B5EF4-FFF2-40B4-BE49-F238E27FC236}">
+                <a16:creationId xmlns:a16="http://schemas.microsoft.com/office/drawing/2014/main" id="{2E9B8AF9-CBEF-433F-8F57-2FB75A4D2B67}"/>
+              </a:ext>
+            </a:extLst>
+          </p:cNvPr>
+          <p:cNvSpPr>
+            <a:spLocks noGrp="1"/>
+          </p:cNvSpPr>
+          <p:nvPr>
+            <p:ph type="body" idx="1"/>
+          </p:nvPr>
+        </p:nvSpPr>
+        <p:spPr>
+          <a:xfrm>
+            <a:off x="1097082" y="966569"/>
+            <a:ext cx="4645152" cy="801943"/>
+          </a:xfrm>
+        </p:spPr>
+        <p:txBody>
+          <a:bodyPr/>
+          <a:lstStyle/>
+          <a:p>
+            <a:r>
+              <a:rPr lang="de-DE" dirty="0"/>
+              <a:t>pom.xml</a:t>
+            </a:r>
+          </a:p>
+        </p:txBody>
+      </p:sp>
+      <p:sp>
+        <p:nvSpPr>
+          <p:cNvPr id="15" name="Textplatzhalter 14">
+            <a:extLst>
+              <a:ext uri="{FF2B5EF4-FFF2-40B4-BE49-F238E27FC236}">
+                <a16:creationId xmlns:a16="http://schemas.microsoft.com/office/drawing/2014/main" id="{BF7B6605-F809-4FBA-BBA5-88D2946B4448}"/>
+              </a:ext>
+            </a:extLst>
+          </p:cNvPr>
+          <p:cNvSpPr>
+            <a:spLocks noGrp="1"/>
+          </p:cNvSpPr>
+          <p:nvPr>
+            <p:ph type="body" sz="quarter" idx="3"/>
+          </p:nvPr>
+        </p:nvSpPr>
+        <p:spPr>
+          <a:xfrm>
+            <a:off x="6096000" y="966569"/>
+            <a:ext cx="4645152" cy="802237"/>
+          </a:xfrm>
+        </p:spPr>
+        <p:txBody>
+          <a:bodyPr/>
+          <a:lstStyle/>
+          <a:p>
+            <a:r>
+              <a:rPr lang="de-DE" dirty="0" err="1"/>
+              <a:t>application.properties</a:t>
+            </a:r>
+            <a:endParaRPr lang="de-DE" dirty="0"/>
+          </a:p>
+        </p:txBody>
+      </p:sp>
+      <p:pic>
+        <p:nvPicPr>
+          <p:cNvPr id="18" name="Grafik 17">
+            <a:extLst>
+              <a:ext uri="{FF2B5EF4-FFF2-40B4-BE49-F238E27FC236}">
+                <a16:creationId xmlns:a16="http://schemas.microsoft.com/office/drawing/2014/main" id="{F961C61A-612D-40D1-AA85-626E254314AC}"/>
+              </a:ext>
+            </a:extLst>
+          </p:cNvPr>
+          <p:cNvPicPr>
+            <a:picLocks noChangeAspect="1"/>
+          </p:cNvPicPr>
+          <p:nvPr/>
+        </p:nvPicPr>
+        <p:blipFill>
+          <a:blip r:embed="rId2"/>
+          <a:stretch>
+            <a:fillRect/>
+          </a:stretch>
+        </p:blipFill>
+        <p:spPr>
+          <a:xfrm>
+            <a:off x="555489" y="2255418"/>
+            <a:ext cx="3894157" cy="2347163"/>
+          </a:xfrm>
+          <a:prstGeom prst="rect">
+            <a:avLst/>
+          </a:prstGeom>
+        </p:spPr>
+      </p:pic>
+    </p:spTree>
+    <p:extLst>
+      <p:ext uri="{BB962C8B-B14F-4D97-AF65-F5344CB8AC3E}">
+        <p14:creationId xmlns:p14="http://schemas.microsoft.com/office/powerpoint/2010/main" val="351207113"/>
+      </p:ext>
+    </p:extLst>
+  </p:cSld>
+  <p:clrMapOvr>
+    <a:masterClrMapping/>
+  </p:clrMapOvr>
+</p:sld>
+</file>
+
+<file path=ppt/slides/slide28.xml><?xml version="1.0" encoding="utf-8"?>
+<p:sld xmlns:a="http://schemas.openxmlformats.org/drawingml/2006/main" xmlns:r="http://schemas.openxmlformats.org/officeDocument/2006/relationships" xmlns:p="http://schemas.openxmlformats.org/presentationml/2006/main">
+  <p:cSld>
+    <p:spTree>
+      <p:nvGrpSpPr>
+        <p:cNvPr id="1" name=""/>
+        <p:cNvGrpSpPr/>
+        <p:nvPr/>
+      </p:nvGrpSpPr>
+      <p:grpSpPr>
+        <a:xfrm>
+          <a:off x="0" y="0"/>
+          <a:ext cx="0" cy="0"/>
+          <a:chOff x="0" y="0"/>
+          <a:chExt cx="0" cy="0"/>
+        </a:xfrm>
+      </p:grpSpPr>
+      <p:sp>
+        <p:nvSpPr>
+          <p:cNvPr id="2" name="Titel 1">
+            <a:extLst>
+              <a:ext uri="{FF2B5EF4-FFF2-40B4-BE49-F238E27FC236}">
+                <a16:creationId xmlns:a16="http://schemas.microsoft.com/office/drawing/2014/main" id="{4FC79BFD-AA51-4C25-9E23-362F1570ACBE}"/>
+              </a:ext>
+            </a:extLst>
+          </p:cNvPr>
+          <p:cNvSpPr>
+            <a:spLocks noGrp="1"/>
+          </p:cNvSpPr>
+          <p:nvPr>
+            <p:ph type="title"/>
+          </p:nvPr>
+        </p:nvSpPr>
+        <p:spPr/>
+        <p:txBody>
+          <a:bodyPr/>
+          <a:lstStyle/>
+          <a:p>
+            <a:endParaRPr lang="de-DE"/>
+          </a:p>
+        </p:txBody>
+      </p:sp>
+      <p:sp>
+        <p:nvSpPr>
+          <p:cNvPr id="3" name="Inhaltsplatzhalter 2">
+            <a:extLst>
+              <a:ext uri="{FF2B5EF4-FFF2-40B4-BE49-F238E27FC236}">
+                <a16:creationId xmlns:a16="http://schemas.microsoft.com/office/drawing/2014/main" id="{5FC88247-ED41-4644-8840-AEB477B12AD8}"/>
+              </a:ext>
+            </a:extLst>
+          </p:cNvPr>
+          <p:cNvSpPr>
+            <a:spLocks noGrp="1"/>
+          </p:cNvSpPr>
+          <p:nvPr>
+            <p:ph idx="1"/>
+          </p:nvPr>
+        </p:nvSpPr>
+        <p:spPr/>
+        <p:txBody>
+          <a:bodyPr/>
+          <a:lstStyle/>
+          <a:p>
+            <a:endParaRPr lang="de-DE"/>
+          </a:p>
+        </p:txBody>
+      </p:sp>
+    </p:spTree>
+    <p:extLst>
+      <p:ext uri="{BB962C8B-B14F-4D97-AF65-F5344CB8AC3E}">
+        <p14:creationId xmlns:p14="http://schemas.microsoft.com/office/powerpoint/2010/main" val="1391950885"/>
+      </p:ext>
+    </p:extLst>
+  </p:cSld>
+  <p:clrMapOvr>
+    <a:masterClrMapping/>
+  </p:clrMapOvr>
+</p:sld>
+</file>
+
+<file path=ppt/slides/slide29.xml><?xml version="1.0" encoding="utf-8"?>
 <p:sld xmlns:a="http://schemas.openxmlformats.org/drawingml/2006/main" xmlns:r="http://schemas.openxmlformats.org/officeDocument/2006/relationships" xmlns:p="http://schemas.openxmlformats.org/presentationml/2006/main">
   <p:cSld>
     <p:spTree>

--- a/Fragebogen zum Status der Bauqualität.pptx
+++ b/Fragebogen zum Status der Bauqualität.pptx
@@ -33,7 +33,8 @@
     <p:sldId id="283" r:id="rId27"/>
     <p:sldId id="285" r:id="rId28"/>
     <p:sldId id="284" r:id="rId29"/>
-    <p:sldId id="266" r:id="rId30"/>
+    <p:sldId id="286" r:id="rId30"/>
+    <p:sldId id="266" r:id="rId31"/>
   </p:sldIdLst>
   <p:sldSz cx="12192000" cy="6858000"/>
   <p:notesSz cx="6858000" cy="9144000"/>
@@ -12508,7 +12509,7 @@
         </p:nvSpPr>
         <p:spPr>
           <a:xfrm>
-            <a:off x="1097082" y="966569"/>
+            <a:off x="1241461" y="966275"/>
             <a:ext cx="4645152" cy="801943"/>
           </a:xfrm>
         </p:spPr>
@@ -12541,7 +12542,7 @@
         </p:nvSpPr>
         <p:spPr>
           <a:xfrm>
-            <a:off x="6096000" y="966569"/>
+            <a:off x="6199549" y="966275"/>
             <a:ext cx="4645152" cy="802237"/>
           </a:xfrm>
         </p:spPr>
@@ -12581,6 +12582,36 @@
           <a:xfrm>
             <a:off x="555489" y="2255418"/>
             <a:ext cx="3894157" cy="2347163"/>
+          </a:xfrm>
+          <a:prstGeom prst="rect">
+            <a:avLst/>
+          </a:prstGeom>
+        </p:spPr>
+      </p:pic>
+      <p:pic>
+        <p:nvPicPr>
+          <p:cNvPr id="3" name="Grafik 2">
+            <a:extLst>
+              <a:ext uri="{FF2B5EF4-FFF2-40B4-BE49-F238E27FC236}">
+                <a16:creationId xmlns:a16="http://schemas.microsoft.com/office/drawing/2014/main" id="{88E68303-8A19-4CE4-A23F-CE831E69BBB3}"/>
+              </a:ext>
+            </a:extLst>
+          </p:cNvPr>
+          <p:cNvPicPr>
+            <a:picLocks noChangeAspect="1"/>
+          </p:cNvPicPr>
+          <p:nvPr/>
+        </p:nvPicPr>
+        <p:blipFill>
+          <a:blip r:embed="rId3"/>
+          <a:stretch>
+            <a:fillRect/>
+          </a:stretch>
+        </p:blipFill>
+        <p:spPr>
+          <a:xfrm>
+            <a:off x="5357826" y="2247797"/>
+            <a:ext cx="5486875" cy="1181202"/>
           </a:xfrm>
           <a:prstGeom prst="rect">
             <a:avLst/>
@@ -12603,6 +12634,31 @@
 <file path=ppt/slides/slide28.xml><?xml version="1.0" encoding="utf-8"?>
 <p:sld xmlns:a="http://schemas.openxmlformats.org/drawingml/2006/main" xmlns:r="http://schemas.openxmlformats.org/officeDocument/2006/relationships" xmlns:p="http://schemas.openxmlformats.org/presentationml/2006/main">
   <p:cSld>
+    <p:bg>
+      <p:bgPr>
+        <a:gradFill rotWithShape="1">
+          <a:gsLst>
+            <a:gs pos="0">
+              <a:schemeClr val="bg1">
+                <a:tint val="94000"/>
+                <a:satMod val="80000"/>
+                <a:lumMod val="106000"/>
+              </a:schemeClr>
+            </a:gs>
+            <a:gs pos="100000">
+              <a:schemeClr val="bg1">
+                <a:shade val="80000"/>
+                <a:lumMod val="108000"/>
+              </a:schemeClr>
+            </a:gs>
+          </a:gsLst>
+          <a:path path="circle">
+            <a:fillToRect l="43000" r="43000" b="100000"/>
+          </a:path>
+        </a:gradFill>
+        <a:effectLst/>
+      </p:bgPr>
+    </p:bg>
     <p:spTree>
       <p:nvGrpSpPr>
         <p:cNvPr id="1" name=""/>
@@ -12633,21 +12689,31 @@
             <p:ph type="title"/>
           </p:nvPr>
         </p:nvSpPr>
-        <p:spPr/>
+        <p:spPr>
+          <a:xfrm>
+            <a:off x="1130270" y="953324"/>
+            <a:ext cx="9603275" cy="1049235"/>
+          </a:xfrm>
+        </p:spPr>
         <p:txBody>
-          <a:bodyPr/>
+          <a:bodyPr>
+            <a:normAutofit/>
+          </a:bodyPr>
           <a:lstStyle/>
           <a:p>
-            <a:endParaRPr lang="de-DE"/>
+            <a:r>
+              <a:rPr lang="de-DE" dirty="0"/>
+              <a:t>Repository</a:t>
+            </a:r>
           </a:p>
         </p:txBody>
       </p:sp>
       <p:sp>
         <p:nvSpPr>
-          <p:cNvPr id="3" name="Inhaltsplatzhalter 2">
-            <a:extLst>
-              <a:ext uri="{FF2B5EF4-FFF2-40B4-BE49-F238E27FC236}">
-                <a16:creationId xmlns:a16="http://schemas.microsoft.com/office/drawing/2014/main" id="{5FC88247-ED41-4644-8840-AEB477B12AD8}"/>
+          <p:cNvPr id="23" name="Content Placeholder 9">
+            <a:extLst>
+              <a:ext uri="{FF2B5EF4-FFF2-40B4-BE49-F238E27FC236}">
+                <a16:creationId xmlns:a16="http://schemas.microsoft.com/office/drawing/2014/main" id="{05241B4D-4705-4D04-9F23-BA10C7FAE0D2}"/>
               </a:ext>
             </a:extLst>
           </p:cNvPr>
@@ -12658,15 +12724,173 @@
             <p:ph idx="1"/>
           </p:nvPr>
         </p:nvSpPr>
-        <p:spPr/>
+        <p:spPr>
+          <a:xfrm>
+            <a:off x="1130270" y="2158175"/>
+            <a:ext cx="4345401" cy="3308172"/>
+          </a:xfrm>
+        </p:spPr>
         <p:txBody>
-          <a:bodyPr/>
+          <a:bodyPr>
+            <a:normAutofit/>
+          </a:bodyPr>
           <a:lstStyle/>
           <a:p>
-            <a:endParaRPr lang="de-DE"/>
+            <a:r>
+              <a:rPr lang="en-US" dirty="0"/>
+              <a:t>Repository Implementation </a:t>
+            </a:r>
+            <a:r>
+              <a:rPr lang="en-US" dirty="0" err="1"/>
+              <a:t>wird</a:t>
+            </a:r>
+            <a:r>
+              <a:rPr lang="en-US" dirty="0"/>
+              <a:t> </a:t>
+            </a:r>
+            <a:r>
+              <a:rPr lang="en-US" dirty="0" err="1"/>
+              <a:t>zur</a:t>
+            </a:r>
+            <a:r>
+              <a:rPr lang="en-US" dirty="0"/>
+              <a:t> </a:t>
+            </a:r>
+            <a:r>
+              <a:rPr lang="en-US" dirty="0" err="1"/>
+              <a:t>Laufzeit</a:t>
+            </a:r>
+            <a:r>
+              <a:rPr lang="en-US" dirty="0"/>
+              <a:t> </a:t>
+            </a:r>
+            <a:r>
+              <a:rPr lang="en-US" dirty="0" err="1"/>
+              <a:t>erzeugt</a:t>
+            </a:r>
+            <a:endParaRPr lang="en-US" dirty="0"/>
+          </a:p>
+          <a:p>
+            <a:r>
+              <a:rPr lang="en-US" dirty="0" err="1"/>
+              <a:t>JpaRepository</a:t>
+            </a:r>
+            <a:r>
+              <a:rPr lang="en-US" dirty="0"/>
+              <a:t> </a:t>
+            </a:r>
+            <a:r>
+              <a:rPr lang="en-US" dirty="0" err="1"/>
+              <a:t>liefert</a:t>
+            </a:r>
+            <a:r>
+              <a:rPr lang="en-US" dirty="0"/>
+              <a:t> </a:t>
+            </a:r>
+            <a:r>
+              <a:rPr lang="en-US" dirty="0" err="1"/>
+              <a:t>Methoden</a:t>
+            </a:r>
+            <a:r>
+              <a:rPr lang="en-US" dirty="0"/>
+              <a:t> </a:t>
+            </a:r>
+            <a:r>
+              <a:rPr lang="en-US" dirty="0" err="1"/>
+              <a:t>zum</a:t>
+            </a:r>
+            <a:r>
+              <a:rPr lang="en-US" dirty="0"/>
+              <a:t> </a:t>
+            </a:r>
+            <a:r>
+              <a:rPr lang="en-US" dirty="0" err="1"/>
+              <a:t>speichern</a:t>
+            </a:r>
+            <a:r>
+              <a:rPr lang="en-US" dirty="0"/>
+              <a:t>, </a:t>
+            </a:r>
+            <a:r>
+              <a:rPr lang="en-US" dirty="0" err="1"/>
+              <a:t>löschen</a:t>
+            </a:r>
+            <a:r>
+              <a:rPr lang="en-US" dirty="0"/>
+              <a:t> und </a:t>
+            </a:r>
+            <a:r>
+              <a:rPr lang="en-US" dirty="0" err="1"/>
+              <a:t>bearbeiten</a:t>
+            </a:r>
+            <a:r>
+              <a:rPr lang="en-US" dirty="0"/>
+              <a:t> von Entities</a:t>
+            </a:r>
+          </a:p>
+          <a:p>
+            <a:r>
+              <a:rPr lang="en-US" dirty="0" err="1"/>
+              <a:t>Eigene</a:t>
+            </a:r>
+            <a:r>
+              <a:rPr lang="en-US" dirty="0"/>
+              <a:t> </a:t>
+            </a:r>
+            <a:r>
+              <a:rPr lang="en-US" dirty="0" err="1"/>
+              <a:t>Methoden</a:t>
+            </a:r>
+            <a:r>
+              <a:rPr lang="en-US" dirty="0"/>
+              <a:t> </a:t>
+            </a:r>
+            <a:r>
+              <a:rPr lang="en-US" dirty="0" err="1"/>
+              <a:t>auch</a:t>
+            </a:r>
+            <a:r>
+              <a:rPr lang="en-US" dirty="0"/>
+              <a:t> </a:t>
+            </a:r>
+            <a:r>
+              <a:rPr lang="en-US" dirty="0" err="1"/>
+              <a:t>möglich</a:t>
+            </a:r>
+            <a:endParaRPr lang="en-US" dirty="0"/>
           </a:p>
         </p:txBody>
       </p:sp>
+      <p:pic>
+        <p:nvPicPr>
+          <p:cNvPr id="24" name="Inhaltsplatzhalter 4">
+            <a:extLst>
+              <a:ext uri="{FF2B5EF4-FFF2-40B4-BE49-F238E27FC236}">
+                <a16:creationId xmlns:a16="http://schemas.microsoft.com/office/drawing/2014/main" id="{6E22B652-A73B-475F-83FC-BBD2ED81AAA5}"/>
+              </a:ext>
+            </a:extLst>
+          </p:cNvPr>
+          <p:cNvPicPr>
+            <a:picLocks noChangeAspect="1"/>
+          </p:cNvPicPr>
+          <p:nvPr/>
+        </p:nvPicPr>
+        <p:blipFill>
+          <a:blip r:embed="rId2"/>
+          <a:stretch>
+            <a:fillRect/>
+          </a:stretch>
+        </p:blipFill>
+        <p:spPr>
+          <a:xfrm>
+            <a:off x="5918624" y="2614364"/>
+            <a:ext cx="5784739" cy="1629272"/>
+          </a:xfrm>
+          <a:prstGeom prst="rect">
+            <a:avLst/>
+          </a:prstGeom>
+        </p:spPr>
+      </p:pic>
     </p:spTree>
     <p:extLst>
       <p:ext uri="{BB962C8B-B14F-4D97-AF65-F5344CB8AC3E}">
@@ -12702,7 +12926,7 @@
           <p:cNvPr id="2" name="Titel 1">
             <a:extLst>
               <a:ext uri="{FF2B5EF4-FFF2-40B4-BE49-F238E27FC236}">
-                <a16:creationId xmlns:a16="http://schemas.microsoft.com/office/drawing/2014/main" id="{7920A7ED-A1A4-4738-859F-58A275E7F327}"/>
+                <a16:creationId xmlns:a16="http://schemas.microsoft.com/office/drawing/2014/main" id="{A1631D66-57A2-4E4C-91BD-87C28924E4FF}"/>
               </a:ext>
             </a:extLst>
           </p:cNvPr>
@@ -12720,55 +12944,181 @@
           <a:p>
             <a:r>
               <a:rPr lang="de-DE" dirty="0"/>
-              <a:t>Ausblick</a:t>
+              <a:t>Rest-Controller</a:t>
             </a:r>
           </a:p>
         </p:txBody>
       </p:sp>
+      <p:pic>
+        <p:nvPicPr>
+          <p:cNvPr id="5" name="Grafik 4">
+            <a:extLst>
+              <a:ext uri="{FF2B5EF4-FFF2-40B4-BE49-F238E27FC236}">
+                <a16:creationId xmlns:a16="http://schemas.microsoft.com/office/drawing/2014/main" id="{E95A69AB-68A0-413E-AFC5-B6F684A1E054}"/>
+              </a:ext>
+            </a:extLst>
+          </p:cNvPr>
+          <p:cNvPicPr>
+            <a:picLocks noChangeAspect="1"/>
+          </p:cNvPicPr>
+          <p:nvPr/>
+        </p:nvPicPr>
+        <p:blipFill>
+          <a:blip r:embed="rId2"/>
+          <a:stretch>
+            <a:fillRect/>
+          </a:stretch>
+        </p:blipFill>
+        <p:spPr>
+          <a:xfrm>
+            <a:off x="1130270" y="1671834"/>
+            <a:ext cx="6730277" cy="3514332"/>
+          </a:xfrm>
+          <a:prstGeom prst="rect">
+            <a:avLst/>
+          </a:prstGeom>
+        </p:spPr>
+      </p:pic>
       <p:sp>
         <p:nvSpPr>
-          <p:cNvPr id="3" name="Inhaltsplatzhalter 2">
-            <a:extLst>
-              <a:ext uri="{FF2B5EF4-FFF2-40B4-BE49-F238E27FC236}">
-                <a16:creationId xmlns:a16="http://schemas.microsoft.com/office/drawing/2014/main" id="{FCEBA64E-2A61-4FEF-ADEE-8CC7AA23D9B3}"/>
-              </a:ext>
-            </a:extLst>
-          </p:cNvPr>
-          <p:cNvSpPr>
-            <a:spLocks noGrp="1"/>
-          </p:cNvSpPr>
-          <p:nvPr>
-            <p:ph idx="1"/>
-          </p:nvPr>
-        </p:nvSpPr>
-        <p:spPr/>
+          <p:cNvPr id="6" name="Textfeld 5">
+            <a:extLst>
+              <a:ext uri="{FF2B5EF4-FFF2-40B4-BE49-F238E27FC236}">
+                <a16:creationId xmlns:a16="http://schemas.microsoft.com/office/drawing/2014/main" id="{A288323F-9217-4418-846D-C1952A9B4392}"/>
+              </a:ext>
+            </a:extLst>
+          </p:cNvPr>
+          <p:cNvSpPr txBox="1"/>
+          <p:nvPr/>
+        </p:nvSpPr>
+        <p:spPr>
+          <a:xfrm>
+            <a:off x="8021053" y="1671834"/>
+            <a:ext cx="3906252" cy="3693319"/>
+          </a:xfrm>
+          <a:prstGeom prst="rect">
+            <a:avLst/>
+          </a:prstGeom>
+          <a:noFill/>
+        </p:spPr>
         <p:txBody>
-          <a:bodyPr/>
+          <a:bodyPr wrap="square" rtlCol="0">
+            <a:spAutoFit/>
+          </a:bodyPr>
           <a:lstStyle/>
           <a:p>
+            <a:pPr marL="285750" indent="-285750">
+              <a:buFont typeface="Arial" panose="020B0604020202020204" pitchFamily="34" charset="0"/>
+              <a:buChar char="•"/>
+            </a:pPr>
             <a:r>
               <a:rPr lang="de-DE" dirty="0"/>
-              <a:t>Daten in Excel-Tabelle überführen</a:t>
-            </a:r>
-          </a:p>
-          <a:p>
+              <a:t>@</a:t>
+            </a:r>
+            <a:r>
+              <a:rPr lang="de-DE" dirty="0" err="1"/>
+              <a:t>PostMapping</a:t>
+            </a:r>
             <a:r>
               <a:rPr lang="de-DE" dirty="0"/>
-              <a:t>Dokumentation</a:t>
-            </a:r>
-          </a:p>
-          <a:p>
+              <a:t> = @</a:t>
+            </a:r>
+            <a:r>
+              <a:rPr lang="de-DE" dirty="0" err="1"/>
+              <a:t>RequestMapping</a:t>
+            </a:r>
             <a:r>
               <a:rPr lang="de-DE" dirty="0"/>
-              <a:t>Authentifizierung</a:t>
-            </a:r>
+              <a:t>(</a:t>
+            </a:r>
+            <a:r>
+              <a:rPr lang="de-DE" dirty="0" err="1"/>
+              <a:t>method</a:t>
+            </a:r>
+            <a:r>
+              <a:rPr lang="de-DE" dirty="0"/>
+              <a:t> = </a:t>
+            </a:r>
+            <a:r>
+              <a:rPr lang="de-DE" dirty="0" err="1"/>
+              <a:t>RequestMethod.POST</a:t>
+            </a:r>
+            <a:r>
+              <a:rPr lang="de-DE" dirty="0"/>
+              <a:t>)</a:t>
+            </a:r>
+          </a:p>
+          <a:p>
+            <a:endParaRPr lang="de-DE" dirty="0"/>
+          </a:p>
+          <a:p>
+            <a:pPr marL="285750" indent="-285750">
+              <a:buFont typeface="Arial" panose="020B0604020202020204" pitchFamily="34" charset="0"/>
+              <a:buChar char="•"/>
+            </a:pPr>
+            <a:r>
+              <a:rPr lang="de-DE" dirty="0"/>
+              <a:t>Bindung an den Body des Web </a:t>
+            </a:r>
+            <a:r>
+              <a:rPr lang="de-DE" dirty="0" err="1"/>
+              <a:t>Requests</a:t>
+            </a:r>
+            <a:r>
+              <a:rPr lang="de-DE" dirty="0"/>
+              <a:t> über Annotation </a:t>
+            </a:r>
+            <a:r>
+              <a:rPr lang="de-DE" dirty="0" err="1"/>
+              <a:t>RequestBody</a:t>
+            </a:r>
+            <a:endParaRPr lang="de-DE" dirty="0"/>
+          </a:p>
+          <a:p>
+            <a:pPr marL="285750" indent="-285750">
+              <a:buFont typeface="Arial" panose="020B0604020202020204" pitchFamily="34" charset="0"/>
+              <a:buChar char="•"/>
+            </a:pPr>
+            <a:endParaRPr lang="de-DE" dirty="0"/>
+          </a:p>
+          <a:p>
+            <a:pPr marL="285750" indent="-285750">
+              <a:buFont typeface="Arial" panose="020B0604020202020204" pitchFamily="34" charset="0"/>
+              <a:buChar char="•"/>
+            </a:pPr>
+            <a:r>
+              <a:rPr lang="de-DE" dirty="0"/>
+              <a:t>Speichern der Daten über Objekte der </a:t>
+            </a:r>
+            <a:r>
+              <a:rPr lang="de-DE" dirty="0" err="1"/>
+              <a:t>Repositories</a:t>
+            </a:r>
+            <a:endParaRPr lang="de-DE" dirty="0"/>
+          </a:p>
+          <a:p>
+            <a:pPr marL="285750" indent="-285750">
+              <a:buFont typeface="Arial" panose="020B0604020202020204" pitchFamily="34" charset="0"/>
+              <a:buChar char="•"/>
+            </a:pPr>
+            <a:endParaRPr lang="de-DE" dirty="0"/>
+          </a:p>
+          <a:p>
+            <a:endParaRPr lang="de-DE" dirty="0"/>
+          </a:p>
+          <a:p>
+            <a:pPr marL="285750" indent="-285750">
+              <a:buFont typeface="Arial" panose="020B0604020202020204" pitchFamily="34" charset="0"/>
+              <a:buChar char="•"/>
+            </a:pPr>
+            <a:endParaRPr lang="de-DE" dirty="0"/>
           </a:p>
         </p:txBody>
       </p:sp>
     </p:spTree>
     <p:extLst>
       <p:ext uri="{BB962C8B-B14F-4D97-AF65-F5344CB8AC3E}">
-        <p14:creationId xmlns:p14="http://schemas.microsoft.com/office/powerpoint/2010/main" val="3350993284"/>
+        <p14:creationId xmlns:p14="http://schemas.microsoft.com/office/powerpoint/2010/main" val="1743295633"/>
       </p:ext>
     </p:extLst>
   </p:cSld>
@@ -12896,6 +13246,104 @@
     <p:extLst>
       <p:ext uri="{BB962C8B-B14F-4D97-AF65-F5344CB8AC3E}">
         <p14:creationId xmlns:p14="http://schemas.microsoft.com/office/powerpoint/2010/main" val="4067998231"/>
+      </p:ext>
+    </p:extLst>
+  </p:cSld>
+  <p:clrMapOvr>
+    <a:masterClrMapping/>
+  </p:clrMapOvr>
+</p:sld>
+</file>
+
+<file path=ppt/slides/slide30.xml><?xml version="1.0" encoding="utf-8"?>
+<p:sld xmlns:a="http://schemas.openxmlformats.org/drawingml/2006/main" xmlns:r="http://schemas.openxmlformats.org/officeDocument/2006/relationships" xmlns:p="http://schemas.openxmlformats.org/presentationml/2006/main">
+  <p:cSld>
+    <p:spTree>
+      <p:nvGrpSpPr>
+        <p:cNvPr id="1" name=""/>
+        <p:cNvGrpSpPr/>
+        <p:nvPr/>
+      </p:nvGrpSpPr>
+      <p:grpSpPr>
+        <a:xfrm>
+          <a:off x="0" y="0"/>
+          <a:ext cx="0" cy="0"/>
+          <a:chOff x="0" y="0"/>
+          <a:chExt cx="0" cy="0"/>
+        </a:xfrm>
+      </p:grpSpPr>
+      <p:sp>
+        <p:nvSpPr>
+          <p:cNvPr id="2" name="Titel 1">
+            <a:extLst>
+              <a:ext uri="{FF2B5EF4-FFF2-40B4-BE49-F238E27FC236}">
+                <a16:creationId xmlns:a16="http://schemas.microsoft.com/office/drawing/2014/main" id="{7920A7ED-A1A4-4738-859F-58A275E7F327}"/>
+              </a:ext>
+            </a:extLst>
+          </p:cNvPr>
+          <p:cNvSpPr>
+            <a:spLocks noGrp="1"/>
+          </p:cNvSpPr>
+          <p:nvPr>
+            <p:ph type="title"/>
+          </p:nvPr>
+        </p:nvSpPr>
+        <p:spPr/>
+        <p:txBody>
+          <a:bodyPr/>
+          <a:lstStyle/>
+          <a:p>
+            <a:r>
+              <a:rPr lang="de-DE" dirty="0"/>
+              <a:t>Ausblick</a:t>
+            </a:r>
+          </a:p>
+        </p:txBody>
+      </p:sp>
+      <p:sp>
+        <p:nvSpPr>
+          <p:cNvPr id="3" name="Inhaltsplatzhalter 2">
+            <a:extLst>
+              <a:ext uri="{FF2B5EF4-FFF2-40B4-BE49-F238E27FC236}">
+                <a16:creationId xmlns:a16="http://schemas.microsoft.com/office/drawing/2014/main" id="{FCEBA64E-2A61-4FEF-ADEE-8CC7AA23D9B3}"/>
+              </a:ext>
+            </a:extLst>
+          </p:cNvPr>
+          <p:cNvSpPr>
+            <a:spLocks noGrp="1"/>
+          </p:cNvSpPr>
+          <p:nvPr>
+            <p:ph idx="1"/>
+          </p:nvPr>
+        </p:nvSpPr>
+        <p:spPr/>
+        <p:txBody>
+          <a:bodyPr/>
+          <a:lstStyle/>
+          <a:p>
+            <a:r>
+              <a:rPr lang="de-DE" dirty="0"/>
+              <a:t>Daten in Excel-Tabelle überführen</a:t>
+            </a:r>
+          </a:p>
+          <a:p>
+            <a:r>
+              <a:rPr lang="de-DE" dirty="0"/>
+              <a:t>Dokumentation</a:t>
+            </a:r>
+          </a:p>
+          <a:p>
+            <a:r>
+              <a:rPr lang="de-DE" dirty="0"/>
+              <a:t>Authentifizierung</a:t>
+            </a:r>
+          </a:p>
+        </p:txBody>
+      </p:sp>
+    </p:spTree>
+    <p:extLst>
+      <p:ext uri="{BB962C8B-B14F-4D97-AF65-F5344CB8AC3E}">
+        <p14:creationId xmlns:p14="http://schemas.microsoft.com/office/powerpoint/2010/main" val="3350993284"/>
       </p:ext>
     </p:extLst>
   </p:cSld>

--- a/Fragebogen zum Status der Bauqualität.pptx
+++ b/Fragebogen zum Status der Bauqualität.pptx
@@ -280,7 +280,7 @@
           <a:p>
             <a:fld id="{48A87A34-81AB-432B-8DAE-1953F412C126}" type="datetimeFigureOut">
               <a:rPr lang="en-US" dirty="0"/>
-              <a:t>12/17/2018</a:t>
+              <a:t>12/18/2018</a:t>
             </a:fld>
             <a:endParaRPr lang="en-US" dirty="0"/>
           </a:p>
@@ -495,7 +495,7 @@
           <a:p>
             <a:fld id="{48A87A34-81AB-432B-8DAE-1953F412C126}" type="datetimeFigureOut">
               <a:rPr lang="en-US" dirty="0"/>
-              <a:t>12/17/2018</a:t>
+              <a:t>12/18/2018</a:t>
             </a:fld>
             <a:endParaRPr lang="en-US" dirty="0"/>
           </a:p>
@@ -714,7 +714,7 @@
           <a:p>
             <a:fld id="{48A87A34-81AB-432B-8DAE-1953F412C126}" type="datetimeFigureOut">
               <a:rPr lang="en-US" dirty="0"/>
-              <a:t>12/17/2018</a:t>
+              <a:t>12/18/2018</a:t>
             </a:fld>
             <a:endParaRPr lang="en-US" dirty="0"/>
           </a:p>
@@ -924,7 +924,7 @@
             <a:fld id="{48A87A34-81AB-432B-8DAE-1953F412C126}" type="datetimeFigureOut">
               <a:rPr lang="en-US" dirty="0"/>
               <a:pPr/>
-              <a:t>12/17/2018</a:t>
+              <a:t>12/18/2018</a:t>
             </a:fld>
             <a:endParaRPr lang="en-US" dirty="0"/>
           </a:p>
@@ -1211,7 +1211,7 @@
           <a:p>
             <a:fld id="{48A87A34-81AB-432B-8DAE-1953F412C126}" type="datetimeFigureOut">
               <a:rPr lang="en-US" dirty="0"/>
-              <a:t>12/17/2018</a:t>
+              <a:t>12/18/2018</a:t>
             </a:fld>
             <a:endParaRPr lang="en-US" dirty="0"/>
           </a:p>
@@ -1483,7 +1483,7 @@
           <a:p>
             <a:fld id="{48A87A34-81AB-432B-8DAE-1953F412C126}" type="datetimeFigureOut">
               <a:rPr lang="en-US" dirty="0"/>
-              <a:t>12/17/2018</a:t>
+              <a:t>12/18/2018</a:t>
             </a:fld>
             <a:endParaRPr lang="en-US" dirty="0"/>
           </a:p>
@@ -1903,7 +1903,7 @@
           <a:p>
             <a:fld id="{48A87A34-81AB-432B-8DAE-1953F412C126}" type="datetimeFigureOut">
               <a:rPr lang="en-US" dirty="0"/>
-              <a:t>12/17/2018</a:t>
+              <a:t>12/18/2018</a:t>
             </a:fld>
             <a:endParaRPr lang="en-US" dirty="0"/>
           </a:p>
@@ -2056,7 +2056,7 @@
           <a:p>
             <a:fld id="{48A87A34-81AB-432B-8DAE-1953F412C126}" type="datetimeFigureOut">
               <a:rPr lang="en-US" dirty="0"/>
-              <a:t>12/17/2018</a:t>
+              <a:t>12/18/2018</a:t>
             </a:fld>
             <a:endParaRPr lang="en-US" dirty="0"/>
           </a:p>
@@ -2186,7 +2186,7 @@
           <a:p>
             <a:fld id="{48A87A34-81AB-432B-8DAE-1953F412C126}" type="datetimeFigureOut">
               <a:rPr lang="en-US" dirty="0"/>
-              <a:t>12/17/2018</a:t>
+              <a:t>12/18/2018</a:t>
             </a:fld>
             <a:endParaRPr lang="en-US" dirty="0"/>
           </a:p>
@@ -2432,7 +2432,7 @@
           <a:p>
             <a:fld id="{48A87A34-81AB-432B-8DAE-1953F412C126}" type="datetimeFigureOut">
               <a:rPr lang="en-US" dirty="0"/>
-              <a:t>12/17/2018</a:t>
+              <a:t>12/18/2018</a:t>
             </a:fld>
             <a:endParaRPr lang="en-US" dirty="0"/>
           </a:p>
@@ -2888,7 +2888,7 @@
             <a:fld id="{48A87A34-81AB-432B-8DAE-1953F412C126}" type="datetimeFigureOut">
               <a:rPr lang="en-US" dirty="0"/>
               <a:pPr/>
-              <a:t>12/17/2018</a:t>
+              <a:t>12/18/2018</a:t>
             </a:fld>
             <a:endParaRPr lang="en-US" dirty="0"/>
           </a:p>
@@ -3265,7 +3265,7 @@
             <a:fld id="{48A87A34-81AB-432B-8DAE-1953F412C126}" type="datetimeFigureOut">
               <a:rPr lang="en-US" dirty="0"/>
               <a:pPr/>
-              <a:t>12/17/2018</a:t>
+              <a:t>12/18/2018</a:t>
             </a:fld>
             <a:endParaRPr lang="en-US" dirty="0"/>
           </a:p>
@@ -12509,7 +12509,7 @@
         </p:nvSpPr>
         <p:spPr>
           <a:xfrm>
-            <a:off x="1241461" y="966275"/>
+            <a:off x="1273545" y="817010"/>
             <a:ext cx="4645152" cy="801943"/>
           </a:xfrm>
         </p:spPr>
@@ -12542,7 +12542,7 @@
         </p:nvSpPr>
         <p:spPr>
           <a:xfrm>
-            <a:off x="6199549" y="966275"/>
+            <a:off x="6199549" y="817010"/>
             <a:ext cx="4645152" cy="802237"/>
           </a:xfrm>
         </p:spPr>
@@ -12580,7 +12580,7 @@
         </p:blipFill>
         <p:spPr>
           <a:xfrm>
-            <a:off x="555489" y="2255418"/>
+            <a:off x="515384" y="1726028"/>
             <a:ext cx="3894157" cy="2347163"/>
           </a:xfrm>
           <a:prstGeom prst="rect">
@@ -12610,7 +12610,7 @@
         </p:blipFill>
         <p:spPr>
           <a:xfrm>
-            <a:off x="5357826" y="2247797"/>
+            <a:off x="5345551" y="1718407"/>
             <a:ext cx="5486875" cy="1181202"/>
           </a:xfrm>
           <a:prstGeom prst="rect">
@@ -12618,6 +12618,132 @@
           </a:prstGeom>
         </p:spPr>
       </p:pic>
+      <p:sp>
+        <p:nvSpPr>
+          <p:cNvPr id="2" name="Textfeld 1">
+            <a:extLst>
+              <a:ext uri="{FF2B5EF4-FFF2-40B4-BE49-F238E27FC236}">
+                <a16:creationId xmlns:a16="http://schemas.microsoft.com/office/drawing/2014/main" id="{2ACF7699-04C2-48EF-BAC3-1BF36C9E34F8}"/>
+              </a:ext>
+            </a:extLst>
+          </p:cNvPr>
+          <p:cNvSpPr txBox="1"/>
+          <p:nvPr/>
+        </p:nvSpPr>
+        <p:spPr>
+          <a:xfrm>
+            <a:off x="515384" y="4211053"/>
+            <a:ext cx="3894157" cy="1200329"/>
+          </a:xfrm>
+          <a:prstGeom prst="rect">
+            <a:avLst/>
+          </a:prstGeom>
+          <a:noFill/>
+        </p:spPr>
+        <p:txBody>
+          <a:bodyPr wrap="square" rtlCol="0">
+            <a:spAutoFit/>
+          </a:bodyPr>
+          <a:lstStyle/>
+          <a:p>
+            <a:pPr marL="285750" indent="-285750">
+              <a:buFont typeface="Arial" panose="020B0604020202020204" pitchFamily="34" charset="0"/>
+              <a:buChar char="•"/>
+            </a:pPr>
+            <a:r>
+              <a:rPr lang="de-DE" dirty="0"/>
+              <a:t>Project </a:t>
+            </a:r>
+            <a:r>
+              <a:rPr lang="de-DE" dirty="0" err="1"/>
+              <a:t>Object</a:t>
+            </a:r>
+            <a:r>
+              <a:rPr lang="de-DE" dirty="0"/>
+              <a:t> Model</a:t>
+            </a:r>
+          </a:p>
+          <a:p>
+            <a:pPr marL="285750" indent="-285750">
+              <a:buFont typeface="Arial" panose="020B0604020202020204" pitchFamily="34" charset="0"/>
+              <a:buChar char="•"/>
+            </a:pPr>
+            <a:r>
+              <a:rPr lang="de-DE" dirty="0"/>
+              <a:t>Konfiguration des Projektes </a:t>
+            </a:r>
+          </a:p>
+          <a:p>
+            <a:pPr marL="742950" lvl="1" indent="-285750">
+              <a:buFont typeface="Arial" panose="020B0604020202020204" pitchFamily="34" charset="0"/>
+              <a:buChar char="•"/>
+            </a:pPr>
+            <a:r>
+              <a:rPr lang="de-DE" dirty="0"/>
+              <a:t>Abhängigkeiten</a:t>
+            </a:r>
+          </a:p>
+          <a:p>
+            <a:pPr marL="742950" lvl="1" indent="-285750">
+              <a:buFont typeface="Arial" panose="020B0604020202020204" pitchFamily="34" charset="0"/>
+              <a:buChar char="•"/>
+            </a:pPr>
+            <a:r>
+              <a:rPr lang="de-DE" dirty="0"/>
+              <a:t>Projektdetails</a:t>
+            </a:r>
+          </a:p>
+        </p:txBody>
+      </p:sp>
+      <p:sp>
+        <p:nvSpPr>
+          <p:cNvPr id="4" name="Textfeld 3">
+            <a:extLst>
+              <a:ext uri="{FF2B5EF4-FFF2-40B4-BE49-F238E27FC236}">
+                <a16:creationId xmlns:a16="http://schemas.microsoft.com/office/drawing/2014/main" id="{FA669660-EE14-4B53-B3F7-90D3D04D6C0C}"/>
+              </a:ext>
+            </a:extLst>
+          </p:cNvPr>
+          <p:cNvSpPr txBox="1"/>
+          <p:nvPr/>
+        </p:nvSpPr>
+        <p:spPr>
+          <a:xfrm>
+            <a:off x="5345551" y="3059668"/>
+            <a:ext cx="5499150" cy="646331"/>
+          </a:xfrm>
+          <a:prstGeom prst="rect">
+            <a:avLst/>
+          </a:prstGeom>
+          <a:noFill/>
+        </p:spPr>
+        <p:txBody>
+          <a:bodyPr wrap="square" rtlCol="0">
+            <a:spAutoFit/>
+          </a:bodyPr>
+          <a:lstStyle/>
+          <a:p>
+            <a:pPr marL="285750" indent="-285750">
+              <a:buFont typeface="Arial" panose="020B0604020202020204" pitchFamily="34" charset="0"/>
+              <a:buChar char="•"/>
+            </a:pPr>
+            <a:r>
+              <a:rPr lang="de-DE" dirty="0"/>
+              <a:t>Eigenschaften des Projektes</a:t>
+            </a:r>
+          </a:p>
+          <a:p>
+            <a:pPr marL="742950" lvl="1" indent="-285750">
+              <a:buFont typeface="Arial" panose="020B0604020202020204" pitchFamily="34" charset="0"/>
+              <a:buChar char="•"/>
+            </a:pPr>
+            <a:r>
+              <a:rPr lang="de-DE" dirty="0"/>
+              <a:t>zum Beispiel Datenbankanbindung</a:t>
+            </a:r>
+          </a:p>
+        </p:txBody>
+      </p:sp>
     </p:spTree>
     <p:extLst>
       <p:ext uri="{BB962C8B-B14F-4D97-AF65-F5344CB8AC3E}">

--- a/Fragebogen zum Status der Bauqualität.pptx
+++ b/Fragebogen zum Status der Bauqualität.pptx
@@ -20,21 +20,20 @@
     <p:sldId id="268" r:id="rId14"/>
     <p:sldId id="270" r:id="rId15"/>
     <p:sldId id="269" r:id="rId16"/>
-    <p:sldId id="271" r:id="rId17"/>
-    <p:sldId id="272" r:id="rId18"/>
-    <p:sldId id="274" r:id="rId19"/>
-    <p:sldId id="275" r:id="rId20"/>
-    <p:sldId id="276" r:id="rId21"/>
-    <p:sldId id="277" r:id="rId22"/>
-    <p:sldId id="278" r:id="rId23"/>
-    <p:sldId id="279" r:id="rId24"/>
-    <p:sldId id="281" r:id="rId25"/>
-    <p:sldId id="282" r:id="rId26"/>
-    <p:sldId id="283" r:id="rId27"/>
-    <p:sldId id="285" r:id="rId28"/>
-    <p:sldId id="284" r:id="rId29"/>
-    <p:sldId id="286" r:id="rId30"/>
-    <p:sldId id="266" r:id="rId31"/>
+    <p:sldId id="272" r:id="rId17"/>
+    <p:sldId id="274" r:id="rId18"/>
+    <p:sldId id="275" r:id="rId19"/>
+    <p:sldId id="276" r:id="rId20"/>
+    <p:sldId id="277" r:id="rId21"/>
+    <p:sldId id="278" r:id="rId22"/>
+    <p:sldId id="279" r:id="rId23"/>
+    <p:sldId id="281" r:id="rId24"/>
+    <p:sldId id="282" r:id="rId25"/>
+    <p:sldId id="283" r:id="rId26"/>
+    <p:sldId id="285" r:id="rId27"/>
+    <p:sldId id="284" r:id="rId28"/>
+    <p:sldId id="286" r:id="rId29"/>
+    <p:sldId id="266" r:id="rId30"/>
   </p:sldIdLst>
   <p:sldSz cx="12192000" cy="6858000"/>
   <p:notesSz cx="6858000" cy="9144000"/>
@@ -7213,21 +7212,21 @@
           <a:chExt cx="0" cy="0"/>
         </a:xfrm>
       </p:grpSpPr>
-      <p:pic>
-        <p:nvPicPr>
-          <p:cNvPr id="12" name="Picture 11">
-            <a:extLst>
-              <a:ext uri="{FF2B5EF4-FFF2-40B4-BE49-F238E27FC236}">
-                <a16:creationId xmlns:a16="http://schemas.microsoft.com/office/drawing/2014/main" id="{E8690AC4-C9C4-4944-A98C-B1D32992D60B}"/>
+      <p:sp useBgFill="1">
+        <p:nvSpPr>
+          <p:cNvPr id="25" name="Rectangle 14">
+            <a:extLst>
+              <a:ext uri="{FF2B5EF4-FFF2-40B4-BE49-F238E27FC236}">
+                <a16:creationId xmlns:a16="http://schemas.microsoft.com/office/drawing/2014/main" id="{EB8456C2-9457-404E-8DA7-41BB6630DAB1}"/>
               </a:ext>
               <a:ext uri="{C183D7F6-B498-43B3-948B-1728B52AA6E4}">
                 <adec:decorative xmlns:adec="http://schemas.microsoft.com/office/drawing/2017/decorative" val="1"/>
               </a:ext>
             </a:extLst>
           </p:cNvPr>
-          <p:cNvPicPr>
-            <a:picLocks noGrp="1" noRot="1" noChangeAspect="1" noMove="1" noResize="1" noEditPoints="1" noAdjustHandles="1" noChangeArrowheads="1" noChangeShapeType="1" noCrop="1"/>
-          </p:cNvPicPr>
+          <p:cNvSpPr>
+            <a:spLocks noGrp="1" noRot="1" noChangeAspect="1" noMove="1" noResize="1" noEditPoints="1" noAdjustHandles="1" noChangeArrowheads="1" noChangeShapeType="1" noTextEdit="1"/>
+          </p:cNvSpPr>
           <p:nvPr>
             <p:extLst>
               <p:ext uri="{386F3935-93C4-4BCD-93E2-E3B085C9AB24}">
@@ -7235,34 +7234,50 @@
               </p:ext>
             </p:extLst>
           </p:nvPr>
-        </p:nvPicPr>
-        <p:blipFill rotWithShape="1">
-          <a:blip r:embed="rId2">
-            <a:extLst>
-              <a:ext uri="{28A0092B-C50C-407E-A947-70E740481C1C}">
-                <a14:useLocalDpi xmlns:a14="http://schemas.microsoft.com/office/drawing/2010/main" val="0"/>
-              </a:ext>
-            </a:extLst>
-          </a:blip>
-          <a:srcRect t="1538" b="-1538"/>
-          <a:stretch/>
-        </p:blipFill>
-        <p:spPr>
-          <a:xfrm>
-            <a:off x="0" y="6119336"/>
-            <a:ext cx="12192000" cy="742950"/>
+        </p:nvSpPr>
+        <p:spPr>
+          <a:xfrm>
+            <a:off x="2" y="0"/>
+            <a:ext cx="12191695" cy="6858000"/>
           </a:xfrm>
           <a:prstGeom prst="rect">
             <a:avLst/>
           </a:prstGeom>
-        </p:spPr>
-      </p:pic>
+          <a:ln>
+            <a:noFill/>
+          </a:ln>
+        </p:spPr>
+        <p:style>
+          <a:lnRef idx="2">
+            <a:schemeClr val="accent1">
+              <a:shade val="50000"/>
+            </a:schemeClr>
+          </a:lnRef>
+          <a:fillRef idx="1">
+            <a:schemeClr val="accent1"/>
+          </a:fillRef>
+          <a:effectRef idx="0">
+            <a:schemeClr val="accent1"/>
+          </a:effectRef>
+          <a:fontRef idx="minor">
+            <a:schemeClr val="lt1"/>
+          </a:fontRef>
+        </p:style>
+        <p:txBody>
+          <a:bodyPr rtlCol="0" anchor="ctr"/>
+          <a:lstStyle/>
+          <a:p>
+            <a:pPr algn="ctr"/>
+            <a:endParaRPr lang="en-US"/>
+          </a:p>
+        </p:txBody>
+      </p:sp>
       <p:sp>
         <p:nvSpPr>
-          <p:cNvPr id="14" name="Rectangle 13">
-            <a:extLst>
-              <a:ext uri="{FF2B5EF4-FFF2-40B4-BE49-F238E27FC236}">
-                <a16:creationId xmlns:a16="http://schemas.microsoft.com/office/drawing/2014/main" id="{86F828BE-4D4E-43F9-AC35-0209B5190C05}"/>
+          <p:cNvPr id="26" name="Rectangle 16">
+            <a:extLst>
+              <a:ext uri="{FF2B5EF4-FFF2-40B4-BE49-F238E27FC236}">
+                <a16:creationId xmlns:a16="http://schemas.microsoft.com/office/drawing/2014/main" id="{BFB3493F-F73E-4A1A-89E2-FE1D803D15CE}"/>
               </a:ext>
               <a:ext uri="{C183D7F6-B498-43B3-948B-1728B52AA6E4}">
                 <adec:decorative xmlns:adec="http://schemas.microsoft.com/office/drawing/2017/decorative" val="1"/>
@@ -7326,13 +7341,165 @@
             <a:schemeClr val="lt1"/>
           </a:fontRef>
         </p:style>
-      </p:sp>
+        <p:txBody>
+          <a:bodyPr rtlCol="0" anchor="ctr"/>
+          <a:lstStyle/>
+          <a:p>
+            <a:pPr algn="ctr"/>
+            <a:endParaRPr lang="en-US"/>
+          </a:p>
+        </p:txBody>
+      </p:sp>
+      <p:sp>
+        <p:nvSpPr>
+          <p:cNvPr id="7" name="Titel 6">
+            <a:extLst>
+              <a:ext uri="{FF2B5EF4-FFF2-40B4-BE49-F238E27FC236}">
+                <a16:creationId xmlns:a16="http://schemas.microsoft.com/office/drawing/2014/main" id="{2D44AF32-72EC-427D-B4AD-15C91F3C9684}"/>
+              </a:ext>
+            </a:extLst>
+          </p:cNvPr>
+          <p:cNvSpPr>
+            <a:spLocks noGrp="1"/>
+          </p:cNvSpPr>
+          <p:nvPr>
+            <p:ph type="ctrTitle"/>
+          </p:nvPr>
+        </p:nvSpPr>
+        <p:spPr>
+          <a:xfrm>
+            <a:off x="1776730" y="4459039"/>
+            <a:ext cx="7831992" cy="551528"/>
+          </a:xfrm>
+        </p:spPr>
+        <p:txBody>
+          <a:bodyPr>
+            <a:normAutofit/>
+          </a:bodyPr>
+          <a:lstStyle/>
+          <a:p>
+            <a:r>
+              <a:rPr lang="de-DE" sz="3600" dirty="0"/>
+              <a:t>VUE</a:t>
+            </a:r>
+          </a:p>
+        </p:txBody>
+      </p:sp>
+      <p:sp>
+        <p:nvSpPr>
+          <p:cNvPr id="8" name="Untertitel 7">
+            <a:extLst>
+              <a:ext uri="{FF2B5EF4-FFF2-40B4-BE49-F238E27FC236}">
+                <a16:creationId xmlns:a16="http://schemas.microsoft.com/office/drawing/2014/main" id="{3EFC60CE-EC16-4152-9A38-74EE17FED571}"/>
+              </a:ext>
+            </a:extLst>
+          </p:cNvPr>
+          <p:cNvSpPr>
+            <a:spLocks noGrp="1"/>
+          </p:cNvSpPr>
+          <p:nvPr>
+            <p:ph type="subTitle" idx="1"/>
+          </p:nvPr>
+        </p:nvSpPr>
+        <p:spPr>
+          <a:xfrm>
+            <a:off x="1776730" y="5016709"/>
+            <a:ext cx="7831992" cy="457219"/>
+          </a:xfrm>
+        </p:spPr>
+        <p:txBody>
+          <a:bodyPr>
+            <a:normAutofit/>
+          </a:bodyPr>
+          <a:lstStyle/>
+          <a:p>
+            <a:r>
+              <a:rPr lang="de-DE" sz="1600" dirty="0"/>
+              <a:t>JavaScript-Framework</a:t>
+            </a:r>
+          </a:p>
+        </p:txBody>
+      </p:sp>
+      <p:pic>
+        <p:nvPicPr>
+          <p:cNvPr id="10" name="Grafik 9">
+            <a:extLst>
+              <a:ext uri="{FF2B5EF4-FFF2-40B4-BE49-F238E27FC236}">
+                <a16:creationId xmlns:a16="http://schemas.microsoft.com/office/drawing/2014/main" id="{855FB4E9-ADA9-4E62-93A7-DDF8F45C7457}"/>
+              </a:ext>
+            </a:extLst>
+          </p:cNvPr>
+          <p:cNvPicPr>
+            <a:picLocks noChangeAspect="1"/>
+          </p:cNvPicPr>
+          <p:nvPr/>
+        </p:nvPicPr>
+        <p:blipFill>
+          <a:blip r:embed="rId2"/>
+          <a:stretch>
+            <a:fillRect/>
+          </a:stretch>
+        </p:blipFill>
+        <p:spPr>
+          <a:xfrm>
+            <a:off x="3984331" y="643992"/>
+            <a:ext cx="4222212" cy="3652214"/>
+          </a:xfrm>
+          <a:prstGeom prst="rect">
+            <a:avLst/>
+          </a:prstGeom>
+        </p:spPr>
+      </p:pic>
+      <p:pic>
+        <p:nvPicPr>
+          <p:cNvPr id="27" name="Picture 18">
+            <a:extLst>
+              <a:ext uri="{FF2B5EF4-FFF2-40B4-BE49-F238E27FC236}">
+                <a16:creationId xmlns:a16="http://schemas.microsoft.com/office/drawing/2014/main" id="{CEE4ADBF-AAD6-433C-B72E-C603B9BBB310}"/>
+              </a:ext>
+              <a:ext uri="{C183D7F6-B498-43B3-948B-1728B52AA6E4}">
+                <adec:decorative xmlns:adec="http://schemas.microsoft.com/office/drawing/2017/decorative" val="1"/>
+              </a:ext>
+            </a:extLst>
+          </p:cNvPr>
+          <p:cNvPicPr>
+            <a:picLocks noGrp="1" noRot="1" noChangeAspect="1" noMove="1" noResize="1" noEditPoints="1" noAdjustHandles="1" noChangeArrowheads="1" noChangeShapeType="1" noCrop="1"/>
+          </p:cNvPicPr>
+          <p:nvPr>
+            <p:extLst>
+              <p:ext uri="{386F3935-93C4-4BCD-93E2-E3B085C9AB24}">
+                <p16:designElem xmlns:p16="http://schemas.microsoft.com/office/powerpoint/2015/main" val="1"/>
+              </p:ext>
+            </p:extLst>
+          </p:nvPr>
+        </p:nvPicPr>
+        <p:blipFill rotWithShape="1">
+          <a:blip r:embed="rId3">
+            <a:extLst>
+              <a:ext uri="{28A0092B-C50C-407E-A947-70E740481C1C}">
+                <a14:useLocalDpi xmlns:a14="http://schemas.microsoft.com/office/drawing/2010/main" val="0"/>
+              </a:ext>
+            </a:extLst>
+          </a:blip>
+          <a:srcRect t="1538" b="-1538"/>
+          <a:stretch/>
+        </p:blipFill>
+        <p:spPr>
+          <a:xfrm>
+            <a:off x="0" y="6119336"/>
+            <a:ext cx="12192000" cy="742950"/>
+          </a:xfrm>
+          <a:prstGeom prst="rect">
+            <a:avLst/>
+          </a:prstGeom>
+        </p:spPr>
+      </p:pic>
       <p:cxnSp>
         <p:nvCxnSpPr>
-          <p:cNvPr id="16" name="Straight Connector 15">
-            <a:extLst>
-              <a:ext uri="{FF2B5EF4-FFF2-40B4-BE49-F238E27FC236}">
-                <a16:creationId xmlns:a16="http://schemas.microsoft.com/office/drawing/2014/main" id="{10BAB604-20D4-431F-ADD8-754BB7992A43}"/>
+          <p:cNvPr id="28" name="Straight Connector 20">
+            <a:extLst>
+              <a:ext uri="{FF2B5EF4-FFF2-40B4-BE49-F238E27FC236}">
+                <a16:creationId xmlns:a16="http://schemas.microsoft.com/office/drawing/2014/main" id="{9452C429-B9DA-48BE-B0C7-09AE24872828}"/>
               </a:ext>
               <a:ext uri="{C183D7F6-B498-43B3-948B-1728B52AA6E4}">
                 <adec:decorative xmlns:adec="http://schemas.microsoft.com/office/drawing/2017/decorative" val="1"/>
@@ -7381,525 +7548,10 @@
           </a:fontRef>
         </p:style>
       </p:cxnSp>
-      <p:pic>
-        <p:nvPicPr>
-          <p:cNvPr id="18" name="Picture 17">
-            <a:extLst>
-              <a:ext uri="{FF2B5EF4-FFF2-40B4-BE49-F238E27FC236}">
-                <a16:creationId xmlns:a16="http://schemas.microsoft.com/office/drawing/2014/main" id="{C821979E-9A93-4880-80B5-D60B75C19185}"/>
-              </a:ext>
-              <a:ext uri="{C183D7F6-B498-43B3-948B-1728B52AA6E4}">
-                <adec:decorative xmlns:adec="http://schemas.microsoft.com/office/drawing/2017/decorative" val="1"/>
-              </a:ext>
-            </a:extLst>
-          </p:cNvPr>
-          <p:cNvPicPr>
-            <a:picLocks noGrp="1" noRot="1" noChangeAspect="1" noMove="1" noResize="1" noEditPoints="1" noAdjustHandles="1" noChangeArrowheads="1" noChangeShapeType="1" noCrop="1"/>
-          </p:cNvPicPr>
-          <p:nvPr>
-            <p:extLst>
-              <p:ext uri="{386F3935-93C4-4BCD-93E2-E3B085C9AB24}">
-                <p16:designElem xmlns:p16="http://schemas.microsoft.com/office/powerpoint/2015/main" val="1"/>
-              </p:ext>
-            </p:extLst>
-          </p:nvPr>
-        </p:nvPicPr>
-        <p:blipFill rotWithShape="1">
-          <a:blip r:embed="rId3">
-            <a:duotone>
-              <a:schemeClr val="accent1">
-                <a:shade val="45000"/>
-                <a:satMod val="135000"/>
-              </a:schemeClr>
-              <a:prstClr val="white"/>
-            </a:duotone>
-            <a:extLst>
-              <a:ext uri="{28A0092B-C50C-407E-A947-70E740481C1C}">
-                <a14:useLocalDpi xmlns:a14="http://schemas.microsoft.com/office/drawing/2010/main" val="0"/>
-              </a:ext>
-            </a:extLst>
-          </a:blip>
-          <a:srcRect l="-115" r="15828" b="36435"/>
-          <a:stretch/>
-        </p:blipFill>
-        <p:spPr>
-          <a:xfrm>
-            <a:off x="1125460" y="643464"/>
-            <a:ext cx="9610344" cy="155448"/>
-          </a:xfrm>
-          <a:prstGeom prst="rect">
-            <a:avLst/>
-          </a:prstGeom>
-          <a:noFill/>
-          <a:ln>
-            <a:noFill/>
-          </a:ln>
-        </p:spPr>
-      </p:pic>
-      <p:sp useBgFill="1">
-        <p:nvSpPr>
-          <p:cNvPr id="20" name="Rectangle 19">
-            <a:extLst>
-              <a:ext uri="{FF2B5EF4-FFF2-40B4-BE49-F238E27FC236}">
-                <a16:creationId xmlns:a16="http://schemas.microsoft.com/office/drawing/2014/main" id="{D3F196F4-A988-40DF-899A-EC29C422142B}"/>
-              </a:ext>
-              <a:ext uri="{C183D7F6-B498-43B3-948B-1728B52AA6E4}">
-                <adec:decorative xmlns:adec="http://schemas.microsoft.com/office/drawing/2017/decorative" val="1"/>
-              </a:ext>
-            </a:extLst>
-          </p:cNvPr>
-          <p:cNvSpPr>
-            <a:spLocks noGrp="1" noRot="1" noChangeAspect="1" noMove="1" noResize="1" noEditPoints="1" noAdjustHandles="1" noChangeArrowheads="1" noChangeShapeType="1" noTextEdit="1"/>
-          </p:cNvSpPr>
-          <p:nvPr>
-            <p:extLst>
-              <p:ext uri="{386F3935-93C4-4BCD-93E2-E3B085C9AB24}">
-                <p16:designElem xmlns:p16="http://schemas.microsoft.com/office/powerpoint/2015/main" val="1"/>
-              </p:ext>
-            </p:extLst>
-          </p:nvPr>
-        </p:nvSpPr>
-        <p:spPr>
-          <a:xfrm>
-            <a:off x="2" y="0"/>
-            <a:ext cx="12191695" cy="6858000"/>
-          </a:xfrm>
-          <a:prstGeom prst="rect">
-            <a:avLst/>
-          </a:prstGeom>
-          <a:ln>
-            <a:noFill/>
-          </a:ln>
-        </p:spPr>
-        <p:style>
-          <a:lnRef idx="2">
-            <a:schemeClr val="accent1">
-              <a:shade val="50000"/>
-            </a:schemeClr>
-          </a:lnRef>
-          <a:fillRef idx="1">
-            <a:schemeClr val="accent1"/>
-          </a:fillRef>
-          <a:effectRef idx="0">
-            <a:schemeClr val="accent1"/>
-          </a:effectRef>
-          <a:fontRef idx="minor">
-            <a:schemeClr val="lt1"/>
-          </a:fontRef>
-        </p:style>
-        <p:txBody>
-          <a:bodyPr rtlCol="0" anchor="ctr"/>
-          <a:lstStyle/>
-          <a:p>
-            <a:pPr algn="ctr"/>
-            <a:endParaRPr lang="en-US"/>
-          </a:p>
-        </p:txBody>
-      </p:sp>
-      <p:sp>
-        <p:nvSpPr>
-          <p:cNvPr id="22" name="Rectangle 21">
-            <a:extLst>
-              <a:ext uri="{FF2B5EF4-FFF2-40B4-BE49-F238E27FC236}">
-                <a16:creationId xmlns:a16="http://schemas.microsoft.com/office/drawing/2014/main" id="{4B8B3238-C65F-4148-9B84-4D22282CFA6E}"/>
-              </a:ext>
-              <a:ext uri="{C183D7F6-B498-43B3-948B-1728B52AA6E4}">
-                <adec:decorative xmlns:adec="http://schemas.microsoft.com/office/drawing/2017/decorative" val="1"/>
-              </a:ext>
-            </a:extLst>
-          </p:cNvPr>
-          <p:cNvSpPr>
-            <a:spLocks noGrp="1" noRot="1" noChangeAspect="1" noMove="1" noResize="1" noEditPoints="1" noAdjustHandles="1" noChangeArrowheads="1" noChangeShapeType="1" noTextEdit="1"/>
-          </p:cNvSpPr>
-          <p:nvPr>
-            <p:extLst>
-              <p:ext uri="{386F3935-93C4-4BCD-93E2-E3B085C9AB24}">
-                <p16:designElem xmlns:p16="http://schemas.microsoft.com/office/powerpoint/2015/main" val="1"/>
-              </p:ext>
-            </p:extLst>
-          </p:nvPr>
-        </p:nvSpPr>
-        <p:spPr>
-          <a:xfrm>
-            <a:off x="0" y="468769"/>
-            <a:ext cx="12192000" cy="5647024"/>
-          </a:xfrm>
-          <a:prstGeom prst="rect">
-            <a:avLst/>
-          </a:prstGeom>
-          <a:gradFill flip="none" rotWithShape="1">
-            <a:gsLst>
-              <a:gs pos="0">
-                <a:schemeClr val="bg2">
-                  <a:alpha val="0"/>
-                  <a:lumMod val="100000"/>
-                </a:schemeClr>
-              </a:gs>
-              <a:gs pos="100000">
-                <a:schemeClr val="bg2">
-                  <a:lumMod val="95000"/>
-                  <a:lumOff val="5000"/>
-                </a:schemeClr>
-              </a:gs>
-            </a:gsLst>
-            <a:lin ang="5400000" scaled="0"/>
-            <a:tileRect/>
-          </a:gradFill>
-          <a:ln>
-            <a:noFill/>
-          </a:ln>
-        </p:spPr>
-        <p:style>
-          <a:lnRef idx="2">
-            <a:schemeClr val="accent1">
-              <a:shade val="50000"/>
-            </a:schemeClr>
-          </a:lnRef>
-          <a:fillRef idx="1">
-            <a:schemeClr val="accent1"/>
-          </a:fillRef>
-          <a:effectRef idx="0">
-            <a:schemeClr val="accent1"/>
-          </a:effectRef>
-          <a:fontRef idx="minor">
-            <a:schemeClr val="lt1"/>
-          </a:fontRef>
-        </p:style>
-        <p:txBody>
-          <a:bodyPr rtlCol="0" anchor="ctr"/>
-          <a:lstStyle/>
-          <a:p>
-            <a:pPr algn="ctr"/>
-            <a:endParaRPr lang="en-US"/>
-          </a:p>
-        </p:txBody>
-      </p:sp>
-      <p:sp>
-        <p:nvSpPr>
-          <p:cNvPr id="2" name="Titel 1">
-            <a:extLst>
-              <a:ext uri="{FF2B5EF4-FFF2-40B4-BE49-F238E27FC236}">
-                <a16:creationId xmlns:a16="http://schemas.microsoft.com/office/drawing/2014/main" id="{F7CE0AFC-3524-41B3-91D9-775928B9163E}"/>
-              </a:ext>
-            </a:extLst>
-          </p:cNvPr>
-          <p:cNvSpPr>
-            <a:spLocks noGrp="1"/>
-          </p:cNvSpPr>
-          <p:nvPr>
-            <p:ph type="title"/>
-          </p:nvPr>
-        </p:nvSpPr>
-        <p:spPr>
-          <a:xfrm>
-            <a:off x="2014636" y="5378320"/>
-            <a:ext cx="8131996" cy="551528"/>
-          </a:xfrm>
-        </p:spPr>
-        <p:txBody>
-          <a:bodyPr vert="horz" lIns="91440" tIns="45720" rIns="91440" bIns="0" rtlCol="0" anchor="b">
-            <a:normAutofit fontScale="90000"/>
-          </a:bodyPr>
-          <a:lstStyle/>
-          <a:p>
-            <a:r>
-              <a:rPr lang="en-US" sz="3600" dirty="0"/>
-              <a:t>HTML – Progress bar und </a:t>
-            </a:r>
-            <a:r>
-              <a:rPr lang="en-US" sz="3600" dirty="0" err="1"/>
-              <a:t>Fehlermeldung</a:t>
-            </a:r>
-            <a:endParaRPr lang="en-US" sz="3600" dirty="0"/>
-          </a:p>
-        </p:txBody>
-      </p:sp>
-      <p:pic>
-        <p:nvPicPr>
-          <p:cNvPr id="24" name="Picture 23">
-            <a:extLst>
-              <a:ext uri="{FF2B5EF4-FFF2-40B4-BE49-F238E27FC236}">
-                <a16:creationId xmlns:a16="http://schemas.microsoft.com/office/drawing/2014/main" id="{CFDC6AB1-03A5-4D20-ACE0-4957616E748C}"/>
-              </a:ext>
-              <a:ext uri="{C183D7F6-B498-43B3-948B-1728B52AA6E4}">
-                <adec:decorative xmlns:adec="http://schemas.microsoft.com/office/drawing/2017/decorative" val="1"/>
-              </a:ext>
-            </a:extLst>
-          </p:cNvPr>
-          <p:cNvPicPr>
-            <a:picLocks noGrp="1" noRot="1" noChangeAspect="1" noMove="1" noResize="1" noEditPoints="1" noAdjustHandles="1" noChangeArrowheads="1" noChangeShapeType="1" noCrop="1"/>
-          </p:cNvPicPr>
-          <p:nvPr>
-            <p:extLst>
-              <p:ext uri="{386F3935-93C4-4BCD-93E2-E3B085C9AB24}">
-                <p16:designElem xmlns:p16="http://schemas.microsoft.com/office/powerpoint/2015/main" val="1"/>
-              </p:ext>
-            </p:extLst>
-          </p:nvPr>
-        </p:nvPicPr>
-        <p:blipFill rotWithShape="1">
-          <a:blip r:embed="rId2">
-            <a:extLst>
-              <a:ext uri="{28A0092B-C50C-407E-A947-70E740481C1C}">
-                <a14:useLocalDpi xmlns:a14="http://schemas.microsoft.com/office/drawing/2010/main" val="0"/>
-              </a:ext>
-            </a:extLst>
-          </a:blip>
-          <a:srcRect t="1538" b="-1538"/>
-          <a:stretch/>
-        </p:blipFill>
-        <p:spPr>
-          <a:xfrm>
-            <a:off x="0" y="6119336"/>
-            <a:ext cx="12192000" cy="742950"/>
-          </a:xfrm>
-          <a:prstGeom prst="rect">
-            <a:avLst/>
-          </a:prstGeom>
-        </p:spPr>
-      </p:pic>
-      <p:pic>
-        <p:nvPicPr>
-          <p:cNvPr id="5" name="Grafik 4">
-            <a:extLst>
-              <a:ext uri="{FF2B5EF4-FFF2-40B4-BE49-F238E27FC236}">
-                <a16:creationId xmlns:a16="http://schemas.microsoft.com/office/drawing/2014/main" id="{0C447CB0-9780-403C-82BE-EEF155D951C7}"/>
-              </a:ext>
-            </a:extLst>
-          </p:cNvPr>
-          <p:cNvPicPr>
-            <a:picLocks noChangeAspect="1"/>
-          </p:cNvPicPr>
-          <p:nvPr/>
-        </p:nvPicPr>
-        <p:blipFill rotWithShape="1">
-          <a:blip r:embed="rId4"/>
-          <a:srcRect l="-205" t="-135" r="4607" b="-447"/>
-          <a:stretch/>
-        </p:blipFill>
-        <p:spPr>
-          <a:xfrm>
-            <a:off x="-301" y="41181"/>
-            <a:ext cx="7448885" cy="2782230"/>
-          </a:xfrm>
-          <a:prstGeom prst="rect">
-            <a:avLst/>
-          </a:prstGeom>
-        </p:spPr>
-      </p:pic>
-      <p:cxnSp>
-        <p:nvCxnSpPr>
-          <p:cNvPr id="26" name="Straight Connector 25">
-            <a:extLst>
-              <a:ext uri="{FF2B5EF4-FFF2-40B4-BE49-F238E27FC236}">
-                <a16:creationId xmlns:a16="http://schemas.microsoft.com/office/drawing/2014/main" id="{EB77A0BE-690A-4522-A429-39E717A173A5}"/>
-              </a:ext>
-              <a:ext uri="{C183D7F6-B498-43B3-948B-1728B52AA6E4}">
-                <adec:decorative xmlns:adec="http://schemas.microsoft.com/office/drawing/2017/decorative" val="1"/>
-              </a:ext>
-            </a:extLst>
-          </p:cNvPr>
-          <p:cNvCxnSpPr>
-            <a:cxnSpLocks noGrp="1" noRot="1" noChangeAspect="1" noMove="1" noResize="1" noEditPoints="1" noAdjustHandles="1" noChangeArrowheads="1" noChangeShapeType="1"/>
-          </p:cNvCxnSpPr>
-          <p:nvPr>
-            <p:extLst>
-              <p:ext uri="{386F3935-93C4-4BCD-93E2-E3B085C9AB24}">
-                <p16:designElem xmlns:p16="http://schemas.microsoft.com/office/powerpoint/2015/main" val="1"/>
-              </p:ext>
-            </p:extLst>
-          </p:nvPr>
-        </p:nvCxnSpPr>
-        <p:spPr>
-          <a:xfrm>
-            <a:off x="0" y="6121269"/>
-            <a:ext cx="12192000" cy="0"/>
-          </a:xfrm>
-          <a:prstGeom prst="line">
-            <a:avLst/>
-          </a:prstGeom>
-          <a:ln w="12700">
-            <a:solidFill>
-              <a:srgbClr val="000001">
-                <a:alpha val="20000"/>
-              </a:srgbClr>
-            </a:solidFill>
-          </a:ln>
-        </p:spPr>
-        <p:style>
-          <a:lnRef idx="1">
-            <a:schemeClr val="accent1"/>
-          </a:lnRef>
-          <a:fillRef idx="0">
-            <a:schemeClr val="accent1"/>
-          </a:fillRef>
-          <a:effectRef idx="0">
-            <a:schemeClr val="accent1"/>
-          </a:effectRef>
-          <a:fontRef idx="minor">
-            <a:schemeClr val="tx1"/>
-          </a:fontRef>
-        </p:style>
-      </p:cxnSp>
-      <p:pic>
-        <p:nvPicPr>
-          <p:cNvPr id="7" name="Grafik 6">
-            <a:extLst>
-              <a:ext uri="{FF2B5EF4-FFF2-40B4-BE49-F238E27FC236}">
-                <a16:creationId xmlns:a16="http://schemas.microsoft.com/office/drawing/2014/main" id="{23C6070E-1586-4276-A637-E988D3579C13}"/>
-              </a:ext>
-            </a:extLst>
-          </p:cNvPr>
-          <p:cNvPicPr>
-            <a:picLocks noChangeAspect="1"/>
-          </p:cNvPicPr>
-          <p:nvPr/>
-        </p:nvPicPr>
-        <p:blipFill>
-          <a:blip r:embed="rId5"/>
-          <a:stretch>
-            <a:fillRect/>
-          </a:stretch>
-        </p:blipFill>
-        <p:spPr>
-          <a:xfrm>
-            <a:off x="5930632" y="2163458"/>
-            <a:ext cx="5354551" cy="3028917"/>
-          </a:xfrm>
-          <a:prstGeom prst="rect">
-            <a:avLst/>
-          </a:prstGeom>
-        </p:spPr>
-      </p:pic>
-      <p:sp>
-        <p:nvSpPr>
-          <p:cNvPr id="9" name="Textfeld 8">
-            <a:extLst>
-              <a:ext uri="{FF2B5EF4-FFF2-40B4-BE49-F238E27FC236}">
-                <a16:creationId xmlns:a16="http://schemas.microsoft.com/office/drawing/2014/main" id="{AF73BAE0-00E4-4FC9-8999-194E300352A8}"/>
-              </a:ext>
-            </a:extLst>
-          </p:cNvPr>
-          <p:cNvSpPr txBox="1"/>
-          <p:nvPr/>
-        </p:nvSpPr>
-        <p:spPr>
-          <a:xfrm>
-            <a:off x="160421" y="2978937"/>
-            <a:ext cx="5165558" cy="2523768"/>
-          </a:xfrm>
-          <a:prstGeom prst="rect">
-            <a:avLst/>
-          </a:prstGeom>
-          <a:noFill/>
-        </p:spPr>
-        <p:txBody>
-          <a:bodyPr wrap="square" rtlCol="0">
-            <a:spAutoFit/>
-          </a:bodyPr>
-          <a:lstStyle/>
-          <a:p>
-            <a:pPr marL="285750" indent="-285750">
-              <a:buFont typeface="Arial" panose="020B0604020202020204" pitchFamily="34" charset="0"/>
-              <a:buChar char="•"/>
-            </a:pPr>
-            <a:r>
-              <a:rPr lang="de-DE" sz="2000" dirty="0" err="1"/>
-              <a:t>uikit</a:t>
-            </a:r>
-            <a:r>
-              <a:rPr lang="de-DE" sz="2000" dirty="0"/>
-              <a:t>-alert für Fehlermeldung</a:t>
-            </a:r>
-          </a:p>
-          <a:p>
-            <a:pPr marL="285750" indent="-285750">
-              <a:lnSpc>
-                <a:spcPct val="150000"/>
-              </a:lnSpc>
-              <a:buFont typeface="Arial" panose="020B0604020202020204" pitchFamily="34" charset="0"/>
-              <a:buChar char="•"/>
-            </a:pPr>
-            <a:r>
-              <a:rPr lang="de-DE" sz="2000" dirty="0" err="1"/>
-              <a:t>uk</a:t>
-            </a:r>
-            <a:r>
-              <a:rPr lang="de-DE" sz="2000" dirty="0"/>
-              <a:t>-alert-</a:t>
-            </a:r>
-            <a:r>
-              <a:rPr lang="de-DE" sz="2000" dirty="0" err="1"/>
-              <a:t>danger</a:t>
-            </a:r>
-            <a:r>
-              <a:rPr lang="de-DE" sz="2000" dirty="0"/>
-              <a:t> als Style </a:t>
-            </a:r>
-            <a:r>
-              <a:rPr lang="de-DE" sz="2000" dirty="0" err="1"/>
-              <a:t>modifier</a:t>
-            </a:r>
-            <a:r>
-              <a:rPr lang="de-DE" sz="2000" dirty="0"/>
-              <a:t> um die Meldung hervorzuheben</a:t>
-            </a:r>
-          </a:p>
-          <a:p>
-            <a:pPr marL="285750" indent="-285750">
-              <a:lnSpc>
-                <a:spcPct val="150000"/>
-              </a:lnSpc>
-              <a:buFont typeface="Arial" panose="020B0604020202020204" pitchFamily="34" charset="0"/>
-              <a:buChar char="•"/>
-            </a:pPr>
-            <a:r>
-              <a:rPr lang="de-DE" sz="2000" dirty="0" err="1"/>
-              <a:t>uk</a:t>
-            </a:r>
-            <a:r>
-              <a:rPr lang="de-DE" sz="2000" dirty="0"/>
-              <a:t>-alert-</a:t>
-            </a:r>
-            <a:r>
-              <a:rPr lang="de-DE" sz="2000" dirty="0" err="1"/>
-              <a:t>close</a:t>
-            </a:r>
-            <a:r>
-              <a:rPr lang="de-DE" sz="2000" dirty="0"/>
-              <a:t> zum schließen</a:t>
-            </a:r>
-          </a:p>
-          <a:p>
-            <a:pPr marL="285750" indent="-285750">
-              <a:lnSpc>
-                <a:spcPct val="150000"/>
-              </a:lnSpc>
-              <a:buFont typeface="Arial" panose="020B0604020202020204" pitchFamily="34" charset="0"/>
-              <a:buChar char="•"/>
-            </a:pPr>
-            <a:r>
-              <a:rPr lang="de-DE" sz="2000" dirty="0" err="1"/>
-              <a:t>uk</a:t>
-            </a:r>
-            <a:r>
-              <a:rPr lang="de-DE" sz="2000" dirty="0"/>
-              <a:t>-progress für Progress bar</a:t>
-            </a:r>
-          </a:p>
-          <a:p>
-            <a:pPr marL="285750" indent="-285750">
-              <a:buFont typeface="Arial" panose="020B0604020202020204" pitchFamily="34" charset="0"/>
-              <a:buChar char="•"/>
-            </a:pPr>
-            <a:endParaRPr lang="de-DE" dirty="0"/>
-          </a:p>
-        </p:txBody>
-      </p:sp>
     </p:spTree>
     <p:extLst>
       <p:ext uri="{BB962C8B-B14F-4D97-AF65-F5344CB8AC3E}">
-        <p14:creationId xmlns:p14="http://schemas.microsoft.com/office/powerpoint/2010/main" val="1200053166"/>
+        <p14:creationId xmlns:p14="http://schemas.microsoft.com/office/powerpoint/2010/main" val="1723297398"/>
       </p:ext>
     </p:extLst>
   </p:cSld>
@@ -7910,6 +7562,166 @@
 </file>
 
 <file path=ppt/slides/slide17.xml><?xml version="1.0" encoding="utf-8"?>
+<p:sld xmlns:a="http://schemas.openxmlformats.org/drawingml/2006/main" xmlns:r="http://schemas.openxmlformats.org/officeDocument/2006/relationships" xmlns:p="http://schemas.openxmlformats.org/presentationml/2006/main">
+  <p:cSld>
+    <p:spTree>
+      <p:nvGrpSpPr>
+        <p:cNvPr id="1" name=""/>
+        <p:cNvGrpSpPr/>
+        <p:nvPr/>
+      </p:nvGrpSpPr>
+      <p:grpSpPr>
+        <a:xfrm>
+          <a:off x="0" y="0"/>
+          <a:ext cx="0" cy="0"/>
+          <a:chOff x="0" y="0"/>
+          <a:chExt cx="0" cy="0"/>
+        </a:xfrm>
+      </p:grpSpPr>
+      <p:sp>
+        <p:nvSpPr>
+          <p:cNvPr id="2" name="Titel 1">
+            <a:extLst>
+              <a:ext uri="{FF2B5EF4-FFF2-40B4-BE49-F238E27FC236}">
+                <a16:creationId xmlns:a16="http://schemas.microsoft.com/office/drawing/2014/main" id="{6BD74339-C62B-4B74-9F07-B2D3DECAEF05}"/>
+              </a:ext>
+            </a:extLst>
+          </p:cNvPr>
+          <p:cNvSpPr>
+            <a:spLocks noGrp="1"/>
+          </p:cNvSpPr>
+          <p:nvPr>
+            <p:ph type="title"/>
+          </p:nvPr>
+        </p:nvSpPr>
+        <p:spPr/>
+        <p:txBody>
+          <a:bodyPr/>
+          <a:lstStyle/>
+          <a:p>
+            <a:r>
+              <a:rPr lang="de-DE" dirty="0"/>
+              <a:t>VUE</a:t>
+            </a:r>
+          </a:p>
+        </p:txBody>
+      </p:sp>
+      <p:sp>
+        <p:nvSpPr>
+          <p:cNvPr id="4" name="Inhaltsplatzhalter 2">
+            <a:extLst>
+              <a:ext uri="{FF2B5EF4-FFF2-40B4-BE49-F238E27FC236}">
+                <a16:creationId xmlns:a16="http://schemas.microsoft.com/office/drawing/2014/main" id="{70D28C42-F9AB-46A9-B815-9C370D346EA3}"/>
+              </a:ext>
+            </a:extLst>
+          </p:cNvPr>
+          <p:cNvSpPr>
+            <a:spLocks noGrp="1"/>
+          </p:cNvSpPr>
+          <p:nvPr>
+            <p:ph idx="1"/>
+          </p:nvPr>
+        </p:nvSpPr>
+        <p:spPr>
+          <a:xfrm>
+            <a:off x="1130300" y="2171700"/>
+            <a:ext cx="9602788" cy="3294063"/>
+          </a:xfrm>
+        </p:spPr>
+        <p:txBody>
+          <a:bodyPr/>
+          <a:lstStyle/>
+          <a:p>
+            <a:r>
+              <a:rPr lang="de-DE" b="1" dirty="0"/>
+              <a:t>Clientseitiges JavaScript-Webframework</a:t>
+            </a:r>
+            <a:r>
+              <a:rPr lang="de-DE" dirty="0"/>
+              <a:t> </a:t>
+            </a:r>
+          </a:p>
+          <a:p>
+            <a:r>
+              <a:rPr lang="de-DE" b="1" dirty="0" err="1"/>
+              <a:t>Databinding</a:t>
+            </a:r>
+            <a:r>
+              <a:rPr lang="de-DE" dirty="0"/>
+              <a:t> durch das </a:t>
+            </a:r>
+            <a:r>
+              <a:rPr lang="de-DE" b="1" dirty="0"/>
+              <a:t>MVVM-Muster</a:t>
+            </a:r>
+            <a:endParaRPr lang="de-DE" dirty="0"/>
+          </a:p>
+          <a:p>
+            <a:r>
+              <a:rPr lang="de-DE" dirty="0"/>
+              <a:t>Zum Erstellen von </a:t>
+            </a:r>
+            <a:r>
+              <a:rPr lang="de-DE" b="1" dirty="0"/>
+              <a:t>Single-Page-Webanwendungen</a:t>
+            </a:r>
+            <a:endParaRPr lang="de-DE" dirty="0"/>
+          </a:p>
+          <a:p>
+            <a:r>
+              <a:rPr lang="de-DE" dirty="0"/>
+              <a:t>Kann auch in </a:t>
+            </a:r>
+            <a:r>
+              <a:rPr lang="de-DE" b="1" dirty="0"/>
+              <a:t>Multipage Webseiten</a:t>
+            </a:r>
+            <a:r>
+              <a:rPr lang="de-DE" dirty="0"/>
+              <a:t> verwendet werden</a:t>
+            </a:r>
+          </a:p>
+          <a:p>
+            <a:r>
+              <a:rPr lang="de-DE" dirty="0"/>
+              <a:t>Ähnlich zu </a:t>
+            </a:r>
+            <a:r>
+              <a:rPr lang="de-DE" b="1" dirty="0"/>
+              <a:t>AngularJS</a:t>
+            </a:r>
+            <a:r>
+              <a:rPr lang="de-DE" dirty="0"/>
+              <a:t> und </a:t>
+            </a:r>
+            <a:r>
+              <a:rPr lang="de-DE" b="1" dirty="0" err="1"/>
+              <a:t>ReactJS</a:t>
+            </a:r>
+            <a:endParaRPr lang="de-DE" b="1" dirty="0"/>
+          </a:p>
+          <a:p>
+            <a:endParaRPr lang="de-DE" dirty="0"/>
+          </a:p>
+          <a:p>
+            <a:endParaRPr lang="de-DE" dirty="0"/>
+          </a:p>
+        </p:txBody>
+      </p:sp>
+    </p:spTree>
+    <p:extLst>
+      <p:ext uri="{BB962C8B-B14F-4D97-AF65-F5344CB8AC3E}">
+        <p14:creationId xmlns:p14="http://schemas.microsoft.com/office/powerpoint/2010/main" val="2697162786"/>
+      </p:ext>
+    </p:extLst>
+  </p:cSld>
+  <p:clrMapOvr>
+    <a:masterClrMapping/>
+  </p:clrMapOvr>
+</p:sld>
+</file>
+
+<file path=ppt/slides/slide18.xml><?xml version="1.0" encoding="utf-8"?>
 <p:sld xmlns:a="http://schemas.openxmlformats.org/drawingml/2006/main" xmlns:r="http://schemas.openxmlformats.org/officeDocument/2006/relationships" xmlns:p="http://schemas.openxmlformats.org/presentationml/2006/main">
   <p:cSld>
     <p:bg>
@@ -7951,21 +7763,21 @@
           <a:chExt cx="0" cy="0"/>
         </a:xfrm>
       </p:grpSpPr>
-      <p:sp useBgFill="1">
-        <p:nvSpPr>
-          <p:cNvPr id="25" name="Rectangle 14">
-            <a:extLst>
-              <a:ext uri="{FF2B5EF4-FFF2-40B4-BE49-F238E27FC236}">
-                <a16:creationId xmlns:a16="http://schemas.microsoft.com/office/drawing/2014/main" id="{EB8456C2-9457-404E-8DA7-41BB6630DAB1}"/>
+      <p:pic>
+        <p:nvPicPr>
+          <p:cNvPr id="15" name="Picture 14">
+            <a:extLst>
+              <a:ext uri="{FF2B5EF4-FFF2-40B4-BE49-F238E27FC236}">
+                <a16:creationId xmlns:a16="http://schemas.microsoft.com/office/drawing/2014/main" id="{CB1DE69F-569C-4A49-8E50-4093C135AECF}"/>
               </a:ext>
               <a:ext uri="{C183D7F6-B498-43B3-948B-1728B52AA6E4}">
                 <adec:decorative xmlns:adec="http://schemas.microsoft.com/office/drawing/2017/decorative" val="1"/>
               </a:ext>
             </a:extLst>
           </p:cNvPr>
-          <p:cNvSpPr>
-            <a:spLocks noGrp="1" noRot="1" noChangeAspect="1" noMove="1" noResize="1" noEditPoints="1" noAdjustHandles="1" noChangeArrowheads="1" noChangeShapeType="1" noTextEdit="1"/>
-          </p:cNvSpPr>
+          <p:cNvPicPr>
+            <a:picLocks noGrp="1" noRot="1" noChangeAspect="1" noMove="1" noResize="1" noEditPoints="1" noAdjustHandles="1" noChangeArrowheads="1" noChangeShapeType="1" noCrop="1"/>
+          </p:cNvPicPr>
           <p:nvPr>
             <p:extLst>
               <p:ext uri="{386F3935-93C4-4BCD-93E2-E3B085C9AB24}">
@@ -7973,50 +7785,34 @@
               </p:ext>
             </p:extLst>
           </p:nvPr>
-        </p:nvSpPr>
-        <p:spPr>
-          <a:xfrm>
-            <a:off x="2" y="0"/>
-            <a:ext cx="12191695" cy="6858000"/>
+        </p:nvPicPr>
+        <p:blipFill rotWithShape="1">
+          <a:blip r:embed="rId2">
+            <a:extLst>
+              <a:ext uri="{28A0092B-C50C-407E-A947-70E740481C1C}">
+                <a14:useLocalDpi xmlns:a14="http://schemas.microsoft.com/office/drawing/2010/main" val="0"/>
+              </a:ext>
+            </a:extLst>
+          </a:blip>
+          <a:srcRect t="1538" b="-1538"/>
+          <a:stretch/>
+        </p:blipFill>
+        <p:spPr>
+          <a:xfrm>
+            <a:off x="0" y="6119336"/>
+            <a:ext cx="12192000" cy="742950"/>
           </a:xfrm>
           <a:prstGeom prst="rect">
             <a:avLst/>
           </a:prstGeom>
-          <a:ln>
-            <a:noFill/>
-          </a:ln>
-        </p:spPr>
-        <p:style>
-          <a:lnRef idx="2">
-            <a:schemeClr val="accent1">
-              <a:shade val="50000"/>
-            </a:schemeClr>
-          </a:lnRef>
-          <a:fillRef idx="1">
-            <a:schemeClr val="accent1"/>
-          </a:fillRef>
-          <a:effectRef idx="0">
-            <a:schemeClr val="accent1"/>
-          </a:effectRef>
-          <a:fontRef idx="minor">
-            <a:schemeClr val="lt1"/>
-          </a:fontRef>
-        </p:style>
-        <p:txBody>
-          <a:bodyPr rtlCol="0" anchor="ctr"/>
-          <a:lstStyle/>
-          <a:p>
-            <a:pPr algn="ctr"/>
-            <a:endParaRPr lang="en-US"/>
-          </a:p>
-        </p:txBody>
-      </p:sp>
+        </p:spPr>
+      </p:pic>
       <p:sp>
         <p:nvSpPr>
-          <p:cNvPr id="26" name="Rectangle 16">
-            <a:extLst>
-              <a:ext uri="{FF2B5EF4-FFF2-40B4-BE49-F238E27FC236}">
-                <a16:creationId xmlns:a16="http://schemas.microsoft.com/office/drawing/2014/main" id="{BFB3493F-F73E-4A1A-89E2-FE1D803D15CE}"/>
+          <p:cNvPr id="17" name="Rectangle 16">
+            <a:extLst>
+              <a:ext uri="{FF2B5EF4-FFF2-40B4-BE49-F238E27FC236}">
+                <a16:creationId xmlns:a16="http://schemas.microsoft.com/office/drawing/2014/main" id="{50B488F5-9CE4-4346-B22F-600286ED4D8F}"/>
               </a:ext>
               <a:ext uri="{C183D7F6-B498-43B3-948B-1728B52AA6E4}">
                 <adec:decorative xmlns:adec="http://schemas.microsoft.com/office/drawing/2017/decorative" val="1"/>
@@ -8080,130 +7876,22 @@
             <a:schemeClr val="lt1"/>
           </a:fontRef>
         </p:style>
-        <p:txBody>
-          <a:bodyPr rtlCol="0" anchor="ctr"/>
-          <a:lstStyle/>
-          <a:p>
-            <a:pPr algn="ctr"/>
-            <a:endParaRPr lang="en-US"/>
-          </a:p>
-        </p:txBody>
-      </p:sp>
-      <p:sp>
-        <p:nvSpPr>
-          <p:cNvPr id="7" name="Titel 6">
-            <a:extLst>
-              <a:ext uri="{FF2B5EF4-FFF2-40B4-BE49-F238E27FC236}">
-                <a16:creationId xmlns:a16="http://schemas.microsoft.com/office/drawing/2014/main" id="{2D44AF32-72EC-427D-B4AD-15C91F3C9684}"/>
-              </a:ext>
-            </a:extLst>
-          </p:cNvPr>
-          <p:cNvSpPr>
-            <a:spLocks noGrp="1"/>
-          </p:cNvSpPr>
-          <p:nvPr>
-            <p:ph type="ctrTitle"/>
-          </p:nvPr>
-        </p:nvSpPr>
-        <p:spPr>
-          <a:xfrm>
-            <a:off x="1776730" y="4459039"/>
-            <a:ext cx="7831992" cy="551528"/>
-          </a:xfrm>
-        </p:spPr>
-        <p:txBody>
-          <a:bodyPr>
-            <a:normAutofit/>
-          </a:bodyPr>
-          <a:lstStyle/>
-          <a:p>
-            <a:r>
-              <a:rPr lang="de-DE" sz="3600" dirty="0"/>
-              <a:t>VUE</a:t>
-            </a:r>
-          </a:p>
-        </p:txBody>
-      </p:sp>
-      <p:sp>
-        <p:nvSpPr>
-          <p:cNvPr id="8" name="Untertitel 7">
-            <a:extLst>
-              <a:ext uri="{FF2B5EF4-FFF2-40B4-BE49-F238E27FC236}">
-                <a16:creationId xmlns:a16="http://schemas.microsoft.com/office/drawing/2014/main" id="{3EFC60CE-EC16-4152-9A38-74EE17FED571}"/>
-              </a:ext>
-            </a:extLst>
-          </p:cNvPr>
-          <p:cNvSpPr>
-            <a:spLocks noGrp="1"/>
-          </p:cNvSpPr>
-          <p:nvPr>
-            <p:ph type="subTitle" idx="1"/>
-          </p:nvPr>
-        </p:nvSpPr>
-        <p:spPr>
-          <a:xfrm>
-            <a:off x="1776730" y="5016709"/>
-            <a:ext cx="7831992" cy="457219"/>
-          </a:xfrm>
-        </p:spPr>
-        <p:txBody>
-          <a:bodyPr>
-            <a:normAutofit/>
-          </a:bodyPr>
-          <a:lstStyle/>
-          <a:p>
-            <a:r>
-              <a:rPr lang="de-DE" sz="1600" dirty="0"/>
-              <a:t>JavaScript-Framework</a:t>
-            </a:r>
-          </a:p>
-        </p:txBody>
-      </p:sp>
-      <p:pic>
-        <p:nvPicPr>
-          <p:cNvPr id="10" name="Grafik 9">
-            <a:extLst>
-              <a:ext uri="{FF2B5EF4-FFF2-40B4-BE49-F238E27FC236}">
-                <a16:creationId xmlns:a16="http://schemas.microsoft.com/office/drawing/2014/main" id="{855FB4E9-ADA9-4E62-93A7-DDF8F45C7457}"/>
-              </a:ext>
-            </a:extLst>
-          </p:cNvPr>
-          <p:cNvPicPr>
-            <a:picLocks noChangeAspect="1"/>
-          </p:cNvPicPr>
-          <p:nvPr/>
-        </p:nvPicPr>
-        <p:blipFill>
-          <a:blip r:embed="rId2"/>
-          <a:stretch>
-            <a:fillRect/>
-          </a:stretch>
-        </p:blipFill>
-        <p:spPr>
-          <a:xfrm>
-            <a:off x="3984331" y="643992"/>
-            <a:ext cx="4222212" cy="3652214"/>
-          </a:xfrm>
-          <a:prstGeom prst="rect">
-            <a:avLst/>
-          </a:prstGeom>
-        </p:spPr>
-      </p:pic>
-      <p:pic>
-        <p:nvPicPr>
-          <p:cNvPr id="27" name="Picture 18">
-            <a:extLst>
-              <a:ext uri="{FF2B5EF4-FFF2-40B4-BE49-F238E27FC236}">
-                <a16:creationId xmlns:a16="http://schemas.microsoft.com/office/drawing/2014/main" id="{CEE4ADBF-AAD6-433C-B72E-C603B9BBB310}"/>
+      </p:sp>
+      <p:cxnSp>
+        <p:nvCxnSpPr>
+          <p:cNvPr id="19" name="Straight Connector 18">
+            <a:extLst>
+              <a:ext uri="{FF2B5EF4-FFF2-40B4-BE49-F238E27FC236}">
+                <a16:creationId xmlns:a16="http://schemas.microsoft.com/office/drawing/2014/main" id="{5F76596F-57DF-4A0C-96D9-046DC3B30E9F}"/>
               </a:ext>
               <a:ext uri="{C183D7F6-B498-43B3-948B-1728B52AA6E4}">
                 <adec:decorative xmlns:adec="http://schemas.microsoft.com/office/drawing/2017/decorative" val="1"/>
               </a:ext>
             </a:extLst>
           </p:cNvPr>
-          <p:cNvPicPr>
-            <a:picLocks noGrp="1" noRot="1" noChangeAspect="1" noMove="1" noResize="1" noEditPoints="1" noAdjustHandles="1" noChangeArrowheads="1" noChangeShapeType="1" noCrop="1"/>
-          </p:cNvPicPr>
+          <p:cNvCxnSpPr>
+            <a:cxnSpLocks noGrp="1" noRot="1" noChangeAspect="1" noMove="1" noResize="1" noEditPoints="1" noAdjustHandles="1" noChangeArrowheads="1" noChangeShapeType="1"/>
+          </p:cNvCxnSpPr>
           <p:nvPr>
             <p:extLst>
               <p:ext uri="{386F3935-93C4-4BCD-93E2-E3B085C9AB24}">
@@ -8211,9 +7899,378 @@
               </p:ext>
             </p:extLst>
           </p:nvPr>
+        </p:nvCxnSpPr>
+        <p:spPr>
+          <a:xfrm>
+            <a:off x="0" y="6121269"/>
+            <a:ext cx="12192000" cy="0"/>
+          </a:xfrm>
+          <a:prstGeom prst="line">
+            <a:avLst/>
+          </a:prstGeom>
+          <a:ln w="12700">
+            <a:solidFill>
+              <a:srgbClr val="000001">
+                <a:alpha val="20000"/>
+              </a:srgbClr>
+            </a:solidFill>
+          </a:ln>
+        </p:spPr>
+        <p:style>
+          <a:lnRef idx="1">
+            <a:schemeClr val="accent1"/>
+          </a:lnRef>
+          <a:fillRef idx="0">
+            <a:schemeClr val="accent1"/>
+          </a:fillRef>
+          <a:effectRef idx="0">
+            <a:schemeClr val="accent1"/>
+          </a:effectRef>
+          <a:fontRef idx="minor">
+            <a:schemeClr val="tx1"/>
+          </a:fontRef>
+        </p:style>
+      </p:cxnSp>
+      <p:pic>
+        <p:nvPicPr>
+          <p:cNvPr id="21" name="Picture 20">
+            <a:extLst>
+              <a:ext uri="{FF2B5EF4-FFF2-40B4-BE49-F238E27FC236}">
+                <a16:creationId xmlns:a16="http://schemas.microsoft.com/office/drawing/2014/main" id="{16176A8D-754E-4699-9AAC-A833466A201A}"/>
+              </a:ext>
+              <a:ext uri="{C183D7F6-B498-43B3-948B-1728B52AA6E4}">
+                <adec:decorative xmlns:adec="http://schemas.microsoft.com/office/drawing/2017/decorative" val="1"/>
+              </a:ext>
+            </a:extLst>
+          </p:cNvPr>
+          <p:cNvPicPr>
+            <a:picLocks noGrp="1" noRot="1" noChangeAspect="1" noMove="1" noResize="1" noEditPoints="1" noAdjustHandles="1" noChangeArrowheads="1" noChangeShapeType="1" noCrop="1"/>
+          </p:cNvPicPr>
+          <p:nvPr>
+            <p:extLst>
+              <p:ext uri="{386F3935-93C4-4BCD-93E2-E3B085C9AB24}">
+                <p16:designElem xmlns:p16="http://schemas.microsoft.com/office/powerpoint/2015/main" val="1"/>
+              </p:ext>
+            </p:extLst>
+          </p:nvPr>
         </p:nvPicPr>
         <p:blipFill rotWithShape="1">
           <a:blip r:embed="rId3">
+            <a:duotone>
+              <a:schemeClr val="accent1">
+                <a:shade val="45000"/>
+                <a:satMod val="135000"/>
+              </a:schemeClr>
+              <a:prstClr val="white"/>
+            </a:duotone>
+            <a:extLst>
+              <a:ext uri="{28A0092B-C50C-407E-A947-70E740481C1C}">
+                <a14:useLocalDpi xmlns:a14="http://schemas.microsoft.com/office/drawing/2010/main" val="0"/>
+              </a:ext>
+            </a:extLst>
+          </a:blip>
+          <a:srcRect l="-115" r="15828" b="36435"/>
+          <a:stretch/>
+        </p:blipFill>
+        <p:spPr>
+          <a:xfrm>
+            <a:off x="1125460" y="643464"/>
+            <a:ext cx="9610344" cy="155448"/>
+          </a:xfrm>
+          <a:prstGeom prst="rect">
+            <a:avLst/>
+          </a:prstGeom>
+          <a:noFill/>
+          <a:ln>
+            <a:noFill/>
+          </a:ln>
+        </p:spPr>
+      </p:pic>
+      <p:sp useBgFill="1">
+        <p:nvSpPr>
+          <p:cNvPr id="23" name="Rectangle 22">
+            <a:extLst>
+              <a:ext uri="{FF2B5EF4-FFF2-40B4-BE49-F238E27FC236}">
+                <a16:creationId xmlns:a16="http://schemas.microsoft.com/office/drawing/2014/main" id="{2AA0E174-1032-45EB-8FEE-2178019BAECE}"/>
+              </a:ext>
+              <a:ext uri="{C183D7F6-B498-43B3-948B-1728B52AA6E4}">
+                <adec:decorative xmlns:adec="http://schemas.microsoft.com/office/drawing/2017/decorative" val="1"/>
+              </a:ext>
+            </a:extLst>
+          </p:cNvPr>
+          <p:cNvSpPr>
+            <a:spLocks noGrp="1" noRot="1" noChangeAspect="1" noMove="1" noResize="1" noEditPoints="1" noAdjustHandles="1" noChangeArrowheads="1" noChangeShapeType="1" noTextEdit="1"/>
+          </p:cNvSpPr>
+          <p:nvPr>
+            <p:extLst>
+              <p:ext uri="{386F3935-93C4-4BCD-93E2-E3B085C9AB24}">
+                <p16:designElem xmlns:p16="http://schemas.microsoft.com/office/powerpoint/2015/main" val="1"/>
+              </p:ext>
+            </p:extLst>
+          </p:nvPr>
+        </p:nvSpPr>
+        <p:spPr>
+          <a:xfrm>
+            <a:off x="2" y="0"/>
+            <a:ext cx="12191695" cy="6858000"/>
+          </a:xfrm>
+          <a:prstGeom prst="rect">
+            <a:avLst/>
+          </a:prstGeom>
+          <a:ln>
+            <a:noFill/>
+          </a:ln>
+        </p:spPr>
+        <p:style>
+          <a:lnRef idx="2">
+            <a:schemeClr val="accent1">
+              <a:shade val="50000"/>
+            </a:schemeClr>
+          </a:lnRef>
+          <a:fillRef idx="1">
+            <a:schemeClr val="accent1"/>
+          </a:fillRef>
+          <a:effectRef idx="0">
+            <a:schemeClr val="accent1"/>
+          </a:effectRef>
+          <a:fontRef idx="minor">
+            <a:schemeClr val="lt1"/>
+          </a:fontRef>
+        </p:style>
+        <p:txBody>
+          <a:bodyPr rtlCol="0" anchor="ctr"/>
+          <a:lstStyle/>
+          <a:p>
+            <a:pPr algn="ctr"/>
+            <a:endParaRPr lang="en-US"/>
+          </a:p>
+        </p:txBody>
+      </p:sp>
+      <p:sp>
+        <p:nvSpPr>
+          <p:cNvPr id="25" name="Rectangle 24">
+            <a:extLst>
+              <a:ext uri="{FF2B5EF4-FFF2-40B4-BE49-F238E27FC236}">
+                <a16:creationId xmlns:a16="http://schemas.microsoft.com/office/drawing/2014/main" id="{C017D167-735C-4828-BF61-5BEC0A93C01B}"/>
+              </a:ext>
+              <a:ext uri="{C183D7F6-B498-43B3-948B-1728B52AA6E4}">
+                <adec:decorative xmlns:adec="http://schemas.microsoft.com/office/drawing/2017/decorative" val="1"/>
+              </a:ext>
+            </a:extLst>
+          </p:cNvPr>
+          <p:cNvSpPr>
+            <a:spLocks noGrp="1" noRot="1" noChangeAspect="1" noMove="1" noResize="1" noEditPoints="1" noAdjustHandles="1" noChangeArrowheads="1" noChangeShapeType="1" noTextEdit="1"/>
+          </p:cNvSpPr>
+          <p:nvPr>
+            <p:extLst>
+              <p:ext uri="{386F3935-93C4-4BCD-93E2-E3B085C9AB24}">
+                <p16:designElem xmlns:p16="http://schemas.microsoft.com/office/powerpoint/2015/main" val="1"/>
+              </p:ext>
+            </p:extLst>
+          </p:nvPr>
+        </p:nvSpPr>
+        <p:spPr>
+          <a:xfrm>
+            <a:off x="0" y="468769"/>
+            <a:ext cx="12192000" cy="5647024"/>
+          </a:xfrm>
+          <a:prstGeom prst="rect">
+            <a:avLst/>
+          </a:prstGeom>
+          <a:gradFill flip="none" rotWithShape="1">
+            <a:gsLst>
+              <a:gs pos="0">
+                <a:schemeClr val="bg2">
+                  <a:alpha val="0"/>
+                  <a:lumMod val="100000"/>
+                </a:schemeClr>
+              </a:gs>
+              <a:gs pos="100000">
+                <a:schemeClr val="bg2">
+                  <a:lumMod val="95000"/>
+                  <a:lumOff val="5000"/>
+                </a:schemeClr>
+              </a:gs>
+            </a:gsLst>
+            <a:lin ang="5400000" scaled="0"/>
+            <a:tileRect/>
+          </a:gradFill>
+          <a:ln>
+            <a:noFill/>
+          </a:ln>
+        </p:spPr>
+        <p:style>
+          <a:lnRef idx="2">
+            <a:schemeClr val="accent1">
+              <a:shade val="50000"/>
+            </a:schemeClr>
+          </a:lnRef>
+          <a:fillRef idx="1">
+            <a:schemeClr val="accent1"/>
+          </a:fillRef>
+          <a:effectRef idx="0">
+            <a:schemeClr val="accent1"/>
+          </a:effectRef>
+          <a:fontRef idx="minor">
+            <a:schemeClr val="lt1"/>
+          </a:fontRef>
+        </p:style>
+        <p:txBody>
+          <a:bodyPr rtlCol="0" anchor="ctr"/>
+          <a:lstStyle/>
+          <a:p>
+            <a:pPr algn="ctr"/>
+            <a:endParaRPr lang="en-US"/>
+          </a:p>
+        </p:txBody>
+      </p:sp>
+      <p:sp>
+        <p:nvSpPr>
+          <p:cNvPr id="7" name="Titel 6">
+            <a:extLst>
+              <a:ext uri="{FF2B5EF4-FFF2-40B4-BE49-F238E27FC236}">
+                <a16:creationId xmlns:a16="http://schemas.microsoft.com/office/drawing/2014/main" id="{119139D9-EF18-4AC1-82FF-A9A2776DE86A}"/>
+              </a:ext>
+            </a:extLst>
+          </p:cNvPr>
+          <p:cNvSpPr>
+            <a:spLocks noGrp="1"/>
+          </p:cNvSpPr>
+          <p:nvPr>
+            <p:ph type="title"/>
+          </p:nvPr>
+        </p:nvSpPr>
+        <p:spPr>
+          <a:xfrm>
+            <a:off x="1128413" y="988098"/>
+            <a:ext cx="4495380" cy="2407724"/>
+          </a:xfrm>
+        </p:spPr>
+        <p:txBody>
+          <a:bodyPr vert="horz" lIns="91440" tIns="45720" rIns="91440" bIns="0" rtlCol="0" anchor="b">
+            <a:normAutofit/>
+          </a:bodyPr>
+          <a:lstStyle/>
+          <a:p>
+            <a:r>
+              <a:rPr lang="en-US" sz="4800" dirty="0"/>
+              <a:t>Databinding</a:t>
+            </a:r>
+          </a:p>
+        </p:txBody>
+      </p:sp>
+      <p:pic>
+        <p:nvPicPr>
+          <p:cNvPr id="27" name="Picture 26">
+            <a:extLst>
+              <a:ext uri="{FF2B5EF4-FFF2-40B4-BE49-F238E27FC236}">
+                <a16:creationId xmlns:a16="http://schemas.microsoft.com/office/drawing/2014/main" id="{48A2A651-3D77-45F6-9A25-3762F5E46633}"/>
+              </a:ext>
+              <a:ext uri="{C183D7F6-B498-43B3-948B-1728B52AA6E4}">
+                <adec:decorative xmlns:adec="http://schemas.microsoft.com/office/drawing/2017/decorative" val="1"/>
+              </a:ext>
+            </a:extLst>
+          </p:cNvPr>
+          <p:cNvPicPr>
+            <a:picLocks noGrp="1" noRot="1" noChangeAspect="1" noMove="1" noResize="1" noEditPoints="1" noAdjustHandles="1" noChangeArrowheads="1" noChangeShapeType="1" noCrop="1"/>
+          </p:cNvPicPr>
+          <p:nvPr>
+            <p:extLst>
+              <p:ext uri="{386F3935-93C4-4BCD-93E2-E3B085C9AB24}">
+                <p16:designElem xmlns:p16="http://schemas.microsoft.com/office/powerpoint/2015/main" val="1"/>
+              </p:ext>
+            </p:extLst>
+          </p:nvPr>
+        </p:nvPicPr>
+        <p:blipFill rotWithShape="1">
+          <a:blip r:embed="rId3">
+            <a:duotone>
+              <a:schemeClr val="accent1">
+                <a:shade val="45000"/>
+                <a:satMod val="135000"/>
+              </a:schemeClr>
+              <a:prstClr val="white"/>
+            </a:duotone>
+            <a:extLst>
+              <a:ext uri="{28A0092B-C50C-407E-A947-70E740481C1C}">
+                <a14:useLocalDpi xmlns:a14="http://schemas.microsoft.com/office/drawing/2010/main" val="0"/>
+              </a:ext>
+            </a:extLst>
+          </a:blip>
+          <a:srcRect l="-115" t="474" r="60418" b="36564"/>
+          <a:stretch/>
+        </p:blipFill>
+        <p:spPr>
+          <a:xfrm>
+            <a:off x="1125460" y="643464"/>
+            <a:ext cx="4526280" cy="155448"/>
+          </a:xfrm>
+          <a:prstGeom prst="rect">
+            <a:avLst/>
+          </a:prstGeom>
+          <a:noFill/>
+          <a:ln>
+            <a:noFill/>
+          </a:ln>
+        </p:spPr>
+      </p:pic>
+      <p:pic>
+        <p:nvPicPr>
+          <p:cNvPr id="10" name="Inhaltsplatzhalter 9">
+            <a:extLst>
+              <a:ext uri="{FF2B5EF4-FFF2-40B4-BE49-F238E27FC236}">
+                <a16:creationId xmlns:a16="http://schemas.microsoft.com/office/drawing/2014/main" id="{F0AFEB84-B62D-4AE7-8B8C-CC62F925B869}"/>
+              </a:ext>
+            </a:extLst>
+          </p:cNvPr>
+          <p:cNvPicPr>
+            <a:picLocks noGrp="1" noChangeAspect="1"/>
+          </p:cNvPicPr>
+          <p:nvPr>
+            <p:ph idx="1"/>
+          </p:nvPr>
+        </p:nvPicPr>
+        <p:blipFill>
+          <a:blip r:embed="rId4"/>
+          <a:stretch>
+            <a:fillRect/>
+          </a:stretch>
+        </p:blipFill>
+        <p:spPr>
+          <a:xfrm>
+            <a:off x="5930632" y="1160188"/>
+            <a:ext cx="5867254" cy="4048404"/>
+          </a:xfrm>
+          <a:prstGeom prst="rect">
+            <a:avLst/>
+          </a:prstGeom>
+        </p:spPr>
+      </p:pic>
+      <p:pic>
+        <p:nvPicPr>
+          <p:cNvPr id="29" name="Picture 28">
+            <a:extLst>
+              <a:ext uri="{FF2B5EF4-FFF2-40B4-BE49-F238E27FC236}">
+                <a16:creationId xmlns:a16="http://schemas.microsoft.com/office/drawing/2014/main" id="{EE1B9172-598D-41CA-A120-1347A28BA08B}"/>
+              </a:ext>
+              <a:ext uri="{C183D7F6-B498-43B3-948B-1728B52AA6E4}">
+                <adec:decorative xmlns:adec="http://schemas.microsoft.com/office/drawing/2017/decorative" val="1"/>
+              </a:ext>
+            </a:extLst>
+          </p:cNvPr>
+          <p:cNvPicPr>
+            <a:picLocks noGrp="1" noRot="1" noChangeAspect="1" noMove="1" noResize="1" noEditPoints="1" noAdjustHandles="1" noChangeArrowheads="1" noChangeShapeType="1" noCrop="1"/>
+          </p:cNvPicPr>
+          <p:nvPr>
+            <p:extLst>
+              <p:ext uri="{386F3935-93C4-4BCD-93E2-E3B085C9AB24}">
+                <p16:designElem xmlns:p16="http://schemas.microsoft.com/office/powerpoint/2015/main" val="1"/>
+              </p:ext>
+            </p:extLst>
+          </p:nvPr>
+        </p:nvPicPr>
+        <p:blipFill rotWithShape="1">
+          <a:blip r:embed="rId2">
             <a:extLst>
               <a:ext uri="{28A0092B-C50C-407E-A947-70E740481C1C}">
                 <a14:useLocalDpi xmlns:a14="http://schemas.microsoft.com/office/drawing/2010/main" val="0"/>
@@ -8235,10 +8292,10 @@
       </p:pic>
       <p:cxnSp>
         <p:nvCxnSpPr>
-          <p:cNvPr id="28" name="Straight Connector 20">
-            <a:extLst>
-              <a:ext uri="{FF2B5EF4-FFF2-40B4-BE49-F238E27FC236}">
-                <a16:creationId xmlns:a16="http://schemas.microsoft.com/office/drawing/2014/main" id="{9452C429-B9DA-48BE-B0C7-09AE24872828}"/>
+          <p:cNvPr id="31" name="Straight Connector 30">
+            <a:extLst>
+              <a:ext uri="{FF2B5EF4-FFF2-40B4-BE49-F238E27FC236}">
+                <a16:creationId xmlns:a16="http://schemas.microsoft.com/office/drawing/2014/main" id="{FD3493C9-FDB6-46AD-891A-36C02F24D8CC}"/>
               </a:ext>
               <a:ext uri="{C183D7F6-B498-43B3-948B-1728B52AA6E4}">
                 <adec:decorative xmlns:adec="http://schemas.microsoft.com/office/drawing/2017/decorative" val="1"/>
@@ -8290,167 +8347,7 @@
     </p:spTree>
     <p:extLst>
       <p:ext uri="{BB962C8B-B14F-4D97-AF65-F5344CB8AC3E}">
-        <p14:creationId xmlns:p14="http://schemas.microsoft.com/office/powerpoint/2010/main" val="1723297398"/>
-      </p:ext>
-    </p:extLst>
-  </p:cSld>
-  <p:clrMapOvr>
-    <a:masterClrMapping/>
-  </p:clrMapOvr>
-</p:sld>
-</file>
-
-<file path=ppt/slides/slide18.xml><?xml version="1.0" encoding="utf-8"?>
-<p:sld xmlns:a="http://schemas.openxmlformats.org/drawingml/2006/main" xmlns:r="http://schemas.openxmlformats.org/officeDocument/2006/relationships" xmlns:p="http://schemas.openxmlformats.org/presentationml/2006/main">
-  <p:cSld>
-    <p:spTree>
-      <p:nvGrpSpPr>
-        <p:cNvPr id="1" name=""/>
-        <p:cNvGrpSpPr/>
-        <p:nvPr/>
-      </p:nvGrpSpPr>
-      <p:grpSpPr>
-        <a:xfrm>
-          <a:off x="0" y="0"/>
-          <a:ext cx="0" cy="0"/>
-          <a:chOff x="0" y="0"/>
-          <a:chExt cx="0" cy="0"/>
-        </a:xfrm>
-      </p:grpSpPr>
-      <p:sp>
-        <p:nvSpPr>
-          <p:cNvPr id="2" name="Titel 1">
-            <a:extLst>
-              <a:ext uri="{FF2B5EF4-FFF2-40B4-BE49-F238E27FC236}">
-                <a16:creationId xmlns:a16="http://schemas.microsoft.com/office/drawing/2014/main" id="{6BD74339-C62B-4B74-9F07-B2D3DECAEF05}"/>
-              </a:ext>
-            </a:extLst>
-          </p:cNvPr>
-          <p:cNvSpPr>
-            <a:spLocks noGrp="1"/>
-          </p:cNvSpPr>
-          <p:nvPr>
-            <p:ph type="title"/>
-          </p:nvPr>
-        </p:nvSpPr>
-        <p:spPr/>
-        <p:txBody>
-          <a:bodyPr/>
-          <a:lstStyle/>
-          <a:p>
-            <a:r>
-              <a:rPr lang="de-DE" dirty="0"/>
-              <a:t>VUE</a:t>
-            </a:r>
-          </a:p>
-        </p:txBody>
-      </p:sp>
-      <p:sp>
-        <p:nvSpPr>
-          <p:cNvPr id="4" name="Inhaltsplatzhalter 2">
-            <a:extLst>
-              <a:ext uri="{FF2B5EF4-FFF2-40B4-BE49-F238E27FC236}">
-                <a16:creationId xmlns:a16="http://schemas.microsoft.com/office/drawing/2014/main" id="{70D28C42-F9AB-46A9-B815-9C370D346EA3}"/>
-              </a:ext>
-            </a:extLst>
-          </p:cNvPr>
-          <p:cNvSpPr>
-            <a:spLocks noGrp="1"/>
-          </p:cNvSpPr>
-          <p:nvPr>
-            <p:ph idx="1"/>
-          </p:nvPr>
-        </p:nvSpPr>
-        <p:spPr>
-          <a:xfrm>
-            <a:off x="1130300" y="2171700"/>
-            <a:ext cx="9602788" cy="3294063"/>
-          </a:xfrm>
-        </p:spPr>
-        <p:txBody>
-          <a:bodyPr/>
-          <a:lstStyle/>
-          <a:p>
-            <a:r>
-              <a:rPr lang="de-DE" b="1" dirty="0"/>
-              <a:t>Clientseitiges JavaScript-Webframework</a:t>
-            </a:r>
-            <a:r>
-              <a:rPr lang="de-DE" dirty="0"/>
-              <a:t> </a:t>
-            </a:r>
-          </a:p>
-          <a:p>
-            <a:r>
-              <a:rPr lang="de-DE" b="1" dirty="0" err="1"/>
-              <a:t>Databinding</a:t>
-            </a:r>
-            <a:r>
-              <a:rPr lang="de-DE" dirty="0"/>
-              <a:t> durch das </a:t>
-            </a:r>
-            <a:r>
-              <a:rPr lang="de-DE" b="1" dirty="0"/>
-              <a:t>MVVM-Muster</a:t>
-            </a:r>
-            <a:endParaRPr lang="de-DE" dirty="0"/>
-          </a:p>
-          <a:p>
-            <a:r>
-              <a:rPr lang="de-DE" dirty="0"/>
-              <a:t>Zum Erstellen von </a:t>
-            </a:r>
-            <a:r>
-              <a:rPr lang="de-DE" b="1" dirty="0"/>
-              <a:t>Single-Page-Webanwendungen</a:t>
-            </a:r>
-            <a:endParaRPr lang="de-DE" dirty="0"/>
-          </a:p>
-          <a:p>
-            <a:r>
-              <a:rPr lang="de-DE" dirty="0"/>
-              <a:t>Kann auch in </a:t>
-            </a:r>
-            <a:r>
-              <a:rPr lang="de-DE" b="1" dirty="0"/>
-              <a:t>Multipage Webseiten</a:t>
-            </a:r>
-            <a:r>
-              <a:rPr lang="de-DE" dirty="0"/>
-              <a:t> verwendet werden</a:t>
-            </a:r>
-          </a:p>
-          <a:p>
-            <a:r>
-              <a:rPr lang="de-DE" dirty="0"/>
-              <a:t>Ähnlich zu </a:t>
-            </a:r>
-            <a:r>
-              <a:rPr lang="de-DE" b="1" dirty="0"/>
-              <a:t>AngularJS</a:t>
-            </a:r>
-            <a:r>
-              <a:rPr lang="de-DE" dirty="0"/>
-              <a:t> und </a:t>
-            </a:r>
-            <a:r>
-              <a:rPr lang="de-DE" b="1" dirty="0" err="1"/>
-              <a:t>ReactJS</a:t>
-            </a:r>
-            <a:endParaRPr lang="de-DE" b="1" dirty="0"/>
-          </a:p>
-          <a:p>
-            <a:endParaRPr lang="de-DE" dirty="0"/>
-          </a:p>
-          <a:p>
-            <a:endParaRPr lang="de-DE" dirty="0"/>
-          </a:p>
-        </p:txBody>
-      </p:sp>
-    </p:spTree>
-    <p:extLst>
-      <p:ext uri="{BB962C8B-B14F-4D97-AF65-F5344CB8AC3E}">
-        <p14:creationId xmlns:p14="http://schemas.microsoft.com/office/powerpoint/2010/main" val="2697162786"/>
+        <p14:creationId xmlns:p14="http://schemas.microsoft.com/office/powerpoint/2010/main" val="170154416"/>
       </p:ext>
     </p:extLst>
   </p:cSld>
@@ -8504,7 +8401,7 @@
       </p:grpSpPr>
       <p:pic>
         <p:nvPicPr>
-          <p:cNvPr id="15" name="Picture 14">
+          <p:cNvPr id="10" name="Picture 9">
             <a:extLst>
               <a:ext uri="{FF2B5EF4-FFF2-40B4-BE49-F238E27FC236}">
                 <a16:creationId xmlns:a16="http://schemas.microsoft.com/office/drawing/2014/main" id="{CB1DE69F-569C-4A49-8E50-4093C135AECF}"/>
@@ -8548,7 +8445,7 @@
       </p:pic>
       <p:sp>
         <p:nvSpPr>
-          <p:cNvPr id="17" name="Rectangle 16">
+          <p:cNvPr id="12" name="Rectangle 11">
             <a:extLst>
               <a:ext uri="{FF2B5EF4-FFF2-40B4-BE49-F238E27FC236}">
                 <a16:creationId xmlns:a16="http://schemas.microsoft.com/office/drawing/2014/main" id="{50B488F5-9CE4-4346-B22F-600286ED4D8F}"/>
@@ -8618,7 +8515,7 @@
       </p:sp>
       <p:cxnSp>
         <p:nvCxnSpPr>
-          <p:cNvPr id="19" name="Straight Connector 18">
+          <p:cNvPr id="14" name="Straight Connector 13">
             <a:extLst>
               <a:ext uri="{FF2B5EF4-FFF2-40B4-BE49-F238E27FC236}">
                 <a16:creationId xmlns:a16="http://schemas.microsoft.com/office/drawing/2014/main" id="{5F76596F-57DF-4A0C-96D9-046DC3B30E9F}"/>
@@ -8672,7 +8569,7 @@
       </p:cxnSp>
       <p:pic>
         <p:nvPicPr>
-          <p:cNvPr id="21" name="Picture 20">
+          <p:cNvPr id="16" name="Picture 15">
             <a:extLst>
               <a:ext uri="{FF2B5EF4-FFF2-40B4-BE49-F238E27FC236}">
                 <a16:creationId xmlns:a16="http://schemas.microsoft.com/office/drawing/2014/main" id="{16176A8D-754E-4699-9AAC-A833466A201A}"/>
@@ -8727,7 +8624,7 @@
       </p:pic>
       <p:sp useBgFill="1">
         <p:nvSpPr>
-          <p:cNvPr id="23" name="Rectangle 22">
+          <p:cNvPr id="18" name="Rectangle 17">
             <a:extLst>
               <a:ext uri="{FF2B5EF4-FFF2-40B4-BE49-F238E27FC236}">
                 <a16:creationId xmlns:a16="http://schemas.microsoft.com/office/drawing/2014/main" id="{2AA0E174-1032-45EB-8FEE-2178019BAECE}"/>
@@ -8787,7 +8684,7 @@
       </p:sp>
       <p:sp>
         <p:nvSpPr>
-          <p:cNvPr id="25" name="Rectangle 24">
+          <p:cNvPr id="20" name="Rectangle 19">
             <a:extLst>
               <a:ext uri="{FF2B5EF4-FFF2-40B4-BE49-F238E27FC236}">
                 <a16:creationId xmlns:a16="http://schemas.microsoft.com/office/drawing/2014/main" id="{C017D167-735C-4828-BF61-5BEC0A93C01B}"/>
@@ -8865,10 +8762,10 @@
       </p:sp>
       <p:sp>
         <p:nvSpPr>
-          <p:cNvPr id="7" name="Titel 6">
-            <a:extLst>
-              <a:ext uri="{FF2B5EF4-FFF2-40B4-BE49-F238E27FC236}">
-                <a16:creationId xmlns:a16="http://schemas.microsoft.com/office/drawing/2014/main" id="{119139D9-EF18-4AC1-82FF-A9A2776DE86A}"/>
+          <p:cNvPr id="2" name="Titel 1">
+            <a:extLst>
+              <a:ext uri="{FF2B5EF4-FFF2-40B4-BE49-F238E27FC236}">
+                <a16:creationId xmlns:a16="http://schemas.microsoft.com/office/drawing/2014/main" id="{134C04C6-141B-4336-B90C-8FAA2CC60FE4}"/>
               </a:ext>
             </a:extLst>
           </p:cNvPr>
@@ -8893,14 +8790,21 @@
           <a:p>
             <a:r>
               <a:rPr lang="en-US" sz="4800" dirty="0"/>
-              <a:t>Databinding</a:t>
+              <a:t>Template </a:t>
+            </a:r>
+            <a:br>
+              <a:rPr lang="en-US" sz="4800" dirty="0"/>
+            </a:br>
+            <a:r>
+              <a:rPr lang="en-US" sz="4800" dirty="0"/>
+              <a:t>Syntax</a:t>
             </a:r>
           </a:p>
         </p:txBody>
       </p:sp>
       <p:pic>
         <p:nvPicPr>
-          <p:cNvPr id="27" name="Picture 26">
+          <p:cNvPr id="22" name="Picture 21">
             <a:extLst>
               <a:ext uri="{FF2B5EF4-FFF2-40B4-BE49-F238E27FC236}">
                 <a16:creationId xmlns:a16="http://schemas.microsoft.com/office/drawing/2014/main" id="{48A2A651-3D77-45F6-9A25-3762F5E46633}"/>
@@ -8955,10 +8859,10 @@
       </p:pic>
       <p:pic>
         <p:nvPicPr>
-          <p:cNvPr id="10" name="Inhaltsplatzhalter 9">
-            <a:extLst>
-              <a:ext uri="{FF2B5EF4-FFF2-40B4-BE49-F238E27FC236}">
-                <a16:creationId xmlns:a16="http://schemas.microsoft.com/office/drawing/2014/main" id="{F0AFEB84-B62D-4AE7-8B8C-CC62F925B869}"/>
+          <p:cNvPr id="5" name="Inhaltsplatzhalter 4">
+            <a:extLst>
+              <a:ext uri="{FF2B5EF4-FFF2-40B4-BE49-F238E27FC236}">
+                <a16:creationId xmlns:a16="http://schemas.microsoft.com/office/drawing/2014/main" id="{032E47B0-4701-4E56-AF54-E78E1665B7B7}"/>
               </a:ext>
             </a:extLst>
           </p:cNvPr>
@@ -8977,8 +8881,8 @@
         </p:blipFill>
         <p:spPr>
           <a:xfrm>
-            <a:off x="5930632" y="1160188"/>
-            <a:ext cx="5867254" cy="4048404"/>
+            <a:off x="5930632" y="551560"/>
+            <a:ext cx="5195986" cy="5092066"/>
           </a:xfrm>
           <a:prstGeom prst="rect">
             <a:avLst/>
@@ -8987,7 +8891,7 @@
       </p:pic>
       <p:pic>
         <p:nvPicPr>
-          <p:cNvPr id="29" name="Picture 28">
+          <p:cNvPr id="24" name="Picture 23">
             <a:extLst>
               <a:ext uri="{FF2B5EF4-FFF2-40B4-BE49-F238E27FC236}">
                 <a16:creationId xmlns:a16="http://schemas.microsoft.com/office/drawing/2014/main" id="{EE1B9172-598D-41CA-A120-1347A28BA08B}"/>
@@ -9031,7 +8935,7 @@
       </p:pic>
       <p:cxnSp>
         <p:nvCxnSpPr>
-          <p:cNvPr id="31" name="Straight Connector 30">
+          <p:cNvPr id="26" name="Straight Connector 25">
             <a:extLst>
               <a:ext uri="{FF2B5EF4-FFF2-40B4-BE49-F238E27FC236}">
                 <a16:creationId xmlns:a16="http://schemas.microsoft.com/office/drawing/2014/main" id="{FD3493C9-FDB6-46AD-891A-36C02F24D8CC}"/>
@@ -9086,7 +8990,7 @@
     </p:spTree>
     <p:extLst>
       <p:ext uri="{BB962C8B-B14F-4D97-AF65-F5344CB8AC3E}">
-        <p14:creationId xmlns:p14="http://schemas.microsoft.com/office/powerpoint/2010/main" val="170154416"/>
+        <p14:creationId xmlns:p14="http://schemas.microsoft.com/office/powerpoint/2010/main" val="3293617635"/>
       </p:ext>
     </p:extLst>
   </p:cSld>
@@ -9678,7 +9582,7 @@
           <p:cNvPr id="2" name="Titel 1">
             <a:extLst>
               <a:ext uri="{FF2B5EF4-FFF2-40B4-BE49-F238E27FC236}">
-                <a16:creationId xmlns:a16="http://schemas.microsoft.com/office/drawing/2014/main" id="{134C04C6-141B-4336-B90C-8FAA2CC60FE4}"/>
+                <a16:creationId xmlns:a16="http://schemas.microsoft.com/office/drawing/2014/main" id="{8B099BDE-C5F3-4E0A-BEC3-DBB7D4932A75}"/>
               </a:ext>
             </a:extLst>
           </p:cNvPr>
@@ -9703,14 +9607,7 @@
           <a:p>
             <a:r>
               <a:rPr lang="en-US" sz="4800" dirty="0"/>
-              <a:t>Template </a:t>
-            </a:r>
-            <a:br>
-              <a:rPr lang="en-US" sz="4800" dirty="0"/>
-            </a:br>
-            <a:r>
-              <a:rPr lang="en-US" sz="4800" dirty="0"/>
-              <a:t>Syntax</a:t>
+              <a:t>Components</a:t>
             </a:r>
           </a:p>
         </p:txBody>
@@ -9775,7 +9672,7 @@
           <p:cNvPr id="5" name="Inhaltsplatzhalter 4">
             <a:extLst>
               <a:ext uri="{FF2B5EF4-FFF2-40B4-BE49-F238E27FC236}">
-                <a16:creationId xmlns:a16="http://schemas.microsoft.com/office/drawing/2014/main" id="{032E47B0-4701-4E56-AF54-E78E1665B7B7}"/>
+                <a16:creationId xmlns:a16="http://schemas.microsoft.com/office/drawing/2014/main" id="{16C04A41-F4F1-4A07-807C-2C900E442A98}"/>
               </a:ext>
             </a:extLst>
           </p:cNvPr>
@@ -9794,8 +9691,8 @@
         </p:blipFill>
         <p:spPr>
           <a:xfrm>
-            <a:off x="5930632" y="551560"/>
-            <a:ext cx="5195986" cy="5092066"/>
+            <a:off x="6568209" y="121298"/>
+            <a:ext cx="3871125" cy="5887644"/>
           </a:xfrm>
           <a:prstGeom prst="rect">
             <a:avLst/>
@@ -9903,7 +9800,7 @@
     </p:spTree>
     <p:extLst>
       <p:ext uri="{BB962C8B-B14F-4D97-AF65-F5344CB8AC3E}">
-        <p14:creationId xmlns:p14="http://schemas.microsoft.com/office/powerpoint/2010/main" val="3293617635"/>
+        <p14:creationId xmlns:p14="http://schemas.microsoft.com/office/powerpoint/2010/main" val="1091128885"/>
       </p:ext>
     </p:extLst>
   </p:cSld>
@@ -9914,6 +9811,1253 @@
 </file>
 
 <file path=ppt/slides/slide21.xml><?xml version="1.0" encoding="utf-8"?>
+<p:sld xmlns:a="http://schemas.openxmlformats.org/drawingml/2006/main" xmlns:r="http://schemas.openxmlformats.org/officeDocument/2006/relationships" xmlns:p="http://schemas.openxmlformats.org/presentationml/2006/main">
+  <p:cSld>
+    <p:spTree>
+      <p:nvGrpSpPr>
+        <p:cNvPr id="1" name=""/>
+        <p:cNvGrpSpPr/>
+        <p:nvPr/>
+      </p:nvGrpSpPr>
+      <p:grpSpPr>
+        <a:xfrm>
+          <a:off x="0" y="0"/>
+          <a:ext cx="0" cy="0"/>
+          <a:chOff x="0" y="0"/>
+          <a:chExt cx="0" cy="0"/>
+        </a:xfrm>
+      </p:grpSpPr>
+      <p:pic>
+        <p:nvPicPr>
+          <p:cNvPr id="5" name="Inhaltsplatzhalter 4">
+            <a:extLst>
+              <a:ext uri="{FF2B5EF4-FFF2-40B4-BE49-F238E27FC236}">
+                <a16:creationId xmlns:a16="http://schemas.microsoft.com/office/drawing/2014/main" id="{9D4AF9BA-3ADA-4A37-B635-7CF13AB93D41}"/>
+              </a:ext>
+            </a:extLst>
+          </p:cNvPr>
+          <p:cNvPicPr>
+            <a:picLocks noGrp="1" noChangeAspect="1"/>
+          </p:cNvPicPr>
+          <p:nvPr>
+            <p:ph idx="1"/>
+          </p:nvPr>
+        </p:nvPicPr>
+        <p:blipFill>
+          <a:blip r:embed="rId2"/>
+          <a:stretch>
+            <a:fillRect/>
+          </a:stretch>
+        </p:blipFill>
+        <p:spPr>
+          <a:xfrm>
+            <a:off x="752893" y="352927"/>
+            <a:ext cx="10686214" cy="5403142"/>
+          </a:xfrm>
+        </p:spPr>
+      </p:pic>
+    </p:spTree>
+    <p:extLst>
+      <p:ext uri="{BB962C8B-B14F-4D97-AF65-F5344CB8AC3E}">
+        <p14:creationId xmlns:p14="http://schemas.microsoft.com/office/powerpoint/2010/main" val="2539127235"/>
+      </p:ext>
+    </p:extLst>
+  </p:cSld>
+  <p:clrMapOvr>
+    <a:masterClrMapping/>
+  </p:clrMapOvr>
+</p:sld>
+</file>
+
+<file path=ppt/slides/slide22.xml><?xml version="1.0" encoding="utf-8"?>
+<p:sld xmlns:a="http://schemas.openxmlformats.org/drawingml/2006/main" xmlns:r="http://schemas.openxmlformats.org/officeDocument/2006/relationships" xmlns:p="http://schemas.openxmlformats.org/presentationml/2006/main">
+  <p:cSld>
+    <p:bg>
+      <p:bgPr>
+        <a:gradFill rotWithShape="1">
+          <a:gsLst>
+            <a:gs pos="0">
+              <a:schemeClr val="bg2">
+                <a:tint val="94000"/>
+                <a:satMod val="80000"/>
+                <a:lumMod val="106000"/>
+              </a:schemeClr>
+            </a:gs>
+            <a:gs pos="100000">
+              <a:schemeClr val="bg2">
+                <a:shade val="80000"/>
+              </a:schemeClr>
+            </a:gs>
+          </a:gsLst>
+          <a:path path="circle">
+            <a:fillToRect l="43000" r="43000" b="100000"/>
+          </a:path>
+        </a:gradFill>
+        <a:effectLst/>
+      </p:bgPr>
+    </p:bg>
+    <p:spTree>
+      <p:nvGrpSpPr>
+        <p:cNvPr id="1" name=""/>
+        <p:cNvGrpSpPr/>
+        <p:nvPr/>
+      </p:nvGrpSpPr>
+      <p:grpSpPr>
+        <a:xfrm>
+          <a:off x="0" y="0"/>
+          <a:ext cx="0" cy="0"/>
+          <a:chOff x="0" y="0"/>
+          <a:chExt cx="0" cy="0"/>
+        </a:xfrm>
+      </p:grpSpPr>
+      <p:sp>
+        <p:nvSpPr>
+          <p:cNvPr id="12" name="Rectangle 11">
+            <a:extLst>
+              <a:ext uri="{FF2B5EF4-FFF2-40B4-BE49-F238E27FC236}">
+                <a16:creationId xmlns:a16="http://schemas.microsoft.com/office/drawing/2014/main" id="{2FAC8C30-93FA-4F99-80C4-C952D83A4950}"/>
+              </a:ext>
+              <a:ext uri="{C183D7F6-B498-43B3-948B-1728B52AA6E4}">
+                <adec:decorative xmlns:adec="http://schemas.microsoft.com/office/drawing/2017/decorative" val="1"/>
+              </a:ext>
+            </a:extLst>
+          </p:cNvPr>
+          <p:cNvSpPr>
+            <a:spLocks noGrp="1" noRot="1" noChangeAspect="1" noMove="1" noResize="1" noEditPoints="1" noAdjustHandles="1" noChangeArrowheads="1" noChangeShapeType="1" noTextEdit="1"/>
+          </p:cNvSpPr>
+          <p:nvPr>
+            <p:extLst>
+              <p:ext uri="{386F3935-93C4-4BCD-93E2-E3B085C9AB24}">
+                <p16:designElem xmlns:p16="http://schemas.microsoft.com/office/powerpoint/2015/main" val="1"/>
+              </p:ext>
+            </p:extLst>
+          </p:nvPr>
+        </p:nvSpPr>
+        <p:spPr>
+          <a:xfrm>
+            <a:off x="0" y="2019476"/>
+            <a:ext cx="12192000" cy="4105941"/>
+          </a:xfrm>
+          <a:prstGeom prst="rect">
+            <a:avLst/>
+          </a:prstGeom>
+          <a:gradFill flip="none" rotWithShape="1">
+            <a:gsLst>
+              <a:gs pos="0">
+                <a:schemeClr val="bg2">
+                  <a:alpha val="0"/>
+                </a:schemeClr>
+              </a:gs>
+              <a:gs pos="100000">
+                <a:schemeClr val="bg2"/>
+              </a:gs>
+            </a:gsLst>
+            <a:lin ang="5400000" scaled="0"/>
+            <a:tileRect/>
+          </a:gradFill>
+          <a:ln>
+            <a:noFill/>
+          </a:ln>
+        </p:spPr>
+        <p:style>
+          <a:lnRef idx="2">
+            <a:schemeClr val="accent1">
+              <a:shade val="50000"/>
+            </a:schemeClr>
+          </a:lnRef>
+          <a:fillRef idx="1">
+            <a:schemeClr val="accent1"/>
+          </a:fillRef>
+          <a:effectRef idx="0">
+            <a:schemeClr val="accent1"/>
+          </a:effectRef>
+          <a:fontRef idx="minor">
+            <a:schemeClr val="lt1"/>
+          </a:fontRef>
+        </p:style>
+      </p:sp>
+      <p:pic>
+        <p:nvPicPr>
+          <p:cNvPr id="14" name="Picture 13">
+            <a:extLst>
+              <a:ext uri="{FF2B5EF4-FFF2-40B4-BE49-F238E27FC236}">
+                <a16:creationId xmlns:a16="http://schemas.microsoft.com/office/drawing/2014/main" id="{F3ACDE2A-6BC1-4786-87B1-F7DA35351E7A}"/>
+              </a:ext>
+              <a:ext uri="{C183D7F6-B498-43B3-948B-1728B52AA6E4}">
+                <adec:decorative xmlns:adec="http://schemas.microsoft.com/office/drawing/2017/decorative" val="1"/>
+              </a:ext>
+            </a:extLst>
+          </p:cNvPr>
+          <p:cNvPicPr>
+            <a:picLocks noGrp="1" noRot="1" noChangeAspect="1" noMove="1" noResize="1" noEditPoints="1" noAdjustHandles="1" noChangeArrowheads="1" noChangeShapeType="1" noCrop="1"/>
+          </p:cNvPicPr>
+          <p:nvPr>
+            <p:extLst>
+              <p:ext uri="{386F3935-93C4-4BCD-93E2-E3B085C9AB24}">
+                <p16:designElem xmlns:p16="http://schemas.microsoft.com/office/powerpoint/2015/main" val="1"/>
+              </p:ext>
+            </p:extLst>
+          </p:nvPr>
+        </p:nvPicPr>
+        <p:blipFill rotWithShape="1">
+          <a:blip r:embed="rId2">
+            <a:extLst>
+              <a:ext uri="{28A0092B-C50C-407E-A947-70E740481C1C}">
+                <a14:useLocalDpi xmlns:a14="http://schemas.microsoft.com/office/drawing/2010/main" val="0"/>
+              </a:ext>
+            </a:extLst>
+          </a:blip>
+          <a:srcRect t="1538" b="-1538"/>
+          <a:stretch/>
+        </p:blipFill>
+        <p:spPr bwMode="black">
+          <a:xfrm>
+            <a:off x="0" y="6126480"/>
+            <a:ext cx="12192000" cy="742950"/>
+          </a:xfrm>
+          <a:prstGeom prst="rect">
+            <a:avLst/>
+          </a:prstGeom>
+        </p:spPr>
+      </p:pic>
+      <p:cxnSp>
+        <p:nvCxnSpPr>
+          <p:cNvPr id="16" name="Straight Connector 15">
+            <a:extLst>
+              <a:ext uri="{FF2B5EF4-FFF2-40B4-BE49-F238E27FC236}">
+                <a16:creationId xmlns:a16="http://schemas.microsoft.com/office/drawing/2014/main" id="{0A2CC8B5-9886-4AFA-BE09-6178A4ED301A}"/>
+              </a:ext>
+              <a:ext uri="{C183D7F6-B498-43B3-948B-1728B52AA6E4}">
+                <adec:decorative xmlns:adec="http://schemas.microsoft.com/office/drawing/2017/decorative" val="1"/>
+              </a:ext>
+            </a:extLst>
+          </p:cNvPr>
+          <p:cNvCxnSpPr>
+            <a:cxnSpLocks noGrp="1" noRot="1" noChangeAspect="1" noMove="1" noResize="1" noEditPoints="1" noAdjustHandles="1" noChangeArrowheads="1" noChangeShapeType="1"/>
+          </p:cNvCxnSpPr>
+          <p:nvPr>
+            <p:extLst>
+              <p:ext uri="{386F3935-93C4-4BCD-93E2-E3B085C9AB24}">
+                <p16:designElem xmlns:p16="http://schemas.microsoft.com/office/powerpoint/2015/main" val="1"/>
+              </p:ext>
+            </p:extLst>
+          </p:nvPr>
+        </p:nvCxnSpPr>
+        <p:spPr>
+          <a:xfrm>
+            <a:off x="0" y="6128413"/>
+            <a:ext cx="12192000" cy="0"/>
+          </a:xfrm>
+          <a:prstGeom prst="line">
+            <a:avLst/>
+          </a:prstGeom>
+          <a:ln w="12700">
+            <a:solidFill>
+              <a:srgbClr val="000001">
+                <a:alpha val="20000"/>
+              </a:srgbClr>
+            </a:solidFill>
+          </a:ln>
+        </p:spPr>
+        <p:style>
+          <a:lnRef idx="1">
+            <a:schemeClr val="accent1"/>
+          </a:lnRef>
+          <a:fillRef idx="0">
+            <a:schemeClr val="accent1"/>
+          </a:fillRef>
+          <a:effectRef idx="0">
+            <a:schemeClr val="accent1"/>
+          </a:effectRef>
+          <a:fontRef idx="minor">
+            <a:schemeClr val="tx1"/>
+          </a:fontRef>
+        </p:style>
+      </p:cxnSp>
+      <p:sp useBgFill="1">
+        <p:nvSpPr>
+          <p:cNvPr id="18" name="Rectangle 17">
+            <a:extLst>
+              <a:ext uri="{FF2B5EF4-FFF2-40B4-BE49-F238E27FC236}">
+                <a16:creationId xmlns:a16="http://schemas.microsoft.com/office/drawing/2014/main" id="{87F32A0E-05A0-47B4-AA1E-84704ACC636B}"/>
+              </a:ext>
+              <a:ext uri="{C183D7F6-B498-43B3-948B-1728B52AA6E4}">
+                <adec:decorative xmlns:adec="http://schemas.microsoft.com/office/drawing/2017/decorative" val="1"/>
+              </a:ext>
+            </a:extLst>
+          </p:cNvPr>
+          <p:cNvSpPr>
+            <a:spLocks noGrp="1" noRot="1" noChangeAspect="1" noMove="1" noResize="1" noEditPoints="1" noAdjustHandles="1" noChangeArrowheads="1" noChangeShapeType="1" noTextEdit="1"/>
+          </p:cNvSpPr>
+          <p:nvPr>
+            <p:extLst>
+              <p:ext uri="{386F3935-93C4-4BCD-93E2-E3B085C9AB24}">
+                <p16:designElem xmlns:p16="http://schemas.microsoft.com/office/powerpoint/2015/main" val="1"/>
+              </p:ext>
+            </p:extLst>
+          </p:nvPr>
+        </p:nvSpPr>
+        <p:spPr>
+          <a:xfrm>
+            <a:off x="0" y="0"/>
+            <a:ext cx="12192000" cy="6858000"/>
+          </a:xfrm>
+          <a:prstGeom prst="rect">
+            <a:avLst/>
+          </a:prstGeom>
+          <a:ln>
+            <a:noFill/>
+          </a:ln>
+        </p:spPr>
+        <p:style>
+          <a:lnRef idx="2">
+            <a:schemeClr val="accent1">
+              <a:shade val="50000"/>
+            </a:schemeClr>
+          </a:lnRef>
+          <a:fillRef idx="1">
+            <a:schemeClr val="accent1"/>
+          </a:fillRef>
+          <a:effectRef idx="0">
+            <a:schemeClr val="accent1"/>
+          </a:effectRef>
+          <a:fontRef idx="minor">
+            <a:schemeClr val="lt1"/>
+          </a:fontRef>
+        </p:style>
+        <p:txBody>
+          <a:bodyPr rtlCol="0" anchor="ctr"/>
+          <a:lstStyle/>
+          <a:p>
+            <a:pPr algn="ctr"/>
+            <a:endParaRPr lang="en-US"/>
+          </a:p>
+        </p:txBody>
+      </p:sp>
+      <p:sp>
+        <p:nvSpPr>
+          <p:cNvPr id="20" name="Rectangle 19">
+            <a:extLst>
+              <a:ext uri="{FF2B5EF4-FFF2-40B4-BE49-F238E27FC236}">
+                <a16:creationId xmlns:a16="http://schemas.microsoft.com/office/drawing/2014/main" id="{6A731EC3-9556-4509-8379-DDBE0D4EB23A}"/>
+              </a:ext>
+              <a:ext uri="{C183D7F6-B498-43B3-948B-1728B52AA6E4}">
+                <adec:decorative xmlns:adec="http://schemas.microsoft.com/office/drawing/2017/decorative" val="1"/>
+              </a:ext>
+            </a:extLst>
+          </p:cNvPr>
+          <p:cNvSpPr>
+            <a:spLocks noGrp="1" noRot="1" noChangeAspect="1" noMove="1" noResize="1" noEditPoints="1" noAdjustHandles="1" noChangeArrowheads="1" noChangeShapeType="1" noTextEdit="1"/>
+          </p:cNvSpPr>
+          <p:nvPr>
+            <p:extLst>
+              <p:ext uri="{386F3935-93C4-4BCD-93E2-E3B085C9AB24}">
+                <p16:designElem xmlns:p16="http://schemas.microsoft.com/office/powerpoint/2015/main" val="1"/>
+              </p:ext>
+            </p:extLst>
+          </p:nvPr>
+        </p:nvSpPr>
+        <p:spPr>
+          <a:xfrm>
+            <a:off x="477012" y="480060"/>
+            <a:ext cx="11237976" cy="5897880"/>
+          </a:xfrm>
+          <a:prstGeom prst="rect">
+            <a:avLst/>
+          </a:prstGeom>
+          <a:solidFill>
+            <a:srgbClr val="FFFFFF"/>
+          </a:solidFill>
+          <a:ln w="22225">
+            <a:solidFill>
+              <a:schemeClr val="tx1">
+                <a:lumMod val="50000"/>
+                <a:lumOff val="50000"/>
+              </a:schemeClr>
+            </a:solidFill>
+          </a:ln>
+        </p:spPr>
+        <p:style>
+          <a:lnRef idx="2">
+            <a:schemeClr val="accent1">
+              <a:shade val="50000"/>
+            </a:schemeClr>
+          </a:lnRef>
+          <a:fillRef idx="1">
+            <a:schemeClr val="accent1"/>
+          </a:fillRef>
+          <a:effectRef idx="0">
+            <a:schemeClr val="accent1"/>
+          </a:effectRef>
+          <a:fontRef idx="minor">
+            <a:schemeClr val="lt1"/>
+          </a:fontRef>
+        </p:style>
+        <p:txBody>
+          <a:bodyPr rtlCol="0" anchor="ctr"/>
+          <a:lstStyle/>
+          <a:p>
+            <a:pPr algn="ctr"/>
+            <a:endParaRPr lang="en-US"/>
+          </a:p>
+        </p:txBody>
+      </p:sp>
+      <p:pic>
+        <p:nvPicPr>
+          <p:cNvPr id="7" name="Grafik 6">
+            <a:extLst>
+              <a:ext uri="{FF2B5EF4-FFF2-40B4-BE49-F238E27FC236}">
+                <a16:creationId xmlns:a16="http://schemas.microsoft.com/office/drawing/2014/main" id="{400DDE1E-37E3-4059-BEB8-B94359E86E54}"/>
+              </a:ext>
+            </a:extLst>
+          </p:cNvPr>
+          <p:cNvPicPr>
+            <a:picLocks noChangeAspect="1"/>
+          </p:cNvPicPr>
+          <p:nvPr/>
+        </p:nvPicPr>
+        <p:blipFill>
+          <a:blip r:embed="rId3"/>
+          <a:stretch>
+            <a:fillRect/>
+          </a:stretch>
+        </p:blipFill>
+        <p:spPr>
+          <a:xfrm>
+            <a:off x="7425925" y="528677"/>
+            <a:ext cx="3784949" cy="5756578"/>
+          </a:xfrm>
+          <a:prstGeom prst="rect">
+            <a:avLst/>
+          </a:prstGeom>
+        </p:spPr>
+      </p:pic>
+      <p:pic>
+        <p:nvPicPr>
+          <p:cNvPr id="5" name="Grafik 4">
+            <a:extLst>
+              <a:ext uri="{FF2B5EF4-FFF2-40B4-BE49-F238E27FC236}">
+                <a16:creationId xmlns:a16="http://schemas.microsoft.com/office/drawing/2014/main" id="{EBC69548-A328-4554-9F93-5C72D002E3B4}"/>
+              </a:ext>
+            </a:extLst>
+          </p:cNvPr>
+          <p:cNvPicPr>
+            <a:picLocks noChangeAspect="1"/>
+          </p:cNvPicPr>
+          <p:nvPr/>
+        </p:nvPicPr>
+        <p:blipFill>
+          <a:blip r:embed="rId4"/>
+          <a:stretch>
+            <a:fillRect/>
+          </a:stretch>
+        </p:blipFill>
+        <p:spPr>
+          <a:xfrm>
+            <a:off x="751976" y="1336035"/>
+            <a:ext cx="6435443" cy="4038239"/>
+          </a:xfrm>
+          <a:prstGeom prst="rect">
+            <a:avLst/>
+          </a:prstGeom>
+        </p:spPr>
+      </p:pic>
+    </p:spTree>
+    <p:extLst>
+      <p:ext uri="{BB962C8B-B14F-4D97-AF65-F5344CB8AC3E}">
+        <p14:creationId xmlns:p14="http://schemas.microsoft.com/office/powerpoint/2010/main" val="847651509"/>
+      </p:ext>
+    </p:extLst>
+  </p:cSld>
+  <p:clrMapOvr>
+    <a:masterClrMapping/>
+  </p:clrMapOvr>
+</p:sld>
+</file>
+
+<file path=ppt/slides/slide23.xml><?xml version="1.0" encoding="utf-8"?>
+<p:sld xmlns:a="http://schemas.openxmlformats.org/drawingml/2006/main" xmlns:r="http://schemas.openxmlformats.org/officeDocument/2006/relationships" xmlns:p="http://schemas.openxmlformats.org/presentationml/2006/main">
+  <p:cSld>
+    <p:bg>
+      <p:bgPr>
+        <a:gradFill rotWithShape="1">
+          <a:gsLst>
+            <a:gs pos="0">
+              <a:schemeClr val="bg1">
+                <a:tint val="94000"/>
+                <a:satMod val="80000"/>
+                <a:lumMod val="106000"/>
+              </a:schemeClr>
+            </a:gs>
+            <a:gs pos="100000">
+              <a:schemeClr val="bg1">
+                <a:shade val="80000"/>
+                <a:lumMod val="108000"/>
+              </a:schemeClr>
+            </a:gs>
+          </a:gsLst>
+          <a:path path="circle">
+            <a:fillToRect l="43000" r="43000" b="100000"/>
+          </a:path>
+        </a:gradFill>
+        <a:effectLst/>
+      </p:bgPr>
+    </p:bg>
+    <p:spTree>
+      <p:nvGrpSpPr>
+        <p:cNvPr id="1" name=""/>
+        <p:cNvGrpSpPr/>
+        <p:nvPr/>
+      </p:nvGrpSpPr>
+      <p:grpSpPr>
+        <a:xfrm>
+          <a:off x="0" y="0"/>
+          <a:ext cx="0" cy="0"/>
+          <a:chOff x="0" y="0"/>
+          <a:chExt cx="0" cy="0"/>
+        </a:xfrm>
+      </p:grpSpPr>
+      <p:pic>
+        <p:nvPicPr>
+          <p:cNvPr id="12" name="Picture 11">
+            <a:extLst>
+              <a:ext uri="{FF2B5EF4-FFF2-40B4-BE49-F238E27FC236}">
+                <a16:creationId xmlns:a16="http://schemas.microsoft.com/office/drawing/2014/main" id="{E8690AC4-C9C4-4944-A98C-B1D32992D60B}"/>
+              </a:ext>
+              <a:ext uri="{C183D7F6-B498-43B3-948B-1728B52AA6E4}">
+                <adec:decorative xmlns:adec="http://schemas.microsoft.com/office/drawing/2017/decorative" val="1"/>
+              </a:ext>
+            </a:extLst>
+          </p:cNvPr>
+          <p:cNvPicPr>
+            <a:picLocks noGrp="1" noRot="1" noChangeAspect="1" noMove="1" noResize="1" noEditPoints="1" noAdjustHandles="1" noChangeArrowheads="1" noChangeShapeType="1" noCrop="1"/>
+          </p:cNvPicPr>
+          <p:nvPr>
+            <p:extLst>
+              <p:ext uri="{386F3935-93C4-4BCD-93E2-E3B085C9AB24}">
+                <p16:designElem xmlns:p16="http://schemas.microsoft.com/office/powerpoint/2015/main" val="1"/>
+              </p:ext>
+            </p:extLst>
+          </p:nvPr>
+        </p:nvPicPr>
+        <p:blipFill rotWithShape="1">
+          <a:blip r:embed="rId2">
+            <a:extLst>
+              <a:ext uri="{28A0092B-C50C-407E-A947-70E740481C1C}">
+                <a14:useLocalDpi xmlns:a14="http://schemas.microsoft.com/office/drawing/2010/main" val="0"/>
+              </a:ext>
+            </a:extLst>
+          </a:blip>
+          <a:srcRect t="1538" b="-1538"/>
+          <a:stretch/>
+        </p:blipFill>
+        <p:spPr>
+          <a:xfrm>
+            <a:off x="0" y="6119336"/>
+            <a:ext cx="12192000" cy="742950"/>
+          </a:xfrm>
+          <a:prstGeom prst="rect">
+            <a:avLst/>
+          </a:prstGeom>
+        </p:spPr>
+      </p:pic>
+      <p:sp>
+        <p:nvSpPr>
+          <p:cNvPr id="14" name="Rectangle 13">
+            <a:extLst>
+              <a:ext uri="{FF2B5EF4-FFF2-40B4-BE49-F238E27FC236}">
+                <a16:creationId xmlns:a16="http://schemas.microsoft.com/office/drawing/2014/main" id="{86F828BE-4D4E-43F9-AC35-0209B5190C05}"/>
+              </a:ext>
+              <a:ext uri="{C183D7F6-B498-43B3-948B-1728B52AA6E4}">
+                <adec:decorative xmlns:adec="http://schemas.microsoft.com/office/drawing/2017/decorative" val="1"/>
+              </a:ext>
+            </a:extLst>
+          </p:cNvPr>
+          <p:cNvSpPr>
+            <a:spLocks noGrp="1" noRot="1" noChangeAspect="1" noMove="1" noResize="1" noEditPoints="1" noAdjustHandles="1" noChangeArrowheads="1" noChangeShapeType="1" noTextEdit="1"/>
+          </p:cNvSpPr>
+          <p:nvPr>
+            <p:extLst>
+              <p:ext uri="{386F3935-93C4-4BCD-93E2-E3B085C9AB24}">
+                <p16:designElem xmlns:p16="http://schemas.microsoft.com/office/powerpoint/2015/main" val="1"/>
+              </p:ext>
+            </p:extLst>
+          </p:nvPr>
+        </p:nvSpPr>
+        <p:spPr>
+          <a:xfrm>
+            <a:off x="0" y="468769"/>
+            <a:ext cx="12192000" cy="5647024"/>
+          </a:xfrm>
+          <a:prstGeom prst="rect">
+            <a:avLst/>
+          </a:prstGeom>
+          <a:gradFill flip="none" rotWithShape="1">
+            <a:gsLst>
+              <a:gs pos="0">
+                <a:schemeClr val="bg2">
+                  <a:alpha val="0"/>
+                  <a:lumMod val="100000"/>
+                </a:schemeClr>
+              </a:gs>
+              <a:gs pos="100000">
+                <a:schemeClr val="bg2">
+                  <a:lumMod val="95000"/>
+                  <a:lumOff val="5000"/>
+                </a:schemeClr>
+              </a:gs>
+            </a:gsLst>
+            <a:lin ang="5400000" scaled="0"/>
+            <a:tileRect/>
+          </a:gradFill>
+          <a:ln>
+            <a:noFill/>
+          </a:ln>
+        </p:spPr>
+        <p:style>
+          <a:lnRef idx="2">
+            <a:schemeClr val="accent1">
+              <a:shade val="50000"/>
+            </a:schemeClr>
+          </a:lnRef>
+          <a:fillRef idx="1">
+            <a:schemeClr val="accent1"/>
+          </a:fillRef>
+          <a:effectRef idx="0">
+            <a:schemeClr val="accent1"/>
+          </a:effectRef>
+          <a:fontRef idx="minor">
+            <a:schemeClr val="lt1"/>
+          </a:fontRef>
+        </p:style>
+      </p:sp>
+      <p:cxnSp>
+        <p:nvCxnSpPr>
+          <p:cNvPr id="16" name="Straight Connector 15">
+            <a:extLst>
+              <a:ext uri="{FF2B5EF4-FFF2-40B4-BE49-F238E27FC236}">
+                <a16:creationId xmlns:a16="http://schemas.microsoft.com/office/drawing/2014/main" id="{10BAB604-20D4-431F-ADD8-754BB7992A43}"/>
+              </a:ext>
+              <a:ext uri="{C183D7F6-B498-43B3-948B-1728B52AA6E4}">
+                <adec:decorative xmlns:adec="http://schemas.microsoft.com/office/drawing/2017/decorative" val="1"/>
+              </a:ext>
+            </a:extLst>
+          </p:cNvPr>
+          <p:cNvCxnSpPr>
+            <a:cxnSpLocks noGrp="1" noRot="1" noChangeAspect="1" noMove="1" noResize="1" noEditPoints="1" noAdjustHandles="1" noChangeArrowheads="1" noChangeShapeType="1"/>
+          </p:cNvCxnSpPr>
+          <p:nvPr>
+            <p:extLst>
+              <p:ext uri="{386F3935-93C4-4BCD-93E2-E3B085C9AB24}">
+                <p16:designElem xmlns:p16="http://schemas.microsoft.com/office/powerpoint/2015/main" val="1"/>
+              </p:ext>
+            </p:extLst>
+          </p:nvPr>
+        </p:nvCxnSpPr>
+        <p:spPr>
+          <a:xfrm>
+            <a:off x="0" y="6121269"/>
+            <a:ext cx="12192000" cy="0"/>
+          </a:xfrm>
+          <a:prstGeom prst="line">
+            <a:avLst/>
+          </a:prstGeom>
+          <a:ln w="12700">
+            <a:solidFill>
+              <a:srgbClr val="000001">
+                <a:alpha val="20000"/>
+              </a:srgbClr>
+            </a:solidFill>
+          </a:ln>
+        </p:spPr>
+        <p:style>
+          <a:lnRef idx="1">
+            <a:schemeClr val="accent1"/>
+          </a:lnRef>
+          <a:fillRef idx="0">
+            <a:schemeClr val="accent1"/>
+          </a:fillRef>
+          <a:effectRef idx="0">
+            <a:schemeClr val="accent1"/>
+          </a:effectRef>
+          <a:fontRef idx="minor">
+            <a:schemeClr val="tx1"/>
+          </a:fontRef>
+        </p:style>
+      </p:cxnSp>
+      <p:pic>
+        <p:nvPicPr>
+          <p:cNvPr id="18" name="Picture 17">
+            <a:extLst>
+              <a:ext uri="{FF2B5EF4-FFF2-40B4-BE49-F238E27FC236}">
+                <a16:creationId xmlns:a16="http://schemas.microsoft.com/office/drawing/2014/main" id="{C821979E-9A93-4880-80B5-D60B75C19185}"/>
+              </a:ext>
+              <a:ext uri="{C183D7F6-B498-43B3-948B-1728B52AA6E4}">
+                <adec:decorative xmlns:adec="http://schemas.microsoft.com/office/drawing/2017/decorative" val="1"/>
+              </a:ext>
+            </a:extLst>
+          </p:cNvPr>
+          <p:cNvPicPr>
+            <a:picLocks noGrp="1" noRot="1" noChangeAspect="1" noMove="1" noResize="1" noEditPoints="1" noAdjustHandles="1" noChangeArrowheads="1" noChangeShapeType="1" noCrop="1"/>
+          </p:cNvPicPr>
+          <p:nvPr>
+            <p:extLst>
+              <p:ext uri="{386F3935-93C4-4BCD-93E2-E3B085C9AB24}">
+                <p16:designElem xmlns:p16="http://schemas.microsoft.com/office/powerpoint/2015/main" val="1"/>
+              </p:ext>
+            </p:extLst>
+          </p:nvPr>
+        </p:nvPicPr>
+        <p:blipFill rotWithShape="1">
+          <a:blip r:embed="rId3">
+            <a:duotone>
+              <a:schemeClr val="accent1">
+                <a:shade val="45000"/>
+                <a:satMod val="135000"/>
+              </a:schemeClr>
+              <a:prstClr val="white"/>
+            </a:duotone>
+            <a:extLst>
+              <a:ext uri="{28A0092B-C50C-407E-A947-70E740481C1C}">
+                <a14:useLocalDpi xmlns:a14="http://schemas.microsoft.com/office/drawing/2010/main" val="0"/>
+              </a:ext>
+            </a:extLst>
+          </a:blip>
+          <a:srcRect l="-115" r="15828" b="36435"/>
+          <a:stretch/>
+        </p:blipFill>
+        <p:spPr>
+          <a:xfrm>
+            <a:off x="1125460" y="643464"/>
+            <a:ext cx="9610344" cy="155448"/>
+          </a:xfrm>
+          <a:prstGeom prst="rect">
+            <a:avLst/>
+          </a:prstGeom>
+          <a:noFill/>
+          <a:ln>
+            <a:noFill/>
+          </a:ln>
+        </p:spPr>
+      </p:pic>
+      <p:sp useBgFill="1">
+        <p:nvSpPr>
+          <p:cNvPr id="20" name="Rectangle 19">
+            <a:extLst>
+              <a:ext uri="{FF2B5EF4-FFF2-40B4-BE49-F238E27FC236}">
+                <a16:creationId xmlns:a16="http://schemas.microsoft.com/office/drawing/2014/main" id="{CED21F42-BCA5-4F32-9FC2-65B6667FBBBC}"/>
+              </a:ext>
+              <a:ext uri="{C183D7F6-B498-43B3-948B-1728B52AA6E4}">
+                <adec:decorative xmlns:adec="http://schemas.microsoft.com/office/drawing/2017/decorative" val="1"/>
+              </a:ext>
+            </a:extLst>
+          </p:cNvPr>
+          <p:cNvSpPr>
+            <a:spLocks noGrp="1" noRot="1" noChangeAspect="1" noMove="1" noResize="1" noEditPoints="1" noAdjustHandles="1" noChangeArrowheads="1" noChangeShapeType="1" noTextEdit="1"/>
+          </p:cNvSpPr>
+          <p:nvPr>
+            <p:extLst>
+              <p:ext uri="{386F3935-93C4-4BCD-93E2-E3B085C9AB24}">
+                <p16:designElem xmlns:p16="http://schemas.microsoft.com/office/powerpoint/2015/main" val="1"/>
+              </p:ext>
+            </p:extLst>
+          </p:nvPr>
+        </p:nvSpPr>
+        <p:spPr>
+          <a:xfrm>
+            <a:off x="2" y="0"/>
+            <a:ext cx="12191695" cy="6858000"/>
+          </a:xfrm>
+          <a:prstGeom prst="rect">
+            <a:avLst/>
+          </a:prstGeom>
+          <a:ln>
+            <a:noFill/>
+          </a:ln>
+        </p:spPr>
+        <p:style>
+          <a:lnRef idx="2">
+            <a:schemeClr val="accent1">
+              <a:shade val="50000"/>
+            </a:schemeClr>
+          </a:lnRef>
+          <a:fillRef idx="1">
+            <a:schemeClr val="accent1"/>
+          </a:fillRef>
+          <a:effectRef idx="0">
+            <a:schemeClr val="accent1"/>
+          </a:effectRef>
+          <a:fontRef idx="minor">
+            <a:schemeClr val="lt1"/>
+          </a:fontRef>
+        </p:style>
+        <p:txBody>
+          <a:bodyPr rtlCol="0" anchor="ctr"/>
+          <a:lstStyle/>
+          <a:p>
+            <a:pPr algn="ctr"/>
+            <a:endParaRPr lang="en-US"/>
+          </a:p>
+        </p:txBody>
+      </p:sp>
+      <p:sp>
+        <p:nvSpPr>
+          <p:cNvPr id="22" name="Rectangle 21">
+            <a:extLst>
+              <a:ext uri="{FF2B5EF4-FFF2-40B4-BE49-F238E27FC236}">
+                <a16:creationId xmlns:a16="http://schemas.microsoft.com/office/drawing/2014/main" id="{98D5A76E-C240-4528-8F2D-E93F24F46011}"/>
+              </a:ext>
+              <a:ext uri="{C183D7F6-B498-43B3-948B-1728B52AA6E4}">
+                <adec:decorative xmlns:adec="http://schemas.microsoft.com/office/drawing/2017/decorative" val="1"/>
+              </a:ext>
+            </a:extLst>
+          </p:cNvPr>
+          <p:cNvSpPr>
+            <a:spLocks noGrp="1" noRot="1" noChangeAspect="1" noMove="1" noResize="1" noEditPoints="1" noAdjustHandles="1" noChangeArrowheads="1" noChangeShapeType="1" noTextEdit="1"/>
+          </p:cNvSpPr>
+          <p:nvPr>
+            <p:extLst>
+              <p:ext uri="{386F3935-93C4-4BCD-93E2-E3B085C9AB24}">
+                <p16:designElem xmlns:p16="http://schemas.microsoft.com/office/powerpoint/2015/main" val="1"/>
+              </p:ext>
+            </p:extLst>
+          </p:nvPr>
+        </p:nvSpPr>
+        <p:spPr>
+          <a:xfrm>
+            <a:off x="0" y="468769"/>
+            <a:ext cx="12192000" cy="5647024"/>
+          </a:xfrm>
+          <a:prstGeom prst="rect">
+            <a:avLst/>
+          </a:prstGeom>
+          <a:gradFill flip="none" rotWithShape="1">
+            <a:gsLst>
+              <a:gs pos="0">
+                <a:schemeClr val="bg2">
+                  <a:alpha val="0"/>
+                  <a:lumMod val="100000"/>
+                </a:schemeClr>
+              </a:gs>
+              <a:gs pos="100000">
+                <a:schemeClr val="bg2">
+                  <a:lumMod val="95000"/>
+                  <a:lumOff val="5000"/>
+                </a:schemeClr>
+              </a:gs>
+            </a:gsLst>
+            <a:lin ang="5400000" scaled="0"/>
+            <a:tileRect/>
+          </a:gradFill>
+          <a:ln>
+            <a:noFill/>
+          </a:ln>
+        </p:spPr>
+        <p:style>
+          <a:lnRef idx="2">
+            <a:schemeClr val="accent1">
+              <a:shade val="50000"/>
+            </a:schemeClr>
+          </a:lnRef>
+          <a:fillRef idx="1">
+            <a:schemeClr val="accent1"/>
+          </a:fillRef>
+          <a:effectRef idx="0">
+            <a:schemeClr val="accent1"/>
+          </a:effectRef>
+          <a:fontRef idx="minor">
+            <a:schemeClr val="lt1"/>
+          </a:fontRef>
+        </p:style>
+        <p:txBody>
+          <a:bodyPr rtlCol="0" anchor="ctr"/>
+          <a:lstStyle/>
+          <a:p>
+            <a:pPr algn="ctr"/>
+            <a:endParaRPr lang="en-US"/>
+          </a:p>
+        </p:txBody>
+      </p:sp>
+      <p:sp>
+        <p:nvSpPr>
+          <p:cNvPr id="2" name="Titel 1">
+            <a:extLst>
+              <a:ext uri="{FF2B5EF4-FFF2-40B4-BE49-F238E27FC236}">
+                <a16:creationId xmlns:a16="http://schemas.microsoft.com/office/drawing/2014/main" id="{5D29DEF5-8714-46EE-9AB5-0045C2688898}"/>
+              </a:ext>
+            </a:extLst>
+          </p:cNvPr>
+          <p:cNvSpPr>
+            <a:spLocks noGrp="1"/>
+          </p:cNvSpPr>
+          <p:nvPr>
+            <p:ph type="title"/>
+          </p:nvPr>
+        </p:nvSpPr>
+        <p:spPr>
+          <a:xfrm>
+            <a:off x="1125633" y="984900"/>
+            <a:ext cx="5861378" cy="2410233"/>
+          </a:xfrm>
+        </p:spPr>
+        <p:txBody>
+          <a:bodyPr vert="horz" lIns="91440" tIns="45720" rIns="91440" bIns="0" rtlCol="0" anchor="b">
+            <a:normAutofit/>
+          </a:bodyPr>
+          <a:lstStyle/>
+          <a:p>
+            <a:r>
+              <a:rPr lang="en-US" sz="5400"/>
+              <a:t>Back-End</a:t>
+            </a:r>
+          </a:p>
+        </p:txBody>
+      </p:sp>
+      <p:pic>
+        <p:nvPicPr>
+          <p:cNvPr id="24" name="Picture 23">
+            <a:extLst>
+              <a:ext uri="{FF2B5EF4-FFF2-40B4-BE49-F238E27FC236}">
+                <a16:creationId xmlns:a16="http://schemas.microsoft.com/office/drawing/2014/main" id="{34054337-A666-4FC2-9935-2535C652CDA1}"/>
+              </a:ext>
+              <a:ext uri="{C183D7F6-B498-43B3-948B-1728B52AA6E4}">
+                <adec:decorative xmlns:adec="http://schemas.microsoft.com/office/drawing/2017/decorative" val="1"/>
+              </a:ext>
+            </a:extLst>
+          </p:cNvPr>
+          <p:cNvPicPr>
+            <a:picLocks noGrp="1" noRot="1" noChangeAspect="1" noMove="1" noResize="1" noEditPoints="1" noAdjustHandles="1" noChangeArrowheads="1" noChangeShapeType="1" noCrop="1"/>
+          </p:cNvPicPr>
+          <p:nvPr>
+            <p:extLst>
+              <p:ext uri="{386F3935-93C4-4BCD-93E2-E3B085C9AB24}">
+                <p16:designElem xmlns:p16="http://schemas.microsoft.com/office/powerpoint/2015/main" val="1"/>
+              </p:ext>
+            </p:extLst>
+          </p:nvPr>
+        </p:nvPicPr>
+        <p:blipFill rotWithShape="1">
+          <a:blip r:embed="rId3">
+            <a:duotone>
+              <a:schemeClr val="accent1">
+                <a:shade val="45000"/>
+                <a:satMod val="135000"/>
+              </a:schemeClr>
+              <a:prstClr val="white"/>
+            </a:duotone>
+            <a:extLst>
+              <a:ext uri="{28A0092B-C50C-407E-A947-70E740481C1C}">
+                <a14:useLocalDpi xmlns:a14="http://schemas.microsoft.com/office/drawing/2010/main" val="0"/>
+              </a:ext>
+            </a:extLst>
+          </a:blip>
+          <a:srcRect l="-116" t="474" r="48549" b="36564"/>
+          <a:stretch/>
+        </p:blipFill>
+        <p:spPr>
+          <a:xfrm>
+            <a:off x="1125460" y="643464"/>
+            <a:ext cx="5879592" cy="155448"/>
+          </a:xfrm>
+          <a:prstGeom prst="rect">
+            <a:avLst/>
+          </a:prstGeom>
+          <a:noFill/>
+          <a:ln>
+            <a:noFill/>
+          </a:ln>
+        </p:spPr>
+      </p:pic>
+      <p:pic>
+        <p:nvPicPr>
+          <p:cNvPr id="7" name="Grafik 6">
+            <a:extLst>
+              <a:ext uri="{FF2B5EF4-FFF2-40B4-BE49-F238E27FC236}">
+                <a16:creationId xmlns:a16="http://schemas.microsoft.com/office/drawing/2014/main" id="{A8FB855C-8FE0-4B66-A96A-A7B192D0DF9B}"/>
+              </a:ext>
+            </a:extLst>
+          </p:cNvPr>
+          <p:cNvPicPr>
+            <a:picLocks noChangeAspect="1"/>
+          </p:cNvPicPr>
+          <p:nvPr/>
+        </p:nvPicPr>
+        <p:blipFill>
+          <a:blip r:embed="rId4"/>
+          <a:stretch>
+            <a:fillRect/>
+          </a:stretch>
+        </p:blipFill>
+        <p:spPr>
+          <a:xfrm>
+            <a:off x="8853771" y="481108"/>
+            <a:ext cx="1314481" cy="2491907"/>
+          </a:xfrm>
+          <a:prstGeom prst="rect">
+            <a:avLst/>
+          </a:prstGeom>
+        </p:spPr>
+      </p:pic>
+      <p:pic>
+        <p:nvPicPr>
+          <p:cNvPr id="5" name="Grafik 4">
+            <a:extLst>
+              <a:ext uri="{FF2B5EF4-FFF2-40B4-BE49-F238E27FC236}">
+                <a16:creationId xmlns:a16="http://schemas.microsoft.com/office/drawing/2014/main" id="{A46C7F46-A587-4A0B-AE9B-0ADC63439682}"/>
+              </a:ext>
+            </a:extLst>
+          </p:cNvPr>
+          <p:cNvPicPr>
+            <a:picLocks noChangeAspect="1"/>
+          </p:cNvPicPr>
+          <p:nvPr/>
+        </p:nvPicPr>
+        <p:blipFill>
+          <a:blip r:embed="rId5"/>
+          <a:stretch>
+            <a:fillRect/>
+          </a:stretch>
+        </p:blipFill>
+        <p:spPr>
+          <a:xfrm>
+            <a:off x="7473593" y="3722375"/>
+            <a:ext cx="4074836" cy="1324321"/>
+          </a:xfrm>
+          <a:prstGeom prst="rect">
+            <a:avLst/>
+          </a:prstGeom>
+        </p:spPr>
+      </p:pic>
+      <p:pic>
+        <p:nvPicPr>
+          <p:cNvPr id="26" name="Picture 25">
+            <a:extLst>
+              <a:ext uri="{FF2B5EF4-FFF2-40B4-BE49-F238E27FC236}">
+                <a16:creationId xmlns:a16="http://schemas.microsoft.com/office/drawing/2014/main" id="{732E3FD9-6530-4454-997C-939E0A18C664}"/>
+              </a:ext>
+              <a:ext uri="{C183D7F6-B498-43B3-948B-1728B52AA6E4}">
+                <adec:decorative xmlns:adec="http://schemas.microsoft.com/office/drawing/2017/decorative" val="1"/>
+              </a:ext>
+            </a:extLst>
+          </p:cNvPr>
+          <p:cNvPicPr>
+            <a:picLocks noGrp="1" noRot="1" noChangeAspect="1" noMove="1" noResize="1" noEditPoints="1" noAdjustHandles="1" noChangeArrowheads="1" noChangeShapeType="1" noCrop="1"/>
+          </p:cNvPicPr>
+          <p:nvPr>
+            <p:extLst>
+              <p:ext uri="{386F3935-93C4-4BCD-93E2-E3B085C9AB24}">
+                <p16:designElem xmlns:p16="http://schemas.microsoft.com/office/powerpoint/2015/main" val="1"/>
+              </p:ext>
+            </p:extLst>
+          </p:nvPr>
+        </p:nvPicPr>
+        <p:blipFill rotWithShape="1">
+          <a:blip r:embed="rId2">
+            <a:extLst>
+              <a:ext uri="{28A0092B-C50C-407E-A947-70E740481C1C}">
+                <a14:useLocalDpi xmlns:a14="http://schemas.microsoft.com/office/drawing/2010/main" val="0"/>
+              </a:ext>
+            </a:extLst>
+          </a:blip>
+          <a:srcRect t="1538" b="-1538"/>
+          <a:stretch/>
+        </p:blipFill>
+        <p:spPr>
+          <a:xfrm>
+            <a:off x="0" y="6119336"/>
+            <a:ext cx="12192000" cy="742950"/>
+          </a:xfrm>
+          <a:prstGeom prst="rect">
+            <a:avLst/>
+          </a:prstGeom>
+        </p:spPr>
+      </p:pic>
+      <p:cxnSp>
+        <p:nvCxnSpPr>
+          <p:cNvPr id="28" name="Straight Connector 27">
+            <a:extLst>
+              <a:ext uri="{FF2B5EF4-FFF2-40B4-BE49-F238E27FC236}">
+                <a16:creationId xmlns:a16="http://schemas.microsoft.com/office/drawing/2014/main" id="{92F7E3DC-DD90-4719-940F-B0C3C8FF4D89}"/>
+              </a:ext>
+              <a:ext uri="{C183D7F6-B498-43B3-948B-1728B52AA6E4}">
+                <adec:decorative xmlns:adec="http://schemas.microsoft.com/office/drawing/2017/decorative" val="1"/>
+              </a:ext>
+            </a:extLst>
+          </p:cNvPr>
+          <p:cNvCxnSpPr>
+            <a:cxnSpLocks noGrp="1" noRot="1" noChangeAspect="1" noMove="1" noResize="1" noEditPoints="1" noAdjustHandles="1" noChangeArrowheads="1" noChangeShapeType="1"/>
+          </p:cNvCxnSpPr>
+          <p:nvPr>
+            <p:extLst>
+              <p:ext uri="{386F3935-93C4-4BCD-93E2-E3B085C9AB24}">
+                <p16:designElem xmlns:p16="http://schemas.microsoft.com/office/powerpoint/2015/main" val="1"/>
+              </p:ext>
+            </p:extLst>
+          </p:nvPr>
+        </p:nvCxnSpPr>
+        <p:spPr>
+          <a:xfrm>
+            <a:off x="0" y="6121269"/>
+            <a:ext cx="12192000" cy="0"/>
+          </a:xfrm>
+          <a:prstGeom prst="line">
+            <a:avLst/>
+          </a:prstGeom>
+          <a:ln w="12700">
+            <a:solidFill>
+              <a:srgbClr val="000001">
+                <a:alpha val="20000"/>
+              </a:srgbClr>
+            </a:solidFill>
+          </a:ln>
+        </p:spPr>
+        <p:style>
+          <a:lnRef idx="1">
+            <a:schemeClr val="accent1"/>
+          </a:lnRef>
+          <a:fillRef idx="0">
+            <a:schemeClr val="accent1"/>
+          </a:fillRef>
+          <a:effectRef idx="0">
+            <a:schemeClr val="accent1"/>
+          </a:effectRef>
+          <a:fontRef idx="minor">
+            <a:schemeClr val="tx1"/>
+          </a:fontRef>
+        </p:style>
+      </p:cxnSp>
+    </p:spTree>
+    <p:extLst>
+      <p:ext uri="{BB962C8B-B14F-4D97-AF65-F5344CB8AC3E}">
+        <p14:creationId xmlns:p14="http://schemas.microsoft.com/office/powerpoint/2010/main" val="2716884157"/>
+      </p:ext>
+    </p:extLst>
+  </p:cSld>
+  <p:clrMapOvr>
+    <a:masterClrMapping/>
+  </p:clrMapOvr>
+</p:sld>
+</file>
+
+<file path=ppt/slides/slide24.xml><?xml version="1.0" encoding="utf-8"?>
+<p:sld xmlns:a="http://schemas.openxmlformats.org/drawingml/2006/main" xmlns:r="http://schemas.openxmlformats.org/officeDocument/2006/relationships" xmlns:p="http://schemas.openxmlformats.org/presentationml/2006/main">
+  <p:cSld>
+    <p:spTree>
+      <p:nvGrpSpPr>
+        <p:cNvPr id="1" name=""/>
+        <p:cNvGrpSpPr/>
+        <p:nvPr/>
+      </p:nvGrpSpPr>
+      <p:grpSpPr>
+        <a:xfrm>
+          <a:off x="0" y="0"/>
+          <a:ext cx="0" cy="0"/>
+          <a:chOff x="0" y="0"/>
+          <a:chExt cx="0" cy="0"/>
+        </a:xfrm>
+      </p:grpSpPr>
+      <p:sp>
+        <p:nvSpPr>
+          <p:cNvPr id="2" name="Titel 1">
+            <a:extLst>
+              <a:ext uri="{FF2B5EF4-FFF2-40B4-BE49-F238E27FC236}">
+                <a16:creationId xmlns:a16="http://schemas.microsoft.com/office/drawing/2014/main" id="{60941E0D-02F6-4A13-99DF-DE702B25D063}"/>
+              </a:ext>
+            </a:extLst>
+          </p:cNvPr>
+          <p:cNvSpPr>
+            <a:spLocks noGrp="1"/>
+          </p:cNvSpPr>
+          <p:nvPr>
+            <p:ph type="title"/>
+          </p:nvPr>
+        </p:nvSpPr>
+        <p:spPr/>
+        <p:txBody>
+          <a:bodyPr/>
+          <a:lstStyle/>
+          <a:p>
+            <a:r>
+              <a:rPr lang="de-DE" dirty="0"/>
+              <a:t>Spring</a:t>
+            </a:r>
+          </a:p>
+        </p:txBody>
+      </p:sp>
+      <p:sp>
+        <p:nvSpPr>
+          <p:cNvPr id="3" name="Inhaltsplatzhalter 2">
+            <a:extLst>
+              <a:ext uri="{FF2B5EF4-FFF2-40B4-BE49-F238E27FC236}">
+                <a16:creationId xmlns:a16="http://schemas.microsoft.com/office/drawing/2014/main" id="{2BB72E70-C854-4E11-82D5-B6D1B4937A15}"/>
+              </a:ext>
+            </a:extLst>
+          </p:cNvPr>
+          <p:cNvSpPr>
+            <a:spLocks noGrp="1"/>
+          </p:cNvSpPr>
+          <p:nvPr>
+            <p:ph idx="1"/>
+          </p:nvPr>
+        </p:nvSpPr>
+        <p:spPr/>
+        <p:txBody>
+          <a:bodyPr/>
+          <a:lstStyle/>
+          <a:p>
+            <a:r>
+              <a:rPr lang="de-DE" dirty="0"/>
+              <a:t>Open Source Framework für die Java-Plattform</a:t>
+            </a:r>
+          </a:p>
+          <a:p>
+            <a:r>
+              <a:rPr lang="de-DE" dirty="0"/>
+              <a:t>Model View Controller Muster</a:t>
+            </a:r>
+          </a:p>
+          <a:p>
+            <a:r>
+              <a:rPr lang="de-DE" dirty="0"/>
+              <a:t>Vereinfacht die Entwicklung von Projekten</a:t>
+            </a:r>
+          </a:p>
+          <a:p>
+            <a:pPr lvl="1"/>
+            <a:r>
+              <a:rPr lang="de-DE" dirty="0"/>
+              <a:t>Spring Boot (Konvention vor Konfiguration)</a:t>
+            </a:r>
+          </a:p>
+          <a:p>
+            <a:pPr lvl="1"/>
+            <a:r>
+              <a:rPr lang="de-DE" dirty="0"/>
+              <a:t>Annotationen übernehmen Aufgaben der Konfiguration</a:t>
+            </a:r>
+          </a:p>
+          <a:p>
+            <a:pPr marL="457200" lvl="1" indent="0">
+              <a:buNone/>
+            </a:pPr>
+            <a:endParaRPr lang="de-DE" dirty="0"/>
+          </a:p>
+        </p:txBody>
+      </p:sp>
+    </p:spTree>
+    <p:extLst>
+      <p:ext uri="{BB962C8B-B14F-4D97-AF65-F5344CB8AC3E}">
+        <p14:creationId xmlns:p14="http://schemas.microsoft.com/office/powerpoint/2010/main" val="3665854854"/>
+      </p:ext>
+    </p:extLst>
+  </p:cSld>
+  <p:clrMapOvr>
+    <a:masterClrMapping/>
+  </p:clrMapOvr>
+</p:sld>
+</file>
+
+<file path=ppt/slides/slide25.xml><?xml version="1.0" encoding="utf-8"?>
 <p:sld xmlns:a="http://schemas.openxmlformats.org/drawingml/2006/main" xmlns:r="http://schemas.openxmlformats.org/officeDocument/2006/relationships" xmlns:p="http://schemas.openxmlformats.org/presentationml/2006/main">
   <p:cSld>
     <p:bg>
@@ -10183,7 +11327,7 @@
           <p:cNvPr id="18" name="Rectangle 17">
             <a:extLst>
               <a:ext uri="{FF2B5EF4-FFF2-40B4-BE49-F238E27FC236}">
-                <a16:creationId xmlns:a16="http://schemas.microsoft.com/office/drawing/2014/main" id="{2AA0E174-1032-45EB-8FEE-2178019BAECE}"/>
+                <a16:creationId xmlns:a16="http://schemas.microsoft.com/office/drawing/2014/main" id="{EB8456C2-9457-404E-8DA7-41BB6630DAB1}"/>
               </a:ext>
               <a:ext uri="{C183D7F6-B498-43B3-948B-1728B52AA6E4}">
                 <adec:decorative xmlns:adec="http://schemas.microsoft.com/office/drawing/2017/decorative" val="1"/>
@@ -10243,7 +11387,7 @@
           <p:cNvPr id="20" name="Rectangle 19">
             <a:extLst>
               <a:ext uri="{FF2B5EF4-FFF2-40B4-BE49-F238E27FC236}">
-                <a16:creationId xmlns:a16="http://schemas.microsoft.com/office/drawing/2014/main" id="{C017D167-735C-4828-BF61-5BEC0A93C01B}"/>
+                <a16:creationId xmlns:a16="http://schemas.microsoft.com/office/drawing/2014/main" id="{BFB3493F-F73E-4A1A-89E2-FE1D803D15CE}"/>
               </a:ext>
               <a:ext uri="{C183D7F6-B498-43B3-948B-1728B52AA6E4}">
                 <adec:decorative xmlns:adec="http://schemas.microsoft.com/office/drawing/2017/decorative" val="1"/>
@@ -10321,7 +11465,7 @@
           <p:cNvPr id="2" name="Titel 1">
             <a:extLst>
               <a:ext uri="{FF2B5EF4-FFF2-40B4-BE49-F238E27FC236}">
-                <a16:creationId xmlns:a16="http://schemas.microsoft.com/office/drawing/2014/main" id="{8B099BDE-C5F3-4E0A-BEC3-DBB7D4932A75}"/>
+                <a16:creationId xmlns:a16="http://schemas.microsoft.com/office/drawing/2014/main" id="{53279B68-1151-4F28-A2B2-F638178537FC}"/>
               </a:ext>
             </a:extLst>
           </p:cNvPr>
@@ -10334,8 +11478,8 @@
         </p:nvSpPr>
         <p:spPr>
           <a:xfrm>
-            <a:off x="1128413" y="988098"/>
-            <a:ext cx="4495380" cy="2407724"/>
+            <a:off x="1776730" y="4459039"/>
+            <a:ext cx="7831992" cy="551528"/>
           </a:xfrm>
         </p:spPr>
         <p:txBody>
@@ -10345,82 +11489,25 @@
           <a:lstStyle/>
           <a:p>
             <a:r>
-              <a:rPr lang="en-US" sz="4800" dirty="0"/>
-              <a:t>Components</a:t>
+              <a:rPr lang="en-US" sz="3600"/>
+              <a:t>Spring Initializr</a:t>
             </a:r>
           </a:p>
         </p:txBody>
       </p:sp>
       <p:pic>
         <p:nvPicPr>
-          <p:cNvPr id="22" name="Picture 21">
-            <a:extLst>
-              <a:ext uri="{FF2B5EF4-FFF2-40B4-BE49-F238E27FC236}">
-                <a16:creationId xmlns:a16="http://schemas.microsoft.com/office/drawing/2014/main" id="{48A2A651-3D77-45F6-9A25-3762F5E46633}"/>
-              </a:ext>
-              <a:ext uri="{C183D7F6-B498-43B3-948B-1728B52AA6E4}">
-                <adec:decorative xmlns:adec="http://schemas.microsoft.com/office/drawing/2017/decorative" val="1"/>
+          <p:cNvPr id="5" name="Grafik 4">
+            <a:extLst>
+              <a:ext uri="{FF2B5EF4-FFF2-40B4-BE49-F238E27FC236}">
+                <a16:creationId xmlns:a16="http://schemas.microsoft.com/office/drawing/2014/main" id="{F666A0BC-3139-4F4F-A6F7-0BA965706B2A}"/>
               </a:ext>
             </a:extLst>
           </p:cNvPr>
           <p:cNvPicPr>
-            <a:picLocks noGrp="1" noRot="1" noChangeAspect="1" noMove="1" noResize="1" noEditPoints="1" noAdjustHandles="1" noChangeArrowheads="1" noChangeShapeType="1" noCrop="1"/>
+            <a:picLocks noChangeAspect="1"/>
           </p:cNvPicPr>
-          <p:nvPr>
-            <p:extLst>
-              <p:ext uri="{386F3935-93C4-4BCD-93E2-E3B085C9AB24}">
-                <p16:designElem xmlns:p16="http://schemas.microsoft.com/office/powerpoint/2015/main" val="1"/>
-              </p:ext>
-            </p:extLst>
-          </p:nvPr>
-        </p:nvPicPr>
-        <p:blipFill rotWithShape="1">
-          <a:blip r:embed="rId3">
-            <a:duotone>
-              <a:schemeClr val="accent1">
-                <a:shade val="45000"/>
-                <a:satMod val="135000"/>
-              </a:schemeClr>
-              <a:prstClr val="white"/>
-            </a:duotone>
-            <a:extLst>
-              <a:ext uri="{28A0092B-C50C-407E-A947-70E740481C1C}">
-                <a14:useLocalDpi xmlns:a14="http://schemas.microsoft.com/office/drawing/2010/main" val="0"/>
-              </a:ext>
-            </a:extLst>
-          </a:blip>
-          <a:srcRect l="-115" t="474" r="60418" b="36564"/>
-          <a:stretch/>
-        </p:blipFill>
-        <p:spPr>
-          <a:xfrm>
-            <a:off x="1125460" y="643464"/>
-            <a:ext cx="4526280" cy="155448"/>
-          </a:xfrm>
-          <a:prstGeom prst="rect">
-            <a:avLst/>
-          </a:prstGeom>
-          <a:noFill/>
-          <a:ln>
-            <a:noFill/>
-          </a:ln>
-        </p:spPr>
-      </p:pic>
-      <p:pic>
-        <p:nvPicPr>
-          <p:cNvPr id="5" name="Inhaltsplatzhalter 4">
-            <a:extLst>
-              <a:ext uri="{FF2B5EF4-FFF2-40B4-BE49-F238E27FC236}">
-                <a16:creationId xmlns:a16="http://schemas.microsoft.com/office/drawing/2014/main" id="{16C04A41-F4F1-4A07-807C-2C900E442A98}"/>
-              </a:ext>
-            </a:extLst>
-          </p:cNvPr>
-          <p:cNvPicPr>
-            <a:picLocks noGrp="1" noChangeAspect="1"/>
-          </p:cNvPicPr>
-          <p:nvPr>
-            <p:ph idx="1"/>
-          </p:nvPr>
+          <p:nvPr/>
         </p:nvPicPr>
         <p:blipFill>
           <a:blip r:embed="rId4"/>
@@ -10430,8 +11517,8 @@
         </p:blipFill>
         <p:spPr>
           <a:xfrm>
-            <a:off x="6568209" y="121298"/>
-            <a:ext cx="3871125" cy="5887644"/>
+            <a:off x="349005" y="639244"/>
+            <a:ext cx="8300486" cy="3652214"/>
           </a:xfrm>
           <a:prstGeom prst="rect">
             <a:avLst/>
@@ -10440,10 +11527,10 @@
       </p:pic>
       <p:pic>
         <p:nvPicPr>
-          <p:cNvPr id="24" name="Picture 23">
-            <a:extLst>
-              <a:ext uri="{FF2B5EF4-FFF2-40B4-BE49-F238E27FC236}">
-                <a16:creationId xmlns:a16="http://schemas.microsoft.com/office/drawing/2014/main" id="{EE1B9172-598D-41CA-A120-1347A28BA08B}"/>
+          <p:cNvPr id="22" name="Picture 21">
+            <a:extLst>
+              <a:ext uri="{FF2B5EF4-FFF2-40B4-BE49-F238E27FC236}">
+                <a16:creationId xmlns:a16="http://schemas.microsoft.com/office/drawing/2014/main" id="{CEE4ADBF-AAD6-433C-B72E-C603B9BBB310}"/>
               </a:ext>
               <a:ext uri="{C183D7F6-B498-43B3-948B-1728B52AA6E4}">
                 <adec:decorative xmlns:adec="http://schemas.microsoft.com/office/drawing/2017/decorative" val="1"/>
@@ -10484,10 +11571,10 @@
       </p:pic>
       <p:cxnSp>
         <p:nvCxnSpPr>
-          <p:cNvPr id="26" name="Straight Connector 25">
-            <a:extLst>
-              <a:ext uri="{FF2B5EF4-FFF2-40B4-BE49-F238E27FC236}">
-                <a16:creationId xmlns:a16="http://schemas.microsoft.com/office/drawing/2014/main" id="{FD3493C9-FDB6-46AD-891A-36C02F24D8CC}"/>
+          <p:cNvPr id="24" name="Straight Connector 23">
+            <a:extLst>
+              <a:ext uri="{FF2B5EF4-FFF2-40B4-BE49-F238E27FC236}">
+                <a16:creationId xmlns:a16="http://schemas.microsoft.com/office/drawing/2014/main" id="{9452C429-B9DA-48BE-B0C7-09AE24872828}"/>
               </a:ext>
               <a:ext uri="{C183D7F6-B498-43B3-948B-1728B52AA6E4}">
                 <adec:decorative xmlns:adec="http://schemas.microsoft.com/office/drawing/2017/decorative" val="1"/>
@@ -10536,10 +11623,109 @@
           </a:fontRef>
         </p:style>
       </p:cxnSp>
+      <p:sp>
+        <p:nvSpPr>
+          <p:cNvPr id="6" name="Textfeld 5">
+            <a:extLst>
+              <a:ext uri="{FF2B5EF4-FFF2-40B4-BE49-F238E27FC236}">
+                <a16:creationId xmlns:a16="http://schemas.microsoft.com/office/drawing/2014/main" id="{242A0DBE-0F63-4289-94D4-3360D9351B3A}"/>
+              </a:ext>
+            </a:extLst>
+          </p:cNvPr>
+          <p:cNvSpPr txBox="1"/>
+          <p:nvPr/>
+        </p:nvSpPr>
+        <p:spPr>
+          <a:xfrm>
+            <a:off x="8769098" y="646559"/>
+            <a:ext cx="3286241" cy="2809680"/>
+          </a:xfrm>
+          <a:prstGeom prst="rect">
+            <a:avLst/>
+          </a:prstGeom>
+          <a:noFill/>
+        </p:spPr>
+        <p:txBody>
+          <a:bodyPr wrap="square" rtlCol="0">
+            <a:spAutoFit/>
+          </a:bodyPr>
+          <a:lstStyle/>
+          <a:p>
+            <a:pPr marL="285750" indent="-285750">
+              <a:buFont typeface="Arial" panose="020B0604020202020204" pitchFamily="34" charset="0"/>
+              <a:buChar char="•"/>
+            </a:pPr>
+            <a:r>
+              <a:rPr lang="de-DE" dirty="0"/>
+              <a:t>Maven oder </a:t>
+            </a:r>
+            <a:r>
+              <a:rPr lang="de-DE" dirty="0" err="1"/>
+              <a:t>Gradle</a:t>
+            </a:r>
+            <a:endParaRPr lang="de-DE" dirty="0"/>
+          </a:p>
+          <a:p>
+            <a:pPr marL="285750" indent="-285750">
+              <a:lnSpc>
+                <a:spcPct val="150000"/>
+              </a:lnSpc>
+              <a:buFont typeface="Arial" panose="020B0604020202020204" pitchFamily="34" charset="0"/>
+              <a:buChar char="•"/>
+            </a:pPr>
+            <a:r>
+              <a:rPr lang="de-DE" dirty="0"/>
+              <a:t>Java/</a:t>
+            </a:r>
+            <a:r>
+              <a:rPr lang="de-DE" dirty="0" err="1"/>
+              <a:t>Kotlin</a:t>
+            </a:r>
+            <a:r>
+              <a:rPr lang="de-DE" dirty="0"/>
+              <a:t>/Groovy</a:t>
+            </a:r>
+          </a:p>
+          <a:p>
+            <a:pPr marL="285750" indent="-285750">
+              <a:lnSpc>
+                <a:spcPct val="150000"/>
+              </a:lnSpc>
+              <a:buFont typeface="Arial" panose="020B0604020202020204" pitchFamily="34" charset="0"/>
+              <a:buChar char="•"/>
+            </a:pPr>
+            <a:r>
+              <a:rPr lang="de-DE" dirty="0"/>
+              <a:t>Ausgewählte Abhängigkeiten werden direkt der pom.xml-Datei hinzugefügt</a:t>
+            </a:r>
+          </a:p>
+          <a:p>
+            <a:pPr marL="285750" indent="-285750">
+              <a:lnSpc>
+                <a:spcPct val="150000"/>
+              </a:lnSpc>
+              <a:buFont typeface="Arial" panose="020B0604020202020204" pitchFamily="34" charset="0"/>
+              <a:buChar char="•"/>
+            </a:pPr>
+            <a:r>
+              <a:rPr lang="de-DE" dirty="0"/>
+              <a:t>Generiert </a:t>
+            </a:r>
+            <a:r>
+              <a:rPr lang="de-DE" dirty="0" err="1"/>
+              <a:t>zip</a:t>
+            </a:r>
+            <a:r>
+              <a:rPr lang="de-DE" dirty="0"/>
+              <a:t>-Datei</a:t>
+            </a:r>
+          </a:p>
+        </p:txBody>
+      </p:sp>
     </p:spTree>
     <p:extLst>
       <p:ext uri="{BB962C8B-B14F-4D97-AF65-F5344CB8AC3E}">
-        <p14:creationId xmlns:p14="http://schemas.microsoft.com/office/powerpoint/2010/main" val="1091128885"/>
+        <p14:creationId xmlns:p14="http://schemas.microsoft.com/office/powerpoint/2010/main" val="770924148"/>
       </p:ext>
     </p:extLst>
   </p:cSld>
@@ -10549,7 +11735,7 @@
 </p:sld>
 </file>
 
-<file path=ppt/slides/slide22.xml><?xml version="1.0" encoding="utf-8"?>
+<file path=ppt/slides/slide26.xml><?xml version="1.0" encoding="utf-8"?>
 <p:sld xmlns:a="http://schemas.openxmlformats.org/drawingml/2006/main" xmlns:r="http://schemas.openxmlformats.org/officeDocument/2006/relationships" xmlns:p="http://schemas.openxmlformats.org/presentationml/2006/main">
   <p:cSld>
     <p:spTree>
@@ -10566,21 +11752,86 @@
           <a:chExt cx="0" cy="0"/>
         </a:xfrm>
       </p:grpSpPr>
+      <p:sp>
+        <p:nvSpPr>
+          <p:cNvPr id="13" name="Textplatzhalter 12">
+            <a:extLst>
+              <a:ext uri="{FF2B5EF4-FFF2-40B4-BE49-F238E27FC236}">
+                <a16:creationId xmlns:a16="http://schemas.microsoft.com/office/drawing/2014/main" id="{2E9B8AF9-CBEF-433F-8F57-2FB75A4D2B67}"/>
+              </a:ext>
+            </a:extLst>
+          </p:cNvPr>
+          <p:cNvSpPr>
+            <a:spLocks noGrp="1"/>
+          </p:cNvSpPr>
+          <p:nvPr>
+            <p:ph type="body" idx="1"/>
+          </p:nvPr>
+        </p:nvSpPr>
+        <p:spPr>
+          <a:xfrm>
+            <a:off x="1273545" y="817010"/>
+            <a:ext cx="4645152" cy="801943"/>
+          </a:xfrm>
+        </p:spPr>
+        <p:txBody>
+          <a:bodyPr/>
+          <a:lstStyle/>
+          <a:p>
+            <a:r>
+              <a:rPr lang="de-DE" dirty="0"/>
+              <a:t>pom.xml</a:t>
+            </a:r>
+          </a:p>
+        </p:txBody>
+      </p:sp>
+      <p:sp>
+        <p:nvSpPr>
+          <p:cNvPr id="15" name="Textplatzhalter 14">
+            <a:extLst>
+              <a:ext uri="{FF2B5EF4-FFF2-40B4-BE49-F238E27FC236}">
+                <a16:creationId xmlns:a16="http://schemas.microsoft.com/office/drawing/2014/main" id="{BF7B6605-F809-4FBA-BBA5-88D2946B4448}"/>
+              </a:ext>
+            </a:extLst>
+          </p:cNvPr>
+          <p:cNvSpPr>
+            <a:spLocks noGrp="1"/>
+          </p:cNvSpPr>
+          <p:nvPr>
+            <p:ph type="body" sz="quarter" idx="3"/>
+          </p:nvPr>
+        </p:nvSpPr>
+        <p:spPr>
+          <a:xfrm>
+            <a:off x="6199549" y="817010"/>
+            <a:ext cx="4645152" cy="802237"/>
+          </a:xfrm>
+        </p:spPr>
+        <p:txBody>
+          <a:bodyPr/>
+          <a:lstStyle/>
+          <a:p>
+            <a:r>
+              <a:rPr lang="de-DE" dirty="0" err="1"/>
+              <a:t>application.properties</a:t>
+            </a:r>
+            <a:endParaRPr lang="de-DE" dirty="0"/>
+          </a:p>
+        </p:txBody>
+      </p:sp>
       <p:pic>
         <p:nvPicPr>
-          <p:cNvPr id="5" name="Inhaltsplatzhalter 4">
-            <a:extLst>
-              <a:ext uri="{FF2B5EF4-FFF2-40B4-BE49-F238E27FC236}">
-                <a16:creationId xmlns:a16="http://schemas.microsoft.com/office/drawing/2014/main" id="{9D4AF9BA-3ADA-4A37-B635-7CF13AB93D41}"/>
+          <p:cNvPr id="18" name="Grafik 17">
+            <a:extLst>
+              <a:ext uri="{FF2B5EF4-FFF2-40B4-BE49-F238E27FC236}">
+                <a16:creationId xmlns:a16="http://schemas.microsoft.com/office/drawing/2014/main" id="{F961C61A-612D-40D1-AA85-626E254314AC}"/>
               </a:ext>
             </a:extLst>
           </p:cNvPr>
           <p:cNvPicPr>
-            <a:picLocks noGrp="1" noChangeAspect="1"/>
+            <a:picLocks noChangeAspect="1"/>
           </p:cNvPicPr>
-          <p:nvPr>
-            <p:ph idx="1"/>
-          </p:nvPr>
+          <p:nvPr/>
         </p:nvPicPr>
         <p:blipFill>
           <a:blip r:embed="rId2"/>
@@ -10590,363 +11841,20 @@
         </p:blipFill>
         <p:spPr>
           <a:xfrm>
-            <a:off x="752893" y="352927"/>
-            <a:ext cx="10686214" cy="5403142"/>
-          </a:xfrm>
+            <a:off x="515384" y="1726028"/>
+            <a:ext cx="3894157" cy="2347163"/>
+          </a:xfrm>
+          <a:prstGeom prst="rect">
+            <a:avLst/>
+          </a:prstGeom>
         </p:spPr>
       </p:pic>
-    </p:spTree>
-    <p:extLst>
-      <p:ext uri="{BB962C8B-B14F-4D97-AF65-F5344CB8AC3E}">
-        <p14:creationId xmlns:p14="http://schemas.microsoft.com/office/powerpoint/2010/main" val="2539127235"/>
-      </p:ext>
-    </p:extLst>
-  </p:cSld>
-  <p:clrMapOvr>
-    <a:masterClrMapping/>
-  </p:clrMapOvr>
-</p:sld>
-</file>
-
-<file path=ppt/slides/slide23.xml><?xml version="1.0" encoding="utf-8"?>
-<p:sld xmlns:a="http://schemas.openxmlformats.org/drawingml/2006/main" xmlns:r="http://schemas.openxmlformats.org/officeDocument/2006/relationships" xmlns:p="http://schemas.openxmlformats.org/presentationml/2006/main">
-  <p:cSld>
-    <p:bg>
-      <p:bgPr>
-        <a:gradFill rotWithShape="1">
-          <a:gsLst>
-            <a:gs pos="0">
-              <a:schemeClr val="bg2">
-                <a:tint val="94000"/>
-                <a:satMod val="80000"/>
-                <a:lumMod val="106000"/>
-              </a:schemeClr>
-            </a:gs>
-            <a:gs pos="100000">
-              <a:schemeClr val="bg2">
-                <a:shade val="80000"/>
-              </a:schemeClr>
-            </a:gs>
-          </a:gsLst>
-          <a:path path="circle">
-            <a:fillToRect l="43000" r="43000" b="100000"/>
-          </a:path>
-        </a:gradFill>
-        <a:effectLst/>
-      </p:bgPr>
-    </p:bg>
-    <p:spTree>
-      <p:nvGrpSpPr>
-        <p:cNvPr id="1" name=""/>
-        <p:cNvGrpSpPr/>
-        <p:nvPr/>
-      </p:nvGrpSpPr>
-      <p:grpSpPr>
-        <a:xfrm>
-          <a:off x="0" y="0"/>
-          <a:ext cx="0" cy="0"/>
-          <a:chOff x="0" y="0"/>
-          <a:chExt cx="0" cy="0"/>
-        </a:xfrm>
-      </p:grpSpPr>
-      <p:sp>
-        <p:nvSpPr>
-          <p:cNvPr id="12" name="Rectangle 11">
-            <a:extLst>
-              <a:ext uri="{FF2B5EF4-FFF2-40B4-BE49-F238E27FC236}">
-                <a16:creationId xmlns:a16="http://schemas.microsoft.com/office/drawing/2014/main" id="{2FAC8C30-93FA-4F99-80C4-C952D83A4950}"/>
-              </a:ext>
-              <a:ext uri="{C183D7F6-B498-43B3-948B-1728B52AA6E4}">
-                <adec:decorative xmlns:adec="http://schemas.microsoft.com/office/drawing/2017/decorative" val="1"/>
-              </a:ext>
-            </a:extLst>
-          </p:cNvPr>
-          <p:cNvSpPr>
-            <a:spLocks noGrp="1" noRot="1" noChangeAspect="1" noMove="1" noResize="1" noEditPoints="1" noAdjustHandles="1" noChangeArrowheads="1" noChangeShapeType="1" noTextEdit="1"/>
-          </p:cNvSpPr>
-          <p:nvPr>
-            <p:extLst>
-              <p:ext uri="{386F3935-93C4-4BCD-93E2-E3B085C9AB24}">
-                <p16:designElem xmlns:p16="http://schemas.microsoft.com/office/powerpoint/2015/main" val="1"/>
-              </p:ext>
-            </p:extLst>
-          </p:nvPr>
-        </p:nvSpPr>
-        <p:spPr>
-          <a:xfrm>
-            <a:off x="0" y="2019476"/>
-            <a:ext cx="12192000" cy="4105941"/>
-          </a:xfrm>
-          <a:prstGeom prst="rect">
-            <a:avLst/>
-          </a:prstGeom>
-          <a:gradFill flip="none" rotWithShape="1">
-            <a:gsLst>
-              <a:gs pos="0">
-                <a:schemeClr val="bg2">
-                  <a:alpha val="0"/>
-                </a:schemeClr>
-              </a:gs>
-              <a:gs pos="100000">
-                <a:schemeClr val="bg2"/>
-              </a:gs>
-            </a:gsLst>
-            <a:lin ang="5400000" scaled="0"/>
-            <a:tileRect/>
-          </a:gradFill>
-          <a:ln>
-            <a:noFill/>
-          </a:ln>
-        </p:spPr>
-        <p:style>
-          <a:lnRef idx="2">
-            <a:schemeClr val="accent1">
-              <a:shade val="50000"/>
-            </a:schemeClr>
-          </a:lnRef>
-          <a:fillRef idx="1">
-            <a:schemeClr val="accent1"/>
-          </a:fillRef>
-          <a:effectRef idx="0">
-            <a:schemeClr val="accent1"/>
-          </a:effectRef>
-          <a:fontRef idx="minor">
-            <a:schemeClr val="lt1"/>
-          </a:fontRef>
-        </p:style>
-      </p:sp>
       <p:pic>
         <p:nvPicPr>
-          <p:cNvPr id="14" name="Picture 13">
-            <a:extLst>
-              <a:ext uri="{FF2B5EF4-FFF2-40B4-BE49-F238E27FC236}">
-                <a16:creationId xmlns:a16="http://schemas.microsoft.com/office/drawing/2014/main" id="{F3ACDE2A-6BC1-4786-87B1-F7DA35351E7A}"/>
-              </a:ext>
-              <a:ext uri="{C183D7F6-B498-43B3-948B-1728B52AA6E4}">
-                <adec:decorative xmlns:adec="http://schemas.microsoft.com/office/drawing/2017/decorative" val="1"/>
-              </a:ext>
-            </a:extLst>
-          </p:cNvPr>
-          <p:cNvPicPr>
-            <a:picLocks noGrp="1" noRot="1" noChangeAspect="1" noMove="1" noResize="1" noEditPoints="1" noAdjustHandles="1" noChangeArrowheads="1" noChangeShapeType="1" noCrop="1"/>
-          </p:cNvPicPr>
-          <p:nvPr>
-            <p:extLst>
-              <p:ext uri="{386F3935-93C4-4BCD-93E2-E3B085C9AB24}">
-                <p16:designElem xmlns:p16="http://schemas.microsoft.com/office/powerpoint/2015/main" val="1"/>
-              </p:ext>
-            </p:extLst>
-          </p:nvPr>
-        </p:nvPicPr>
-        <p:blipFill rotWithShape="1">
-          <a:blip r:embed="rId2">
-            <a:extLst>
-              <a:ext uri="{28A0092B-C50C-407E-A947-70E740481C1C}">
-                <a14:useLocalDpi xmlns:a14="http://schemas.microsoft.com/office/drawing/2010/main" val="0"/>
-              </a:ext>
-            </a:extLst>
-          </a:blip>
-          <a:srcRect t="1538" b="-1538"/>
-          <a:stretch/>
-        </p:blipFill>
-        <p:spPr bwMode="black">
-          <a:xfrm>
-            <a:off x="0" y="6126480"/>
-            <a:ext cx="12192000" cy="742950"/>
-          </a:xfrm>
-          <a:prstGeom prst="rect">
-            <a:avLst/>
-          </a:prstGeom>
-        </p:spPr>
-      </p:pic>
-      <p:cxnSp>
-        <p:nvCxnSpPr>
-          <p:cNvPr id="16" name="Straight Connector 15">
-            <a:extLst>
-              <a:ext uri="{FF2B5EF4-FFF2-40B4-BE49-F238E27FC236}">
-                <a16:creationId xmlns:a16="http://schemas.microsoft.com/office/drawing/2014/main" id="{0A2CC8B5-9886-4AFA-BE09-6178A4ED301A}"/>
-              </a:ext>
-              <a:ext uri="{C183D7F6-B498-43B3-948B-1728B52AA6E4}">
-                <adec:decorative xmlns:adec="http://schemas.microsoft.com/office/drawing/2017/decorative" val="1"/>
-              </a:ext>
-            </a:extLst>
-          </p:cNvPr>
-          <p:cNvCxnSpPr>
-            <a:cxnSpLocks noGrp="1" noRot="1" noChangeAspect="1" noMove="1" noResize="1" noEditPoints="1" noAdjustHandles="1" noChangeArrowheads="1" noChangeShapeType="1"/>
-          </p:cNvCxnSpPr>
-          <p:nvPr>
-            <p:extLst>
-              <p:ext uri="{386F3935-93C4-4BCD-93E2-E3B085C9AB24}">
-                <p16:designElem xmlns:p16="http://schemas.microsoft.com/office/powerpoint/2015/main" val="1"/>
-              </p:ext>
-            </p:extLst>
-          </p:nvPr>
-        </p:nvCxnSpPr>
-        <p:spPr>
-          <a:xfrm>
-            <a:off x="0" y="6128413"/>
-            <a:ext cx="12192000" cy="0"/>
-          </a:xfrm>
-          <a:prstGeom prst="line">
-            <a:avLst/>
-          </a:prstGeom>
-          <a:ln w="12700">
-            <a:solidFill>
-              <a:srgbClr val="000001">
-                <a:alpha val="20000"/>
-              </a:srgbClr>
-            </a:solidFill>
-          </a:ln>
-        </p:spPr>
-        <p:style>
-          <a:lnRef idx="1">
-            <a:schemeClr val="accent1"/>
-          </a:lnRef>
-          <a:fillRef idx="0">
-            <a:schemeClr val="accent1"/>
-          </a:fillRef>
-          <a:effectRef idx="0">
-            <a:schemeClr val="accent1"/>
-          </a:effectRef>
-          <a:fontRef idx="minor">
-            <a:schemeClr val="tx1"/>
-          </a:fontRef>
-        </p:style>
-      </p:cxnSp>
-      <p:sp useBgFill="1">
-        <p:nvSpPr>
-          <p:cNvPr id="18" name="Rectangle 17">
-            <a:extLst>
-              <a:ext uri="{FF2B5EF4-FFF2-40B4-BE49-F238E27FC236}">
-                <a16:creationId xmlns:a16="http://schemas.microsoft.com/office/drawing/2014/main" id="{87F32A0E-05A0-47B4-AA1E-84704ACC636B}"/>
-              </a:ext>
-              <a:ext uri="{C183D7F6-B498-43B3-948B-1728B52AA6E4}">
-                <adec:decorative xmlns:adec="http://schemas.microsoft.com/office/drawing/2017/decorative" val="1"/>
-              </a:ext>
-            </a:extLst>
-          </p:cNvPr>
-          <p:cNvSpPr>
-            <a:spLocks noGrp="1" noRot="1" noChangeAspect="1" noMove="1" noResize="1" noEditPoints="1" noAdjustHandles="1" noChangeArrowheads="1" noChangeShapeType="1" noTextEdit="1"/>
-          </p:cNvSpPr>
-          <p:nvPr>
-            <p:extLst>
-              <p:ext uri="{386F3935-93C4-4BCD-93E2-E3B085C9AB24}">
-                <p16:designElem xmlns:p16="http://schemas.microsoft.com/office/powerpoint/2015/main" val="1"/>
-              </p:ext>
-            </p:extLst>
-          </p:nvPr>
-        </p:nvSpPr>
-        <p:spPr>
-          <a:xfrm>
-            <a:off x="0" y="0"/>
-            <a:ext cx="12192000" cy="6858000"/>
-          </a:xfrm>
-          <a:prstGeom prst="rect">
-            <a:avLst/>
-          </a:prstGeom>
-          <a:ln>
-            <a:noFill/>
-          </a:ln>
-        </p:spPr>
-        <p:style>
-          <a:lnRef idx="2">
-            <a:schemeClr val="accent1">
-              <a:shade val="50000"/>
-            </a:schemeClr>
-          </a:lnRef>
-          <a:fillRef idx="1">
-            <a:schemeClr val="accent1"/>
-          </a:fillRef>
-          <a:effectRef idx="0">
-            <a:schemeClr val="accent1"/>
-          </a:effectRef>
-          <a:fontRef idx="minor">
-            <a:schemeClr val="lt1"/>
-          </a:fontRef>
-        </p:style>
-        <p:txBody>
-          <a:bodyPr rtlCol="0" anchor="ctr"/>
-          <a:lstStyle/>
-          <a:p>
-            <a:pPr algn="ctr"/>
-            <a:endParaRPr lang="en-US"/>
-          </a:p>
-        </p:txBody>
-      </p:sp>
-      <p:sp>
-        <p:nvSpPr>
-          <p:cNvPr id="20" name="Rectangle 19">
-            <a:extLst>
-              <a:ext uri="{FF2B5EF4-FFF2-40B4-BE49-F238E27FC236}">
-                <a16:creationId xmlns:a16="http://schemas.microsoft.com/office/drawing/2014/main" id="{6A731EC3-9556-4509-8379-DDBE0D4EB23A}"/>
-              </a:ext>
-              <a:ext uri="{C183D7F6-B498-43B3-948B-1728B52AA6E4}">
-                <adec:decorative xmlns:adec="http://schemas.microsoft.com/office/drawing/2017/decorative" val="1"/>
-              </a:ext>
-            </a:extLst>
-          </p:cNvPr>
-          <p:cNvSpPr>
-            <a:spLocks noGrp="1" noRot="1" noChangeAspect="1" noMove="1" noResize="1" noEditPoints="1" noAdjustHandles="1" noChangeArrowheads="1" noChangeShapeType="1" noTextEdit="1"/>
-          </p:cNvSpPr>
-          <p:nvPr>
-            <p:extLst>
-              <p:ext uri="{386F3935-93C4-4BCD-93E2-E3B085C9AB24}">
-                <p16:designElem xmlns:p16="http://schemas.microsoft.com/office/powerpoint/2015/main" val="1"/>
-              </p:ext>
-            </p:extLst>
-          </p:nvPr>
-        </p:nvSpPr>
-        <p:spPr>
-          <a:xfrm>
-            <a:off x="477012" y="480060"/>
-            <a:ext cx="11237976" cy="5897880"/>
-          </a:xfrm>
-          <a:prstGeom prst="rect">
-            <a:avLst/>
-          </a:prstGeom>
-          <a:solidFill>
-            <a:srgbClr val="FFFFFF"/>
-          </a:solidFill>
-          <a:ln w="22225">
-            <a:solidFill>
-              <a:schemeClr val="tx1">
-                <a:lumMod val="50000"/>
-                <a:lumOff val="50000"/>
-              </a:schemeClr>
-            </a:solidFill>
-          </a:ln>
-        </p:spPr>
-        <p:style>
-          <a:lnRef idx="2">
-            <a:schemeClr val="accent1">
-              <a:shade val="50000"/>
-            </a:schemeClr>
-          </a:lnRef>
-          <a:fillRef idx="1">
-            <a:schemeClr val="accent1"/>
-          </a:fillRef>
-          <a:effectRef idx="0">
-            <a:schemeClr val="accent1"/>
-          </a:effectRef>
-          <a:fontRef idx="minor">
-            <a:schemeClr val="lt1"/>
-          </a:fontRef>
-        </p:style>
-        <p:txBody>
-          <a:bodyPr rtlCol="0" anchor="ctr"/>
-          <a:lstStyle/>
-          <a:p>
-            <a:pPr algn="ctr"/>
-            <a:endParaRPr lang="en-US"/>
-          </a:p>
-        </p:txBody>
-      </p:sp>
-      <p:pic>
-        <p:nvPicPr>
-          <p:cNvPr id="7" name="Grafik 6">
-            <a:extLst>
-              <a:ext uri="{FF2B5EF4-FFF2-40B4-BE49-F238E27FC236}">
-                <a16:creationId xmlns:a16="http://schemas.microsoft.com/office/drawing/2014/main" id="{400DDE1E-37E3-4059-BEB8-B94359E86E54}"/>
+          <p:cNvPr id="3" name="Grafik 2">
+            <a:extLst>
+              <a:ext uri="{FF2B5EF4-FFF2-40B4-BE49-F238E27FC236}">
+                <a16:creationId xmlns:a16="http://schemas.microsoft.com/office/drawing/2014/main" id="{88E68303-8A19-4CE4-A23F-CE831E69BBB3}"/>
               </a:ext>
             </a:extLst>
           </p:cNvPr>
@@ -10963,48 +11871,144 @@
         </p:blipFill>
         <p:spPr>
           <a:xfrm>
-            <a:off x="7425925" y="528677"/>
-            <a:ext cx="3784949" cy="5756578"/>
+            <a:off x="5345551" y="1718407"/>
+            <a:ext cx="5486875" cy="1181202"/>
           </a:xfrm>
           <a:prstGeom prst="rect">
             <a:avLst/>
           </a:prstGeom>
         </p:spPr>
       </p:pic>
-      <p:pic>
-        <p:nvPicPr>
-          <p:cNvPr id="5" name="Grafik 4">
-            <a:extLst>
-              <a:ext uri="{FF2B5EF4-FFF2-40B4-BE49-F238E27FC236}">
-                <a16:creationId xmlns:a16="http://schemas.microsoft.com/office/drawing/2014/main" id="{EBC69548-A328-4554-9F93-5C72D002E3B4}"/>
-              </a:ext>
-            </a:extLst>
-          </p:cNvPr>
-          <p:cNvPicPr>
-            <a:picLocks noChangeAspect="1"/>
-          </p:cNvPicPr>
+      <p:sp>
+        <p:nvSpPr>
+          <p:cNvPr id="2" name="Textfeld 1">
+            <a:extLst>
+              <a:ext uri="{FF2B5EF4-FFF2-40B4-BE49-F238E27FC236}">
+                <a16:creationId xmlns:a16="http://schemas.microsoft.com/office/drawing/2014/main" id="{2ACF7699-04C2-48EF-BAC3-1BF36C9E34F8}"/>
+              </a:ext>
+            </a:extLst>
+          </p:cNvPr>
+          <p:cNvSpPr txBox="1"/>
           <p:nvPr/>
-        </p:nvPicPr>
-        <p:blipFill>
-          <a:blip r:embed="rId4"/>
-          <a:stretch>
-            <a:fillRect/>
-          </a:stretch>
-        </p:blipFill>
-        <p:spPr>
-          <a:xfrm>
-            <a:off x="751976" y="1336035"/>
-            <a:ext cx="6435443" cy="4038239"/>
+        </p:nvSpPr>
+        <p:spPr>
+          <a:xfrm>
+            <a:off x="515384" y="4211053"/>
+            <a:ext cx="3894157" cy="1200329"/>
           </a:xfrm>
           <a:prstGeom prst="rect">
             <a:avLst/>
           </a:prstGeom>
-        </p:spPr>
-      </p:pic>
+          <a:noFill/>
+        </p:spPr>
+        <p:txBody>
+          <a:bodyPr wrap="square" rtlCol="0">
+            <a:spAutoFit/>
+          </a:bodyPr>
+          <a:lstStyle/>
+          <a:p>
+            <a:pPr marL="285750" indent="-285750">
+              <a:buFont typeface="Arial" panose="020B0604020202020204" pitchFamily="34" charset="0"/>
+              <a:buChar char="•"/>
+            </a:pPr>
+            <a:r>
+              <a:rPr lang="de-DE" dirty="0"/>
+              <a:t>Project </a:t>
+            </a:r>
+            <a:r>
+              <a:rPr lang="de-DE" dirty="0" err="1"/>
+              <a:t>Object</a:t>
+            </a:r>
+            <a:r>
+              <a:rPr lang="de-DE" dirty="0"/>
+              <a:t> Model</a:t>
+            </a:r>
+          </a:p>
+          <a:p>
+            <a:pPr marL="285750" indent="-285750">
+              <a:buFont typeface="Arial" panose="020B0604020202020204" pitchFamily="34" charset="0"/>
+              <a:buChar char="•"/>
+            </a:pPr>
+            <a:r>
+              <a:rPr lang="de-DE" dirty="0"/>
+              <a:t>Konfiguration des Projektes </a:t>
+            </a:r>
+          </a:p>
+          <a:p>
+            <a:pPr marL="742950" lvl="1" indent="-285750">
+              <a:buFont typeface="Arial" panose="020B0604020202020204" pitchFamily="34" charset="0"/>
+              <a:buChar char="•"/>
+            </a:pPr>
+            <a:r>
+              <a:rPr lang="de-DE" dirty="0"/>
+              <a:t>Abhängigkeiten</a:t>
+            </a:r>
+          </a:p>
+          <a:p>
+            <a:pPr marL="742950" lvl="1" indent="-285750">
+              <a:buFont typeface="Arial" panose="020B0604020202020204" pitchFamily="34" charset="0"/>
+              <a:buChar char="•"/>
+            </a:pPr>
+            <a:r>
+              <a:rPr lang="de-DE" dirty="0"/>
+              <a:t>Projektdetails</a:t>
+            </a:r>
+          </a:p>
+        </p:txBody>
+      </p:sp>
+      <p:sp>
+        <p:nvSpPr>
+          <p:cNvPr id="4" name="Textfeld 3">
+            <a:extLst>
+              <a:ext uri="{FF2B5EF4-FFF2-40B4-BE49-F238E27FC236}">
+                <a16:creationId xmlns:a16="http://schemas.microsoft.com/office/drawing/2014/main" id="{FA669660-EE14-4B53-B3F7-90D3D04D6C0C}"/>
+              </a:ext>
+            </a:extLst>
+          </p:cNvPr>
+          <p:cNvSpPr txBox="1"/>
+          <p:nvPr/>
+        </p:nvSpPr>
+        <p:spPr>
+          <a:xfrm>
+            <a:off x="5345551" y="3059668"/>
+            <a:ext cx="5499150" cy="646331"/>
+          </a:xfrm>
+          <a:prstGeom prst="rect">
+            <a:avLst/>
+          </a:prstGeom>
+          <a:noFill/>
+        </p:spPr>
+        <p:txBody>
+          <a:bodyPr wrap="square" rtlCol="0">
+            <a:spAutoFit/>
+          </a:bodyPr>
+          <a:lstStyle/>
+          <a:p>
+            <a:pPr marL="285750" indent="-285750">
+              <a:buFont typeface="Arial" panose="020B0604020202020204" pitchFamily="34" charset="0"/>
+              <a:buChar char="•"/>
+            </a:pPr>
+            <a:r>
+              <a:rPr lang="de-DE" dirty="0"/>
+              <a:t>Eigenschaften des Projektes</a:t>
+            </a:r>
+          </a:p>
+          <a:p>
+            <a:pPr marL="742950" lvl="1" indent="-285750">
+              <a:buFont typeface="Arial" panose="020B0604020202020204" pitchFamily="34" charset="0"/>
+              <a:buChar char="•"/>
+            </a:pPr>
+            <a:r>
+              <a:rPr lang="de-DE" dirty="0"/>
+              <a:t>zum Beispiel Datenbankanbindung</a:t>
+            </a:r>
+          </a:p>
+        </p:txBody>
+      </p:sp>
     </p:spTree>
     <p:extLst>
       <p:ext uri="{BB962C8B-B14F-4D97-AF65-F5344CB8AC3E}">
-        <p14:creationId xmlns:p14="http://schemas.microsoft.com/office/powerpoint/2010/main" val="847651509"/>
+        <p14:creationId xmlns:p14="http://schemas.microsoft.com/office/powerpoint/2010/main" val="351207113"/>
       </p:ext>
     </p:extLst>
   </p:cSld>
@@ -11014,7 +12018,7 @@
 </p:sld>
 </file>
 
-<file path=ppt/slides/slide24.xml><?xml version="1.0" encoding="utf-8"?>
+<file path=ppt/slides/slide27.xml><?xml version="1.0" encoding="utf-8"?>
 <p:sld xmlns:a="http://schemas.openxmlformats.org/drawingml/2006/main" xmlns:r="http://schemas.openxmlformats.org/officeDocument/2006/relationships" xmlns:p="http://schemas.openxmlformats.org/presentationml/2006/main">
   <p:cSld>
     <p:bg>
@@ -11056,373 +12060,12 @@
           <a:chExt cx="0" cy="0"/>
         </a:xfrm>
       </p:grpSpPr>
-      <p:pic>
-        <p:nvPicPr>
-          <p:cNvPr id="12" name="Picture 11">
-            <a:extLst>
-              <a:ext uri="{FF2B5EF4-FFF2-40B4-BE49-F238E27FC236}">
-                <a16:creationId xmlns:a16="http://schemas.microsoft.com/office/drawing/2014/main" id="{E8690AC4-C9C4-4944-A98C-B1D32992D60B}"/>
-              </a:ext>
-              <a:ext uri="{C183D7F6-B498-43B3-948B-1728B52AA6E4}">
-                <adec:decorative xmlns:adec="http://schemas.microsoft.com/office/drawing/2017/decorative" val="1"/>
-              </a:ext>
-            </a:extLst>
-          </p:cNvPr>
-          <p:cNvPicPr>
-            <a:picLocks noGrp="1" noRot="1" noChangeAspect="1" noMove="1" noResize="1" noEditPoints="1" noAdjustHandles="1" noChangeArrowheads="1" noChangeShapeType="1" noCrop="1"/>
-          </p:cNvPicPr>
-          <p:nvPr>
-            <p:extLst>
-              <p:ext uri="{386F3935-93C4-4BCD-93E2-E3B085C9AB24}">
-                <p16:designElem xmlns:p16="http://schemas.microsoft.com/office/powerpoint/2015/main" val="1"/>
-              </p:ext>
-            </p:extLst>
-          </p:nvPr>
-        </p:nvPicPr>
-        <p:blipFill rotWithShape="1">
-          <a:blip r:embed="rId2">
-            <a:extLst>
-              <a:ext uri="{28A0092B-C50C-407E-A947-70E740481C1C}">
-                <a14:useLocalDpi xmlns:a14="http://schemas.microsoft.com/office/drawing/2010/main" val="0"/>
-              </a:ext>
-            </a:extLst>
-          </a:blip>
-          <a:srcRect t="1538" b="-1538"/>
-          <a:stretch/>
-        </p:blipFill>
-        <p:spPr>
-          <a:xfrm>
-            <a:off x="0" y="6119336"/>
-            <a:ext cx="12192000" cy="742950"/>
-          </a:xfrm>
-          <a:prstGeom prst="rect">
-            <a:avLst/>
-          </a:prstGeom>
-        </p:spPr>
-      </p:pic>
       <p:sp>
         <p:nvSpPr>
-          <p:cNvPr id="14" name="Rectangle 13">
-            <a:extLst>
-              <a:ext uri="{FF2B5EF4-FFF2-40B4-BE49-F238E27FC236}">
-                <a16:creationId xmlns:a16="http://schemas.microsoft.com/office/drawing/2014/main" id="{86F828BE-4D4E-43F9-AC35-0209B5190C05}"/>
-              </a:ext>
-              <a:ext uri="{C183D7F6-B498-43B3-948B-1728B52AA6E4}">
-                <adec:decorative xmlns:adec="http://schemas.microsoft.com/office/drawing/2017/decorative" val="1"/>
-              </a:ext>
-            </a:extLst>
-          </p:cNvPr>
-          <p:cNvSpPr>
-            <a:spLocks noGrp="1" noRot="1" noChangeAspect="1" noMove="1" noResize="1" noEditPoints="1" noAdjustHandles="1" noChangeArrowheads="1" noChangeShapeType="1" noTextEdit="1"/>
-          </p:cNvSpPr>
-          <p:nvPr>
-            <p:extLst>
-              <p:ext uri="{386F3935-93C4-4BCD-93E2-E3B085C9AB24}">
-                <p16:designElem xmlns:p16="http://schemas.microsoft.com/office/powerpoint/2015/main" val="1"/>
-              </p:ext>
-            </p:extLst>
-          </p:nvPr>
-        </p:nvSpPr>
-        <p:spPr>
-          <a:xfrm>
-            <a:off x="0" y="468769"/>
-            <a:ext cx="12192000" cy="5647024"/>
-          </a:xfrm>
-          <a:prstGeom prst="rect">
-            <a:avLst/>
-          </a:prstGeom>
-          <a:gradFill flip="none" rotWithShape="1">
-            <a:gsLst>
-              <a:gs pos="0">
-                <a:schemeClr val="bg2">
-                  <a:alpha val="0"/>
-                  <a:lumMod val="100000"/>
-                </a:schemeClr>
-              </a:gs>
-              <a:gs pos="100000">
-                <a:schemeClr val="bg2">
-                  <a:lumMod val="95000"/>
-                  <a:lumOff val="5000"/>
-                </a:schemeClr>
-              </a:gs>
-            </a:gsLst>
-            <a:lin ang="5400000" scaled="0"/>
-            <a:tileRect/>
-          </a:gradFill>
-          <a:ln>
-            <a:noFill/>
-          </a:ln>
-        </p:spPr>
-        <p:style>
-          <a:lnRef idx="2">
-            <a:schemeClr val="accent1">
-              <a:shade val="50000"/>
-            </a:schemeClr>
-          </a:lnRef>
-          <a:fillRef idx="1">
-            <a:schemeClr val="accent1"/>
-          </a:fillRef>
-          <a:effectRef idx="0">
-            <a:schemeClr val="accent1"/>
-          </a:effectRef>
-          <a:fontRef idx="minor">
-            <a:schemeClr val="lt1"/>
-          </a:fontRef>
-        </p:style>
-      </p:sp>
-      <p:cxnSp>
-        <p:nvCxnSpPr>
-          <p:cNvPr id="16" name="Straight Connector 15">
-            <a:extLst>
-              <a:ext uri="{FF2B5EF4-FFF2-40B4-BE49-F238E27FC236}">
-                <a16:creationId xmlns:a16="http://schemas.microsoft.com/office/drawing/2014/main" id="{10BAB604-20D4-431F-ADD8-754BB7992A43}"/>
-              </a:ext>
-              <a:ext uri="{C183D7F6-B498-43B3-948B-1728B52AA6E4}">
-                <adec:decorative xmlns:adec="http://schemas.microsoft.com/office/drawing/2017/decorative" val="1"/>
-              </a:ext>
-            </a:extLst>
-          </p:cNvPr>
-          <p:cNvCxnSpPr>
-            <a:cxnSpLocks noGrp="1" noRot="1" noChangeAspect="1" noMove="1" noResize="1" noEditPoints="1" noAdjustHandles="1" noChangeArrowheads="1" noChangeShapeType="1"/>
-          </p:cNvCxnSpPr>
-          <p:nvPr>
-            <p:extLst>
-              <p:ext uri="{386F3935-93C4-4BCD-93E2-E3B085C9AB24}">
-                <p16:designElem xmlns:p16="http://schemas.microsoft.com/office/powerpoint/2015/main" val="1"/>
-              </p:ext>
-            </p:extLst>
-          </p:nvPr>
-        </p:nvCxnSpPr>
-        <p:spPr>
-          <a:xfrm>
-            <a:off x="0" y="6121269"/>
-            <a:ext cx="12192000" cy="0"/>
-          </a:xfrm>
-          <a:prstGeom prst="line">
-            <a:avLst/>
-          </a:prstGeom>
-          <a:ln w="12700">
-            <a:solidFill>
-              <a:srgbClr val="000001">
-                <a:alpha val="20000"/>
-              </a:srgbClr>
-            </a:solidFill>
-          </a:ln>
-        </p:spPr>
-        <p:style>
-          <a:lnRef idx="1">
-            <a:schemeClr val="accent1"/>
-          </a:lnRef>
-          <a:fillRef idx="0">
-            <a:schemeClr val="accent1"/>
-          </a:fillRef>
-          <a:effectRef idx="0">
-            <a:schemeClr val="accent1"/>
-          </a:effectRef>
-          <a:fontRef idx="minor">
-            <a:schemeClr val="tx1"/>
-          </a:fontRef>
-        </p:style>
-      </p:cxnSp>
-      <p:pic>
-        <p:nvPicPr>
-          <p:cNvPr id="18" name="Picture 17">
-            <a:extLst>
-              <a:ext uri="{FF2B5EF4-FFF2-40B4-BE49-F238E27FC236}">
-                <a16:creationId xmlns:a16="http://schemas.microsoft.com/office/drawing/2014/main" id="{C821979E-9A93-4880-80B5-D60B75C19185}"/>
-              </a:ext>
-              <a:ext uri="{C183D7F6-B498-43B3-948B-1728B52AA6E4}">
-                <adec:decorative xmlns:adec="http://schemas.microsoft.com/office/drawing/2017/decorative" val="1"/>
-              </a:ext>
-            </a:extLst>
-          </p:cNvPr>
-          <p:cNvPicPr>
-            <a:picLocks noGrp="1" noRot="1" noChangeAspect="1" noMove="1" noResize="1" noEditPoints="1" noAdjustHandles="1" noChangeArrowheads="1" noChangeShapeType="1" noCrop="1"/>
-          </p:cNvPicPr>
-          <p:nvPr>
-            <p:extLst>
-              <p:ext uri="{386F3935-93C4-4BCD-93E2-E3B085C9AB24}">
-                <p16:designElem xmlns:p16="http://schemas.microsoft.com/office/powerpoint/2015/main" val="1"/>
-              </p:ext>
-            </p:extLst>
-          </p:nvPr>
-        </p:nvPicPr>
-        <p:blipFill rotWithShape="1">
-          <a:blip r:embed="rId3">
-            <a:duotone>
-              <a:schemeClr val="accent1">
-                <a:shade val="45000"/>
-                <a:satMod val="135000"/>
-              </a:schemeClr>
-              <a:prstClr val="white"/>
-            </a:duotone>
-            <a:extLst>
-              <a:ext uri="{28A0092B-C50C-407E-A947-70E740481C1C}">
-                <a14:useLocalDpi xmlns:a14="http://schemas.microsoft.com/office/drawing/2010/main" val="0"/>
-              </a:ext>
-            </a:extLst>
-          </a:blip>
-          <a:srcRect l="-115" r="15828" b="36435"/>
-          <a:stretch/>
-        </p:blipFill>
-        <p:spPr>
-          <a:xfrm>
-            <a:off x="1125460" y="643464"/>
-            <a:ext cx="9610344" cy="155448"/>
-          </a:xfrm>
-          <a:prstGeom prst="rect">
-            <a:avLst/>
-          </a:prstGeom>
-          <a:noFill/>
-          <a:ln>
-            <a:noFill/>
-          </a:ln>
-        </p:spPr>
-      </p:pic>
-      <p:sp useBgFill="1">
-        <p:nvSpPr>
-          <p:cNvPr id="20" name="Rectangle 19">
-            <a:extLst>
-              <a:ext uri="{FF2B5EF4-FFF2-40B4-BE49-F238E27FC236}">
-                <a16:creationId xmlns:a16="http://schemas.microsoft.com/office/drawing/2014/main" id="{CED21F42-BCA5-4F32-9FC2-65B6667FBBBC}"/>
-              </a:ext>
-              <a:ext uri="{C183D7F6-B498-43B3-948B-1728B52AA6E4}">
-                <adec:decorative xmlns:adec="http://schemas.microsoft.com/office/drawing/2017/decorative" val="1"/>
-              </a:ext>
-            </a:extLst>
-          </p:cNvPr>
-          <p:cNvSpPr>
-            <a:spLocks noGrp="1" noRot="1" noChangeAspect="1" noMove="1" noResize="1" noEditPoints="1" noAdjustHandles="1" noChangeArrowheads="1" noChangeShapeType="1" noTextEdit="1"/>
-          </p:cNvSpPr>
-          <p:nvPr>
-            <p:extLst>
-              <p:ext uri="{386F3935-93C4-4BCD-93E2-E3B085C9AB24}">
-                <p16:designElem xmlns:p16="http://schemas.microsoft.com/office/powerpoint/2015/main" val="1"/>
-              </p:ext>
-            </p:extLst>
-          </p:nvPr>
-        </p:nvSpPr>
-        <p:spPr>
-          <a:xfrm>
-            <a:off x="2" y="0"/>
-            <a:ext cx="12191695" cy="6858000"/>
-          </a:xfrm>
-          <a:prstGeom prst="rect">
-            <a:avLst/>
-          </a:prstGeom>
-          <a:ln>
-            <a:noFill/>
-          </a:ln>
-        </p:spPr>
-        <p:style>
-          <a:lnRef idx="2">
-            <a:schemeClr val="accent1">
-              <a:shade val="50000"/>
-            </a:schemeClr>
-          </a:lnRef>
-          <a:fillRef idx="1">
-            <a:schemeClr val="accent1"/>
-          </a:fillRef>
-          <a:effectRef idx="0">
-            <a:schemeClr val="accent1"/>
-          </a:effectRef>
-          <a:fontRef idx="minor">
-            <a:schemeClr val="lt1"/>
-          </a:fontRef>
-        </p:style>
-        <p:txBody>
-          <a:bodyPr rtlCol="0" anchor="ctr"/>
-          <a:lstStyle/>
-          <a:p>
-            <a:pPr algn="ctr"/>
-            <a:endParaRPr lang="en-US"/>
-          </a:p>
-        </p:txBody>
-      </p:sp>
-      <p:sp>
-        <p:nvSpPr>
-          <p:cNvPr id="22" name="Rectangle 21">
-            <a:extLst>
-              <a:ext uri="{FF2B5EF4-FFF2-40B4-BE49-F238E27FC236}">
-                <a16:creationId xmlns:a16="http://schemas.microsoft.com/office/drawing/2014/main" id="{98D5A76E-C240-4528-8F2D-E93F24F46011}"/>
-              </a:ext>
-              <a:ext uri="{C183D7F6-B498-43B3-948B-1728B52AA6E4}">
-                <adec:decorative xmlns:adec="http://schemas.microsoft.com/office/drawing/2017/decorative" val="1"/>
-              </a:ext>
-            </a:extLst>
-          </p:cNvPr>
-          <p:cNvSpPr>
-            <a:spLocks noGrp="1" noRot="1" noChangeAspect="1" noMove="1" noResize="1" noEditPoints="1" noAdjustHandles="1" noChangeArrowheads="1" noChangeShapeType="1" noTextEdit="1"/>
-          </p:cNvSpPr>
-          <p:nvPr>
-            <p:extLst>
-              <p:ext uri="{386F3935-93C4-4BCD-93E2-E3B085C9AB24}">
-                <p16:designElem xmlns:p16="http://schemas.microsoft.com/office/powerpoint/2015/main" val="1"/>
-              </p:ext>
-            </p:extLst>
-          </p:nvPr>
-        </p:nvSpPr>
-        <p:spPr>
-          <a:xfrm>
-            <a:off x="0" y="468769"/>
-            <a:ext cx="12192000" cy="5647024"/>
-          </a:xfrm>
-          <a:prstGeom prst="rect">
-            <a:avLst/>
-          </a:prstGeom>
-          <a:gradFill flip="none" rotWithShape="1">
-            <a:gsLst>
-              <a:gs pos="0">
-                <a:schemeClr val="bg2">
-                  <a:alpha val="0"/>
-                  <a:lumMod val="100000"/>
-                </a:schemeClr>
-              </a:gs>
-              <a:gs pos="100000">
-                <a:schemeClr val="bg2">
-                  <a:lumMod val="95000"/>
-                  <a:lumOff val="5000"/>
-                </a:schemeClr>
-              </a:gs>
-            </a:gsLst>
-            <a:lin ang="5400000" scaled="0"/>
-            <a:tileRect/>
-          </a:gradFill>
-          <a:ln>
-            <a:noFill/>
-          </a:ln>
-        </p:spPr>
-        <p:style>
-          <a:lnRef idx="2">
-            <a:schemeClr val="accent1">
-              <a:shade val="50000"/>
-            </a:schemeClr>
-          </a:lnRef>
-          <a:fillRef idx="1">
-            <a:schemeClr val="accent1"/>
-          </a:fillRef>
-          <a:effectRef idx="0">
-            <a:schemeClr val="accent1"/>
-          </a:effectRef>
-          <a:fontRef idx="minor">
-            <a:schemeClr val="lt1"/>
-          </a:fontRef>
-        </p:style>
-        <p:txBody>
-          <a:bodyPr rtlCol="0" anchor="ctr"/>
-          <a:lstStyle/>
-          <a:p>
-            <a:pPr algn="ctr"/>
-            <a:endParaRPr lang="en-US"/>
-          </a:p>
-        </p:txBody>
-      </p:sp>
-      <p:sp>
-        <p:nvSpPr>
           <p:cNvPr id="2" name="Titel 1">
             <a:extLst>
               <a:ext uri="{FF2B5EF4-FFF2-40B4-BE49-F238E27FC236}">
-                <a16:creationId xmlns:a16="http://schemas.microsoft.com/office/drawing/2014/main" id="{5D29DEF5-8714-46EE-9AB5-0045C2688898}"/>
+                <a16:creationId xmlns:a16="http://schemas.microsoft.com/office/drawing/2014/main" id="{4FC79BFD-AA51-4C25-9E23-362F1570ACBE}"/>
               </a:ext>
             </a:extLst>
           </p:cNvPr>
@@ -11435,272 +12078,29 @@
         </p:nvSpPr>
         <p:spPr>
           <a:xfrm>
-            <a:off x="1125633" y="984900"/>
-            <a:ext cx="5861378" cy="2410233"/>
+            <a:off x="1130270" y="953324"/>
+            <a:ext cx="9603275" cy="1049235"/>
           </a:xfrm>
         </p:spPr>
         <p:txBody>
-          <a:bodyPr vert="horz" lIns="91440" tIns="45720" rIns="91440" bIns="0" rtlCol="0" anchor="b">
+          <a:bodyPr>
             <a:normAutofit/>
           </a:bodyPr>
           <a:lstStyle/>
           <a:p>
             <a:r>
-              <a:rPr lang="en-US" sz="5400"/>
-              <a:t>Back-End</a:t>
+              <a:rPr lang="de-DE" dirty="0"/>
+              <a:t>Repository</a:t>
             </a:r>
           </a:p>
         </p:txBody>
       </p:sp>
-      <p:pic>
-        <p:nvPicPr>
-          <p:cNvPr id="24" name="Picture 23">
-            <a:extLst>
-              <a:ext uri="{FF2B5EF4-FFF2-40B4-BE49-F238E27FC236}">
-                <a16:creationId xmlns:a16="http://schemas.microsoft.com/office/drawing/2014/main" id="{34054337-A666-4FC2-9935-2535C652CDA1}"/>
-              </a:ext>
-              <a:ext uri="{C183D7F6-B498-43B3-948B-1728B52AA6E4}">
-                <adec:decorative xmlns:adec="http://schemas.microsoft.com/office/drawing/2017/decorative" val="1"/>
-              </a:ext>
-            </a:extLst>
-          </p:cNvPr>
-          <p:cNvPicPr>
-            <a:picLocks noGrp="1" noRot="1" noChangeAspect="1" noMove="1" noResize="1" noEditPoints="1" noAdjustHandles="1" noChangeArrowheads="1" noChangeShapeType="1" noCrop="1"/>
-          </p:cNvPicPr>
-          <p:nvPr>
-            <p:extLst>
-              <p:ext uri="{386F3935-93C4-4BCD-93E2-E3B085C9AB24}">
-                <p16:designElem xmlns:p16="http://schemas.microsoft.com/office/powerpoint/2015/main" val="1"/>
-              </p:ext>
-            </p:extLst>
-          </p:nvPr>
-        </p:nvPicPr>
-        <p:blipFill rotWithShape="1">
-          <a:blip r:embed="rId3">
-            <a:duotone>
-              <a:schemeClr val="accent1">
-                <a:shade val="45000"/>
-                <a:satMod val="135000"/>
-              </a:schemeClr>
-              <a:prstClr val="white"/>
-            </a:duotone>
-            <a:extLst>
-              <a:ext uri="{28A0092B-C50C-407E-A947-70E740481C1C}">
-                <a14:useLocalDpi xmlns:a14="http://schemas.microsoft.com/office/drawing/2010/main" val="0"/>
-              </a:ext>
-            </a:extLst>
-          </a:blip>
-          <a:srcRect l="-116" t="474" r="48549" b="36564"/>
-          <a:stretch/>
-        </p:blipFill>
-        <p:spPr>
-          <a:xfrm>
-            <a:off x="1125460" y="643464"/>
-            <a:ext cx="5879592" cy="155448"/>
-          </a:xfrm>
-          <a:prstGeom prst="rect">
-            <a:avLst/>
-          </a:prstGeom>
-          <a:noFill/>
-          <a:ln>
-            <a:noFill/>
-          </a:ln>
-        </p:spPr>
-      </p:pic>
-      <p:pic>
-        <p:nvPicPr>
-          <p:cNvPr id="7" name="Grafik 6">
-            <a:extLst>
-              <a:ext uri="{FF2B5EF4-FFF2-40B4-BE49-F238E27FC236}">
-                <a16:creationId xmlns:a16="http://schemas.microsoft.com/office/drawing/2014/main" id="{A8FB855C-8FE0-4B66-A96A-A7B192D0DF9B}"/>
-              </a:ext>
-            </a:extLst>
-          </p:cNvPr>
-          <p:cNvPicPr>
-            <a:picLocks noChangeAspect="1"/>
-          </p:cNvPicPr>
-          <p:nvPr/>
-        </p:nvPicPr>
-        <p:blipFill>
-          <a:blip r:embed="rId4"/>
-          <a:stretch>
-            <a:fillRect/>
-          </a:stretch>
-        </p:blipFill>
-        <p:spPr>
-          <a:xfrm>
-            <a:off x="8853771" y="481108"/>
-            <a:ext cx="1314481" cy="2491907"/>
-          </a:xfrm>
-          <a:prstGeom prst="rect">
-            <a:avLst/>
-          </a:prstGeom>
-        </p:spPr>
-      </p:pic>
-      <p:pic>
-        <p:nvPicPr>
-          <p:cNvPr id="5" name="Grafik 4">
-            <a:extLst>
-              <a:ext uri="{FF2B5EF4-FFF2-40B4-BE49-F238E27FC236}">
-                <a16:creationId xmlns:a16="http://schemas.microsoft.com/office/drawing/2014/main" id="{A46C7F46-A587-4A0B-AE9B-0ADC63439682}"/>
-              </a:ext>
-            </a:extLst>
-          </p:cNvPr>
-          <p:cNvPicPr>
-            <a:picLocks noChangeAspect="1"/>
-          </p:cNvPicPr>
-          <p:nvPr/>
-        </p:nvPicPr>
-        <p:blipFill>
-          <a:blip r:embed="rId5"/>
-          <a:stretch>
-            <a:fillRect/>
-          </a:stretch>
-        </p:blipFill>
-        <p:spPr>
-          <a:xfrm>
-            <a:off x="7473593" y="3722375"/>
-            <a:ext cx="4074836" cy="1324321"/>
-          </a:xfrm>
-          <a:prstGeom prst="rect">
-            <a:avLst/>
-          </a:prstGeom>
-        </p:spPr>
-      </p:pic>
-      <p:pic>
-        <p:nvPicPr>
-          <p:cNvPr id="26" name="Picture 25">
-            <a:extLst>
-              <a:ext uri="{FF2B5EF4-FFF2-40B4-BE49-F238E27FC236}">
-                <a16:creationId xmlns:a16="http://schemas.microsoft.com/office/drawing/2014/main" id="{732E3FD9-6530-4454-997C-939E0A18C664}"/>
-              </a:ext>
-              <a:ext uri="{C183D7F6-B498-43B3-948B-1728B52AA6E4}">
-                <adec:decorative xmlns:adec="http://schemas.microsoft.com/office/drawing/2017/decorative" val="1"/>
-              </a:ext>
-            </a:extLst>
-          </p:cNvPr>
-          <p:cNvPicPr>
-            <a:picLocks noGrp="1" noRot="1" noChangeAspect="1" noMove="1" noResize="1" noEditPoints="1" noAdjustHandles="1" noChangeArrowheads="1" noChangeShapeType="1" noCrop="1"/>
-          </p:cNvPicPr>
-          <p:nvPr>
-            <p:extLst>
-              <p:ext uri="{386F3935-93C4-4BCD-93E2-E3B085C9AB24}">
-                <p16:designElem xmlns:p16="http://schemas.microsoft.com/office/powerpoint/2015/main" val="1"/>
-              </p:ext>
-            </p:extLst>
-          </p:nvPr>
-        </p:nvPicPr>
-        <p:blipFill rotWithShape="1">
-          <a:blip r:embed="rId2">
-            <a:extLst>
-              <a:ext uri="{28A0092B-C50C-407E-A947-70E740481C1C}">
-                <a14:useLocalDpi xmlns:a14="http://schemas.microsoft.com/office/drawing/2010/main" val="0"/>
-              </a:ext>
-            </a:extLst>
-          </a:blip>
-          <a:srcRect t="1538" b="-1538"/>
-          <a:stretch/>
-        </p:blipFill>
-        <p:spPr>
-          <a:xfrm>
-            <a:off x="0" y="6119336"/>
-            <a:ext cx="12192000" cy="742950"/>
-          </a:xfrm>
-          <a:prstGeom prst="rect">
-            <a:avLst/>
-          </a:prstGeom>
-        </p:spPr>
-      </p:pic>
-      <p:cxnSp>
-        <p:nvCxnSpPr>
-          <p:cNvPr id="28" name="Straight Connector 27">
-            <a:extLst>
-              <a:ext uri="{FF2B5EF4-FFF2-40B4-BE49-F238E27FC236}">
-                <a16:creationId xmlns:a16="http://schemas.microsoft.com/office/drawing/2014/main" id="{92F7E3DC-DD90-4719-940F-B0C3C8FF4D89}"/>
-              </a:ext>
-              <a:ext uri="{C183D7F6-B498-43B3-948B-1728B52AA6E4}">
-                <adec:decorative xmlns:adec="http://schemas.microsoft.com/office/drawing/2017/decorative" val="1"/>
-              </a:ext>
-            </a:extLst>
-          </p:cNvPr>
-          <p:cNvCxnSpPr>
-            <a:cxnSpLocks noGrp="1" noRot="1" noChangeAspect="1" noMove="1" noResize="1" noEditPoints="1" noAdjustHandles="1" noChangeArrowheads="1" noChangeShapeType="1"/>
-          </p:cNvCxnSpPr>
-          <p:nvPr>
-            <p:extLst>
-              <p:ext uri="{386F3935-93C4-4BCD-93E2-E3B085C9AB24}">
-                <p16:designElem xmlns:p16="http://schemas.microsoft.com/office/powerpoint/2015/main" val="1"/>
-              </p:ext>
-            </p:extLst>
-          </p:nvPr>
-        </p:nvCxnSpPr>
-        <p:spPr>
-          <a:xfrm>
-            <a:off x="0" y="6121269"/>
-            <a:ext cx="12192000" cy="0"/>
-          </a:xfrm>
-          <a:prstGeom prst="line">
-            <a:avLst/>
-          </a:prstGeom>
-          <a:ln w="12700">
-            <a:solidFill>
-              <a:srgbClr val="000001">
-                <a:alpha val="20000"/>
-              </a:srgbClr>
-            </a:solidFill>
-          </a:ln>
-        </p:spPr>
-        <p:style>
-          <a:lnRef idx="1">
-            <a:schemeClr val="accent1"/>
-          </a:lnRef>
-          <a:fillRef idx="0">
-            <a:schemeClr val="accent1"/>
-          </a:fillRef>
-          <a:effectRef idx="0">
-            <a:schemeClr val="accent1"/>
-          </a:effectRef>
-          <a:fontRef idx="minor">
-            <a:schemeClr val="tx1"/>
-          </a:fontRef>
-        </p:style>
-      </p:cxnSp>
-    </p:spTree>
-    <p:extLst>
-      <p:ext uri="{BB962C8B-B14F-4D97-AF65-F5344CB8AC3E}">
-        <p14:creationId xmlns:p14="http://schemas.microsoft.com/office/powerpoint/2010/main" val="2716884157"/>
-      </p:ext>
-    </p:extLst>
-  </p:cSld>
-  <p:clrMapOvr>
-    <a:masterClrMapping/>
-  </p:clrMapOvr>
-</p:sld>
-</file>
-
-<file path=ppt/slides/slide25.xml><?xml version="1.0" encoding="utf-8"?>
-<p:sld xmlns:a="http://schemas.openxmlformats.org/drawingml/2006/main" xmlns:r="http://schemas.openxmlformats.org/officeDocument/2006/relationships" xmlns:p="http://schemas.openxmlformats.org/presentationml/2006/main">
-  <p:cSld>
-    <p:spTree>
-      <p:nvGrpSpPr>
-        <p:cNvPr id="1" name=""/>
-        <p:cNvGrpSpPr/>
-        <p:nvPr/>
-      </p:nvGrpSpPr>
-      <p:grpSpPr>
-        <a:xfrm>
-          <a:off x="0" y="0"/>
-          <a:ext cx="0" cy="0"/>
-          <a:chOff x="0" y="0"/>
-          <a:chExt cx="0" cy="0"/>
-        </a:xfrm>
-      </p:grpSpPr>
       <p:sp>
         <p:nvSpPr>
-          <p:cNvPr id="2" name="Titel 1">
-            <a:extLst>
-              <a:ext uri="{FF2B5EF4-FFF2-40B4-BE49-F238E27FC236}">
-                <a16:creationId xmlns:a16="http://schemas.microsoft.com/office/drawing/2014/main" id="{60941E0D-02F6-4A13-99DF-DE702B25D063}"/>
+          <p:cNvPr id="23" name="Content Placeholder 9">
+            <a:extLst>
+              <a:ext uri="{FF2B5EF4-FFF2-40B4-BE49-F238E27FC236}">
+                <a16:creationId xmlns:a16="http://schemas.microsoft.com/office/drawing/2014/main" id="{05241B4D-4705-4D04-9F23-BA10C7FAE0D2}"/>
               </a:ext>
             </a:extLst>
           </p:cNvPr>
@@ -11708,862 +12108,152 @@
             <a:spLocks noGrp="1"/>
           </p:cNvSpPr>
           <p:nvPr>
-            <p:ph type="title"/>
-          </p:nvPr>
-        </p:nvSpPr>
-        <p:spPr/>
+            <p:ph idx="1"/>
+          </p:nvPr>
+        </p:nvSpPr>
+        <p:spPr>
+          <a:xfrm>
+            <a:off x="1130270" y="2158175"/>
+            <a:ext cx="4345401" cy="3308172"/>
+          </a:xfrm>
+        </p:spPr>
         <p:txBody>
-          <a:bodyPr/>
-          <a:lstStyle/>
-          <a:p>
-            <a:r>
-              <a:rPr lang="de-DE" dirty="0"/>
-              <a:t>Spring</a:t>
-            </a:r>
-          </a:p>
-        </p:txBody>
-      </p:sp>
-      <p:sp>
-        <p:nvSpPr>
-          <p:cNvPr id="3" name="Inhaltsplatzhalter 2">
-            <a:extLst>
-              <a:ext uri="{FF2B5EF4-FFF2-40B4-BE49-F238E27FC236}">
-                <a16:creationId xmlns:a16="http://schemas.microsoft.com/office/drawing/2014/main" id="{2BB72E70-C854-4E11-82D5-B6D1B4937A15}"/>
-              </a:ext>
-            </a:extLst>
-          </p:cNvPr>
-          <p:cNvSpPr>
-            <a:spLocks noGrp="1"/>
-          </p:cNvSpPr>
-          <p:nvPr>
-            <p:ph idx="1"/>
-          </p:nvPr>
-        </p:nvSpPr>
-        <p:spPr/>
-        <p:txBody>
-          <a:bodyPr/>
-          <a:lstStyle/>
-          <a:p>
-            <a:r>
-              <a:rPr lang="de-DE" dirty="0"/>
-              <a:t>Open Source Framework für die Java-Plattform</a:t>
-            </a:r>
-          </a:p>
-          <a:p>
-            <a:r>
-              <a:rPr lang="de-DE" dirty="0"/>
-              <a:t>Model View Controller Muster</a:t>
-            </a:r>
-          </a:p>
-          <a:p>
-            <a:r>
-              <a:rPr lang="de-DE" dirty="0"/>
-              <a:t>Vereinfacht die Entwicklung von Projekten</a:t>
-            </a:r>
-          </a:p>
-          <a:p>
-            <a:pPr lvl="1"/>
-            <a:r>
-              <a:rPr lang="de-DE" dirty="0"/>
-              <a:t>Spring Boot (Konvention vor Konfiguration)</a:t>
-            </a:r>
-          </a:p>
-          <a:p>
-            <a:pPr lvl="1"/>
-            <a:r>
-              <a:rPr lang="de-DE" dirty="0"/>
-              <a:t>Annotationen übernehmen Aufgaben der Konfiguration</a:t>
-            </a:r>
-          </a:p>
-          <a:p>
-            <a:pPr marL="457200" lvl="1" indent="0">
-              <a:buNone/>
-            </a:pPr>
-            <a:endParaRPr lang="de-DE" dirty="0"/>
-          </a:p>
-        </p:txBody>
-      </p:sp>
-    </p:spTree>
-    <p:extLst>
-      <p:ext uri="{BB962C8B-B14F-4D97-AF65-F5344CB8AC3E}">
-        <p14:creationId xmlns:p14="http://schemas.microsoft.com/office/powerpoint/2010/main" val="3665854854"/>
-      </p:ext>
-    </p:extLst>
-  </p:cSld>
-  <p:clrMapOvr>
-    <a:masterClrMapping/>
-  </p:clrMapOvr>
-</p:sld>
-</file>
-
-<file path=ppt/slides/slide26.xml><?xml version="1.0" encoding="utf-8"?>
-<p:sld xmlns:a="http://schemas.openxmlformats.org/drawingml/2006/main" xmlns:r="http://schemas.openxmlformats.org/officeDocument/2006/relationships" xmlns:p="http://schemas.openxmlformats.org/presentationml/2006/main">
-  <p:cSld>
-    <p:bg>
-      <p:bgPr>
-        <a:gradFill rotWithShape="1">
-          <a:gsLst>
-            <a:gs pos="0">
-              <a:schemeClr val="bg1">
-                <a:tint val="94000"/>
-                <a:satMod val="80000"/>
-                <a:lumMod val="106000"/>
-              </a:schemeClr>
-            </a:gs>
-            <a:gs pos="100000">
-              <a:schemeClr val="bg1">
-                <a:shade val="80000"/>
-                <a:lumMod val="108000"/>
-              </a:schemeClr>
-            </a:gs>
-          </a:gsLst>
-          <a:path path="circle">
-            <a:fillToRect l="43000" r="43000" b="100000"/>
-          </a:path>
-        </a:gradFill>
-        <a:effectLst/>
-      </p:bgPr>
-    </p:bg>
-    <p:spTree>
-      <p:nvGrpSpPr>
-        <p:cNvPr id="1" name=""/>
-        <p:cNvGrpSpPr/>
-        <p:nvPr/>
-      </p:nvGrpSpPr>
-      <p:grpSpPr>
-        <a:xfrm>
-          <a:off x="0" y="0"/>
-          <a:ext cx="0" cy="0"/>
-          <a:chOff x="0" y="0"/>
-          <a:chExt cx="0" cy="0"/>
-        </a:xfrm>
-      </p:grpSpPr>
-      <p:pic>
-        <p:nvPicPr>
-          <p:cNvPr id="10" name="Picture 9">
-            <a:extLst>
-              <a:ext uri="{FF2B5EF4-FFF2-40B4-BE49-F238E27FC236}">
-                <a16:creationId xmlns:a16="http://schemas.microsoft.com/office/drawing/2014/main" id="{CB1DE69F-569C-4A49-8E50-4093C135AECF}"/>
-              </a:ext>
-              <a:ext uri="{C183D7F6-B498-43B3-948B-1728B52AA6E4}">
-                <adec:decorative xmlns:adec="http://schemas.microsoft.com/office/drawing/2017/decorative" val="1"/>
-              </a:ext>
-            </a:extLst>
-          </p:cNvPr>
-          <p:cNvPicPr>
-            <a:picLocks noGrp="1" noRot="1" noChangeAspect="1" noMove="1" noResize="1" noEditPoints="1" noAdjustHandles="1" noChangeArrowheads="1" noChangeShapeType="1" noCrop="1"/>
-          </p:cNvPicPr>
-          <p:nvPr>
-            <p:extLst>
-              <p:ext uri="{386F3935-93C4-4BCD-93E2-E3B085C9AB24}">
-                <p16:designElem xmlns:p16="http://schemas.microsoft.com/office/powerpoint/2015/main" val="1"/>
-              </p:ext>
-            </p:extLst>
-          </p:nvPr>
-        </p:nvPicPr>
-        <p:blipFill rotWithShape="1">
-          <a:blip r:embed="rId2">
-            <a:extLst>
-              <a:ext uri="{28A0092B-C50C-407E-A947-70E740481C1C}">
-                <a14:useLocalDpi xmlns:a14="http://schemas.microsoft.com/office/drawing/2010/main" val="0"/>
-              </a:ext>
-            </a:extLst>
-          </a:blip>
-          <a:srcRect t="1538" b="-1538"/>
-          <a:stretch/>
-        </p:blipFill>
-        <p:spPr>
-          <a:xfrm>
-            <a:off x="0" y="6119336"/>
-            <a:ext cx="12192000" cy="742950"/>
-          </a:xfrm>
-          <a:prstGeom prst="rect">
-            <a:avLst/>
-          </a:prstGeom>
-        </p:spPr>
-      </p:pic>
-      <p:sp>
-        <p:nvSpPr>
-          <p:cNvPr id="12" name="Rectangle 11">
-            <a:extLst>
-              <a:ext uri="{FF2B5EF4-FFF2-40B4-BE49-F238E27FC236}">
-                <a16:creationId xmlns:a16="http://schemas.microsoft.com/office/drawing/2014/main" id="{50B488F5-9CE4-4346-B22F-600286ED4D8F}"/>
-              </a:ext>
-              <a:ext uri="{C183D7F6-B498-43B3-948B-1728B52AA6E4}">
-                <adec:decorative xmlns:adec="http://schemas.microsoft.com/office/drawing/2017/decorative" val="1"/>
-              </a:ext>
-            </a:extLst>
-          </p:cNvPr>
-          <p:cNvSpPr>
-            <a:spLocks noGrp="1" noRot="1" noChangeAspect="1" noMove="1" noResize="1" noEditPoints="1" noAdjustHandles="1" noChangeArrowheads="1" noChangeShapeType="1" noTextEdit="1"/>
-          </p:cNvSpPr>
-          <p:nvPr>
-            <p:extLst>
-              <p:ext uri="{386F3935-93C4-4BCD-93E2-E3B085C9AB24}">
-                <p16:designElem xmlns:p16="http://schemas.microsoft.com/office/powerpoint/2015/main" val="1"/>
-              </p:ext>
-            </p:extLst>
-          </p:nvPr>
-        </p:nvSpPr>
-        <p:spPr>
-          <a:xfrm>
-            <a:off x="0" y="468769"/>
-            <a:ext cx="12192000" cy="5647024"/>
-          </a:xfrm>
-          <a:prstGeom prst="rect">
-            <a:avLst/>
-          </a:prstGeom>
-          <a:gradFill flip="none" rotWithShape="1">
-            <a:gsLst>
-              <a:gs pos="0">
-                <a:schemeClr val="bg2">
-                  <a:alpha val="0"/>
-                  <a:lumMod val="100000"/>
-                </a:schemeClr>
-              </a:gs>
-              <a:gs pos="100000">
-                <a:schemeClr val="bg2">
-                  <a:lumMod val="95000"/>
-                  <a:lumOff val="5000"/>
-                </a:schemeClr>
-              </a:gs>
-            </a:gsLst>
-            <a:lin ang="5400000" scaled="0"/>
-            <a:tileRect/>
-          </a:gradFill>
-          <a:ln>
-            <a:noFill/>
-          </a:ln>
-        </p:spPr>
-        <p:style>
-          <a:lnRef idx="2">
-            <a:schemeClr val="accent1">
-              <a:shade val="50000"/>
-            </a:schemeClr>
-          </a:lnRef>
-          <a:fillRef idx="1">
-            <a:schemeClr val="accent1"/>
-          </a:fillRef>
-          <a:effectRef idx="0">
-            <a:schemeClr val="accent1"/>
-          </a:effectRef>
-          <a:fontRef idx="minor">
-            <a:schemeClr val="lt1"/>
-          </a:fontRef>
-        </p:style>
-      </p:sp>
-      <p:cxnSp>
-        <p:nvCxnSpPr>
-          <p:cNvPr id="14" name="Straight Connector 13">
-            <a:extLst>
-              <a:ext uri="{FF2B5EF4-FFF2-40B4-BE49-F238E27FC236}">
-                <a16:creationId xmlns:a16="http://schemas.microsoft.com/office/drawing/2014/main" id="{5F76596F-57DF-4A0C-96D9-046DC3B30E9F}"/>
-              </a:ext>
-              <a:ext uri="{C183D7F6-B498-43B3-948B-1728B52AA6E4}">
-                <adec:decorative xmlns:adec="http://schemas.microsoft.com/office/drawing/2017/decorative" val="1"/>
-              </a:ext>
-            </a:extLst>
-          </p:cNvPr>
-          <p:cNvCxnSpPr>
-            <a:cxnSpLocks noGrp="1" noRot="1" noChangeAspect="1" noMove="1" noResize="1" noEditPoints="1" noAdjustHandles="1" noChangeArrowheads="1" noChangeShapeType="1"/>
-          </p:cNvCxnSpPr>
-          <p:nvPr>
-            <p:extLst>
-              <p:ext uri="{386F3935-93C4-4BCD-93E2-E3B085C9AB24}">
-                <p16:designElem xmlns:p16="http://schemas.microsoft.com/office/powerpoint/2015/main" val="1"/>
-              </p:ext>
-            </p:extLst>
-          </p:nvPr>
-        </p:nvCxnSpPr>
-        <p:spPr>
-          <a:xfrm>
-            <a:off x="0" y="6121269"/>
-            <a:ext cx="12192000" cy="0"/>
-          </a:xfrm>
-          <a:prstGeom prst="line">
-            <a:avLst/>
-          </a:prstGeom>
-          <a:ln w="12700">
-            <a:solidFill>
-              <a:srgbClr val="000001">
-                <a:alpha val="20000"/>
-              </a:srgbClr>
-            </a:solidFill>
-          </a:ln>
-        </p:spPr>
-        <p:style>
-          <a:lnRef idx="1">
-            <a:schemeClr val="accent1"/>
-          </a:lnRef>
-          <a:fillRef idx="0">
-            <a:schemeClr val="accent1"/>
-          </a:fillRef>
-          <a:effectRef idx="0">
-            <a:schemeClr val="accent1"/>
-          </a:effectRef>
-          <a:fontRef idx="minor">
-            <a:schemeClr val="tx1"/>
-          </a:fontRef>
-        </p:style>
-      </p:cxnSp>
-      <p:pic>
-        <p:nvPicPr>
-          <p:cNvPr id="16" name="Picture 15">
-            <a:extLst>
-              <a:ext uri="{FF2B5EF4-FFF2-40B4-BE49-F238E27FC236}">
-                <a16:creationId xmlns:a16="http://schemas.microsoft.com/office/drawing/2014/main" id="{16176A8D-754E-4699-9AAC-A833466A201A}"/>
-              </a:ext>
-              <a:ext uri="{C183D7F6-B498-43B3-948B-1728B52AA6E4}">
-                <adec:decorative xmlns:adec="http://schemas.microsoft.com/office/drawing/2017/decorative" val="1"/>
-              </a:ext>
-            </a:extLst>
-          </p:cNvPr>
-          <p:cNvPicPr>
-            <a:picLocks noGrp="1" noRot="1" noChangeAspect="1" noMove="1" noResize="1" noEditPoints="1" noAdjustHandles="1" noChangeArrowheads="1" noChangeShapeType="1" noCrop="1"/>
-          </p:cNvPicPr>
-          <p:nvPr>
-            <p:extLst>
-              <p:ext uri="{386F3935-93C4-4BCD-93E2-E3B085C9AB24}">
-                <p16:designElem xmlns:p16="http://schemas.microsoft.com/office/powerpoint/2015/main" val="1"/>
-              </p:ext>
-            </p:extLst>
-          </p:nvPr>
-        </p:nvPicPr>
-        <p:blipFill rotWithShape="1">
-          <a:blip r:embed="rId3">
-            <a:duotone>
-              <a:schemeClr val="accent1">
-                <a:shade val="45000"/>
-                <a:satMod val="135000"/>
-              </a:schemeClr>
-              <a:prstClr val="white"/>
-            </a:duotone>
-            <a:extLst>
-              <a:ext uri="{28A0092B-C50C-407E-A947-70E740481C1C}">
-                <a14:useLocalDpi xmlns:a14="http://schemas.microsoft.com/office/drawing/2010/main" val="0"/>
-              </a:ext>
-            </a:extLst>
-          </a:blip>
-          <a:srcRect l="-115" r="15828" b="36435"/>
-          <a:stretch/>
-        </p:blipFill>
-        <p:spPr>
-          <a:xfrm>
-            <a:off x="1125460" y="643464"/>
-            <a:ext cx="9610344" cy="155448"/>
-          </a:xfrm>
-          <a:prstGeom prst="rect">
-            <a:avLst/>
-          </a:prstGeom>
-          <a:noFill/>
-          <a:ln>
-            <a:noFill/>
-          </a:ln>
-        </p:spPr>
-      </p:pic>
-      <p:sp useBgFill="1">
-        <p:nvSpPr>
-          <p:cNvPr id="18" name="Rectangle 17">
-            <a:extLst>
-              <a:ext uri="{FF2B5EF4-FFF2-40B4-BE49-F238E27FC236}">
-                <a16:creationId xmlns:a16="http://schemas.microsoft.com/office/drawing/2014/main" id="{EB8456C2-9457-404E-8DA7-41BB6630DAB1}"/>
-              </a:ext>
-              <a:ext uri="{C183D7F6-B498-43B3-948B-1728B52AA6E4}">
-                <adec:decorative xmlns:adec="http://schemas.microsoft.com/office/drawing/2017/decorative" val="1"/>
-              </a:ext>
-            </a:extLst>
-          </p:cNvPr>
-          <p:cNvSpPr>
-            <a:spLocks noGrp="1" noRot="1" noChangeAspect="1" noMove="1" noResize="1" noEditPoints="1" noAdjustHandles="1" noChangeArrowheads="1" noChangeShapeType="1" noTextEdit="1"/>
-          </p:cNvSpPr>
-          <p:nvPr>
-            <p:extLst>
-              <p:ext uri="{386F3935-93C4-4BCD-93E2-E3B085C9AB24}">
-                <p16:designElem xmlns:p16="http://schemas.microsoft.com/office/powerpoint/2015/main" val="1"/>
-              </p:ext>
-            </p:extLst>
-          </p:nvPr>
-        </p:nvSpPr>
-        <p:spPr>
-          <a:xfrm>
-            <a:off x="2" y="0"/>
-            <a:ext cx="12191695" cy="6858000"/>
-          </a:xfrm>
-          <a:prstGeom prst="rect">
-            <a:avLst/>
-          </a:prstGeom>
-          <a:ln>
-            <a:noFill/>
-          </a:ln>
-        </p:spPr>
-        <p:style>
-          <a:lnRef idx="2">
-            <a:schemeClr val="accent1">
-              <a:shade val="50000"/>
-            </a:schemeClr>
-          </a:lnRef>
-          <a:fillRef idx="1">
-            <a:schemeClr val="accent1"/>
-          </a:fillRef>
-          <a:effectRef idx="0">
-            <a:schemeClr val="accent1"/>
-          </a:effectRef>
-          <a:fontRef idx="minor">
-            <a:schemeClr val="lt1"/>
-          </a:fontRef>
-        </p:style>
-        <p:txBody>
-          <a:bodyPr rtlCol="0" anchor="ctr"/>
-          <a:lstStyle/>
-          <a:p>
-            <a:pPr algn="ctr"/>
-            <a:endParaRPr lang="en-US"/>
-          </a:p>
-        </p:txBody>
-      </p:sp>
-      <p:sp>
-        <p:nvSpPr>
-          <p:cNvPr id="20" name="Rectangle 19">
-            <a:extLst>
-              <a:ext uri="{FF2B5EF4-FFF2-40B4-BE49-F238E27FC236}">
-                <a16:creationId xmlns:a16="http://schemas.microsoft.com/office/drawing/2014/main" id="{BFB3493F-F73E-4A1A-89E2-FE1D803D15CE}"/>
-              </a:ext>
-              <a:ext uri="{C183D7F6-B498-43B3-948B-1728B52AA6E4}">
-                <adec:decorative xmlns:adec="http://schemas.microsoft.com/office/drawing/2017/decorative" val="1"/>
-              </a:ext>
-            </a:extLst>
-          </p:cNvPr>
-          <p:cNvSpPr>
-            <a:spLocks noGrp="1" noRot="1" noChangeAspect="1" noMove="1" noResize="1" noEditPoints="1" noAdjustHandles="1" noChangeArrowheads="1" noChangeShapeType="1" noTextEdit="1"/>
-          </p:cNvSpPr>
-          <p:nvPr>
-            <p:extLst>
-              <p:ext uri="{386F3935-93C4-4BCD-93E2-E3B085C9AB24}">
-                <p16:designElem xmlns:p16="http://schemas.microsoft.com/office/powerpoint/2015/main" val="1"/>
-              </p:ext>
-            </p:extLst>
-          </p:nvPr>
-        </p:nvSpPr>
-        <p:spPr>
-          <a:xfrm>
-            <a:off x="0" y="468769"/>
-            <a:ext cx="12192000" cy="5647024"/>
-          </a:xfrm>
-          <a:prstGeom prst="rect">
-            <a:avLst/>
-          </a:prstGeom>
-          <a:gradFill flip="none" rotWithShape="1">
-            <a:gsLst>
-              <a:gs pos="0">
-                <a:schemeClr val="bg2">
-                  <a:alpha val="0"/>
-                  <a:lumMod val="100000"/>
-                </a:schemeClr>
-              </a:gs>
-              <a:gs pos="100000">
-                <a:schemeClr val="bg2">
-                  <a:lumMod val="95000"/>
-                  <a:lumOff val="5000"/>
-                </a:schemeClr>
-              </a:gs>
-            </a:gsLst>
-            <a:lin ang="5400000" scaled="0"/>
-            <a:tileRect/>
-          </a:gradFill>
-          <a:ln>
-            <a:noFill/>
-          </a:ln>
-        </p:spPr>
-        <p:style>
-          <a:lnRef idx="2">
-            <a:schemeClr val="accent1">
-              <a:shade val="50000"/>
-            </a:schemeClr>
-          </a:lnRef>
-          <a:fillRef idx="1">
-            <a:schemeClr val="accent1"/>
-          </a:fillRef>
-          <a:effectRef idx="0">
-            <a:schemeClr val="accent1"/>
-          </a:effectRef>
-          <a:fontRef idx="minor">
-            <a:schemeClr val="lt1"/>
-          </a:fontRef>
-        </p:style>
-        <p:txBody>
-          <a:bodyPr rtlCol="0" anchor="ctr"/>
-          <a:lstStyle/>
-          <a:p>
-            <a:pPr algn="ctr"/>
-            <a:endParaRPr lang="en-US"/>
-          </a:p>
-        </p:txBody>
-      </p:sp>
-      <p:sp>
-        <p:nvSpPr>
-          <p:cNvPr id="2" name="Titel 1">
-            <a:extLst>
-              <a:ext uri="{FF2B5EF4-FFF2-40B4-BE49-F238E27FC236}">
-                <a16:creationId xmlns:a16="http://schemas.microsoft.com/office/drawing/2014/main" id="{53279B68-1151-4F28-A2B2-F638178537FC}"/>
-              </a:ext>
-            </a:extLst>
-          </p:cNvPr>
-          <p:cNvSpPr>
-            <a:spLocks noGrp="1"/>
-          </p:cNvSpPr>
-          <p:nvPr>
-            <p:ph type="title"/>
-          </p:nvPr>
-        </p:nvSpPr>
-        <p:spPr>
-          <a:xfrm>
-            <a:off x="1776730" y="4459039"/>
-            <a:ext cx="7831992" cy="551528"/>
-          </a:xfrm>
-        </p:spPr>
-        <p:txBody>
-          <a:bodyPr vert="horz" lIns="91440" tIns="45720" rIns="91440" bIns="0" rtlCol="0" anchor="b">
+          <a:bodyPr>
             <a:normAutofit/>
           </a:bodyPr>
           <a:lstStyle/>
           <a:p>
             <a:r>
-              <a:rPr lang="en-US" sz="3600"/>
-              <a:t>Spring Initializr</a:t>
-            </a:r>
+              <a:rPr lang="en-US" dirty="0"/>
+              <a:t>Repository Implementation </a:t>
+            </a:r>
+            <a:r>
+              <a:rPr lang="en-US" dirty="0" err="1"/>
+              <a:t>wird</a:t>
+            </a:r>
+            <a:r>
+              <a:rPr lang="en-US" dirty="0"/>
+              <a:t> </a:t>
+            </a:r>
+            <a:r>
+              <a:rPr lang="en-US" dirty="0" err="1"/>
+              <a:t>zur</a:t>
+            </a:r>
+            <a:r>
+              <a:rPr lang="en-US" dirty="0"/>
+              <a:t> </a:t>
+            </a:r>
+            <a:r>
+              <a:rPr lang="en-US" dirty="0" err="1"/>
+              <a:t>Laufzeit</a:t>
+            </a:r>
+            <a:r>
+              <a:rPr lang="en-US" dirty="0"/>
+              <a:t> </a:t>
+            </a:r>
+            <a:r>
+              <a:rPr lang="en-US" dirty="0" err="1"/>
+              <a:t>erzeugt</a:t>
+            </a:r>
+            <a:endParaRPr lang="en-US" dirty="0"/>
+          </a:p>
+          <a:p>
+            <a:r>
+              <a:rPr lang="en-US" dirty="0" err="1"/>
+              <a:t>JpaRepository</a:t>
+            </a:r>
+            <a:r>
+              <a:rPr lang="en-US" dirty="0"/>
+              <a:t> </a:t>
+            </a:r>
+            <a:r>
+              <a:rPr lang="en-US" dirty="0" err="1"/>
+              <a:t>liefert</a:t>
+            </a:r>
+            <a:r>
+              <a:rPr lang="en-US" dirty="0"/>
+              <a:t> </a:t>
+            </a:r>
+            <a:r>
+              <a:rPr lang="en-US" dirty="0" err="1"/>
+              <a:t>Methoden</a:t>
+            </a:r>
+            <a:r>
+              <a:rPr lang="en-US" dirty="0"/>
+              <a:t> </a:t>
+            </a:r>
+            <a:r>
+              <a:rPr lang="en-US" dirty="0" err="1"/>
+              <a:t>zum</a:t>
+            </a:r>
+            <a:r>
+              <a:rPr lang="en-US" dirty="0"/>
+              <a:t> </a:t>
+            </a:r>
+            <a:r>
+              <a:rPr lang="en-US" dirty="0" err="1"/>
+              <a:t>speichern</a:t>
+            </a:r>
+            <a:r>
+              <a:rPr lang="en-US" dirty="0"/>
+              <a:t>, </a:t>
+            </a:r>
+            <a:r>
+              <a:rPr lang="en-US" dirty="0" err="1"/>
+              <a:t>löschen</a:t>
+            </a:r>
+            <a:r>
+              <a:rPr lang="en-US" dirty="0"/>
+              <a:t> und </a:t>
+            </a:r>
+            <a:r>
+              <a:rPr lang="en-US" dirty="0" err="1"/>
+              <a:t>bearbeiten</a:t>
+            </a:r>
+            <a:r>
+              <a:rPr lang="en-US" dirty="0"/>
+              <a:t> von Entities</a:t>
+            </a:r>
+          </a:p>
+          <a:p>
+            <a:r>
+              <a:rPr lang="en-US" dirty="0" err="1"/>
+              <a:t>Eigene</a:t>
+            </a:r>
+            <a:r>
+              <a:rPr lang="en-US" dirty="0"/>
+              <a:t> </a:t>
+            </a:r>
+            <a:r>
+              <a:rPr lang="en-US" dirty="0" err="1"/>
+              <a:t>Methoden</a:t>
+            </a:r>
+            <a:r>
+              <a:rPr lang="en-US" dirty="0"/>
+              <a:t> </a:t>
+            </a:r>
+            <a:r>
+              <a:rPr lang="en-US" dirty="0" err="1"/>
+              <a:t>auch</a:t>
+            </a:r>
+            <a:r>
+              <a:rPr lang="en-US" dirty="0"/>
+              <a:t> </a:t>
+            </a:r>
+            <a:r>
+              <a:rPr lang="en-US" dirty="0" err="1"/>
+              <a:t>möglich</a:t>
+            </a:r>
+            <a:endParaRPr lang="en-US" dirty="0"/>
           </a:p>
         </p:txBody>
       </p:sp>
       <p:pic>
         <p:nvPicPr>
-          <p:cNvPr id="5" name="Grafik 4">
-            <a:extLst>
-              <a:ext uri="{FF2B5EF4-FFF2-40B4-BE49-F238E27FC236}">
-                <a16:creationId xmlns:a16="http://schemas.microsoft.com/office/drawing/2014/main" id="{F666A0BC-3139-4F4F-A6F7-0BA965706B2A}"/>
-              </a:ext>
-            </a:extLst>
-          </p:cNvPr>
-          <p:cNvPicPr>
-            <a:picLocks noChangeAspect="1"/>
-          </p:cNvPicPr>
-          <p:nvPr/>
-        </p:nvPicPr>
-        <p:blipFill>
-          <a:blip r:embed="rId4"/>
-          <a:stretch>
-            <a:fillRect/>
-          </a:stretch>
-        </p:blipFill>
-        <p:spPr>
-          <a:xfrm>
-            <a:off x="349005" y="639244"/>
-            <a:ext cx="8300486" cy="3652214"/>
-          </a:xfrm>
-          <a:prstGeom prst="rect">
-            <a:avLst/>
-          </a:prstGeom>
-        </p:spPr>
-      </p:pic>
-      <p:pic>
-        <p:nvPicPr>
-          <p:cNvPr id="22" name="Picture 21">
-            <a:extLst>
-              <a:ext uri="{FF2B5EF4-FFF2-40B4-BE49-F238E27FC236}">
-                <a16:creationId xmlns:a16="http://schemas.microsoft.com/office/drawing/2014/main" id="{CEE4ADBF-AAD6-433C-B72E-C603B9BBB310}"/>
-              </a:ext>
-              <a:ext uri="{C183D7F6-B498-43B3-948B-1728B52AA6E4}">
-                <adec:decorative xmlns:adec="http://schemas.microsoft.com/office/drawing/2017/decorative" val="1"/>
-              </a:ext>
-            </a:extLst>
-          </p:cNvPr>
-          <p:cNvPicPr>
-            <a:picLocks noGrp="1" noRot="1" noChangeAspect="1" noMove="1" noResize="1" noEditPoints="1" noAdjustHandles="1" noChangeArrowheads="1" noChangeShapeType="1" noCrop="1"/>
-          </p:cNvPicPr>
-          <p:nvPr>
-            <p:extLst>
-              <p:ext uri="{386F3935-93C4-4BCD-93E2-E3B085C9AB24}">
-                <p16:designElem xmlns:p16="http://schemas.microsoft.com/office/powerpoint/2015/main" val="1"/>
-              </p:ext>
-            </p:extLst>
-          </p:nvPr>
-        </p:nvPicPr>
-        <p:blipFill rotWithShape="1">
-          <a:blip r:embed="rId2">
-            <a:extLst>
-              <a:ext uri="{28A0092B-C50C-407E-A947-70E740481C1C}">
-                <a14:useLocalDpi xmlns:a14="http://schemas.microsoft.com/office/drawing/2010/main" val="0"/>
-              </a:ext>
-            </a:extLst>
-          </a:blip>
-          <a:srcRect t="1538" b="-1538"/>
-          <a:stretch/>
-        </p:blipFill>
-        <p:spPr>
-          <a:xfrm>
-            <a:off x="0" y="6119336"/>
-            <a:ext cx="12192000" cy="742950"/>
-          </a:xfrm>
-          <a:prstGeom prst="rect">
-            <a:avLst/>
-          </a:prstGeom>
-        </p:spPr>
-      </p:pic>
-      <p:cxnSp>
-        <p:nvCxnSpPr>
-          <p:cNvPr id="24" name="Straight Connector 23">
-            <a:extLst>
-              <a:ext uri="{FF2B5EF4-FFF2-40B4-BE49-F238E27FC236}">
-                <a16:creationId xmlns:a16="http://schemas.microsoft.com/office/drawing/2014/main" id="{9452C429-B9DA-48BE-B0C7-09AE24872828}"/>
-              </a:ext>
-              <a:ext uri="{C183D7F6-B498-43B3-948B-1728B52AA6E4}">
-                <adec:decorative xmlns:adec="http://schemas.microsoft.com/office/drawing/2017/decorative" val="1"/>
-              </a:ext>
-            </a:extLst>
-          </p:cNvPr>
-          <p:cNvCxnSpPr>
-            <a:cxnSpLocks noGrp="1" noRot="1" noChangeAspect="1" noMove="1" noResize="1" noEditPoints="1" noAdjustHandles="1" noChangeArrowheads="1" noChangeShapeType="1"/>
-          </p:cNvCxnSpPr>
-          <p:nvPr>
-            <p:extLst>
-              <p:ext uri="{386F3935-93C4-4BCD-93E2-E3B085C9AB24}">
-                <p16:designElem xmlns:p16="http://schemas.microsoft.com/office/powerpoint/2015/main" val="1"/>
-              </p:ext>
-            </p:extLst>
-          </p:nvPr>
-        </p:nvCxnSpPr>
-        <p:spPr>
-          <a:xfrm>
-            <a:off x="0" y="6121269"/>
-            <a:ext cx="12192000" cy="0"/>
-          </a:xfrm>
-          <a:prstGeom prst="line">
-            <a:avLst/>
-          </a:prstGeom>
-          <a:ln w="12700">
-            <a:solidFill>
-              <a:srgbClr val="000001">
-                <a:alpha val="20000"/>
-              </a:srgbClr>
-            </a:solidFill>
-          </a:ln>
-        </p:spPr>
-        <p:style>
-          <a:lnRef idx="1">
-            <a:schemeClr val="accent1"/>
-          </a:lnRef>
-          <a:fillRef idx="0">
-            <a:schemeClr val="accent1"/>
-          </a:fillRef>
-          <a:effectRef idx="0">
-            <a:schemeClr val="accent1"/>
-          </a:effectRef>
-          <a:fontRef idx="minor">
-            <a:schemeClr val="tx1"/>
-          </a:fontRef>
-        </p:style>
-      </p:cxnSp>
-      <p:sp>
-        <p:nvSpPr>
-          <p:cNvPr id="6" name="Textfeld 5">
-            <a:extLst>
-              <a:ext uri="{FF2B5EF4-FFF2-40B4-BE49-F238E27FC236}">
-                <a16:creationId xmlns:a16="http://schemas.microsoft.com/office/drawing/2014/main" id="{242A0DBE-0F63-4289-94D4-3360D9351B3A}"/>
-              </a:ext>
-            </a:extLst>
-          </p:cNvPr>
-          <p:cNvSpPr txBox="1"/>
-          <p:nvPr/>
-        </p:nvSpPr>
-        <p:spPr>
-          <a:xfrm>
-            <a:off x="8769098" y="646559"/>
-            <a:ext cx="3286241" cy="2809680"/>
-          </a:xfrm>
-          <a:prstGeom prst="rect">
-            <a:avLst/>
-          </a:prstGeom>
-          <a:noFill/>
-        </p:spPr>
-        <p:txBody>
-          <a:bodyPr wrap="square" rtlCol="0">
-            <a:spAutoFit/>
-          </a:bodyPr>
-          <a:lstStyle/>
-          <a:p>
-            <a:pPr marL="285750" indent="-285750">
-              <a:buFont typeface="Arial" panose="020B0604020202020204" pitchFamily="34" charset="0"/>
-              <a:buChar char="•"/>
-            </a:pPr>
-            <a:r>
-              <a:rPr lang="de-DE" dirty="0"/>
-              <a:t>Maven oder </a:t>
-            </a:r>
-            <a:r>
-              <a:rPr lang="de-DE" dirty="0" err="1"/>
-              <a:t>Gradle</a:t>
-            </a:r>
-            <a:endParaRPr lang="de-DE" dirty="0"/>
-          </a:p>
-          <a:p>
-            <a:pPr marL="285750" indent="-285750">
-              <a:lnSpc>
-                <a:spcPct val="150000"/>
-              </a:lnSpc>
-              <a:buFont typeface="Arial" panose="020B0604020202020204" pitchFamily="34" charset="0"/>
-              <a:buChar char="•"/>
-            </a:pPr>
-            <a:r>
-              <a:rPr lang="de-DE" dirty="0"/>
-              <a:t>Java/</a:t>
-            </a:r>
-            <a:r>
-              <a:rPr lang="de-DE" dirty="0" err="1"/>
-              <a:t>Kotlin</a:t>
-            </a:r>
-            <a:r>
-              <a:rPr lang="de-DE" dirty="0"/>
-              <a:t>/Groovy</a:t>
-            </a:r>
-          </a:p>
-          <a:p>
-            <a:pPr marL="285750" indent="-285750">
-              <a:lnSpc>
-                <a:spcPct val="150000"/>
-              </a:lnSpc>
-              <a:buFont typeface="Arial" panose="020B0604020202020204" pitchFamily="34" charset="0"/>
-              <a:buChar char="•"/>
-            </a:pPr>
-            <a:r>
-              <a:rPr lang="de-DE" dirty="0"/>
-              <a:t>Ausgewählte Abhängigkeiten werden direkt der pom.xml-Datei hinzugefügt</a:t>
-            </a:r>
-          </a:p>
-          <a:p>
-            <a:pPr marL="285750" indent="-285750">
-              <a:lnSpc>
-                <a:spcPct val="150000"/>
-              </a:lnSpc>
-              <a:buFont typeface="Arial" panose="020B0604020202020204" pitchFamily="34" charset="0"/>
-              <a:buChar char="•"/>
-            </a:pPr>
-            <a:r>
-              <a:rPr lang="de-DE" dirty="0"/>
-              <a:t>Generiert </a:t>
-            </a:r>
-            <a:r>
-              <a:rPr lang="de-DE" dirty="0" err="1"/>
-              <a:t>zip</a:t>
-            </a:r>
-            <a:r>
-              <a:rPr lang="de-DE" dirty="0"/>
-              <a:t>-Datei</a:t>
-            </a:r>
-          </a:p>
-        </p:txBody>
-      </p:sp>
-    </p:spTree>
-    <p:extLst>
-      <p:ext uri="{BB962C8B-B14F-4D97-AF65-F5344CB8AC3E}">
-        <p14:creationId xmlns:p14="http://schemas.microsoft.com/office/powerpoint/2010/main" val="770924148"/>
-      </p:ext>
-    </p:extLst>
-  </p:cSld>
-  <p:clrMapOvr>
-    <a:masterClrMapping/>
-  </p:clrMapOvr>
-</p:sld>
-</file>
-
-<file path=ppt/slides/slide27.xml><?xml version="1.0" encoding="utf-8"?>
-<p:sld xmlns:a="http://schemas.openxmlformats.org/drawingml/2006/main" xmlns:r="http://schemas.openxmlformats.org/officeDocument/2006/relationships" xmlns:p="http://schemas.openxmlformats.org/presentationml/2006/main">
-  <p:cSld>
-    <p:spTree>
-      <p:nvGrpSpPr>
-        <p:cNvPr id="1" name=""/>
-        <p:cNvGrpSpPr/>
-        <p:nvPr/>
-      </p:nvGrpSpPr>
-      <p:grpSpPr>
-        <a:xfrm>
-          <a:off x="0" y="0"/>
-          <a:ext cx="0" cy="0"/>
-          <a:chOff x="0" y="0"/>
-          <a:chExt cx="0" cy="0"/>
-        </a:xfrm>
-      </p:grpSpPr>
-      <p:sp>
-        <p:nvSpPr>
-          <p:cNvPr id="13" name="Textplatzhalter 12">
-            <a:extLst>
-              <a:ext uri="{FF2B5EF4-FFF2-40B4-BE49-F238E27FC236}">
-                <a16:creationId xmlns:a16="http://schemas.microsoft.com/office/drawing/2014/main" id="{2E9B8AF9-CBEF-433F-8F57-2FB75A4D2B67}"/>
-              </a:ext>
-            </a:extLst>
-          </p:cNvPr>
-          <p:cNvSpPr>
-            <a:spLocks noGrp="1"/>
-          </p:cNvSpPr>
-          <p:nvPr>
-            <p:ph type="body" idx="1"/>
-          </p:nvPr>
-        </p:nvSpPr>
-        <p:spPr>
-          <a:xfrm>
-            <a:off x="1273545" y="817010"/>
-            <a:ext cx="4645152" cy="801943"/>
-          </a:xfrm>
-        </p:spPr>
-        <p:txBody>
-          <a:bodyPr/>
-          <a:lstStyle/>
-          <a:p>
-            <a:r>
-              <a:rPr lang="de-DE" dirty="0"/>
-              <a:t>pom.xml</a:t>
-            </a:r>
-          </a:p>
-        </p:txBody>
-      </p:sp>
-      <p:sp>
-        <p:nvSpPr>
-          <p:cNvPr id="15" name="Textplatzhalter 14">
-            <a:extLst>
-              <a:ext uri="{FF2B5EF4-FFF2-40B4-BE49-F238E27FC236}">
-                <a16:creationId xmlns:a16="http://schemas.microsoft.com/office/drawing/2014/main" id="{BF7B6605-F809-4FBA-BBA5-88D2946B4448}"/>
-              </a:ext>
-            </a:extLst>
-          </p:cNvPr>
-          <p:cNvSpPr>
-            <a:spLocks noGrp="1"/>
-          </p:cNvSpPr>
-          <p:nvPr>
-            <p:ph type="body" sz="quarter" idx="3"/>
-          </p:nvPr>
-        </p:nvSpPr>
-        <p:spPr>
-          <a:xfrm>
-            <a:off x="6199549" y="817010"/>
-            <a:ext cx="4645152" cy="802237"/>
-          </a:xfrm>
-        </p:spPr>
-        <p:txBody>
-          <a:bodyPr/>
-          <a:lstStyle/>
-          <a:p>
-            <a:r>
-              <a:rPr lang="de-DE" dirty="0" err="1"/>
-              <a:t>application.properties</a:t>
-            </a:r>
-            <a:endParaRPr lang="de-DE" dirty="0"/>
-          </a:p>
-        </p:txBody>
-      </p:sp>
-      <p:pic>
-        <p:nvPicPr>
-          <p:cNvPr id="18" name="Grafik 17">
-            <a:extLst>
-              <a:ext uri="{FF2B5EF4-FFF2-40B4-BE49-F238E27FC236}">
-                <a16:creationId xmlns:a16="http://schemas.microsoft.com/office/drawing/2014/main" id="{F961C61A-612D-40D1-AA85-626E254314AC}"/>
+          <p:cNvPr id="24" name="Inhaltsplatzhalter 4">
+            <a:extLst>
+              <a:ext uri="{FF2B5EF4-FFF2-40B4-BE49-F238E27FC236}">
+                <a16:creationId xmlns:a16="http://schemas.microsoft.com/office/drawing/2014/main" id="{6E22B652-A73B-475F-83FC-BBD2ED81AAA5}"/>
               </a:ext>
             </a:extLst>
           </p:cNvPr>
@@ -12580,174 +12270,18 @@
         </p:blipFill>
         <p:spPr>
           <a:xfrm>
-            <a:off x="515384" y="1726028"/>
-            <a:ext cx="3894157" cy="2347163"/>
+            <a:off x="5918624" y="2614364"/>
+            <a:ext cx="5784739" cy="1629272"/>
           </a:xfrm>
           <a:prstGeom prst="rect">
             <a:avLst/>
           </a:prstGeom>
         </p:spPr>
       </p:pic>
-      <p:pic>
-        <p:nvPicPr>
-          <p:cNvPr id="3" name="Grafik 2">
-            <a:extLst>
-              <a:ext uri="{FF2B5EF4-FFF2-40B4-BE49-F238E27FC236}">
-                <a16:creationId xmlns:a16="http://schemas.microsoft.com/office/drawing/2014/main" id="{88E68303-8A19-4CE4-A23F-CE831E69BBB3}"/>
-              </a:ext>
-            </a:extLst>
-          </p:cNvPr>
-          <p:cNvPicPr>
-            <a:picLocks noChangeAspect="1"/>
-          </p:cNvPicPr>
-          <p:nvPr/>
-        </p:nvPicPr>
-        <p:blipFill>
-          <a:blip r:embed="rId3"/>
-          <a:stretch>
-            <a:fillRect/>
-          </a:stretch>
-        </p:blipFill>
-        <p:spPr>
-          <a:xfrm>
-            <a:off x="5345551" y="1718407"/>
-            <a:ext cx="5486875" cy="1181202"/>
-          </a:xfrm>
-          <a:prstGeom prst="rect">
-            <a:avLst/>
-          </a:prstGeom>
-        </p:spPr>
-      </p:pic>
-      <p:sp>
-        <p:nvSpPr>
-          <p:cNvPr id="2" name="Textfeld 1">
-            <a:extLst>
-              <a:ext uri="{FF2B5EF4-FFF2-40B4-BE49-F238E27FC236}">
-                <a16:creationId xmlns:a16="http://schemas.microsoft.com/office/drawing/2014/main" id="{2ACF7699-04C2-48EF-BAC3-1BF36C9E34F8}"/>
-              </a:ext>
-            </a:extLst>
-          </p:cNvPr>
-          <p:cNvSpPr txBox="1"/>
-          <p:nvPr/>
-        </p:nvSpPr>
-        <p:spPr>
-          <a:xfrm>
-            <a:off x="515384" y="4211053"/>
-            <a:ext cx="3894157" cy="1200329"/>
-          </a:xfrm>
-          <a:prstGeom prst="rect">
-            <a:avLst/>
-          </a:prstGeom>
-          <a:noFill/>
-        </p:spPr>
-        <p:txBody>
-          <a:bodyPr wrap="square" rtlCol="0">
-            <a:spAutoFit/>
-          </a:bodyPr>
-          <a:lstStyle/>
-          <a:p>
-            <a:pPr marL="285750" indent="-285750">
-              <a:buFont typeface="Arial" panose="020B0604020202020204" pitchFamily="34" charset="0"/>
-              <a:buChar char="•"/>
-            </a:pPr>
-            <a:r>
-              <a:rPr lang="de-DE" dirty="0"/>
-              <a:t>Project </a:t>
-            </a:r>
-            <a:r>
-              <a:rPr lang="de-DE" dirty="0" err="1"/>
-              <a:t>Object</a:t>
-            </a:r>
-            <a:r>
-              <a:rPr lang="de-DE" dirty="0"/>
-              <a:t> Model</a:t>
-            </a:r>
-          </a:p>
-          <a:p>
-            <a:pPr marL="285750" indent="-285750">
-              <a:buFont typeface="Arial" panose="020B0604020202020204" pitchFamily="34" charset="0"/>
-              <a:buChar char="•"/>
-            </a:pPr>
-            <a:r>
-              <a:rPr lang="de-DE" dirty="0"/>
-              <a:t>Konfiguration des Projektes </a:t>
-            </a:r>
-          </a:p>
-          <a:p>
-            <a:pPr marL="742950" lvl="1" indent="-285750">
-              <a:buFont typeface="Arial" panose="020B0604020202020204" pitchFamily="34" charset="0"/>
-              <a:buChar char="•"/>
-            </a:pPr>
-            <a:r>
-              <a:rPr lang="de-DE" dirty="0"/>
-              <a:t>Abhängigkeiten</a:t>
-            </a:r>
-          </a:p>
-          <a:p>
-            <a:pPr marL="742950" lvl="1" indent="-285750">
-              <a:buFont typeface="Arial" panose="020B0604020202020204" pitchFamily="34" charset="0"/>
-              <a:buChar char="•"/>
-            </a:pPr>
-            <a:r>
-              <a:rPr lang="de-DE" dirty="0"/>
-              <a:t>Projektdetails</a:t>
-            </a:r>
-          </a:p>
-        </p:txBody>
-      </p:sp>
-      <p:sp>
-        <p:nvSpPr>
-          <p:cNvPr id="4" name="Textfeld 3">
-            <a:extLst>
-              <a:ext uri="{FF2B5EF4-FFF2-40B4-BE49-F238E27FC236}">
-                <a16:creationId xmlns:a16="http://schemas.microsoft.com/office/drawing/2014/main" id="{FA669660-EE14-4B53-B3F7-90D3D04D6C0C}"/>
-              </a:ext>
-            </a:extLst>
-          </p:cNvPr>
-          <p:cNvSpPr txBox="1"/>
-          <p:nvPr/>
-        </p:nvSpPr>
-        <p:spPr>
-          <a:xfrm>
-            <a:off x="5345551" y="3059668"/>
-            <a:ext cx="5499150" cy="646331"/>
-          </a:xfrm>
-          <a:prstGeom prst="rect">
-            <a:avLst/>
-          </a:prstGeom>
-          <a:noFill/>
-        </p:spPr>
-        <p:txBody>
-          <a:bodyPr wrap="square" rtlCol="0">
-            <a:spAutoFit/>
-          </a:bodyPr>
-          <a:lstStyle/>
-          <a:p>
-            <a:pPr marL="285750" indent="-285750">
-              <a:buFont typeface="Arial" panose="020B0604020202020204" pitchFamily="34" charset="0"/>
-              <a:buChar char="•"/>
-            </a:pPr>
-            <a:r>
-              <a:rPr lang="de-DE" dirty="0"/>
-              <a:t>Eigenschaften des Projektes</a:t>
-            </a:r>
-          </a:p>
-          <a:p>
-            <a:pPr marL="742950" lvl="1" indent="-285750">
-              <a:buFont typeface="Arial" panose="020B0604020202020204" pitchFamily="34" charset="0"/>
-              <a:buChar char="•"/>
-            </a:pPr>
-            <a:r>
-              <a:rPr lang="de-DE" dirty="0"/>
-              <a:t>zum Beispiel Datenbankanbindung</a:t>
-            </a:r>
-          </a:p>
-        </p:txBody>
-      </p:sp>
     </p:spTree>
     <p:extLst>
       <p:ext uri="{BB962C8B-B14F-4D97-AF65-F5344CB8AC3E}">
-        <p14:creationId xmlns:p14="http://schemas.microsoft.com/office/powerpoint/2010/main" val="351207113"/>
+        <p14:creationId xmlns:p14="http://schemas.microsoft.com/office/powerpoint/2010/main" val="1391950885"/>
       </p:ext>
     </p:extLst>
   </p:cSld>
@@ -12799,12 +12333,150 @@
           <a:chExt cx="0" cy="0"/>
         </a:xfrm>
       </p:grpSpPr>
+      <p:sp useBgFill="1">
+        <p:nvSpPr>
+          <p:cNvPr id="11" name="Rectangle 10">
+            <a:extLst>
+              <a:ext uri="{FF2B5EF4-FFF2-40B4-BE49-F238E27FC236}">
+                <a16:creationId xmlns:a16="http://schemas.microsoft.com/office/drawing/2014/main" id="{C014BF94-4DFC-4A65-99BF-76277891EA04}"/>
+              </a:ext>
+              <a:ext uri="{C183D7F6-B498-43B3-948B-1728B52AA6E4}">
+                <adec:decorative xmlns:adec="http://schemas.microsoft.com/office/drawing/2017/decorative" val="1"/>
+              </a:ext>
+            </a:extLst>
+          </p:cNvPr>
+          <p:cNvSpPr>
+            <a:spLocks noGrp="1" noRot="1" noChangeAspect="1" noMove="1" noResize="1" noEditPoints="1" noAdjustHandles="1" noChangeArrowheads="1" noChangeShapeType="1" noTextEdit="1"/>
+          </p:cNvSpPr>
+          <p:nvPr>
+            <p:extLst>
+              <p:ext uri="{386F3935-93C4-4BCD-93E2-E3B085C9AB24}">
+                <p16:designElem xmlns:p16="http://schemas.microsoft.com/office/powerpoint/2015/main" val="1"/>
+              </p:ext>
+            </p:extLst>
+          </p:nvPr>
+        </p:nvSpPr>
+        <p:spPr>
+          <a:xfrm>
+            <a:off x="2" y="0"/>
+            <a:ext cx="12191695" cy="6858000"/>
+          </a:xfrm>
+          <a:prstGeom prst="rect">
+            <a:avLst/>
+          </a:prstGeom>
+          <a:ln>
+            <a:noFill/>
+          </a:ln>
+        </p:spPr>
+        <p:style>
+          <a:lnRef idx="2">
+            <a:schemeClr val="accent1">
+              <a:shade val="50000"/>
+            </a:schemeClr>
+          </a:lnRef>
+          <a:fillRef idx="1">
+            <a:schemeClr val="accent1"/>
+          </a:fillRef>
+          <a:effectRef idx="0">
+            <a:schemeClr val="accent1"/>
+          </a:effectRef>
+          <a:fontRef idx="minor">
+            <a:schemeClr val="lt1"/>
+          </a:fontRef>
+        </p:style>
+        <p:txBody>
+          <a:bodyPr rtlCol="0" anchor="ctr"/>
+          <a:lstStyle/>
+          <a:p>
+            <a:pPr algn="ctr"/>
+            <a:endParaRPr lang="en-US"/>
+          </a:p>
+        </p:txBody>
+      </p:sp>
       <p:sp>
         <p:nvSpPr>
+          <p:cNvPr id="13" name="Rectangle 12">
+            <a:extLst>
+              <a:ext uri="{FF2B5EF4-FFF2-40B4-BE49-F238E27FC236}">
+                <a16:creationId xmlns:a16="http://schemas.microsoft.com/office/drawing/2014/main" id="{B255C7B1-10DA-4D61-B560-5E1F081B3472}"/>
+              </a:ext>
+              <a:ext uri="{C183D7F6-B498-43B3-948B-1728B52AA6E4}">
+                <adec:decorative xmlns:adec="http://schemas.microsoft.com/office/drawing/2017/decorative" val="1"/>
+              </a:ext>
+            </a:extLst>
+          </p:cNvPr>
+          <p:cNvSpPr>
+            <a:spLocks noGrp="1" noRot="1" noChangeAspect="1" noMove="1" noResize="1" noEditPoints="1" noAdjustHandles="1" noChangeArrowheads="1" noChangeShapeType="1" noTextEdit="1"/>
+          </p:cNvSpPr>
+          <p:nvPr>
+            <p:extLst>
+              <p:ext uri="{386F3935-93C4-4BCD-93E2-E3B085C9AB24}">
+                <p16:designElem xmlns:p16="http://schemas.microsoft.com/office/powerpoint/2015/main" val="1"/>
+              </p:ext>
+            </p:extLst>
+          </p:nvPr>
+        </p:nvSpPr>
+        <p:spPr>
+          <a:xfrm>
+            <a:off x="0" y="468769"/>
+            <a:ext cx="12192000" cy="5647024"/>
+          </a:xfrm>
+          <a:prstGeom prst="rect">
+            <a:avLst/>
+          </a:prstGeom>
+          <a:gradFill flip="none" rotWithShape="1">
+            <a:gsLst>
+              <a:gs pos="0">
+                <a:schemeClr val="bg2">
+                  <a:alpha val="0"/>
+                  <a:lumMod val="100000"/>
+                </a:schemeClr>
+              </a:gs>
+              <a:gs pos="100000">
+                <a:schemeClr val="bg2">
+                  <a:lumMod val="95000"/>
+                  <a:lumOff val="5000"/>
+                </a:schemeClr>
+              </a:gs>
+            </a:gsLst>
+            <a:lin ang="5400000" scaled="0"/>
+            <a:tileRect/>
+          </a:gradFill>
+          <a:ln>
+            <a:noFill/>
+          </a:ln>
+        </p:spPr>
+        <p:style>
+          <a:lnRef idx="2">
+            <a:schemeClr val="accent1">
+              <a:shade val="50000"/>
+            </a:schemeClr>
+          </a:lnRef>
+          <a:fillRef idx="1">
+            <a:schemeClr val="accent1"/>
+          </a:fillRef>
+          <a:effectRef idx="0">
+            <a:schemeClr val="accent1"/>
+          </a:effectRef>
+          <a:fontRef idx="minor">
+            <a:schemeClr val="lt1"/>
+          </a:fontRef>
+        </p:style>
+        <p:txBody>
+          <a:bodyPr rtlCol="0" anchor="ctr"/>
+          <a:lstStyle/>
+          <a:p>
+            <a:pPr algn="ctr"/>
+            <a:endParaRPr lang="en-US"/>
+          </a:p>
+        </p:txBody>
+      </p:sp>
+      <p:sp>
+        <p:nvSpPr>
           <p:cNvPr id="2" name="Titel 1">
             <a:extLst>
               <a:ext uri="{FF2B5EF4-FFF2-40B4-BE49-F238E27FC236}">
-                <a16:creationId xmlns:a16="http://schemas.microsoft.com/office/drawing/2014/main" id="{4FC79BFD-AA51-4C25-9E23-362F1570ACBE}"/>
+                <a16:creationId xmlns:a16="http://schemas.microsoft.com/office/drawing/2014/main" id="{A1631D66-57A2-4E4C-91BD-87C28924E4FF}"/>
               </a:ext>
             </a:extLst>
           </p:cNvPr>
@@ -12817,182 +12489,257 @@
         </p:nvSpPr>
         <p:spPr>
           <a:xfrm>
-            <a:off x="1130270" y="953324"/>
-            <a:ext cx="9603275" cy="1049235"/>
+            <a:off x="1121028" y="948706"/>
+            <a:ext cx="4507707" cy="1049235"/>
           </a:xfrm>
         </p:spPr>
         <p:txBody>
-          <a:bodyPr>
+          <a:bodyPr vert="horz" lIns="91440" tIns="45720" rIns="91440" bIns="45720" rtlCol="0" anchor="t">
             <a:normAutofit/>
           </a:bodyPr>
           <a:lstStyle/>
           <a:p>
             <a:r>
-              <a:rPr lang="de-DE" dirty="0"/>
-              <a:t>Repository</a:t>
+              <a:rPr lang="en-US"/>
+              <a:t>Rest-Controller</a:t>
             </a:r>
           </a:p>
         </p:txBody>
       </p:sp>
+      <p:pic>
+        <p:nvPicPr>
+          <p:cNvPr id="15" name="Picture 14">
+            <a:extLst>
+              <a:ext uri="{FF2B5EF4-FFF2-40B4-BE49-F238E27FC236}">
+                <a16:creationId xmlns:a16="http://schemas.microsoft.com/office/drawing/2014/main" id="{88C29B8B-A62C-43CE-92FF-12EAA1D01B53}"/>
+              </a:ext>
+              <a:ext uri="{C183D7F6-B498-43B3-948B-1728B52AA6E4}">
+                <adec:decorative xmlns:adec="http://schemas.microsoft.com/office/drawing/2017/decorative" val="1"/>
+              </a:ext>
+            </a:extLst>
+          </p:cNvPr>
+          <p:cNvPicPr>
+            <a:picLocks noGrp="1" noRot="1" noChangeAspect="1" noMove="1" noResize="1" noEditPoints="1" noAdjustHandles="1" noChangeArrowheads="1" noChangeShapeType="1" noCrop="1"/>
+          </p:cNvPicPr>
+          <p:nvPr>
+            <p:extLst>
+              <p:ext uri="{386F3935-93C4-4BCD-93E2-E3B085C9AB24}">
+                <p16:designElem xmlns:p16="http://schemas.microsoft.com/office/powerpoint/2015/main" val="1"/>
+              </p:ext>
+            </p:extLst>
+          </p:nvPr>
+        </p:nvPicPr>
+        <p:blipFill rotWithShape="1">
+          <a:blip r:embed="rId2">
+            <a:duotone>
+              <a:schemeClr val="accent1">
+                <a:shade val="45000"/>
+                <a:satMod val="135000"/>
+              </a:schemeClr>
+              <a:prstClr val="white"/>
+            </a:duotone>
+            <a:extLst>
+              <a:ext uri="{28A0092B-C50C-407E-A947-70E740481C1C}">
+                <a14:useLocalDpi xmlns:a14="http://schemas.microsoft.com/office/drawing/2010/main" val="0"/>
+              </a:ext>
+            </a:extLst>
+          </a:blip>
+          <a:srcRect l="-116" t="474" r="60419" b="36564"/>
+          <a:stretch/>
+        </p:blipFill>
+        <p:spPr>
+          <a:xfrm>
+            <a:off x="1125460" y="643464"/>
+            <a:ext cx="4526280" cy="155448"/>
+          </a:xfrm>
+          <a:prstGeom prst="rect">
+            <a:avLst/>
+          </a:prstGeom>
+          <a:noFill/>
+          <a:ln>
+            <a:noFill/>
+          </a:ln>
+        </p:spPr>
+      </p:pic>
       <p:sp>
         <p:nvSpPr>
-          <p:cNvPr id="23" name="Content Placeholder 9">
-            <a:extLst>
-              <a:ext uri="{FF2B5EF4-FFF2-40B4-BE49-F238E27FC236}">
-                <a16:creationId xmlns:a16="http://schemas.microsoft.com/office/drawing/2014/main" id="{05241B4D-4705-4D04-9F23-BA10C7FAE0D2}"/>
-              </a:ext>
-            </a:extLst>
-          </p:cNvPr>
-          <p:cNvSpPr>
-            <a:spLocks noGrp="1"/>
-          </p:cNvSpPr>
-          <p:nvPr>
-            <p:ph idx="1"/>
-          </p:nvPr>
-        </p:nvSpPr>
-        <p:spPr>
-          <a:xfrm>
-            <a:off x="1130270" y="2158175"/>
-            <a:ext cx="4345401" cy="3308172"/>
-          </a:xfrm>
+          <p:cNvPr id="6" name="Textfeld 5">
+            <a:extLst>
+              <a:ext uri="{FF2B5EF4-FFF2-40B4-BE49-F238E27FC236}">
+                <a16:creationId xmlns:a16="http://schemas.microsoft.com/office/drawing/2014/main" id="{A288323F-9217-4418-846D-C1952A9B4392}"/>
+              </a:ext>
+            </a:extLst>
+          </p:cNvPr>
+          <p:cNvSpPr txBox="1"/>
+          <p:nvPr/>
+        </p:nvSpPr>
+        <p:spPr>
+          <a:xfrm>
+            <a:off x="1121030" y="2167151"/>
+            <a:ext cx="4503066" cy="3299194"/>
+          </a:xfrm>
+          <a:prstGeom prst="rect">
+            <a:avLst/>
+          </a:prstGeom>
         </p:spPr>
         <p:txBody>
-          <a:bodyPr>
+          <a:bodyPr vert="horz" lIns="91440" tIns="45720" rIns="91440" bIns="45720" rtlCol="0" anchor="t">
             <a:normAutofit/>
           </a:bodyPr>
           <a:lstStyle/>
           <a:p>
-            <a:r>
-              <a:rPr lang="en-US" dirty="0"/>
-              <a:t>Repository Implementation </a:t>
-            </a:r>
-            <a:r>
-              <a:rPr lang="en-US" dirty="0" err="1"/>
-              <a:t>wird</a:t>
-            </a:r>
-            <a:r>
-              <a:rPr lang="en-US" dirty="0"/>
-              <a:t> </a:t>
-            </a:r>
-            <a:r>
-              <a:rPr lang="en-US" dirty="0" err="1"/>
-              <a:t>zur</a:t>
-            </a:r>
-            <a:r>
-              <a:rPr lang="en-US" dirty="0"/>
-              <a:t> </a:t>
-            </a:r>
-            <a:r>
-              <a:rPr lang="en-US" dirty="0" err="1"/>
-              <a:t>Laufzeit</a:t>
-            </a:r>
-            <a:r>
-              <a:rPr lang="en-US" dirty="0"/>
-              <a:t> </a:t>
-            </a:r>
-            <a:r>
-              <a:rPr lang="en-US" dirty="0" err="1"/>
-              <a:t>erzeugt</a:t>
-            </a:r>
-            <a:endParaRPr lang="en-US" dirty="0"/>
-          </a:p>
-          <a:p>
-            <a:r>
-              <a:rPr lang="en-US" dirty="0" err="1"/>
-              <a:t>JpaRepository</a:t>
-            </a:r>
-            <a:r>
-              <a:rPr lang="en-US" dirty="0"/>
-              <a:t> </a:t>
-            </a:r>
-            <a:r>
-              <a:rPr lang="en-US" dirty="0" err="1"/>
-              <a:t>liefert</a:t>
-            </a:r>
-            <a:r>
-              <a:rPr lang="en-US" dirty="0"/>
-              <a:t> </a:t>
-            </a:r>
-            <a:r>
-              <a:rPr lang="en-US" dirty="0" err="1"/>
-              <a:t>Methoden</a:t>
-            </a:r>
-            <a:r>
-              <a:rPr lang="en-US" dirty="0"/>
-              <a:t> </a:t>
-            </a:r>
-            <a:r>
-              <a:rPr lang="en-US" dirty="0" err="1"/>
-              <a:t>zum</a:t>
-            </a:r>
-            <a:r>
-              <a:rPr lang="en-US" dirty="0"/>
-              <a:t> </a:t>
-            </a:r>
-            <a:r>
-              <a:rPr lang="en-US" dirty="0" err="1"/>
-              <a:t>speichern</a:t>
-            </a:r>
-            <a:r>
-              <a:rPr lang="en-US" dirty="0"/>
-              <a:t>, </a:t>
-            </a:r>
-            <a:r>
-              <a:rPr lang="en-US" dirty="0" err="1"/>
-              <a:t>löschen</a:t>
-            </a:r>
-            <a:r>
-              <a:rPr lang="en-US" dirty="0"/>
-              <a:t> und </a:t>
-            </a:r>
-            <a:r>
-              <a:rPr lang="en-US" dirty="0" err="1"/>
-              <a:t>bearbeiten</a:t>
-            </a:r>
-            <a:r>
-              <a:rPr lang="en-US" dirty="0"/>
-              <a:t> von Entities</a:t>
-            </a:r>
-          </a:p>
-          <a:p>
-            <a:r>
-              <a:rPr lang="en-US" dirty="0" err="1"/>
-              <a:t>Eigene</a:t>
-            </a:r>
-            <a:r>
-              <a:rPr lang="en-US" dirty="0"/>
-              <a:t> </a:t>
-            </a:r>
-            <a:r>
-              <a:rPr lang="en-US" dirty="0" err="1"/>
-              <a:t>Methoden</a:t>
-            </a:r>
-            <a:r>
-              <a:rPr lang="en-US" dirty="0"/>
-              <a:t> </a:t>
-            </a:r>
-            <a:r>
-              <a:rPr lang="en-US" dirty="0" err="1"/>
-              <a:t>auch</a:t>
-            </a:r>
-            <a:r>
-              <a:rPr lang="en-US" dirty="0"/>
-              <a:t> </a:t>
-            </a:r>
-            <a:r>
-              <a:rPr lang="en-US" dirty="0" err="1"/>
-              <a:t>möglich</a:t>
-            </a:r>
-            <a:endParaRPr lang="en-US" dirty="0"/>
+            <a:pPr marL="285750" indent="-228600" defTabSz="914400">
+              <a:lnSpc>
+                <a:spcPct val="110000"/>
+              </a:lnSpc>
+              <a:spcAft>
+                <a:spcPts val="600"/>
+              </a:spcAft>
+              <a:buClr>
+                <a:schemeClr val="accent1"/>
+              </a:buClr>
+              <a:buSzPct val="100000"/>
+              <a:buFont typeface="Arial" panose="020B0604020202020204" pitchFamily="34" charset="0"/>
+              <a:buChar char="•"/>
+            </a:pPr>
+            <a:r>
+              <a:rPr lang="en-US" sz="1500"/>
+              <a:t>@PostMapping = @RequestMapping(method = RequestMethod.POST)</a:t>
+            </a:r>
+          </a:p>
+          <a:p>
+            <a:pPr indent="-228600" defTabSz="914400">
+              <a:lnSpc>
+                <a:spcPct val="110000"/>
+              </a:lnSpc>
+              <a:spcAft>
+                <a:spcPts val="600"/>
+              </a:spcAft>
+              <a:buClr>
+                <a:schemeClr val="accent1"/>
+              </a:buClr>
+              <a:buSzPct val="100000"/>
+              <a:buFont typeface="Arial" panose="020B0604020202020204" pitchFamily="34" charset="0"/>
+              <a:buChar char="•"/>
+            </a:pPr>
+            <a:endParaRPr lang="en-US" sz="1500"/>
+          </a:p>
+          <a:p>
+            <a:pPr marL="285750" indent="-228600" defTabSz="914400">
+              <a:lnSpc>
+                <a:spcPct val="110000"/>
+              </a:lnSpc>
+              <a:spcAft>
+                <a:spcPts val="600"/>
+              </a:spcAft>
+              <a:buClr>
+                <a:schemeClr val="accent1"/>
+              </a:buClr>
+              <a:buSzPct val="100000"/>
+              <a:buFont typeface="Arial" panose="020B0604020202020204" pitchFamily="34" charset="0"/>
+              <a:buChar char="•"/>
+            </a:pPr>
+            <a:r>
+              <a:rPr lang="en-US" sz="1500"/>
+              <a:t>Bindung an den Body des Web Requests über Annotation RequestBody</a:t>
+            </a:r>
+          </a:p>
+          <a:p>
+            <a:pPr marL="285750" indent="-228600" defTabSz="914400">
+              <a:lnSpc>
+                <a:spcPct val="110000"/>
+              </a:lnSpc>
+              <a:spcAft>
+                <a:spcPts val="600"/>
+              </a:spcAft>
+              <a:buClr>
+                <a:schemeClr val="accent1"/>
+              </a:buClr>
+              <a:buSzPct val="100000"/>
+              <a:buFont typeface="Arial" panose="020B0604020202020204" pitchFamily="34" charset="0"/>
+              <a:buChar char="•"/>
+            </a:pPr>
+            <a:endParaRPr lang="en-US" sz="1500"/>
+          </a:p>
+          <a:p>
+            <a:pPr marL="285750" indent="-228600" defTabSz="914400">
+              <a:lnSpc>
+                <a:spcPct val="110000"/>
+              </a:lnSpc>
+              <a:spcAft>
+                <a:spcPts val="600"/>
+              </a:spcAft>
+              <a:buClr>
+                <a:schemeClr val="accent1"/>
+              </a:buClr>
+              <a:buSzPct val="100000"/>
+              <a:buFont typeface="Arial" panose="020B0604020202020204" pitchFamily="34" charset="0"/>
+              <a:buChar char="•"/>
+            </a:pPr>
+            <a:r>
+              <a:rPr lang="en-US" sz="1500"/>
+              <a:t>Speichern der Daten über Objekte der Repositories</a:t>
+            </a:r>
+          </a:p>
+          <a:p>
+            <a:pPr marL="285750" indent="-228600" defTabSz="914400">
+              <a:lnSpc>
+                <a:spcPct val="110000"/>
+              </a:lnSpc>
+              <a:spcAft>
+                <a:spcPts val="600"/>
+              </a:spcAft>
+              <a:buClr>
+                <a:schemeClr val="accent1"/>
+              </a:buClr>
+              <a:buSzPct val="100000"/>
+              <a:buFont typeface="Arial" panose="020B0604020202020204" pitchFamily="34" charset="0"/>
+              <a:buChar char="•"/>
+            </a:pPr>
+            <a:endParaRPr lang="en-US" sz="1500"/>
+          </a:p>
+          <a:p>
+            <a:pPr indent="-228600" defTabSz="914400">
+              <a:lnSpc>
+                <a:spcPct val="110000"/>
+              </a:lnSpc>
+              <a:spcAft>
+                <a:spcPts val="600"/>
+              </a:spcAft>
+              <a:buClr>
+                <a:schemeClr val="accent1"/>
+              </a:buClr>
+              <a:buSzPct val="100000"/>
+              <a:buFont typeface="Arial" panose="020B0604020202020204" pitchFamily="34" charset="0"/>
+              <a:buChar char="•"/>
+            </a:pPr>
+            <a:endParaRPr lang="en-US" sz="1500"/>
+          </a:p>
+          <a:p>
+            <a:pPr marL="285750" indent="-228600" defTabSz="914400">
+              <a:lnSpc>
+                <a:spcPct val="110000"/>
+              </a:lnSpc>
+              <a:spcAft>
+                <a:spcPts val="600"/>
+              </a:spcAft>
+              <a:buClr>
+                <a:schemeClr val="accent1"/>
+              </a:buClr>
+              <a:buSzPct val="100000"/>
+              <a:buFont typeface="Arial" panose="020B0604020202020204" pitchFamily="34" charset="0"/>
+              <a:buChar char="•"/>
+            </a:pPr>
+            <a:endParaRPr lang="en-US" sz="1500"/>
           </a:p>
         </p:txBody>
       </p:sp>
       <p:pic>
         <p:nvPicPr>
-          <p:cNvPr id="24" name="Inhaltsplatzhalter 4">
-            <a:extLst>
-              <a:ext uri="{FF2B5EF4-FFF2-40B4-BE49-F238E27FC236}">
-                <a16:creationId xmlns:a16="http://schemas.microsoft.com/office/drawing/2014/main" id="{6E22B652-A73B-475F-83FC-BBD2ED81AAA5}"/>
+          <p:cNvPr id="4" name="Grafik 3">
+            <a:extLst>
+              <a:ext uri="{FF2B5EF4-FFF2-40B4-BE49-F238E27FC236}">
+                <a16:creationId xmlns:a16="http://schemas.microsoft.com/office/drawing/2014/main" id="{F0152B6A-BDCE-45B1-8B02-AFC7BBD9871D}"/>
               </a:ext>
             </a:extLst>
           </p:cNvPr>
@@ -13002,25 +12749,123 @@
           <p:nvPr/>
         </p:nvPicPr>
         <p:blipFill>
-          <a:blip r:embed="rId2"/>
+          <a:blip r:embed="rId3"/>
           <a:stretch>
             <a:fillRect/>
           </a:stretch>
         </p:blipFill>
         <p:spPr>
           <a:xfrm>
-            <a:off x="5918624" y="2614364"/>
-            <a:ext cx="5784739" cy="1629272"/>
+            <a:off x="5624096" y="954030"/>
+            <a:ext cx="6534576" cy="4949940"/>
           </a:xfrm>
           <a:prstGeom prst="rect">
             <a:avLst/>
           </a:prstGeom>
         </p:spPr>
       </p:pic>
+      <p:pic>
+        <p:nvPicPr>
+          <p:cNvPr id="17" name="Picture 16">
+            <a:extLst>
+              <a:ext uri="{FF2B5EF4-FFF2-40B4-BE49-F238E27FC236}">
+                <a16:creationId xmlns:a16="http://schemas.microsoft.com/office/drawing/2014/main" id="{F873EA42-E9E9-4806-A9F6-1718BE38B727}"/>
+              </a:ext>
+              <a:ext uri="{C183D7F6-B498-43B3-948B-1728B52AA6E4}">
+                <adec:decorative xmlns:adec="http://schemas.microsoft.com/office/drawing/2017/decorative" val="1"/>
+              </a:ext>
+            </a:extLst>
+          </p:cNvPr>
+          <p:cNvPicPr>
+            <a:picLocks noGrp="1" noRot="1" noChangeAspect="1" noMove="1" noResize="1" noEditPoints="1" noAdjustHandles="1" noChangeArrowheads="1" noChangeShapeType="1" noCrop="1"/>
+          </p:cNvPicPr>
+          <p:nvPr>
+            <p:extLst>
+              <p:ext uri="{386F3935-93C4-4BCD-93E2-E3B085C9AB24}">
+                <p16:designElem xmlns:p16="http://schemas.microsoft.com/office/powerpoint/2015/main" val="1"/>
+              </p:ext>
+            </p:extLst>
+          </p:nvPr>
+        </p:nvPicPr>
+        <p:blipFill rotWithShape="1">
+          <a:blip r:embed="rId4">
+            <a:extLst>
+              <a:ext uri="{28A0092B-C50C-407E-A947-70E740481C1C}">
+                <a14:useLocalDpi xmlns:a14="http://schemas.microsoft.com/office/drawing/2010/main" val="0"/>
+              </a:ext>
+            </a:extLst>
+          </a:blip>
+          <a:srcRect t="1538" b="-1538"/>
+          <a:stretch/>
+        </p:blipFill>
+        <p:spPr>
+          <a:xfrm>
+            <a:off x="0" y="6119336"/>
+            <a:ext cx="12192000" cy="742950"/>
+          </a:xfrm>
+          <a:prstGeom prst="rect">
+            <a:avLst/>
+          </a:prstGeom>
+        </p:spPr>
+      </p:pic>
+      <p:cxnSp>
+        <p:nvCxnSpPr>
+          <p:cNvPr id="19" name="Straight Connector 18">
+            <a:extLst>
+              <a:ext uri="{FF2B5EF4-FFF2-40B4-BE49-F238E27FC236}">
+                <a16:creationId xmlns:a16="http://schemas.microsoft.com/office/drawing/2014/main" id="{A99D5523-0BC8-4D5A-871C-69C0725E7363}"/>
+              </a:ext>
+              <a:ext uri="{C183D7F6-B498-43B3-948B-1728B52AA6E4}">
+                <adec:decorative xmlns:adec="http://schemas.microsoft.com/office/drawing/2017/decorative" val="1"/>
+              </a:ext>
+            </a:extLst>
+          </p:cNvPr>
+          <p:cNvCxnSpPr>
+            <a:cxnSpLocks noGrp="1" noRot="1" noChangeAspect="1" noMove="1" noResize="1" noEditPoints="1" noAdjustHandles="1" noChangeArrowheads="1" noChangeShapeType="1"/>
+          </p:cNvCxnSpPr>
+          <p:nvPr>
+            <p:extLst>
+              <p:ext uri="{386F3935-93C4-4BCD-93E2-E3B085C9AB24}">
+                <p16:designElem xmlns:p16="http://schemas.microsoft.com/office/powerpoint/2015/main" val="1"/>
+              </p:ext>
+            </p:extLst>
+          </p:nvPr>
+        </p:nvCxnSpPr>
+        <p:spPr>
+          <a:xfrm>
+            <a:off x="0" y="6121269"/>
+            <a:ext cx="12192000" cy="0"/>
+          </a:xfrm>
+          <a:prstGeom prst="line">
+            <a:avLst/>
+          </a:prstGeom>
+          <a:ln w="12700">
+            <a:solidFill>
+              <a:srgbClr val="000001">
+                <a:alpha val="20000"/>
+              </a:srgbClr>
+            </a:solidFill>
+          </a:ln>
+        </p:spPr>
+        <p:style>
+          <a:lnRef idx="1">
+            <a:schemeClr val="accent1"/>
+          </a:lnRef>
+          <a:fillRef idx="0">
+            <a:schemeClr val="accent1"/>
+          </a:fillRef>
+          <a:effectRef idx="0">
+            <a:schemeClr val="accent1"/>
+          </a:effectRef>
+          <a:fontRef idx="minor">
+            <a:schemeClr val="tx1"/>
+          </a:fontRef>
+        </p:style>
+      </p:cxnSp>
     </p:spTree>
     <p:extLst>
       <p:ext uri="{BB962C8B-B14F-4D97-AF65-F5344CB8AC3E}">
-        <p14:creationId xmlns:p14="http://schemas.microsoft.com/office/powerpoint/2010/main" val="1391950885"/>
+        <p14:creationId xmlns:p14="http://schemas.microsoft.com/office/powerpoint/2010/main" val="1743295633"/>
       </p:ext>
     </p:extLst>
   </p:cSld>
@@ -13052,7 +12897,7 @@
           <p:cNvPr id="2" name="Titel 1">
             <a:extLst>
               <a:ext uri="{FF2B5EF4-FFF2-40B4-BE49-F238E27FC236}">
-                <a16:creationId xmlns:a16="http://schemas.microsoft.com/office/drawing/2014/main" id="{A1631D66-57A2-4E4C-91BD-87C28924E4FF}"/>
+                <a16:creationId xmlns:a16="http://schemas.microsoft.com/office/drawing/2014/main" id="{7920A7ED-A1A4-4738-859F-58A275E7F327}"/>
               </a:ext>
             </a:extLst>
           </p:cNvPr>
@@ -13070,181 +12915,55 @@
           <a:p>
             <a:r>
               <a:rPr lang="de-DE" dirty="0"/>
-              <a:t>Rest-Controller</a:t>
+              <a:t>Ausblick</a:t>
             </a:r>
           </a:p>
         </p:txBody>
       </p:sp>
-      <p:pic>
-        <p:nvPicPr>
-          <p:cNvPr id="5" name="Grafik 4">
-            <a:extLst>
-              <a:ext uri="{FF2B5EF4-FFF2-40B4-BE49-F238E27FC236}">
-                <a16:creationId xmlns:a16="http://schemas.microsoft.com/office/drawing/2014/main" id="{E95A69AB-68A0-413E-AFC5-B6F684A1E054}"/>
-              </a:ext>
-            </a:extLst>
-          </p:cNvPr>
-          <p:cNvPicPr>
-            <a:picLocks noChangeAspect="1"/>
-          </p:cNvPicPr>
-          <p:nvPr/>
-        </p:nvPicPr>
-        <p:blipFill>
-          <a:blip r:embed="rId2"/>
-          <a:stretch>
-            <a:fillRect/>
-          </a:stretch>
-        </p:blipFill>
-        <p:spPr>
-          <a:xfrm>
-            <a:off x="1130270" y="1671834"/>
-            <a:ext cx="6730277" cy="3514332"/>
-          </a:xfrm>
-          <a:prstGeom prst="rect">
-            <a:avLst/>
-          </a:prstGeom>
-        </p:spPr>
-      </p:pic>
       <p:sp>
         <p:nvSpPr>
-          <p:cNvPr id="6" name="Textfeld 5">
-            <a:extLst>
-              <a:ext uri="{FF2B5EF4-FFF2-40B4-BE49-F238E27FC236}">
-                <a16:creationId xmlns:a16="http://schemas.microsoft.com/office/drawing/2014/main" id="{A288323F-9217-4418-846D-C1952A9B4392}"/>
-              </a:ext>
-            </a:extLst>
-          </p:cNvPr>
-          <p:cNvSpPr txBox="1"/>
-          <p:nvPr/>
-        </p:nvSpPr>
-        <p:spPr>
-          <a:xfrm>
-            <a:off x="8021053" y="1671834"/>
-            <a:ext cx="3906252" cy="3693319"/>
-          </a:xfrm>
-          <a:prstGeom prst="rect">
-            <a:avLst/>
-          </a:prstGeom>
-          <a:noFill/>
-        </p:spPr>
+          <p:cNvPr id="3" name="Inhaltsplatzhalter 2">
+            <a:extLst>
+              <a:ext uri="{FF2B5EF4-FFF2-40B4-BE49-F238E27FC236}">
+                <a16:creationId xmlns:a16="http://schemas.microsoft.com/office/drawing/2014/main" id="{FCEBA64E-2A61-4FEF-ADEE-8CC7AA23D9B3}"/>
+              </a:ext>
+            </a:extLst>
+          </p:cNvPr>
+          <p:cNvSpPr>
+            <a:spLocks noGrp="1"/>
+          </p:cNvSpPr>
+          <p:nvPr>
+            <p:ph idx="1"/>
+          </p:nvPr>
+        </p:nvSpPr>
+        <p:spPr/>
         <p:txBody>
-          <a:bodyPr wrap="square" rtlCol="0">
-            <a:spAutoFit/>
-          </a:bodyPr>
+          <a:bodyPr/>
           <a:lstStyle/>
           <a:p>
-            <a:pPr marL="285750" indent="-285750">
-              <a:buFont typeface="Arial" panose="020B0604020202020204" pitchFamily="34" charset="0"/>
-              <a:buChar char="•"/>
-            </a:pPr>
             <a:r>
               <a:rPr lang="de-DE" dirty="0"/>
-              <a:t>@</a:t>
-            </a:r>
-            <a:r>
-              <a:rPr lang="de-DE" dirty="0" err="1"/>
-              <a:t>PostMapping</a:t>
-            </a:r>
+              <a:t>Daten in Excel-Tabelle überführen</a:t>
+            </a:r>
+          </a:p>
+          <a:p>
             <a:r>
               <a:rPr lang="de-DE" dirty="0"/>
-              <a:t> = @</a:t>
-            </a:r>
-            <a:r>
-              <a:rPr lang="de-DE" dirty="0" err="1"/>
-              <a:t>RequestMapping</a:t>
-            </a:r>
+              <a:t>Dokumentation</a:t>
+            </a:r>
+          </a:p>
+          <a:p>
             <a:r>
               <a:rPr lang="de-DE" dirty="0"/>
-              <a:t>(</a:t>
-            </a:r>
-            <a:r>
-              <a:rPr lang="de-DE" dirty="0" err="1"/>
-              <a:t>method</a:t>
-            </a:r>
-            <a:r>
-              <a:rPr lang="de-DE" dirty="0"/>
-              <a:t> = </a:t>
-            </a:r>
-            <a:r>
-              <a:rPr lang="de-DE" dirty="0" err="1"/>
-              <a:t>RequestMethod.POST</a:t>
-            </a:r>
-            <a:r>
-              <a:rPr lang="de-DE" dirty="0"/>
-              <a:t>)</a:t>
-            </a:r>
-          </a:p>
-          <a:p>
-            <a:endParaRPr lang="de-DE" dirty="0"/>
-          </a:p>
-          <a:p>
-            <a:pPr marL="285750" indent="-285750">
-              <a:buFont typeface="Arial" panose="020B0604020202020204" pitchFamily="34" charset="0"/>
-              <a:buChar char="•"/>
-            </a:pPr>
-            <a:r>
-              <a:rPr lang="de-DE" dirty="0"/>
-              <a:t>Bindung an den Body des Web </a:t>
-            </a:r>
-            <a:r>
-              <a:rPr lang="de-DE" dirty="0" err="1"/>
-              <a:t>Requests</a:t>
-            </a:r>
-            <a:r>
-              <a:rPr lang="de-DE" dirty="0"/>
-              <a:t> über Annotation </a:t>
-            </a:r>
-            <a:r>
-              <a:rPr lang="de-DE" dirty="0" err="1"/>
-              <a:t>RequestBody</a:t>
-            </a:r>
-            <a:endParaRPr lang="de-DE" dirty="0"/>
-          </a:p>
-          <a:p>
-            <a:pPr marL="285750" indent="-285750">
-              <a:buFont typeface="Arial" panose="020B0604020202020204" pitchFamily="34" charset="0"/>
-              <a:buChar char="•"/>
-            </a:pPr>
-            <a:endParaRPr lang="de-DE" dirty="0"/>
-          </a:p>
-          <a:p>
-            <a:pPr marL="285750" indent="-285750">
-              <a:buFont typeface="Arial" panose="020B0604020202020204" pitchFamily="34" charset="0"/>
-              <a:buChar char="•"/>
-            </a:pPr>
-            <a:r>
-              <a:rPr lang="de-DE" dirty="0"/>
-              <a:t>Speichern der Daten über Objekte der </a:t>
-            </a:r>
-            <a:r>
-              <a:rPr lang="de-DE" dirty="0" err="1"/>
-              <a:t>Repositories</a:t>
-            </a:r>
-            <a:endParaRPr lang="de-DE" dirty="0"/>
-          </a:p>
-          <a:p>
-            <a:pPr marL="285750" indent="-285750">
-              <a:buFont typeface="Arial" panose="020B0604020202020204" pitchFamily="34" charset="0"/>
-              <a:buChar char="•"/>
-            </a:pPr>
-            <a:endParaRPr lang="de-DE" dirty="0"/>
-          </a:p>
-          <a:p>
-            <a:endParaRPr lang="de-DE" dirty="0"/>
-          </a:p>
-          <a:p>
-            <a:pPr marL="285750" indent="-285750">
-              <a:buFont typeface="Arial" panose="020B0604020202020204" pitchFamily="34" charset="0"/>
-              <a:buChar char="•"/>
-            </a:pPr>
-            <a:endParaRPr lang="de-DE" dirty="0"/>
+              <a:t>Authentifizierung</a:t>
+            </a:r>
           </a:p>
         </p:txBody>
       </p:sp>
     </p:spTree>
     <p:extLst>
       <p:ext uri="{BB962C8B-B14F-4D97-AF65-F5344CB8AC3E}">
-        <p14:creationId xmlns:p14="http://schemas.microsoft.com/office/powerpoint/2010/main" val="1743295633"/>
+        <p14:creationId xmlns:p14="http://schemas.microsoft.com/office/powerpoint/2010/main" val="3350993284"/>
       </p:ext>
     </p:extLst>
   </p:cSld>
@@ -13372,104 +13091,6 @@
     <p:extLst>
       <p:ext uri="{BB962C8B-B14F-4D97-AF65-F5344CB8AC3E}">
         <p14:creationId xmlns:p14="http://schemas.microsoft.com/office/powerpoint/2010/main" val="4067998231"/>
-      </p:ext>
-    </p:extLst>
-  </p:cSld>
-  <p:clrMapOvr>
-    <a:masterClrMapping/>
-  </p:clrMapOvr>
-</p:sld>
-</file>
-
-<file path=ppt/slides/slide30.xml><?xml version="1.0" encoding="utf-8"?>
-<p:sld xmlns:a="http://schemas.openxmlformats.org/drawingml/2006/main" xmlns:r="http://schemas.openxmlformats.org/officeDocument/2006/relationships" xmlns:p="http://schemas.openxmlformats.org/presentationml/2006/main">
-  <p:cSld>
-    <p:spTree>
-      <p:nvGrpSpPr>
-        <p:cNvPr id="1" name=""/>
-        <p:cNvGrpSpPr/>
-        <p:nvPr/>
-      </p:nvGrpSpPr>
-      <p:grpSpPr>
-        <a:xfrm>
-          <a:off x="0" y="0"/>
-          <a:ext cx="0" cy="0"/>
-          <a:chOff x="0" y="0"/>
-          <a:chExt cx="0" cy="0"/>
-        </a:xfrm>
-      </p:grpSpPr>
-      <p:sp>
-        <p:nvSpPr>
-          <p:cNvPr id="2" name="Titel 1">
-            <a:extLst>
-              <a:ext uri="{FF2B5EF4-FFF2-40B4-BE49-F238E27FC236}">
-                <a16:creationId xmlns:a16="http://schemas.microsoft.com/office/drawing/2014/main" id="{7920A7ED-A1A4-4738-859F-58A275E7F327}"/>
-              </a:ext>
-            </a:extLst>
-          </p:cNvPr>
-          <p:cNvSpPr>
-            <a:spLocks noGrp="1"/>
-          </p:cNvSpPr>
-          <p:nvPr>
-            <p:ph type="title"/>
-          </p:nvPr>
-        </p:nvSpPr>
-        <p:spPr/>
-        <p:txBody>
-          <a:bodyPr/>
-          <a:lstStyle/>
-          <a:p>
-            <a:r>
-              <a:rPr lang="de-DE" dirty="0"/>
-              <a:t>Ausblick</a:t>
-            </a:r>
-          </a:p>
-        </p:txBody>
-      </p:sp>
-      <p:sp>
-        <p:nvSpPr>
-          <p:cNvPr id="3" name="Inhaltsplatzhalter 2">
-            <a:extLst>
-              <a:ext uri="{FF2B5EF4-FFF2-40B4-BE49-F238E27FC236}">
-                <a16:creationId xmlns:a16="http://schemas.microsoft.com/office/drawing/2014/main" id="{FCEBA64E-2A61-4FEF-ADEE-8CC7AA23D9B3}"/>
-              </a:ext>
-            </a:extLst>
-          </p:cNvPr>
-          <p:cNvSpPr>
-            <a:spLocks noGrp="1"/>
-          </p:cNvSpPr>
-          <p:nvPr>
-            <p:ph idx="1"/>
-          </p:nvPr>
-        </p:nvSpPr>
-        <p:spPr/>
-        <p:txBody>
-          <a:bodyPr/>
-          <a:lstStyle/>
-          <a:p>
-            <a:r>
-              <a:rPr lang="de-DE" dirty="0"/>
-              <a:t>Daten in Excel-Tabelle überführen</a:t>
-            </a:r>
-          </a:p>
-          <a:p>
-            <a:r>
-              <a:rPr lang="de-DE" dirty="0"/>
-              <a:t>Dokumentation</a:t>
-            </a:r>
-          </a:p>
-          <a:p>
-            <a:r>
-              <a:rPr lang="de-DE" dirty="0"/>
-              <a:t>Authentifizierung</a:t>
-            </a:r>
-          </a:p>
-        </p:txBody>
-      </p:sp>
-    </p:spTree>
-    <p:extLst>
-      <p:ext uri="{BB962C8B-B14F-4D97-AF65-F5344CB8AC3E}">
-        <p14:creationId xmlns:p14="http://schemas.microsoft.com/office/powerpoint/2010/main" val="3350993284"/>
       </p:ext>
     </p:extLst>
   </p:cSld>

--- a/Fragebogen zum Status der Bauqualität.pptx
+++ b/Fragebogen zum Status der Bauqualität.pptx
@@ -7701,6 +7701,44 @@
             <a:endParaRPr lang="de-DE" b="1" dirty="0"/>
           </a:p>
           <a:p>
+            <a:r>
+              <a:rPr lang="de-DE" dirty="0"/>
+              <a:t>Von </a:t>
+            </a:r>
+            <a:r>
+              <a:rPr lang="de-DE" b="1" dirty="0"/>
+              <a:t>712</a:t>
+            </a:r>
+            <a:r>
+              <a:rPr lang="de-DE" dirty="0"/>
+              <a:t> Zeilen </a:t>
+            </a:r>
+            <a:r>
+              <a:rPr lang="de-DE" dirty="0" err="1"/>
+              <a:t>Jquery</a:t>
+            </a:r>
+            <a:r>
+              <a:rPr lang="de-DE" dirty="0"/>
+              <a:t> Code zu </a:t>
+            </a:r>
+            <a:r>
+              <a:rPr lang="de-DE" b="1" dirty="0"/>
+              <a:t>160</a:t>
+            </a:r>
+            <a:r>
+              <a:rPr lang="de-DE" dirty="0"/>
+              <a:t> Zeilen </a:t>
+            </a:r>
+            <a:r>
+              <a:rPr lang="de-DE" dirty="0" err="1"/>
+              <a:t>Vue</a:t>
+            </a:r>
+            <a:r>
+              <a:rPr lang="de-DE" dirty="0"/>
+              <a:t> Code</a:t>
+            </a:r>
+          </a:p>
+          <a:p>
             <a:endParaRPr lang="de-DE" dirty="0"/>
           </a:p>
           <a:p>

--- a/Fragebogen zum Status der Bauqualität.pptx
+++ b/Fragebogen zum Status der Bauqualität.pptx
@@ -9107,7 +9107,7 @@
         </p:spPr>
         <p:txBody>
           <a:bodyPr>
-            <a:normAutofit fontScale="92500" lnSpcReduction="10000"/>
+            <a:normAutofit fontScale="92500" lnSpcReduction="20000"/>
           </a:bodyPr>
           <a:lstStyle/>
           <a:p>
@@ -9132,6 +9132,20 @@
             <a:pPr lvl="1"/>
             <a:r>
               <a:rPr lang="de-DE" dirty="0"/>
+              <a:t>Komponentendiagramm</a:t>
+            </a:r>
+          </a:p>
+          <a:p>
+            <a:pPr lvl="1"/>
+            <a:r>
+              <a:rPr lang="de-DE" dirty="0"/>
+              <a:t>Aktivitätsdiagramm</a:t>
+            </a:r>
+          </a:p>
+          <a:p>
+            <a:pPr lvl="1"/>
+            <a:r>
+              <a:rPr lang="de-DE" dirty="0"/>
               <a:t>Entity-</a:t>
             </a:r>
             <a:r>
@@ -9144,13 +9158,6 @@
             </a:r>
           </a:p>
           <a:p>
-            <a:pPr lvl="1"/>
-            <a:r>
-              <a:rPr lang="de-DE" dirty="0"/>
-              <a:t>Komponentendiagramm</a:t>
-            </a:r>
-          </a:p>
-          <a:p>
             <a:r>
               <a:rPr lang="de-DE" dirty="0"/>
               <a:t>Demonstration des aktuellen Standes</a:t>
@@ -9166,7 +9173,15 @@
             <a:pPr lvl="1"/>
             <a:r>
               <a:rPr lang="de-DE" dirty="0"/>
-              <a:t>Front-End (HTML, JavaScript)</a:t>
+              <a:t>Front-End (</a:t>
+            </a:r>
+            <a:r>
+              <a:rPr lang="de-DE"/>
+              <a:t>HTML/CSS, </a:t>
+            </a:r>
+            <a:r>
+              <a:rPr lang="de-DE" dirty="0"/>
+              <a:t>JavaScript)</a:t>
             </a:r>
           </a:p>
           <a:p>

--- a/Fragebogen zum Status der Bauqualität.pptx
+++ b/Fragebogen zum Status der Bauqualität.pptx
@@ -279,7 +279,7 @@
           <a:p>
             <a:fld id="{48A87A34-81AB-432B-8DAE-1953F412C126}" type="datetimeFigureOut">
               <a:rPr lang="en-US" dirty="0"/>
-              <a:t>12/18/2018</a:t>
+              <a:t>12/19/2018</a:t>
             </a:fld>
             <a:endParaRPr lang="en-US" dirty="0"/>
           </a:p>
@@ -494,7 +494,7 @@
           <a:p>
             <a:fld id="{48A87A34-81AB-432B-8DAE-1953F412C126}" type="datetimeFigureOut">
               <a:rPr lang="en-US" dirty="0"/>
-              <a:t>12/18/2018</a:t>
+              <a:t>12/19/2018</a:t>
             </a:fld>
             <a:endParaRPr lang="en-US" dirty="0"/>
           </a:p>
@@ -713,7 +713,7 @@
           <a:p>
             <a:fld id="{48A87A34-81AB-432B-8DAE-1953F412C126}" type="datetimeFigureOut">
               <a:rPr lang="en-US" dirty="0"/>
-              <a:t>12/18/2018</a:t>
+              <a:t>12/19/2018</a:t>
             </a:fld>
             <a:endParaRPr lang="en-US" dirty="0"/>
           </a:p>
@@ -923,7 +923,7 @@
             <a:fld id="{48A87A34-81AB-432B-8DAE-1953F412C126}" type="datetimeFigureOut">
               <a:rPr lang="en-US" dirty="0"/>
               <a:pPr/>
-              <a:t>12/18/2018</a:t>
+              <a:t>12/19/2018</a:t>
             </a:fld>
             <a:endParaRPr lang="en-US" dirty="0"/>
           </a:p>
@@ -1210,7 +1210,7 @@
           <a:p>
             <a:fld id="{48A87A34-81AB-432B-8DAE-1953F412C126}" type="datetimeFigureOut">
               <a:rPr lang="en-US" dirty="0"/>
-              <a:t>12/18/2018</a:t>
+              <a:t>12/19/2018</a:t>
             </a:fld>
             <a:endParaRPr lang="en-US" dirty="0"/>
           </a:p>
@@ -1482,7 +1482,7 @@
           <a:p>
             <a:fld id="{48A87A34-81AB-432B-8DAE-1953F412C126}" type="datetimeFigureOut">
               <a:rPr lang="en-US" dirty="0"/>
-              <a:t>12/18/2018</a:t>
+              <a:t>12/19/2018</a:t>
             </a:fld>
             <a:endParaRPr lang="en-US" dirty="0"/>
           </a:p>
@@ -1902,7 +1902,7 @@
           <a:p>
             <a:fld id="{48A87A34-81AB-432B-8DAE-1953F412C126}" type="datetimeFigureOut">
               <a:rPr lang="en-US" dirty="0"/>
-              <a:t>12/18/2018</a:t>
+              <a:t>12/19/2018</a:t>
             </a:fld>
             <a:endParaRPr lang="en-US" dirty="0"/>
           </a:p>
@@ -2055,7 +2055,7 @@
           <a:p>
             <a:fld id="{48A87A34-81AB-432B-8DAE-1953F412C126}" type="datetimeFigureOut">
               <a:rPr lang="en-US" dirty="0"/>
-              <a:t>12/18/2018</a:t>
+              <a:t>12/19/2018</a:t>
             </a:fld>
             <a:endParaRPr lang="en-US" dirty="0"/>
           </a:p>
@@ -2185,7 +2185,7 @@
           <a:p>
             <a:fld id="{48A87A34-81AB-432B-8DAE-1953F412C126}" type="datetimeFigureOut">
               <a:rPr lang="en-US" dirty="0"/>
-              <a:t>12/18/2018</a:t>
+              <a:t>12/19/2018</a:t>
             </a:fld>
             <a:endParaRPr lang="en-US" dirty="0"/>
           </a:p>
@@ -2431,7 +2431,7 @@
           <a:p>
             <a:fld id="{48A87A34-81AB-432B-8DAE-1953F412C126}" type="datetimeFigureOut">
               <a:rPr lang="en-US" dirty="0"/>
-              <a:t>12/18/2018</a:t>
+              <a:t>12/19/2018</a:t>
             </a:fld>
             <a:endParaRPr lang="en-US" dirty="0"/>
           </a:p>
@@ -2887,7 +2887,7 @@
             <a:fld id="{48A87A34-81AB-432B-8DAE-1953F412C126}" type="datetimeFigureOut">
               <a:rPr lang="en-US" dirty="0"/>
               <a:pPr/>
-              <a:t>12/18/2018</a:t>
+              <a:t>12/19/2018</a:t>
             </a:fld>
             <a:endParaRPr lang="en-US" dirty="0"/>
           </a:p>
@@ -3264,7 +3264,7 @@
             <a:fld id="{48A87A34-81AB-432B-8DAE-1953F412C126}" type="datetimeFigureOut">
               <a:rPr lang="en-US" dirty="0"/>
               <a:pPr/>
-              <a:t>12/18/2018</a:t>
+              <a:t>12/19/2018</a:t>
             </a:fld>
             <a:endParaRPr lang="en-US" dirty="0"/>
           </a:p>
@@ -12656,8 +12656,32 @@
               <a:buChar char="•"/>
             </a:pPr>
             <a:r>
-              <a:rPr lang="en-US" sz="1500"/>
-              <a:t>@PostMapping = @RequestMapping(method = RequestMethod.POST)</a:t>
+              <a:rPr lang="en-US" sz="1500" dirty="0"/>
+              <a:t>@</a:t>
+            </a:r>
+            <a:r>
+              <a:rPr lang="en-US" sz="1500" dirty="0" err="1"/>
+              <a:t>PostMapping</a:t>
+            </a:r>
+            <a:r>
+              <a:rPr lang="en-US" sz="1500" dirty="0"/>
+              <a:t> = @</a:t>
+            </a:r>
+            <a:r>
+              <a:rPr lang="en-US" sz="1500" dirty="0" err="1"/>
+              <a:t>RequestMapping</a:t>
+            </a:r>
+            <a:r>
+              <a:rPr lang="en-US" sz="1500" dirty="0"/>
+              <a:t>(method = </a:t>
+            </a:r>
+            <a:r>
+              <a:rPr lang="en-US" sz="1500" dirty="0" err="1"/>
+              <a:t>RequestMethod.POST</a:t>
+            </a:r>
+            <a:r>
+              <a:rPr lang="en-US" sz="1500" dirty="0"/>
+              <a:t>)</a:t>
             </a:r>
           </a:p>
           <a:p>
@@ -12675,7 +12699,7 @@
               <a:buFont typeface="Arial" panose="020B0604020202020204" pitchFamily="34" charset="0"/>
               <a:buChar char="•"/>
             </a:pPr>
-            <a:endParaRPr lang="en-US" sz="1500"/>
+            <a:endParaRPr lang="en-US" sz="1500" dirty="0"/>
           </a:p>
           <a:p>
             <a:pPr marL="285750" indent="-228600" defTabSz="914400">
@@ -12693,9 +12717,26 @@
               <a:buChar char="•"/>
             </a:pPr>
             <a:r>
-              <a:rPr lang="en-US" sz="1500"/>
-              <a:t>Bindung an den Body des Web Requests über Annotation RequestBody</a:t>
-            </a:r>
+              <a:rPr lang="en-US" sz="1500" dirty="0" err="1"/>
+              <a:t>Bindung</a:t>
+            </a:r>
+            <a:r>
+              <a:rPr lang="en-US" sz="1500" dirty="0"/>
+              <a:t> an den Body des Web Requests </a:t>
+            </a:r>
+            <a:r>
+              <a:rPr lang="en-US" sz="1500" dirty="0" err="1"/>
+              <a:t>über</a:t>
+            </a:r>
+            <a:r>
+              <a:rPr lang="en-US" sz="1500" dirty="0"/>
+              <a:t> Annotation </a:t>
+            </a:r>
+            <a:r>
+              <a:rPr lang="en-US" sz="1500" dirty="0" err="1"/>
+              <a:t>RequestBody</a:t>
+            </a:r>
+            <a:endParaRPr lang="en-US" sz="1500" dirty="0"/>
           </a:p>
           <a:p>
             <a:pPr marL="285750" indent="-228600" defTabSz="914400">
@@ -12712,7 +12753,7 @@
               <a:buFont typeface="Arial" panose="020B0604020202020204" pitchFamily="34" charset="0"/>
               <a:buChar char="•"/>
             </a:pPr>
-            <a:endParaRPr lang="en-US" sz="1500"/>
+            <a:endParaRPr lang="en-US" sz="1500" dirty="0"/>
           </a:p>
           <a:p>
             <a:pPr marL="285750" indent="-228600" defTabSz="914400">
@@ -12730,9 +12771,30 @@
               <a:buChar char="•"/>
             </a:pPr>
             <a:r>
+              <a:rPr lang="en-US" sz="1500" dirty="0" err="1"/>
+              <a:t>Speichern</a:t>
+            </a:r>
+            <a:r>
+              <a:rPr lang="en-US" sz="1500" dirty="0"/>
+              <a:t> der </a:t>
+            </a:r>
+            <a:r>
+              <a:rPr lang="en-US" sz="1500" dirty="0" err="1"/>
+              <a:t>Daten</a:t>
+            </a:r>
+            <a:r>
+              <a:rPr lang="en-US" sz="1500" dirty="0"/>
+              <a:t> </a:t>
+            </a:r>
+            <a:r>
+              <a:rPr lang="en-US" sz="1500" dirty="0" err="1"/>
+              <a:t>über</a:t>
+            </a:r>
+            <a:r>
               <a:rPr lang="en-US" sz="1500"/>
-              <a:t>Speichern der Daten über Objekte der Repositories</a:t>
-            </a:r>
+              <a:t> die Repositories</a:t>
+            </a:r>
+            <a:endParaRPr lang="en-US" sz="1500" dirty="0"/>
           </a:p>
           <a:p>
             <a:pPr marL="285750" indent="-228600" defTabSz="914400">
@@ -12749,7 +12811,7 @@
               <a:buFont typeface="Arial" panose="020B0604020202020204" pitchFamily="34" charset="0"/>
               <a:buChar char="•"/>
             </a:pPr>
-            <a:endParaRPr lang="en-US" sz="1500"/>
+            <a:endParaRPr lang="en-US" sz="1500" dirty="0"/>
           </a:p>
           <a:p>
             <a:pPr indent="-228600" defTabSz="914400">
@@ -12766,7 +12828,7 @@
               <a:buFont typeface="Arial" panose="020B0604020202020204" pitchFamily="34" charset="0"/>
               <a:buChar char="•"/>
             </a:pPr>
-            <a:endParaRPr lang="en-US" sz="1500"/>
+            <a:endParaRPr lang="en-US" sz="1500" dirty="0"/>
           </a:p>
           <a:p>
             <a:pPr marL="285750" indent="-228600" defTabSz="914400">
@@ -12783,7 +12845,7 @@
               <a:buFont typeface="Arial" panose="020B0604020202020204" pitchFamily="34" charset="0"/>
               <a:buChar char="•"/>
             </a:pPr>
-            <a:endParaRPr lang="en-US" sz="1500"/>
+            <a:endParaRPr lang="en-US" sz="1500" dirty="0"/>
           </a:p>
         </p:txBody>
       </p:sp>

--- a/Fragebogen zum Status der Bauqualität.pptx
+++ b/Fragebogen zum Status der Bauqualität.pptx
@@ -7715,7 +7715,7 @@
             </a:r>
             <a:r>
               <a:rPr lang="de-DE" dirty="0" err="1"/>
-              <a:t>Jquery</a:t>
+              <a:t>JQuery</a:t>
             </a:r>
             <a:r>
               <a:rPr lang="de-DE" dirty="0"/>
@@ -7742,6 +7742,9 @@
             <a:endParaRPr lang="de-DE" dirty="0"/>
           </a:p>
           <a:p>
+            <a:pPr marL="0" indent="0">
+              <a:buNone/>
+            </a:pPr>
             <a:endParaRPr lang="de-DE" dirty="0"/>
           </a:p>
         </p:txBody>
